--- a/Resources/RustErrorHandling.pptx
+++ b/Resources/RustErrorHandling.pptx
@@ -1,17 +1,33 @@
 
 <file path=ppt/presentation.xml><?xml version="1.0" encoding="utf-8"?>
-<p:presentation xmlns:a="http://schemas.openxmlformats.org/drawingml/2006/main" xmlns:r="http://schemas.openxmlformats.org/officeDocument/2006/relationships" xmlns:p="http://schemas.openxmlformats.org/presentationml/2006/main" showSpecialPlsOnTitleSld="0" saveSubsetFonts="1">
+<p:presentation xmlns:a="http://schemas.openxmlformats.org/drawingml/2006/main" xmlns:r="http://schemas.openxmlformats.org/officeDocument/2006/relationships" xmlns:p="http://schemas.openxmlformats.org/presentationml/2006/main" saveSubsetFonts="1">
   <p:sldMasterIdLst>
     <p:sldMasterId id="2147483648" r:id="rId1"/>
   </p:sldMasterIdLst>
   <p:notesMasterIdLst>
-    <p:notesMasterId r:id="rId6"/>
+    <p:notesMasterId r:id="rId22"/>
   </p:notesMasterIdLst>
   <p:sldIdLst>
     <p:sldId id="256" r:id="rId2"/>
-    <p:sldId id="257" r:id="rId3"/>
-    <p:sldId id="259" r:id="rId4"/>
-    <p:sldId id="258" r:id="rId5"/>
+    <p:sldId id="275" r:id="rId3"/>
+    <p:sldId id="257" r:id="rId4"/>
+    <p:sldId id="265" r:id="rId5"/>
+    <p:sldId id="258" r:id="rId6"/>
+    <p:sldId id="270" r:id="rId7"/>
+    <p:sldId id="263" r:id="rId8"/>
+    <p:sldId id="266" r:id="rId9"/>
+    <p:sldId id="264" r:id="rId10"/>
+    <p:sldId id="259" r:id="rId11"/>
+    <p:sldId id="260" r:id="rId12"/>
+    <p:sldId id="267" r:id="rId13"/>
+    <p:sldId id="261" r:id="rId14"/>
+    <p:sldId id="268" r:id="rId15"/>
+    <p:sldId id="262" r:id="rId16"/>
+    <p:sldId id="271" r:id="rId17"/>
+    <p:sldId id="269" r:id="rId18"/>
+    <p:sldId id="272" r:id="rId19"/>
+    <p:sldId id="273" r:id="rId20"/>
+    <p:sldId id="274" r:id="rId21"/>
   </p:sldIdLst>
   <p:sldSz cx="12192000" cy="6858000"/>
   <p:notesSz cx="6858000" cy="9144000"/>
@@ -118,14 +134,6 @@
 </p:presentation>
 </file>
 
-<file path=ppt/revisionInfo.xml><?xml version="1.0" encoding="utf-8"?>
-<p1510:revInfo xmlns:a="http://schemas.openxmlformats.org/drawingml/2006/main" xmlns:r="http://schemas.openxmlformats.org/officeDocument/2006/relationships" xmlns:p1510="http://schemas.microsoft.com/office/powerpoint/2015/10/main">
-  <p1510:revLst>
-    <p1510:client id="{E31C4EA7-6E65-4460-B763-8D3C0A1B012B}" v="11" dt="2020-04-23T20:40:54.207"/>
-  </p1510:revLst>
-</p1510:revInfo>
-</file>
-
 <file path=ppt/notesMasters/notesMaster1.xml><?xml version="1.0" encoding="utf-8"?>
 <p:notesMaster xmlns:a="http://schemas.openxmlformats.org/drawingml/2006/main" xmlns:r="http://schemas.openxmlformats.org/officeDocument/2006/relationships" xmlns:p="http://schemas.openxmlformats.org/presentationml/2006/main">
   <p:cSld>
@@ -206,9 +214,9 @@
             </a:lvl1pPr>
           </a:lstStyle>
           <a:p>
-            <a:fld id="{9F96127D-8C84-4595-9058-BE463E6D351D}" type="datetimeFigureOut">
+            <a:fld id="{055EF092-8A54-4677-B340-5EB5DEB17706}" type="datetimeFigureOut">
               <a:rPr lang="en-US" smtClean="0"/>
-              <a:t>4/23/2020</a:t>
+              <a:t>4/30/2020</a:t>
             </a:fld>
             <a:endParaRPr lang="en-US"/>
           </a:p>
@@ -364,7 +372,7 @@
             </a:lvl1pPr>
           </a:lstStyle>
           <a:p>
-            <a:fld id="{9E6B54DF-323C-488A-8642-637ABA3C4474}" type="slidenum">
+            <a:fld id="{0096FF91-53E7-4F7C-9AC9-5CE79CF086C3}" type="slidenum">
               <a:rPr lang="en-US" smtClean="0"/>
               <a:t>‹#›</a:t>
             </a:fld>
@@ -375,7 +383,7 @@
     </p:spTree>
     <p:extLst>
       <p:ext uri="{BB962C8B-B14F-4D97-AF65-F5344CB8AC3E}">
-        <p14:creationId xmlns:p14="http://schemas.microsoft.com/office/powerpoint/2010/main" val="2298226745"/>
+        <p14:creationId xmlns:p14="http://schemas.microsoft.com/office/powerpoint/2010/main" val="744736822"/>
       </p:ext>
     </p:extLst>
   </p:cSld>
@@ -497,7 +505,7 @@
           <p:cNvPr id="2" name="Title 1">
             <a:extLst>
               <a:ext uri="{FF2B5EF4-FFF2-40B4-BE49-F238E27FC236}">
-                <a16:creationId xmlns:a16="http://schemas.microsoft.com/office/drawing/2014/main" id="{0C29F275-541B-4E39-89D3-05390DBFCB42}"/>
+                <a16:creationId xmlns:a16="http://schemas.microsoft.com/office/drawing/2014/main" id="{3DBEC5D6-74CA-4EF0-A94E-04D5BEED1D16}"/>
               </a:ext>
             </a:extLst>
           </p:cNvPr>
@@ -534,7 +542,7 @@
           <p:cNvPr id="3" name="Subtitle 2">
             <a:extLst>
               <a:ext uri="{FF2B5EF4-FFF2-40B4-BE49-F238E27FC236}">
-                <a16:creationId xmlns:a16="http://schemas.microsoft.com/office/drawing/2014/main" id="{70246E74-62BF-47AE-A388-DBB7B8972CEC}"/>
+                <a16:creationId xmlns:a16="http://schemas.microsoft.com/office/drawing/2014/main" id="{A964A704-019F-4E3C-B8C0-A9C2C77D77DF}"/>
               </a:ext>
             </a:extLst>
           </p:cNvPr>
@@ -604,7 +612,7 @@
           <p:cNvPr id="4" name="Date Placeholder 3">
             <a:extLst>
               <a:ext uri="{FF2B5EF4-FFF2-40B4-BE49-F238E27FC236}">
-                <a16:creationId xmlns:a16="http://schemas.microsoft.com/office/drawing/2014/main" id="{7BA33003-A333-48D8-9069-24DAE0EEA8FF}"/>
+                <a16:creationId xmlns:a16="http://schemas.microsoft.com/office/drawing/2014/main" id="{50847DB7-3F29-4684-AD08-2B39C369320C}"/>
               </a:ext>
             </a:extLst>
           </p:cNvPr>
@@ -620,9 +628,9 @@
           <a:bodyPr/>
           <a:lstStyle/>
           <a:p>
-            <a:fld id="{A641440A-7E57-483A-AA8D-6C2BD1518321}" type="datetime1">
+            <a:fld id="{7003F05C-EF20-4B51-97A3-115F838B2B58}" type="datetime1">
               <a:rPr lang="en-US" smtClean="0"/>
-              <a:t>4/23/2020</a:t>
+              <a:t>4/30/2020</a:t>
             </a:fld>
             <a:endParaRPr lang="en-US"/>
           </a:p>
@@ -633,7 +641,7 @@
           <p:cNvPr id="5" name="Footer Placeholder 4">
             <a:extLst>
               <a:ext uri="{FF2B5EF4-FFF2-40B4-BE49-F238E27FC236}">
-                <a16:creationId xmlns:a16="http://schemas.microsoft.com/office/drawing/2014/main" id="{B416C022-6088-4E4D-BBFF-A4A6A0BBC225}"/>
+                <a16:creationId xmlns:a16="http://schemas.microsoft.com/office/drawing/2014/main" id="{60370819-B82F-44CA-9ACC-DD54C05CC745}"/>
               </a:ext>
             </a:extLst>
           </p:cNvPr>
@@ -658,7 +666,7 @@
           <p:cNvPr id="6" name="Slide Number Placeholder 5">
             <a:extLst>
               <a:ext uri="{FF2B5EF4-FFF2-40B4-BE49-F238E27FC236}">
-                <a16:creationId xmlns:a16="http://schemas.microsoft.com/office/drawing/2014/main" id="{944BF649-D0AD-4336-8661-47A140435CEE}"/>
+                <a16:creationId xmlns:a16="http://schemas.microsoft.com/office/drawing/2014/main" id="{E7E02C7D-EC92-4C7B-B7F1-7A3AEB190255}"/>
               </a:ext>
             </a:extLst>
           </p:cNvPr>
@@ -674,7 +682,7 @@
           <a:bodyPr/>
           <a:lstStyle/>
           <a:p>
-            <a:fld id="{8F6B0A30-8C53-44DF-ABCA-76B31AB81249}" type="slidenum">
+            <a:fld id="{8175FE88-E4F7-4173-9B75-CBBABDFA1364}" type="slidenum">
               <a:rPr lang="en-US" smtClean="0"/>
               <a:t>‹#›</a:t>
             </a:fld>
@@ -685,7 +693,7 @@
     </p:spTree>
     <p:extLst>
       <p:ext uri="{BB962C8B-B14F-4D97-AF65-F5344CB8AC3E}">
-        <p14:creationId xmlns:p14="http://schemas.microsoft.com/office/powerpoint/2010/main" val="559842352"/>
+        <p14:creationId xmlns:p14="http://schemas.microsoft.com/office/powerpoint/2010/main" val="4066633402"/>
       </p:ext>
     </p:extLst>
   </p:cSld>
@@ -717,7 +725,7 @@
           <p:cNvPr id="2" name="Title 1">
             <a:extLst>
               <a:ext uri="{FF2B5EF4-FFF2-40B4-BE49-F238E27FC236}">
-                <a16:creationId xmlns:a16="http://schemas.microsoft.com/office/drawing/2014/main" id="{E76B93E7-7CC9-4D79-B8A0-3242B6D253DE}"/>
+                <a16:creationId xmlns:a16="http://schemas.microsoft.com/office/drawing/2014/main" id="{795ABDD4-4AD8-463A-99CC-C1FCD5B1978B}"/>
               </a:ext>
             </a:extLst>
           </p:cNvPr>
@@ -745,7 +753,7 @@
           <p:cNvPr id="3" name="Vertical Text Placeholder 2">
             <a:extLst>
               <a:ext uri="{FF2B5EF4-FFF2-40B4-BE49-F238E27FC236}">
-                <a16:creationId xmlns:a16="http://schemas.microsoft.com/office/drawing/2014/main" id="{A7423171-78E5-43E6-8C0C-885869BA96BB}"/>
+                <a16:creationId xmlns:a16="http://schemas.microsoft.com/office/drawing/2014/main" id="{833CF680-5F5D-4221-9AE9-E9869B5D50F1}"/>
               </a:ext>
             </a:extLst>
           </p:cNvPr>
@@ -802,7 +810,7 @@
           <p:cNvPr id="4" name="Date Placeholder 3">
             <a:extLst>
               <a:ext uri="{FF2B5EF4-FFF2-40B4-BE49-F238E27FC236}">
-                <a16:creationId xmlns:a16="http://schemas.microsoft.com/office/drawing/2014/main" id="{A4ED5D40-0E86-4E88-9BD4-136D1B5D3543}"/>
+                <a16:creationId xmlns:a16="http://schemas.microsoft.com/office/drawing/2014/main" id="{D65A1D77-B1D0-466E-993F-814065998387}"/>
               </a:ext>
             </a:extLst>
           </p:cNvPr>
@@ -818,9 +826,9 @@
           <a:bodyPr/>
           <a:lstStyle/>
           <a:p>
-            <a:fld id="{CC00A5AE-A943-4B3B-97C4-5680E27955E0}" type="datetime1">
+            <a:fld id="{1E0E74AA-E611-4A03-9DD3-BEE6C4812E9E}" type="datetime1">
               <a:rPr lang="en-US" smtClean="0"/>
-              <a:t>4/23/2020</a:t>
+              <a:t>4/30/2020</a:t>
             </a:fld>
             <a:endParaRPr lang="en-US"/>
           </a:p>
@@ -831,7 +839,7 @@
           <p:cNvPr id="5" name="Footer Placeholder 4">
             <a:extLst>
               <a:ext uri="{FF2B5EF4-FFF2-40B4-BE49-F238E27FC236}">
-                <a16:creationId xmlns:a16="http://schemas.microsoft.com/office/drawing/2014/main" id="{91515DC9-7575-4709-80F4-392384D7A2DF}"/>
+                <a16:creationId xmlns:a16="http://schemas.microsoft.com/office/drawing/2014/main" id="{58C9C832-1231-46DD-82F4-67BA4A61FDDF}"/>
               </a:ext>
             </a:extLst>
           </p:cNvPr>
@@ -856,7 +864,7 @@
           <p:cNvPr id="6" name="Slide Number Placeholder 5">
             <a:extLst>
               <a:ext uri="{FF2B5EF4-FFF2-40B4-BE49-F238E27FC236}">
-                <a16:creationId xmlns:a16="http://schemas.microsoft.com/office/drawing/2014/main" id="{508E3505-CAFA-4206-94B9-14D5085189A4}"/>
+                <a16:creationId xmlns:a16="http://schemas.microsoft.com/office/drawing/2014/main" id="{C3189067-D4A2-4A50-B02E-6F284C283F95}"/>
               </a:ext>
             </a:extLst>
           </p:cNvPr>
@@ -872,7 +880,7 @@
           <a:bodyPr/>
           <a:lstStyle/>
           <a:p>
-            <a:fld id="{8F6B0A30-8C53-44DF-ABCA-76B31AB81249}" type="slidenum">
+            <a:fld id="{8175FE88-E4F7-4173-9B75-CBBABDFA1364}" type="slidenum">
               <a:rPr lang="en-US" smtClean="0"/>
               <a:t>‹#›</a:t>
             </a:fld>
@@ -883,7 +891,7 @@
     </p:spTree>
     <p:extLst>
       <p:ext uri="{BB962C8B-B14F-4D97-AF65-F5344CB8AC3E}">
-        <p14:creationId xmlns:p14="http://schemas.microsoft.com/office/powerpoint/2010/main" val="3073369965"/>
+        <p14:creationId xmlns:p14="http://schemas.microsoft.com/office/powerpoint/2010/main" val="4166910743"/>
       </p:ext>
     </p:extLst>
   </p:cSld>
@@ -915,7 +923,7 @@
           <p:cNvPr id="2" name="Vertical Title 1">
             <a:extLst>
               <a:ext uri="{FF2B5EF4-FFF2-40B4-BE49-F238E27FC236}">
-                <a16:creationId xmlns:a16="http://schemas.microsoft.com/office/drawing/2014/main" id="{471FE07E-FCB2-4857-90D9-E7471FB24FDC}"/>
+                <a16:creationId xmlns:a16="http://schemas.microsoft.com/office/drawing/2014/main" id="{DDBA35A5-54A3-4613-AB8C-7FA6DB06E374}"/>
               </a:ext>
             </a:extLst>
           </p:cNvPr>
@@ -948,7 +956,7 @@
           <p:cNvPr id="3" name="Vertical Text Placeholder 2">
             <a:extLst>
               <a:ext uri="{FF2B5EF4-FFF2-40B4-BE49-F238E27FC236}">
-                <a16:creationId xmlns:a16="http://schemas.microsoft.com/office/drawing/2014/main" id="{870E4411-F143-4974-871D-4A55801D716D}"/>
+                <a16:creationId xmlns:a16="http://schemas.microsoft.com/office/drawing/2014/main" id="{BAA69594-24A5-401C-AD34-BE4FB1F1D254}"/>
               </a:ext>
             </a:extLst>
           </p:cNvPr>
@@ -1010,7 +1018,7 @@
           <p:cNvPr id="4" name="Date Placeholder 3">
             <a:extLst>
               <a:ext uri="{FF2B5EF4-FFF2-40B4-BE49-F238E27FC236}">
-                <a16:creationId xmlns:a16="http://schemas.microsoft.com/office/drawing/2014/main" id="{4BA0F45C-D14C-4723-B663-107576A58280}"/>
+                <a16:creationId xmlns:a16="http://schemas.microsoft.com/office/drawing/2014/main" id="{DB11F1DB-0238-4C81-9108-697EEE786FDB}"/>
               </a:ext>
             </a:extLst>
           </p:cNvPr>
@@ -1026,9 +1034,9 @@
           <a:bodyPr/>
           <a:lstStyle/>
           <a:p>
-            <a:fld id="{FEEC9D39-7E3A-46FF-A3AF-F880C51D1531}" type="datetime1">
+            <a:fld id="{EE8A0E21-A897-43BA-81EE-64604D571854}" type="datetime1">
               <a:rPr lang="en-US" smtClean="0"/>
-              <a:t>4/23/2020</a:t>
+              <a:t>4/30/2020</a:t>
             </a:fld>
             <a:endParaRPr lang="en-US"/>
           </a:p>
@@ -1039,7 +1047,7 @@
           <p:cNvPr id="5" name="Footer Placeholder 4">
             <a:extLst>
               <a:ext uri="{FF2B5EF4-FFF2-40B4-BE49-F238E27FC236}">
-                <a16:creationId xmlns:a16="http://schemas.microsoft.com/office/drawing/2014/main" id="{F9E1340D-5B70-41C6-A601-96EE736FEE70}"/>
+                <a16:creationId xmlns:a16="http://schemas.microsoft.com/office/drawing/2014/main" id="{7236FED0-3FA9-47D1-A28E-469BAFBE8617}"/>
               </a:ext>
             </a:extLst>
           </p:cNvPr>
@@ -1064,7 +1072,7 @@
           <p:cNvPr id="6" name="Slide Number Placeholder 5">
             <a:extLst>
               <a:ext uri="{FF2B5EF4-FFF2-40B4-BE49-F238E27FC236}">
-                <a16:creationId xmlns:a16="http://schemas.microsoft.com/office/drawing/2014/main" id="{34D6CF70-B7A6-4A38-A56F-1E96A15EBF48}"/>
+                <a16:creationId xmlns:a16="http://schemas.microsoft.com/office/drawing/2014/main" id="{A5F6E168-24EB-4F0E-8D7E-0EA6A7235164}"/>
               </a:ext>
             </a:extLst>
           </p:cNvPr>
@@ -1080,7 +1088,7 @@
           <a:bodyPr/>
           <a:lstStyle/>
           <a:p>
-            <a:fld id="{8F6B0A30-8C53-44DF-ABCA-76B31AB81249}" type="slidenum">
+            <a:fld id="{8175FE88-E4F7-4173-9B75-CBBABDFA1364}" type="slidenum">
               <a:rPr lang="en-US" smtClean="0"/>
               <a:t>‹#›</a:t>
             </a:fld>
@@ -1091,7 +1099,7 @@
     </p:spTree>
     <p:extLst>
       <p:ext uri="{BB962C8B-B14F-4D97-AF65-F5344CB8AC3E}">
-        <p14:creationId xmlns:p14="http://schemas.microsoft.com/office/powerpoint/2010/main" val="3918234685"/>
+        <p14:creationId xmlns:p14="http://schemas.microsoft.com/office/powerpoint/2010/main" val="2119129981"/>
       </p:ext>
     </p:extLst>
   </p:cSld>
@@ -1123,7 +1131,7 @@
           <p:cNvPr id="2" name="Title 1">
             <a:extLst>
               <a:ext uri="{FF2B5EF4-FFF2-40B4-BE49-F238E27FC236}">
-                <a16:creationId xmlns:a16="http://schemas.microsoft.com/office/drawing/2014/main" id="{A744F094-7C55-442A-887D-CAE121AA07E1}"/>
+                <a16:creationId xmlns:a16="http://schemas.microsoft.com/office/drawing/2014/main" id="{F8A6B718-5258-46A1-BB95-02D0FB624C4B}"/>
               </a:ext>
             </a:extLst>
           </p:cNvPr>
@@ -1137,7 +1145,7 @@
         <p:spPr>
           <a:xfrm>
             <a:off x="838200" y="365126"/>
-            <a:ext cx="10515600" cy="818990"/>
+            <a:ext cx="10515600" cy="792676"/>
           </a:xfrm>
         </p:spPr>
         <p:txBody>
@@ -1145,7 +1153,7 @@
           <a:lstStyle/>
           <a:p>
             <a:r>
-              <a:rPr lang="en-US" dirty="0"/>
+              <a:rPr lang="en-US"/>
               <a:t>Click to edit Master title style</a:t>
             </a:r>
           </a:p>
@@ -1156,7 +1164,7 @@
           <p:cNvPr id="3" name="Content Placeholder 2">
             <a:extLst>
               <a:ext uri="{FF2B5EF4-FFF2-40B4-BE49-F238E27FC236}">
-                <a16:creationId xmlns:a16="http://schemas.microsoft.com/office/drawing/2014/main" id="{C2ACFE8A-F9D4-4773-B5E6-EA2FE798EAA7}"/>
+                <a16:creationId xmlns:a16="http://schemas.microsoft.com/office/drawing/2014/main" id="{008698BF-4C60-4419-83A6-928AC4CF9C0D}"/>
               </a:ext>
             </a:extLst>
           </p:cNvPr>
@@ -1169,8 +1177,8 @@
         </p:nvSpPr>
         <p:spPr>
           <a:xfrm>
-            <a:off x="838200" y="1374889"/>
-            <a:ext cx="10515600" cy="4802074"/>
+            <a:off x="838200" y="1322262"/>
+            <a:ext cx="10515600" cy="4854701"/>
           </a:xfrm>
         </p:spPr>
         <p:txBody>
@@ -1218,7 +1226,7 @@
           <p:cNvPr id="4" name="Date Placeholder 3">
             <a:extLst>
               <a:ext uri="{FF2B5EF4-FFF2-40B4-BE49-F238E27FC236}">
-                <a16:creationId xmlns:a16="http://schemas.microsoft.com/office/drawing/2014/main" id="{65035567-31C7-4510-B946-8E83553FBF26}"/>
+                <a16:creationId xmlns:a16="http://schemas.microsoft.com/office/drawing/2014/main" id="{56859950-31EE-4E8C-B740-ECEB51F8C115}"/>
               </a:ext>
             </a:extLst>
           </p:cNvPr>
@@ -1234,9 +1242,9 @@
           <a:bodyPr/>
           <a:lstStyle/>
           <a:p>
-            <a:fld id="{0E0F11C4-ACC9-43C2-A9E8-2FDEAB44E93C}" type="datetime1">
+            <a:fld id="{19992C5C-26EE-4E62-AE79-04B4A79A3F7A}" type="datetime1">
               <a:rPr lang="en-US" smtClean="0"/>
-              <a:t>4/23/2020</a:t>
+              <a:t>4/30/2020</a:t>
             </a:fld>
             <a:endParaRPr lang="en-US"/>
           </a:p>
@@ -1247,7 +1255,7 @@
           <p:cNvPr id="5" name="Footer Placeholder 4">
             <a:extLst>
               <a:ext uri="{FF2B5EF4-FFF2-40B4-BE49-F238E27FC236}">
-                <a16:creationId xmlns:a16="http://schemas.microsoft.com/office/drawing/2014/main" id="{91FDFB44-180A-4488-8623-EEABA19298AB}"/>
+                <a16:creationId xmlns:a16="http://schemas.microsoft.com/office/drawing/2014/main" id="{88513192-673A-4B16-A30B-2296E634A877}"/>
               </a:ext>
             </a:extLst>
           </p:cNvPr>
@@ -1272,7 +1280,7 @@
           <p:cNvPr id="6" name="Slide Number Placeholder 5">
             <a:extLst>
               <a:ext uri="{FF2B5EF4-FFF2-40B4-BE49-F238E27FC236}">
-                <a16:creationId xmlns:a16="http://schemas.microsoft.com/office/drawing/2014/main" id="{CC990233-7CC0-4096-B7BB-5F121B0090B3}"/>
+                <a16:creationId xmlns:a16="http://schemas.microsoft.com/office/drawing/2014/main" id="{AC0EBDD6-765B-48BF-AE85-E6EC2BBE20C8}"/>
               </a:ext>
             </a:extLst>
           </p:cNvPr>
@@ -1292,7 +1300,7 @@
             </a:lvl1pPr>
           </a:lstStyle>
           <a:p>
-            <a:fld id="{8F6B0A30-8C53-44DF-ABCA-76B31AB81249}" type="slidenum">
+            <a:fld id="{8175FE88-E4F7-4173-9B75-CBBABDFA1364}" type="slidenum">
               <a:rPr lang="en-US" smtClean="0"/>
               <a:pPr/>
               <a:t>‹#›</a:t>
@@ -1304,7 +1312,7 @@
     </p:spTree>
     <p:extLst>
       <p:ext uri="{BB962C8B-B14F-4D97-AF65-F5344CB8AC3E}">
-        <p14:creationId xmlns:p14="http://schemas.microsoft.com/office/powerpoint/2010/main" val="1323022762"/>
+        <p14:creationId xmlns:p14="http://schemas.microsoft.com/office/powerpoint/2010/main" val="1550239040"/>
       </p:ext>
     </p:extLst>
   </p:cSld>
@@ -1336,7 +1344,7 @@
           <p:cNvPr id="2" name="Title 1">
             <a:extLst>
               <a:ext uri="{FF2B5EF4-FFF2-40B4-BE49-F238E27FC236}">
-                <a16:creationId xmlns:a16="http://schemas.microsoft.com/office/drawing/2014/main" id="{4CA89A85-882A-4CFC-94C1-35C5F0A9A673}"/>
+                <a16:creationId xmlns:a16="http://schemas.microsoft.com/office/drawing/2014/main" id="{48DDD08C-E6D9-40EA-92BF-7CA46F3DAD87}"/>
               </a:ext>
             </a:extLst>
           </p:cNvPr>
@@ -1373,7 +1381,7 @@
           <p:cNvPr id="3" name="Text Placeholder 2">
             <a:extLst>
               <a:ext uri="{FF2B5EF4-FFF2-40B4-BE49-F238E27FC236}">
-                <a16:creationId xmlns:a16="http://schemas.microsoft.com/office/drawing/2014/main" id="{5B19E127-F04F-47C7-8C8A-BDD28C1FBBC7}"/>
+                <a16:creationId xmlns:a16="http://schemas.microsoft.com/office/drawing/2014/main" id="{EC85DE46-72DF-47B5-A83C-DA1C2920FF71}"/>
               </a:ext>
             </a:extLst>
           </p:cNvPr>
@@ -1498,7 +1506,7 @@
           <p:cNvPr id="4" name="Date Placeholder 3">
             <a:extLst>
               <a:ext uri="{FF2B5EF4-FFF2-40B4-BE49-F238E27FC236}">
-                <a16:creationId xmlns:a16="http://schemas.microsoft.com/office/drawing/2014/main" id="{6A2A2A25-0F82-45B7-BBB8-15E2FA6B2620}"/>
+                <a16:creationId xmlns:a16="http://schemas.microsoft.com/office/drawing/2014/main" id="{6D0D9E37-2153-4DE0-BEE7-0248BD4B1CF9}"/>
               </a:ext>
             </a:extLst>
           </p:cNvPr>
@@ -1514,9 +1522,9 @@
           <a:bodyPr/>
           <a:lstStyle/>
           <a:p>
-            <a:fld id="{A69FDEC1-1668-4F41-A470-C55DB4208CC6}" type="datetime1">
+            <a:fld id="{F3E6EB64-133E-4D5A-8A6C-3534A19C7632}" type="datetime1">
               <a:rPr lang="en-US" smtClean="0"/>
-              <a:t>4/23/2020</a:t>
+              <a:t>4/30/2020</a:t>
             </a:fld>
             <a:endParaRPr lang="en-US"/>
           </a:p>
@@ -1527,7 +1535,7 @@
           <p:cNvPr id="5" name="Footer Placeholder 4">
             <a:extLst>
               <a:ext uri="{FF2B5EF4-FFF2-40B4-BE49-F238E27FC236}">
-                <a16:creationId xmlns:a16="http://schemas.microsoft.com/office/drawing/2014/main" id="{F0F8E990-E073-4105-AD52-A2904F87DDB2}"/>
+                <a16:creationId xmlns:a16="http://schemas.microsoft.com/office/drawing/2014/main" id="{16449C81-57D7-4728-B40E-A7A52EF31414}"/>
               </a:ext>
             </a:extLst>
           </p:cNvPr>
@@ -1552,7 +1560,7 @@
           <p:cNvPr id="6" name="Slide Number Placeholder 5">
             <a:extLst>
               <a:ext uri="{FF2B5EF4-FFF2-40B4-BE49-F238E27FC236}">
-                <a16:creationId xmlns:a16="http://schemas.microsoft.com/office/drawing/2014/main" id="{58A1282C-1852-4123-8C19-A9E657408592}"/>
+                <a16:creationId xmlns:a16="http://schemas.microsoft.com/office/drawing/2014/main" id="{E7B8AFAB-AFF6-4257-A36F-0050338AC34B}"/>
               </a:ext>
             </a:extLst>
           </p:cNvPr>
@@ -1568,7 +1576,7 @@
           <a:bodyPr/>
           <a:lstStyle/>
           <a:p>
-            <a:fld id="{8F6B0A30-8C53-44DF-ABCA-76B31AB81249}" type="slidenum">
+            <a:fld id="{8175FE88-E4F7-4173-9B75-CBBABDFA1364}" type="slidenum">
               <a:rPr lang="en-US" smtClean="0"/>
               <a:t>‹#›</a:t>
             </a:fld>
@@ -1579,7 +1587,7 @@
     </p:spTree>
     <p:extLst>
       <p:ext uri="{BB962C8B-B14F-4D97-AF65-F5344CB8AC3E}">
-        <p14:creationId xmlns:p14="http://schemas.microsoft.com/office/powerpoint/2010/main" val="1601783539"/>
+        <p14:creationId xmlns:p14="http://schemas.microsoft.com/office/powerpoint/2010/main" val="1051405765"/>
       </p:ext>
     </p:extLst>
   </p:cSld>
@@ -1611,7 +1619,7 @@
           <p:cNvPr id="2" name="Title 1">
             <a:extLst>
               <a:ext uri="{FF2B5EF4-FFF2-40B4-BE49-F238E27FC236}">
-                <a16:creationId xmlns:a16="http://schemas.microsoft.com/office/drawing/2014/main" id="{632846A4-0526-4060-88BF-FC2324F2331B}"/>
+                <a16:creationId xmlns:a16="http://schemas.microsoft.com/office/drawing/2014/main" id="{B7F9AAA0-E856-4798-8082-826BD81C056A}"/>
               </a:ext>
             </a:extLst>
           </p:cNvPr>
@@ -1622,7 +1630,12 @@
             <p:ph type="title"/>
           </p:nvPr>
         </p:nvSpPr>
-        <p:spPr/>
+        <p:spPr>
+          <a:xfrm>
+            <a:off x="838200" y="365126"/>
+            <a:ext cx="10515600" cy="621638"/>
+          </a:xfrm>
+        </p:spPr>
         <p:txBody>
           <a:bodyPr/>
           <a:lstStyle/>
@@ -1639,7 +1652,7 @@
           <p:cNvPr id="3" name="Content Placeholder 2">
             <a:extLst>
               <a:ext uri="{FF2B5EF4-FFF2-40B4-BE49-F238E27FC236}">
-                <a16:creationId xmlns:a16="http://schemas.microsoft.com/office/drawing/2014/main" id="{3DBF2E2A-9FA8-45E0-B09C-1879551083D3}"/>
+                <a16:creationId xmlns:a16="http://schemas.microsoft.com/office/drawing/2014/main" id="{800B00A5-FB8D-47F2-B11A-08D47979EB31}"/>
               </a:ext>
             </a:extLst>
           </p:cNvPr>
@@ -1652,8 +1665,8 @@
         </p:nvSpPr>
         <p:spPr>
           <a:xfrm>
-            <a:off x="838200" y="1825625"/>
-            <a:ext cx="5181600" cy="4351338"/>
+            <a:off x="838200" y="1223586"/>
+            <a:ext cx="5181600" cy="4953377"/>
           </a:xfrm>
         </p:spPr>
         <p:txBody>
@@ -1662,35 +1675,35 @@
           <a:p>
             <a:pPr lvl="0"/>
             <a:r>
-              <a:rPr lang="en-US"/>
+              <a:rPr lang="en-US" dirty="0"/>
               <a:t>Click to edit Master text styles</a:t>
             </a:r>
           </a:p>
           <a:p>
             <a:pPr lvl="1"/>
             <a:r>
-              <a:rPr lang="en-US"/>
+              <a:rPr lang="en-US" dirty="0"/>
               <a:t>Second level</a:t>
             </a:r>
           </a:p>
           <a:p>
             <a:pPr lvl="2"/>
             <a:r>
-              <a:rPr lang="en-US"/>
+              <a:rPr lang="en-US" dirty="0"/>
               <a:t>Third level</a:t>
             </a:r>
           </a:p>
           <a:p>
             <a:pPr lvl="3"/>
             <a:r>
-              <a:rPr lang="en-US"/>
+              <a:rPr lang="en-US" dirty="0"/>
               <a:t>Fourth level</a:t>
             </a:r>
           </a:p>
           <a:p>
             <a:pPr lvl="4"/>
             <a:r>
-              <a:rPr lang="en-US"/>
+              <a:rPr lang="en-US" dirty="0"/>
               <a:t>Fifth level</a:t>
             </a:r>
           </a:p>
@@ -1701,7 +1714,7 @@
           <p:cNvPr id="4" name="Content Placeholder 3">
             <a:extLst>
               <a:ext uri="{FF2B5EF4-FFF2-40B4-BE49-F238E27FC236}">
-                <a16:creationId xmlns:a16="http://schemas.microsoft.com/office/drawing/2014/main" id="{EBCC3372-F8C9-4C79-98DC-2CA6A3290C6E}"/>
+                <a16:creationId xmlns:a16="http://schemas.microsoft.com/office/drawing/2014/main" id="{F6A6BAFC-B6B4-49A0-BA1A-727CEDD78212}"/>
               </a:ext>
             </a:extLst>
           </p:cNvPr>
@@ -1714,8 +1727,8 @@
         </p:nvSpPr>
         <p:spPr>
           <a:xfrm>
-            <a:off x="6172200" y="1825625"/>
-            <a:ext cx="5181600" cy="4351338"/>
+            <a:off x="6172200" y="1223586"/>
+            <a:ext cx="5181600" cy="4953377"/>
           </a:xfrm>
         </p:spPr>
         <p:txBody>
@@ -1724,35 +1737,35 @@
           <a:p>
             <a:pPr lvl="0"/>
             <a:r>
-              <a:rPr lang="en-US"/>
+              <a:rPr lang="en-US" dirty="0"/>
               <a:t>Click to edit Master text styles</a:t>
             </a:r>
           </a:p>
           <a:p>
             <a:pPr lvl="1"/>
             <a:r>
-              <a:rPr lang="en-US"/>
+              <a:rPr lang="en-US" dirty="0"/>
               <a:t>Second level</a:t>
             </a:r>
           </a:p>
           <a:p>
             <a:pPr lvl="2"/>
             <a:r>
-              <a:rPr lang="en-US"/>
+              <a:rPr lang="en-US" dirty="0"/>
               <a:t>Third level</a:t>
             </a:r>
           </a:p>
           <a:p>
             <a:pPr lvl="3"/>
             <a:r>
-              <a:rPr lang="en-US"/>
+              <a:rPr lang="en-US" dirty="0"/>
               <a:t>Fourth level</a:t>
             </a:r>
           </a:p>
           <a:p>
             <a:pPr lvl="4"/>
             <a:r>
-              <a:rPr lang="en-US"/>
+              <a:rPr lang="en-US" dirty="0"/>
               <a:t>Fifth level</a:t>
             </a:r>
           </a:p>
@@ -1763,7 +1776,7 @@
           <p:cNvPr id="5" name="Date Placeholder 4">
             <a:extLst>
               <a:ext uri="{FF2B5EF4-FFF2-40B4-BE49-F238E27FC236}">
-                <a16:creationId xmlns:a16="http://schemas.microsoft.com/office/drawing/2014/main" id="{0C2789D5-EC66-4940-8435-824FE3E5A7ED}"/>
+                <a16:creationId xmlns:a16="http://schemas.microsoft.com/office/drawing/2014/main" id="{158CFFB6-6899-49CA-8C2E-FA8470D68586}"/>
               </a:ext>
             </a:extLst>
           </p:cNvPr>
@@ -1779,9 +1792,9 @@
           <a:bodyPr/>
           <a:lstStyle/>
           <a:p>
-            <a:fld id="{10BA61FE-0B13-4EE1-A91F-019B10AF891C}" type="datetime1">
+            <a:fld id="{0611245F-A05F-4ABB-91F6-7A3E5BE71DCA}" type="datetime1">
               <a:rPr lang="en-US" smtClean="0"/>
-              <a:t>4/23/2020</a:t>
+              <a:t>4/30/2020</a:t>
             </a:fld>
             <a:endParaRPr lang="en-US"/>
           </a:p>
@@ -1792,7 +1805,7 @@
           <p:cNvPr id="6" name="Footer Placeholder 5">
             <a:extLst>
               <a:ext uri="{FF2B5EF4-FFF2-40B4-BE49-F238E27FC236}">
-                <a16:creationId xmlns:a16="http://schemas.microsoft.com/office/drawing/2014/main" id="{ACC264DB-6A47-440E-BADA-72883DAF3C4B}"/>
+                <a16:creationId xmlns:a16="http://schemas.microsoft.com/office/drawing/2014/main" id="{5CDEB80A-65EE-40F6-8D68-81574877E9B4}"/>
               </a:ext>
             </a:extLst>
           </p:cNvPr>
@@ -1817,7 +1830,7 @@
           <p:cNvPr id="7" name="Slide Number Placeholder 6">
             <a:extLst>
               <a:ext uri="{FF2B5EF4-FFF2-40B4-BE49-F238E27FC236}">
-                <a16:creationId xmlns:a16="http://schemas.microsoft.com/office/drawing/2014/main" id="{07999D88-72CB-4650-8CA3-4C90BDB54754}"/>
+                <a16:creationId xmlns:a16="http://schemas.microsoft.com/office/drawing/2014/main" id="{25806F2C-7388-4840-8EFD-E25448BB2700}"/>
               </a:ext>
             </a:extLst>
           </p:cNvPr>
@@ -1831,20 +1844,25 @@
         <p:spPr/>
         <p:txBody>
           <a:bodyPr/>
-          <a:lstStyle/>
-          <a:p>
-            <a:fld id="{8F6B0A30-8C53-44DF-ABCA-76B31AB81249}" type="slidenum">
+          <a:lstStyle>
+            <a:lvl1pPr>
+              <a:defRPr sz="1800"/>
+            </a:lvl1pPr>
+          </a:lstStyle>
+          <a:p>
+            <a:fld id="{8175FE88-E4F7-4173-9B75-CBBABDFA1364}" type="slidenum">
               <a:rPr lang="en-US" smtClean="0"/>
+              <a:pPr/>
               <a:t>‹#›</a:t>
             </a:fld>
-            <a:endParaRPr lang="en-US"/>
+            <a:endParaRPr lang="en-US" dirty="0"/>
           </a:p>
         </p:txBody>
       </p:sp>
     </p:spTree>
     <p:extLst>
       <p:ext uri="{BB962C8B-B14F-4D97-AF65-F5344CB8AC3E}">
-        <p14:creationId xmlns:p14="http://schemas.microsoft.com/office/powerpoint/2010/main" val="1979007299"/>
+        <p14:creationId xmlns:p14="http://schemas.microsoft.com/office/powerpoint/2010/main" val="553253338"/>
       </p:ext>
     </p:extLst>
   </p:cSld>
@@ -1876,7 +1894,7 @@
           <p:cNvPr id="2" name="Title 1">
             <a:extLst>
               <a:ext uri="{FF2B5EF4-FFF2-40B4-BE49-F238E27FC236}">
-                <a16:creationId xmlns:a16="http://schemas.microsoft.com/office/drawing/2014/main" id="{768A9495-C6A2-44F9-BAC1-2A230EE52ECA}"/>
+                <a16:creationId xmlns:a16="http://schemas.microsoft.com/office/drawing/2014/main" id="{25C490EF-993C-473D-B421-E06DFFED8DF7}"/>
               </a:ext>
             </a:extLst>
           </p:cNvPr>
@@ -1909,7 +1927,7 @@
           <p:cNvPr id="3" name="Text Placeholder 2">
             <a:extLst>
               <a:ext uri="{FF2B5EF4-FFF2-40B4-BE49-F238E27FC236}">
-                <a16:creationId xmlns:a16="http://schemas.microsoft.com/office/drawing/2014/main" id="{B90797D0-5561-4745-A24E-FDD31A808FBE}"/>
+                <a16:creationId xmlns:a16="http://schemas.microsoft.com/office/drawing/2014/main" id="{AC12BA39-338B-42B9-A8F8-57B2D996442B}"/>
               </a:ext>
             </a:extLst>
           </p:cNvPr>
@@ -1980,7 +1998,7 @@
           <p:cNvPr id="4" name="Content Placeholder 3">
             <a:extLst>
               <a:ext uri="{FF2B5EF4-FFF2-40B4-BE49-F238E27FC236}">
-                <a16:creationId xmlns:a16="http://schemas.microsoft.com/office/drawing/2014/main" id="{66C2640F-7B63-4FF8-BA84-516C888C0F9B}"/>
+                <a16:creationId xmlns:a16="http://schemas.microsoft.com/office/drawing/2014/main" id="{D6795BF0-85C3-456F-817B-5D895AD87279}"/>
               </a:ext>
             </a:extLst>
           </p:cNvPr>
@@ -2042,7 +2060,7 @@
           <p:cNvPr id="5" name="Text Placeholder 4">
             <a:extLst>
               <a:ext uri="{FF2B5EF4-FFF2-40B4-BE49-F238E27FC236}">
-                <a16:creationId xmlns:a16="http://schemas.microsoft.com/office/drawing/2014/main" id="{0BA647D5-366E-4F15-A85F-236D4020F84C}"/>
+                <a16:creationId xmlns:a16="http://schemas.microsoft.com/office/drawing/2014/main" id="{D2A06CCE-3388-4D36-B1F4-2F62215F1F68}"/>
               </a:ext>
             </a:extLst>
           </p:cNvPr>
@@ -2113,7 +2131,7 @@
           <p:cNvPr id="6" name="Content Placeholder 5">
             <a:extLst>
               <a:ext uri="{FF2B5EF4-FFF2-40B4-BE49-F238E27FC236}">
-                <a16:creationId xmlns:a16="http://schemas.microsoft.com/office/drawing/2014/main" id="{721B82EE-EB7C-4E8C-8530-5BD944373EF9}"/>
+                <a16:creationId xmlns:a16="http://schemas.microsoft.com/office/drawing/2014/main" id="{61478DFE-B1C7-42A2-ABCB-1B663B9D7492}"/>
               </a:ext>
             </a:extLst>
           </p:cNvPr>
@@ -2175,7 +2193,7 @@
           <p:cNvPr id="7" name="Date Placeholder 6">
             <a:extLst>
               <a:ext uri="{FF2B5EF4-FFF2-40B4-BE49-F238E27FC236}">
-                <a16:creationId xmlns:a16="http://schemas.microsoft.com/office/drawing/2014/main" id="{B736F936-9355-4432-8E38-1E0115828081}"/>
+                <a16:creationId xmlns:a16="http://schemas.microsoft.com/office/drawing/2014/main" id="{4D1CC854-5F03-4B5A-9786-ADBA72BA59E9}"/>
               </a:ext>
             </a:extLst>
           </p:cNvPr>
@@ -2191,9 +2209,9 @@
           <a:bodyPr/>
           <a:lstStyle/>
           <a:p>
-            <a:fld id="{A9B434B5-2BDA-475C-A9E3-B68DF9D413B9}" type="datetime1">
+            <a:fld id="{37706B91-6753-49B3-A365-70F645195F97}" type="datetime1">
               <a:rPr lang="en-US" smtClean="0"/>
-              <a:t>4/23/2020</a:t>
+              <a:t>4/30/2020</a:t>
             </a:fld>
             <a:endParaRPr lang="en-US"/>
           </a:p>
@@ -2204,7 +2222,7 @@
           <p:cNvPr id="8" name="Footer Placeholder 7">
             <a:extLst>
               <a:ext uri="{FF2B5EF4-FFF2-40B4-BE49-F238E27FC236}">
-                <a16:creationId xmlns:a16="http://schemas.microsoft.com/office/drawing/2014/main" id="{2813E7A6-29BA-40A4-A496-2859E0BAFAD1}"/>
+                <a16:creationId xmlns:a16="http://schemas.microsoft.com/office/drawing/2014/main" id="{3B92BE9F-E5B0-42C0-854C-9927350A643C}"/>
               </a:ext>
             </a:extLst>
           </p:cNvPr>
@@ -2229,7 +2247,7 @@
           <p:cNvPr id="9" name="Slide Number Placeholder 8">
             <a:extLst>
               <a:ext uri="{FF2B5EF4-FFF2-40B4-BE49-F238E27FC236}">
-                <a16:creationId xmlns:a16="http://schemas.microsoft.com/office/drawing/2014/main" id="{E1820A76-7DA1-4EC8-8205-BB1AABC2597F}"/>
+                <a16:creationId xmlns:a16="http://schemas.microsoft.com/office/drawing/2014/main" id="{A7C128C7-F8E3-461B-9A56-4016ABA226CD}"/>
               </a:ext>
             </a:extLst>
           </p:cNvPr>
@@ -2245,7 +2263,7 @@
           <a:bodyPr/>
           <a:lstStyle/>
           <a:p>
-            <a:fld id="{8F6B0A30-8C53-44DF-ABCA-76B31AB81249}" type="slidenum">
+            <a:fld id="{8175FE88-E4F7-4173-9B75-CBBABDFA1364}" type="slidenum">
               <a:rPr lang="en-US" smtClean="0"/>
               <a:t>‹#›</a:t>
             </a:fld>
@@ -2256,7 +2274,7 @@
     </p:spTree>
     <p:extLst>
       <p:ext uri="{BB962C8B-B14F-4D97-AF65-F5344CB8AC3E}">
-        <p14:creationId xmlns:p14="http://schemas.microsoft.com/office/powerpoint/2010/main" val="3779712053"/>
+        <p14:creationId xmlns:p14="http://schemas.microsoft.com/office/powerpoint/2010/main" val="4180041990"/>
       </p:ext>
     </p:extLst>
   </p:cSld>
@@ -2288,7 +2306,7 @@
           <p:cNvPr id="2" name="Title 1">
             <a:extLst>
               <a:ext uri="{FF2B5EF4-FFF2-40B4-BE49-F238E27FC236}">
-                <a16:creationId xmlns:a16="http://schemas.microsoft.com/office/drawing/2014/main" id="{0389F7C1-340B-47C9-B9F5-7D2D6E42BE0D}"/>
+                <a16:creationId xmlns:a16="http://schemas.microsoft.com/office/drawing/2014/main" id="{7D567985-676F-42AC-B3F0-3329DA21BC58}"/>
               </a:ext>
             </a:extLst>
           </p:cNvPr>
@@ -2316,7 +2334,7 @@
           <p:cNvPr id="3" name="Date Placeholder 2">
             <a:extLst>
               <a:ext uri="{FF2B5EF4-FFF2-40B4-BE49-F238E27FC236}">
-                <a16:creationId xmlns:a16="http://schemas.microsoft.com/office/drawing/2014/main" id="{AD1D922C-974B-4402-8E05-002B4067BA35}"/>
+                <a16:creationId xmlns:a16="http://schemas.microsoft.com/office/drawing/2014/main" id="{2E104362-092C-42FF-9799-2D799D13C53B}"/>
               </a:ext>
             </a:extLst>
           </p:cNvPr>
@@ -2332,9 +2350,9 @@
           <a:bodyPr/>
           <a:lstStyle/>
           <a:p>
-            <a:fld id="{F44F1D0F-F94E-40E2-9225-DFDC96736849}" type="datetime1">
+            <a:fld id="{600A1805-86D9-456F-A235-0798A9C0DE93}" type="datetime1">
               <a:rPr lang="en-US" smtClean="0"/>
-              <a:t>4/23/2020</a:t>
+              <a:t>4/30/2020</a:t>
             </a:fld>
             <a:endParaRPr lang="en-US"/>
           </a:p>
@@ -2345,7 +2363,7 @@
           <p:cNvPr id="4" name="Footer Placeholder 3">
             <a:extLst>
               <a:ext uri="{FF2B5EF4-FFF2-40B4-BE49-F238E27FC236}">
-                <a16:creationId xmlns:a16="http://schemas.microsoft.com/office/drawing/2014/main" id="{95148A2E-DF42-4D05-9D94-37215FF6DD47}"/>
+                <a16:creationId xmlns:a16="http://schemas.microsoft.com/office/drawing/2014/main" id="{D6545907-2ABA-48A0-BD0B-18BE2D85C846}"/>
               </a:ext>
             </a:extLst>
           </p:cNvPr>
@@ -2370,7 +2388,7 @@
           <p:cNvPr id="5" name="Slide Number Placeholder 4">
             <a:extLst>
               <a:ext uri="{FF2B5EF4-FFF2-40B4-BE49-F238E27FC236}">
-                <a16:creationId xmlns:a16="http://schemas.microsoft.com/office/drawing/2014/main" id="{0CD66A87-35FF-4DE4-8B2B-BE05EDB64BB0}"/>
+                <a16:creationId xmlns:a16="http://schemas.microsoft.com/office/drawing/2014/main" id="{B6BF39D1-4A42-4966-B037-F1B3E5C99D30}"/>
               </a:ext>
             </a:extLst>
           </p:cNvPr>
@@ -2386,7 +2404,7 @@
           <a:bodyPr/>
           <a:lstStyle/>
           <a:p>
-            <a:fld id="{8F6B0A30-8C53-44DF-ABCA-76B31AB81249}" type="slidenum">
+            <a:fld id="{8175FE88-E4F7-4173-9B75-CBBABDFA1364}" type="slidenum">
               <a:rPr lang="en-US" smtClean="0"/>
               <a:t>‹#›</a:t>
             </a:fld>
@@ -2397,7 +2415,7 @@
     </p:spTree>
     <p:extLst>
       <p:ext uri="{BB962C8B-B14F-4D97-AF65-F5344CB8AC3E}">
-        <p14:creationId xmlns:p14="http://schemas.microsoft.com/office/powerpoint/2010/main" val="3639673130"/>
+        <p14:creationId xmlns:p14="http://schemas.microsoft.com/office/powerpoint/2010/main" val="3988524079"/>
       </p:ext>
     </p:extLst>
   </p:cSld>
@@ -2429,7 +2447,7 @@
           <p:cNvPr id="2" name="Date Placeholder 1">
             <a:extLst>
               <a:ext uri="{FF2B5EF4-FFF2-40B4-BE49-F238E27FC236}">
-                <a16:creationId xmlns:a16="http://schemas.microsoft.com/office/drawing/2014/main" id="{34ED50BA-914B-4149-8AF6-9BC49E4702C1}"/>
+                <a16:creationId xmlns:a16="http://schemas.microsoft.com/office/drawing/2014/main" id="{43D853B3-A6EC-4276-9D09-9BE5E93F76F7}"/>
               </a:ext>
             </a:extLst>
           </p:cNvPr>
@@ -2445,9 +2463,9 @@
           <a:bodyPr/>
           <a:lstStyle/>
           <a:p>
-            <a:fld id="{7AD2FB78-B445-4522-B6D8-187EF5038938}" type="datetime1">
+            <a:fld id="{69BBD32F-F6F3-4555-9ED5-909DF4C0BA39}" type="datetime1">
               <a:rPr lang="en-US" smtClean="0"/>
-              <a:t>4/23/2020</a:t>
+              <a:t>4/30/2020</a:t>
             </a:fld>
             <a:endParaRPr lang="en-US"/>
           </a:p>
@@ -2458,7 +2476,7 @@
           <p:cNvPr id="3" name="Footer Placeholder 2">
             <a:extLst>
               <a:ext uri="{FF2B5EF4-FFF2-40B4-BE49-F238E27FC236}">
-                <a16:creationId xmlns:a16="http://schemas.microsoft.com/office/drawing/2014/main" id="{86F4870E-454B-4FD7-A2DD-BE6553124774}"/>
+                <a16:creationId xmlns:a16="http://schemas.microsoft.com/office/drawing/2014/main" id="{A5ED3190-A840-48E9-842D-1BACD8A226CB}"/>
               </a:ext>
             </a:extLst>
           </p:cNvPr>
@@ -2483,7 +2501,7 @@
           <p:cNvPr id="4" name="Slide Number Placeholder 3">
             <a:extLst>
               <a:ext uri="{FF2B5EF4-FFF2-40B4-BE49-F238E27FC236}">
-                <a16:creationId xmlns:a16="http://schemas.microsoft.com/office/drawing/2014/main" id="{4D9B2AE4-886A-4699-BD53-E7021FAC7738}"/>
+                <a16:creationId xmlns:a16="http://schemas.microsoft.com/office/drawing/2014/main" id="{315F9AA5-6CC9-4B63-9682-ADC4C4242D93}"/>
               </a:ext>
             </a:extLst>
           </p:cNvPr>
@@ -2499,7 +2517,7 @@
           <a:bodyPr/>
           <a:lstStyle/>
           <a:p>
-            <a:fld id="{8F6B0A30-8C53-44DF-ABCA-76B31AB81249}" type="slidenum">
+            <a:fld id="{8175FE88-E4F7-4173-9B75-CBBABDFA1364}" type="slidenum">
               <a:rPr lang="en-US" smtClean="0"/>
               <a:t>‹#›</a:t>
             </a:fld>
@@ -2510,7 +2528,7 @@
     </p:spTree>
     <p:extLst>
       <p:ext uri="{BB962C8B-B14F-4D97-AF65-F5344CB8AC3E}">
-        <p14:creationId xmlns:p14="http://schemas.microsoft.com/office/powerpoint/2010/main" val="1770822737"/>
+        <p14:creationId xmlns:p14="http://schemas.microsoft.com/office/powerpoint/2010/main" val="921350332"/>
       </p:ext>
     </p:extLst>
   </p:cSld>
@@ -2542,7 +2560,7 @@
           <p:cNvPr id="2" name="Title 1">
             <a:extLst>
               <a:ext uri="{FF2B5EF4-FFF2-40B4-BE49-F238E27FC236}">
-                <a16:creationId xmlns:a16="http://schemas.microsoft.com/office/drawing/2014/main" id="{948A5536-032B-4FB8-938C-499B0E024FBE}"/>
+                <a16:creationId xmlns:a16="http://schemas.microsoft.com/office/drawing/2014/main" id="{58E2954C-14FF-4E7F-9A5B-88BF81FB8641}"/>
               </a:ext>
             </a:extLst>
           </p:cNvPr>
@@ -2579,7 +2597,7 @@
           <p:cNvPr id="3" name="Content Placeholder 2">
             <a:extLst>
               <a:ext uri="{FF2B5EF4-FFF2-40B4-BE49-F238E27FC236}">
-                <a16:creationId xmlns:a16="http://schemas.microsoft.com/office/drawing/2014/main" id="{7700E57B-8BC6-4E2E-AF79-C018EA8E3BAD}"/>
+                <a16:creationId xmlns:a16="http://schemas.microsoft.com/office/drawing/2014/main" id="{824E5993-5F17-42DB-AEE5-728E47D400B8}"/>
               </a:ext>
             </a:extLst>
           </p:cNvPr>
@@ -2669,7 +2687,7 @@
           <p:cNvPr id="4" name="Text Placeholder 3">
             <a:extLst>
               <a:ext uri="{FF2B5EF4-FFF2-40B4-BE49-F238E27FC236}">
-                <a16:creationId xmlns:a16="http://schemas.microsoft.com/office/drawing/2014/main" id="{23788CB1-569B-481A-925F-3F842EA17FA9}"/>
+                <a16:creationId xmlns:a16="http://schemas.microsoft.com/office/drawing/2014/main" id="{13A67E68-89D9-4A0B-B4FE-185A6DB8C1D4}"/>
               </a:ext>
             </a:extLst>
           </p:cNvPr>
@@ -2740,7 +2758,7 @@
           <p:cNvPr id="5" name="Date Placeholder 4">
             <a:extLst>
               <a:ext uri="{FF2B5EF4-FFF2-40B4-BE49-F238E27FC236}">
-                <a16:creationId xmlns:a16="http://schemas.microsoft.com/office/drawing/2014/main" id="{E85969AF-573D-4D20-85DB-F8C2D8AEAD64}"/>
+                <a16:creationId xmlns:a16="http://schemas.microsoft.com/office/drawing/2014/main" id="{34ECA9F2-71F9-4EB1-A0B9-20FA93F04E8C}"/>
               </a:ext>
             </a:extLst>
           </p:cNvPr>
@@ -2756,9 +2774,9 @@
           <a:bodyPr/>
           <a:lstStyle/>
           <a:p>
-            <a:fld id="{2DCAB306-0CAA-4E4A-92E9-B6BB465EC503}" type="datetime1">
+            <a:fld id="{F91C0EA0-234F-4503-AD78-38FA81D5B66C}" type="datetime1">
               <a:rPr lang="en-US" smtClean="0"/>
-              <a:t>4/23/2020</a:t>
+              <a:t>4/30/2020</a:t>
             </a:fld>
             <a:endParaRPr lang="en-US"/>
           </a:p>
@@ -2769,7 +2787,7 @@
           <p:cNvPr id="6" name="Footer Placeholder 5">
             <a:extLst>
               <a:ext uri="{FF2B5EF4-FFF2-40B4-BE49-F238E27FC236}">
-                <a16:creationId xmlns:a16="http://schemas.microsoft.com/office/drawing/2014/main" id="{6291B99B-D388-4E60-B147-75B7FAF71552}"/>
+                <a16:creationId xmlns:a16="http://schemas.microsoft.com/office/drawing/2014/main" id="{AAD9582C-76B7-45A8-BDC9-B6F75DE30D04}"/>
               </a:ext>
             </a:extLst>
           </p:cNvPr>
@@ -2794,7 +2812,7 @@
           <p:cNvPr id="7" name="Slide Number Placeholder 6">
             <a:extLst>
               <a:ext uri="{FF2B5EF4-FFF2-40B4-BE49-F238E27FC236}">
-                <a16:creationId xmlns:a16="http://schemas.microsoft.com/office/drawing/2014/main" id="{F78A2898-1DAF-44EA-8080-5E1D5F96889C}"/>
+                <a16:creationId xmlns:a16="http://schemas.microsoft.com/office/drawing/2014/main" id="{2F1A1BF7-7B30-4CE7-B432-07999C73D2C0}"/>
               </a:ext>
             </a:extLst>
           </p:cNvPr>
@@ -2810,7 +2828,7 @@
           <a:bodyPr/>
           <a:lstStyle/>
           <a:p>
-            <a:fld id="{8F6B0A30-8C53-44DF-ABCA-76B31AB81249}" type="slidenum">
+            <a:fld id="{8175FE88-E4F7-4173-9B75-CBBABDFA1364}" type="slidenum">
               <a:rPr lang="en-US" smtClean="0"/>
               <a:t>‹#›</a:t>
             </a:fld>
@@ -2821,7 +2839,7 @@
     </p:spTree>
     <p:extLst>
       <p:ext uri="{BB962C8B-B14F-4D97-AF65-F5344CB8AC3E}">
-        <p14:creationId xmlns:p14="http://schemas.microsoft.com/office/powerpoint/2010/main" val="3241316400"/>
+        <p14:creationId xmlns:p14="http://schemas.microsoft.com/office/powerpoint/2010/main" val="586699826"/>
       </p:ext>
     </p:extLst>
   </p:cSld>
@@ -2853,7 +2871,7 @@
           <p:cNvPr id="2" name="Title 1">
             <a:extLst>
               <a:ext uri="{FF2B5EF4-FFF2-40B4-BE49-F238E27FC236}">
-                <a16:creationId xmlns:a16="http://schemas.microsoft.com/office/drawing/2014/main" id="{BC7FE215-AA69-48C2-96F6-E8AE45EED2DB}"/>
+                <a16:creationId xmlns:a16="http://schemas.microsoft.com/office/drawing/2014/main" id="{A5415781-0DE6-4BAF-A2ED-35F2F296F7FC}"/>
               </a:ext>
             </a:extLst>
           </p:cNvPr>
@@ -2890,7 +2908,7 @@
           <p:cNvPr id="3" name="Picture Placeholder 2">
             <a:extLst>
               <a:ext uri="{FF2B5EF4-FFF2-40B4-BE49-F238E27FC236}">
-                <a16:creationId xmlns:a16="http://schemas.microsoft.com/office/drawing/2014/main" id="{84689DAB-BE70-47B9-ABCF-EE4972715020}"/>
+                <a16:creationId xmlns:a16="http://schemas.microsoft.com/office/drawing/2014/main" id="{A9E7380C-D18D-4696-9AB7-69ACC9E7EB09}"/>
               </a:ext>
             </a:extLst>
           </p:cNvPr>
@@ -2957,7 +2975,7 @@
           <p:cNvPr id="4" name="Text Placeholder 3">
             <a:extLst>
               <a:ext uri="{FF2B5EF4-FFF2-40B4-BE49-F238E27FC236}">
-                <a16:creationId xmlns:a16="http://schemas.microsoft.com/office/drawing/2014/main" id="{A1B11552-5BEB-4CD3-8369-874C10E326FA}"/>
+                <a16:creationId xmlns:a16="http://schemas.microsoft.com/office/drawing/2014/main" id="{24AF3C01-E2E7-4AA4-B45C-EF1EFA298012}"/>
               </a:ext>
             </a:extLst>
           </p:cNvPr>
@@ -3028,7 +3046,7 @@
           <p:cNvPr id="5" name="Date Placeholder 4">
             <a:extLst>
               <a:ext uri="{FF2B5EF4-FFF2-40B4-BE49-F238E27FC236}">
-                <a16:creationId xmlns:a16="http://schemas.microsoft.com/office/drawing/2014/main" id="{FD8E4FC9-20E8-4F5D-BB31-AE4AE8FC349D}"/>
+                <a16:creationId xmlns:a16="http://schemas.microsoft.com/office/drawing/2014/main" id="{BA2BD25B-8CD8-4C5E-86A1-0758A095EBCB}"/>
               </a:ext>
             </a:extLst>
           </p:cNvPr>
@@ -3044,9 +3062,9 @@
           <a:bodyPr/>
           <a:lstStyle/>
           <a:p>
-            <a:fld id="{7B6C41FD-594A-4FB7-929C-93371D035819}" type="datetime1">
+            <a:fld id="{47EBFDAA-DE90-4A16-89E1-55DBDD89CD2F}" type="datetime1">
               <a:rPr lang="en-US" smtClean="0"/>
-              <a:t>4/23/2020</a:t>
+              <a:t>4/30/2020</a:t>
             </a:fld>
             <a:endParaRPr lang="en-US"/>
           </a:p>
@@ -3057,7 +3075,7 @@
           <p:cNvPr id="6" name="Footer Placeholder 5">
             <a:extLst>
               <a:ext uri="{FF2B5EF4-FFF2-40B4-BE49-F238E27FC236}">
-                <a16:creationId xmlns:a16="http://schemas.microsoft.com/office/drawing/2014/main" id="{0C590CCA-DD49-4EDD-B3A4-CD5E35E2A02F}"/>
+                <a16:creationId xmlns:a16="http://schemas.microsoft.com/office/drawing/2014/main" id="{7CD3E5B0-FFBE-42BA-8449-8924D923DC37}"/>
               </a:ext>
             </a:extLst>
           </p:cNvPr>
@@ -3082,7 +3100,7 @@
           <p:cNvPr id="7" name="Slide Number Placeholder 6">
             <a:extLst>
               <a:ext uri="{FF2B5EF4-FFF2-40B4-BE49-F238E27FC236}">
-                <a16:creationId xmlns:a16="http://schemas.microsoft.com/office/drawing/2014/main" id="{E29267DD-7C83-49C8-89F7-5C1F8B97118D}"/>
+                <a16:creationId xmlns:a16="http://schemas.microsoft.com/office/drawing/2014/main" id="{AF84F486-5901-44C9-A3EE-8F08743FBE8A}"/>
               </a:ext>
             </a:extLst>
           </p:cNvPr>
@@ -3098,7 +3116,7 @@
           <a:bodyPr/>
           <a:lstStyle/>
           <a:p>
-            <a:fld id="{8F6B0A30-8C53-44DF-ABCA-76B31AB81249}" type="slidenum">
+            <a:fld id="{8175FE88-E4F7-4173-9B75-CBBABDFA1364}" type="slidenum">
               <a:rPr lang="en-US" smtClean="0"/>
               <a:t>‹#›</a:t>
             </a:fld>
@@ -3109,7 +3127,7 @@
     </p:spTree>
     <p:extLst>
       <p:ext uri="{BB962C8B-B14F-4D97-AF65-F5344CB8AC3E}">
-        <p14:creationId xmlns:p14="http://schemas.microsoft.com/office/powerpoint/2010/main" val="246665584"/>
+        <p14:creationId xmlns:p14="http://schemas.microsoft.com/office/powerpoint/2010/main" val="1284288451"/>
       </p:ext>
     </p:extLst>
   </p:cSld>
@@ -3146,7 +3164,7 @@
           <p:cNvPr id="2" name="Title Placeholder 1">
             <a:extLst>
               <a:ext uri="{FF2B5EF4-FFF2-40B4-BE49-F238E27FC236}">
-                <a16:creationId xmlns:a16="http://schemas.microsoft.com/office/drawing/2014/main" id="{8C3DE77B-E318-4622-A169-2571C4F191B0}"/>
+                <a16:creationId xmlns:a16="http://schemas.microsoft.com/office/drawing/2014/main" id="{8A589DD2-83FE-4941-BEC0-2410FFA50C5D}"/>
               </a:ext>
             </a:extLst>
           </p:cNvPr>
@@ -3184,7 +3202,7 @@
           <p:cNvPr id="3" name="Text Placeholder 2">
             <a:extLst>
               <a:ext uri="{FF2B5EF4-FFF2-40B4-BE49-F238E27FC236}">
-                <a16:creationId xmlns:a16="http://schemas.microsoft.com/office/drawing/2014/main" id="{16A6C5B3-EF2A-4D00-A17F-DD0B303AD89F}"/>
+                <a16:creationId xmlns:a16="http://schemas.microsoft.com/office/drawing/2014/main" id="{E3812FF9-F7FC-422C-AF64-5855A28EBD9A}"/>
               </a:ext>
             </a:extLst>
           </p:cNvPr>
@@ -3251,7 +3269,7 @@
           <p:cNvPr id="4" name="Date Placeholder 3">
             <a:extLst>
               <a:ext uri="{FF2B5EF4-FFF2-40B4-BE49-F238E27FC236}">
-                <a16:creationId xmlns:a16="http://schemas.microsoft.com/office/drawing/2014/main" id="{C226D201-5762-4772-A4C6-EC8CBE6EF5A0}"/>
+                <a16:creationId xmlns:a16="http://schemas.microsoft.com/office/drawing/2014/main" id="{D1A49C9C-696F-4891-A5DE-E70613094175}"/>
               </a:ext>
             </a:extLst>
           </p:cNvPr>
@@ -3285,9 +3303,9 @@
             </a:lvl1pPr>
           </a:lstStyle>
           <a:p>
-            <a:fld id="{CCCA5A22-670F-4DC3-B7FF-AA29A6304345}" type="datetime1">
+            <a:fld id="{F51E12C5-7C12-47C7-8B88-681BA2D4C7C6}" type="datetime1">
               <a:rPr lang="en-US" smtClean="0"/>
-              <a:t>4/23/2020</a:t>
+              <a:t>4/30/2020</a:t>
             </a:fld>
             <a:endParaRPr lang="en-US"/>
           </a:p>
@@ -3298,7 +3316,7 @@
           <p:cNvPr id="5" name="Footer Placeholder 4">
             <a:extLst>
               <a:ext uri="{FF2B5EF4-FFF2-40B4-BE49-F238E27FC236}">
-                <a16:creationId xmlns:a16="http://schemas.microsoft.com/office/drawing/2014/main" id="{16EB48C9-0F8A-43E1-94AA-43EAB4474AA4}"/>
+                <a16:creationId xmlns:a16="http://schemas.microsoft.com/office/drawing/2014/main" id="{56B09092-768E-49C2-B7CC-21BF22FB6C66}"/>
               </a:ext>
             </a:extLst>
           </p:cNvPr>
@@ -3341,7 +3359,7 @@
           <p:cNvPr id="6" name="Slide Number Placeholder 5">
             <a:extLst>
               <a:ext uri="{FF2B5EF4-FFF2-40B4-BE49-F238E27FC236}">
-                <a16:creationId xmlns:a16="http://schemas.microsoft.com/office/drawing/2014/main" id="{1BC7B19C-3C0E-46C5-BFF0-D005C58DBDD8}"/>
+                <a16:creationId xmlns:a16="http://schemas.microsoft.com/office/drawing/2014/main" id="{C59D330F-EC35-4029-890A-895E7F778004}"/>
               </a:ext>
             </a:extLst>
           </p:cNvPr>
@@ -3375,7 +3393,7 @@
             </a:lvl1pPr>
           </a:lstStyle>
           <a:p>
-            <a:fld id="{8F6B0A30-8C53-44DF-ABCA-76B31AB81249}" type="slidenum">
+            <a:fld id="{8175FE88-E4F7-4173-9B75-CBBABDFA1364}" type="slidenum">
               <a:rPr lang="en-US" smtClean="0"/>
               <a:t>‹#›</a:t>
             </a:fld>
@@ -3386,7 +3404,7 @@
     </p:spTree>
     <p:extLst>
       <p:ext uri="{BB962C8B-B14F-4D97-AF65-F5344CB8AC3E}">
-        <p14:creationId xmlns:p14="http://schemas.microsoft.com/office/powerpoint/2010/main" val="906890480"/>
+        <p14:creationId xmlns:p14="http://schemas.microsoft.com/office/powerpoint/2010/main" val="2450359363"/>
       </p:ext>
     </p:extLst>
   </p:cSld>
@@ -3710,7 +3728,7 @@
           <p:cNvPr id="2" name="Title 1">
             <a:extLst>
               <a:ext uri="{FF2B5EF4-FFF2-40B4-BE49-F238E27FC236}">
-                <a16:creationId xmlns:a16="http://schemas.microsoft.com/office/drawing/2014/main" id="{9C1F9064-1FB8-4E28-8917-BEB1CD3A7840}"/>
+                <a16:creationId xmlns:a16="http://schemas.microsoft.com/office/drawing/2014/main" id="{600B7465-C162-4B80-B82A-CE3A097427E0}"/>
               </a:ext>
             </a:extLst>
           </p:cNvPr>
@@ -3738,7 +3756,7 @@
           <p:cNvPr id="3" name="Subtitle 2">
             <a:extLst>
               <a:ext uri="{FF2B5EF4-FFF2-40B4-BE49-F238E27FC236}">
-                <a16:creationId xmlns:a16="http://schemas.microsoft.com/office/drawing/2014/main" id="{450699A7-C090-4F39-8663-4030E254567D}"/>
+                <a16:creationId xmlns:a16="http://schemas.microsoft.com/office/drawing/2014/main" id="{ABCA4810-E2F6-4B88-A3FE-0C484A8D4BA4}"/>
               </a:ext>
             </a:extLst>
           </p:cNvPr>
@@ -3762,15 +3780,2370 @@
           <a:p>
             <a:r>
               <a:rPr lang="en-US" dirty="0"/>
-              <a:t>23 October 2020</a:t>
-            </a:r>
+              <a:t>https://JimFawcett.github.io</a:t>
+            </a:r>
+          </a:p>
+        </p:txBody>
+      </p:sp>
+      <p:sp>
+        <p:nvSpPr>
+          <p:cNvPr id="4" name="Slide Number Placeholder 3">
+            <a:extLst>
+              <a:ext uri="{FF2B5EF4-FFF2-40B4-BE49-F238E27FC236}">
+                <a16:creationId xmlns:a16="http://schemas.microsoft.com/office/drawing/2014/main" id="{6F1E6509-90FC-4F69-9ABE-EBCE16A0A04A}"/>
+              </a:ext>
+            </a:extLst>
+          </p:cNvPr>
+          <p:cNvSpPr>
+            <a:spLocks noGrp="1"/>
+          </p:cNvSpPr>
+          <p:nvPr>
+            <p:ph type="sldNum" sz="quarter" idx="12"/>
+          </p:nvPr>
+        </p:nvSpPr>
+        <p:spPr/>
+        <p:txBody>
+          <a:bodyPr/>
+          <a:lstStyle/>
+          <a:p>
+            <a:fld id="{8175FE88-E4F7-4173-9B75-CBBABDFA1364}" type="slidenum">
+              <a:rPr lang="en-US" smtClean="0"/>
+              <a:t>1</a:t>
+            </a:fld>
+            <a:endParaRPr lang="en-US"/>
           </a:p>
         </p:txBody>
       </p:sp>
     </p:spTree>
     <p:extLst>
       <p:ext uri="{BB962C8B-B14F-4D97-AF65-F5344CB8AC3E}">
-        <p14:creationId xmlns:p14="http://schemas.microsoft.com/office/powerpoint/2010/main" val="4240974173"/>
+        <p14:creationId xmlns:p14="http://schemas.microsoft.com/office/powerpoint/2010/main" val="2471488874"/>
+      </p:ext>
+    </p:extLst>
+  </p:cSld>
+  <p:clrMapOvr>
+    <a:masterClrMapping/>
+  </p:clrMapOvr>
+</p:sld>
+</file>
+
+<file path=ppt/slides/slide10.xml><?xml version="1.0" encoding="utf-8"?>
+<p:sld xmlns:a="http://schemas.openxmlformats.org/drawingml/2006/main" xmlns:r="http://schemas.openxmlformats.org/officeDocument/2006/relationships" xmlns:p="http://schemas.openxmlformats.org/presentationml/2006/main">
+  <p:cSld>
+    <p:spTree>
+      <p:nvGrpSpPr>
+        <p:cNvPr id="1" name=""/>
+        <p:cNvGrpSpPr/>
+        <p:nvPr/>
+      </p:nvGrpSpPr>
+      <p:grpSpPr>
+        <a:xfrm>
+          <a:off x="0" y="0"/>
+          <a:ext cx="0" cy="0"/>
+          <a:chOff x="0" y="0"/>
+          <a:chExt cx="0" cy="0"/>
+        </a:xfrm>
+      </p:grpSpPr>
+      <p:sp>
+        <p:nvSpPr>
+          <p:cNvPr id="2" name="Title 1">
+            <a:extLst>
+              <a:ext uri="{FF2B5EF4-FFF2-40B4-BE49-F238E27FC236}">
+                <a16:creationId xmlns:a16="http://schemas.microsoft.com/office/drawing/2014/main" id="{EBBD1355-6C67-4456-98BA-7C1874F040E2}"/>
+              </a:ext>
+            </a:extLst>
+          </p:cNvPr>
+          <p:cNvSpPr>
+            <a:spLocks noGrp="1"/>
+          </p:cNvSpPr>
+          <p:nvPr>
+            <p:ph type="title"/>
+          </p:nvPr>
+        </p:nvSpPr>
+        <p:spPr/>
+        <p:txBody>
+          <a:bodyPr/>
+          <a:lstStyle/>
+          <a:p>
+            <a:r>
+              <a:rPr lang="en-US" dirty="0"/>
+              <a:t>Error Handling that Avoids Panics</a:t>
+            </a:r>
+          </a:p>
+        </p:txBody>
+      </p:sp>
+      <p:sp>
+        <p:nvSpPr>
+          <p:cNvPr id="3" name="Content Placeholder 2">
+            <a:extLst>
+              <a:ext uri="{FF2B5EF4-FFF2-40B4-BE49-F238E27FC236}">
+                <a16:creationId xmlns:a16="http://schemas.microsoft.com/office/drawing/2014/main" id="{CBD3A437-4FA8-4B76-964F-D75838AF1867}"/>
+              </a:ext>
+            </a:extLst>
+          </p:cNvPr>
+          <p:cNvSpPr>
+            <a:spLocks noGrp="1"/>
+          </p:cNvSpPr>
+          <p:nvPr>
+            <p:ph idx="1"/>
+          </p:nvPr>
+        </p:nvSpPr>
+        <p:spPr>
+          <a:xfrm>
+            <a:off x="453711" y="1322262"/>
+            <a:ext cx="11635914" cy="4854701"/>
+          </a:xfrm>
+        </p:spPr>
+        <p:txBody>
+          <a:bodyPr/>
+          <a:lstStyle/>
+          <a:p>
+            <a:r>
+              <a:rPr lang="en-US" dirty="0"/>
+              <a:t>Each function that can fail should return a std::result::Result&lt;T, E&gt;</a:t>
+            </a:r>
+          </a:p>
+          <a:p>
+            <a:pPr lvl="1"/>
+            <a:r>
+              <a:rPr lang="en-US" sz="2000" dirty="0" err="1">
+                <a:latin typeface="Consolas" panose="020B0609020204030204" pitchFamily="49" charset="0"/>
+              </a:rPr>
+              <a:t>fn</a:t>
+            </a:r>
+            <a:r>
+              <a:rPr lang="en-US" sz="2000" dirty="0">
+                <a:latin typeface="Consolas" panose="020B0609020204030204" pitchFamily="49" charset="0"/>
+              </a:rPr>
+              <a:t> f&lt;T, E&gt;() -&gt; Result&lt;T, E&gt; { /* code that can fail */ }</a:t>
+            </a:r>
+          </a:p>
+          <a:p>
+            <a:pPr lvl="1"/>
+            <a:r>
+              <a:rPr lang="en-US" dirty="0"/>
+              <a:t>std library functions do this and so should user-defined functions</a:t>
+            </a:r>
+          </a:p>
+          <a:p>
+            <a:r>
+              <a:rPr lang="en-US" dirty="0"/>
+              <a:t>Result is an enumeration</a:t>
+            </a:r>
+          </a:p>
+          <a:p>
+            <a:pPr lvl="1"/>
+            <a:r>
+              <a:rPr lang="en-US" sz="2000" dirty="0">
+                <a:latin typeface="Consolas" panose="020B0609020204030204" pitchFamily="49" charset="0"/>
+              </a:rPr>
+              <a:t>Enum Result&lt;T, E&gt; { Ok(T), Err(E), }</a:t>
+            </a:r>
+          </a:p>
+          <a:p>
+            <a:pPr lvl="1"/>
+            <a:r>
+              <a:rPr lang="en-US" dirty="0"/>
+              <a:t>Returned Result instance is either </a:t>
+            </a:r>
+            <a:r>
+              <a:rPr lang="en-US" sz="2000" dirty="0">
+                <a:latin typeface="Consolas" panose="020B0609020204030204" pitchFamily="49" charset="0"/>
+              </a:rPr>
+              <a:t>Ok(</a:t>
+            </a:r>
+            <a:r>
+              <a:rPr lang="en-US" sz="2000" dirty="0" err="1">
+                <a:latin typeface="Consolas" panose="020B0609020204030204" pitchFamily="49" charset="0"/>
+              </a:rPr>
+              <a:t>t:T</a:t>
+            </a:r>
+            <a:r>
+              <a:rPr lang="en-US" sz="2000" dirty="0">
+                <a:latin typeface="Consolas" panose="020B0609020204030204" pitchFamily="49" charset="0"/>
+              </a:rPr>
+              <a:t>)</a:t>
+            </a:r>
+            <a:r>
+              <a:rPr lang="en-US" dirty="0"/>
+              <a:t> or </a:t>
+            </a:r>
+            <a:r>
+              <a:rPr lang="en-US" sz="2000" dirty="0">
+                <a:latin typeface="Consolas" panose="020B0609020204030204" pitchFamily="49" charset="0"/>
+              </a:rPr>
+              <a:t>Err(</a:t>
+            </a:r>
+            <a:r>
+              <a:rPr lang="en-US" sz="2000" dirty="0" err="1">
+                <a:latin typeface="Consolas" panose="020B0609020204030204" pitchFamily="49" charset="0"/>
+              </a:rPr>
+              <a:t>e:E</a:t>
+            </a:r>
+            <a:r>
+              <a:rPr lang="en-US" sz="2000" dirty="0">
+                <a:latin typeface="Consolas" panose="020B0609020204030204" pitchFamily="49" charset="0"/>
+              </a:rPr>
+              <a:t>)</a:t>
+            </a:r>
+            <a:endParaRPr lang="en-US" dirty="0">
+              <a:latin typeface="Consolas" panose="020B0609020204030204" pitchFamily="49" charset="0"/>
+            </a:endParaRPr>
+          </a:p>
+          <a:p>
+            <a:pPr lvl="2"/>
+            <a:r>
+              <a:rPr lang="en-US" dirty="0"/>
+              <a:t>t is the computed value of f()</a:t>
+            </a:r>
+          </a:p>
+          <a:p>
+            <a:pPr lvl="2"/>
+            <a:r>
+              <a:rPr lang="en-US" dirty="0"/>
+              <a:t>e is the instance of error encountered, either from Error enumeration or user-defined</a:t>
+            </a:r>
+          </a:p>
+          <a:p>
+            <a:r>
+              <a:rPr lang="en-US" dirty="0"/>
+              <a:t>Testing Result</a:t>
+            </a:r>
+          </a:p>
+          <a:p>
+            <a:pPr lvl="1"/>
+            <a:r>
+              <a:rPr lang="en-US" sz="2000" dirty="0">
+                <a:latin typeface="Consolas" panose="020B0609020204030204" pitchFamily="49" charset="0"/>
+              </a:rPr>
+              <a:t>let </a:t>
+            </a:r>
+            <a:r>
+              <a:rPr lang="en-US" sz="2000" dirty="0" err="1">
+                <a:latin typeface="Consolas" panose="020B0609020204030204" pitchFamily="49" charset="0"/>
+              </a:rPr>
+              <a:t>rslt</a:t>
+            </a:r>
+            <a:r>
+              <a:rPr lang="en-US" sz="2000" dirty="0">
+                <a:latin typeface="Consolas" panose="020B0609020204030204" pitchFamily="49" charset="0"/>
+              </a:rPr>
+              <a:t> = f();</a:t>
+            </a:r>
+          </a:p>
+          <a:p>
+            <a:pPr lvl="1"/>
+            <a:r>
+              <a:rPr lang="en-US" sz="2000" dirty="0">
+                <a:latin typeface="Consolas" panose="020B0609020204030204" pitchFamily="49" charset="0"/>
+              </a:rPr>
+              <a:t>if </a:t>
+            </a:r>
+            <a:r>
+              <a:rPr lang="en-US" sz="2000" dirty="0" err="1">
+                <a:latin typeface="Consolas" panose="020B0609020204030204" pitchFamily="49" charset="0"/>
+              </a:rPr>
+              <a:t>rslt.is_ok</a:t>
+            </a:r>
+            <a:r>
+              <a:rPr lang="en-US" sz="2000" dirty="0">
+                <a:latin typeface="Consolas" panose="020B0609020204030204" pitchFamily="49" charset="0"/>
+              </a:rPr>
+              <a:t>() { let t:T = </a:t>
+            </a:r>
+            <a:r>
+              <a:rPr lang="en-US" sz="2000" dirty="0" err="1">
+                <a:latin typeface="Consolas" panose="020B0609020204030204" pitchFamily="49" charset="0"/>
+              </a:rPr>
+              <a:t>rslt.unwrap</a:t>
+            </a:r>
+            <a:r>
+              <a:rPr lang="en-US" sz="2000" dirty="0">
+                <a:latin typeface="Consolas" panose="020B0609020204030204" pitchFamily="49" charset="0"/>
+              </a:rPr>
+              <a:t>();  /* do something with t */ }</a:t>
+            </a:r>
+          </a:p>
+          <a:p>
+            <a:pPr lvl="1"/>
+            <a:r>
+              <a:rPr lang="en-US" sz="2000" dirty="0">
+                <a:latin typeface="Consolas" panose="020B0609020204030204" pitchFamily="49" charset="0"/>
+              </a:rPr>
+              <a:t>if </a:t>
+            </a:r>
+            <a:r>
+              <a:rPr lang="en-US" sz="2000" dirty="0" err="1">
+                <a:latin typeface="Consolas" panose="020B0609020204030204" pitchFamily="49" charset="0"/>
+              </a:rPr>
+              <a:t>rslt.is_err</a:t>
+            </a:r>
+            <a:r>
+              <a:rPr lang="en-US" sz="2000" dirty="0">
+                <a:latin typeface="Consolas" panose="020B0609020204030204" pitchFamily="49" charset="0"/>
+              </a:rPr>
+              <a:t>() { let e:E = </a:t>
+            </a:r>
+            <a:r>
+              <a:rPr lang="en-US" sz="2000" dirty="0" err="1">
+                <a:latin typeface="Consolas" panose="020B0609020204030204" pitchFamily="49" charset="0"/>
+              </a:rPr>
+              <a:t>rslt.unwrap_err</a:t>
+            </a:r>
+            <a:r>
+              <a:rPr lang="en-US" sz="2000" dirty="0">
+                <a:latin typeface="Consolas" panose="020B0609020204030204" pitchFamily="49" charset="0"/>
+              </a:rPr>
+              <a:t>();  /* do something with e */ }</a:t>
+            </a:r>
+          </a:p>
+        </p:txBody>
+      </p:sp>
+      <p:sp>
+        <p:nvSpPr>
+          <p:cNvPr id="4" name="Slide Number Placeholder 3">
+            <a:extLst>
+              <a:ext uri="{FF2B5EF4-FFF2-40B4-BE49-F238E27FC236}">
+                <a16:creationId xmlns:a16="http://schemas.microsoft.com/office/drawing/2014/main" id="{52973BCF-CAE1-40C4-A0B3-504E1A0B5279}"/>
+              </a:ext>
+            </a:extLst>
+          </p:cNvPr>
+          <p:cNvSpPr>
+            <a:spLocks noGrp="1"/>
+          </p:cNvSpPr>
+          <p:nvPr>
+            <p:ph type="sldNum" sz="quarter" idx="12"/>
+          </p:nvPr>
+        </p:nvSpPr>
+        <p:spPr/>
+        <p:txBody>
+          <a:bodyPr/>
+          <a:lstStyle/>
+          <a:p>
+            <a:fld id="{8175FE88-E4F7-4173-9B75-CBBABDFA1364}" type="slidenum">
+              <a:rPr lang="en-US" smtClean="0"/>
+              <a:pPr/>
+              <a:t>10</a:t>
+            </a:fld>
+            <a:endParaRPr lang="en-US" dirty="0"/>
+          </a:p>
+        </p:txBody>
+      </p:sp>
+    </p:spTree>
+    <p:extLst>
+      <p:ext uri="{BB962C8B-B14F-4D97-AF65-F5344CB8AC3E}">
+        <p14:creationId xmlns:p14="http://schemas.microsoft.com/office/powerpoint/2010/main" val="2906199256"/>
+      </p:ext>
+    </p:extLst>
+  </p:cSld>
+  <p:clrMapOvr>
+    <a:masterClrMapping/>
+  </p:clrMapOvr>
+</p:sld>
+</file>
+
+<file path=ppt/slides/slide11.xml><?xml version="1.0" encoding="utf-8"?>
+<p:sld xmlns:a="http://schemas.openxmlformats.org/drawingml/2006/main" xmlns:r="http://schemas.openxmlformats.org/officeDocument/2006/relationships" xmlns:p="http://schemas.openxmlformats.org/presentationml/2006/main">
+  <p:cSld>
+    <p:spTree>
+      <p:nvGrpSpPr>
+        <p:cNvPr id="1" name=""/>
+        <p:cNvGrpSpPr/>
+        <p:nvPr/>
+      </p:nvGrpSpPr>
+      <p:grpSpPr>
+        <a:xfrm>
+          <a:off x="0" y="0"/>
+          <a:ext cx="0" cy="0"/>
+          <a:chOff x="0" y="0"/>
+          <a:chExt cx="0" cy="0"/>
+        </a:xfrm>
+      </p:grpSpPr>
+      <p:sp>
+        <p:nvSpPr>
+          <p:cNvPr id="2" name="Title 1">
+            <a:extLst>
+              <a:ext uri="{FF2B5EF4-FFF2-40B4-BE49-F238E27FC236}">
+                <a16:creationId xmlns:a16="http://schemas.microsoft.com/office/drawing/2014/main" id="{EEB5D16C-DE32-4B6A-B7D7-B4F73483A2AF}"/>
+              </a:ext>
+            </a:extLst>
+          </p:cNvPr>
+          <p:cNvSpPr>
+            <a:spLocks noGrp="1"/>
+          </p:cNvSpPr>
+          <p:nvPr>
+            <p:ph type="title"/>
+          </p:nvPr>
+        </p:nvSpPr>
+        <p:spPr/>
+        <p:txBody>
+          <a:bodyPr/>
+          <a:lstStyle/>
+          <a:p>
+            <a:r>
+              <a:rPr lang="en-US" dirty="0"/>
+              <a:t>Evaluating Result by Matching</a:t>
+            </a:r>
+          </a:p>
+        </p:txBody>
+      </p:sp>
+      <p:sp>
+        <p:nvSpPr>
+          <p:cNvPr id="3" name="Content Placeholder 2">
+            <a:extLst>
+              <a:ext uri="{FF2B5EF4-FFF2-40B4-BE49-F238E27FC236}">
+                <a16:creationId xmlns:a16="http://schemas.microsoft.com/office/drawing/2014/main" id="{ABF54DA4-238E-4441-BBE2-1247562A426F}"/>
+              </a:ext>
+            </a:extLst>
+          </p:cNvPr>
+          <p:cNvSpPr>
+            <a:spLocks noGrp="1"/>
+          </p:cNvSpPr>
+          <p:nvPr>
+            <p:ph idx="1"/>
+          </p:nvPr>
+        </p:nvSpPr>
+        <p:spPr/>
+        <p:txBody>
+          <a:bodyPr/>
+          <a:lstStyle/>
+          <a:p>
+            <a:r>
+              <a:rPr lang="en-US" sz="2000" dirty="0">
+                <a:latin typeface="Consolas" panose="020B0609020204030204" pitchFamily="49" charset="0"/>
+              </a:rPr>
+              <a:t>let </a:t>
+            </a:r>
+            <a:r>
+              <a:rPr lang="en-US" sz="2000" dirty="0" err="1">
+                <a:latin typeface="Consolas" panose="020B0609020204030204" pitchFamily="49" charset="0"/>
+              </a:rPr>
+              <a:t>rslt</a:t>
+            </a:r>
+            <a:r>
+              <a:rPr lang="en-US" sz="2000" dirty="0">
+                <a:latin typeface="Consolas" panose="020B0609020204030204" pitchFamily="49" charset="0"/>
+              </a:rPr>
+              <a:t> = f();</a:t>
+            </a:r>
+          </a:p>
+          <a:p>
+            <a:r>
+              <a:rPr lang="en-US" sz="2000" dirty="0">
+                <a:latin typeface="Consolas" panose="020B0609020204030204" pitchFamily="49" charset="0"/>
+              </a:rPr>
+              <a:t>match </a:t>
+            </a:r>
+            <a:r>
+              <a:rPr lang="en-US" sz="2000" dirty="0" err="1">
+                <a:latin typeface="Consolas" panose="020B0609020204030204" pitchFamily="49" charset="0"/>
+              </a:rPr>
+              <a:t>rslt</a:t>
+            </a:r>
+            <a:r>
+              <a:rPr lang="en-US" sz="2000" dirty="0">
+                <a:latin typeface="Consolas" panose="020B0609020204030204" pitchFamily="49" charset="0"/>
+              </a:rPr>
+              <a:t> {</a:t>
+            </a:r>
+            <a:br>
+              <a:rPr lang="en-US" sz="2000" dirty="0">
+                <a:latin typeface="Consolas" panose="020B0609020204030204" pitchFamily="49" charset="0"/>
+              </a:rPr>
+            </a:br>
+            <a:r>
+              <a:rPr lang="en-US" sz="2000" dirty="0">
+                <a:latin typeface="Consolas" panose="020B0609020204030204" pitchFamily="49" charset="0"/>
+              </a:rPr>
+              <a:t> 	Ok(t) =&gt; { /* do something with t */ },</a:t>
+            </a:r>
+            <a:br>
+              <a:rPr lang="en-US" sz="2000" dirty="0">
+                <a:latin typeface="Consolas" panose="020B0609020204030204" pitchFamily="49" charset="0"/>
+              </a:rPr>
+            </a:br>
+            <a:r>
+              <a:rPr lang="en-US" sz="2000" dirty="0">
+                <a:latin typeface="Consolas" panose="020B0609020204030204" pitchFamily="49" charset="0"/>
+              </a:rPr>
+              <a:t>	Err(e) =&gt; { /* do something with e */ },</a:t>
+            </a:r>
+            <a:br>
+              <a:rPr lang="en-US" sz="2000" dirty="0">
+                <a:latin typeface="Consolas" panose="020B0609020204030204" pitchFamily="49" charset="0"/>
+              </a:rPr>
+            </a:br>
+            <a:r>
+              <a:rPr lang="en-US" sz="2000" dirty="0">
+                <a:latin typeface="Consolas" panose="020B0609020204030204" pitchFamily="49" charset="0"/>
+              </a:rPr>
+              <a:t>}</a:t>
+            </a:r>
+            <a:endParaRPr lang="en-US" sz="2400" dirty="0">
+              <a:latin typeface="Consolas" panose="020B0609020204030204" pitchFamily="49" charset="0"/>
+            </a:endParaRPr>
+          </a:p>
+          <a:p>
+            <a:r>
+              <a:rPr lang="en-US" dirty="0"/>
+              <a:t>match is required to define actions for both possible results</a:t>
+            </a:r>
+          </a:p>
+          <a:p>
+            <a:r>
+              <a:rPr lang="en-US" dirty="0"/>
+              <a:t>if let uses matching operator =</a:t>
+            </a:r>
+          </a:p>
+          <a:p>
+            <a:r>
+              <a:rPr lang="en-US" sz="2000" dirty="0">
+                <a:latin typeface="Consolas" panose="020B0609020204030204" pitchFamily="49" charset="0"/>
+              </a:rPr>
+              <a:t>if let Ok(t) = </a:t>
+            </a:r>
+            <a:r>
+              <a:rPr lang="en-US" sz="2000" dirty="0" err="1">
+                <a:latin typeface="Consolas" panose="020B0609020204030204" pitchFamily="49" charset="0"/>
+              </a:rPr>
+              <a:t>rslt</a:t>
+            </a:r>
+            <a:r>
+              <a:rPr lang="en-US" sz="2000" dirty="0">
+                <a:latin typeface="Consolas" panose="020B0609020204030204" pitchFamily="49" charset="0"/>
+              </a:rPr>
+              <a:t> {</a:t>
+            </a:r>
+            <a:br>
+              <a:rPr lang="en-US" sz="2000" dirty="0">
+                <a:latin typeface="Consolas" panose="020B0609020204030204" pitchFamily="49" charset="0"/>
+              </a:rPr>
+            </a:br>
+            <a:r>
+              <a:rPr lang="en-US" sz="2000" dirty="0">
+                <a:latin typeface="Consolas" panose="020B0609020204030204" pitchFamily="49" charset="0"/>
+              </a:rPr>
+              <a:t> 	/* do something with t = </a:t>
+            </a:r>
+            <a:r>
+              <a:rPr lang="en-US" sz="2000" dirty="0" err="1">
+                <a:latin typeface="Consolas" panose="020B0609020204030204" pitchFamily="49" charset="0"/>
+              </a:rPr>
+              <a:t>rslt.unwrap</a:t>
+            </a:r>
+            <a:r>
+              <a:rPr lang="en-US" sz="2000" dirty="0">
+                <a:latin typeface="Consolas" panose="020B0609020204030204" pitchFamily="49" charset="0"/>
+              </a:rPr>
+              <a:t>() */</a:t>
+            </a:r>
+            <a:br>
+              <a:rPr lang="en-US" sz="2000" dirty="0">
+                <a:latin typeface="Consolas" panose="020B0609020204030204" pitchFamily="49" charset="0"/>
+              </a:rPr>
+            </a:br>
+            <a:r>
+              <a:rPr lang="en-US" sz="2000" dirty="0">
+                <a:latin typeface="Consolas" panose="020B0609020204030204" pitchFamily="49" charset="0"/>
+              </a:rPr>
+              <a:t>}</a:t>
+            </a:r>
+            <a:br>
+              <a:rPr lang="en-US" sz="2000" dirty="0">
+                <a:latin typeface="Consolas" panose="020B0609020204030204" pitchFamily="49" charset="0"/>
+              </a:rPr>
+            </a:br>
+            <a:r>
+              <a:rPr lang="en-US" sz="2000" dirty="0">
+                <a:latin typeface="Consolas" panose="020B0609020204030204" pitchFamily="49" charset="0"/>
+              </a:rPr>
+              <a:t>else {</a:t>
+            </a:r>
+            <a:br>
+              <a:rPr lang="en-US" sz="2000" dirty="0">
+                <a:latin typeface="Consolas" panose="020B0609020204030204" pitchFamily="49" charset="0"/>
+              </a:rPr>
+            </a:br>
+            <a:r>
+              <a:rPr lang="en-US" sz="2000" dirty="0">
+                <a:latin typeface="Consolas" panose="020B0609020204030204" pitchFamily="49" charset="0"/>
+              </a:rPr>
+              <a:t> 	/* do something with e = </a:t>
+            </a:r>
+            <a:r>
+              <a:rPr lang="en-US" sz="2000" dirty="0" err="1">
+                <a:latin typeface="Consolas" panose="020B0609020204030204" pitchFamily="49" charset="0"/>
+              </a:rPr>
+              <a:t>rslt.unwrap_err</a:t>
+            </a:r>
+            <a:r>
+              <a:rPr lang="en-US" sz="2000" dirty="0">
+                <a:latin typeface="Consolas" panose="020B0609020204030204" pitchFamily="49" charset="0"/>
+              </a:rPr>
+              <a:t>() */</a:t>
+            </a:r>
+            <a:br>
+              <a:rPr lang="en-US" sz="2000" dirty="0">
+                <a:latin typeface="Consolas" panose="020B0609020204030204" pitchFamily="49" charset="0"/>
+              </a:rPr>
+            </a:br>
+            <a:r>
+              <a:rPr lang="en-US" sz="2000" dirty="0">
+                <a:latin typeface="Consolas" panose="020B0609020204030204" pitchFamily="49" charset="0"/>
+              </a:rPr>
+              <a:t>}</a:t>
+            </a:r>
+          </a:p>
+        </p:txBody>
+      </p:sp>
+      <p:sp>
+        <p:nvSpPr>
+          <p:cNvPr id="4" name="Slide Number Placeholder 3">
+            <a:extLst>
+              <a:ext uri="{FF2B5EF4-FFF2-40B4-BE49-F238E27FC236}">
+                <a16:creationId xmlns:a16="http://schemas.microsoft.com/office/drawing/2014/main" id="{2E775103-BEC7-44D4-A108-7C648756327F}"/>
+              </a:ext>
+            </a:extLst>
+          </p:cNvPr>
+          <p:cNvSpPr>
+            <a:spLocks noGrp="1"/>
+          </p:cNvSpPr>
+          <p:nvPr>
+            <p:ph type="sldNum" sz="quarter" idx="12"/>
+          </p:nvPr>
+        </p:nvSpPr>
+        <p:spPr/>
+        <p:txBody>
+          <a:bodyPr/>
+          <a:lstStyle/>
+          <a:p>
+            <a:fld id="{8175FE88-E4F7-4173-9B75-CBBABDFA1364}" type="slidenum">
+              <a:rPr lang="en-US" smtClean="0"/>
+              <a:pPr/>
+              <a:t>11</a:t>
+            </a:fld>
+            <a:endParaRPr lang="en-US" dirty="0"/>
+          </a:p>
+        </p:txBody>
+      </p:sp>
+    </p:spTree>
+    <p:extLst>
+      <p:ext uri="{BB962C8B-B14F-4D97-AF65-F5344CB8AC3E}">
+        <p14:creationId xmlns:p14="http://schemas.microsoft.com/office/powerpoint/2010/main" val="1443240117"/>
+      </p:ext>
+    </p:extLst>
+  </p:cSld>
+  <p:clrMapOvr>
+    <a:masterClrMapping/>
+  </p:clrMapOvr>
+</p:sld>
+</file>
+
+<file path=ppt/slides/slide12.xml><?xml version="1.0" encoding="utf-8"?>
+<p:sld xmlns:a="http://schemas.openxmlformats.org/drawingml/2006/main" xmlns:r="http://schemas.openxmlformats.org/officeDocument/2006/relationships" xmlns:p="http://schemas.openxmlformats.org/presentationml/2006/main">
+  <p:cSld>
+    <p:spTree>
+      <p:nvGrpSpPr>
+        <p:cNvPr id="1" name=""/>
+        <p:cNvGrpSpPr/>
+        <p:nvPr/>
+      </p:nvGrpSpPr>
+      <p:grpSpPr>
+        <a:xfrm>
+          <a:off x="0" y="0"/>
+          <a:ext cx="0" cy="0"/>
+          <a:chOff x="0" y="0"/>
+          <a:chExt cx="0" cy="0"/>
+        </a:xfrm>
+      </p:grpSpPr>
+      <p:sp>
+        <p:nvSpPr>
+          <p:cNvPr id="2" name="Title 1">
+            <a:extLst>
+              <a:ext uri="{FF2B5EF4-FFF2-40B4-BE49-F238E27FC236}">
+                <a16:creationId xmlns:a16="http://schemas.microsoft.com/office/drawing/2014/main" id="{92ED299C-8A04-4170-8A34-0E7509805FAB}"/>
+              </a:ext>
+            </a:extLst>
+          </p:cNvPr>
+          <p:cNvSpPr>
+            <a:spLocks noGrp="1"/>
+          </p:cNvSpPr>
+          <p:nvPr>
+            <p:ph type="title"/>
+          </p:nvPr>
+        </p:nvSpPr>
+        <p:spPr/>
+        <p:txBody>
+          <a:bodyPr/>
+          <a:lstStyle/>
+          <a:p>
+            <a:r>
+              <a:rPr lang="en-US" dirty="0"/>
+              <a:t>Demonstration code using match and let if</a:t>
+            </a:r>
+          </a:p>
+        </p:txBody>
+      </p:sp>
+      <p:pic>
+        <p:nvPicPr>
+          <p:cNvPr id="4" name="Content Placeholder 3">
+            <a:extLst>
+              <a:ext uri="{FF2B5EF4-FFF2-40B4-BE49-F238E27FC236}">
+                <a16:creationId xmlns:a16="http://schemas.microsoft.com/office/drawing/2014/main" id="{9437F212-0823-4643-BFD7-AD63C30ADC18}"/>
+              </a:ext>
+            </a:extLst>
+          </p:cNvPr>
+          <p:cNvPicPr>
+            <a:picLocks noGrp="1" noChangeAspect="1"/>
+          </p:cNvPicPr>
+          <p:nvPr>
+            <p:ph idx="1"/>
+          </p:nvPr>
+        </p:nvPicPr>
+        <p:blipFill>
+          <a:blip r:embed="rId2"/>
+          <a:stretch>
+            <a:fillRect/>
+          </a:stretch>
+        </p:blipFill>
+        <p:spPr>
+          <a:xfrm>
+            <a:off x="838200" y="1392189"/>
+            <a:ext cx="7592160" cy="4854575"/>
+          </a:xfrm>
+          <a:prstGeom prst="rect">
+            <a:avLst/>
+          </a:prstGeom>
+        </p:spPr>
+      </p:pic>
+      <p:sp>
+        <p:nvSpPr>
+          <p:cNvPr id="5" name="TextBox 4">
+            <a:extLst>
+              <a:ext uri="{FF2B5EF4-FFF2-40B4-BE49-F238E27FC236}">
+                <a16:creationId xmlns:a16="http://schemas.microsoft.com/office/drawing/2014/main" id="{640B6656-07DD-4278-BE09-2BFC139304BF}"/>
+              </a:ext>
+            </a:extLst>
+          </p:cNvPr>
+          <p:cNvSpPr txBox="1"/>
+          <p:nvPr/>
+        </p:nvSpPr>
+        <p:spPr>
+          <a:xfrm>
+            <a:off x="7217478" y="1952524"/>
+            <a:ext cx="3015426" cy="646331"/>
+          </a:xfrm>
+          <a:prstGeom prst="rect">
+            <a:avLst/>
+          </a:prstGeom>
+          <a:solidFill>
+            <a:schemeClr val="bg2"/>
+          </a:solidFill>
+          <a:ln w="12700">
+            <a:solidFill>
+              <a:schemeClr val="tx1"/>
+            </a:solidFill>
+          </a:ln>
+        </p:spPr>
+        <p:txBody>
+          <a:bodyPr wrap="square" rtlCol="0">
+            <a:spAutoFit/>
+          </a:bodyPr>
+          <a:lstStyle/>
+          <a:p>
+            <a:r>
+              <a:rPr lang="en-US" dirty="0"/>
+              <a:t>match requires testing both cases, Ok and Err </a:t>
+            </a:r>
+          </a:p>
+        </p:txBody>
+      </p:sp>
+      <p:sp>
+        <p:nvSpPr>
+          <p:cNvPr id="6" name="TextBox 5">
+            <a:extLst>
+              <a:ext uri="{FF2B5EF4-FFF2-40B4-BE49-F238E27FC236}">
+                <a16:creationId xmlns:a16="http://schemas.microsoft.com/office/drawing/2014/main" id="{43224207-EF33-49CA-8A58-99910A736C48}"/>
+              </a:ext>
+            </a:extLst>
+          </p:cNvPr>
+          <p:cNvSpPr txBox="1"/>
+          <p:nvPr/>
+        </p:nvSpPr>
+        <p:spPr>
+          <a:xfrm>
+            <a:off x="7217478" y="4387434"/>
+            <a:ext cx="3015426" cy="923330"/>
+          </a:xfrm>
+          <a:prstGeom prst="rect">
+            <a:avLst/>
+          </a:prstGeom>
+          <a:solidFill>
+            <a:schemeClr val="bg2"/>
+          </a:solidFill>
+          <a:ln w="12700">
+            <a:solidFill>
+              <a:schemeClr val="tx1"/>
+            </a:solidFill>
+          </a:ln>
+        </p:spPr>
+        <p:txBody>
+          <a:bodyPr wrap="square" rtlCol="0">
+            <a:spAutoFit/>
+          </a:bodyPr>
+          <a:lstStyle/>
+          <a:p>
+            <a:r>
+              <a:rPr lang="en-US" dirty="0"/>
+              <a:t>if let doesn’t require handling both cases, but the code may do so, as shown</a:t>
+            </a:r>
+          </a:p>
+        </p:txBody>
+      </p:sp>
+      <p:sp>
+        <p:nvSpPr>
+          <p:cNvPr id="7" name="Slide Number Placeholder 6">
+            <a:extLst>
+              <a:ext uri="{FF2B5EF4-FFF2-40B4-BE49-F238E27FC236}">
+                <a16:creationId xmlns:a16="http://schemas.microsoft.com/office/drawing/2014/main" id="{CD63EABE-B493-4E12-A31A-31BAB4F0D9A9}"/>
+              </a:ext>
+            </a:extLst>
+          </p:cNvPr>
+          <p:cNvSpPr>
+            <a:spLocks noGrp="1"/>
+          </p:cNvSpPr>
+          <p:nvPr>
+            <p:ph type="sldNum" sz="quarter" idx="12"/>
+          </p:nvPr>
+        </p:nvSpPr>
+        <p:spPr/>
+        <p:txBody>
+          <a:bodyPr/>
+          <a:lstStyle/>
+          <a:p>
+            <a:fld id="{8175FE88-E4F7-4173-9B75-CBBABDFA1364}" type="slidenum">
+              <a:rPr lang="en-US" smtClean="0"/>
+              <a:pPr/>
+              <a:t>12</a:t>
+            </a:fld>
+            <a:endParaRPr lang="en-US" dirty="0"/>
+          </a:p>
+        </p:txBody>
+      </p:sp>
+    </p:spTree>
+    <p:extLst>
+      <p:ext uri="{BB962C8B-B14F-4D97-AF65-F5344CB8AC3E}">
+        <p14:creationId xmlns:p14="http://schemas.microsoft.com/office/powerpoint/2010/main" val="891517251"/>
+      </p:ext>
+    </p:extLst>
+  </p:cSld>
+  <p:clrMapOvr>
+    <a:masterClrMapping/>
+  </p:clrMapOvr>
+</p:sld>
+</file>
+
+<file path=ppt/slides/slide13.xml><?xml version="1.0" encoding="utf-8"?>
+<p:sld xmlns:a="http://schemas.openxmlformats.org/drawingml/2006/main" xmlns:r="http://schemas.openxmlformats.org/officeDocument/2006/relationships" xmlns:p="http://schemas.openxmlformats.org/presentationml/2006/main">
+  <p:cSld>
+    <p:spTree>
+      <p:nvGrpSpPr>
+        <p:cNvPr id="1" name=""/>
+        <p:cNvGrpSpPr/>
+        <p:nvPr/>
+      </p:nvGrpSpPr>
+      <p:grpSpPr>
+        <a:xfrm>
+          <a:off x="0" y="0"/>
+          <a:ext cx="0" cy="0"/>
+          <a:chOff x="0" y="0"/>
+          <a:chExt cx="0" cy="0"/>
+        </a:xfrm>
+      </p:grpSpPr>
+      <p:sp>
+        <p:nvSpPr>
+          <p:cNvPr id="2" name="Title 1">
+            <a:extLst>
+              <a:ext uri="{FF2B5EF4-FFF2-40B4-BE49-F238E27FC236}">
+                <a16:creationId xmlns:a16="http://schemas.microsoft.com/office/drawing/2014/main" id="{9C42B208-7010-4161-82E7-3B92AD6F30EB}"/>
+              </a:ext>
+            </a:extLst>
+          </p:cNvPr>
+          <p:cNvSpPr>
+            <a:spLocks noGrp="1"/>
+          </p:cNvSpPr>
+          <p:nvPr>
+            <p:ph type="title"/>
+          </p:nvPr>
+        </p:nvSpPr>
+        <p:spPr/>
+        <p:txBody>
+          <a:bodyPr/>
+          <a:lstStyle/>
+          <a:p>
+            <a:r>
+              <a:rPr lang="en-US" dirty="0"/>
+              <a:t>Bubbling Errors up Call Chain</a:t>
+            </a:r>
+          </a:p>
+        </p:txBody>
+      </p:sp>
+      <p:sp>
+        <p:nvSpPr>
+          <p:cNvPr id="3" name="Content Placeholder 2">
+            <a:extLst>
+              <a:ext uri="{FF2B5EF4-FFF2-40B4-BE49-F238E27FC236}">
+                <a16:creationId xmlns:a16="http://schemas.microsoft.com/office/drawing/2014/main" id="{53CA2854-33C2-43D9-A998-49F64F5536BA}"/>
+              </a:ext>
+            </a:extLst>
+          </p:cNvPr>
+          <p:cNvSpPr>
+            <a:spLocks noGrp="1"/>
+          </p:cNvSpPr>
+          <p:nvPr>
+            <p:ph idx="1"/>
+          </p:nvPr>
+        </p:nvSpPr>
+        <p:spPr/>
+        <p:txBody>
+          <a:bodyPr/>
+          <a:lstStyle/>
+          <a:p>
+            <a:r>
+              <a:rPr lang="en-US" sz="2400" dirty="0" err="1">
+                <a:latin typeface="Consolas" panose="020B0609020204030204" pitchFamily="49" charset="0"/>
+              </a:rPr>
+              <a:t>Fn</a:t>
+            </a:r>
+            <a:r>
+              <a:rPr lang="en-US" sz="2400" dirty="0">
+                <a:latin typeface="Consolas" panose="020B0609020204030204" pitchFamily="49" charset="0"/>
+              </a:rPr>
+              <a:t> g&lt;T, E&gt;() -&gt; Result&lt;T, E&gt;</a:t>
+            </a:r>
+          </a:p>
+          <a:p>
+            <a:r>
+              <a:rPr lang="en-US" sz="2400" dirty="0" err="1">
+                <a:latin typeface="Consolas" panose="020B0609020204030204" pitchFamily="49" charset="0"/>
+              </a:rPr>
+              <a:t>Fn</a:t>
+            </a:r>
+            <a:r>
+              <a:rPr lang="en-US" sz="2400" dirty="0">
+                <a:latin typeface="Consolas" panose="020B0609020204030204" pitchFamily="49" charset="0"/>
+              </a:rPr>
+              <a:t> f&lt;T, E&gt;() -&gt; Result&lt;T, E&gt; {</a:t>
+            </a:r>
+            <a:br>
+              <a:rPr lang="en-US" sz="2400" dirty="0">
+                <a:latin typeface="Consolas" panose="020B0609020204030204" pitchFamily="49" charset="0"/>
+              </a:rPr>
+            </a:br>
+            <a:br>
+              <a:rPr lang="en-US" sz="1400" dirty="0">
+                <a:latin typeface="Consolas" panose="020B0609020204030204" pitchFamily="49" charset="0"/>
+              </a:rPr>
+            </a:br>
+            <a:r>
+              <a:rPr lang="en-US" sz="2400" dirty="0">
+                <a:latin typeface="Consolas" panose="020B0609020204030204" pitchFamily="49" charset="0"/>
+              </a:rPr>
+              <a:t> 	</a:t>
+            </a:r>
+            <a:r>
+              <a:rPr lang="en-US" sz="1800" dirty="0">
+                <a:latin typeface="Consolas" panose="020B0609020204030204" pitchFamily="49" charset="0"/>
+              </a:rPr>
+              <a:t>// code elided</a:t>
+            </a:r>
+            <a:br>
+              <a:rPr lang="en-US" sz="2400" dirty="0">
+                <a:latin typeface="Consolas" panose="020B0609020204030204" pitchFamily="49" charset="0"/>
+              </a:rPr>
+            </a:br>
+            <a:br>
+              <a:rPr lang="en-US" sz="1400" dirty="0">
+                <a:latin typeface="Consolas" panose="020B0609020204030204" pitchFamily="49" charset="0"/>
+              </a:rPr>
+            </a:br>
+            <a:r>
+              <a:rPr lang="en-US" sz="2400" dirty="0">
+                <a:latin typeface="Consolas" panose="020B0609020204030204" pitchFamily="49" charset="0"/>
+              </a:rPr>
+              <a:t> 	let t:T = g()?</a:t>
+            </a:r>
+            <a:br>
+              <a:rPr lang="en-US" sz="2400" dirty="0">
+                <a:latin typeface="Consolas" panose="020B0609020204030204" pitchFamily="49" charset="0"/>
+              </a:rPr>
+            </a:br>
+            <a:br>
+              <a:rPr lang="en-US" sz="1400" dirty="0">
+                <a:latin typeface="Consolas" panose="020B0609020204030204" pitchFamily="49" charset="0"/>
+              </a:rPr>
+            </a:br>
+            <a:r>
+              <a:rPr lang="en-US" sz="2400" dirty="0">
+                <a:latin typeface="Consolas" panose="020B0609020204030204" pitchFamily="49" charset="0"/>
+              </a:rPr>
+              <a:t> 	</a:t>
+            </a:r>
+            <a:r>
+              <a:rPr lang="en-US" sz="1800" dirty="0">
+                <a:latin typeface="Consolas" panose="020B0609020204030204" pitchFamily="49" charset="0"/>
+              </a:rPr>
+              <a:t>// code using t elided</a:t>
+            </a:r>
+            <a:br>
+              <a:rPr lang="en-US" sz="2400" dirty="0">
+                <a:latin typeface="Consolas" panose="020B0609020204030204" pitchFamily="49" charset="0"/>
+              </a:rPr>
+            </a:br>
+            <a:br>
+              <a:rPr lang="en-US" sz="1400" dirty="0">
+                <a:latin typeface="Consolas" panose="020B0609020204030204" pitchFamily="49" charset="0"/>
+              </a:rPr>
+            </a:br>
+            <a:r>
+              <a:rPr lang="en-US" sz="2400" dirty="0">
+                <a:latin typeface="Consolas" panose="020B0609020204030204" pitchFamily="49" charset="0"/>
+              </a:rPr>
+              <a:t>}</a:t>
+            </a:r>
+          </a:p>
+          <a:p>
+            <a:r>
+              <a:rPr lang="en-US" dirty="0"/>
+              <a:t>If g() returns an error the try operator ? returns from f(), passing out the Result object, Err(</a:t>
+            </a:r>
+            <a:r>
+              <a:rPr lang="en-US" dirty="0" err="1"/>
+              <a:t>e:E</a:t>
+            </a:r>
+            <a:r>
+              <a:rPr lang="en-US" dirty="0"/>
+              <a:t>).</a:t>
+            </a:r>
+          </a:p>
+          <a:p>
+            <a:r>
+              <a:rPr lang="en-US" dirty="0"/>
+              <a:t>Otherwise, the ? operator unwraps the result, t:T and binds to t.</a:t>
+            </a:r>
+          </a:p>
+        </p:txBody>
+      </p:sp>
+      <p:sp>
+        <p:nvSpPr>
+          <p:cNvPr id="4" name="Slide Number Placeholder 3">
+            <a:extLst>
+              <a:ext uri="{FF2B5EF4-FFF2-40B4-BE49-F238E27FC236}">
+                <a16:creationId xmlns:a16="http://schemas.microsoft.com/office/drawing/2014/main" id="{E5FD93AF-D53C-4A39-85BA-909357FD3EBC}"/>
+              </a:ext>
+            </a:extLst>
+          </p:cNvPr>
+          <p:cNvSpPr>
+            <a:spLocks noGrp="1"/>
+          </p:cNvSpPr>
+          <p:nvPr>
+            <p:ph type="sldNum" sz="quarter" idx="12"/>
+          </p:nvPr>
+        </p:nvSpPr>
+        <p:spPr/>
+        <p:txBody>
+          <a:bodyPr/>
+          <a:lstStyle/>
+          <a:p>
+            <a:fld id="{8175FE88-E4F7-4173-9B75-CBBABDFA1364}" type="slidenum">
+              <a:rPr lang="en-US" smtClean="0"/>
+              <a:pPr/>
+              <a:t>13</a:t>
+            </a:fld>
+            <a:endParaRPr lang="en-US" dirty="0"/>
+          </a:p>
+        </p:txBody>
+      </p:sp>
+    </p:spTree>
+    <p:extLst>
+      <p:ext uri="{BB962C8B-B14F-4D97-AF65-F5344CB8AC3E}">
+        <p14:creationId xmlns:p14="http://schemas.microsoft.com/office/powerpoint/2010/main" val="3298732808"/>
+      </p:ext>
+    </p:extLst>
+  </p:cSld>
+  <p:clrMapOvr>
+    <a:masterClrMapping/>
+  </p:clrMapOvr>
+</p:sld>
+</file>
+
+<file path=ppt/slides/slide14.xml><?xml version="1.0" encoding="utf-8"?>
+<p:sld xmlns:a="http://schemas.openxmlformats.org/drawingml/2006/main" xmlns:r="http://schemas.openxmlformats.org/officeDocument/2006/relationships" xmlns:p="http://schemas.openxmlformats.org/presentationml/2006/main">
+  <p:cSld>
+    <p:spTree>
+      <p:nvGrpSpPr>
+        <p:cNvPr id="1" name=""/>
+        <p:cNvGrpSpPr/>
+        <p:nvPr/>
+      </p:nvGrpSpPr>
+      <p:grpSpPr>
+        <a:xfrm>
+          <a:off x="0" y="0"/>
+          <a:ext cx="0" cy="0"/>
+          <a:chOff x="0" y="0"/>
+          <a:chExt cx="0" cy="0"/>
+        </a:xfrm>
+      </p:grpSpPr>
+      <p:sp>
+        <p:nvSpPr>
+          <p:cNvPr id="2" name="Title 1">
+            <a:extLst>
+              <a:ext uri="{FF2B5EF4-FFF2-40B4-BE49-F238E27FC236}">
+                <a16:creationId xmlns:a16="http://schemas.microsoft.com/office/drawing/2014/main" id="{23F188F6-2313-4FC4-8183-EB77AFECF5F2}"/>
+              </a:ext>
+            </a:extLst>
+          </p:cNvPr>
+          <p:cNvSpPr>
+            <a:spLocks noGrp="1"/>
+          </p:cNvSpPr>
+          <p:nvPr>
+            <p:ph type="title"/>
+          </p:nvPr>
+        </p:nvSpPr>
+        <p:spPr>
+          <a:xfrm>
+            <a:off x="838200" y="365126"/>
+            <a:ext cx="10515600" cy="577195"/>
+          </a:xfrm>
+        </p:spPr>
+        <p:txBody>
+          <a:bodyPr/>
+          <a:lstStyle/>
+          <a:p>
+            <a:r>
+              <a:rPr lang="en-US" dirty="0"/>
+              <a:t>Bubbling Errors up the Call Chain</a:t>
+            </a:r>
+          </a:p>
+        </p:txBody>
+      </p:sp>
+      <p:pic>
+        <p:nvPicPr>
+          <p:cNvPr id="4" name="Content Placeholder 3">
+            <a:extLst>
+              <a:ext uri="{FF2B5EF4-FFF2-40B4-BE49-F238E27FC236}">
+                <a16:creationId xmlns:a16="http://schemas.microsoft.com/office/drawing/2014/main" id="{DBDD7079-4A42-43F7-83F0-3B04BBA3102E}"/>
+              </a:ext>
+            </a:extLst>
+          </p:cNvPr>
+          <p:cNvPicPr>
+            <a:picLocks noGrp="1" noChangeAspect="1"/>
+          </p:cNvPicPr>
+          <p:nvPr>
+            <p:ph idx="1"/>
+          </p:nvPr>
+        </p:nvPicPr>
+        <p:blipFill>
+          <a:blip r:embed="rId2"/>
+          <a:stretch>
+            <a:fillRect/>
+          </a:stretch>
+        </p:blipFill>
+        <p:spPr>
+          <a:xfrm>
+            <a:off x="838199" y="3560852"/>
+            <a:ext cx="7314248" cy="2138011"/>
+          </a:xfrm>
+          <a:prstGeom prst="rect">
+            <a:avLst/>
+          </a:prstGeom>
+        </p:spPr>
+      </p:pic>
+      <p:sp>
+        <p:nvSpPr>
+          <p:cNvPr id="5" name="TextBox 4">
+            <a:extLst>
+              <a:ext uri="{FF2B5EF4-FFF2-40B4-BE49-F238E27FC236}">
+                <a16:creationId xmlns:a16="http://schemas.microsoft.com/office/drawing/2014/main" id="{EBC2A0D5-A498-421F-8F3E-8A5196171D37}"/>
+              </a:ext>
+            </a:extLst>
+          </p:cNvPr>
+          <p:cNvSpPr txBox="1"/>
+          <p:nvPr/>
+        </p:nvSpPr>
+        <p:spPr>
+          <a:xfrm>
+            <a:off x="5084670" y="4594957"/>
+            <a:ext cx="6135554" cy="1661993"/>
+          </a:xfrm>
+          <a:prstGeom prst="rect">
+            <a:avLst/>
+          </a:prstGeom>
+          <a:solidFill>
+            <a:schemeClr val="bg2"/>
+          </a:solidFill>
+          <a:ln w="12700">
+            <a:solidFill>
+              <a:schemeClr val="tx1"/>
+            </a:solidFill>
+          </a:ln>
+        </p:spPr>
+        <p:txBody>
+          <a:bodyPr wrap="square" rtlCol="0">
+            <a:spAutoFit/>
+          </a:bodyPr>
+          <a:lstStyle/>
+          <a:p>
+            <a:r>
+              <a:rPr lang="en-US" dirty="0"/>
+              <a:t>f&lt;T&gt;() -&gt; Result&lt;T, E&gt;</a:t>
+            </a:r>
+          </a:p>
+          <a:p>
+            <a:endParaRPr lang="en-US" sz="900" dirty="0"/>
+          </a:p>
+          <a:p>
+            <a:r>
+              <a:rPr lang="en-US" dirty="0"/>
+              <a:t>    if Result&lt;T, E&gt; contains Ok(</a:t>
+            </a:r>
+            <a:r>
+              <a:rPr lang="en-US" dirty="0" err="1"/>
+              <a:t>t:T</a:t>
+            </a:r>
+            <a:r>
+              <a:rPr lang="en-US" dirty="0"/>
+              <a:t>) after evaluating f()</a:t>
+            </a:r>
+          </a:p>
+          <a:p>
+            <a:r>
+              <a:rPr lang="en-US" dirty="0"/>
+              <a:t>        then f()? Evaluates as t = f().unwrap();</a:t>
+            </a:r>
+          </a:p>
+          <a:p>
+            <a:r>
+              <a:rPr lang="en-US" dirty="0"/>
+              <a:t>    if Result&lt;T, E&gt; contains Err(error)</a:t>
+            </a:r>
+          </a:p>
+          <a:p>
+            <a:r>
+              <a:rPr lang="en-US" dirty="0"/>
+              <a:t>        then f()? Returns Result&lt;T, E&gt; to caller</a:t>
+            </a:r>
+          </a:p>
+        </p:txBody>
+      </p:sp>
+      <p:pic>
+        <p:nvPicPr>
+          <p:cNvPr id="6" name="Picture 5">
+            <a:extLst>
+              <a:ext uri="{FF2B5EF4-FFF2-40B4-BE49-F238E27FC236}">
+                <a16:creationId xmlns:a16="http://schemas.microsoft.com/office/drawing/2014/main" id="{45255F2A-EAE9-429B-83DF-A80736843F6D}"/>
+              </a:ext>
+            </a:extLst>
+          </p:cNvPr>
+          <p:cNvPicPr>
+            <a:picLocks noChangeAspect="1"/>
+          </p:cNvPicPr>
+          <p:nvPr/>
+        </p:nvPicPr>
+        <p:blipFill>
+          <a:blip r:embed="rId3"/>
+          <a:stretch>
+            <a:fillRect/>
+          </a:stretch>
+        </p:blipFill>
+        <p:spPr>
+          <a:xfrm>
+            <a:off x="838199" y="1134371"/>
+            <a:ext cx="7328511" cy="2330129"/>
+          </a:xfrm>
+          <a:prstGeom prst="rect">
+            <a:avLst/>
+          </a:prstGeom>
+        </p:spPr>
+      </p:pic>
+      <p:sp>
+        <p:nvSpPr>
+          <p:cNvPr id="7" name="Slide Number Placeholder 6">
+            <a:extLst>
+              <a:ext uri="{FF2B5EF4-FFF2-40B4-BE49-F238E27FC236}">
+                <a16:creationId xmlns:a16="http://schemas.microsoft.com/office/drawing/2014/main" id="{206CA943-83CD-4B79-BD3E-39A8CA0DBBB4}"/>
+              </a:ext>
+            </a:extLst>
+          </p:cNvPr>
+          <p:cNvSpPr>
+            <a:spLocks noGrp="1"/>
+          </p:cNvSpPr>
+          <p:nvPr>
+            <p:ph type="sldNum" sz="quarter" idx="12"/>
+          </p:nvPr>
+        </p:nvSpPr>
+        <p:spPr/>
+        <p:txBody>
+          <a:bodyPr/>
+          <a:lstStyle/>
+          <a:p>
+            <a:fld id="{8175FE88-E4F7-4173-9B75-CBBABDFA1364}" type="slidenum">
+              <a:rPr lang="en-US" smtClean="0"/>
+              <a:pPr/>
+              <a:t>14</a:t>
+            </a:fld>
+            <a:endParaRPr lang="en-US" dirty="0"/>
+          </a:p>
+        </p:txBody>
+      </p:sp>
+    </p:spTree>
+    <p:extLst>
+      <p:ext uri="{BB962C8B-B14F-4D97-AF65-F5344CB8AC3E}">
+        <p14:creationId xmlns:p14="http://schemas.microsoft.com/office/powerpoint/2010/main" val="2502966753"/>
+      </p:ext>
+    </p:extLst>
+  </p:cSld>
+  <p:clrMapOvr>
+    <a:masterClrMapping/>
+  </p:clrMapOvr>
+</p:sld>
+</file>
+
+<file path=ppt/slides/slide15.xml><?xml version="1.0" encoding="utf-8"?>
+<p:sld xmlns:a="http://schemas.openxmlformats.org/drawingml/2006/main" xmlns:r="http://schemas.openxmlformats.org/officeDocument/2006/relationships" xmlns:p="http://schemas.openxmlformats.org/presentationml/2006/main">
+  <p:cSld>
+    <p:spTree>
+      <p:nvGrpSpPr>
+        <p:cNvPr id="1" name=""/>
+        <p:cNvGrpSpPr/>
+        <p:nvPr/>
+      </p:nvGrpSpPr>
+      <p:grpSpPr>
+        <a:xfrm>
+          <a:off x="0" y="0"/>
+          <a:ext cx="0" cy="0"/>
+          <a:chOff x="0" y="0"/>
+          <a:chExt cx="0" cy="0"/>
+        </a:xfrm>
+      </p:grpSpPr>
+      <p:sp>
+        <p:nvSpPr>
+          <p:cNvPr id="2" name="Title 1">
+            <a:extLst>
+              <a:ext uri="{FF2B5EF4-FFF2-40B4-BE49-F238E27FC236}">
+                <a16:creationId xmlns:a16="http://schemas.microsoft.com/office/drawing/2014/main" id="{82BD9E61-D072-4BA2-9F17-3648C760C7C1}"/>
+              </a:ext>
+            </a:extLst>
+          </p:cNvPr>
+          <p:cNvSpPr>
+            <a:spLocks noGrp="1"/>
+          </p:cNvSpPr>
+          <p:nvPr>
+            <p:ph type="title"/>
+          </p:nvPr>
+        </p:nvSpPr>
+        <p:spPr/>
+        <p:txBody>
+          <a:bodyPr/>
+          <a:lstStyle/>
+          <a:p>
+            <a:r>
+              <a:rPr lang="en-US" dirty="0"/>
+              <a:t>Console I/O – std::</a:t>
+            </a:r>
+            <a:r>
+              <a:rPr lang="en-US" dirty="0" err="1"/>
+              <a:t>io</a:t>
+            </a:r>
+            <a:r>
+              <a:rPr lang="en-US" dirty="0"/>
+              <a:t>::stdin()</a:t>
+            </a:r>
+          </a:p>
+        </p:txBody>
+      </p:sp>
+      <p:sp>
+        <p:nvSpPr>
+          <p:cNvPr id="6" name="Slide Number Placeholder 5">
+            <a:extLst>
+              <a:ext uri="{FF2B5EF4-FFF2-40B4-BE49-F238E27FC236}">
+                <a16:creationId xmlns:a16="http://schemas.microsoft.com/office/drawing/2014/main" id="{7ADEC78C-CCAF-4AAB-9625-FCFA5911941D}"/>
+              </a:ext>
+            </a:extLst>
+          </p:cNvPr>
+          <p:cNvSpPr>
+            <a:spLocks noGrp="1"/>
+          </p:cNvSpPr>
+          <p:nvPr>
+            <p:ph type="sldNum" sz="quarter" idx="12"/>
+          </p:nvPr>
+        </p:nvSpPr>
+        <p:spPr/>
+        <p:txBody>
+          <a:bodyPr/>
+          <a:lstStyle/>
+          <a:p>
+            <a:fld id="{8175FE88-E4F7-4173-9B75-CBBABDFA1364}" type="slidenum">
+              <a:rPr lang="en-US" smtClean="0"/>
+              <a:pPr/>
+              <a:t>15</a:t>
+            </a:fld>
+            <a:endParaRPr lang="en-US" dirty="0"/>
+          </a:p>
+        </p:txBody>
+      </p:sp>
+      <p:pic>
+        <p:nvPicPr>
+          <p:cNvPr id="9" name="Content Placeholder 8">
+            <a:extLst>
+              <a:ext uri="{FF2B5EF4-FFF2-40B4-BE49-F238E27FC236}">
+                <a16:creationId xmlns:a16="http://schemas.microsoft.com/office/drawing/2014/main" id="{FB49B83C-263B-48AB-9EA0-522A3611D748}"/>
+              </a:ext>
+            </a:extLst>
+          </p:cNvPr>
+          <p:cNvPicPr>
+            <a:picLocks noGrp="1" noChangeAspect="1"/>
+          </p:cNvPicPr>
+          <p:nvPr>
+            <p:ph idx="1"/>
+          </p:nvPr>
+        </p:nvPicPr>
+        <p:blipFill>
+          <a:blip r:embed="rId2"/>
+          <a:stretch>
+            <a:fillRect/>
+          </a:stretch>
+        </p:blipFill>
+        <p:spPr>
+          <a:xfrm>
+            <a:off x="838200" y="1555079"/>
+            <a:ext cx="10515600" cy="4389192"/>
+          </a:xfrm>
+          <a:prstGeom prst="rect">
+            <a:avLst/>
+          </a:prstGeom>
+        </p:spPr>
+      </p:pic>
+    </p:spTree>
+    <p:extLst>
+      <p:ext uri="{BB962C8B-B14F-4D97-AF65-F5344CB8AC3E}">
+        <p14:creationId xmlns:p14="http://schemas.microsoft.com/office/powerpoint/2010/main" val="3048086422"/>
+      </p:ext>
+    </p:extLst>
+  </p:cSld>
+  <p:clrMapOvr>
+    <a:masterClrMapping/>
+  </p:clrMapOvr>
+</p:sld>
+</file>
+
+<file path=ppt/slides/slide16.xml><?xml version="1.0" encoding="utf-8"?>
+<p:sld xmlns:a="http://schemas.openxmlformats.org/drawingml/2006/main" xmlns:r="http://schemas.openxmlformats.org/officeDocument/2006/relationships" xmlns:p="http://schemas.openxmlformats.org/presentationml/2006/main">
+  <p:cSld>
+    <p:spTree>
+      <p:nvGrpSpPr>
+        <p:cNvPr id="1" name=""/>
+        <p:cNvGrpSpPr/>
+        <p:nvPr/>
+      </p:nvGrpSpPr>
+      <p:grpSpPr>
+        <a:xfrm>
+          <a:off x="0" y="0"/>
+          <a:ext cx="0" cy="0"/>
+          <a:chOff x="0" y="0"/>
+          <a:chExt cx="0" cy="0"/>
+        </a:xfrm>
+      </p:grpSpPr>
+      <p:sp>
+        <p:nvSpPr>
+          <p:cNvPr id="2" name="Title 1">
+            <a:extLst>
+              <a:ext uri="{FF2B5EF4-FFF2-40B4-BE49-F238E27FC236}">
+                <a16:creationId xmlns:a16="http://schemas.microsoft.com/office/drawing/2014/main" id="{41EDFE3D-482F-4A85-A0A7-63CF5B5133A2}"/>
+              </a:ext>
+            </a:extLst>
+          </p:cNvPr>
+          <p:cNvSpPr>
+            <a:spLocks noGrp="1"/>
+          </p:cNvSpPr>
+          <p:nvPr>
+            <p:ph type="title"/>
+          </p:nvPr>
+        </p:nvSpPr>
+        <p:spPr/>
+        <p:txBody>
+          <a:bodyPr/>
+          <a:lstStyle/>
+          <a:p>
+            <a:r>
+              <a:rPr lang="en-US" dirty="0"/>
+              <a:t>Console I/O – std::</a:t>
+            </a:r>
+            <a:r>
+              <a:rPr lang="en-US" dirty="0" err="1"/>
+              <a:t>io</a:t>
+            </a:r>
+            <a:r>
+              <a:rPr lang="en-US" dirty="0"/>
+              <a:t>::</a:t>
+            </a:r>
+            <a:r>
+              <a:rPr lang="en-US" dirty="0" err="1"/>
+              <a:t>stdout</a:t>
+            </a:r>
+            <a:r>
+              <a:rPr lang="en-US" dirty="0"/>
+              <a:t>() </a:t>
+            </a:r>
+          </a:p>
+        </p:txBody>
+      </p:sp>
+      <p:pic>
+        <p:nvPicPr>
+          <p:cNvPr id="4" name="Content Placeholder 3">
+            <a:extLst>
+              <a:ext uri="{FF2B5EF4-FFF2-40B4-BE49-F238E27FC236}">
+                <a16:creationId xmlns:a16="http://schemas.microsoft.com/office/drawing/2014/main" id="{EF9C1D3F-5408-44BE-A145-186FD7E9175B}"/>
+              </a:ext>
+            </a:extLst>
+          </p:cNvPr>
+          <p:cNvPicPr>
+            <a:picLocks noGrp="1" noChangeAspect="1"/>
+          </p:cNvPicPr>
+          <p:nvPr>
+            <p:ph idx="1"/>
+          </p:nvPr>
+        </p:nvPicPr>
+        <p:blipFill>
+          <a:blip r:embed="rId2"/>
+          <a:stretch>
+            <a:fillRect/>
+          </a:stretch>
+        </p:blipFill>
+        <p:spPr>
+          <a:xfrm>
+            <a:off x="796533" y="1236620"/>
+            <a:ext cx="9600465" cy="4854575"/>
+          </a:xfrm>
+          <a:prstGeom prst="rect">
+            <a:avLst/>
+          </a:prstGeom>
+        </p:spPr>
+      </p:pic>
+      <p:pic>
+        <p:nvPicPr>
+          <p:cNvPr id="6" name="Picture 5">
+            <a:extLst>
+              <a:ext uri="{FF2B5EF4-FFF2-40B4-BE49-F238E27FC236}">
+                <a16:creationId xmlns:a16="http://schemas.microsoft.com/office/drawing/2014/main" id="{87CEE696-204D-4628-9387-E8F49B6EC600}"/>
+              </a:ext>
+            </a:extLst>
+          </p:cNvPr>
+          <p:cNvPicPr>
+            <a:picLocks noChangeAspect="1"/>
+          </p:cNvPicPr>
+          <p:nvPr/>
+        </p:nvPicPr>
+        <p:blipFill>
+          <a:blip r:embed="rId3"/>
+          <a:stretch>
+            <a:fillRect/>
+          </a:stretch>
+        </p:blipFill>
+        <p:spPr>
+          <a:xfrm>
+            <a:off x="6756788" y="4134510"/>
+            <a:ext cx="4697644" cy="1104065"/>
+          </a:xfrm>
+          <a:prstGeom prst="rect">
+            <a:avLst/>
+          </a:prstGeom>
+          <a:ln w="19050">
+            <a:solidFill>
+              <a:srgbClr val="FF0000"/>
+            </a:solidFill>
+          </a:ln>
+        </p:spPr>
+      </p:pic>
+      <p:pic>
+        <p:nvPicPr>
+          <p:cNvPr id="7" name="Picture 6">
+            <a:extLst>
+              <a:ext uri="{FF2B5EF4-FFF2-40B4-BE49-F238E27FC236}">
+                <a16:creationId xmlns:a16="http://schemas.microsoft.com/office/drawing/2014/main" id="{B9C4BF73-FF04-4A70-8AA6-CA118AA7DB39}"/>
+              </a:ext>
+            </a:extLst>
+          </p:cNvPr>
+          <p:cNvPicPr>
+            <a:picLocks noChangeAspect="1"/>
+          </p:cNvPicPr>
+          <p:nvPr/>
+        </p:nvPicPr>
+        <p:blipFill>
+          <a:blip r:embed="rId4"/>
+          <a:stretch>
+            <a:fillRect/>
+          </a:stretch>
+        </p:blipFill>
+        <p:spPr>
+          <a:xfrm>
+            <a:off x="6718500" y="2640788"/>
+            <a:ext cx="4300719" cy="1028700"/>
+          </a:xfrm>
+          <a:prstGeom prst="rect">
+            <a:avLst/>
+          </a:prstGeom>
+          <a:ln w="19050">
+            <a:solidFill>
+              <a:schemeClr val="accent6">
+                <a:lumMod val="40000"/>
+                <a:lumOff val="60000"/>
+              </a:schemeClr>
+            </a:solidFill>
+          </a:ln>
+        </p:spPr>
+      </p:pic>
+      <p:sp>
+        <p:nvSpPr>
+          <p:cNvPr id="8" name="TextBox 7">
+            <a:extLst>
+              <a:ext uri="{FF2B5EF4-FFF2-40B4-BE49-F238E27FC236}">
+                <a16:creationId xmlns:a16="http://schemas.microsoft.com/office/drawing/2014/main" id="{C6F0E090-6639-498C-8DA8-CEFA3DEB2C12}"/>
+              </a:ext>
+            </a:extLst>
+          </p:cNvPr>
+          <p:cNvSpPr txBox="1"/>
+          <p:nvPr/>
+        </p:nvSpPr>
+        <p:spPr>
+          <a:xfrm>
+            <a:off x="10085100" y="2377304"/>
+            <a:ext cx="1246018" cy="369332"/>
+          </a:xfrm>
+          <a:prstGeom prst="rect">
+            <a:avLst/>
+          </a:prstGeom>
+          <a:solidFill>
+            <a:schemeClr val="bg2"/>
+          </a:solidFill>
+          <a:ln w="19050">
+            <a:solidFill>
+              <a:schemeClr val="tx1"/>
+            </a:solidFill>
+          </a:ln>
+        </p:spPr>
+        <p:txBody>
+          <a:bodyPr wrap="square" rtlCol="0">
+            <a:spAutoFit/>
+          </a:bodyPr>
+          <a:lstStyle/>
+          <a:p>
+            <a:r>
+              <a:rPr lang="en-US" dirty="0" err="1"/>
+              <a:t>arg</a:t>
+            </a:r>
+            <a:r>
+              <a:rPr lang="en-US" dirty="0"/>
+              <a:t> = _valid</a:t>
+            </a:r>
+          </a:p>
+        </p:txBody>
+      </p:sp>
+      <p:sp>
+        <p:nvSpPr>
+          <p:cNvPr id="9" name="TextBox 8">
+            <a:extLst>
+              <a:ext uri="{FF2B5EF4-FFF2-40B4-BE49-F238E27FC236}">
+                <a16:creationId xmlns:a16="http://schemas.microsoft.com/office/drawing/2014/main" id="{9A94A582-CDF0-4B2D-8A51-ACD6033B118A}"/>
+              </a:ext>
+            </a:extLst>
+          </p:cNvPr>
+          <p:cNvSpPr txBox="1"/>
+          <p:nvPr/>
+        </p:nvSpPr>
+        <p:spPr>
+          <a:xfrm>
+            <a:off x="10351687" y="3910435"/>
+            <a:ext cx="1479671" cy="369332"/>
+          </a:xfrm>
+          <a:prstGeom prst="rect">
+            <a:avLst/>
+          </a:prstGeom>
+          <a:solidFill>
+            <a:schemeClr val="bg2"/>
+          </a:solidFill>
+          <a:ln w="19050">
+            <a:solidFill>
+              <a:schemeClr val="tx1"/>
+            </a:solidFill>
+          </a:ln>
+        </p:spPr>
+        <p:txBody>
+          <a:bodyPr wrap="square" rtlCol="0">
+            <a:spAutoFit/>
+          </a:bodyPr>
+          <a:lstStyle/>
+          <a:p>
+            <a:r>
+              <a:rPr lang="en-US" dirty="0" err="1"/>
+              <a:t>arg</a:t>
+            </a:r>
+            <a:r>
+              <a:rPr lang="en-US" dirty="0"/>
+              <a:t> = _invalid</a:t>
+            </a:r>
+          </a:p>
+        </p:txBody>
+      </p:sp>
+      <p:sp>
+        <p:nvSpPr>
+          <p:cNvPr id="10" name="Slide Number Placeholder 9">
+            <a:extLst>
+              <a:ext uri="{FF2B5EF4-FFF2-40B4-BE49-F238E27FC236}">
+                <a16:creationId xmlns:a16="http://schemas.microsoft.com/office/drawing/2014/main" id="{EA0DE580-7FAD-4927-BD51-3135949FC007}"/>
+              </a:ext>
+            </a:extLst>
+          </p:cNvPr>
+          <p:cNvSpPr>
+            <a:spLocks noGrp="1"/>
+          </p:cNvSpPr>
+          <p:nvPr>
+            <p:ph type="sldNum" sz="quarter" idx="12"/>
+          </p:nvPr>
+        </p:nvSpPr>
+        <p:spPr/>
+        <p:txBody>
+          <a:bodyPr/>
+          <a:lstStyle/>
+          <a:p>
+            <a:fld id="{8175FE88-E4F7-4173-9B75-CBBABDFA1364}" type="slidenum">
+              <a:rPr lang="en-US" smtClean="0"/>
+              <a:pPr/>
+              <a:t>16</a:t>
+            </a:fld>
+            <a:endParaRPr lang="en-US" dirty="0"/>
+          </a:p>
+        </p:txBody>
+      </p:sp>
+    </p:spTree>
+    <p:extLst>
+      <p:ext uri="{BB962C8B-B14F-4D97-AF65-F5344CB8AC3E}">
+        <p14:creationId xmlns:p14="http://schemas.microsoft.com/office/powerpoint/2010/main" val="296859374"/>
+      </p:ext>
+    </p:extLst>
+  </p:cSld>
+  <p:clrMapOvr>
+    <a:masterClrMapping/>
+  </p:clrMapOvr>
+</p:sld>
+</file>
+
+<file path=ppt/slides/slide17.xml><?xml version="1.0" encoding="utf-8"?>
+<p:sld xmlns:a="http://schemas.openxmlformats.org/drawingml/2006/main" xmlns:r="http://schemas.openxmlformats.org/officeDocument/2006/relationships" xmlns:p="http://schemas.openxmlformats.org/presentationml/2006/main">
+  <p:cSld>
+    <p:spTree>
+      <p:nvGrpSpPr>
+        <p:cNvPr id="1" name=""/>
+        <p:cNvGrpSpPr/>
+        <p:nvPr/>
+      </p:nvGrpSpPr>
+      <p:grpSpPr>
+        <a:xfrm>
+          <a:off x="0" y="0"/>
+          <a:ext cx="0" cy="0"/>
+          <a:chOff x="0" y="0"/>
+          <a:chExt cx="0" cy="0"/>
+        </a:xfrm>
+      </p:grpSpPr>
+      <p:sp>
+        <p:nvSpPr>
+          <p:cNvPr id="2" name="Title 1">
+            <a:extLst>
+              <a:ext uri="{FF2B5EF4-FFF2-40B4-BE49-F238E27FC236}">
+                <a16:creationId xmlns:a16="http://schemas.microsoft.com/office/drawing/2014/main" id="{E308303A-2D32-4E0D-A404-3825F08FD08C}"/>
+              </a:ext>
+            </a:extLst>
+          </p:cNvPr>
+          <p:cNvSpPr>
+            <a:spLocks noGrp="1"/>
+          </p:cNvSpPr>
+          <p:nvPr>
+            <p:ph type="title"/>
+          </p:nvPr>
+        </p:nvSpPr>
+        <p:spPr>
+          <a:xfrm>
+            <a:off x="6826589" y="190623"/>
+            <a:ext cx="5109473" cy="792676"/>
+          </a:xfrm>
+        </p:spPr>
+        <p:txBody>
+          <a:bodyPr/>
+          <a:lstStyle/>
+          <a:p>
+            <a:r>
+              <a:rPr lang="en-US" dirty="0"/>
+              <a:t>std::</a:t>
+            </a:r>
+            <a:r>
+              <a:rPr lang="en-US" dirty="0" err="1"/>
+              <a:t>io</a:t>
+            </a:r>
+            <a:r>
+              <a:rPr lang="en-US" dirty="0"/>
+              <a:t>::</a:t>
+            </a:r>
+            <a:r>
+              <a:rPr lang="en-US" dirty="0" err="1"/>
+              <a:t>stdout</a:t>
+            </a:r>
+            <a:r>
+              <a:rPr lang="en-US" dirty="0"/>
+              <a:t>()</a:t>
+            </a:r>
+          </a:p>
+        </p:txBody>
+      </p:sp>
+      <p:pic>
+        <p:nvPicPr>
+          <p:cNvPr id="4" name="Content Placeholder 3">
+            <a:extLst>
+              <a:ext uri="{FF2B5EF4-FFF2-40B4-BE49-F238E27FC236}">
+                <a16:creationId xmlns:a16="http://schemas.microsoft.com/office/drawing/2014/main" id="{58097784-424A-45C4-A8E1-D9F467F57D87}"/>
+              </a:ext>
+            </a:extLst>
+          </p:cNvPr>
+          <p:cNvPicPr>
+            <a:picLocks noGrp="1" noChangeAspect="1"/>
+          </p:cNvPicPr>
+          <p:nvPr>
+            <p:ph idx="1"/>
+          </p:nvPr>
+        </p:nvPicPr>
+        <p:blipFill>
+          <a:blip r:embed="rId2"/>
+          <a:stretch>
+            <a:fillRect/>
+          </a:stretch>
+        </p:blipFill>
+        <p:spPr>
+          <a:xfrm>
+            <a:off x="693092" y="431046"/>
+            <a:ext cx="5628599" cy="5995907"/>
+          </a:xfrm>
+          <a:prstGeom prst="rect">
+            <a:avLst/>
+          </a:prstGeom>
+        </p:spPr>
+      </p:pic>
+      <p:sp>
+        <p:nvSpPr>
+          <p:cNvPr id="5" name="TextBox 4">
+            <a:extLst>
+              <a:ext uri="{FF2B5EF4-FFF2-40B4-BE49-F238E27FC236}">
+                <a16:creationId xmlns:a16="http://schemas.microsoft.com/office/drawing/2014/main" id="{0B370C3A-EB7D-48AE-92A4-9810632F7CF3}"/>
+              </a:ext>
+            </a:extLst>
+          </p:cNvPr>
+          <p:cNvSpPr txBox="1"/>
+          <p:nvPr/>
+        </p:nvSpPr>
+        <p:spPr>
+          <a:xfrm>
+            <a:off x="6721887" y="1116828"/>
+            <a:ext cx="4777021" cy="4801314"/>
+          </a:xfrm>
+          <a:prstGeom prst="rect">
+            <a:avLst/>
+          </a:prstGeom>
+          <a:noFill/>
+        </p:spPr>
+        <p:txBody>
+          <a:bodyPr wrap="square" rtlCol="0">
+            <a:spAutoFit/>
+          </a:bodyPr>
+          <a:lstStyle/>
+          <a:p>
+            <a:r>
+              <a:rPr lang="en-US" dirty="0" err="1"/>
+              <a:t>Stdout</a:t>
+            </a:r>
+            <a:r>
+              <a:rPr lang="en-US" dirty="0"/>
+              <a:t>() on Windows platform does not work well with non-utf8 characters.  If you pass a buffer containing non-utf8 byte sequence(s) the program will panic.</a:t>
+            </a:r>
+          </a:p>
+          <a:p>
+            <a:endParaRPr lang="en-US" dirty="0"/>
+          </a:p>
+          <a:p>
+            <a:r>
+              <a:rPr lang="en-US" dirty="0"/>
+              <a:t>Moreover, that panic cannot be trapped because the stack unwinding process results in a second active panic which always calls an immediate abort.</a:t>
+            </a:r>
+          </a:p>
+          <a:p>
+            <a:endParaRPr lang="en-US" dirty="0"/>
+          </a:p>
+          <a:p>
+            <a:r>
+              <a:rPr lang="en-US" dirty="0"/>
+              <a:t>Note that you can </a:t>
+            </a:r>
+            <a:r>
+              <a:rPr lang="en-US" b="1" dirty="0"/>
+              <a:t>always avoid this problem </a:t>
+            </a:r>
+            <a:r>
+              <a:rPr lang="en-US" dirty="0"/>
+              <a:t>by building a String from the byte sequence.  That does reliably fail with a Result if any of the bytes can’t be represented as part of a utf-8 sequence.</a:t>
+            </a:r>
+          </a:p>
+          <a:p>
+            <a:endParaRPr lang="en-US" dirty="0"/>
+          </a:p>
+          <a:p>
+            <a:r>
+              <a:rPr lang="en-US" dirty="0"/>
+              <a:t>If it doesn’t fail, you can safely pass the String, as bytes, to the </a:t>
+            </a:r>
+            <a:r>
+              <a:rPr lang="en-US" dirty="0" err="1"/>
+              <a:t>stdout</a:t>
+            </a:r>
+            <a:r>
+              <a:rPr lang="en-US" dirty="0"/>
+              <a:t>().write or </a:t>
+            </a:r>
+            <a:r>
+              <a:rPr lang="en-US" dirty="0" err="1"/>
+              <a:t>write_all</a:t>
+            </a:r>
+            <a:r>
+              <a:rPr lang="en-US" dirty="0"/>
+              <a:t> methods.</a:t>
+            </a:r>
+          </a:p>
+        </p:txBody>
+      </p:sp>
+      <p:sp>
+        <p:nvSpPr>
+          <p:cNvPr id="6" name="Slide Number Placeholder 5">
+            <a:extLst>
+              <a:ext uri="{FF2B5EF4-FFF2-40B4-BE49-F238E27FC236}">
+                <a16:creationId xmlns:a16="http://schemas.microsoft.com/office/drawing/2014/main" id="{3FF0188C-E43F-4F10-9159-80C774974362}"/>
+              </a:ext>
+            </a:extLst>
+          </p:cNvPr>
+          <p:cNvSpPr>
+            <a:spLocks noGrp="1"/>
+          </p:cNvSpPr>
+          <p:nvPr>
+            <p:ph type="sldNum" sz="quarter" idx="12"/>
+          </p:nvPr>
+        </p:nvSpPr>
+        <p:spPr/>
+        <p:txBody>
+          <a:bodyPr/>
+          <a:lstStyle/>
+          <a:p>
+            <a:fld id="{8175FE88-E4F7-4173-9B75-CBBABDFA1364}" type="slidenum">
+              <a:rPr lang="en-US" smtClean="0"/>
+              <a:pPr/>
+              <a:t>17</a:t>
+            </a:fld>
+            <a:endParaRPr lang="en-US" dirty="0"/>
+          </a:p>
+        </p:txBody>
+      </p:sp>
+    </p:spTree>
+    <p:extLst>
+      <p:ext uri="{BB962C8B-B14F-4D97-AF65-F5344CB8AC3E}">
+        <p14:creationId xmlns:p14="http://schemas.microsoft.com/office/powerpoint/2010/main" val="576468038"/>
+      </p:ext>
+    </p:extLst>
+  </p:cSld>
+  <p:clrMapOvr>
+    <a:masterClrMapping/>
+  </p:clrMapOvr>
+</p:sld>
+</file>
+
+<file path=ppt/slides/slide18.xml><?xml version="1.0" encoding="utf-8"?>
+<p:sld xmlns:a="http://schemas.openxmlformats.org/drawingml/2006/main" xmlns:r="http://schemas.openxmlformats.org/officeDocument/2006/relationships" xmlns:p="http://schemas.openxmlformats.org/presentationml/2006/main">
+  <p:cSld>
+    <p:spTree>
+      <p:nvGrpSpPr>
+        <p:cNvPr id="1" name=""/>
+        <p:cNvGrpSpPr/>
+        <p:nvPr/>
+      </p:nvGrpSpPr>
+      <p:grpSpPr>
+        <a:xfrm>
+          <a:off x="0" y="0"/>
+          <a:ext cx="0" cy="0"/>
+          <a:chOff x="0" y="0"/>
+          <a:chExt cx="0" cy="0"/>
+        </a:xfrm>
+      </p:grpSpPr>
+      <p:sp>
+        <p:nvSpPr>
+          <p:cNvPr id="5" name="Title 4">
+            <a:extLst>
+              <a:ext uri="{FF2B5EF4-FFF2-40B4-BE49-F238E27FC236}">
+                <a16:creationId xmlns:a16="http://schemas.microsoft.com/office/drawing/2014/main" id="{55E6E94E-181F-452C-9A8B-40ED7028A81A}"/>
+              </a:ext>
+            </a:extLst>
+          </p:cNvPr>
+          <p:cNvSpPr>
+            <a:spLocks noGrp="1"/>
+          </p:cNvSpPr>
+          <p:nvPr>
+            <p:ph type="title"/>
+          </p:nvPr>
+        </p:nvSpPr>
+        <p:spPr/>
+        <p:txBody>
+          <a:bodyPr/>
+          <a:lstStyle/>
+          <a:p>
+            <a:r>
+              <a:rPr lang="en-US" dirty="0"/>
+              <a:t>Flexible File Open</a:t>
+            </a:r>
+          </a:p>
+        </p:txBody>
+      </p:sp>
+      <p:sp>
+        <p:nvSpPr>
+          <p:cNvPr id="4" name="Slide Number Placeholder 3">
+            <a:extLst>
+              <a:ext uri="{FF2B5EF4-FFF2-40B4-BE49-F238E27FC236}">
+                <a16:creationId xmlns:a16="http://schemas.microsoft.com/office/drawing/2014/main" id="{BB8C821D-B8D4-47C2-BECE-17AB470BB924}"/>
+              </a:ext>
+            </a:extLst>
+          </p:cNvPr>
+          <p:cNvSpPr>
+            <a:spLocks noGrp="1"/>
+          </p:cNvSpPr>
+          <p:nvPr>
+            <p:ph type="sldNum" sz="quarter" idx="12"/>
+          </p:nvPr>
+        </p:nvSpPr>
+        <p:spPr/>
+        <p:txBody>
+          <a:bodyPr/>
+          <a:lstStyle/>
+          <a:p>
+            <a:fld id="{8175FE88-E4F7-4173-9B75-CBBABDFA1364}" type="slidenum">
+              <a:rPr lang="en-US" smtClean="0"/>
+              <a:pPr/>
+              <a:t>18</a:t>
+            </a:fld>
+            <a:endParaRPr lang="en-US" dirty="0"/>
+          </a:p>
+        </p:txBody>
+      </p:sp>
+      <p:sp>
+        <p:nvSpPr>
+          <p:cNvPr id="13" name="TextBox 12">
+            <a:extLst>
+              <a:ext uri="{FF2B5EF4-FFF2-40B4-BE49-F238E27FC236}">
+                <a16:creationId xmlns:a16="http://schemas.microsoft.com/office/drawing/2014/main" id="{29F8D934-F14D-4AF9-BE8E-98F7E612BEF5}"/>
+              </a:ext>
+            </a:extLst>
+          </p:cNvPr>
+          <p:cNvSpPr txBox="1"/>
+          <p:nvPr/>
+        </p:nvSpPr>
+        <p:spPr>
+          <a:xfrm>
+            <a:off x="977221" y="5276995"/>
+            <a:ext cx="10225924" cy="923330"/>
+          </a:xfrm>
+          <a:prstGeom prst="rect">
+            <a:avLst/>
+          </a:prstGeom>
+          <a:noFill/>
+        </p:spPr>
+        <p:txBody>
+          <a:bodyPr wrap="square" rtlCol="0">
+            <a:spAutoFit/>
+          </a:bodyPr>
+          <a:lstStyle/>
+          <a:p>
+            <a:r>
+              <a:rPr lang="en-US" dirty="0"/>
+              <a:t>Syntax of the Rust language does not support bit-masking on </a:t>
+            </a:r>
+            <a:r>
+              <a:rPr lang="en-US" dirty="0" err="1"/>
+              <a:t>enums</a:t>
+            </a:r>
+            <a:r>
+              <a:rPr lang="en-US" dirty="0"/>
+              <a:t> (which you can do in C++).  The reason is that Rust </a:t>
+            </a:r>
+            <a:r>
+              <a:rPr lang="en-US" dirty="0" err="1"/>
+              <a:t>enums</a:t>
+            </a:r>
+            <a:r>
+              <a:rPr lang="en-US" dirty="0"/>
+              <a:t> may have any associated type, not just integers (like C++).  This code illustrates one way to accomplish bit masking on options.</a:t>
+            </a:r>
+          </a:p>
+        </p:txBody>
+      </p:sp>
+      <p:pic>
+        <p:nvPicPr>
+          <p:cNvPr id="16" name="Content Placeholder 15">
+            <a:extLst>
+              <a:ext uri="{FF2B5EF4-FFF2-40B4-BE49-F238E27FC236}">
+                <a16:creationId xmlns:a16="http://schemas.microsoft.com/office/drawing/2014/main" id="{02FAED3B-0A3B-4287-80E9-D55D811391C9}"/>
+              </a:ext>
+            </a:extLst>
+          </p:cNvPr>
+          <p:cNvPicPr>
+            <a:picLocks noGrp="1" noChangeAspect="1"/>
+          </p:cNvPicPr>
+          <p:nvPr>
+            <p:ph sz="half" idx="1"/>
+          </p:nvPr>
+        </p:nvPicPr>
+        <p:blipFill>
+          <a:blip r:embed="rId2"/>
+          <a:stretch>
+            <a:fillRect/>
+          </a:stretch>
+        </p:blipFill>
+        <p:spPr>
+          <a:xfrm>
+            <a:off x="838200" y="1309063"/>
+            <a:ext cx="5181600" cy="2722647"/>
+          </a:xfrm>
+          <a:prstGeom prst="rect">
+            <a:avLst/>
+          </a:prstGeom>
+        </p:spPr>
+      </p:pic>
+      <p:pic>
+        <p:nvPicPr>
+          <p:cNvPr id="19" name="Content Placeholder 18">
+            <a:extLst>
+              <a:ext uri="{FF2B5EF4-FFF2-40B4-BE49-F238E27FC236}">
+                <a16:creationId xmlns:a16="http://schemas.microsoft.com/office/drawing/2014/main" id="{764F3265-0AA8-48E2-830C-38DC4A06B881}"/>
+              </a:ext>
+            </a:extLst>
+          </p:cNvPr>
+          <p:cNvPicPr>
+            <a:picLocks noGrp="1" noChangeAspect="1"/>
+          </p:cNvPicPr>
+          <p:nvPr>
+            <p:ph sz="half" idx="2"/>
+          </p:nvPr>
+        </p:nvPicPr>
+        <p:blipFill>
+          <a:blip r:embed="rId3"/>
+          <a:stretch>
+            <a:fillRect/>
+          </a:stretch>
+        </p:blipFill>
+        <p:spPr>
+          <a:xfrm>
+            <a:off x="6172202" y="1324808"/>
+            <a:ext cx="5181600" cy="3575752"/>
+          </a:xfrm>
+          <a:prstGeom prst="rect">
+            <a:avLst/>
+          </a:prstGeom>
+        </p:spPr>
+      </p:pic>
+    </p:spTree>
+    <p:extLst>
+      <p:ext uri="{BB962C8B-B14F-4D97-AF65-F5344CB8AC3E}">
+        <p14:creationId xmlns:p14="http://schemas.microsoft.com/office/powerpoint/2010/main" val="1390547462"/>
+      </p:ext>
+    </p:extLst>
+  </p:cSld>
+  <p:clrMapOvr>
+    <a:masterClrMapping/>
+  </p:clrMapOvr>
+</p:sld>
+</file>
+
+<file path=ppt/slides/slide19.xml><?xml version="1.0" encoding="utf-8"?>
+<p:sld xmlns:a="http://schemas.openxmlformats.org/drawingml/2006/main" xmlns:r="http://schemas.openxmlformats.org/officeDocument/2006/relationships" xmlns:p="http://schemas.openxmlformats.org/presentationml/2006/main">
+  <p:cSld>
+    <p:spTree>
+      <p:nvGrpSpPr>
+        <p:cNvPr id="1" name=""/>
+        <p:cNvGrpSpPr/>
+        <p:nvPr/>
+      </p:nvGrpSpPr>
+      <p:grpSpPr>
+        <a:xfrm>
+          <a:off x="0" y="0"/>
+          <a:ext cx="0" cy="0"/>
+          <a:chOff x="0" y="0"/>
+          <a:chExt cx="0" cy="0"/>
+        </a:xfrm>
+      </p:grpSpPr>
+      <p:sp>
+        <p:nvSpPr>
+          <p:cNvPr id="5" name="Title 4">
+            <a:extLst>
+              <a:ext uri="{FF2B5EF4-FFF2-40B4-BE49-F238E27FC236}">
+                <a16:creationId xmlns:a16="http://schemas.microsoft.com/office/drawing/2014/main" id="{F12A5738-3555-40DF-A371-FC11030FFE3F}"/>
+              </a:ext>
+            </a:extLst>
+          </p:cNvPr>
+          <p:cNvSpPr>
+            <a:spLocks noGrp="1"/>
+          </p:cNvSpPr>
+          <p:nvPr>
+            <p:ph type="title"/>
+          </p:nvPr>
+        </p:nvSpPr>
+        <p:spPr/>
+        <p:txBody>
+          <a:bodyPr/>
+          <a:lstStyle/>
+          <a:p>
+            <a:r>
+              <a:rPr lang="en-US" dirty="0"/>
+              <a:t>File Error Handling</a:t>
+            </a:r>
+          </a:p>
+        </p:txBody>
+      </p:sp>
+      <p:sp>
+        <p:nvSpPr>
+          <p:cNvPr id="4" name="Slide Number Placeholder 3">
+            <a:extLst>
+              <a:ext uri="{FF2B5EF4-FFF2-40B4-BE49-F238E27FC236}">
+                <a16:creationId xmlns:a16="http://schemas.microsoft.com/office/drawing/2014/main" id="{CD3166A7-E615-42A1-AFB7-427D7EBC2C71}"/>
+              </a:ext>
+            </a:extLst>
+          </p:cNvPr>
+          <p:cNvSpPr>
+            <a:spLocks noGrp="1"/>
+          </p:cNvSpPr>
+          <p:nvPr>
+            <p:ph type="sldNum" sz="quarter" idx="12"/>
+          </p:nvPr>
+        </p:nvSpPr>
+        <p:spPr/>
+        <p:txBody>
+          <a:bodyPr/>
+          <a:lstStyle/>
+          <a:p>
+            <a:fld id="{8175FE88-E4F7-4173-9B75-CBBABDFA1364}" type="slidenum">
+              <a:rPr lang="en-US" smtClean="0"/>
+              <a:pPr/>
+              <a:t>19</a:t>
+            </a:fld>
+            <a:endParaRPr lang="en-US" dirty="0"/>
+          </a:p>
+        </p:txBody>
+      </p:sp>
+      <p:sp>
+        <p:nvSpPr>
+          <p:cNvPr id="11" name="TextBox 10">
+            <a:extLst>
+              <a:ext uri="{FF2B5EF4-FFF2-40B4-BE49-F238E27FC236}">
+                <a16:creationId xmlns:a16="http://schemas.microsoft.com/office/drawing/2014/main" id="{23E514F1-2AD4-4578-8988-AA8576BD71FF}"/>
+              </a:ext>
+            </a:extLst>
+          </p:cNvPr>
+          <p:cNvSpPr txBox="1"/>
+          <p:nvPr/>
+        </p:nvSpPr>
+        <p:spPr>
+          <a:xfrm>
+            <a:off x="6680006" y="1479792"/>
+            <a:ext cx="4551060" cy="3693319"/>
+          </a:xfrm>
+          <a:prstGeom prst="rect">
+            <a:avLst/>
+          </a:prstGeom>
+          <a:noFill/>
+        </p:spPr>
+        <p:txBody>
+          <a:bodyPr wrap="square" rtlCol="0">
+            <a:spAutoFit/>
+          </a:bodyPr>
+          <a:lstStyle/>
+          <a:p>
+            <a:r>
+              <a:rPr lang="en-US" dirty="0"/>
+              <a:t>Two cases are presented here.  The first attempts to open a file, and, if it does not exist, will create and open it.</a:t>
+            </a:r>
+          </a:p>
+          <a:p>
+            <a:endParaRPr lang="en-US" dirty="0"/>
+          </a:p>
+          <a:p>
+            <a:r>
+              <a:rPr lang="en-US" dirty="0"/>
+              <a:t>The second case does not attempt to create the file if it does not exist, so will fail if it doesn’t exist.</a:t>
+            </a:r>
+          </a:p>
+          <a:p>
+            <a:endParaRPr lang="en-US" dirty="0"/>
+          </a:p>
+          <a:p>
+            <a:r>
+              <a:rPr lang="en-US" dirty="0"/>
+              <a:t>Open errors are managed by examining the </a:t>
+            </a:r>
+            <a:r>
+              <a:rPr lang="en-US" dirty="0" err="1"/>
+              <a:t>open_file</a:t>
+            </a:r>
+            <a:r>
+              <a:rPr lang="en-US" dirty="0"/>
+              <a:t> function’s result.   Write failures are handled by bubbling up to the caller – main in this case, so a write error terminates the program with an error message.</a:t>
+            </a:r>
+          </a:p>
+        </p:txBody>
+      </p:sp>
+      <p:pic>
+        <p:nvPicPr>
+          <p:cNvPr id="14" name="Content Placeholder 13">
+            <a:extLst>
+              <a:ext uri="{FF2B5EF4-FFF2-40B4-BE49-F238E27FC236}">
+                <a16:creationId xmlns:a16="http://schemas.microsoft.com/office/drawing/2014/main" id="{ACFB3116-FE1D-4AD6-89EF-E0B16248C68A}"/>
+              </a:ext>
+            </a:extLst>
+          </p:cNvPr>
+          <p:cNvPicPr>
+            <a:picLocks noGrp="1" noChangeAspect="1"/>
+          </p:cNvPicPr>
+          <p:nvPr>
+            <p:ph sz="half" idx="1"/>
+          </p:nvPr>
+        </p:nvPicPr>
+        <p:blipFill>
+          <a:blip r:embed="rId2"/>
+          <a:stretch>
+            <a:fillRect/>
+          </a:stretch>
+        </p:blipFill>
+        <p:spPr>
+          <a:xfrm>
+            <a:off x="838200" y="1242403"/>
+            <a:ext cx="5181600" cy="4916120"/>
+          </a:xfrm>
+          <a:prstGeom prst="rect">
+            <a:avLst/>
+          </a:prstGeom>
+        </p:spPr>
+      </p:pic>
+    </p:spTree>
+    <p:extLst>
+      <p:ext uri="{BB962C8B-B14F-4D97-AF65-F5344CB8AC3E}">
+        <p14:creationId xmlns:p14="http://schemas.microsoft.com/office/powerpoint/2010/main" val="1629146184"/>
       </p:ext>
     </p:extLst>
   </p:cSld>
@@ -3802,7 +6175,7 @@
           <p:cNvPr id="2" name="Title 1">
             <a:extLst>
               <a:ext uri="{FF2B5EF4-FFF2-40B4-BE49-F238E27FC236}">
-                <a16:creationId xmlns:a16="http://schemas.microsoft.com/office/drawing/2014/main" id="{76A7F006-CC4C-41A9-BA4F-88CAF6D17B98}"/>
+                <a16:creationId xmlns:a16="http://schemas.microsoft.com/office/drawing/2014/main" id="{2F88555E-A4E9-4A94-856A-6B30CCF01D7C}"/>
               </a:ext>
             </a:extLst>
           </p:cNvPr>
@@ -3820,7 +6193,7 @@
           <a:p>
             <a:r>
               <a:rPr lang="en-US" dirty="0"/>
-              <a:t>Rust Error Handling Types</a:t>
+              <a:t>What’s Unique about Rust Error Handling?</a:t>
             </a:r>
           </a:p>
         </p:txBody>
@@ -3830,7 +6203,7 @@
           <p:cNvPr id="3" name="Content Placeholder 2">
             <a:extLst>
               <a:ext uri="{FF2B5EF4-FFF2-40B4-BE49-F238E27FC236}">
-                <a16:creationId xmlns:a16="http://schemas.microsoft.com/office/drawing/2014/main" id="{ACCF3024-FF61-4572-8E0A-FEBA41E585A5}"/>
+                <a16:creationId xmlns:a16="http://schemas.microsoft.com/office/drawing/2014/main" id="{8C3ED3E8-3EE6-47C8-8EB7-40C987123C72}"/>
               </a:ext>
             </a:extLst>
           </p:cNvPr>
@@ -3847,133 +6220,41 @@
           <a:lstStyle/>
           <a:p>
             <a:r>
-              <a:rPr lang="en-US" dirty="0">
-                <a:latin typeface="Consolas" panose="020B0609020204030204" pitchFamily="49" charset="0"/>
-              </a:rPr>
-              <a:t>Enum Result&lt;T,E&gt; { Ok(T), Err(E) }</a:t>
-            </a:r>
+              <a:rPr lang="en-US" dirty="0"/>
+              <a:t>Rust encourages developers to handle every case were errors may occur.</a:t>
+            </a:r>
+            <a:br>
+              <a:rPr lang="en-US" dirty="0"/>
+            </a:br>
+            <a:br>
+              <a:rPr lang="en-US" dirty="0"/>
+            </a:br>
+            <a:endParaRPr lang="en-US" dirty="0"/>
           </a:p>
           <a:p>
             <a:pPr lvl="1"/>
-            <a:r>
-              <a:rPr lang="en-US" dirty="0">
-                <a:latin typeface="Consolas" panose="020B0609020204030204" pitchFamily="49" charset="0"/>
-              </a:rPr>
-              <a:t>#[</a:t>
-            </a:r>
-            <a:r>
-              <a:rPr lang="en-US" dirty="0" err="1">
-                <a:latin typeface="Consolas" panose="020B0609020204030204" pitchFamily="49" charset="0"/>
-              </a:rPr>
-              <a:t>must_use</a:t>
-            </a:r>
-            <a:r>
-              <a:rPr lang="en-US" dirty="0">
-                <a:latin typeface="Consolas" panose="020B0609020204030204" pitchFamily="49" charset="0"/>
-              </a:rPr>
-              <a:t>]</a:t>
-            </a:r>
-          </a:p>
-          <a:p>
-            <a:pPr lvl="1"/>
-            <a:r>
-              <a:rPr lang="en-US" dirty="0">
-                <a:latin typeface="Consolas" panose="020B0609020204030204" pitchFamily="49" charset="0"/>
-              </a:rPr>
-              <a:t>std module import</a:t>
-            </a:r>
-          </a:p>
-          <a:p>
-            <a:r>
-              <a:rPr lang="en-US" dirty="0">
-                <a:latin typeface="Consolas" panose="020B0609020204030204" pitchFamily="49" charset="0"/>
-              </a:rPr>
-              <a:t>pub </a:t>
-            </a:r>
-            <a:r>
-              <a:rPr lang="en-US" dirty="0" err="1">
-                <a:latin typeface="Consolas" panose="020B0609020204030204" pitchFamily="49" charset="0"/>
-              </a:rPr>
-              <a:t>fn</a:t>
-            </a:r>
-            <a:r>
-              <a:rPr lang="en-US" dirty="0">
-                <a:latin typeface="Consolas" panose="020B0609020204030204" pitchFamily="49" charset="0"/>
-              </a:rPr>
-              <a:t> </a:t>
-            </a:r>
-            <a:r>
-              <a:rPr lang="en-US" dirty="0" err="1">
-                <a:latin typeface="Consolas" panose="020B0609020204030204" pitchFamily="49" charset="0"/>
-              </a:rPr>
-              <a:t>is_ok</a:t>
-            </a:r>
-            <a:r>
-              <a:rPr lang="en-US" dirty="0">
-                <a:latin typeface="Consolas" panose="020B0609020204030204" pitchFamily="49" charset="0"/>
-              </a:rPr>
-              <a:t>(&amp;self) -&gt; bool</a:t>
-            </a:r>
-          </a:p>
-          <a:p>
-            <a:r>
-              <a:rPr lang="en-US" dirty="0">
-                <a:latin typeface="Consolas" panose="020B0609020204030204" pitchFamily="49" charset="0"/>
-              </a:rPr>
-              <a:t>pub </a:t>
-            </a:r>
-            <a:r>
-              <a:rPr lang="en-US" dirty="0" err="1">
-                <a:latin typeface="Consolas" panose="020B0609020204030204" pitchFamily="49" charset="0"/>
-              </a:rPr>
-              <a:t>fn</a:t>
-            </a:r>
-            <a:r>
-              <a:rPr lang="en-US" dirty="0">
-                <a:latin typeface="Consolas" panose="020B0609020204030204" pitchFamily="49" charset="0"/>
-              </a:rPr>
-              <a:t> </a:t>
-            </a:r>
-            <a:r>
-              <a:rPr lang="en-US" dirty="0" err="1">
-                <a:latin typeface="Consolas" panose="020B0609020204030204" pitchFamily="49" charset="0"/>
-              </a:rPr>
-              <a:t>is_Err</a:t>
-            </a:r>
-            <a:r>
-              <a:rPr lang="en-US" dirty="0">
-                <a:latin typeface="Consolas" panose="020B0609020204030204" pitchFamily="49" charset="0"/>
-              </a:rPr>
-              <a:t>(&amp;self) -&gt; bool</a:t>
-            </a:r>
-          </a:p>
-          <a:p>
-            <a:r>
-              <a:rPr lang="en-US" dirty="0">
-                <a:latin typeface="Consolas" panose="020B0609020204030204" pitchFamily="49" charset="0"/>
-              </a:rPr>
-              <a:t>pub </a:t>
-            </a:r>
-            <a:r>
-              <a:rPr lang="en-US" dirty="0" err="1">
-                <a:latin typeface="Consolas" panose="020B0609020204030204" pitchFamily="49" charset="0"/>
-              </a:rPr>
-              <a:t>fn</a:t>
-            </a:r>
-            <a:r>
-              <a:rPr lang="en-US" dirty="0">
-                <a:latin typeface="Consolas" panose="020B0609020204030204" pitchFamily="49" charset="0"/>
-              </a:rPr>
-              <a:t> unwrap() -&gt; T</a:t>
-            </a:r>
-          </a:p>
-          <a:p>
-            <a:pPr lvl="1"/>
-            <a:r>
-              <a:rPr lang="en-US" dirty="0">
-                <a:latin typeface="Consolas" panose="020B0609020204030204" pitchFamily="49" charset="0"/>
-              </a:rPr>
-              <a:t>panics if not Ok</a:t>
+            <a:endParaRPr lang="en-US" dirty="0"/>
+          </a:p>
+          <a:p>
+            <a:r>
+              <a:rPr lang="en-US" dirty="0"/>
+              <a:t>You have to opt out of handling an error case.</a:t>
+            </a:r>
+            <a:br>
+              <a:rPr lang="en-US" dirty="0"/>
+            </a:br>
+            <a:br>
+              <a:rPr lang="en-US" dirty="0"/>
+            </a:br>
+            <a:br>
+              <a:rPr lang="en-US" dirty="0"/>
+            </a:br>
+            <a:endParaRPr lang="en-US" dirty="0"/>
+          </a:p>
+          <a:p>
+            <a:r>
+              <a:rPr lang="en-US" dirty="0"/>
+              <a:t>Rust has support for bubbling errors up the call chain, creating new custom errors, and returning errors from main.</a:t>
             </a:r>
           </a:p>
         </p:txBody>
@@ -3983,7 +6264,7 @@
           <p:cNvPr id="4" name="Slide Number Placeholder 3">
             <a:extLst>
               <a:ext uri="{FF2B5EF4-FFF2-40B4-BE49-F238E27FC236}">
-                <a16:creationId xmlns:a16="http://schemas.microsoft.com/office/drawing/2014/main" id="{7EE7A1C3-1855-4A77-AB74-75243EE3103C}"/>
+                <a16:creationId xmlns:a16="http://schemas.microsoft.com/office/drawing/2014/main" id="{C5429775-1492-4195-A830-430A3B19EF7F}"/>
               </a:ext>
             </a:extLst>
           </p:cNvPr>
@@ -3999,18 +6280,313 @@
           <a:bodyPr/>
           <a:lstStyle/>
           <a:p>
-            <a:fld id="{8F6B0A30-8C53-44DF-ABCA-76B31AB81249}" type="slidenum">
+            <a:fld id="{8175FE88-E4F7-4173-9B75-CBBABDFA1364}" type="slidenum">
               <a:rPr lang="en-US" smtClean="0"/>
+              <a:pPr/>
               <a:t>2</a:t>
             </a:fld>
-            <a:endParaRPr lang="en-US"/>
-          </a:p>
-        </p:txBody>
-      </p:sp>
+            <a:endParaRPr lang="en-US" dirty="0"/>
+          </a:p>
+        </p:txBody>
+      </p:sp>
+      <p:pic>
+        <p:nvPicPr>
+          <p:cNvPr id="5" name="Picture 4">
+            <a:extLst>
+              <a:ext uri="{FF2B5EF4-FFF2-40B4-BE49-F238E27FC236}">
+                <a16:creationId xmlns:a16="http://schemas.microsoft.com/office/drawing/2014/main" id="{F891DB18-1F8C-472E-8A26-B98E4CDA3EAC}"/>
+              </a:ext>
+            </a:extLst>
+          </p:cNvPr>
+          <p:cNvPicPr>
+            <a:picLocks noChangeAspect="1"/>
+          </p:cNvPicPr>
+          <p:nvPr/>
+        </p:nvPicPr>
+        <p:blipFill>
+          <a:blip r:embed="rId2"/>
+          <a:stretch>
+            <a:fillRect/>
+          </a:stretch>
+        </p:blipFill>
+        <p:spPr>
+          <a:xfrm>
+            <a:off x="1172668" y="2198894"/>
+            <a:ext cx="4690663" cy="822133"/>
+          </a:xfrm>
+          <a:prstGeom prst="rect">
+            <a:avLst/>
+          </a:prstGeom>
+        </p:spPr>
+      </p:pic>
+      <p:pic>
+        <p:nvPicPr>
+          <p:cNvPr id="6" name="Picture 5">
+            <a:extLst>
+              <a:ext uri="{FF2B5EF4-FFF2-40B4-BE49-F238E27FC236}">
+                <a16:creationId xmlns:a16="http://schemas.microsoft.com/office/drawing/2014/main" id="{B9750A43-E8AC-41A0-9B02-A25A69B4A41F}"/>
+              </a:ext>
+            </a:extLst>
+          </p:cNvPr>
+          <p:cNvPicPr>
+            <a:picLocks noChangeAspect="1"/>
+          </p:cNvPicPr>
+          <p:nvPr/>
+        </p:nvPicPr>
+        <p:blipFill>
+          <a:blip r:embed="rId3"/>
+          <a:stretch>
+            <a:fillRect/>
+          </a:stretch>
+        </p:blipFill>
+        <p:spPr>
+          <a:xfrm>
+            <a:off x="6169879" y="1804198"/>
+            <a:ext cx="5091731" cy="1568964"/>
+          </a:xfrm>
+          <a:prstGeom prst="rect">
+            <a:avLst/>
+          </a:prstGeom>
+        </p:spPr>
+      </p:pic>
+      <p:pic>
+        <p:nvPicPr>
+          <p:cNvPr id="7" name="Picture 6">
+            <a:extLst>
+              <a:ext uri="{FF2B5EF4-FFF2-40B4-BE49-F238E27FC236}">
+                <a16:creationId xmlns:a16="http://schemas.microsoft.com/office/drawing/2014/main" id="{932565C8-A3EF-4BFC-8C3D-4265E057A59B}"/>
+              </a:ext>
+            </a:extLst>
+          </p:cNvPr>
+          <p:cNvPicPr>
+            <a:picLocks noChangeAspect="1"/>
+          </p:cNvPicPr>
+          <p:nvPr/>
+        </p:nvPicPr>
+        <p:blipFill>
+          <a:blip r:embed="rId4"/>
+          <a:stretch>
+            <a:fillRect/>
+          </a:stretch>
+        </p:blipFill>
+        <p:spPr>
+          <a:xfrm>
+            <a:off x="1242358" y="3860480"/>
+            <a:ext cx="4597654" cy="872064"/>
+          </a:xfrm>
+          <a:prstGeom prst="rect">
+            <a:avLst/>
+          </a:prstGeom>
+        </p:spPr>
+      </p:pic>
     </p:spTree>
     <p:extLst>
       <p:ext uri="{BB962C8B-B14F-4D97-AF65-F5344CB8AC3E}">
-        <p14:creationId xmlns:p14="http://schemas.microsoft.com/office/powerpoint/2010/main" val="675882903"/>
+        <p14:creationId xmlns:p14="http://schemas.microsoft.com/office/powerpoint/2010/main" val="923917198"/>
+      </p:ext>
+    </p:extLst>
+  </p:cSld>
+  <p:clrMapOvr>
+    <a:masterClrMapping/>
+  </p:clrMapOvr>
+</p:sld>
+</file>
+
+<file path=ppt/slides/slide20.xml><?xml version="1.0" encoding="utf-8"?>
+<p:sld xmlns:a="http://schemas.openxmlformats.org/drawingml/2006/main" xmlns:r="http://schemas.openxmlformats.org/officeDocument/2006/relationships" xmlns:p="http://schemas.openxmlformats.org/presentationml/2006/main">
+  <p:cSld>
+    <p:spTree>
+      <p:nvGrpSpPr>
+        <p:cNvPr id="1" name=""/>
+        <p:cNvGrpSpPr/>
+        <p:nvPr/>
+      </p:nvGrpSpPr>
+      <p:grpSpPr>
+        <a:xfrm>
+          <a:off x="0" y="0"/>
+          <a:ext cx="0" cy="0"/>
+          <a:chOff x="0" y="0"/>
+          <a:chExt cx="0" cy="0"/>
+        </a:xfrm>
+      </p:grpSpPr>
+      <p:sp>
+        <p:nvSpPr>
+          <p:cNvPr id="8" name="Title 7">
+            <a:extLst>
+              <a:ext uri="{FF2B5EF4-FFF2-40B4-BE49-F238E27FC236}">
+                <a16:creationId xmlns:a16="http://schemas.microsoft.com/office/drawing/2014/main" id="{308879B3-524C-4638-B6AC-28F50B3252ED}"/>
+              </a:ext>
+            </a:extLst>
+          </p:cNvPr>
+          <p:cNvSpPr>
+            <a:spLocks noGrp="1"/>
+          </p:cNvSpPr>
+          <p:nvPr>
+            <p:ph type="title"/>
+          </p:nvPr>
+        </p:nvSpPr>
+        <p:spPr/>
+        <p:txBody>
+          <a:bodyPr/>
+          <a:lstStyle/>
+          <a:p>
+            <a:r>
+              <a:rPr lang="en-US" dirty="0"/>
+              <a:t>Summary</a:t>
+            </a:r>
+          </a:p>
+        </p:txBody>
+      </p:sp>
+      <p:sp>
+        <p:nvSpPr>
+          <p:cNvPr id="9" name="Content Placeholder 8">
+            <a:extLst>
+              <a:ext uri="{FF2B5EF4-FFF2-40B4-BE49-F238E27FC236}">
+                <a16:creationId xmlns:a16="http://schemas.microsoft.com/office/drawing/2014/main" id="{3A11395F-B50F-4FB5-8E6C-9B405FAAD33F}"/>
+              </a:ext>
+            </a:extLst>
+          </p:cNvPr>
+          <p:cNvSpPr>
+            <a:spLocks noGrp="1"/>
+          </p:cNvSpPr>
+          <p:nvPr>
+            <p:ph idx="1"/>
+          </p:nvPr>
+        </p:nvSpPr>
+        <p:spPr/>
+        <p:txBody>
+          <a:bodyPr/>
+          <a:lstStyle/>
+          <a:p>
+            <a:r>
+              <a:rPr lang="en-US" dirty="0"/>
+              <a:t>Rust error handling uses:</a:t>
+            </a:r>
+          </a:p>
+          <a:p>
+            <a:pPr lvl="1"/>
+            <a:r>
+              <a:rPr lang="en-US" dirty="0"/>
+              <a:t>panics</a:t>
+            </a:r>
+          </a:p>
+          <a:p>
+            <a:pPr lvl="2"/>
+            <a:r>
+              <a:rPr lang="en-US" dirty="0"/>
+              <a:t>Trapping panics has behavior similar to C++ exception handling</a:t>
+            </a:r>
+          </a:p>
+          <a:p>
+            <a:pPr lvl="1"/>
+            <a:r>
+              <a:rPr lang="en-US" dirty="0"/>
+              <a:t>std::Result&lt;T,E&gt;</a:t>
+            </a:r>
+          </a:p>
+          <a:p>
+            <a:pPr lvl="2"/>
+            <a:r>
+              <a:rPr lang="en-US" dirty="0"/>
+              <a:t>Must handle both Ok(</a:t>
+            </a:r>
+            <a:r>
+              <a:rPr lang="en-US" dirty="0" err="1"/>
+              <a:t>t:T</a:t>
+            </a:r>
+            <a:r>
+              <a:rPr lang="en-US" dirty="0"/>
+              <a:t>) and Err(</a:t>
+            </a:r>
+            <a:r>
+              <a:rPr lang="en-US" dirty="0" err="1"/>
+              <a:t>e:E</a:t>
+            </a:r>
+            <a:r>
+              <a:rPr lang="en-US" dirty="0"/>
+              <a:t>)</a:t>
+            </a:r>
+          </a:p>
+          <a:p>
+            <a:pPr lvl="1"/>
+            <a:r>
+              <a:rPr lang="en-US" dirty="0"/>
+              <a:t>Matching</a:t>
+            </a:r>
+          </a:p>
+          <a:p>
+            <a:pPr lvl="2"/>
+            <a:r>
+              <a:rPr lang="en-US" dirty="0"/>
+              <a:t>Equivalent to manually handling Result, but often less code</a:t>
+            </a:r>
+          </a:p>
+          <a:p>
+            <a:pPr lvl="1"/>
+            <a:r>
+              <a:rPr lang="en-US" dirty="0"/>
+              <a:t>call-chain error event bubbling</a:t>
+            </a:r>
+          </a:p>
+          <a:p>
+            <a:pPr lvl="2"/>
+            <a:r>
+              <a:rPr lang="en-US" dirty="0"/>
+              <a:t>Supports chaining calls, e.g., anInstance.f1()?.f2()?.f3()?;</a:t>
+            </a:r>
+          </a:p>
+          <a:p>
+            <a:pPr lvl="2"/>
+            <a:r>
+              <a:rPr lang="en-US" dirty="0"/>
+              <a:t>Chaining requires each function to return self or &amp;self</a:t>
+            </a:r>
+          </a:p>
+          <a:p>
+            <a:r>
+              <a:rPr lang="en-US" dirty="0"/>
+              <a:t>Rust tries to prevent developers from ignoring errors or forgetting to manage them.</a:t>
+            </a:r>
+          </a:p>
+          <a:p>
+            <a:endParaRPr lang="en-US" dirty="0"/>
+          </a:p>
+        </p:txBody>
+      </p:sp>
+      <p:sp>
+        <p:nvSpPr>
+          <p:cNvPr id="5" name="Slide Number Placeholder 4">
+            <a:extLst>
+              <a:ext uri="{FF2B5EF4-FFF2-40B4-BE49-F238E27FC236}">
+                <a16:creationId xmlns:a16="http://schemas.microsoft.com/office/drawing/2014/main" id="{189FD0CC-F615-4259-B41B-F9D52C0CF96A}"/>
+              </a:ext>
+            </a:extLst>
+          </p:cNvPr>
+          <p:cNvSpPr>
+            <a:spLocks noGrp="1"/>
+          </p:cNvSpPr>
+          <p:nvPr>
+            <p:ph type="sldNum" sz="quarter" idx="12"/>
+          </p:nvPr>
+        </p:nvSpPr>
+        <p:spPr/>
+        <p:txBody>
+          <a:bodyPr/>
+          <a:lstStyle/>
+          <a:p>
+            <a:fld id="{8175FE88-E4F7-4173-9B75-CBBABDFA1364}" type="slidenum">
+              <a:rPr lang="en-US" smtClean="0"/>
+              <a:pPr/>
+              <a:t>20</a:t>
+            </a:fld>
+            <a:endParaRPr lang="en-US" dirty="0"/>
+          </a:p>
+        </p:txBody>
+      </p:sp>
+    </p:spTree>
+    <p:extLst>
+      <p:ext uri="{BB962C8B-B14F-4D97-AF65-F5344CB8AC3E}">
+        <p14:creationId xmlns:p14="http://schemas.microsoft.com/office/powerpoint/2010/main" val="1952446507"/>
       </p:ext>
     </p:extLst>
   </p:cSld>
@@ -4042,7 +6618,7 @@
           <p:cNvPr id="2" name="Title 1">
             <a:extLst>
               <a:ext uri="{FF2B5EF4-FFF2-40B4-BE49-F238E27FC236}">
-                <a16:creationId xmlns:a16="http://schemas.microsoft.com/office/drawing/2014/main" id="{9DB1A3A3-822A-4654-8703-47ECC2D419F1}"/>
+                <a16:creationId xmlns:a16="http://schemas.microsoft.com/office/drawing/2014/main" id="{97287BCE-B2D5-471E-97ED-3AA745E70664}"/>
               </a:ext>
             </a:extLst>
           </p:cNvPr>
@@ -4060,7 +6636,7 @@
           <a:p>
             <a:r>
               <a:rPr lang="en-US" dirty="0"/>
-              <a:t>Error Types</a:t>
+              <a:t>Errors</a:t>
             </a:r>
           </a:p>
         </p:txBody>
@@ -4070,7 +6646,7 @@
           <p:cNvPr id="3" name="Content Placeholder 2">
             <a:extLst>
               <a:ext uri="{FF2B5EF4-FFF2-40B4-BE49-F238E27FC236}">
-                <a16:creationId xmlns:a16="http://schemas.microsoft.com/office/drawing/2014/main" id="{6FAC5403-4D73-457D-8641-05A23ADD3836}"/>
+                <a16:creationId xmlns:a16="http://schemas.microsoft.com/office/drawing/2014/main" id="{9CD306C5-2AC8-44DE-B23D-35F9B69D6E94}"/>
               </a:ext>
             </a:extLst>
           </p:cNvPr>
@@ -4087,170 +6663,63 @@
           <a:lstStyle/>
           <a:p>
             <a:r>
-              <a:rPr lang="en-US" dirty="0">
-                <a:latin typeface="Consolas" panose="020B0609020204030204" pitchFamily="49" charset="0"/>
-              </a:rPr>
-              <a:t>type Result&lt;T&gt; = Result&lt;</a:t>
-            </a:r>
-            <a:r>
-              <a:rPr lang="en-US" dirty="0" err="1">
-                <a:latin typeface="Consolas" panose="020B0609020204030204" pitchFamily="49" charset="0"/>
-              </a:rPr>
-              <a:t>T,std</a:t>
-            </a:r>
-            <a:r>
-              <a:rPr lang="en-US" dirty="0">
-                <a:latin typeface="Consolas" panose="020B0609020204030204" pitchFamily="49" charset="0"/>
-              </a:rPr>
-              <a:t>::</a:t>
-            </a:r>
-            <a:r>
-              <a:rPr lang="en-US" dirty="0" err="1">
-                <a:latin typeface="Consolas" panose="020B0609020204030204" pitchFamily="49" charset="0"/>
-              </a:rPr>
-              <a:t>io</a:t>
-            </a:r>
-            <a:r>
-              <a:rPr lang="en-US" dirty="0">
-                <a:latin typeface="Consolas" panose="020B0609020204030204" pitchFamily="49" charset="0"/>
-              </a:rPr>
-              <a:t>::Error&gt;;</a:t>
+              <a:rPr lang="en-US" dirty="0"/>
+              <a:t>Indexing out of bounds</a:t>
+            </a:r>
+          </a:p>
+          <a:p>
+            <a:r>
+              <a:rPr lang="en-US" dirty="0"/>
+              <a:t>Divide by zero</a:t>
+            </a:r>
+          </a:p>
+          <a:p>
+            <a:r>
+              <a:rPr lang="en-US" dirty="0"/>
+              <a:t>Integer overflow</a:t>
+            </a:r>
+          </a:p>
+          <a:p>
+            <a:r>
+              <a:rPr lang="en-US" dirty="0"/>
+              <a:t>Console and file I/O failures to open or read/write</a:t>
+            </a:r>
+          </a:p>
+          <a:p>
+            <a:r>
+              <a:rPr lang="en-US" dirty="0"/>
+              <a:t>Initializing String from non-utf8 byte array</a:t>
+            </a:r>
+          </a:p>
+          <a:p>
+            <a:r>
+              <a:rPr lang="en-US" dirty="0"/>
+              <a:t>System and User-defined errors</a:t>
             </a:r>
           </a:p>
           <a:p>
             <a:pPr lvl="1"/>
             <a:r>
-              <a:rPr lang="en-US" dirty="0">
-                <a:latin typeface="Consolas" panose="020B0609020204030204" pitchFamily="49" charset="0"/>
-              </a:rPr>
-              <a:t>std::</a:t>
-            </a:r>
-            <a:r>
-              <a:rPr lang="en-US" dirty="0" err="1">
-                <a:latin typeface="Consolas" panose="020B0609020204030204" pitchFamily="49" charset="0"/>
-              </a:rPr>
-              <a:t>io</a:t>
-            </a:r>
-            <a:r>
-              <a:rPr lang="en-US" dirty="0">
-                <a:latin typeface="Consolas" panose="020B0609020204030204" pitchFamily="49" charset="0"/>
-              </a:rPr>
-              <a:t> module import</a:t>
-            </a:r>
-          </a:p>
-          <a:p>
-            <a:r>
-              <a:rPr lang="en-US" dirty="0">
-                <a:latin typeface="Consolas" panose="020B0609020204030204" pitchFamily="49" charset="0"/>
-              </a:rPr>
-              <a:t>Custom Error</a:t>
+              <a:rPr lang="en-US" dirty="0"/>
+              <a:t>Users supply unexpected or malicious inputs</a:t>
             </a:r>
           </a:p>
           <a:p>
             <a:pPr lvl="1"/>
             <a:r>
-              <a:rPr lang="en-US" dirty="0">
-                <a:latin typeface="Consolas" panose="020B0609020204030204" pitchFamily="49" charset="0"/>
-              </a:rPr>
-              <a:t>Use std::</a:t>
-            </a:r>
-            <a:r>
-              <a:rPr lang="en-US" dirty="0" err="1">
-                <a:latin typeface="Consolas" panose="020B0609020204030204" pitchFamily="49" charset="0"/>
-              </a:rPr>
-              <a:t>io</a:t>
-            </a:r>
-            <a:r>
-              <a:rPr lang="en-US" dirty="0">
-                <a:latin typeface="Consolas" panose="020B0609020204030204" pitchFamily="49" charset="0"/>
-              </a:rPr>
-              <a:t>::{Error, </a:t>
-            </a:r>
-            <a:r>
-              <a:rPr lang="en-US" dirty="0" err="1">
-                <a:latin typeface="Consolas" panose="020B0609020204030204" pitchFamily="49" charset="0"/>
-              </a:rPr>
-              <a:t>ErrorKind</a:t>
-            </a:r>
-            <a:r>
-              <a:rPr lang="en-US" dirty="0">
-                <a:latin typeface="Consolas" panose="020B0609020204030204" pitchFamily="49" charset="0"/>
-              </a:rPr>
-              <a:t>};</a:t>
+              <a:rPr lang="en-US" dirty="0"/>
+              <a:t>Server not available</a:t>
             </a:r>
           </a:p>
           <a:p>
             <a:pPr lvl="1"/>
             <a:r>
-              <a:rPr lang="en-US" dirty="0">
-                <a:latin typeface="Consolas" panose="020B0609020204030204" pitchFamily="49" charset="0"/>
-              </a:rPr>
-              <a:t>Let </a:t>
-            </a:r>
-            <a:r>
-              <a:rPr lang="en-US" dirty="0" err="1">
-                <a:latin typeface="Consolas" panose="020B0609020204030204" pitchFamily="49" charset="0"/>
-              </a:rPr>
-              <a:t>custom_error</a:t>
-            </a:r>
-            <a:r>
-              <a:rPr lang="en-US" dirty="0">
-                <a:latin typeface="Consolas" panose="020B0609020204030204" pitchFamily="49" charset="0"/>
-              </a:rPr>
-              <a:t> = </a:t>
-            </a:r>
-            <a:br>
-              <a:rPr lang="en-US" dirty="0">
-                <a:latin typeface="Consolas" panose="020B0609020204030204" pitchFamily="49" charset="0"/>
-              </a:rPr>
-            </a:br>
-            <a:r>
-              <a:rPr lang="en-US" dirty="0">
-                <a:latin typeface="Consolas" panose="020B0609020204030204" pitchFamily="49" charset="0"/>
-              </a:rPr>
-              <a:t>      Error::new(</a:t>
-            </a:r>
-            <a:r>
-              <a:rPr lang="en-US" dirty="0" err="1">
-                <a:latin typeface="Consolas" panose="020B0609020204030204" pitchFamily="49" charset="0"/>
-              </a:rPr>
-              <a:t>ErrorKind</a:t>
-            </a:r>
-            <a:r>
-              <a:rPr lang="en-US" dirty="0">
-                <a:latin typeface="Consolas" panose="020B0609020204030204" pitchFamily="49" charset="0"/>
-              </a:rPr>
-              <a:t>::</a:t>
-            </a:r>
-            <a:r>
-              <a:rPr lang="en-US" dirty="0" err="1">
-                <a:latin typeface="Consolas" panose="020B0609020204030204" pitchFamily="49" charset="0"/>
-              </a:rPr>
-              <a:t>SomeType</a:t>
-            </a:r>
-            <a:r>
-              <a:rPr lang="en-US" dirty="0">
-                <a:latin typeface="Consolas" panose="020B0609020204030204" pitchFamily="49" charset="0"/>
-              </a:rPr>
-              <a:t>, </a:t>
-            </a:r>
-            <a:r>
-              <a:rPr lang="en-US" dirty="0" err="1">
-                <a:latin typeface="Consolas" panose="020B0609020204030204" pitchFamily="49" charset="0"/>
-              </a:rPr>
-              <a:t>custom_error</a:t>
-            </a:r>
-            <a:r>
-              <a:rPr lang="en-US" dirty="0">
-                <a:latin typeface="Consolas" panose="020B0609020204030204" pitchFamily="49" charset="0"/>
-              </a:rPr>
-              <a:t>);</a:t>
-            </a:r>
-          </a:p>
-          <a:p>
-            <a:pPr marL="0" indent="0">
-              <a:buNone/>
-            </a:pPr>
+              <a:rPr lang="en-US" dirty="0"/>
+              <a:t>Unexpected content format</a:t>
+            </a:r>
+          </a:p>
+          <a:p>
+            <a:pPr lvl="1"/>
             <a:endParaRPr lang="en-US" dirty="0"/>
           </a:p>
         </p:txBody>
@@ -4260,7 +6729,7 @@
           <p:cNvPr id="4" name="Slide Number Placeholder 3">
             <a:extLst>
               <a:ext uri="{FF2B5EF4-FFF2-40B4-BE49-F238E27FC236}">
-                <a16:creationId xmlns:a16="http://schemas.microsoft.com/office/drawing/2014/main" id="{36705106-B232-4ED3-B0BE-88CFB760980A}"/>
+                <a16:creationId xmlns:a16="http://schemas.microsoft.com/office/drawing/2014/main" id="{6CB9122A-AF03-47D0-8CB6-83CA55CE9B6F}"/>
               </a:ext>
             </a:extLst>
           </p:cNvPr>
@@ -4276,7 +6745,7 @@
           <a:bodyPr/>
           <a:lstStyle/>
           <a:p>
-            <a:fld id="{8F6B0A30-8C53-44DF-ABCA-76B31AB81249}" type="slidenum">
+            <a:fld id="{8175FE88-E4F7-4173-9B75-CBBABDFA1364}" type="slidenum">
               <a:rPr lang="en-US" smtClean="0"/>
               <a:pPr/>
               <a:t>3</a:t>
@@ -4288,7 +6757,7 @@
     </p:spTree>
     <p:extLst>
       <p:ext uri="{BB962C8B-B14F-4D97-AF65-F5344CB8AC3E}">
-        <p14:creationId xmlns:p14="http://schemas.microsoft.com/office/powerpoint/2010/main" val="1304522833"/>
+        <p14:creationId xmlns:p14="http://schemas.microsoft.com/office/powerpoint/2010/main" val="2214153214"/>
       </p:ext>
     </p:extLst>
   </p:cSld>
@@ -4317,10 +6786,10 @@
       </p:grpSpPr>
       <p:sp>
         <p:nvSpPr>
-          <p:cNvPr id="2" name="Title 1">
-            <a:extLst>
-              <a:ext uri="{FF2B5EF4-FFF2-40B4-BE49-F238E27FC236}">
-                <a16:creationId xmlns:a16="http://schemas.microsoft.com/office/drawing/2014/main" id="{714D1A3F-0D13-4D39-8227-96A78EC1E73E}"/>
+          <p:cNvPr id="9" name="Title 8">
+            <a:extLst>
+              <a:ext uri="{FF2B5EF4-FFF2-40B4-BE49-F238E27FC236}">
+                <a16:creationId xmlns:a16="http://schemas.microsoft.com/office/drawing/2014/main" id="{107D2E19-AA32-4BDF-A4B2-E060389CE85F}"/>
               </a:ext>
             </a:extLst>
           </p:cNvPr>
@@ -4331,187 +6800,310 @@
             <p:ph type="title"/>
           </p:nvPr>
         </p:nvSpPr>
+        <p:spPr>
+          <a:xfrm>
+            <a:off x="838200" y="365126"/>
+            <a:ext cx="10515600" cy="547010"/>
+          </a:xfrm>
+        </p:spPr>
+        <p:txBody>
+          <a:bodyPr/>
+          <a:lstStyle/>
+          <a:p>
+            <a:r>
+              <a:rPr lang="en-US" dirty="0"/>
+              <a:t>Avoiding Undefined Behavior with Panic</a:t>
+            </a:r>
+          </a:p>
+        </p:txBody>
+      </p:sp>
+      <p:pic>
+        <p:nvPicPr>
+          <p:cNvPr id="7" name="Content Placeholder 6">
+            <a:extLst>
+              <a:ext uri="{FF2B5EF4-FFF2-40B4-BE49-F238E27FC236}">
+                <a16:creationId xmlns:a16="http://schemas.microsoft.com/office/drawing/2014/main" id="{313F7D00-2541-4023-8578-4AE3C1E5BD2A}"/>
+              </a:ext>
+            </a:extLst>
+          </p:cNvPr>
+          <p:cNvPicPr>
+            <a:picLocks noGrp="1" noChangeAspect="1"/>
+          </p:cNvPicPr>
+          <p:nvPr>
+            <p:ph idx="1"/>
+          </p:nvPr>
+        </p:nvPicPr>
+        <p:blipFill>
+          <a:blip r:embed="rId2"/>
+          <a:stretch>
+            <a:fillRect/>
+          </a:stretch>
+        </p:blipFill>
+        <p:spPr>
+          <a:xfrm>
+            <a:off x="838200" y="1223809"/>
+            <a:ext cx="7670606" cy="2096389"/>
+          </a:xfrm>
+          <a:prstGeom prst="rect">
+            <a:avLst/>
+          </a:prstGeom>
+        </p:spPr>
+      </p:pic>
+      <p:pic>
+        <p:nvPicPr>
+          <p:cNvPr id="8" name="Picture 7">
+            <a:extLst>
+              <a:ext uri="{FF2B5EF4-FFF2-40B4-BE49-F238E27FC236}">
+                <a16:creationId xmlns:a16="http://schemas.microsoft.com/office/drawing/2014/main" id="{0CD0B2B0-ADE8-4315-A8B1-C0BA4A3063B3}"/>
+              </a:ext>
+            </a:extLst>
+          </p:cNvPr>
+          <p:cNvPicPr>
+            <a:picLocks noChangeAspect="1"/>
+          </p:cNvPicPr>
+          <p:nvPr/>
+        </p:nvPicPr>
+        <p:blipFill>
+          <a:blip r:embed="rId3"/>
+          <a:stretch>
+            <a:fillRect/>
+          </a:stretch>
+        </p:blipFill>
+        <p:spPr>
+          <a:xfrm>
+            <a:off x="5279758" y="2108826"/>
+            <a:ext cx="5116598" cy="1423959"/>
+          </a:xfrm>
+          <a:prstGeom prst="rect">
+            <a:avLst/>
+          </a:prstGeom>
+          <a:ln w="12700">
+            <a:solidFill>
+              <a:schemeClr val="tx1"/>
+            </a:solidFill>
+          </a:ln>
+        </p:spPr>
+      </p:pic>
+      <p:pic>
+        <p:nvPicPr>
+          <p:cNvPr id="10" name="Picture 9">
+            <a:extLst>
+              <a:ext uri="{FF2B5EF4-FFF2-40B4-BE49-F238E27FC236}">
+                <a16:creationId xmlns:a16="http://schemas.microsoft.com/office/drawing/2014/main" id="{5C9267FC-6881-462F-9828-06FE1A6AE755}"/>
+              </a:ext>
+            </a:extLst>
+          </p:cNvPr>
+          <p:cNvPicPr>
+            <a:picLocks noChangeAspect="1"/>
+          </p:cNvPicPr>
+          <p:nvPr/>
+        </p:nvPicPr>
+        <p:blipFill>
+          <a:blip r:embed="rId4"/>
+          <a:stretch>
+            <a:fillRect/>
+          </a:stretch>
+        </p:blipFill>
+        <p:spPr>
+          <a:xfrm>
+            <a:off x="837537" y="3719424"/>
+            <a:ext cx="9805446" cy="2664212"/>
+          </a:xfrm>
+          <a:prstGeom prst="rect">
+            <a:avLst/>
+          </a:prstGeom>
+        </p:spPr>
+      </p:pic>
+      <p:sp>
+        <p:nvSpPr>
+          <p:cNvPr id="11" name="TextBox 10">
+            <a:extLst>
+              <a:ext uri="{FF2B5EF4-FFF2-40B4-BE49-F238E27FC236}">
+                <a16:creationId xmlns:a16="http://schemas.microsoft.com/office/drawing/2014/main" id="{2102928B-C338-402B-A22C-CCA75AAB656B}"/>
+              </a:ext>
+            </a:extLst>
+          </p:cNvPr>
+          <p:cNvSpPr txBox="1"/>
+          <p:nvPr/>
+        </p:nvSpPr>
+        <p:spPr>
+          <a:xfrm>
+            <a:off x="572373" y="997262"/>
+            <a:ext cx="1177901" cy="369332"/>
+          </a:xfrm>
+          <a:prstGeom prst="rect">
+            <a:avLst/>
+          </a:prstGeom>
+          <a:solidFill>
+            <a:schemeClr val="bg2"/>
+          </a:solidFill>
+          <a:ln w="12700">
+            <a:solidFill>
+              <a:schemeClr val="tx1"/>
+            </a:solidFill>
+          </a:ln>
+        </p:spPr>
+        <p:txBody>
+          <a:bodyPr wrap="square" rtlCol="0">
+            <a:spAutoFit/>
+          </a:bodyPr>
+          <a:lstStyle/>
+          <a:p>
+            <a:r>
+              <a:rPr lang="en-US" dirty="0"/>
+              <a:t>C++ Code</a:t>
+            </a:r>
+          </a:p>
+        </p:txBody>
+      </p:sp>
+      <p:sp>
+        <p:nvSpPr>
+          <p:cNvPr id="12" name="TextBox 11">
+            <a:extLst>
+              <a:ext uri="{FF2B5EF4-FFF2-40B4-BE49-F238E27FC236}">
+                <a16:creationId xmlns:a16="http://schemas.microsoft.com/office/drawing/2014/main" id="{B2C87F2A-715F-43A9-B563-8D50FC79374C}"/>
+              </a:ext>
+            </a:extLst>
+          </p:cNvPr>
+          <p:cNvSpPr txBox="1"/>
+          <p:nvPr/>
+        </p:nvSpPr>
+        <p:spPr>
+          <a:xfrm>
+            <a:off x="682893" y="3622316"/>
+            <a:ext cx="1177901" cy="369332"/>
+          </a:xfrm>
+          <a:prstGeom prst="rect">
+            <a:avLst/>
+          </a:prstGeom>
+          <a:solidFill>
+            <a:schemeClr val="bg2"/>
+          </a:solidFill>
+          <a:ln w="12700">
+            <a:solidFill>
+              <a:schemeClr val="tx1"/>
+            </a:solidFill>
+          </a:ln>
+        </p:spPr>
+        <p:txBody>
+          <a:bodyPr wrap="square" rtlCol="0">
+            <a:spAutoFit/>
+          </a:bodyPr>
+          <a:lstStyle/>
+          <a:p>
+            <a:r>
+              <a:rPr lang="en-US" dirty="0"/>
+              <a:t>Rust Code</a:t>
+            </a:r>
+          </a:p>
+        </p:txBody>
+      </p:sp>
+      <p:sp>
+        <p:nvSpPr>
+          <p:cNvPr id="13" name="TextBox 12">
+            <a:extLst>
+              <a:ext uri="{FF2B5EF4-FFF2-40B4-BE49-F238E27FC236}">
+                <a16:creationId xmlns:a16="http://schemas.microsoft.com/office/drawing/2014/main" id="{E908A812-18B5-4B8E-BB89-AED96419E03B}"/>
+              </a:ext>
+            </a:extLst>
+          </p:cNvPr>
+          <p:cNvSpPr txBox="1"/>
+          <p:nvPr/>
+        </p:nvSpPr>
+        <p:spPr>
+          <a:xfrm>
+            <a:off x="7070241" y="5616198"/>
+            <a:ext cx="2639152" cy="646331"/>
+          </a:xfrm>
+          <a:prstGeom prst="rect">
+            <a:avLst/>
+          </a:prstGeom>
+          <a:solidFill>
+            <a:schemeClr val="bg2"/>
+          </a:solidFill>
+          <a:ln w="12700">
+            <a:solidFill>
+              <a:schemeClr val="tx1"/>
+            </a:solidFill>
+          </a:ln>
+        </p:spPr>
+        <p:txBody>
+          <a:bodyPr wrap="square" rtlCol="0">
+            <a:spAutoFit/>
+          </a:bodyPr>
+          <a:lstStyle/>
+          <a:p>
+            <a:r>
+              <a:rPr lang="en-US" dirty="0"/>
+              <a:t>Panic terminates before memory can be accessed</a:t>
+            </a:r>
+          </a:p>
+        </p:txBody>
+      </p:sp>
+      <p:sp>
+        <p:nvSpPr>
+          <p:cNvPr id="14" name="TextBox 13">
+            <a:extLst>
+              <a:ext uri="{FF2B5EF4-FFF2-40B4-BE49-F238E27FC236}">
+                <a16:creationId xmlns:a16="http://schemas.microsoft.com/office/drawing/2014/main" id="{065B7103-39E8-4F5F-ADC4-A11AD3D602E8}"/>
+              </a:ext>
+            </a:extLst>
+          </p:cNvPr>
+          <p:cNvSpPr txBox="1"/>
+          <p:nvPr/>
+        </p:nvSpPr>
+        <p:spPr>
+          <a:xfrm>
+            <a:off x="7768911" y="1462495"/>
+            <a:ext cx="3584890" cy="646331"/>
+          </a:xfrm>
+          <a:prstGeom prst="rect">
+            <a:avLst/>
+          </a:prstGeom>
+          <a:solidFill>
+            <a:schemeClr val="bg2"/>
+          </a:solidFill>
+          <a:ln w="12700">
+            <a:solidFill>
+              <a:schemeClr val="tx1"/>
+            </a:solidFill>
+          </a:ln>
+        </p:spPr>
+        <p:txBody>
+          <a:bodyPr wrap="square" rtlCol="0">
+            <a:spAutoFit/>
+          </a:bodyPr>
+          <a:lstStyle/>
+          <a:p>
+            <a:r>
+              <a:rPr lang="en-US" dirty="0"/>
+              <a:t>Unowned memory can be accessed.  Process ends normally.</a:t>
+            </a:r>
+          </a:p>
+        </p:txBody>
+      </p:sp>
+      <p:sp>
+        <p:nvSpPr>
+          <p:cNvPr id="15" name="Slide Number Placeholder 14">
+            <a:extLst>
+              <a:ext uri="{FF2B5EF4-FFF2-40B4-BE49-F238E27FC236}">
+                <a16:creationId xmlns:a16="http://schemas.microsoft.com/office/drawing/2014/main" id="{7459FD72-3ED4-4459-898D-C8CF7EC4A26B}"/>
+              </a:ext>
+            </a:extLst>
+          </p:cNvPr>
+          <p:cNvSpPr>
+            <a:spLocks noGrp="1"/>
+          </p:cNvSpPr>
+          <p:nvPr>
+            <p:ph type="sldNum" sz="quarter" idx="12"/>
+          </p:nvPr>
+        </p:nvSpPr>
         <p:spPr/>
         <p:txBody>
           <a:bodyPr/>
           <a:lstStyle/>
           <a:p>
-            <a:r>
-              <a:rPr lang="en-US" dirty="0"/>
-              <a:t>Rust Option</a:t>
-            </a:r>
-          </a:p>
-        </p:txBody>
-      </p:sp>
-      <p:sp>
-        <p:nvSpPr>
-          <p:cNvPr id="3" name="Content Placeholder 2">
-            <a:extLst>
-              <a:ext uri="{FF2B5EF4-FFF2-40B4-BE49-F238E27FC236}">
-                <a16:creationId xmlns:a16="http://schemas.microsoft.com/office/drawing/2014/main" id="{84D6C244-2025-44CA-9E50-2DF178D3DD04}"/>
-              </a:ext>
-            </a:extLst>
-          </p:cNvPr>
-          <p:cNvSpPr>
-            <a:spLocks noGrp="1"/>
-          </p:cNvSpPr>
-          <p:nvPr>
-            <p:ph idx="1"/>
-          </p:nvPr>
-        </p:nvSpPr>
-        <p:spPr/>
-        <p:txBody>
-          <a:bodyPr/>
-          <a:lstStyle/>
-          <a:p>
-            <a:r>
-              <a:rPr lang="en-US" dirty="0">
-                <a:latin typeface="Consolas" panose="020B0609020204030204" pitchFamily="49" charset="0"/>
-              </a:rPr>
-              <a:t>Pub </a:t>
-            </a:r>
-            <a:r>
-              <a:rPr lang="en-US" dirty="0" err="1">
-                <a:latin typeface="Consolas" panose="020B0609020204030204" pitchFamily="49" charset="0"/>
-              </a:rPr>
-              <a:t>enum</a:t>
-            </a:r>
-            <a:r>
-              <a:rPr lang="en-US" dirty="0">
-                <a:latin typeface="Consolas" panose="020B0609020204030204" pitchFamily="49" charset="0"/>
-              </a:rPr>
-              <a:t> Option&lt;T&gt; { None, Some(T), }</a:t>
-            </a:r>
-          </a:p>
-          <a:p>
-            <a:pPr lvl="1"/>
-            <a:r>
-              <a:rPr lang="en-US" dirty="0">
-                <a:latin typeface="Consolas" panose="020B0609020204030204" pitchFamily="49" charset="0"/>
-              </a:rPr>
-              <a:t>std::option module</a:t>
-            </a:r>
-          </a:p>
-          <a:p>
-            <a:pPr lvl="1"/>
-            <a:r>
-              <a:rPr lang="en-US" dirty="0">
-                <a:latin typeface="Consolas" panose="020B0609020204030204" pitchFamily="49" charset="0"/>
-              </a:rPr>
-              <a:t>pub </a:t>
-            </a:r>
-            <a:r>
-              <a:rPr lang="en-US" dirty="0" err="1">
-                <a:latin typeface="Consolas" panose="020B0609020204030204" pitchFamily="49" charset="0"/>
-              </a:rPr>
-              <a:t>fn</a:t>
-            </a:r>
-            <a:r>
-              <a:rPr lang="en-US" dirty="0">
-                <a:latin typeface="Consolas" panose="020B0609020204030204" pitchFamily="49" charset="0"/>
-              </a:rPr>
-              <a:t> </a:t>
-            </a:r>
-            <a:r>
-              <a:rPr lang="en-US" dirty="0" err="1">
-                <a:latin typeface="Consolas" panose="020B0609020204030204" pitchFamily="49" charset="0"/>
-              </a:rPr>
-              <a:t>is_some</a:t>
-            </a:r>
-            <a:r>
-              <a:rPr lang="en-US" dirty="0">
-                <a:latin typeface="Consolas" panose="020B0609020204030204" pitchFamily="49" charset="0"/>
-              </a:rPr>
-              <a:t>(&amp;self) -&gt; bool</a:t>
-            </a:r>
-          </a:p>
-          <a:p>
-            <a:pPr lvl="1"/>
-            <a:r>
-              <a:rPr lang="en-US" dirty="0">
-                <a:latin typeface="Consolas" panose="020B0609020204030204" pitchFamily="49" charset="0"/>
-              </a:rPr>
-              <a:t>pub </a:t>
-            </a:r>
-            <a:r>
-              <a:rPr lang="en-US" dirty="0" err="1">
-                <a:latin typeface="Consolas" panose="020B0609020204030204" pitchFamily="49" charset="0"/>
-              </a:rPr>
-              <a:t>fn</a:t>
-            </a:r>
-            <a:r>
-              <a:rPr lang="en-US" dirty="0">
-                <a:latin typeface="Consolas" panose="020B0609020204030204" pitchFamily="49" charset="0"/>
-              </a:rPr>
-              <a:t> </a:t>
-            </a:r>
-            <a:r>
-              <a:rPr lang="en-US" dirty="0" err="1">
-                <a:latin typeface="Consolas" panose="020B0609020204030204" pitchFamily="49" charset="0"/>
-              </a:rPr>
-              <a:t>is_none</a:t>
-            </a:r>
-            <a:r>
-              <a:rPr lang="en-US" dirty="0">
-                <a:latin typeface="Consolas" panose="020B0609020204030204" pitchFamily="49" charset="0"/>
-              </a:rPr>
-              <a:t>(&amp;self) -&gt; bool</a:t>
-            </a:r>
-          </a:p>
-          <a:p>
-            <a:pPr lvl="1"/>
-            <a:r>
-              <a:rPr lang="en-US" dirty="0">
-                <a:latin typeface="Consolas" panose="020B0609020204030204" pitchFamily="49" charset="0"/>
-              </a:rPr>
-              <a:t>pub </a:t>
-            </a:r>
-            <a:r>
-              <a:rPr lang="en-US" dirty="0" err="1">
-                <a:latin typeface="Consolas" panose="020B0609020204030204" pitchFamily="49" charset="0"/>
-              </a:rPr>
-              <a:t>fn</a:t>
-            </a:r>
-            <a:r>
-              <a:rPr lang="en-US" dirty="0">
-                <a:latin typeface="Consolas" panose="020B0609020204030204" pitchFamily="49" charset="0"/>
-              </a:rPr>
-              <a:t> unwrap(self) -&gt; T</a:t>
-            </a:r>
-          </a:p>
-          <a:p>
-            <a:pPr lvl="2"/>
-            <a:r>
-              <a:rPr lang="en-US" dirty="0">
-                <a:latin typeface="Consolas" panose="020B0609020204030204" pitchFamily="49" charset="0"/>
-              </a:rPr>
-              <a:t>panics if None</a:t>
-            </a:r>
-          </a:p>
-        </p:txBody>
-      </p:sp>
-      <p:sp>
-        <p:nvSpPr>
-          <p:cNvPr id="4" name="Slide Number Placeholder 3">
-            <a:extLst>
-              <a:ext uri="{FF2B5EF4-FFF2-40B4-BE49-F238E27FC236}">
-                <a16:creationId xmlns:a16="http://schemas.microsoft.com/office/drawing/2014/main" id="{24530FD1-182C-41AD-A34F-71D725CEB645}"/>
-              </a:ext>
-            </a:extLst>
-          </p:cNvPr>
-          <p:cNvSpPr>
-            <a:spLocks noGrp="1"/>
-          </p:cNvSpPr>
-          <p:nvPr>
-            <p:ph type="sldNum" sz="quarter" idx="12"/>
-          </p:nvPr>
-        </p:nvSpPr>
-        <p:spPr/>
-        <p:txBody>
-          <a:bodyPr/>
-          <a:lstStyle/>
-          <a:p>
-            <a:fld id="{8F6B0A30-8C53-44DF-ABCA-76B31AB81249}" type="slidenum">
+            <a:fld id="{8175FE88-E4F7-4173-9B75-CBBABDFA1364}" type="slidenum">
               <a:rPr lang="en-US" smtClean="0"/>
               <a:pPr/>
               <a:t>4</a:t>
@@ -4523,7 +7115,1073 @@
     </p:spTree>
     <p:extLst>
       <p:ext uri="{BB962C8B-B14F-4D97-AF65-F5344CB8AC3E}">
-        <p14:creationId xmlns:p14="http://schemas.microsoft.com/office/powerpoint/2010/main" val="1911652060"/>
+        <p14:creationId xmlns:p14="http://schemas.microsoft.com/office/powerpoint/2010/main" val="881338955"/>
+      </p:ext>
+    </p:extLst>
+  </p:cSld>
+  <p:clrMapOvr>
+    <a:masterClrMapping/>
+  </p:clrMapOvr>
+</p:sld>
+</file>
+
+<file path=ppt/slides/slide5.xml><?xml version="1.0" encoding="utf-8"?>
+<p:sld xmlns:a="http://schemas.openxmlformats.org/drawingml/2006/main" xmlns:r="http://schemas.openxmlformats.org/officeDocument/2006/relationships" xmlns:p="http://schemas.openxmlformats.org/presentationml/2006/main">
+  <p:cSld>
+    <p:spTree>
+      <p:nvGrpSpPr>
+        <p:cNvPr id="1" name=""/>
+        <p:cNvGrpSpPr/>
+        <p:nvPr/>
+      </p:nvGrpSpPr>
+      <p:grpSpPr>
+        <a:xfrm>
+          <a:off x="0" y="0"/>
+          <a:ext cx="0" cy="0"/>
+          <a:chOff x="0" y="0"/>
+          <a:chExt cx="0" cy="0"/>
+        </a:xfrm>
+      </p:grpSpPr>
+      <p:sp>
+        <p:nvSpPr>
+          <p:cNvPr id="2" name="Title 1">
+            <a:extLst>
+              <a:ext uri="{FF2B5EF4-FFF2-40B4-BE49-F238E27FC236}">
+                <a16:creationId xmlns:a16="http://schemas.microsoft.com/office/drawing/2014/main" id="{91BF179B-E037-47D4-BB7F-75B7AE22F756}"/>
+              </a:ext>
+            </a:extLst>
+          </p:cNvPr>
+          <p:cNvSpPr>
+            <a:spLocks noGrp="1"/>
+          </p:cNvSpPr>
+          <p:nvPr>
+            <p:ph type="title"/>
+          </p:nvPr>
+        </p:nvSpPr>
+        <p:spPr/>
+        <p:txBody>
+          <a:bodyPr/>
+          <a:lstStyle/>
+          <a:p>
+            <a:r>
+              <a:rPr lang="en-US" dirty="0"/>
+              <a:t>Rust Panics</a:t>
+            </a:r>
+          </a:p>
+        </p:txBody>
+      </p:sp>
+      <p:sp>
+        <p:nvSpPr>
+          <p:cNvPr id="3" name="Content Placeholder 2">
+            <a:extLst>
+              <a:ext uri="{FF2B5EF4-FFF2-40B4-BE49-F238E27FC236}">
+                <a16:creationId xmlns:a16="http://schemas.microsoft.com/office/drawing/2014/main" id="{E21F8C57-5FCF-4C41-BC3B-2CA7DC21FA39}"/>
+              </a:ext>
+            </a:extLst>
+          </p:cNvPr>
+          <p:cNvSpPr>
+            <a:spLocks noGrp="1"/>
+          </p:cNvSpPr>
+          <p:nvPr>
+            <p:ph idx="1"/>
+          </p:nvPr>
+        </p:nvSpPr>
+        <p:spPr/>
+        <p:txBody>
+          <a:bodyPr/>
+          <a:lstStyle/>
+          <a:p>
+            <a:r>
+              <a:rPr lang="en-US" dirty="0"/>
+              <a:t>A panic is a program exit that attempts to unwind the stack, dropping each object residing in the stack.</a:t>
+            </a:r>
+          </a:p>
+          <a:p>
+            <a:pPr lvl="1"/>
+            <a:r>
+              <a:rPr lang="en-US" dirty="0"/>
+              <a:t>Panics can be trapped and handled to avoid program exit</a:t>
+            </a:r>
+          </a:p>
+          <a:p>
+            <a:r>
+              <a:rPr lang="en-US" dirty="0"/>
+              <a:t>Should a panic occur while unwinding the stack from an earlier panic the program will immediately abort.</a:t>
+            </a:r>
+          </a:p>
+          <a:p>
+            <a:pPr lvl="1"/>
+            <a:r>
+              <a:rPr lang="en-US" dirty="0"/>
+              <a:t>Multiple panic aborts cannot be trapped, so stopping in this case is inevitable</a:t>
+            </a:r>
+          </a:p>
+          <a:p>
+            <a:r>
+              <a:rPr lang="en-US" dirty="0"/>
+              <a:t>Panics are intended program actions that avoid undefined behavior due to program errors.</a:t>
+            </a:r>
+          </a:p>
+          <a:p>
+            <a:pPr lvl="1"/>
+            <a:r>
+              <a:rPr lang="en-US" dirty="0"/>
+              <a:t>Indexing out of bounds</a:t>
+            </a:r>
+          </a:p>
+          <a:p>
+            <a:r>
+              <a:rPr lang="en-US" dirty="0"/>
+              <a:t>So panics are the lowest level of error handling mechanisms.</a:t>
+            </a:r>
+          </a:p>
+        </p:txBody>
+      </p:sp>
+      <p:sp>
+        <p:nvSpPr>
+          <p:cNvPr id="4" name="Slide Number Placeholder 3">
+            <a:extLst>
+              <a:ext uri="{FF2B5EF4-FFF2-40B4-BE49-F238E27FC236}">
+                <a16:creationId xmlns:a16="http://schemas.microsoft.com/office/drawing/2014/main" id="{257DBB1C-B88E-44B2-9FF3-FAD9CFFD94C3}"/>
+              </a:ext>
+            </a:extLst>
+          </p:cNvPr>
+          <p:cNvSpPr>
+            <a:spLocks noGrp="1"/>
+          </p:cNvSpPr>
+          <p:nvPr>
+            <p:ph type="sldNum" sz="quarter" idx="12"/>
+          </p:nvPr>
+        </p:nvSpPr>
+        <p:spPr/>
+        <p:txBody>
+          <a:bodyPr/>
+          <a:lstStyle/>
+          <a:p>
+            <a:fld id="{8175FE88-E4F7-4173-9B75-CBBABDFA1364}" type="slidenum">
+              <a:rPr lang="en-US" smtClean="0"/>
+              <a:pPr/>
+              <a:t>5</a:t>
+            </a:fld>
+            <a:endParaRPr lang="en-US" dirty="0"/>
+          </a:p>
+        </p:txBody>
+      </p:sp>
+    </p:spTree>
+    <p:extLst>
+      <p:ext uri="{BB962C8B-B14F-4D97-AF65-F5344CB8AC3E}">
+        <p14:creationId xmlns:p14="http://schemas.microsoft.com/office/powerpoint/2010/main" val="911237960"/>
+      </p:ext>
+    </p:extLst>
+  </p:cSld>
+  <p:clrMapOvr>
+    <a:masterClrMapping/>
+  </p:clrMapOvr>
+</p:sld>
+</file>
+
+<file path=ppt/slides/slide6.xml><?xml version="1.0" encoding="utf-8"?>
+<p:sld xmlns:a="http://schemas.openxmlformats.org/drawingml/2006/main" xmlns:r="http://schemas.openxmlformats.org/officeDocument/2006/relationships" xmlns:p="http://schemas.openxmlformats.org/presentationml/2006/main">
+  <p:cSld>
+    <p:spTree>
+      <p:nvGrpSpPr>
+        <p:cNvPr id="1" name=""/>
+        <p:cNvGrpSpPr/>
+        <p:nvPr/>
+      </p:nvGrpSpPr>
+      <p:grpSpPr>
+        <a:xfrm>
+          <a:off x="0" y="0"/>
+          <a:ext cx="0" cy="0"/>
+          <a:chOff x="0" y="0"/>
+          <a:chExt cx="0" cy="0"/>
+        </a:xfrm>
+      </p:grpSpPr>
+      <p:pic>
+        <p:nvPicPr>
+          <p:cNvPr id="8" name="Content Placeholder 7">
+            <a:extLst>
+              <a:ext uri="{FF2B5EF4-FFF2-40B4-BE49-F238E27FC236}">
+                <a16:creationId xmlns:a16="http://schemas.microsoft.com/office/drawing/2014/main" id="{20AFD8CE-9C9A-4A0A-ABA1-4A845181D425}"/>
+              </a:ext>
+            </a:extLst>
+          </p:cNvPr>
+          <p:cNvPicPr>
+            <a:picLocks noGrp="1" noChangeAspect="1"/>
+          </p:cNvPicPr>
+          <p:nvPr>
+            <p:ph sz="half" idx="2"/>
+          </p:nvPr>
+        </p:nvPicPr>
+        <p:blipFill>
+          <a:blip r:embed="rId2"/>
+          <a:stretch>
+            <a:fillRect/>
+          </a:stretch>
+        </p:blipFill>
+        <p:spPr>
+          <a:xfrm>
+            <a:off x="7218667" y="185386"/>
+            <a:ext cx="4596405" cy="6248569"/>
+          </a:xfrm>
+          <a:prstGeom prst="rect">
+            <a:avLst/>
+          </a:prstGeom>
+        </p:spPr>
+      </p:pic>
+      <p:sp>
+        <p:nvSpPr>
+          <p:cNvPr id="4" name="Slide Number Placeholder 3">
+            <a:extLst>
+              <a:ext uri="{FF2B5EF4-FFF2-40B4-BE49-F238E27FC236}">
+                <a16:creationId xmlns:a16="http://schemas.microsoft.com/office/drawing/2014/main" id="{93A4379F-06AB-433E-96EF-C4ACC867BC99}"/>
+              </a:ext>
+            </a:extLst>
+          </p:cNvPr>
+          <p:cNvSpPr>
+            <a:spLocks noGrp="1"/>
+          </p:cNvSpPr>
+          <p:nvPr>
+            <p:ph type="sldNum" sz="quarter" idx="12"/>
+          </p:nvPr>
+        </p:nvSpPr>
+        <p:spPr/>
+        <p:txBody>
+          <a:bodyPr/>
+          <a:lstStyle/>
+          <a:p>
+            <a:fld id="{8175FE88-E4F7-4173-9B75-CBBABDFA1364}" type="slidenum">
+              <a:rPr lang="en-US" smtClean="0"/>
+              <a:pPr/>
+              <a:t>6</a:t>
+            </a:fld>
+            <a:endParaRPr lang="en-US" dirty="0"/>
+          </a:p>
+        </p:txBody>
+      </p:sp>
+      <p:pic>
+        <p:nvPicPr>
+          <p:cNvPr id="11" name="Content Placeholder 10">
+            <a:extLst>
+              <a:ext uri="{FF2B5EF4-FFF2-40B4-BE49-F238E27FC236}">
+                <a16:creationId xmlns:a16="http://schemas.microsoft.com/office/drawing/2014/main" id="{58A55265-5771-43DD-A2ED-7F9A20F2DDF8}"/>
+              </a:ext>
+            </a:extLst>
+          </p:cNvPr>
+          <p:cNvPicPr>
+            <a:picLocks noGrp="1" noChangeAspect="1"/>
+          </p:cNvPicPr>
+          <p:nvPr>
+            <p:ph sz="half" idx="1"/>
+          </p:nvPr>
+        </p:nvPicPr>
+        <p:blipFill>
+          <a:blip r:embed="rId3"/>
+          <a:stretch>
+            <a:fillRect/>
+          </a:stretch>
+        </p:blipFill>
+        <p:spPr>
+          <a:xfrm>
+            <a:off x="376928" y="267907"/>
+            <a:ext cx="6428317" cy="6166047"/>
+          </a:xfrm>
+          <a:prstGeom prst="rect">
+            <a:avLst/>
+          </a:prstGeom>
+        </p:spPr>
+      </p:pic>
+      <p:sp>
+        <p:nvSpPr>
+          <p:cNvPr id="2" name="Title 1">
+            <a:extLst>
+              <a:ext uri="{FF2B5EF4-FFF2-40B4-BE49-F238E27FC236}">
+                <a16:creationId xmlns:a16="http://schemas.microsoft.com/office/drawing/2014/main" id="{DE91CE9E-86E5-46DA-967C-7F0570D62AB9}"/>
+              </a:ext>
+            </a:extLst>
+          </p:cNvPr>
+          <p:cNvSpPr>
+            <a:spLocks noGrp="1"/>
+          </p:cNvSpPr>
+          <p:nvPr>
+            <p:ph type="title"/>
+          </p:nvPr>
+        </p:nvSpPr>
+        <p:spPr>
+          <a:xfrm>
+            <a:off x="3679123" y="541374"/>
+            <a:ext cx="3677958" cy="621638"/>
+          </a:xfrm>
+          <a:solidFill>
+            <a:schemeClr val="bg1"/>
+          </a:solidFill>
+          <a:ln w="19050">
+            <a:solidFill>
+              <a:srgbClr val="FFC000"/>
+            </a:solidFill>
+          </a:ln>
+        </p:spPr>
+        <p:txBody>
+          <a:bodyPr/>
+          <a:lstStyle/>
+          <a:p>
+            <a:r>
+              <a:rPr lang="en-US" dirty="0"/>
+              <a:t>Trapping Panics</a:t>
+            </a:r>
+          </a:p>
+        </p:txBody>
+      </p:sp>
+    </p:spTree>
+    <p:extLst>
+      <p:ext uri="{BB962C8B-B14F-4D97-AF65-F5344CB8AC3E}">
+        <p14:creationId xmlns:p14="http://schemas.microsoft.com/office/powerpoint/2010/main" val="816945213"/>
+      </p:ext>
+    </p:extLst>
+  </p:cSld>
+  <p:clrMapOvr>
+    <a:masterClrMapping/>
+  </p:clrMapOvr>
+</p:sld>
+</file>
+
+<file path=ppt/slides/slide7.xml><?xml version="1.0" encoding="utf-8"?>
+<p:sld xmlns:a="http://schemas.openxmlformats.org/drawingml/2006/main" xmlns:r="http://schemas.openxmlformats.org/officeDocument/2006/relationships" xmlns:p="http://schemas.openxmlformats.org/presentationml/2006/main">
+  <p:cSld>
+    <p:spTree>
+      <p:nvGrpSpPr>
+        <p:cNvPr id="1" name=""/>
+        <p:cNvGrpSpPr/>
+        <p:nvPr/>
+      </p:nvGrpSpPr>
+      <p:grpSpPr>
+        <a:xfrm>
+          <a:off x="0" y="0"/>
+          <a:ext cx="0" cy="0"/>
+          <a:chOff x="0" y="0"/>
+          <a:chExt cx="0" cy="0"/>
+        </a:xfrm>
+      </p:grpSpPr>
+      <p:sp>
+        <p:nvSpPr>
+          <p:cNvPr id="2" name="Title 1">
+            <a:extLst>
+              <a:ext uri="{FF2B5EF4-FFF2-40B4-BE49-F238E27FC236}">
+                <a16:creationId xmlns:a16="http://schemas.microsoft.com/office/drawing/2014/main" id="{76A7F006-CC4C-41A9-BA4F-88CAF6D17B98}"/>
+              </a:ext>
+            </a:extLst>
+          </p:cNvPr>
+          <p:cNvSpPr>
+            <a:spLocks noGrp="1"/>
+          </p:cNvSpPr>
+          <p:nvPr>
+            <p:ph type="title"/>
+          </p:nvPr>
+        </p:nvSpPr>
+        <p:spPr/>
+        <p:txBody>
+          <a:bodyPr/>
+          <a:lstStyle/>
+          <a:p>
+            <a:r>
+              <a:rPr lang="en-US" dirty="0"/>
+              <a:t>Rust Error Handling Types</a:t>
+            </a:r>
+          </a:p>
+        </p:txBody>
+      </p:sp>
+      <p:sp>
+        <p:nvSpPr>
+          <p:cNvPr id="3" name="Content Placeholder 2">
+            <a:extLst>
+              <a:ext uri="{FF2B5EF4-FFF2-40B4-BE49-F238E27FC236}">
+                <a16:creationId xmlns:a16="http://schemas.microsoft.com/office/drawing/2014/main" id="{ACCF3024-FF61-4572-8E0A-FEBA41E585A5}"/>
+              </a:ext>
+            </a:extLst>
+          </p:cNvPr>
+          <p:cNvSpPr>
+            <a:spLocks noGrp="1"/>
+          </p:cNvSpPr>
+          <p:nvPr>
+            <p:ph idx="1"/>
+          </p:nvPr>
+        </p:nvSpPr>
+        <p:spPr/>
+        <p:txBody>
+          <a:bodyPr/>
+          <a:lstStyle/>
+          <a:p>
+            <a:r>
+              <a:rPr lang="en-US" dirty="0">
+                <a:latin typeface="Consolas" panose="020B0609020204030204" pitchFamily="49" charset="0"/>
+              </a:rPr>
+              <a:t>Enum Result&lt;T,E&gt; { Ok(T), Err(E) }</a:t>
+            </a:r>
+          </a:p>
+          <a:p>
+            <a:pPr lvl="1"/>
+            <a:r>
+              <a:rPr lang="en-US" dirty="0">
+                <a:latin typeface="Consolas" panose="020B0609020204030204" pitchFamily="49" charset="0"/>
+              </a:rPr>
+              <a:t>#[</a:t>
+            </a:r>
+            <a:r>
+              <a:rPr lang="en-US" dirty="0" err="1">
+                <a:latin typeface="Consolas" panose="020B0609020204030204" pitchFamily="49" charset="0"/>
+              </a:rPr>
+              <a:t>must_use</a:t>
+            </a:r>
+            <a:r>
+              <a:rPr lang="en-US" dirty="0">
+                <a:latin typeface="Consolas" panose="020B0609020204030204" pitchFamily="49" charset="0"/>
+              </a:rPr>
+              <a:t>]</a:t>
+            </a:r>
+          </a:p>
+          <a:p>
+            <a:pPr lvl="1"/>
+            <a:r>
+              <a:rPr lang="en-US" dirty="0">
+                <a:latin typeface="Consolas" panose="020B0609020204030204" pitchFamily="49" charset="0"/>
+              </a:rPr>
+              <a:t>std crate import</a:t>
+            </a:r>
+          </a:p>
+          <a:p>
+            <a:r>
+              <a:rPr lang="en-US" dirty="0">
+                <a:latin typeface="Consolas" panose="020B0609020204030204" pitchFamily="49" charset="0"/>
+              </a:rPr>
+              <a:t>pub </a:t>
+            </a:r>
+            <a:r>
+              <a:rPr lang="en-US" dirty="0" err="1">
+                <a:latin typeface="Consolas" panose="020B0609020204030204" pitchFamily="49" charset="0"/>
+              </a:rPr>
+              <a:t>fn</a:t>
+            </a:r>
+            <a:r>
+              <a:rPr lang="en-US" dirty="0">
+                <a:latin typeface="Consolas" panose="020B0609020204030204" pitchFamily="49" charset="0"/>
+              </a:rPr>
+              <a:t> </a:t>
+            </a:r>
+            <a:r>
+              <a:rPr lang="en-US" dirty="0" err="1">
+                <a:latin typeface="Consolas" panose="020B0609020204030204" pitchFamily="49" charset="0"/>
+              </a:rPr>
+              <a:t>is_ok</a:t>
+            </a:r>
+            <a:r>
+              <a:rPr lang="en-US" dirty="0">
+                <a:latin typeface="Consolas" panose="020B0609020204030204" pitchFamily="49" charset="0"/>
+              </a:rPr>
+              <a:t>(&amp;self) -&gt; bool</a:t>
+            </a:r>
+          </a:p>
+          <a:p>
+            <a:r>
+              <a:rPr lang="en-US" dirty="0">
+                <a:latin typeface="Consolas" panose="020B0609020204030204" pitchFamily="49" charset="0"/>
+              </a:rPr>
+              <a:t>pub </a:t>
+            </a:r>
+            <a:r>
+              <a:rPr lang="en-US" dirty="0" err="1">
+                <a:latin typeface="Consolas" panose="020B0609020204030204" pitchFamily="49" charset="0"/>
+              </a:rPr>
+              <a:t>fn</a:t>
+            </a:r>
+            <a:r>
+              <a:rPr lang="en-US" dirty="0">
+                <a:latin typeface="Consolas" panose="020B0609020204030204" pitchFamily="49" charset="0"/>
+              </a:rPr>
+              <a:t> </a:t>
+            </a:r>
+            <a:r>
+              <a:rPr lang="en-US" dirty="0" err="1">
+                <a:latin typeface="Consolas" panose="020B0609020204030204" pitchFamily="49" charset="0"/>
+              </a:rPr>
+              <a:t>is_Err</a:t>
+            </a:r>
+            <a:r>
+              <a:rPr lang="en-US" dirty="0">
+                <a:latin typeface="Consolas" panose="020B0609020204030204" pitchFamily="49" charset="0"/>
+              </a:rPr>
+              <a:t>(&amp;self) -&gt; bool</a:t>
+            </a:r>
+          </a:p>
+          <a:p>
+            <a:r>
+              <a:rPr lang="en-US" dirty="0">
+                <a:latin typeface="Consolas" panose="020B0609020204030204" pitchFamily="49" charset="0"/>
+              </a:rPr>
+              <a:t>pub </a:t>
+            </a:r>
+            <a:r>
+              <a:rPr lang="en-US" dirty="0" err="1">
+                <a:latin typeface="Consolas" panose="020B0609020204030204" pitchFamily="49" charset="0"/>
+              </a:rPr>
+              <a:t>fn</a:t>
+            </a:r>
+            <a:r>
+              <a:rPr lang="en-US" dirty="0">
+                <a:latin typeface="Consolas" panose="020B0609020204030204" pitchFamily="49" charset="0"/>
+              </a:rPr>
+              <a:t> unwrap(self) -&gt; T</a:t>
+            </a:r>
+          </a:p>
+          <a:p>
+            <a:pPr lvl="1"/>
+            <a:r>
+              <a:rPr lang="en-US" dirty="0">
+                <a:latin typeface="Consolas" panose="020B0609020204030204" pitchFamily="49" charset="0"/>
+              </a:rPr>
+              <a:t>panics if not Ok</a:t>
+            </a:r>
+          </a:p>
+          <a:p>
+            <a:r>
+              <a:rPr lang="en-US" dirty="0">
+                <a:latin typeface="Consolas" panose="020B0609020204030204" pitchFamily="49" charset="0"/>
+              </a:rPr>
+              <a:t>Pub </a:t>
+            </a:r>
+            <a:r>
+              <a:rPr lang="en-US" dirty="0" err="1">
+                <a:latin typeface="Consolas" panose="020B0609020204030204" pitchFamily="49" charset="0"/>
+              </a:rPr>
+              <a:t>fn</a:t>
+            </a:r>
+            <a:r>
+              <a:rPr lang="en-US" dirty="0">
+                <a:latin typeface="Consolas" panose="020B0609020204030204" pitchFamily="49" charset="0"/>
+              </a:rPr>
+              <a:t> </a:t>
+            </a:r>
+            <a:r>
+              <a:rPr lang="en-US" dirty="0" err="1">
+                <a:latin typeface="Consolas" panose="020B0609020204030204" pitchFamily="49" charset="0"/>
+              </a:rPr>
+              <a:t>unwrap_err</a:t>
+            </a:r>
+            <a:r>
+              <a:rPr lang="en-US" dirty="0">
+                <a:latin typeface="Consolas" panose="020B0609020204030204" pitchFamily="49" charset="0"/>
+              </a:rPr>
+              <a:t>(self) -&gt; E</a:t>
+            </a:r>
+          </a:p>
+          <a:p>
+            <a:pPr lvl="1"/>
+            <a:r>
+              <a:rPr lang="en-US" dirty="0">
+                <a:latin typeface="Consolas" panose="020B0609020204030204" pitchFamily="49" charset="0"/>
+              </a:rPr>
+              <a:t>Panics if not Err</a:t>
+            </a:r>
+          </a:p>
+        </p:txBody>
+      </p:sp>
+      <p:sp>
+        <p:nvSpPr>
+          <p:cNvPr id="4" name="Slide Number Placeholder 3">
+            <a:extLst>
+              <a:ext uri="{FF2B5EF4-FFF2-40B4-BE49-F238E27FC236}">
+                <a16:creationId xmlns:a16="http://schemas.microsoft.com/office/drawing/2014/main" id="{7EE7A1C3-1855-4A77-AB74-75243EE3103C}"/>
+              </a:ext>
+            </a:extLst>
+          </p:cNvPr>
+          <p:cNvSpPr>
+            <a:spLocks noGrp="1"/>
+          </p:cNvSpPr>
+          <p:nvPr>
+            <p:ph type="sldNum" sz="quarter" idx="12"/>
+          </p:nvPr>
+        </p:nvSpPr>
+        <p:spPr/>
+        <p:txBody>
+          <a:bodyPr/>
+          <a:lstStyle/>
+          <a:p>
+            <a:fld id="{8F6B0A30-8C53-44DF-ABCA-76B31AB81249}" type="slidenum">
+              <a:rPr lang="en-US" smtClean="0"/>
+              <a:t>7</a:t>
+            </a:fld>
+            <a:endParaRPr lang="en-US"/>
+          </a:p>
+        </p:txBody>
+      </p:sp>
+    </p:spTree>
+    <p:extLst>
+      <p:ext uri="{BB962C8B-B14F-4D97-AF65-F5344CB8AC3E}">
+        <p14:creationId xmlns:p14="http://schemas.microsoft.com/office/powerpoint/2010/main" val="675882903"/>
+      </p:ext>
+    </p:extLst>
+  </p:cSld>
+  <p:clrMapOvr>
+    <a:masterClrMapping/>
+  </p:clrMapOvr>
+</p:sld>
+</file>
+
+<file path=ppt/slides/slide8.xml><?xml version="1.0" encoding="utf-8"?>
+<p:sld xmlns:a="http://schemas.openxmlformats.org/drawingml/2006/main" xmlns:r="http://schemas.openxmlformats.org/officeDocument/2006/relationships" xmlns:p="http://schemas.openxmlformats.org/presentationml/2006/main">
+  <p:cSld>
+    <p:spTree>
+      <p:nvGrpSpPr>
+        <p:cNvPr id="1" name=""/>
+        <p:cNvGrpSpPr/>
+        <p:nvPr/>
+      </p:nvGrpSpPr>
+      <p:grpSpPr>
+        <a:xfrm>
+          <a:off x="0" y="0"/>
+          <a:ext cx="0" cy="0"/>
+          <a:chOff x="0" y="0"/>
+          <a:chExt cx="0" cy="0"/>
+        </a:xfrm>
+      </p:grpSpPr>
+      <p:sp>
+        <p:nvSpPr>
+          <p:cNvPr id="2" name="Title 1">
+            <a:extLst>
+              <a:ext uri="{FF2B5EF4-FFF2-40B4-BE49-F238E27FC236}">
+                <a16:creationId xmlns:a16="http://schemas.microsoft.com/office/drawing/2014/main" id="{6C64FF51-0A2B-46B3-9FDB-68B72FE25A01}"/>
+              </a:ext>
+            </a:extLst>
+          </p:cNvPr>
+          <p:cNvSpPr>
+            <a:spLocks noGrp="1"/>
+          </p:cNvSpPr>
+          <p:nvPr>
+            <p:ph type="title"/>
+          </p:nvPr>
+        </p:nvSpPr>
+        <p:spPr/>
+        <p:txBody>
+          <a:bodyPr/>
+          <a:lstStyle/>
+          <a:p>
+            <a:r>
+              <a:rPr lang="en-US" dirty="0"/>
+              <a:t>Using Result&lt;T,E&gt; with </a:t>
+            </a:r>
+            <a:r>
+              <a:rPr lang="en-US" dirty="0" err="1"/>
+              <a:t>is_ok</a:t>
+            </a:r>
+            <a:r>
+              <a:rPr lang="en-US" dirty="0"/>
+              <a:t>()</a:t>
+            </a:r>
+          </a:p>
+        </p:txBody>
+      </p:sp>
+      <p:pic>
+        <p:nvPicPr>
+          <p:cNvPr id="4" name="Content Placeholder 3">
+            <a:extLst>
+              <a:ext uri="{FF2B5EF4-FFF2-40B4-BE49-F238E27FC236}">
+                <a16:creationId xmlns:a16="http://schemas.microsoft.com/office/drawing/2014/main" id="{87AFA99B-5B98-4C66-99A8-07B9B605CE77}"/>
+              </a:ext>
+            </a:extLst>
+          </p:cNvPr>
+          <p:cNvPicPr>
+            <a:picLocks noGrp="1" noChangeAspect="1"/>
+          </p:cNvPicPr>
+          <p:nvPr>
+            <p:ph idx="1"/>
+          </p:nvPr>
+        </p:nvPicPr>
+        <p:blipFill>
+          <a:blip r:embed="rId2"/>
+          <a:stretch>
+            <a:fillRect/>
+          </a:stretch>
+        </p:blipFill>
+        <p:spPr>
+          <a:xfrm>
+            <a:off x="838200" y="1392189"/>
+            <a:ext cx="8129950" cy="4854575"/>
+          </a:xfrm>
+          <a:prstGeom prst="rect">
+            <a:avLst/>
+          </a:prstGeom>
+        </p:spPr>
+      </p:pic>
+      <p:sp>
+        <p:nvSpPr>
+          <p:cNvPr id="5" name="TextBox 4">
+            <a:extLst>
+              <a:ext uri="{FF2B5EF4-FFF2-40B4-BE49-F238E27FC236}">
+                <a16:creationId xmlns:a16="http://schemas.microsoft.com/office/drawing/2014/main" id="{73614D81-729A-4277-BFD7-77A93E112381}"/>
+              </a:ext>
+            </a:extLst>
+          </p:cNvPr>
+          <p:cNvSpPr txBox="1"/>
+          <p:nvPr/>
+        </p:nvSpPr>
+        <p:spPr>
+          <a:xfrm>
+            <a:off x="6400801" y="2833942"/>
+            <a:ext cx="5130412" cy="923330"/>
+          </a:xfrm>
+          <a:prstGeom prst="rect">
+            <a:avLst/>
+          </a:prstGeom>
+          <a:solidFill>
+            <a:schemeClr val="bg2"/>
+          </a:solidFill>
+          <a:ln w="12700">
+            <a:solidFill>
+              <a:schemeClr val="tx1"/>
+            </a:solidFill>
+          </a:ln>
+        </p:spPr>
+        <p:txBody>
+          <a:bodyPr wrap="square" rtlCol="0">
+            <a:spAutoFit/>
+          </a:bodyPr>
+          <a:lstStyle/>
+          <a:p>
+            <a:r>
+              <a:rPr lang="en-US" dirty="0"/>
+              <a:t>Illustrates accepting Result&lt;String, FromUtf8Error&gt;, </a:t>
+            </a:r>
+          </a:p>
+          <a:p>
+            <a:r>
+              <a:rPr lang="en-US" dirty="0"/>
+              <a:t>testing, and returning </a:t>
+            </a:r>
+          </a:p>
+          <a:p>
+            <a:r>
+              <a:rPr lang="en-US" dirty="0"/>
+              <a:t>Result&lt;(), </a:t>
+            </a:r>
+            <a:r>
+              <a:rPr lang="en-US" dirty="0" err="1"/>
+              <a:t>CustomError</a:t>
+            </a:r>
+            <a:r>
+              <a:rPr lang="en-US" dirty="0"/>
+              <a:t>&gt;</a:t>
+            </a:r>
+          </a:p>
+        </p:txBody>
+      </p:sp>
+      <p:sp>
+        <p:nvSpPr>
+          <p:cNvPr id="6" name="Slide Number Placeholder 5">
+            <a:extLst>
+              <a:ext uri="{FF2B5EF4-FFF2-40B4-BE49-F238E27FC236}">
+                <a16:creationId xmlns:a16="http://schemas.microsoft.com/office/drawing/2014/main" id="{F3D2DD4A-9C15-4A1D-910C-FAB38AFAC994}"/>
+              </a:ext>
+            </a:extLst>
+          </p:cNvPr>
+          <p:cNvSpPr>
+            <a:spLocks noGrp="1"/>
+          </p:cNvSpPr>
+          <p:nvPr>
+            <p:ph type="sldNum" sz="quarter" idx="12"/>
+          </p:nvPr>
+        </p:nvSpPr>
+        <p:spPr/>
+        <p:txBody>
+          <a:bodyPr/>
+          <a:lstStyle/>
+          <a:p>
+            <a:fld id="{8175FE88-E4F7-4173-9B75-CBBABDFA1364}" type="slidenum">
+              <a:rPr lang="en-US" smtClean="0"/>
+              <a:pPr/>
+              <a:t>8</a:t>
+            </a:fld>
+            <a:endParaRPr lang="en-US" dirty="0"/>
+          </a:p>
+        </p:txBody>
+      </p:sp>
+    </p:spTree>
+    <p:extLst>
+      <p:ext uri="{BB962C8B-B14F-4D97-AF65-F5344CB8AC3E}">
+        <p14:creationId xmlns:p14="http://schemas.microsoft.com/office/powerpoint/2010/main" val="663864605"/>
+      </p:ext>
+    </p:extLst>
+  </p:cSld>
+  <p:clrMapOvr>
+    <a:masterClrMapping/>
+  </p:clrMapOvr>
+</p:sld>
+</file>
+
+<file path=ppt/slides/slide9.xml><?xml version="1.0" encoding="utf-8"?>
+<p:sld xmlns:a="http://schemas.openxmlformats.org/drawingml/2006/main" xmlns:r="http://schemas.openxmlformats.org/officeDocument/2006/relationships" xmlns:p="http://schemas.openxmlformats.org/presentationml/2006/main">
+  <p:cSld>
+    <p:spTree>
+      <p:nvGrpSpPr>
+        <p:cNvPr id="1" name=""/>
+        <p:cNvGrpSpPr/>
+        <p:nvPr/>
+      </p:nvGrpSpPr>
+      <p:grpSpPr>
+        <a:xfrm>
+          <a:off x="0" y="0"/>
+          <a:ext cx="0" cy="0"/>
+          <a:chOff x="0" y="0"/>
+          <a:chExt cx="0" cy="0"/>
+        </a:xfrm>
+      </p:grpSpPr>
+      <p:sp>
+        <p:nvSpPr>
+          <p:cNvPr id="2" name="Title 1">
+            <a:extLst>
+              <a:ext uri="{FF2B5EF4-FFF2-40B4-BE49-F238E27FC236}">
+                <a16:creationId xmlns:a16="http://schemas.microsoft.com/office/drawing/2014/main" id="{9DB1A3A3-822A-4654-8703-47ECC2D419F1}"/>
+              </a:ext>
+            </a:extLst>
+          </p:cNvPr>
+          <p:cNvSpPr>
+            <a:spLocks noGrp="1"/>
+          </p:cNvSpPr>
+          <p:nvPr>
+            <p:ph type="title"/>
+          </p:nvPr>
+        </p:nvSpPr>
+        <p:spPr/>
+        <p:txBody>
+          <a:bodyPr/>
+          <a:lstStyle/>
+          <a:p>
+            <a:r>
+              <a:rPr lang="en-US" dirty="0"/>
+              <a:t>Error Types</a:t>
+            </a:r>
+          </a:p>
+        </p:txBody>
+      </p:sp>
+      <p:sp>
+        <p:nvSpPr>
+          <p:cNvPr id="3" name="Content Placeholder 2">
+            <a:extLst>
+              <a:ext uri="{FF2B5EF4-FFF2-40B4-BE49-F238E27FC236}">
+                <a16:creationId xmlns:a16="http://schemas.microsoft.com/office/drawing/2014/main" id="{6FAC5403-4D73-457D-8641-05A23ADD3836}"/>
+              </a:ext>
+            </a:extLst>
+          </p:cNvPr>
+          <p:cNvSpPr>
+            <a:spLocks noGrp="1"/>
+          </p:cNvSpPr>
+          <p:nvPr>
+            <p:ph idx="1"/>
+          </p:nvPr>
+        </p:nvSpPr>
+        <p:spPr/>
+        <p:txBody>
+          <a:bodyPr/>
+          <a:lstStyle/>
+          <a:p>
+            <a:r>
+              <a:rPr lang="en-US" dirty="0">
+                <a:latin typeface="Consolas" panose="020B0609020204030204" pitchFamily="49" charset="0"/>
+              </a:rPr>
+              <a:t>Std Error</a:t>
+            </a:r>
+          </a:p>
+          <a:p>
+            <a:pPr lvl="1"/>
+            <a:r>
+              <a:rPr lang="en-US" dirty="0">
+                <a:latin typeface="Consolas" panose="020B0609020204030204" pitchFamily="49" charset="0"/>
+              </a:rPr>
+              <a:t>type Result&lt;T&gt; = Result&lt;</a:t>
+            </a:r>
+            <a:r>
+              <a:rPr lang="en-US" dirty="0" err="1">
+                <a:latin typeface="Consolas" panose="020B0609020204030204" pitchFamily="49" charset="0"/>
+              </a:rPr>
+              <a:t>T,std</a:t>
+            </a:r>
+            <a:r>
+              <a:rPr lang="en-US" dirty="0">
+                <a:latin typeface="Consolas" panose="020B0609020204030204" pitchFamily="49" charset="0"/>
+              </a:rPr>
+              <a:t>::</a:t>
+            </a:r>
+            <a:r>
+              <a:rPr lang="en-US" dirty="0" err="1">
+                <a:latin typeface="Consolas" panose="020B0609020204030204" pitchFamily="49" charset="0"/>
+              </a:rPr>
+              <a:t>io</a:t>
+            </a:r>
+            <a:r>
+              <a:rPr lang="en-US" dirty="0">
+                <a:latin typeface="Consolas" panose="020B0609020204030204" pitchFamily="49" charset="0"/>
+              </a:rPr>
+              <a:t>::Error&gt;;</a:t>
+            </a:r>
+          </a:p>
+          <a:p>
+            <a:pPr lvl="1"/>
+            <a:r>
+              <a:rPr lang="en-US" dirty="0">
+                <a:latin typeface="Consolas" panose="020B0609020204030204" pitchFamily="49" charset="0"/>
+              </a:rPr>
+              <a:t>std::</a:t>
+            </a:r>
+            <a:r>
+              <a:rPr lang="en-US" dirty="0" err="1">
+                <a:latin typeface="Consolas" panose="020B0609020204030204" pitchFamily="49" charset="0"/>
+              </a:rPr>
+              <a:t>io</a:t>
+            </a:r>
+            <a:r>
+              <a:rPr lang="en-US" dirty="0">
+                <a:latin typeface="Consolas" panose="020B0609020204030204" pitchFamily="49" charset="0"/>
+              </a:rPr>
+              <a:t> crate import</a:t>
+            </a:r>
+          </a:p>
+          <a:p>
+            <a:r>
+              <a:rPr lang="en-US" dirty="0">
+                <a:latin typeface="Consolas" panose="020B0609020204030204" pitchFamily="49" charset="0"/>
+              </a:rPr>
+              <a:t>Custom Error</a:t>
+            </a:r>
+          </a:p>
+          <a:p>
+            <a:pPr lvl="1"/>
+            <a:r>
+              <a:rPr lang="en-US" sz="2000" dirty="0">
+                <a:latin typeface="Consolas" panose="020B0609020204030204" pitchFamily="49" charset="0"/>
+              </a:rPr>
+              <a:t>Use std::</a:t>
+            </a:r>
+            <a:r>
+              <a:rPr lang="en-US" sz="2000" dirty="0" err="1">
+                <a:latin typeface="Consolas" panose="020B0609020204030204" pitchFamily="49" charset="0"/>
+              </a:rPr>
+              <a:t>io</a:t>
+            </a:r>
+            <a:r>
+              <a:rPr lang="en-US" sz="2000" dirty="0">
+                <a:latin typeface="Consolas" panose="020B0609020204030204" pitchFamily="49" charset="0"/>
+              </a:rPr>
+              <a:t>::{Error, </a:t>
+            </a:r>
+            <a:r>
+              <a:rPr lang="en-US" sz="2000" dirty="0" err="1">
+                <a:latin typeface="Consolas" panose="020B0609020204030204" pitchFamily="49" charset="0"/>
+              </a:rPr>
+              <a:t>ErrorKind</a:t>
+            </a:r>
+            <a:r>
+              <a:rPr lang="en-US" sz="2000" dirty="0">
+                <a:latin typeface="Consolas" panose="020B0609020204030204" pitchFamily="49" charset="0"/>
+              </a:rPr>
+              <a:t>};</a:t>
+            </a:r>
+          </a:p>
+          <a:p>
+            <a:pPr lvl="1"/>
+            <a:r>
+              <a:rPr lang="en-US" sz="2000" dirty="0">
+                <a:latin typeface="Consolas" panose="020B0609020204030204" pitchFamily="49" charset="0"/>
+              </a:rPr>
+              <a:t>Let </a:t>
+            </a:r>
+            <a:r>
+              <a:rPr lang="en-US" sz="2000" dirty="0" err="1">
+                <a:latin typeface="Consolas" panose="020B0609020204030204" pitchFamily="49" charset="0"/>
+              </a:rPr>
+              <a:t>custom_error</a:t>
+            </a:r>
+            <a:r>
+              <a:rPr lang="en-US" sz="2000" dirty="0">
+                <a:latin typeface="Consolas" panose="020B0609020204030204" pitchFamily="49" charset="0"/>
+              </a:rPr>
+              <a:t> = </a:t>
+            </a:r>
+            <a:br>
+              <a:rPr lang="en-US" sz="2000" dirty="0">
+                <a:latin typeface="Consolas" panose="020B0609020204030204" pitchFamily="49" charset="0"/>
+              </a:rPr>
+            </a:br>
+            <a:r>
+              <a:rPr lang="en-US" sz="2000" dirty="0">
+                <a:latin typeface="Consolas" panose="020B0609020204030204" pitchFamily="49" charset="0"/>
+              </a:rPr>
+              <a:t>      Error::new(</a:t>
+            </a:r>
+            <a:r>
+              <a:rPr lang="en-US" sz="2000" dirty="0" err="1">
+                <a:latin typeface="Consolas" panose="020B0609020204030204" pitchFamily="49" charset="0"/>
+              </a:rPr>
+              <a:t>ErrorKind</a:t>
+            </a:r>
+            <a:r>
+              <a:rPr lang="en-US" sz="2000" dirty="0">
+                <a:latin typeface="Consolas" panose="020B0609020204030204" pitchFamily="49" charset="0"/>
+              </a:rPr>
+              <a:t>::Other, </a:t>
+            </a:r>
+            <a:r>
+              <a:rPr lang="en-US" sz="2000" dirty="0" err="1">
+                <a:latin typeface="Consolas" panose="020B0609020204030204" pitchFamily="49" charset="0"/>
+              </a:rPr>
+              <a:t>some_useful_value</a:t>
+            </a:r>
+            <a:r>
+              <a:rPr lang="en-US" sz="2000" dirty="0">
+                <a:latin typeface="Consolas" panose="020B0609020204030204" pitchFamily="49" charset="0"/>
+              </a:rPr>
+              <a:t>);</a:t>
+            </a:r>
+          </a:p>
+          <a:p>
+            <a:pPr marL="0" indent="0">
+              <a:buNone/>
+            </a:pPr>
+            <a:endParaRPr lang="en-US" dirty="0"/>
+          </a:p>
+        </p:txBody>
+      </p:sp>
+      <p:sp>
+        <p:nvSpPr>
+          <p:cNvPr id="4" name="Slide Number Placeholder 3">
+            <a:extLst>
+              <a:ext uri="{FF2B5EF4-FFF2-40B4-BE49-F238E27FC236}">
+                <a16:creationId xmlns:a16="http://schemas.microsoft.com/office/drawing/2014/main" id="{36705106-B232-4ED3-B0BE-88CFB760980A}"/>
+              </a:ext>
+            </a:extLst>
+          </p:cNvPr>
+          <p:cNvSpPr>
+            <a:spLocks noGrp="1"/>
+          </p:cNvSpPr>
+          <p:nvPr>
+            <p:ph type="sldNum" sz="quarter" idx="12"/>
+          </p:nvPr>
+        </p:nvSpPr>
+        <p:spPr/>
+        <p:txBody>
+          <a:bodyPr/>
+          <a:lstStyle/>
+          <a:p>
+            <a:fld id="{8F6B0A30-8C53-44DF-ABCA-76B31AB81249}" type="slidenum">
+              <a:rPr lang="en-US" smtClean="0"/>
+              <a:pPr/>
+              <a:t>9</a:t>
+            </a:fld>
+            <a:endParaRPr lang="en-US" dirty="0"/>
+          </a:p>
+        </p:txBody>
+      </p:sp>
+    </p:spTree>
+    <p:extLst>
+      <p:ext uri="{BB962C8B-B14F-4D97-AF65-F5344CB8AC3E}">
+        <p14:creationId xmlns:p14="http://schemas.microsoft.com/office/powerpoint/2010/main" val="1304522833"/>
       </p:ext>
     </p:extLst>
   </p:cSld>

--- a/Resources/RustErrorHandling.pptx
+++ b/Resources/RustErrorHandling.pptx
@@ -30,7 +30,7 @@
     <p:sldId id="274" r:id="rId21"/>
   </p:sldIdLst>
   <p:sldSz cx="12192000" cy="6858000"/>
-  <p:notesSz cx="6858000" cy="9144000"/>
+  <p:notesSz cx="9296400" cy="7010400"/>
   <p:defaultTextStyle>
     <a:defPPr>
       <a:defRPr lang="en-US"/>
@@ -168,15 +168,15 @@
         </p:nvSpPr>
         <p:spPr>
           <a:xfrm>
-            <a:off x="0" y="0"/>
-            <a:ext cx="2971800" cy="458788"/>
+            <a:off x="0" y="1"/>
+            <a:ext cx="4028440" cy="351737"/>
           </a:xfrm>
           <a:prstGeom prst="rect">
             <a:avLst/>
           </a:prstGeom>
         </p:spPr>
         <p:txBody>
-          <a:bodyPr vert="horz" lIns="91440" tIns="45720" rIns="91440" bIns="45720" rtlCol="0"/>
+          <a:bodyPr vert="horz" lIns="93177" tIns="46589" rIns="93177" bIns="46589" rtlCol="0"/>
           <a:lstStyle>
             <a:lvl1pPr algn="l">
               <a:defRPr sz="1200"/>
@@ -199,15 +199,15 @@
         </p:nvSpPr>
         <p:spPr>
           <a:xfrm>
-            <a:off x="3884613" y="0"/>
-            <a:ext cx="2971800" cy="458788"/>
+            <a:off x="5265809" y="1"/>
+            <a:ext cx="4028440" cy="351737"/>
           </a:xfrm>
           <a:prstGeom prst="rect">
             <a:avLst/>
           </a:prstGeom>
         </p:spPr>
         <p:txBody>
-          <a:bodyPr vert="horz" lIns="91440" tIns="45720" rIns="91440" bIns="45720" rtlCol="0"/>
+          <a:bodyPr vert="horz" lIns="93177" tIns="46589" rIns="93177" bIns="46589" rtlCol="0"/>
           <a:lstStyle>
             <a:lvl1pPr algn="r">
               <a:defRPr sz="1200"/>
@@ -234,8 +234,8 @@
         </p:nvSpPr>
         <p:spPr>
           <a:xfrm>
-            <a:off x="685800" y="1143000"/>
-            <a:ext cx="5486400" cy="3086100"/>
+            <a:off x="2546350" y="876300"/>
+            <a:ext cx="4203700" cy="2365375"/>
           </a:xfrm>
           <a:prstGeom prst="rect">
             <a:avLst/>
@@ -248,7 +248,7 @@
           </a:ln>
         </p:spPr>
         <p:txBody>
-          <a:bodyPr vert="horz" lIns="91440" tIns="45720" rIns="91440" bIns="45720" rtlCol="0" anchor="ctr"/>
+          <a:bodyPr vert="horz" lIns="93177" tIns="46589" rIns="93177" bIns="46589" rtlCol="0" anchor="ctr"/>
           <a:lstStyle/>
           <a:p>
             <a:endParaRPr lang="en-US"/>
@@ -267,15 +267,15 @@
         </p:nvSpPr>
         <p:spPr>
           <a:xfrm>
-            <a:off x="685800" y="4400550"/>
-            <a:ext cx="5486400" cy="3600450"/>
+            <a:off x="929640" y="3373754"/>
+            <a:ext cx="7437120" cy="2760346"/>
           </a:xfrm>
           <a:prstGeom prst="rect">
             <a:avLst/>
           </a:prstGeom>
         </p:spPr>
         <p:txBody>
-          <a:bodyPr vert="horz" lIns="91440" tIns="45720" rIns="91440" bIns="45720" rtlCol="0"/>
+          <a:bodyPr vert="horz" lIns="93177" tIns="46589" rIns="93177" bIns="46589" rtlCol="0"/>
           <a:lstStyle/>
           <a:p>
             <a:pPr lvl="0"/>
@@ -326,15 +326,15 @@
         </p:nvSpPr>
         <p:spPr>
           <a:xfrm>
-            <a:off x="0" y="8685213"/>
-            <a:ext cx="2971800" cy="458787"/>
+            <a:off x="0" y="6658664"/>
+            <a:ext cx="4028440" cy="351736"/>
           </a:xfrm>
           <a:prstGeom prst="rect">
             <a:avLst/>
           </a:prstGeom>
         </p:spPr>
         <p:txBody>
-          <a:bodyPr vert="horz" lIns="91440" tIns="45720" rIns="91440" bIns="45720" rtlCol="0" anchor="b"/>
+          <a:bodyPr vert="horz" lIns="93177" tIns="46589" rIns="93177" bIns="46589" rtlCol="0" anchor="b"/>
           <a:lstStyle>
             <a:lvl1pPr algn="l">
               <a:defRPr sz="1200"/>
@@ -357,15 +357,15 @@
         </p:nvSpPr>
         <p:spPr>
           <a:xfrm>
-            <a:off x="3884613" y="8685213"/>
-            <a:ext cx="2971800" cy="458787"/>
+            <a:off x="5265809" y="6658664"/>
+            <a:ext cx="4028440" cy="351736"/>
           </a:xfrm>
           <a:prstGeom prst="rect">
             <a:avLst/>
           </a:prstGeom>
         </p:spPr>
         <p:txBody>
-          <a:bodyPr vert="horz" lIns="91440" tIns="45720" rIns="91440" bIns="45720" rtlCol="0" anchor="b"/>
+          <a:bodyPr vert="horz" lIns="93177" tIns="46589" rIns="93177" bIns="46589" rtlCol="0" anchor="b"/>
           <a:lstStyle>
             <a:lvl1pPr algn="r">
               <a:defRPr sz="1200"/>

--- a/Resources/RustErrorHandling.pptx
+++ b/Resources/RustErrorHandling.pptx
@@ -1,33 +1,38 @@
 
 <file path=ppt/presentation.xml><?xml version="1.0" encoding="utf-8"?>
-<p:presentation xmlns:a="http://schemas.openxmlformats.org/drawingml/2006/main" xmlns:r="http://schemas.openxmlformats.org/officeDocument/2006/relationships" xmlns:p="http://schemas.openxmlformats.org/presentationml/2006/main" saveSubsetFonts="1">
+<p:presentation xmlns:a="http://schemas.openxmlformats.org/drawingml/2006/main" xmlns:r="http://schemas.openxmlformats.org/officeDocument/2006/relationships" xmlns:p="http://schemas.openxmlformats.org/presentationml/2006/main" showSpecialPlsOnTitleSld="0" saveSubsetFonts="1">
   <p:sldMasterIdLst>
     <p:sldMasterId id="2147483648" r:id="rId1"/>
   </p:sldMasterIdLst>
   <p:notesMasterIdLst>
-    <p:notesMasterId r:id="rId22"/>
+    <p:notesMasterId r:id="rId27"/>
   </p:notesMasterIdLst>
   <p:sldIdLst>
     <p:sldId id="256" r:id="rId2"/>
     <p:sldId id="275" r:id="rId3"/>
     <p:sldId id="257" r:id="rId4"/>
-    <p:sldId id="265" r:id="rId5"/>
-    <p:sldId id="258" r:id="rId6"/>
-    <p:sldId id="270" r:id="rId7"/>
+    <p:sldId id="258" r:id="rId5"/>
+    <p:sldId id="265" r:id="rId6"/>
+    <p:sldId id="276" r:id="rId7"/>
     <p:sldId id="263" r:id="rId8"/>
-    <p:sldId id="266" r:id="rId9"/>
-    <p:sldId id="264" r:id="rId10"/>
-    <p:sldId id="259" r:id="rId11"/>
-    <p:sldId id="260" r:id="rId12"/>
-    <p:sldId id="267" r:id="rId13"/>
-    <p:sldId id="261" r:id="rId14"/>
-    <p:sldId id="268" r:id="rId15"/>
-    <p:sldId id="262" r:id="rId16"/>
-    <p:sldId id="271" r:id="rId17"/>
-    <p:sldId id="269" r:id="rId18"/>
-    <p:sldId id="272" r:id="rId19"/>
-    <p:sldId id="273" r:id="rId20"/>
-    <p:sldId id="274" r:id="rId21"/>
+    <p:sldId id="264" r:id="rId9"/>
+    <p:sldId id="266" r:id="rId10"/>
+    <p:sldId id="278" r:id="rId11"/>
+    <p:sldId id="270" r:id="rId12"/>
+    <p:sldId id="259" r:id="rId13"/>
+    <p:sldId id="260" r:id="rId14"/>
+    <p:sldId id="267" r:id="rId15"/>
+    <p:sldId id="261" r:id="rId16"/>
+    <p:sldId id="268" r:id="rId17"/>
+    <p:sldId id="277" r:id="rId18"/>
+    <p:sldId id="279" r:id="rId19"/>
+    <p:sldId id="262" r:id="rId20"/>
+    <p:sldId id="271" r:id="rId21"/>
+    <p:sldId id="269" r:id="rId22"/>
+    <p:sldId id="280" r:id="rId23"/>
+    <p:sldId id="272" r:id="rId24"/>
+    <p:sldId id="273" r:id="rId25"/>
+    <p:sldId id="274" r:id="rId26"/>
   </p:sldIdLst>
   <p:sldSz cx="12192000" cy="6858000"/>
   <p:notesSz cx="9296400" cy="7010400"/>
@@ -216,7 +221,7 @@
           <a:p>
             <a:fld id="{055EF092-8A54-4677-B340-5EB5DEB17706}" type="datetimeFigureOut">
               <a:rPr lang="en-US" smtClean="0"/>
-              <a:t>4/30/2020</a:t>
+              <a:t>5/1/2020</a:t>
             </a:fld>
             <a:endParaRPr lang="en-US"/>
           </a:p>
@@ -628,9 +633,9 @@
           <a:bodyPr/>
           <a:lstStyle/>
           <a:p>
-            <a:fld id="{7003F05C-EF20-4B51-97A3-115F838B2B58}" type="datetime1">
+            <a:fld id="{36A0C7CB-2D82-423C-AB01-41EA338034A6}" type="datetime1">
               <a:rPr lang="en-US" smtClean="0"/>
-              <a:t>4/30/2020</a:t>
+              <a:t>5/1/2020</a:t>
             </a:fld>
             <a:endParaRPr lang="en-US"/>
           </a:p>
@@ -826,9 +831,9 @@
           <a:bodyPr/>
           <a:lstStyle/>
           <a:p>
-            <a:fld id="{1E0E74AA-E611-4A03-9DD3-BEE6C4812E9E}" type="datetime1">
+            <a:fld id="{D7C78DD4-2E2E-452A-93AA-FBB2F74976C2}" type="datetime1">
               <a:rPr lang="en-US" smtClean="0"/>
-              <a:t>4/30/2020</a:t>
+              <a:t>5/1/2020</a:t>
             </a:fld>
             <a:endParaRPr lang="en-US"/>
           </a:p>
@@ -1034,9 +1039,9 @@
           <a:bodyPr/>
           <a:lstStyle/>
           <a:p>
-            <a:fld id="{EE8A0E21-A897-43BA-81EE-64604D571854}" type="datetime1">
+            <a:fld id="{851591DF-6002-4AED-B0BC-482CBBAD8E96}" type="datetime1">
               <a:rPr lang="en-US" smtClean="0"/>
-              <a:t>4/30/2020</a:t>
+              <a:t>5/1/2020</a:t>
             </a:fld>
             <a:endParaRPr lang="en-US"/>
           </a:p>
@@ -1242,9 +1247,9 @@
           <a:bodyPr/>
           <a:lstStyle/>
           <a:p>
-            <a:fld id="{19992C5C-26EE-4E62-AE79-04B4A79A3F7A}" type="datetime1">
+            <a:fld id="{2006D5C9-BA28-4C78-BA6C-970E82ACA9AF}" type="datetime1">
               <a:rPr lang="en-US" smtClean="0"/>
-              <a:t>4/30/2020</a:t>
+              <a:t>5/1/2020</a:t>
             </a:fld>
             <a:endParaRPr lang="en-US"/>
           </a:p>
@@ -1522,9 +1527,9 @@
           <a:bodyPr/>
           <a:lstStyle/>
           <a:p>
-            <a:fld id="{F3E6EB64-133E-4D5A-8A6C-3534A19C7632}" type="datetime1">
+            <a:fld id="{ADEBBC10-72E9-4AB7-9CF2-6E5B73E4A905}" type="datetime1">
               <a:rPr lang="en-US" smtClean="0"/>
-              <a:t>4/30/2020</a:t>
+              <a:t>5/1/2020</a:t>
             </a:fld>
             <a:endParaRPr lang="en-US"/>
           </a:p>
@@ -1792,9 +1797,9 @@
           <a:bodyPr/>
           <a:lstStyle/>
           <a:p>
-            <a:fld id="{0611245F-A05F-4ABB-91F6-7A3E5BE71DCA}" type="datetime1">
+            <a:fld id="{4C68A4F5-DD82-4FF5-A92B-D8CBC256FF7C}" type="datetime1">
               <a:rPr lang="en-US" smtClean="0"/>
-              <a:t>4/30/2020</a:t>
+              <a:t>5/1/2020</a:t>
             </a:fld>
             <a:endParaRPr lang="en-US"/>
           </a:p>
@@ -2209,9 +2214,9 @@
           <a:bodyPr/>
           <a:lstStyle/>
           <a:p>
-            <a:fld id="{37706B91-6753-49B3-A365-70F645195F97}" type="datetime1">
+            <a:fld id="{1DBCDF70-3824-48C1-8216-8795ED01A5D0}" type="datetime1">
               <a:rPr lang="en-US" smtClean="0"/>
-              <a:t>4/30/2020</a:t>
+              <a:t>5/1/2020</a:t>
             </a:fld>
             <a:endParaRPr lang="en-US"/>
           </a:p>
@@ -2350,9 +2355,9 @@
           <a:bodyPr/>
           <a:lstStyle/>
           <a:p>
-            <a:fld id="{600A1805-86D9-456F-A235-0798A9C0DE93}" type="datetime1">
+            <a:fld id="{E365BA3C-702A-4485-AC0E-B655E7C90C7F}" type="datetime1">
               <a:rPr lang="en-US" smtClean="0"/>
-              <a:t>4/30/2020</a:t>
+              <a:t>5/1/2020</a:t>
             </a:fld>
             <a:endParaRPr lang="en-US"/>
           </a:p>
@@ -2463,9 +2468,9 @@
           <a:bodyPr/>
           <a:lstStyle/>
           <a:p>
-            <a:fld id="{69BBD32F-F6F3-4555-9ED5-909DF4C0BA39}" type="datetime1">
+            <a:fld id="{2BFFD74F-4C20-47A0-AAFB-26C07C87E0C0}" type="datetime1">
               <a:rPr lang="en-US" smtClean="0"/>
-              <a:t>4/30/2020</a:t>
+              <a:t>5/1/2020</a:t>
             </a:fld>
             <a:endParaRPr lang="en-US"/>
           </a:p>
@@ -2774,9 +2779,9 @@
           <a:bodyPr/>
           <a:lstStyle/>
           <a:p>
-            <a:fld id="{F91C0EA0-234F-4503-AD78-38FA81D5B66C}" type="datetime1">
+            <a:fld id="{ECF2004F-AB7D-4F79-8768-579D51F2D46C}" type="datetime1">
               <a:rPr lang="en-US" smtClean="0"/>
-              <a:t>4/30/2020</a:t>
+              <a:t>5/1/2020</a:t>
             </a:fld>
             <a:endParaRPr lang="en-US"/>
           </a:p>
@@ -3062,9 +3067,9 @@
           <a:bodyPr/>
           <a:lstStyle/>
           <a:p>
-            <a:fld id="{47EBFDAA-DE90-4A16-89E1-55DBDD89CD2F}" type="datetime1">
+            <a:fld id="{21C8C90A-9DD0-4D2B-BFD9-E76A52719A94}" type="datetime1">
               <a:rPr lang="en-US" smtClean="0"/>
-              <a:t>4/30/2020</a:t>
+              <a:t>5/1/2020</a:t>
             </a:fld>
             <a:endParaRPr lang="en-US"/>
           </a:p>
@@ -3303,9 +3308,9 @@
             </a:lvl1pPr>
           </a:lstStyle>
           <a:p>
-            <a:fld id="{F51E12C5-7C12-47C7-8B88-681BA2D4C7C6}" type="datetime1">
+            <a:fld id="{570724D7-3E32-49D3-AC4A-39ACC2C5F813}" type="datetime1">
               <a:rPr lang="en-US" smtClean="0"/>
-              <a:t>4/30/2020</a:t>
+              <a:t>5/1/2020</a:t>
             </a:fld>
             <a:endParaRPr lang="en-US"/>
           </a:p>
@@ -3785,35 +3790,6 @@
           </a:p>
         </p:txBody>
       </p:sp>
-      <p:sp>
-        <p:nvSpPr>
-          <p:cNvPr id="4" name="Slide Number Placeholder 3">
-            <a:extLst>
-              <a:ext uri="{FF2B5EF4-FFF2-40B4-BE49-F238E27FC236}">
-                <a16:creationId xmlns:a16="http://schemas.microsoft.com/office/drawing/2014/main" id="{6F1E6509-90FC-4F69-9ABE-EBCE16A0A04A}"/>
-              </a:ext>
-            </a:extLst>
-          </p:cNvPr>
-          <p:cNvSpPr>
-            <a:spLocks noGrp="1"/>
-          </p:cNvSpPr>
-          <p:nvPr>
-            <p:ph type="sldNum" sz="quarter" idx="12"/>
-          </p:nvPr>
-        </p:nvSpPr>
-        <p:spPr/>
-        <p:txBody>
-          <a:bodyPr/>
-          <a:lstStyle/>
-          <a:p>
-            <a:fld id="{8175FE88-E4F7-4173-9B75-CBBABDFA1364}" type="slidenum">
-              <a:rPr lang="en-US" smtClean="0"/>
-              <a:t>1</a:t>
-            </a:fld>
-            <a:endParaRPr lang="en-US"/>
-          </a:p>
-        </p:txBody>
-      </p:sp>
     </p:spTree>
     <p:extLst>
       <p:ext uri="{BB962C8B-B14F-4D97-AF65-F5344CB8AC3E}">
@@ -3849,7 +3825,7 @@
           <p:cNvPr id="2" name="Title 1">
             <a:extLst>
               <a:ext uri="{FF2B5EF4-FFF2-40B4-BE49-F238E27FC236}">
-                <a16:creationId xmlns:a16="http://schemas.microsoft.com/office/drawing/2014/main" id="{EBBD1355-6C67-4456-98BA-7C1874F040E2}"/>
+                <a16:creationId xmlns:a16="http://schemas.microsoft.com/office/drawing/2014/main" id="{3561F5FF-1828-4B3F-AA31-01028298BE56}"/>
               </a:ext>
             </a:extLst>
           </p:cNvPr>
@@ -3867,7 +3843,7 @@
           <a:p>
             <a:r>
               <a:rPr lang="en-US" dirty="0"/>
-              <a:t>Error Handling that Avoids Panics</a:t>
+              <a:t>Trapping Panics</a:t>
             </a:r>
           </a:p>
         </p:txBody>
@@ -3877,7 +3853,7 @@
           <p:cNvPr id="3" name="Content Placeholder 2">
             <a:extLst>
               <a:ext uri="{FF2B5EF4-FFF2-40B4-BE49-F238E27FC236}">
-                <a16:creationId xmlns:a16="http://schemas.microsoft.com/office/drawing/2014/main" id="{CBD3A437-4FA8-4B76-964F-D75838AF1867}"/>
+                <a16:creationId xmlns:a16="http://schemas.microsoft.com/office/drawing/2014/main" id="{5C66768E-5C94-42D8-B51C-C130DB0788C5}"/>
               </a:ext>
             </a:extLst>
           </p:cNvPr>
@@ -3888,19 +3864,14 @@
             <p:ph idx="1"/>
           </p:nvPr>
         </p:nvSpPr>
-        <p:spPr>
-          <a:xfrm>
-            <a:off x="453711" y="1322262"/>
-            <a:ext cx="11635914" cy="4854701"/>
-          </a:xfrm>
-        </p:spPr>
-        <p:txBody>
-          <a:bodyPr/>
-          <a:lstStyle/>
-          <a:p>
-            <a:r>
-              <a:rPr lang="en-US" dirty="0"/>
-              <a:t>Each function that can fail should return a std::result::Result&lt;T, E&gt;</a:t>
+        <p:spPr/>
+        <p:txBody>
+          <a:bodyPr/>
+          <a:lstStyle/>
+          <a:p>
+            <a:r>
+              <a:rPr lang="en-US" dirty="0"/>
+              <a:t>If you use code that doesn’t reliably avoid panics you may attempt to trap them:</a:t>
             </a:r>
           </a:p>
           <a:p>
@@ -3909,192 +3880,83 @@
               <a:rPr lang="en-US" sz="2000" dirty="0" err="1">
                 <a:latin typeface="Consolas" panose="020B0609020204030204" pitchFamily="49" charset="0"/>
               </a:rPr>
-              <a:t>fn</a:t>
+              <a:t>trap_panic</a:t>
             </a:r>
             <a:r>
               <a:rPr lang="en-US" sz="2000" dirty="0">
                 <a:latin typeface="Consolas" panose="020B0609020204030204" pitchFamily="49" charset="0"/>
               </a:rPr>
-              <a:t> f&lt;T, E&gt;() -&gt; Result&lt;T, E&gt; { /* code that can fail */ }</a:t>
+              <a:t>(</a:t>
+            </a:r>
+            <a:r>
+              <a:rPr lang="en-US" sz="2000" dirty="0" err="1">
+                <a:latin typeface="Consolas" panose="020B0609020204030204" pitchFamily="49" charset="0"/>
+              </a:rPr>
+              <a:t>unreliable_function</a:t>
+            </a:r>
+            <a:r>
+              <a:rPr lang="en-US" sz="2000" dirty="0">
+                <a:latin typeface="Consolas" panose="020B0609020204030204" pitchFamily="49" charset="0"/>
+              </a:rPr>
+              <a:t>, </a:t>
+            </a:r>
+            <a:r>
+              <a:rPr lang="en-US" sz="2000" dirty="0" err="1">
+                <a:latin typeface="Consolas" panose="020B0609020204030204" pitchFamily="49" charset="0"/>
+              </a:rPr>
+              <a:t>description_str</a:t>
+            </a:r>
+            <a:r>
+              <a:rPr lang="en-US" sz="2000" dirty="0">
+                <a:latin typeface="Consolas" panose="020B0609020204030204" pitchFamily="49" charset="0"/>
+              </a:rPr>
+              <a:t>) -&gt; Result;</a:t>
             </a:r>
           </a:p>
           <a:p>
             <a:pPr lvl="1"/>
             <a:r>
               <a:rPr lang="en-US" dirty="0"/>
-              <a:t>std library functions do this and so should user-defined functions</a:t>
-            </a:r>
-          </a:p>
-          <a:p>
-            <a:r>
-              <a:rPr lang="en-US" dirty="0"/>
-              <a:t>Result is an enumeration</a:t>
+              <a:t>Definition in next slide</a:t>
             </a:r>
           </a:p>
           <a:p>
             <a:pPr lvl="1"/>
-            <a:r>
-              <a:rPr lang="en-US" sz="2000" dirty="0">
-                <a:latin typeface="Consolas" panose="020B0609020204030204" pitchFamily="49" charset="0"/>
-              </a:rPr>
-              <a:t>Enum Result&lt;T, E&gt; { Ok(T), Err(E), }</a:t>
+            <a:endParaRPr lang="en-US" dirty="0"/>
+          </a:p>
+          <a:p>
+            <a:r>
+              <a:rPr lang="en-US" dirty="0"/>
+              <a:t>Traps are not guaranteed to succeed.  </a:t>
             </a:r>
           </a:p>
           <a:p>
             <a:pPr lvl="1"/>
             <a:r>
               <a:rPr lang="en-US" dirty="0"/>
-              <a:t>Returned Result instance is either </a:t>
-            </a:r>
-            <a:r>
-              <a:rPr lang="en-US" sz="2000" dirty="0">
-                <a:latin typeface="Consolas" panose="020B0609020204030204" pitchFamily="49" charset="0"/>
-              </a:rPr>
-              <a:t>Ok(</a:t>
-            </a:r>
-            <a:r>
-              <a:rPr lang="en-US" sz="2000" dirty="0" err="1">
-                <a:latin typeface="Consolas" panose="020B0609020204030204" pitchFamily="49" charset="0"/>
-              </a:rPr>
-              <a:t>t:T</a:t>
-            </a:r>
-            <a:r>
-              <a:rPr lang="en-US" sz="2000" dirty="0">
-                <a:latin typeface="Consolas" panose="020B0609020204030204" pitchFamily="49" charset="0"/>
-              </a:rPr>
-              <a:t>)</a:t>
-            </a:r>
-            <a:r>
-              <a:rPr lang="en-US" dirty="0"/>
-              <a:t> or </a:t>
-            </a:r>
-            <a:r>
-              <a:rPr lang="en-US" sz="2000" dirty="0">
-                <a:latin typeface="Consolas" panose="020B0609020204030204" pitchFamily="49" charset="0"/>
-              </a:rPr>
-              <a:t>Err(</a:t>
-            </a:r>
-            <a:r>
-              <a:rPr lang="en-US" sz="2000" dirty="0" err="1">
-                <a:latin typeface="Consolas" panose="020B0609020204030204" pitchFamily="49" charset="0"/>
-              </a:rPr>
-              <a:t>e:E</a:t>
-            </a:r>
-            <a:r>
-              <a:rPr lang="en-US" sz="2000" dirty="0">
-                <a:latin typeface="Consolas" panose="020B0609020204030204" pitchFamily="49" charset="0"/>
-              </a:rPr>
-              <a:t>)</a:t>
-            </a:r>
-            <a:endParaRPr lang="en-US" dirty="0">
-              <a:latin typeface="Consolas" panose="020B0609020204030204" pitchFamily="49" charset="0"/>
-            </a:endParaRPr>
-          </a:p>
-          <a:p>
-            <a:pPr lvl="2"/>
-            <a:r>
-              <a:rPr lang="en-US" dirty="0"/>
-              <a:t>t is the computed value of f()</a:t>
-            </a:r>
-          </a:p>
-          <a:p>
-            <a:pPr lvl="2"/>
-            <a:r>
-              <a:rPr lang="en-US" dirty="0"/>
-              <a:t>e is the instance of error encountered, either from Error enumeration or user-defined</a:t>
-            </a:r>
-          </a:p>
-          <a:p>
-            <a:r>
-              <a:rPr lang="en-US" dirty="0"/>
-              <a:t>Testing Result</a:t>
+              <a:t>A panic unwinds the call stack, returning resources to the process with drop.</a:t>
             </a:r>
           </a:p>
           <a:p>
             <a:pPr lvl="1"/>
             <a:r>
-              <a:rPr lang="en-US" sz="2000" dirty="0">
-                <a:latin typeface="Consolas" panose="020B0609020204030204" pitchFamily="49" charset="0"/>
-              </a:rPr>
-              <a:t>let </a:t>
-            </a:r>
-            <a:r>
-              <a:rPr lang="en-US" sz="2000" dirty="0" err="1">
-                <a:latin typeface="Consolas" panose="020B0609020204030204" pitchFamily="49" charset="0"/>
-              </a:rPr>
-              <a:t>rslt</a:t>
-            </a:r>
-            <a:r>
-              <a:rPr lang="en-US" sz="2000" dirty="0">
-                <a:latin typeface="Consolas" panose="020B0609020204030204" pitchFamily="49" charset="0"/>
-              </a:rPr>
-              <a:t> = f();</a:t>
+              <a:rPr lang="en-US" dirty="0"/>
+              <a:t>If a drop also panics, the system will immediately abort.</a:t>
             </a:r>
           </a:p>
           <a:p>
             <a:pPr lvl="1"/>
             <a:r>
-              <a:rPr lang="en-US" sz="2000" dirty="0">
-                <a:latin typeface="Consolas" panose="020B0609020204030204" pitchFamily="49" charset="0"/>
-              </a:rPr>
-              <a:t>if </a:t>
-            </a:r>
-            <a:r>
-              <a:rPr lang="en-US" sz="2000" dirty="0" err="1">
-                <a:latin typeface="Consolas" panose="020B0609020204030204" pitchFamily="49" charset="0"/>
-              </a:rPr>
-              <a:t>rslt.is_ok</a:t>
-            </a:r>
-            <a:r>
-              <a:rPr lang="en-US" sz="2000" dirty="0">
-                <a:latin typeface="Consolas" panose="020B0609020204030204" pitchFamily="49" charset="0"/>
-              </a:rPr>
-              <a:t>() { let t:T = </a:t>
-            </a:r>
-            <a:r>
-              <a:rPr lang="en-US" sz="2000" dirty="0" err="1">
-                <a:latin typeface="Consolas" panose="020B0609020204030204" pitchFamily="49" charset="0"/>
-              </a:rPr>
-              <a:t>rslt.unwrap</a:t>
-            </a:r>
-            <a:r>
-              <a:rPr lang="en-US" sz="2000" dirty="0">
-                <a:latin typeface="Consolas" panose="020B0609020204030204" pitchFamily="49" charset="0"/>
-              </a:rPr>
-              <a:t>();  /* do something with t */ }</a:t>
-            </a:r>
-          </a:p>
-          <a:p>
-            <a:pPr lvl="1"/>
-            <a:r>
-              <a:rPr lang="en-US" sz="2000" dirty="0">
-                <a:latin typeface="Consolas" panose="020B0609020204030204" pitchFamily="49" charset="0"/>
-              </a:rPr>
-              <a:t>if </a:t>
-            </a:r>
-            <a:r>
-              <a:rPr lang="en-US" sz="2000" dirty="0" err="1">
-                <a:latin typeface="Consolas" panose="020B0609020204030204" pitchFamily="49" charset="0"/>
-              </a:rPr>
-              <a:t>rslt.is_err</a:t>
-            </a:r>
-            <a:r>
-              <a:rPr lang="en-US" sz="2000" dirty="0">
-                <a:latin typeface="Consolas" panose="020B0609020204030204" pitchFamily="49" charset="0"/>
-              </a:rPr>
-              <a:t>() { let e:E = </a:t>
-            </a:r>
-            <a:r>
-              <a:rPr lang="en-US" sz="2000" dirty="0" err="1">
-                <a:latin typeface="Consolas" panose="020B0609020204030204" pitchFamily="49" charset="0"/>
-              </a:rPr>
-              <a:t>rslt.unwrap_err</a:t>
-            </a:r>
-            <a:r>
-              <a:rPr lang="en-US" sz="2000" dirty="0">
-                <a:latin typeface="Consolas" panose="020B0609020204030204" pitchFamily="49" charset="0"/>
-              </a:rPr>
-              <a:t>();  /* do something with e */ }</a:t>
+              <a:rPr lang="en-US" dirty="0"/>
+              <a:t>If that happens before leaving </a:t>
+            </a:r>
+            <a:r>
+              <a:rPr lang="en-US" dirty="0" err="1"/>
+              <a:t>trap_panic</a:t>
+            </a:r>
+            <a:r>
+              <a:rPr lang="en-US" dirty="0"/>
+              <a:t> the trap will fail.</a:t>
             </a:r>
           </a:p>
         </p:txBody>
@@ -4104,7 +3966,7 @@
           <p:cNvPr id="4" name="Slide Number Placeholder 3">
             <a:extLst>
               <a:ext uri="{FF2B5EF4-FFF2-40B4-BE49-F238E27FC236}">
-                <a16:creationId xmlns:a16="http://schemas.microsoft.com/office/drawing/2014/main" id="{52973BCF-CAE1-40C4-A0B3-504E1A0B5279}"/>
+                <a16:creationId xmlns:a16="http://schemas.microsoft.com/office/drawing/2014/main" id="{25DB1582-60AA-4611-8101-B2E2F3C5FC4C}"/>
               </a:ext>
             </a:extLst>
           </p:cNvPr>
@@ -4132,7 +3994,7 @@
     </p:spTree>
     <p:extLst>
       <p:ext uri="{BB962C8B-B14F-4D97-AF65-F5344CB8AC3E}">
-        <p14:creationId xmlns:p14="http://schemas.microsoft.com/office/powerpoint/2010/main" val="2906199256"/>
+        <p14:creationId xmlns:p14="http://schemas.microsoft.com/office/powerpoint/2010/main" val="3296409066"/>
       </p:ext>
     </p:extLst>
   </p:cSld>
@@ -4161,247 +4023,10 @@
       </p:grpSpPr>
       <p:sp>
         <p:nvSpPr>
-          <p:cNvPr id="2" name="Title 1">
-            <a:extLst>
-              <a:ext uri="{FF2B5EF4-FFF2-40B4-BE49-F238E27FC236}">
-                <a16:creationId xmlns:a16="http://schemas.microsoft.com/office/drawing/2014/main" id="{EEB5D16C-DE32-4B6A-B7D7-B4F73483A2AF}"/>
-              </a:ext>
-            </a:extLst>
-          </p:cNvPr>
-          <p:cNvSpPr>
-            <a:spLocks noGrp="1"/>
-          </p:cNvSpPr>
-          <p:nvPr>
-            <p:ph type="title"/>
-          </p:nvPr>
-        </p:nvSpPr>
-        <p:spPr/>
-        <p:txBody>
-          <a:bodyPr/>
-          <a:lstStyle/>
-          <a:p>
-            <a:r>
-              <a:rPr lang="en-US" dirty="0"/>
-              <a:t>Evaluating Result by Matching</a:t>
-            </a:r>
-          </a:p>
-        </p:txBody>
-      </p:sp>
-      <p:sp>
-        <p:nvSpPr>
-          <p:cNvPr id="3" name="Content Placeholder 2">
-            <a:extLst>
-              <a:ext uri="{FF2B5EF4-FFF2-40B4-BE49-F238E27FC236}">
-                <a16:creationId xmlns:a16="http://schemas.microsoft.com/office/drawing/2014/main" id="{ABF54DA4-238E-4441-BBE2-1247562A426F}"/>
-              </a:ext>
-            </a:extLst>
-          </p:cNvPr>
-          <p:cNvSpPr>
-            <a:spLocks noGrp="1"/>
-          </p:cNvSpPr>
-          <p:nvPr>
-            <p:ph idx="1"/>
-          </p:nvPr>
-        </p:nvSpPr>
-        <p:spPr/>
-        <p:txBody>
-          <a:bodyPr/>
-          <a:lstStyle/>
-          <a:p>
-            <a:r>
-              <a:rPr lang="en-US" sz="2000" dirty="0">
-                <a:latin typeface="Consolas" panose="020B0609020204030204" pitchFamily="49" charset="0"/>
-              </a:rPr>
-              <a:t>let </a:t>
-            </a:r>
-            <a:r>
-              <a:rPr lang="en-US" sz="2000" dirty="0" err="1">
-                <a:latin typeface="Consolas" panose="020B0609020204030204" pitchFamily="49" charset="0"/>
-              </a:rPr>
-              <a:t>rslt</a:t>
-            </a:r>
-            <a:r>
-              <a:rPr lang="en-US" sz="2000" dirty="0">
-                <a:latin typeface="Consolas" panose="020B0609020204030204" pitchFamily="49" charset="0"/>
-              </a:rPr>
-              <a:t> = f();</a:t>
-            </a:r>
-          </a:p>
-          <a:p>
-            <a:r>
-              <a:rPr lang="en-US" sz="2000" dirty="0">
-                <a:latin typeface="Consolas" panose="020B0609020204030204" pitchFamily="49" charset="0"/>
-              </a:rPr>
-              <a:t>match </a:t>
-            </a:r>
-            <a:r>
-              <a:rPr lang="en-US" sz="2000" dirty="0" err="1">
-                <a:latin typeface="Consolas" panose="020B0609020204030204" pitchFamily="49" charset="0"/>
-              </a:rPr>
-              <a:t>rslt</a:t>
-            </a:r>
-            <a:r>
-              <a:rPr lang="en-US" sz="2000" dirty="0">
-                <a:latin typeface="Consolas" panose="020B0609020204030204" pitchFamily="49" charset="0"/>
-              </a:rPr>
-              <a:t> {</a:t>
-            </a:r>
-            <a:br>
-              <a:rPr lang="en-US" sz="2000" dirty="0">
-                <a:latin typeface="Consolas" panose="020B0609020204030204" pitchFamily="49" charset="0"/>
-              </a:rPr>
-            </a:br>
-            <a:r>
-              <a:rPr lang="en-US" sz="2000" dirty="0">
-                <a:latin typeface="Consolas" panose="020B0609020204030204" pitchFamily="49" charset="0"/>
-              </a:rPr>
-              <a:t> 	Ok(t) =&gt; { /* do something with t */ },</a:t>
-            </a:r>
-            <a:br>
-              <a:rPr lang="en-US" sz="2000" dirty="0">
-                <a:latin typeface="Consolas" panose="020B0609020204030204" pitchFamily="49" charset="0"/>
-              </a:rPr>
-            </a:br>
-            <a:r>
-              <a:rPr lang="en-US" sz="2000" dirty="0">
-                <a:latin typeface="Consolas" panose="020B0609020204030204" pitchFamily="49" charset="0"/>
-              </a:rPr>
-              <a:t>	Err(e) =&gt; { /* do something with e */ },</a:t>
-            </a:r>
-            <a:br>
-              <a:rPr lang="en-US" sz="2000" dirty="0">
-                <a:latin typeface="Consolas" panose="020B0609020204030204" pitchFamily="49" charset="0"/>
-              </a:rPr>
-            </a:br>
-            <a:r>
-              <a:rPr lang="en-US" sz="2000" dirty="0">
-                <a:latin typeface="Consolas" panose="020B0609020204030204" pitchFamily="49" charset="0"/>
-              </a:rPr>
-              <a:t>}</a:t>
-            </a:r>
-            <a:endParaRPr lang="en-US" sz="2400" dirty="0">
-              <a:latin typeface="Consolas" panose="020B0609020204030204" pitchFamily="49" charset="0"/>
-            </a:endParaRPr>
-          </a:p>
-          <a:p>
-            <a:r>
-              <a:rPr lang="en-US" dirty="0"/>
-              <a:t>match is required to define actions for both possible results</a:t>
-            </a:r>
-          </a:p>
-          <a:p>
-            <a:r>
-              <a:rPr lang="en-US" dirty="0"/>
-              <a:t>if let uses matching operator =</a:t>
-            </a:r>
-          </a:p>
-          <a:p>
-            <a:r>
-              <a:rPr lang="en-US" sz="2000" dirty="0">
-                <a:latin typeface="Consolas" panose="020B0609020204030204" pitchFamily="49" charset="0"/>
-              </a:rPr>
-              <a:t>if let Ok(t) = </a:t>
-            </a:r>
-            <a:r>
-              <a:rPr lang="en-US" sz="2000" dirty="0" err="1">
-                <a:latin typeface="Consolas" panose="020B0609020204030204" pitchFamily="49" charset="0"/>
-              </a:rPr>
-              <a:t>rslt</a:t>
-            </a:r>
-            <a:r>
-              <a:rPr lang="en-US" sz="2000" dirty="0">
-                <a:latin typeface="Consolas" panose="020B0609020204030204" pitchFamily="49" charset="0"/>
-              </a:rPr>
-              <a:t> {</a:t>
-            </a:r>
-            <a:br>
-              <a:rPr lang="en-US" sz="2000" dirty="0">
-                <a:latin typeface="Consolas" panose="020B0609020204030204" pitchFamily="49" charset="0"/>
-              </a:rPr>
-            </a:br>
-            <a:r>
-              <a:rPr lang="en-US" sz="2000" dirty="0">
-                <a:latin typeface="Consolas" panose="020B0609020204030204" pitchFamily="49" charset="0"/>
-              </a:rPr>
-              <a:t> 	/* do something with t = </a:t>
-            </a:r>
-            <a:r>
-              <a:rPr lang="en-US" sz="2000" dirty="0" err="1">
-                <a:latin typeface="Consolas" panose="020B0609020204030204" pitchFamily="49" charset="0"/>
-              </a:rPr>
-              <a:t>rslt.unwrap</a:t>
-            </a:r>
-            <a:r>
-              <a:rPr lang="en-US" sz="2000" dirty="0">
-                <a:latin typeface="Consolas" panose="020B0609020204030204" pitchFamily="49" charset="0"/>
-              </a:rPr>
-              <a:t>() */</a:t>
-            </a:r>
-            <a:br>
-              <a:rPr lang="en-US" sz="2000" dirty="0">
-                <a:latin typeface="Consolas" panose="020B0609020204030204" pitchFamily="49" charset="0"/>
-              </a:rPr>
-            </a:br>
-            <a:r>
-              <a:rPr lang="en-US" sz="2000" dirty="0">
-                <a:latin typeface="Consolas" panose="020B0609020204030204" pitchFamily="49" charset="0"/>
-              </a:rPr>
-              <a:t>}</a:t>
-            </a:r>
-            <a:br>
-              <a:rPr lang="en-US" sz="2000" dirty="0">
-                <a:latin typeface="Consolas" panose="020B0609020204030204" pitchFamily="49" charset="0"/>
-              </a:rPr>
-            </a:br>
-            <a:r>
-              <a:rPr lang="en-US" sz="2000" dirty="0">
-                <a:latin typeface="Consolas" panose="020B0609020204030204" pitchFamily="49" charset="0"/>
-              </a:rPr>
-              <a:t>else {</a:t>
-            </a:r>
-            <a:br>
-              <a:rPr lang="en-US" sz="2000" dirty="0">
-                <a:latin typeface="Consolas" panose="020B0609020204030204" pitchFamily="49" charset="0"/>
-              </a:rPr>
-            </a:br>
-            <a:r>
-              <a:rPr lang="en-US" sz="2000" dirty="0">
-                <a:latin typeface="Consolas" panose="020B0609020204030204" pitchFamily="49" charset="0"/>
-              </a:rPr>
-              <a:t> 	/* do something with e = </a:t>
-            </a:r>
-            <a:r>
-              <a:rPr lang="en-US" sz="2000" dirty="0" err="1">
-                <a:latin typeface="Consolas" panose="020B0609020204030204" pitchFamily="49" charset="0"/>
-              </a:rPr>
-              <a:t>rslt.unwrap_err</a:t>
-            </a:r>
-            <a:r>
-              <a:rPr lang="en-US" sz="2000" dirty="0">
-                <a:latin typeface="Consolas" panose="020B0609020204030204" pitchFamily="49" charset="0"/>
-              </a:rPr>
-              <a:t>() */</a:t>
-            </a:r>
-            <a:br>
-              <a:rPr lang="en-US" sz="2000" dirty="0">
-                <a:latin typeface="Consolas" panose="020B0609020204030204" pitchFamily="49" charset="0"/>
-              </a:rPr>
-            </a:br>
-            <a:r>
-              <a:rPr lang="en-US" sz="2000" dirty="0">
-                <a:latin typeface="Consolas" panose="020B0609020204030204" pitchFamily="49" charset="0"/>
-              </a:rPr>
-              <a:t>}</a:t>
-            </a:r>
-          </a:p>
-        </p:txBody>
-      </p:sp>
-      <p:sp>
-        <p:nvSpPr>
           <p:cNvPr id="4" name="Slide Number Placeholder 3">
             <a:extLst>
               <a:ext uri="{FF2B5EF4-FFF2-40B4-BE49-F238E27FC236}">
-                <a16:creationId xmlns:a16="http://schemas.microsoft.com/office/drawing/2014/main" id="{2E775103-BEC7-44D4-A108-7C648756327F}"/>
+                <a16:creationId xmlns:a16="http://schemas.microsoft.com/office/drawing/2014/main" id="{93A4379F-06AB-433E-96EF-C4ACC867BC99}"/>
               </a:ext>
             </a:extLst>
           </p:cNvPr>
@@ -4426,10 +4051,115 @@
           </a:p>
         </p:txBody>
       </p:sp>
+      <p:pic>
+        <p:nvPicPr>
+          <p:cNvPr id="6" name="Content Placeholder 5">
+            <a:extLst>
+              <a:ext uri="{FF2B5EF4-FFF2-40B4-BE49-F238E27FC236}">
+                <a16:creationId xmlns:a16="http://schemas.microsoft.com/office/drawing/2014/main" id="{FD08C1FB-5928-45B3-A4BF-91A9B48CBBAE}"/>
+              </a:ext>
+            </a:extLst>
+          </p:cNvPr>
+          <p:cNvPicPr>
+            <a:picLocks noGrp="1" noChangeAspect="1"/>
+          </p:cNvPicPr>
+          <p:nvPr>
+            <p:ph sz="half" idx="1"/>
+          </p:nvPr>
+        </p:nvPicPr>
+        <p:blipFill>
+          <a:blip r:embed="rId2"/>
+          <a:stretch>
+            <a:fillRect/>
+          </a:stretch>
+        </p:blipFill>
+        <p:spPr>
+          <a:xfrm>
+            <a:off x="288885" y="157678"/>
+            <a:ext cx="6354656" cy="6248569"/>
+          </a:xfrm>
+          <a:prstGeom prst="rect">
+            <a:avLst/>
+          </a:prstGeom>
+        </p:spPr>
+      </p:pic>
+      <p:pic>
+        <p:nvPicPr>
+          <p:cNvPr id="10" name="Content Placeholder 9">
+            <a:extLst>
+              <a:ext uri="{FF2B5EF4-FFF2-40B4-BE49-F238E27FC236}">
+                <a16:creationId xmlns:a16="http://schemas.microsoft.com/office/drawing/2014/main" id="{5500E1FC-7799-4C58-A412-4E2E7646FD48}"/>
+              </a:ext>
+            </a:extLst>
+          </p:cNvPr>
+          <p:cNvPicPr>
+            <a:picLocks noGrp="1" noChangeAspect="1"/>
+          </p:cNvPicPr>
+          <p:nvPr>
+            <p:ph sz="half" idx="2"/>
+          </p:nvPr>
+        </p:nvPicPr>
+        <p:blipFill>
+          <a:blip r:embed="rId3"/>
+          <a:stretch>
+            <a:fillRect/>
+          </a:stretch>
+        </p:blipFill>
+        <p:spPr>
+          <a:xfrm>
+            <a:off x="6766223" y="157677"/>
+            <a:ext cx="5131383" cy="6248569"/>
+          </a:xfrm>
+          <a:prstGeom prst="rect">
+            <a:avLst/>
+          </a:prstGeom>
+        </p:spPr>
+      </p:pic>
+      <p:sp>
+        <p:nvSpPr>
+          <p:cNvPr id="2" name="Title 1">
+            <a:extLst>
+              <a:ext uri="{FF2B5EF4-FFF2-40B4-BE49-F238E27FC236}">
+                <a16:creationId xmlns:a16="http://schemas.microsoft.com/office/drawing/2014/main" id="{DE91CE9E-86E5-46DA-967C-7F0570D62AB9}"/>
+              </a:ext>
+            </a:extLst>
+          </p:cNvPr>
+          <p:cNvSpPr>
+            <a:spLocks noGrp="1"/>
+          </p:cNvSpPr>
+          <p:nvPr>
+            <p:ph type="title"/>
+          </p:nvPr>
+        </p:nvSpPr>
+        <p:spPr>
+          <a:xfrm>
+            <a:off x="3669410" y="1077084"/>
+            <a:ext cx="3677958" cy="621638"/>
+          </a:xfrm>
+          <a:solidFill>
+            <a:schemeClr val="bg1"/>
+          </a:solidFill>
+          <a:ln w="19050">
+            <a:solidFill>
+              <a:srgbClr val="FFC000"/>
+            </a:solidFill>
+          </a:ln>
+        </p:spPr>
+        <p:txBody>
+          <a:bodyPr/>
+          <a:lstStyle/>
+          <a:p>
+            <a:r>
+              <a:rPr lang="en-US" dirty="0"/>
+              <a:t>Trapping Panics</a:t>
+            </a:r>
+          </a:p>
+        </p:txBody>
+      </p:sp>
     </p:spTree>
     <p:extLst>
       <p:ext uri="{BB962C8B-B14F-4D97-AF65-F5344CB8AC3E}">
-        <p14:creationId xmlns:p14="http://schemas.microsoft.com/office/powerpoint/2010/main" val="1443240117"/>
+        <p14:creationId xmlns:p14="http://schemas.microsoft.com/office/powerpoint/2010/main" val="816945213"/>
       </p:ext>
     </p:extLst>
   </p:cSld>
@@ -4461,7 +4191,7 @@
           <p:cNvPr id="2" name="Title 1">
             <a:extLst>
               <a:ext uri="{FF2B5EF4-FFF2-40B4-BE49-F238E27FC236}">
-                <a16:creationId xmlns:a16="http://schemas.microsoft.com/office/drawing/2014/main" id="{92ED299C-8A04-4170-8A34-0E7509805FAB}"/>
+                <a16:creationId xmlns:a16="http://schemas.microsoft.com/office/drawing/2014/main" id="{EBBD1355-6C67-4456-98BA-7C1874F040E2}"/>
               </a:ext>
             </a:extLst>
           </p:cNvPr>
@@ -4479,133 +4209,244 @@
           <a:p>
             <a:r>
               <a:rPr lang="en-US" dirty="0"/>
-              <a:t>Demonstration code using match and let if</a:t>
-            </a:r>
-          </a:p>
-        </p:txBody>
-      </p:sp>
-      <p:pic>
-        <p:nvPicPr>
-          <p:cNvPr id="4" name="Content Placeholder 3">
-            <a:extLst>
-              <a:ext uri="{FF2B5EF4-FFF2-40B4-BE49-F238E27FC236}">
-                <a16:creationId xmlns:a16="http://schemas.microsoft.com/office/drawing/2014/main" id="{9437F212-0823-4643-BFD7-AD63C30ADC18}"/>
-              </a:ext>
-            </a:extLst>
-          </p:cNvPr>
-          <p:cNvPicPr>
-            <a:picLocks noGrp="1" noChangeAspect="1"/>
-          </p:cNvPicPr>
+              <a:t>Error Handling that Avoids Panics</a:t>
+            </a:r>
+          </a:p>
+        </p:txBody>
+      </p:sp>
+      <p:sp>
+        <p:nvSpPr>
+          <p:cNvPr id="3" name="Content Placeholder 2">
+            <a:extLst>
+              <a:ext uri="{FF2B5EF4-FFF2-40B4-BE49-F238E27FC236}">
+                <a16:creationId xmlns:a16="http://schemas.microsoft.com/office/drawing/2014/main" id="{CBD3A437-4FA8-4B76-964F-D75838AF1867}"/>
+              </a:ext>
+            </a:extLst>
+          </p:cNvPr>
+          <p:cNvSpPr>
+            <a:spLocks noGrp="1"/>
+          </p:cNvSpPr>
           <p:nvPr>
             <p:ph idx="1"/>
           </p:nvPr>
-        </p:nvPicPr>
-        <p:blipFill>
-          <a:blip r:embed="rId2"/>
-          <a:stretch>
-            <a:fillRect/>
-          </a:stretch>
-        </p:blipFill>
+        </p:nvSpPr>
         <p:spPr>
           <a:xfrm>
-            <a:off x="838200" y="1392189"/>
-            <a:ext cx="7592160" cy="4854575"/>
+            <a:off x="453711" y="1322262"/>
+            <a:ext cx="11635914" cy="4854701"/>
           </a:xfrm>
-          <a:prstGeom prst="rect">
-            <a:avLst/>
-          </a:prstGeom>
         </p:spPr>
-      </p:pic>
-      <p:sp>
-        <p:nvSpPr>
-          <p:cNvPr id="5" name="TextBox 4">
-            <a:extLst>
-              <a:ext uri="{FF2B5EF4-FFF2-40B4-BE49-F238E27FC236}">
-                <a16:creationId xmlns:a16="http://schemas.microsoft.com/office/drawing/2014/main" id="{640B6656-07DD-4278-BE09-2BFC139304BF}"/>
-              </a:ext>
-            </a:extLst>
-          </p:cNvPr>
-          <p:cNvSpPr txBox="1"/>
-          <p:nvPr/>
-        </p:nvSpPr>
-        <p:spPr>
-          <a:xfrm>
-            <a:off x="7217478" y="1952524"/>
-            <a:ext cx="3015426" cy="646331"/>
-          </a:xfrm>
-          <a:prstGeom prst="rect">
-            <a:avLst/>
-          </a:prstGeom>
-          <a:solidFill>
-            <a:schemeClr val="bg2"/>
-          </a:solidFill>
-          <a:ln w="12700">
-            <a:solidFill>
-              <a:schemeClr val="tx1"/>
-            </a:solidFill>
-          </a:ln>
-        </p:spPr>
-        <p:txBody>
-          <a:bodyPr wrap="square" rtlCol="0">
-            <a:spAutoFit/>
-          </a:bodyPr>
-          <a:lstStyle/>
-          <a:p>
-            <a:r>
-              <a:rPr lang="en-US" dirty="0"/>
-              <a:t>match requires testing both cases, Ok and Err </a:t>
-            </a:r>
-          </a:p>
-        </p:txBody>
-      </p:sp>
-      <p:sp>
-        <p:nvSpPr>
-          <p:cNvPr id="6" name="TextBox 5">
-            <a:extLst>
-              <a:ext uri="{FF2B5EF4-FFF2-40B4-BE49-F238E27FC236}">
-                <a16:creationId xmlns:a16="http://schemas.microsoft.com/office/drawing/2014/main" id="{43224207-EF33-49CA-8A58-99910A736C48}"/>
-              </a:ext>
-            </a:extLst>
-          </p:cNvPr>
-          <p:cNvSpPr txBox="1"/>
-          <p:nvPr/>
-        </p:nvSpPr>
-        <p:spPr>
-          <a:xfrm>
-            <a:off x="7217478" y="4387434"/>
-            <a:ext cx="3015426" cy="923330"/>
-          </a:xfrm>
-          <a:prstGeom prst="rect">
-            <a:avLst/>
-          </a:prstGeom>
-          <a:solidFill>
-            <a:schemeClr val="bg2"/>
-          </a:solidFill>
-          <a:ln w="12700">
-            <a:solidFill>
-              <a:schemeClr val="tx1"/>
-            </a:solidFill>
-          </a:ln>
-        </p:spPr>
-        <p:txBody>
-          <a:bodyPr wrap="square" rtlCol="0">
-            <a:spAutoFit/>
-          </a:bodyPr>
-          <a:lstStyle/>
-          <a:p>
-            <a:r>
-              <a:rPr lang="en-US" dirty="0"/>
-              <a:t>if let doesn’t require handling both cases, but the code may do so, as shown</a:t>
-            </a:r>
-          </a:p>
-        </p:txBody>
-      </p:sp>
-      <p:sp>
-        <p:nvSpPr>
-          <p:cNvPr id="7" name="Slide Number Placeholder 6">
-            <a:extLst>
-              <a:ext uri="{FF2B5EF4-FFF2-40B4-BE49-F238E27FC236}">
-                <a16:creationId xmlns:a16="http://schemas.microsoft.com/office/drawing/2014/main" id="{CD63EABE-B493-4E12-A31A-31BAB4F0D9A9}"/>
+        <p:txBody>
+          <a:bodyPr/>
+          <a:lstStyle/>
+          <a:p>
+            <a:r>
+              <a:rPr lang="en-US" dirty="0"/>
+              <a:t>Each function that can fail should return a std::result::Result&lt;T, E&gt;</a:t>
+            </a:r>
+          </a:p>
+          <a:p>
+            <a:pPr lvl="1"/>
+            <a:r>
+              <a:rPr lang="en-US" sz="2000" dirty="0" err="1">
+                <a:latin typeface="Consolas" panose="020B0609020204030204" pitchFamily="49" charset="0"/>
+              </a:rPr>
+              <a:t>fn</a:t>
+            </a:r>
+            <a:r>
+              <a:rPr lang="en-US" sz="2000" dirty="0">
+                <a:latin typeface="Consolas" panose="020B0609020204030204" pitchFamily="49" charset="0"/>
+              </a:rPr>
+              <a:t> f&lt;T, E&gt;() -&gt; Result&lt;T, E&gt; { /* code that can fail */ }</a:t>
+            </a:r>
+          </a:p>
+          <a:p>
+            <a:pPr lvl="1"/>
+            <a:r>
+              <a:rPr lang="en-US" dirty="0"/>
+              <a:t>std library functions do this and so should user-defined functions</a:t>
+            </a:r>
+          </a:p>
+          <a:p>
+            <a:r>
+              <a:rPr lang="en-US" dirty="0"/>
+              <a:t>Result is an enumeration</a:t>
+            </a:r>
+          </a:p>
+          <a:p>
+            <a:pPr lvl="1"/>
+            <a:r>
+              <a:rPr lang="en-US" sz="2000" dirty="0">
+                <a:latin typeface="Consolas" panose="020B0609020204030204" pitchFamily="49" charset="0"/>
+              </a:rPr>
+              <a:t>Enum Result&lt;T, E&gt; { Ok(T), Err(E), }</a:t>
+            </a:r>
+          </a:p>
+          <a:p>
+            <a:pPr lvl="1"/>
+            <a:r>
+              <a:rPr lang="en-US" dirty="0"/>
+              <a:t>Returned Result instance is either </a:t>
+            </a:r>
+            <a:r>
+              <a:rPr lang="en-US" sz="2000" dirty="0">
+                <a:latin typeface="Consolas" panose="020B0609020204030204" pitchFamily="49" charset="0"/>
+              </a:rPr>
+              <a:t>Ok(</a:t>
+            </a:r>
+            <a:r>
+              <a:rPr lang="en-US" sz="2000" dirty="0" err="1">
+                <a:latin typeface="Consolas" panose="020B0609020204030204" pitchFamily="49" charset="0"/>
+              </a:rPr>
+              <a:t>t:T</a:t>
+            </a:r>
+            <a:r>
+              <a:rPr lang="en-US" sz="2000" dirty="0">
+                <a:latin typeface="Consolas" panose="020B0609020204030204" pitchFamily="49" charset="0"/>
+              </a:rPr>
+              <a:t>)</a:t>
+            </a:r>
+            <a:r>
+              <a:rPr lang="en-US" dirty="0"/>
+              <a:t> or </a:t>
+            </a:r>
+            <a:r>
+              <a:rPr lang="en-US" sz="2000" dirty="0">
+                <a:latin typeface="Consolas" panose="020B0609020204030204" pitchFamily="49" charset="0"/>
+              </a:rPr>
+              <a:t>Err(</a:t>
+            </a:r>
+            <a:r>
+              <a:rPr lang="en-US" sz="2000" dirty="0" err="1">
+                <a:latin typeface="Consolas" panose="020B0609020204030204" pitchFamily="49" charset="0"/>
+              </a:rPr>
+              <a:t>e:E</a:t>
+            </a:r>
+            <a:r>
+              <a:rPr lang="en-US" sz="2000" dirty="0">
+                <a:latin typeface="Consolas" panose="020B0609020204030204" pitchFamily="49" charset="0"/>
+              </a:rPr>
+              <a:t>)</a:t>
+            </a:r>
+            <a:endParaRPr lang="en-US" dirty="0">
+              <a:latin typeface="Consolas" panose="020B0609020204030204" pitchFamily="49" charset="0"/>
+            </a:endParaRPr>
+          </a:p>
+          <a:p>
+            <a:pPr lvl="2"/>
+            <a:r>
+              <a:rPr lang="en-US" dirty="0"/>
+              <a:t>t is the computed value of f() or unit, (), if no such value is computed</a:t>
+            </a:r>
+          </a:p>
+          <a:p>
+            <a:pPr lvl="2"/>
+            <a:r>
+              <a:rPr lang="en-US" dirty="0"/>
+              <a:t>e is the instance of error encountered, either from Error enumeration or user-defined</a:t>
+            </a:r>
+          </a:p>
+          <a:p>
+            <a:r>
+              <a:rPr lang="en-US" dirty="0"/>
+              <a:t>Testing Result</a:t>
+            </a:r>
+          </a:p>
+          <a:p>
+            <a:pPr lvl="1"/>
+            <a:r>
+              <a:rPr lang="en-US" sz="2000" dirty="0">
+                <a:latin typeface="Consolas" panose="020B0609020204030204" pitchFamily="49" charset="0"/>
+              </a:rPr>
+              <a:t>let </a:t>
+            </a:r>
+            <a:r>
+              <a:rPr lang="en-US" sz="2000" dirty="0" err="1">
+                <a:latin typeface="Consolas" panose="020B0609020204030204" pitchFamily="49" charset="0"/>
+              </a:rPr>
+              <a:t>rslt</a:t>
+            </a:r>
+            <a:r>
+              <a:rPr lang="en-US" sz="2000" dirty="0">
+                <a:latin typeface="Consolas" panose="020B0609020204030204" pitchFamily="49" charset="0"/>
+              </a:rPr>
+              <a:t> = f();</a:t>
+            </a:r>
+          </a:p>
+          <a:p>
+            <a:pPr lvl="1"/>
+            <a:r>
+              <a:rPr lang="en-US" sz="2000" dirty="0">
+                <a:latin typeface="Consolas" panose="020B0609020204030204" pitchFamily="49" charset="0"/>
+              </a:rPr>
+              <a:t>if </a:t>
+            </a:r>
+            <a:r>
+              <a:rPr lang="en-US" sz="2000" dirty="0" err="1">
+                <a:latin typeface="Consolas" panose="020B0609020204030204" pitchFamily="49" charset="0"/>
+              </a:rPr>
+              <a:t>rslt.is_ok</a:t>
+            </a:r>
+            <a:r>
+              <a:rPr lang="en-US" sz="2000" dirty="0">
+                <a:latin typeface="Consolas" panose="020B0609020204030204" pitchFamily="49" charset="0"/>
+              </a:rPr>
+              <a:t>() { let t:T = </a:t>
+            </a:r>
+            <a:r>
+              <a:rPr lang="en-US" sz="2000" dirty="0" err="1">
+                <a:latin typeface="Consolas" panose="020B0609020204030204" pitchFamily="49" charset="0"/>
+              </a:rPr>
+              <a:t>rslt.unwrap</a:t>
+            </a:r>
+            <a:r>
+              <a:rPr lang="en-US" sz="2000" dirty="0">
+                <a:latin typeface="Consolas" panose="020B0609020204030204" pitchFamily="49" charset="0"/>
+              </a:rPr>
+              <a:t>();  /* do something with t */ }</a:t>
+            </a:r>
+          </a:p>
+          <a:p>
+            <a:pPr lvl="1"/>
+            <a:r>
+              <a:rPr lang="en-US" sz="2000" dirty="0">
+                <a:latin typeface="Consolas" panose="020B0609020204030204" pitchFamily="49" charset="0"/>
+              </a:rPr>
+              <a:t>if </a:t>
+            </a:r>
+            <a:r>
+              <a:rPr lang="en-US" sz="2000" dirty="0" err="1">
+                <a:latin typeface="Consolas" panose="020B0609020204030204" pitchFamily="49" charset="0"/>
+              </a:rPr>
+              <a:t>rslt.is_err</a:t>
+            </a:r>
+            <a:r>
+              <a:rPr lang="en-US" sz="2000" dirty="0">
+                <a:latin typeface="Consolas" panose="020B0609020204030204" pitchFamily="49" charset="0"/>
+              </a:rPr>
+              <a:t>() { let e:E = </a:t>
+            </a:r>
+            <a:r>
+              <a:rPr lang="en-US" sz="2000" dirty="0" err="1">
+                <a:latin typeface="Consolas" panose="020B0609020204030204" pitchFamily="49" charset="0"/>
+              </a:rPr>
+              <a:t>rslt.unwrap_err</a:t>
+            </a:r>
+            <a:r>
+              <a:rPr lang="en-US" sz="2000" dirty="0">
+                <a:latin typeface="Consolas" panose="020B0609020204030204" pitchFamily="49" charset="0"/>
+              </a:rPr>
+              <a:t>();  /* do something with e */ }</a:t>
+            </a:r>
+          </a:p>
+        </p:txBody>
+      </p:sp>
+      <p:sp>
+        <p:nvSpPr>
+          <p:cNvPr id="4" name="Slide Number Placeholder 3">
+            <a:extLst>
+              <a:ext uri="{FF2B5EF4-FFF2-40B4-BE49-F238E27FC236}">
+                <a16:creationId xmlns:a16="http://schemas.microsoft.com/office/drawing/2014/main" id="{52973BCF-CAE1-40C4-A0B3-504E1A0B5279}"/>
               </a:ext>
             </a:extLst>
           </p:cNvPr>
@@ -4633,7 +4474,7 @@
     </p:spTree>
     <p:extLst>
       <p:ext uri="{BB962C8B-B14F-4D97-AF65-F5344CB8AC3E}">
-        <p14:creationId xmlns:p14="http://schemas.microsoft.com/office/powerpoint/2010/main" val="891517251"/>
+        <p14:creationId xmlns:p14="http://schemas.microsoft.com/office/powerpoint/2010/main" val="2906199256"/>
       </p:ext>
     </p:extLst>
   </p:cSld>
@@ -4665,7 +4506,7 @@
           <p:cNvPr id="2" name="Title 1">
             <a:extLst>
               <a:ext uri="{FF2B5EF4-FFF2-40B4-BE49-F238E27FC236}">
-                <a16:creationId xmlns:a16="http://schemas.microsoft.com/office/drawing/2014/main" id="{9C42B208-7010-4161-82E7-3B92AD6F30EB}"/>
+                <a16:creationId xmlns:a16="http://schemas.microsoft.com/office/drawing/2014/main" id="{EEB5D16C-DE32-4B6A-B7D7-B4F73483A2AF}"/>
               </a:ext>
             </a:extLst>
           </p:cNvPr>
@@ -4683,7 +4524,7 @@
           <a:p>
             <a:r>
               <a:rPr lang="en-US" dirty="0"/>
-              <a:t>Bubbling Errors up Call Chain</a:t>
+              <a:t>Evaluating Result by Matching</a:t>
             </a:r>
           </a:p>
         </p:txBody>
@@ -4693,7 +4534,7 @@
           <p:cNvPr id="3" name="Content Placeholder 2">
             <a:extLst>
               <a:ext uri="{FF2B5EF4-FFF2-40B4-BE49-F238E27FC236}">
-                <a16:creationId xmlns:a16="http://schemas.microsoft.com/office/drawing/2014/main" id="{53CA2854-33C2-43D9-A998-49F64F5536BA}"/>
+                <a16:creationId xmlns:a16="http://schemas.microsoft.com/office/drawing/2014/main" id="{ABF54DA4-238E-4441-BBE2-1247562A426F}"/>
               </a:ext>
             </a:extLst>
           </p:cNvPr>
@@ -4710,128 +4551,191 @@
           <a:lstStyle/>
           <a:p>
             <a:r>
-              <a:rPr lang="en-US" sz="2400" dirty="0" err="1">
-                <a:latin typeface="Consolas" panose="020B0609020204030204" pitchFamily="49" charset="0"/>
-              </a:rPr>
-              <a:t>Fn</a:t>
-            </a:r>
-            <a:r>
-              <a:rPr lang="en-US" sz="2400" dirty="0">
-                <a:latin typeface="Consolas" panose="020B0609020204030204" pitchFamily="49" charset="0"/>
-              </a:rPr>
-              <a:t> g&lt;T, E&gt;() -&gt; Result&lt;T, E&gt;</a:t>
-            </a:r>
-          </a:p>
-          <a:p>
-            <a:r>
-              <a:rPr lang="en-US" sz="2400" dirty="0" err="1">
-                <a:latin typeface="Consolas" panose="020B0609020204030204" pitchFamily="49" charset="0"/>
-              </a:rPr>
-              <a:t>Fn</a:t>
-            </a:r>
-            <a:r>
-              <a:rPr lang="en-US" sz="2400" dirty="0">
-                <a:latin typeface="Consolas" panose="020B0609020204030204" pitchFamily="49" charset="0"/>
-              </a:rPr>
-              <a:t> f&lt;T, E&gt;() -&gt; Result&lt;T, E&gt; {</a:t>
+              <a:rPr lang="en-US" sz="2000" dirty="0">
+                <a:latin typeface="Consolas" panose="020B0609020204030204" pitchFamily="49" charset="0"/>
+              </a:rPr>
+              <a:t>let </a:t>
+            </a:r>
+            <a:r>
+              <a:rPr lang="en-US" sz="2000" dirty="0" err="1">
+                <a:latin typeface="Consolas" panose="020B0609020204030204" pitchFamily="49" charset="0"/>
+              </a:rPr>
+              <a:t>rslt</a:t>
+            </a:r>
+            <a:r>
+              <a:rPr lang="en-US" sz="2000" dirty="0">
+                <a:latin typeface="Consolas" panose="020B0609020204030204" pitchFamily="49" charset="0"/>
+              </a:rPr>
+              <a:t> = f();</a:t>
+            </a:r>
+          </a:p>
+          <a:p>
+            <a:r>
+              <a:rPr lang="en-US" sz="2000" dirty="0">
+                <a:latin typeface="Consolas" panose="020B0609020204030204" pitchFamily="49" charset="0"/>
+              </a:rPr>
+              <a:t>match </a:t>
+            </a:r>
+            <a:r>
+              <a:rPr lang="en-US" sz="2000" dirty="0" err="1">
+                <a:latin typeface="Consolas" panose="020B0609020204030204" pitchFamily="49" charset="0"/>
+              </a:rPr>
+              <a:t>rslt</a:t>
+            </a:r>
+            <a:r>
+              <a:rPr lang="en-US" sz="2000" dirty="0">
+                <a:latin typeface="Consolas" panose="020B0609020204030204" pitchFamily="49" charset="0"/>
+              </a:rPr>
+              <a:t> {</a:t>
             </a:r>
             <a:br>
-              <a:rPr lang="en-US" sz="2400" dirty="0">
+              <a:rPr lang="en-US" sz="2000" dirty="0">
                 <a:latin typeface="Consolas" panose="020B0609020204030204" pitchFamily="49" charset="0"/>
               </a:rPr>
             </a:br>
+            <a:r>
+              <a:rPr lang="en-US" sz="2000" dirty="0">
+                <a:latin typeface="Consolas" panose="020B0609020204030204" pitchFamily="49" charset="0"/>
+              </a:rPr>
+              <a:t> 	Ok(t) =&gt; { /* do something with t */ },</a:t>
+            </a:r>
             <a:br>
-              <a:rPr lang="en-US" sz="1400" dirty="0">
+              <a:rPr lang="en-US" sz="2000" dirty="0">
                 <a:latin typeface="Consolas" panose="020B0609020204030204" pitchFamily="49" charset="0"/>
               </a:rPr>
             </a:br>
             <a:r>
-              <a:rPr lang="en-US" sz="2400" dirty="0">
-                <a:latin typeface="Consolas" panose="020B0609020204030204" pitchFamily="49" charset="0"/>
-              </a:rPr>
-              <a:t> 	</a:t>
-            </a:r>
-            <a:r>
-              <a:rPr lang="en-US" sz="1800" dirty="0">
-                <a:latin typeface="Consolas" panose="020B0609020204030204" pitchFamily="49" charset="0"/>
-              </a:rPr>
-              <a:t>// code elided</a:t>
+              <a:rPr lang="en-US" sz="2000" dirty="0">
+                <a:latin typeface="Consolas" panose="020B0609020204030204" pitchFamily="49" charset="0"/>
+              </a:rPr>
+              <a:t>	Err(e) =&gt; { /* do something with e */ },</a:t>
             </a:r>
             <a:br>
-              <a:rPr lang="en-US" sz="2400" dirty="0">
+              <a:rPr lang="en-US" sz="2000" dirty="0">
                 <a:latin typeface="Consolas" panose="020B0609020204030204" pitchFamily="49" charset="0"/>
               </a:rPr>
             </a:br>
+            <a:r>
+              <a:rPr lang="en-US" sz="2000" dirty="0">
+                <a:latin typeface="Consolas" panose="020B0609020204030204" pitchFamily="49" charset="0"/>
+              </a:rPr>
+              <a:t>}</a:t>
+            </a:r>
+            <a:endParaRPr lang="en-US" sz="2400" dirty="0">
+              <a:latin typeface="Consolas" panose="020B0609020204030204" pitchFamily="49" charset="0"/>
+            </a:endParaRPr>
+          </a:p>
+          <a:p>
+            <a:r>
+              <a:rPr lang="en-US" dirty="0"/>
+              <a:t>match is required to define actions for both possible results</a:t>
+            </a:r>
+          </a:p>
+          <a:p>
+            <a:r>
+              <a:rPr lang="en-US" dirty="0"/>
+              <a:t>if let uses matching operator =</a:t>
+            </a:r>
+          </a:p>
+          <a:p>
+            <a:r>
+              <a:rPr lang="en-US" sz="2000" dirty="0">
+                <a:latin typeface="Consolas" panose="020B0609020204030204" pitchFamily="49" charset="0"/>
+              </a:rPr>
+              <a:t>if let Ok(t) = </a:t>
+            </a:r>
+            <a:r>
+              <a:rPr lang="en-US" sz="2000" dirty="0" err="1">
+                <a:latin typeface="Consolas" panose="020B0609020204030204" pitchFamily="49" charset="0"/>
+              </a:rPr>
+              <a:t>rslt</a:t>
+            </a:r>
+            <a:r>
+              <a:rPr lang="en-US" sz="2000" dirty="0">
+                <a:latin typeface="Consolas" panose="020B0609020204030204" pitchFamily="49" charset="0"/>
+              </a:rPr>
+              <a:t> {</a:t>
+            </a:r>
             <a:br>
-              <a:rPr lang="en-US" sz="1400" dirty="0">
+              <a:rPr lang="en-US" sz="2000" dirty="0">
                 <a:latin typeface="Consolas" panose="020B0609020204030204" pitchFamily="49" charset="0"/>
               </a:rPr>
             </a:br>
             <a:r>
-              <a:rPr lang="en-US" sz="2400" dirty="0">
-                <a:latin typeface="Consolas" panose="020B0609020204030204" pitchFamily="49" charset="0"/>
-              </a:rPr>
-              <a:t> 	let t:T = g()?</a:t>
+              <a:rPr lang="en-US" sz="2000" dirty="0">
+                <a:latin typeface="Consolas" panose="020B0609020204030204" pitchFamily="49" charset="0"/>
+              </a:rPr>
+              <a:t> 	/* do something with t = </a:t>
+            </a:r>
+            <a:r>
+              <a:rPr lang="en-US" sz="2000" dirty="0" err="1">
+                <a:latin typeface="Consolas" panose="020B0609020204030204" pitchFamily="49" charset="0"/>
+              </a:rPr>
+              <a:t>rslt.unwrap</a:t>
+            </a:r>
+            <a:r>
+              <a:rPr lang="en-US" sz="2000" dirty="0">
+                <a:latin typeface="Consolas" panose="020B0609020204030204" pitchFamily="49" charset="0"/>
+              </a:rPr>
+              <a:t>() */</a:t>
             </a:r>
             <a:br>
-              <a:rPr lang="en-US" sz="2400" dirty="0">
+              <a:rPr lang="en-US" sz="2000" dirty="0">
                 <a:latin typeface="Consolas" panose="020B0609020204030204" pitchFamily="49" charset="0"/>
               </a:rPr>
             </a:br>
+            <a:r>
+              <a:rPr lang="en-US" sz="2000" dirty="0">
+                <a:latin typeface="Consolas" panose="020B0609020204030204" pitchFamily="49" charset="0"/>
+              </a:rPr>
+              <a:t>}</a:t>
+            </a:r>
             <a:br>
-              <a:rPr lang="en-US" sz="1400" dirty="0">
+              <a:rPr lang="en-US" sz="2000" dirty="0">
                 <a:latin typeface="Consolas" panose="020B0609020204030204" pitchFamily="49" charset="0"/>
               </a:rPr>
             </a:br>
             <a:r>
-              <a:rPr lang="en-US" sz="2400" dirty="0">
-                <a:latin typeface="Consolas" panose="020B0609020204030204" pitchFamily="49" charset="0"/>
-              </a:rPr>
-              <a:t> 	</a:t>
-            </a:r>
-            <a:r>
-              <a:rPr lang="en-US" sz="1800" dirty="0">
-                <a:latin typeface="Consolas" panose="020B0609020204030204" pitchFamily="49" charset="0"/>
-              </a:rPr>
-              <a:t>// code using t elided</a:t>
+              <a:rPr lang="en-US" sz="2000" dirty="0">
+                <a:latin typeface="Consolas" panose="020B0609020204030204" pitchFamily="49" charset="0"/>
+              </a:rPr>
+              <a:t>else {</a:t>
             </a:r>
             <a:br>
-              <a:rPr lang="en-US" sz="2400" dirty="0">
+              <a:rPr lang="en-US" sz="2000" dirty="0">
                 <a:latin typeface="Consolas" panose="020B0609020204030204" pitchFamily="49" charset="0"/>
               </a:rPr>
             </a:br>
+            <a:r>
+              <a:rPr lang="en-US" sz="2000" dirty="0">
+                <a:latin typeface="Consolas" panose="020B0609020204030204" pitchFamily="49" charset="0"/>
+              </a:rPr>
+              <a:t> 	/* do something with e = </a:t>
+            </a:r>
+            <a:r>
+              <a:rPr lang="en-US" sz="2000" dirty="0" err="1">
+                <a:latin typeface="Consolas" panose="020B0609020204030204" pitchFamily="49" charset="0"/>
+              </a:rPr>
+              <a:t>rslt.unwrap_err</a:t>
+            </a:r>
+            <a:r>
+              <a:rPr lang="en-US" sz="2000" dirty="0">
+                <a:latin typeface="Consolas" panose="020B0609020204030204" pitchFamily="49" charset="0"/>
+              </a:rPr>
+              <a:t>() */</a:t>
+            </a:r>
             <a:br>
-              <a:rPr lang="en-US" sz="1400" dirty="0">
+              <a:rPr lang="en-US" sz="2000" dirty="0">
                 <a:latin typeface="Consolas" panose="020B0609020204030204" pitchFamily="49" charset="0"/>
               </a:rPr>
             </a:br>
             <a:r>
-              <a:rPr lang="en-US" sz="2400" dirty="0">
+              <a:rPr lang="en-US" sz="2000" dirty="0">
                 <a:latin typeface="Consolas" panose="020B0609020204030204" pitchFamily="49" charset="0"/>
               </a:rPr>
               <a:t>}</a:t>
             </a:r>
           </a:p>
-          <a:p>
-            <a:r>
-              <a:rPr lang="en-US" dirty="0"/>
-              <a:t>If g() returns an error the try operator ? returns from f(), passing out the Result object, Err(</a:t>
-            </a:r>
-            <a:r>
-              <a:rPr lang="en-US" dirty="0" err="1"/>
-              <a:t>e:E</a:t>
-            </a:r>
-            <a:r>
-              <a:rPr lang="en-US" dirty="0"/>
-              <a:t>).</a:t>
-            </a:r>
-          </a:p>
-          <a:p>
-            <a:r>
-              <a:rPr lang="en-US" dirty="0"/>
-              <a:t>Otherwise, the ? operator unwraps the result, t:T and binds to t.</a:t>
-            </a:r>
-          </a:p>
         </p:txBody>
       </p:sp>
       <p:sp>
@@ -4839,7 +4743,7 @@
           <p:cNvPr id="4" name="Slide Number Placeholder 3">
             <a:extLst>
               <a:ext uri="{FF2B5EF4-FFF2-40B4-BE49-F238E27FC236}">
-                <a16:creationId xmlns:a16="http://schemas.microsoft.com/office/drawing/2014/main" id="{E5FD93AF-D53C-4A39-85BA-909357FD3EBC}"/>
+                <a16:creationId xmlns:a16="http://schemas.microsoft.com/office/drawing/2014/main" id="{2E775103-BEC7-44D4-A108-7C648756327F}"/>
               </a:ext>
             </a:extLst>
           </p:cNvPr>
@@ -4867,7 +4771,7 @@
     </p:spTree>
     <p:extLst>
       <p:ext uri="{BB962C8B-B14F-4D97-AF65-F5344CB8AC3E}">
-        <p14:creationId xmlns:p14="http://schemas.microsoft.com/office/powerpoint/2010/main" val="3298732808"/>
+        <p14:creationId xmlns:p14="http://schemas.microsoft.com/office/powerpoint/2010/main" val="1443240117"/>
       </p:ext>
     </p:extLst>
   </p:cSld>
@@ -4899,7 +4803,7 @@
           <p:cNvPr id="2" name="Title 1">
             <a:extLst>
               <a:ext uri="{FF2B5EF4-FFF2-40B4-BE49-F238E27FC236}">
-                <a16:creationId xmlns:a16="http://schemas.microsoft.com/office/drawing/2014/main" id="{23F188F6-2313-4FC4-8183-EB77AFECF5F2}"/>
+                <a16:creationId xmlns:a16="http://schemas.microsoft.com/office/drawing/2014/main" id="{92ED299C-8A04-4170-8A34-0E7509805FAB}"/>
               </a:ext>
             </a:extLst>
           </p:cNvPr>
@@ -4910,19 +4814,14 @@
             <p:ph type="title"/>
           </p:nvPr>
         </p:nvSpPr>
-        <p:spPr>
-          <a:xfrm>
-            <a:off x="838200" y="365126"/>
-            <a:ext cx="10515600" cy="577195"/>
-          </a:xfrm>
-        </p:spPr>
-        <p:txBody>
-          <a:bodyPr/>
-          <a:lstStyle/>
-          <a:p>
-            <a:r>
-              <a:rPr lang="en-US" dirty="0"/>
-              <a:t>Bubbling Errors up the Call Chain</a:t>
+        <p:spPr/>
+        <p:txBody>
+          <a:bodyPr/>
+          <a:lstStyle/>
+          <a:p>
+            <a:r>
+              <a:rPr lang="en-US" dirty="0"/>
+              <a:t>Demonstration code using match and let if</a:t>
             </a:r>
           </a:p>
         </p:txBody>
@@ -4932,7 +4831,7 @@
           <p:cNvPr id="4" name="Content Placeholder 3">
             <a:extLst>
               <a:ext uri="{FF2B5EF4-FFF2-40B4-BE49-F238E27FC236}">
-                <a16:creationId xmlns:a16="http://schemas.microsoft.com/office/drawing/2014/main" id="{DBDD7079-4A42-43F7-83F0-3B04BBA3102E}"/>
+                <a16:creationId xmlns:a16="http://schemas.microsoft.com/office/drawing/2014/main" id="{9437F212-0823-4643-BFD7-AD63C30ADC18}"/>
               </a:ext>
             </a:extLst>
           </p:cNvPr>
@@ -4951,8 +4850,8 @@
         </p:blipFill>
         <p:spPr>
           <a:xfrm>
-            <a:off x="838199" y="3560852"/>
-            <a:ext cx="7314248" cy="2138011"/>
+            <a:off x="838200" y="1392189"/>
+            <a:ext cx="7592160" cy="4854575"/>
           </a:xfrm>
           <a:prstGeom prst="rect">
             <a:avLst/>
@@ -4964,7 +4863,7 @@
           <p:cNvPr id="5" name="TextBox 4">
             <a:extLst>
               <a:ext uri="{FF2B5EF4-FFF2-40B4-BE49-F238E27FC236}">
-                <a16:creationId xmlns:a16="http://schemas.microsoft.com/office/drawing/2014/main" id="{EBC2A0D5-A498-421F-8F3E-8A5196171D37}"/>
+                <a16:creationId xmlns:a16="http://schemas.microsoft.com/office/drawing/2014/main" id="{640B6656-07DD-4278-BE09-2BFC139304BF}"/>
               </a:ext>
             </a:extLst>
           </p:cNvPr>
@@ -4973,8 +4872,8 @@
         </p:nvSpPr>
         <p:spPr>
           <a:xfrm>
-            <a:off x="5084670" y="4594957"/>
-            <a:ext cx="6135554" cy="1661993"/>
+            <a:off x="7217478" y="1952524"/>
+            <a:ext cx="3015426" cy="646331"/>
           </a:xfrm>
           <a:prstGeom prst="rect">
             <a:avLst/>
@@ -4996,82 +4895,59 @@
           <a:p>
             <a:r>
               <a:rPr lang="en-US" dirty="0"/>
-              <a:t>f&lt;T&gt;() -&gt; Result&lt;T, E&gt;</a:t>
-            </a:r>
-          </a:p>
-          <a:p>
-            <a:endParaRPr lang="en-US" sz="900" dirty="0"/>
-          </a:p>
-          <a:p>
-            <a:r>
-              <a:rPr lang="en-US" dirty="0"/>
-              <a:t>    if Result&lt;T, E&gt; contains Ok(</a:t>
-            </a:r>
-            <a:r>
-              <a:rPr lang="en-US" dirty="0" err="1"/>
-              <a:t>t:T</a:t>
-            </a:r>
-            <a:r>
-              <a:rPr lang="en-US" dirty="0"/>
-              <a:t>) after evaluating f()</a:t>
-            </a:r>
-          </a:p>
-          <a:p>
-            <a:r>
-              <a:rPr lang="en-US" dirty="0"/>
-              <a:t>        then f()? Evaluates as t = f().unwrap();</a:t>
-            </a:r>
-          </a:p>
-          <a:p>
-            <a:r>
-              <a:rPr lang="en-US" dirty="0"/>
-              <a:t>    if Result&lt;T, E&gt; contains Err(error)</a:t>
-            </a:r>
-          </a:p>
-          <a:p>
-            <a:r>
-              <a:rPr lang="en-US" dirty="0"/>
-              <a:t>        then f()? Returns Result&lt;T, E&gt; to caller</a:t>
-            </a:r>
-          </a:p>
-        </p:txBody>
-      </p:sp>
-      <p:pic>
-        <p:nvPicPr>
-          <p:cNvPr id="6" name="Picture 5">
-            <a:extLst>
-              <a:ext uri="{FF2B5EF4-FFF2-40B4-BE49-F238E27FC236}">
-                <a16:creationId xmlns:a16="http://schemas.microsoft.com/office/drawing/2014/main" id="{45255F2A-EAE9-429B-83DF-A80736843F6D}"/>
-              </a:ext>
-            </a:extLst>
-          </p:cNvPr>
-          <p:cNvPicPr>
-            <a:picLocks noChangeAspect="1"/>
-          </p:cNvPicPr>
+              <a:t>match requires testing both cases, Ok and Err </a:t>
+            </a:r>
+          </a:p>
+        </p:txBody>
+      </p:sp>
+      <p:sp>
+        <p:nvSpPr>
+          <p:cNvPr id="6" name="TextBox 5">
+            <a:extLst>
+              <a:ext uri="{FF2B5EF4-FFF2-40B4-BE49-F238E27FC236}">
+                <a16:creationId xmlns:a16="http://schemas.microsoft.com/office/drawing/2014/main" id="{43224207-EF33-49CA-8A58-99910A736C48}"/>
+              </a:ext>
+            </a:extLst>
+          </p:cNvPr>
+          <p:cNvSpPr txBox="1"/>
           <p:nvPr/>
-        </p:nvPicPr>
-        <p:blipFill>
-          <a:blip r:embed="rId3"/>
-          <a:stretch>
-            <a:fillRect/>
-          </a:stretch>
-        </p:blipFill>
+        </p:nvSpPr>
         <p:spPr>
           <a:xfrm>
-            <a:off x="838199" y="1134371"/>
-            <a:ext cx="7328511" cy="2330129"/>
+            <a:off x="7217478" y="4387434"/>
+            <a:ext cx="3015426" cy="923330"/>
           </a:xfrm>
           <a:prstGeom prst="rect">
             <a:avLst/>
           </a:prstGeom>
+          <a:solidFill>
+            <a:schemeClr val="bg2"/>
+          </a:solidFill>
+          <a:ln w="12700">
+            <a:solidFill>
+              <a:schemeClr val="tx1"/>
+            </a:solidFill>
+          </a:ln>
         </p:spPr>
-      </p:pic>
+        <p:txBody>
+          <a:bodyPr wrap="square" rtlCol="0">
+            <a:spAutoFit/>
+          </a:bodyPr>
+          <a:lstStyle/>
+          <a:p>
+            <a:r>
+              <a:rPr lang="en-US" dirty="0"/>
+              <a:t>if let doesn’t require handling both cases, but the code may do so, as shown</a:t>
+            </a:r>
+          </a:p>
+        </p:txBody>
+      </p:sp>
       <p:sp>
         <p:nvSpPr>
           <p:cNvPr id="7" name="Slide Number Placeholder 6">
             <a:extLst>
               <a:ext uri="{FF2B5EF4-FFF2-40B4-BE49-F238E27FC236}">
-                <a16:creationId xmlns:a16="http://schemas.microsoft.com/office/drawing/2014/main" id="{206CA943-83CD-4B79-BD3E-39A8CA0DBBB4}"/>
+                <a16:creationId xmlns:a16="http://schemas.microsoft.com/office/drawing/2014/main" id="{CD63EABE-B493-4E12-A31A-31BAB4F0D9A9}"/>
               </a:ext>
             </a:extLst>
           </p:cNvPr>
@@ -5099,7 +4975,7 @@
     </p:spTree>
     <p:extLst>
       <p:ext uri="{BB962C8B-B14F-4D97-AF65-F5344CB8AC3E}">
-        <p14:creationId xmlns:p14="http://schemas.microsoft.com/office/powerpoint/2010/main" val="2502966753"/>
+        <p14:creationId xmlns:p14="http://schemas.microsoft.com/office/powerpoint/2010/main" val="891517251"/>
       </p:ext>
     </p:extLst>
   </p:cSld>
@@ -5131,7 +5007,7 @@
           <p:cNvPr id="2" name="Title 1">
             <a:extLst>
               <a:ext uri="{FF2B5EF4-FFF2-40B4-BE49-F238E27FC236}">
-                <a16:creationId xmlns:a16="http://schemas.microsoft.com/office/drawing/2014/main" id="{82BD9E61-D072-4BA2-9F17-3648C760C7C1}"/>
+                <a16:creationId xmlns:a16="http://schemas.microsoft.com/office/drawing/2014/main" id="{9C42B208-7010-4161-82E7-3B92AD6F30EB}"/>
               </a:ext>
             </a:extLst>
           </p:cNvPr>
@@ -5149,25 +5025,163 @@
           <a:p>
             <a:r>
               <a:rPr lang="en-US" dirty="0"/>
-              <a:t>Console I/O – std::</a:t>
+              <a:t>Bubbling Errors up Call Chain</a:t>
+            </a:r>
+          </a:p>
+        </p:txBody>
+      </p:sp>
+      <p:sp>
+        <p:nvSpPr>
+          <p:cNvPr id="3" name="Content Placeholder 2">
+            <a:extLst>
+              <a:ext uri="{FF2B5EF4-FFF2-40B4-BE49-F238E27FC236}">
+                <a16:creationId xmlns:a16="http://schemas.microsoft.com/office/drawing/2014/main" id="{53CA2854-33C2-43D9-A998-49F64F5536BA}"/>
+              </a:ext>
+            </a:extLst>
+          </p:cNvPr>
+          <p:cNvSpPr>
+            <a:spLocks noGrp="1"/>
+          </p:cNvSpPr>
+          <p:nvPr>
+            <p:ph idx="1"/>
+          </p:nvPr>
+        </p:nvSpPr>
+        <p:spPr/>
+        <p:txBody>
+          <a:bodyPr/>
+          <a:lstStyle/>
+          <a:p>
+            <a:r>
+              <a:rPr lang="en-US" sz="2400" dirty="0" err="1">
+                <a:latin typeface="Consolas" panose="020B0609020204030204" pitchFamily="49" charset="0"/>
+              </a:rPr>
+              <a:t>Fn</a:t>
+            </a:r>
+            <a:r>
+              <a:rPr lang="en-US" sz="2400" dirty="0">
+                <a:latin typeface="Consolas" panose="020B0609020204030204" pitchFamily="49" charset="0"/>
+              </a:rPr>
+              <a:t> g&lt;T, E&gt;() -&gt; Result&lt;T, E&gt;</a:t>
+            </a:r>
+          </a:p>
+          <a:p>
+            <a:r>
+              <a:rPr lang="en-US" sz="2400" dirty="0" err="1">
+                <a:latin typeface="Consolas" panose="020B0609020204030204" pitchFamily="49" charset="0"/>
+              </a:rPr>
+              <a:t>Fn</a:t>
+            </a:r>
+            <a:r>
+              <a:rPr lang="en-US" sz="2400" dirty="0">
+                <a:latin typeface="Consolas" panose="020B0609020204030204" pitchFamily="49" charset="0"/>
+              </a:rPr>
+              <a:t> f&lt;T, E&gt;() -&gt; Result&lt;T, E&gt; {</a:t>
+            </a:r>
+            <a:br>
+              <a:rPr lang="en-US" sz="2400" dirty="0">
+                <a:latin typeface="Consolas" panose="020B0609020204030204" pitchFamily="49" charset="0"/>
+              </a:rPr>
+            </a:br>
+            <a:br>
+              <a:rPr lang="en-US" sz="1400" dirty="0">
+                <a:latin typeface="Consolas" panose="020B0609020204030204" pitchFamily="49" charset="0"/>
+              </a:rPr>
+            </a:br>
+            <a:r>
+              <a:rPr lang="en-US" sz="2400" dirty="0">
+                <a:latin typeface="Consolas" panose="020B0609020204030204" pitchFamily="49" charset="0"/>
+              </a:rPr>
+              <a:t> 	</a:t>
+            </a:r>
+            <a:r>
+              <a:rPr lang="en-US" sz="1800" dirty="0">
+                <a:latin typeface="Consolas" panose="020B0609020204030204" pitchFamily="49" charset="0"/>
+              </a:rPr>
+              <a:t>// code elided</a:t>
+            </a:r>
+            <a:br>
+              <a:rPr lang="en-US" sz="2400" dirty="0">
+                <a:latin typeface="Consolas" panose="020B0609020204030204" pitchFamily="49" charset="0"/>
+              </a:rPr>
+            </a:br>
+            <a:br>
+              <a:rPr lang="en-US" sz="1400" dirty="0">
+                <a:latin typeface="Consolas" panose="020B0609020204030204" pitchFamily="49" charset="0"/>
+              </a:rPr>
+            </a:br>
+            <a:r>
+              <a:rPr lang="en-US" sz="2400" dirty="0">
+                <a:latin typeface="Consolas" panose="020B0609020204030204" pitchFamily="49" charset="0"/>
+              </a:rPr>
+              <a:t> 	let t:T = g()?</a:t>
+            </a:r>
+            <a:br>
+              <a:rPr lang="en-US" sz="2400" dirty="0">
+                <a:latin typeface="Consolas" panose="020B0609020204030204" pitchFamily="49" charset="0"/>
+              </a:rPr>
+            </a:br>
+            <a:br>
+              <a:rPr lang="en-US" sz="1400" dirty="0">
+                <a:latin typeface="Consolas" panose="020B0609020204030204" pitchFamily="49" charset="0"/>
+              </a:rPr>
+            </a:br>
+            <a:r>
+              <a:rPr lang="en-US" sz="2400" dirty="0">
+                <a:latin typeface="Consolas" panose="020B0609020204030204" pitchFamily="49" charset="0"/>
+              </a:rPr>
+              <a:t> 	</a:t>
+            </a:r>
+            <a:r>
+              <a:rPr lang="en-US" sz="1800" dirty="0">
+                <a:latin typeface="Consolas" panose="020B0609020204030204" pitchFamily="49" charset="0"/>
+              </a:rPr>
+              <a:t>// code using t elided</a:t>
+            </a:r>
+            <a:br>
+              <a:rPr lang="en-US" sz="2400" dirty="0">
+                <a:latin typeface="Consolas" panose="020B0609020204030204" pitchFamily="49" charset="0"/>
+              </a:rPr>
+            </a:br>
+            <a:br>
+              <a:rPr lang="en-US" sz="1400" dirty="0">
+                <a:latin typeface="Consolas" panose="020B0609020204030204" pitchFamily="49" charset="0"/>
+              </a:rPr>
+            </a:br>
+            <a:r>
+              <a:rPr lang="en-US" sz="2400" dirty="0">
+                <a:latin typeface="Consolas" panose="020B0609020204030204" pitchFamily="49" charset="0"/>
+              </a:rPr>
+              <a:t>}</a:t>
+            </a:r>
+          </a:p>
+          <a:p>
+            <a:r>
+              <a:rPr lang="en-US" dirty="0"/>
+              <a:t>If g() returns an error the try operator ? returns from f(), passing out the Result object, Err(</a:t>
             </a:r>
             <a:r>
               <a:rPr lang="en-US" dirty="0" err="1"/>
-              <a:t>io</a:t>
-            </a:r>
-            <a:r>
-              <a:rPr lang="en-US" dirty="0"/>
-              <a:t>::stdin()</a:t>
-            </a:r>
-          </a:p>
-        </p:txBody>
-      </p:sp>
-      <p:sp>
-        <p:nvSpPr>
-          <p:cNvPr id="6" name="Slide Number Placeholder 5">
-            <a:extLst>
-              <a:ext uri="{FF2B5EF4-FFF2-40B4-BE49-F238E27FC236}">
-                <a16:creationId xmlns:a16="http://schemas.microsoft.com/office/drawing/2014/main" id="{7ADEC78C-CCAF-4AAB-9625-FCFA5911941D}"/>
+              <a:t>e:E</a:t>
+            </a:r>
+            <a:r>
+              <a:rPr lang="en-US" dirty="0"/>
+              <a:t>).</a:t>
+            </a:r>
+          </a:p>
+          <a:p>
+            <a:r>
+              <a:rPr lang="en-US" dirty="0"/>
+              <a:t>Otherwise, the ? operator unwraps the result, t:T and binds to t.</a:t>
+            </a:r>
+          </a:p>
+        </p:txBody>
+      </p:sp>
+      <p:sp>
+        <p:nvSpPr>
+          <p:cNvPr id="4" name="Slide Number Placeholder 3">
+            <a:extLst>
+              <a:ext uri="{FF2B5EF4-FFF2-40B4-BE49-F238E27FC236}">
+                <a16:creationId xmlns:a16="http://schemas.microsoft.com/office/drawing/2014/main" id="{E5FD93AF-D53C-4A39-85BA-909357FD3EBC}"/>
               </a:ext>
             </a:extLst>
           </p:cNvPr>
@@ -5192,42 +5206,10 @@
           </a:p>
         </p:txBody>
       </p:sp>
-      <p:pic>
-        <p:nvPicPr>
-          <p:cNvPr id="9" name="Content Placeholder 8">
-            <a:extLst>
-              <a:ext uri="{FF2B5EF4-FFF2-40B4-BE49-F238E27FC236}">
-                <a16:creationId xmlns:a16="http://schemas.microsoft.com/office/drawing/2014/main" id="{FB49B83C-263B-48AB-9EA0-522A3611D748}"/>
-              </a:ext>
-            </a:extLst>
-          </p:cNvPr>
-          <p:cNvPicPr>
-            <a:picLocks noGrp="1" noChangeAspect="1"/>
-          </p:cNvPicPr>
-          <p:nvPr>
-            <p:ph idx="1"/>
-          </p:nvPr>
-        </p:nvPicPr>
-        <p:blipFill>
-          <a:blip r:embed="rId2"/>
-          <a:stretch>
-            <a:fillRect/>
-          </a:stretch>
-        </p:blipFill>
-        <p:spPr>
-          <a:xfrm>
-            <a:off x="838200" y="1555079"/>
-            <a:ext cx="10515600" cy="4389192"/>
-          </a:xfrm>
-          <a:prstGeom prst="rect">
-            <a:avLst/>
-          </a:prstGeom>
-        </p:spPr>
-      </p:pic>
     </p:spTree>
     <p:extLst>
       <p:ext uri="{BB962C8B-B14F-4D97-AF65-F5344CB8AC3E}">
-        <p14:creationId xmlns:p14="http://schemas.microsoft.com/office/powerpoint/2010/main" val="3048086422"/>
+        <p14:creationId xmlns:p14="http://schemas.microsoft.com/office/powerpoint/2010/main" val="3298732808"/>
       </p:ext>
     </p:extLst>
   </p:cSld>
@@ -5259,7 +5241,7 @@
           <p:cNvPr id="2" name="Title 1">
             <a:extLst>
               <a:ext uri="{FF2B5EF4-FFF2-40B4-BE49-F238E27FC236}">
-                <a16:creationId xmlns:a16="http://schemas.microsoft.com/office/drawing/2014/main" id="{41EDFE3D-482F-4A85-A0A7-63CF5B5133A2}"/>
+                <a16:creationId xmlns:a16="http://schemas.microsoft.com/office/drawing/2014/main" id="{23F188F6-2313-4FC4-8183-EB77AFECF5F2}"/>
               </a:ext>
             </a:extLst>
           </p:cNvPr>
@@ -5270,30 +5252,19 @@
             <p:ph type="title"/>
           </p:nvPr>
         </p:nvSpPr>
-        <p:spPr/>
-        <p:txBody>
-          <a:bodyPr/>
-          <a:lstStyle/>
-          <a:p>
-            <a:r>
-              <a:rPr lang="en-US" dirty="0"/>
-              <a:t>Console I/O – std::</a:t>
-            </a:r>
-            <a:r>
-              <a:rPr lang="en-US" dirty="0" err="1"/>
-              <a:t>io</a:t>
-            </a:r>
-            <a:r>
-              <a:rPr lang="en-US" dirty="0"/>
-              <a:t>::</a:t>
-            </a:r>
-            <a:r>
-              <a:rPr lang="en-US" dirty="0" err="1"/>
-              <a:t>stdout</a:t>
-            </a:r>
-            <a:r>
-              <a:rPr lang="en-US" dirty="0"/>
-              <a:t>() </a:t>
+        <p:spPr>
+          <a:xfrm>
+            <a:off x="838200" y="365126"/>
+            <a:ext cx="10515600" cy="577195"/>
+          </a:xfrm>
+        </p:spPr>
+        <p:txBody>
+          <a:bodyPr/>
+          <a:lstStyle/>
+          <a:p>
+            <a:r>
+              <a:rPr lang="en-US" dirty="0"/>
+              <a:t>Bubbling Errors up the Call Chain</a:t>
             </a:r>
           </a:p>
         </p:txBody>
@@ -5303,7 +5274,7 @@
           <p:cNvPr id="4" name="Content Placeholder 3">
             <a:extLst>
               <a:ext uri="{FF2B5EF4-FFF2-40B4-BE49-F238E27FC236}">
-                <a16:creationId xmlns:a16="http://schemas.microsoft.com/office/drawing/2014/main" id="{EF9C1D3F-5408-44BE-A145-186FD7E9175B}"/>
+                <a16:creationId xmlns:a16="http://schemas.microsoft.com/office/drawing/2014/main" id="{DBDD7079-4A42-43F7-83F0-3B04BBA3102E}"/>
               </a:ext>
             </a:extLst>
           </p:cNvPr>
@@ -5322,20 +5293,97 @@
         </p:blipFill>
         <p:spPr>
           <a:xfrm>
-            <a:off x="796533" y="1236620"/>
-            <a:ext cx="9600465" cy="4854575"/>
+            <a:off x="838199" y="3560852"/>
+            <a:ext cx="7314248" cy="2138011"/>
           </a:xfrm>
           <a:prstGeom prst="rect">
             <a:avLst/>
           </a:prstGeom>
         </p:spPr>
       </p:pic>
+      <p:sp>
+        <p:nvSpPr>
+          <p:cNvPr id="5" name="TextBox 4">
+            <a:extLst>
+              <a:ext uri="{FF2B5EF4-FFF2-40B4-BE49-F238E27FC236}">
+                <a16:creationId xmlns:a16="http://schemas.microsoft.com/office/drawing/2014/main" id="{EBC2A0D5-A498-421F-8F3E-8A5196171D37}"/>
+              </a:ext>
+            </a:extLst>
+          </p:cNvPr>
+          <p:cNvSpPr txBox="1"/>
+          <p:nvPr/>
+        </p:nvSpPr>
+        <p:spPr>
+          <a:xfrm>
+            <a:off x="5084670" y="4594957"/>
+            <a:ext cx="6135554" cy="1661993"/>
+          </a:xfrm>
+          <a:prstGeom prst="rect">
+            <a:avLst/>
+          </a:prstGeom>
+          <a:solidFill>
+            <a:schemeClr val="bg2"/>
+          </a:solidFill>
+          <a:ln w="12700">
+            <a:solidFill>
+              <a:schemeClr val="tx1"/>
+            </a:solidFill>
+          </a:ln>
+        </p:spPr>
+        <p:txBody>
+          <a:bodyPr wrap="square" rtlCol="0">
+            <a:spAutoFit/>
+          </a:bodyPr>
+          <a:lstStyle/>
+          <a:p>
+            <a:r>
+              <a:rPr lang="en-US" dirty="0"/>
+              <a:t>f&lt;T&gt;() -&gt; Result&lt;T, E&gt;</a:t>
+            </a:r>
+          </a:p>
+          <a:p>
+            <a:endParaRPr lang="en-US" sz="900" dirty="0"/>
+          </a:p>
+          <a:p>
+            <a:r>
+              <a:rPr lang="en-US" dirty="0"/>
+              <a:t>    if Result&lt;T, E&gt; contains Ok(</a:t>
+            </a:r>
+            <a:r>
+              <a:rPr lang="en-US" dirty="0" err="1"/>
+              <a:t>t:T</a:t>
+            </a:r>
+            <a:r>
+              <a:rPr lang="en-US" dirty="0"/>
+              <a:t>) after evaluating f()</a:t>
+            </a:r>
+          </a:p>
+          <a:p>
+            <a:r>
+              <a:rPr lang="en-US" dirty="0"/>
+              <a:t>        then f()? Evaluates as t = f().unwrap();</a:t>
+            </a:r>
+          </a:p>
+          <a:p>
+            <a:r>
+              <a:rPr lang="en-US" dirty="0"/>
+              <a:t>    if Result&lt;T, E&gt; contains Err(error)</a:t>
+            </a:r>
+          </a:p>
+          <a:p>
+            <a:r>
+              <a:rPr lang="en-US" dirty="0"/>
+              <a:t>        then f()? Returns Result&lt;T, E&gt; to caller</a:t>
+            </a:r>
+          </a:p>
+        </p:txBody>
+      </p:sp>
       <p:pic>
         <p:nvPicPr>
           <p:cNvPr id="6" name="Picture 5">
             <a:extLst>
               <a:ext uri="{FF2B5EF4-FFF2-40B4-BE49-F238E27FC236}">
-                <a16:creationId xmlns:a16="http://schemas.microsoft.com/office/drawing/2014/main" id="{87CEE696-204D-4628-9387-E8F49B6EC600}"/>
+                <a16:creationId xmlns:a16="http://schemas.microsoft.com/office/drawing/2014/main" id="{45255F2A-EAE9-429B-83DF-A80736843F6D}"/>
               </a:ext>
             </a:extLst>
           </p:cNvPr>
@@ -5352,155 +5400,20 @@
         </p:blipFill>
         <p:spPr>
           <a:xfrm>
-            <a:off x="6756788" y="4134510"/>
-            <a:ext cx="4697644" cy="1104065"/>
+            <a:off x="838199" y="1134371"/>
+            <a:ext cx="7328511" cy="2330129"/>
           </a:xfrm>
           <a:prstGeom prst="rect">
             <a:avLst/>
           </a:prstGeom>
-          <a:ln w="19050">
-            <a:solidFill>
-              <a:srgbClr val="FF0000"/>
-            </a:solidFill>
-          </a:ln>
         </p:spPr>
       </p:pic>
-      <p:pic>
-        <p:nvPicPr>
-          <p:cNvPr id="7" name="Picture 6">
-            <a:extLst>
-              <a:ext uri="{FF2B5EF4-FFF2-40B4-BE49-F238E27FC236}">
-                <a16:creationId xmlns:a16="http://schemas.microsoft.com/office/drawing/2014/main" id="{B9C4BF73-FF04-4A70-8AA6-CA118AA7DB39}"/>
-              </a:ext>
-            </a:extLst>
-          </p:cNvPr>
-          <p:cNvPicPr>
-            <a:picLocks noChangeAspect="1"/>
-          </p:cNvPicPr>
-          <p:nvPr/>
-        </p:nvPicPr>
-        <p:blipFill>
-          <a:blip r:embed="rId4"/>
-          <a:stretch>
-            <a:fillRect/>
-          </a:stretch>
-        </p:blipFill>
-        <p:spPr>
-          <a:xfrm>
-            <a:off x="6718500" y="2640788"/>
-            <a:ext cx="4300719" cy="1028700"/>
-          </a:xfrm>
-          <a:prstGeom prst="rect">
-            <a:avLst/>
-          </a:prstGeom>
-          <a:ln w="19050">
-            <a:solidFill>
-              <a:schemeClr val="accent6">
-                <a:lumMod val="40000"/>
-                <a:lumOff val="60000"/>
-              </a:schemeClr>
-            </a:solidFill>
-          </a:ln>
-        </p:spPr>
-      </p:pic>
-      <p:sp>
-        <p:nvSpPr>
-          <p:cNvPr id="8" name="TextBox 7">
-            <a:extLst>
-              <a:ext uri="{FF2B5EF4-FFF2-40B4-BE49-F238E27FC236}">
-                <a16:creationId xmlns:a16="http://schemas.microsoft.com/office/drawing/2014/main" id="{C6F0E090-6639-498C-8DA8-CEFA3DEB2C12}"/>
-              </a:ext>
-            </a:extLst>
-          </p:cNvPr>
-          <p:cNvSpPr txBox="1"/>
-          <p:nvPr/>
-        </p:nvSpPr>
-        <p:spPr>
-          <a:xfrm>
-            <a:off x="10085100" y="2377304"/>
-            <a:ext cx="1246018" cy="369332"/>
-          </a:xfrm>
-          <a:prstGeom prst="rect">
-            <a:avLst/>
-          </a:prstGeom>
-          <a:solidFill>
-            <a:schemeClr val="bg2"/>
-          </a:solidFill>
-          <a:ln w="19050">
-            <a:solidFill>
-              <a:schemeClr val="tx1"/>
-            </a:solidFill>
-          </a:ln>
-        </p:spPr>
-        <p:txBody>
-          <a:bodyPr wrap="square" rtlCol="0">
-            <a:spAutoFit/>
-          </a:bodyPr>
-          <a:lstStyle/>
-          <a:p>
-            <a:r>
-              <a:rPr lang="en-US" dirty="0" err="1"/>
-              <a:t>arg</a:t>
-            </a:r>
-            <a:r>
-              <a:rPr lang="en-US" dirty="0"/>
-              <a:t> = _valid</a:t>
-            </a:r>
-          </a:p>
-        </p:txBody>
-      </p:sp>
-      <p:sp>
-        <p:nvSpPr>
-          <p:cNvPr id="9" name="TextBox 8">
-            <a:extLst>
-              <a:ext uri="{FF2B5EF4-FFF2-40B4-BE49-F238E27FC236}">
-                <a16:creationId xmlns:a16="http://schemas.microsoft.com/office/drawing/2014/main" id="{9A94A582-CDF0-4B2D-8A51-ACD6033B118A}"/>
-              </a:ext>
-            </a:extLst>
-          </p:cNvPr>
-          <p:cNvSpPr txBox="1"/>
-          <p:nvPr/>
-        </p:nvSpPr>
-        <p:spPr>
-          <a:xfrm>
-            <a:off x="10351687" y="3910435"/>
-            <a:ext cx="1479671" cy="369332"/>
-          </a:xfrm>
-          <a:prstGeom prst="rect">
-            <a:avLst/>
-          </a:prstGeom>
-          <a:solidFill>
-            <a:schemeClr val="bg2"/>
-          </a:solidFill>
-          <a:ln w="19050">
-            <a:solidFill>
-              <a:schemeClr val="tx1"/>
-            </a:solidFill>
-          </a:ln>
-        </p:spPr>
-        <p:txBody>
-          <a:bodyPr wrap="square" rtlCol="0">
-            <a:spAutoFit/>
-          </a:bodyPr>
-          <a:lstStyle/>
-          <a:p>
-            <a:r>
-              <a:rPr lang="en-US" dirty="0" err="1"/>
-              <a:t>arg</a:t>
-            </a:r>
-            <a:r>
-              <a:rPr lang="en-US" dirty="0"/>
-              <a:t> = _invalid</a:t>
-            </a:r>
-          </a:p>
-        </p:txBody>
-      </p:sp>
-      <p:sp>
-        <p:nvSpPr>
-          <p:cNvPr id="10" name="Slide Number Placeholder 9">
-            <a:extLst>
-              <a:ext uri="{FF2B5EF4-FFF2-40B4-BE49-F238E27FC236}">
-                <a16:creationId xmlns:a16="http://schemas.microsoft.com/office/drawing/2014/main" id="{EA0DE580-7FAD-4927-BD51-3135949FC007}"/>
+      <p:sp>
+        <p:nvSpPr>
+          <p:cNvPr id="7" name="Slide Number Placeholder 6">
+            <a:extLst>
+              <a:ext uri="{FF2B5EF4-FFF2-40B4-BE49-F238E27FC236}">
+                <a16:creationId xmlns:a16="http://schemas.microsoft.com/office/drawing/2014/main" id="{206CA943-83CD-4B79-BD3E-39A8CA0DBBB4}"/>
               </a:ext>
             </a:extLst>
           </p:cNvPr>
@@ -5528,7 +5441,7 @@
     </p:spTree>
     <p:extLst>
       <p:ext uri="{BB962C8B-B14F-4D97-AF65-F5344CB8AC3E}">
-        <p14:creationId xmlns:p14="http://schemas.microsoft.com/office/powerpoint/2010/main" val="296859374"/>
+        <p14:creationId xmlns:p14="http://schemas.microsoft.com/office/powerpoint/2010/main" val="2502966753"/>
       </p:ext>
     </p:extLst>
   </p:cSld>
@@ -5560,7 +5473,7 @@
           <p:cNvPr id="2" name="Title 1">
             <a:extLst>
               <a:ext uri="{FF2B5EF4-FFF2-40B4-BE49-F238E27FC236}">
-                <a16:creationId xmlns:a16="http://schemas.microsoft.com/office/drawing/2014/main" id="{E308303A-2D32-4E0D-A404-3825F08FD08C}"/>
+                <a16:creationId xmlns:a16="http://schemas.microsoft.com/office/drawing/2014/main" id="{91CDBF4F-A11D-4843-BBCE-A7A8678BF34C}"/>
               </a:ext>
             </a:extLst>
           </p:cNvPr>
@@ -5571,167 +5484,73 @@
             <p:ph type="title"/>
           </p:nvPr>
         </p:nvSpPr>
-        <p:spPr>
-          <a:xfrm>
-            <a:off x="6826589" y="190623"/>
-            <a:ext cx="5109473" cy="792676"/>
-          </a:xfrm>
-        </p:spPr>
-        <p:txBody>
-          <a:bodyPr/>
-          <a:lstStyle/>
-          <a:p>
-            <a:r>
-              <a:rPr lang="en-US" dirty="0"/>
-              <a:t>std::</a:t>
-            </a:r>
-            <a:r>
-              <a:rPr lang="en-US" dirty="0" err="1"/>
-              <a:t>io</a:t>
-            </a:r>
-            <a:r>
-              <a:rPr lang="en-US" dirty="0"/>
-              <a:t>::</a:t>
-            </a:r>
-            <a:r>
-              <a:rPr lang="en-US" dirty="0" err="1"/>
-              <a:t>stdout</a:t>
-            </a:r>
-            <a:r>
-              <a:rPr lang="en-US" dirty="0"/>
-              <a:t>()</a:t>
-            </a:r>
-          </a:p>
-        </p:txBody>
-      </p:sp>
-      <p:pic>
-        <p:nvPicPr>
-          <p:cNvPr id="4" name="Content Placeholder 3">
-            <a:extLst>
-              <a:ext uri="{FF2B5EF4-FFF2-40B4-BE49-F238E27FC236}">
-                <a16:creationId xmlns:a16="http://schemas.microsoft.com/office/drawing/2014/main" id="{58097784-424A-45C4-A8E1-D9F467F57D87}"/>
-              </a:ext>
-            </a:extLst>
-          </p:cNvPr>
-          <p:cNvPicPr>
-            <a:picLocks noGrp="1" noChangeAspect="1"/>
-          </p:cNvPicPr>
+        <p:spPr/>
+        <p:txBody>
+          <a:bodyPr/>
+          <a:lstStyle/>
+          <a:p>
+            <a:r>
+              <a:rPr lang="en-US" dirty="0"/>
+              <a:t>Examples of Common Error Handling</a:t>
+            </a:r>
+          </a:p>
+        </p:txBody>
+      </p:sp>
+      <p:sp>
+        <p:nvSpPr>
+          <p:cNvPr id="3" name="Content Placeholder 2">
+            <a:extLst>
+              <a:ext uri="{FF2B5EF4-FFF2-40B4-BE49-F238E27FC236}">
+                <a16:creationId xmlns:a16="http://schemas.microsoft.com/office/drawing/2014/main" id="{05E4E5C2-8F5E-4FF9-8814-FB7B7B980601}"/>
+              </a:ext>
+            </a:extLst>
+          </p:cNvPr>
+          <p:cNvSpPr>
+            <a:spLocks noGrp="1"/>
+          </p:cNvSpPr>
           <p:nvPr>
             <p:ph idx="1"/>
           </p:nvPr>
-        </p:nvPicPr>
-        <p:blipFill>
-          <a:blip r:embed="rId2"/>
-          <a:stretch>
-            <a:fillRect/>
-          </a:stretch>
-        </p:blipFill>
-        <p:spPr>
-          <a:xfrm>
-            <a:off x="693092" y="431046"/>
-            <a:ext cx="5628599" cy="5995907"/>
-          </a:xfrm>
-          <a:prstGeom prst="rect">
-            <a:avLst/>
-          </a:prstGeom>
-        </p:spPr>
-      </p:pic>
-      <p:sp>
-        <p:nvSpPr>
-          <p:cNvPr id="5" name="TextBox 4">
-            <a:extLst>
-              <a:ext uri="{FF2B5EF4-FFF2-40B4-BE49-F238E27FC236}">
-                <a16:creationId xmlns:a16="http://schemas.microsoft.com/office/drawing/2014/main" id="{0B370C3A-EB7D-48AE-92A4-9810632F7CF3}"/>
-              </a:ext>
-            </a:extLst>
-          </p:cNvPr>
-          <p:cNvSpPr txBox="1"/>
-          <p:nvPr/>
-        </p:nvSpPr>
-        <p:spPr>
-          <a:xfrm>
-            <a:off x="6721887" y="1116828"/>
-            <a:ext cx="4777021" cy="4801314"/>
-          </a:xfrm>
-          <a:prstGeom prst="rect">
-            <a:avLst/>
-          </a:prstGeom>
-          <a:noFill/>
-        </p:spPr>
-        <p:txBody>
-          <a:bodyPr wrap="square" rtlCol="0">
-            <a:spAutoFit/>
-          </a:bodyPr>
-          <a:lstStyle/>
-          <a:p>
-            <a:r>
-              <a:rPr lang="en-US" dirty="0" err="1"/>
-              <a:t>Stdout</a:t>
-            </a:r>
-            <a:r>
-              <a:rPr lang="en-US" dirty="0"/>
-              <a:t>() on Windows platform does not work well with non-utf8 characters.  If you pass a buffer containing non-utf8 byte sequence(s) the program will panic.</a:t>
+        </p:nvSpPr>
+        <p:spPr/>
+        <p:txBody>
+          <a:bodyPr/>
+          <a:lstStyle/>
+          <a:p>
+            <a:r>
+              <a:rPr lang="en-US" dirty="0"/>
+              <a:t>Console I/O</a:t>
+            </a:r>
+          </a:p>
+          <a:p>
+            <a:r>
+              <a:rPr lang="en-US" dirty="0"/>
+              <a:t>File I/O</a:t>
+            </a:r>
+          </a:p>
+          <a:p>
+            <a:r>
+              <a:rPr lang="en-US" dirty="0"/>
+              <a:t>TCP communication processing</a:t>
+            </a:r>
+          </a:p>
+          <a:p>
+            <a:r>
+              <a:rPr lang="en-US" dirty="0"/>
+              <a:t>Inter-process communication with pipes</a:t>
             </a:r>
           </a:p>
           <a:p>
             <a:endParaRPr lang="en-US" dirty="0"/>
           </a:p>
-          <a:p>
-            <a:r>
-              <a:rPr lang="en-US" dirty="0"/>
-              <a:t>Moreover, that panic cannot be trapped because the stack unwinding process results in a second active panic which always calls an immediate abort.</a:t>
-            </a:r>
-          </a:p>
-          <a:p>
-            <a:endParaRPr lang="en-US" dirty="0"/>
-          </a:p>
-          <a:p>
-            <a:r>
-              <a:rPr lang="en-US" dirty="0"/>
-              <a:t>Note that you can </a:t>
-            </a:r>
-            <a:r>
-              <a:rPr lang="en-US" b="1" dirty="0"/>
-              <a:t>always avoid this problem </a:t>
-            </a:r>
-            <a:r>
-              <a:rPr lang="en-US" dirty="0"/>
-              <a:t>by building a String from the byte sequence.  That does reliably fail with a Result if any of the bytes can’t be represented as part of a utf-8 sequence.</a:t>
-            </a:r>
-          </a:p>
-          <a:p>
-            <a:endParaRPr lang="en-US" dirty="0"/>
-          </a:p>
-          <a:p>
-            <a:r>
-              <a:rPr lang="en-US" dirty="0"/>
-              <a:t>If it doesn’t fail, you can safely pass the String, as bytes, to the </a:t>
-            </a:r>
-            <a:r>
-              <a:rPr lang="en-US" dirty="0" err="1"/>
-              <a:t>stdout</a:t>
-            </a:r>
-            <a:r>
-              <a:rPr lang="en-US" dirty="0"/>
-              <a:t>().write or </a:t>
-            </a:r>
-            <a:r>
-              <a:rPr lang="en-US" dirty="0" err="1"/>
-              <a:t>write_all</a:t>
-            </a:r>
-            <a:r>
-              <a:rPr lang="en-US" dirty="0"/>
-              <a:t> methods.</a:t>
-            </a:r>
-          </a:p>
-        </p:txBody>
-      </p:sp>
-      <p:sp>
-        <p:nvSpPr>
-          <p:cNvPr id="6" name="Slide Number Placeholder 5">
-            <a:extLst>
-              <a:ext uri="{FF2B5EF4-FFF2-40B4-BE49-F238E27FC236}">
-                <a16:creationId xmlns:a16="http://schemas.microsoft.com/office/drawing/2014/main" id="{3FF0188C-E43F-4F10-9159-80C774974362}"/>
+        </p:txBody>
+      </p:sp>
+      <p:sp>
+        <p:nvSpPr>
+          <p:cNvPr id="4" name="Slide Number Placeholder 3">
+            <a:extLst>
+              <a:ext uri="{FF2B5EF4-FFF2-40B4-BE49-F238E27FC236}">
+                <a16:creationId xmlns:a16="http://schemas.microsoft.com/office/drawing/2014/main" id="{E60F8757-5141-4B51-AEA2-165E7DF50F3F}"/>
               </a:ext>
             </a:extLst>
           </p:cNvPr>
@@ -5759,7 +5578,7 @@
     </p:spTree>
     <p:extLst>
       <p:ext uri="{BB962C8B-B14F-4D97-AF65-F5344CB8AC3E}">
-        <p14:creationId xmlns:p14="http://schemas.microsoft.com/office/powerpoint/2010/main" val="576468038"/>
+        <p14:creationId xmlns:p14="http://schemas.microsoft.com/office/powerpoint/2010/main" val="874616210"/>
       </p:ext>
     </p:extLst>
   </p:cSld>
@@ -5788,10 +5607,10 @@
       </p:grpSpPr>
       <p:sp>
         <p:nvSpPr>
-          <p:cNvPr id="5" name="Title 4">
-            <a:extLst>
-              <a:ext uri="{FF2B5EF4-FFF2-40B4-BE49-F238E27FC236}">
-                <a16:creationId xmlns:a16="http://schemas.microsoft.com/office/drawing/2014/main" id="{55E6E94E-181F-452C-9A8B-40ED7028A81A}"/>
+          <p:cNvPr id="2" name="Title 1">
+            <a:extLst>
+              <a:ext uri="{FF2B5EF4-FFF2-40B4-BE49-F238E27FC236}">
+                <a16:creationId xmlns:a16="http://schemas.microsoft.com/office/drawing/2014/main" id="{2274C202-EFEA-48FA-B063-97E04E7579AF}"/>
               </a:ext>
             </a:extLst>
           </p:cNvPr>
@@ -5809,7 +5628,260 @@
           <a:p>
             <a:r>
               <a:rPr lang="en-US" dirty="0"/>
-              <a:t>Flexible File Open</a:t>
+              <a:t>Console I/O</a:t>
+            </a:r>
+          </a:p>
+        </p:txBody>
+      </p:sp>
+      <p:sp>
+        <p:nvSpPr>
+          <p:cNvPr id="3" name="Content Placeholder 2">
+            <a:extLst>
+              <a:ext uri="{FF2B5EF4-FFF2-40B4-BE49-F238E27FC236}">
+                <a16:creationId xmlns:a16="http://schemas.microsoft.com/office/drawing/2014/main" id="{D2970094-2CB0-4448-A788-90EADC3110EC}"/>
+              </a:ext>
+            </a:extLst>
+          </p:cNvPr>
+          <p:cNvSpPr>
+            <a:spLocks noGrp="1"/>
+          </p:cNvSpPr>
+          <p:nvPr>
+            <p:ph idx="1"/>
+          </p:nvPr>
+        </p:nvSpPr>
+        <p:spPr/>
+        <p:txBody>
+          <a:bodyPr/>
+          <a:lstStyle/>
+          <a:p>
+            <a:r>
+              <a:rPr lang="en-US" dirty="0"/>
+              <a:t>std::</a:t>
+            </a:r>
+            <a:r>
+              <a:rPr lang="en-US" dirty="0" err="1"/>
+              <a:t>io</a:t>
+            </a:r>
+            <a:r>
+              <a:rPr lang="en-US" dirty="0"/>
+              <a:t>::stdin() -&gt; Stdin</a:t>
+            </a:r>
+          </a:p>
+          <a:p>
+            <a:r>
+              <a:rPr lang="en-US" dirty="0"/>
+              <a:t>Stdin functions:</a:t>
+            </a:r>
+          </a:p>
+          <a:p>
+            <a:pPr lvl="1"/>
+            <a:r>
+              <a:rPr lang="en-US" dirty="0" err="1"/>
+              <a:t>fn</a:t>
+            </a:r>
+            <a:r>
+              <a:rPr lang="en-US" dirty="0"/>
+              <a:t> </a:t>
+            </a:r>
+            <a:r>
+              <a:rPr lang="en-US" dirty="0" err="1"/>
+              <a:t>read_line</a:t>
+            </a:r>
+            <a:r>
+              <a:rPr lang="en-US" dirty="0"/>
+              <a:t>(&amp;self, </a:t>
+            </a:r>
+            <a:r>
+              <a:rPr lang="en-US" dirty="0" err="1"/>
+              <a:t>buf</a:t>
+            </a:r>
+            <a:r>
+              <a:rPr lang="en-US" dirty="0"/>
+              <a:t>:&amp;mut String) -&gt; Result&lt;</a:t>
+            </a:r>
+            <a:r>
+              <a:rPr lang="en-US" dirty="0" err="1"/>
+              <a:t>usize</a:t>
+            </a:r>
+            <a:r>
+              <a:rPr lang="en-US" dirty="0"/>
+              <a:t>&gt;</a:t>
+            </a:r>
+          </a:p>
+          <a:p>
+            <a:pPr lvl="1"/>
+            <a:r>
+              <a:rPr lang="en-US" dirty="0" err="1"/>
+              <a:t>fn</a:t>
+            </a:r>
+            <a:r>
+              <a:rPr lang="en-US" dirty="0"/>
+              <a:t> </a:t>
+            </a:r>
+            <a:r>
+              <a:rPr lang="en-US" dirty="0" err="1"/>
+              <a:t>read_to_string</a:t>
+            </a:r>
+            <a:r>
+              <a:rPr lang="en-US" dirty="0"/>
+              <a:t>(&amp;mut self, </a:t>
+            </a:r>
+            <a:r>
+              <a:rPr lang="en-US" dirty="0" err="1"/>
+              <a:t>buf</a:t>
+            </a:r>
+            <a:r>
+              <a:rPr lang="en-US" dirty="0"/>
+              <a:t>:&amp;mut String) -&gt; Result&lt;</a:t>
+            </a:r>
+            <a:r>
+              <a:rPr lang="en-US" dirty="0" err="1"/>
+              <a:t>usize</a:t>
+            </a:r>
+            <a:r>
+              <a:rPr lang="en-US" dirty="0"/>
+              <a:t>&gt;</a:t>
+            </a:r>
+          </a:p>
+          <a:p>
+            <a:pPr lvl="1"/>
+            <a:r>
+              <a:rPr lang="en-US" dirty="0"/>
+              <a:t>Many more here: </a:t>
+            </a:r>
+            <a:r>
+              <a:rPr lang="en-US" sz="2000" dirty="0">
+                <a:hlinkClick r:id="rId2"/>
+              </a:rPr>
+              <a:t>https://doc.rust-lang.org/1.4.0/std/io/struct.Stdin.html</a:t>
+            </a:r>
+            <a:endParaRPr lang="en-US" dirty="0"/>
+          </a:p>
+          <a:p>
+            <a:r>
+              <a:rPr lang="en-US" dirty="0"/>
+              <a:t>std::</a:t>
+            </a:r>
+            <a:r>
+              <a:rPr lang="en-US" dirty="0" err="1"/>
+              <a:t>io</a:t>
+            </a:r>
+            <a:r>
+              <a:rPr lang="en-US" dirty="0"/>
+              <a:t>::</a:t>
+            </a:r>
+            <a:r>
+              <a:rPr lang="en-US" dirty="0" err="1"/>
+              <a:t>stdout</a:t>
+            </a:r>
+            <a:r>
+              <a:rPr lang="en-US" dirty="0"/>
+              <a:t>() -&gt; </a:t>
+            </a:r>
+            <a:r>
+              <a:rPr lang="en-US" dirty="0" err="1"/>
+              <a:t>Stdout</a:t>
+            </a:r>
+            <a:endParaRPr lang="en-US" dirty="0"/>
+          </a:p>
+          <a:p>
+            <a:r>
+              <a:rPr lang="en-US" dirty="0" err="1"/>
+              <a:t>Stdout</a:t>
+            </a:r>
+            <a:r>
+              <a:rPr lang="en-US" dirty="0"/>
+              <a:t> functions</a:t>
+            </a:r>
+          </a:p>
+          <a:p>
+            <a:pPr lvl="1"/>
+            <a:r>
+              <a:rPr lang="en-US" dirty="0" err="1"/>
+              <a:t>fn</a:t>
+            </a:r>
+            <a:r>
+              <a:rPr lang="en-US" dirty="0"/>
+              <a:t> write(&amp;mut self, </a:t>
+            </a:r>
+            <a:r>
+              <a:rPr lang="en-US" dirty="0" err="1"/>
+              <a:t>buf</a:t>
+            </a:r>
+            <a:r>
+              <a:rPr lang="en-US" dirty="0"/>
+              <a:t>: &amp;[u8]) -&gt; Result&lt;</a:t>
+            </a:r>
+            <a:r>
+              <a:rPr lang="en-US" dirty="0" err="1"/>
+              <a:t>usize</a:t>
+            </a:r>
+            <a:r>
+              <a:rPr lang="en-US" dirty="0"/>
+              <a:t>&gt;</a:t>
+            </a:r>
+          </a:p>
+          <a:p>
+            <a:pPr lvl="1"/>
+            <a:r>
+              <a:rPr lang="en-US" dirty="0" err="1"/>
+              <a:t>fn</a:t>
+            </a:r>
+            <a:r>
+              <a:rPr lang="en-US" dirty="0"/>
+              <a:t> </a:t>
+            </a:r>
+            <a:r>
+              <a:rPr lang="en-US" dirty="0" err="1"/>
+              <a:t>write_all</a:t>
+            </a:r>
+            <a:r>
+              <a:rPr lang="en-US" dirty="0"/>
+              <a:t>(&amp;mut self, </a:t>
+            </a:r>
+            <a:r>
+              <a:rPr lang="en-US" dirty="0" err="1"/>
+              <a:t>buf</a:t>
+            </a:r>
+            <a:r>
+              <a:rPr lang="en-US" dirty="0"/>
+              <a:t>: &amp;[u8]) -&gt; Result&lt;</a:t>
+            </a:r>
+            <a:r>
+              <a:rPr lang="en-US" dirty="0" err="1"/>
+              <a:t>usize</a:t>
+            </a:r>
+            <a:r>
+              <a:rPr lang="en-US" dirty="0"/>
+              <a:t>&gt;</a:t>
+            </a:r>
+          </a:p>
+          <a:p>
+            <a:pPr lvl="1"/>
+            <a:r>
+              <a:rPr lang="en-US" dirty="0" err="1"/>
+              <a:t>fn</a:t>
+            </a:r>
+            <a:r>
+              <a:rPr lang="en-US" dirty="0"/>
+              <a:t> flush(&amp;mut self) -&gt; Result&lt;()&gt;</a:t>
+            </a:r>
+          </a:p>
+          <a:p>
+            <a:pPr lvl="1"/>
+            <a:r>
+              <a:rPr lang="en-US" dirty="0"/>
+              <a:t>Many more here: </a:t>
+            </a:r>
+            <a:r>
+              <a:rPr lang="en-US" sz="2000" dirty="0">
+                <a:hlinkClick r:id="rId3"/>
+              </a:rPr>
+              <a:t>https://doc.rust-lang.org/1.4.0/std/io/struct.Stdout.html</a:t>
+            </a:r>
+            <a:r>
+              <a:rPr lang="en-US" dirty="0"/>
+              <a:t> </a:t>
             </a:r>
           </a:p>
         </p:txBody>
@@ -5819,7 +5891,7 @@
           <p:cNvPr id="4" name="Slide Number Placeholder 3">
             <a:extLst>
               <a:ext uri="{FF2B5EF4-FFF2-40B4-BE49-F238E27FC236}">
-                <a16:creationId xmlns:a16="http://schemas.microsoft.com/office/drawing/2014/main" id="{BB8C821D-B8D4-47C2-BECE-17AB470BB924}"/>
+                <a16:creationId xmlns:a16="http://schemas.microsoft.com/office/drawing/2014/main" id="{DF5A3F0E-6556-4823-957F-1C835B8E3856}"/>
               </a:ext>
             </a:extLst>
           </p:cNvPr>
@@ -5844,125 +5916,10 @@
           </a:p>
         </p:txBody>
       </p:sp>
-      <p:sp>
-        <p:nvSpPr>
-          <p:cNvPr id="13" name="TextBox 12">
-            <a:extLst>
-              <a:ext uri="{FF2B5EF4-FFF2-40B4-BE49-F238E27FC236}">
-                <a16:creationId xmlns:a16="http://schemas.microsoft.com/office/drawing/2014/main" id="{29F8D934-F14D-4AF9-BE8E-98F7E612BEF5}"/>
-              </a:ext>
-            </a:extLst>
-          </p:cNvPr>
-          <p:cNvSpPr txBox="1"/>
-          <p:nvPr/>
-        </p:nvSpPr>
-        <p:spPr>
-          <a:xfrm>
-            <a:off x="977221" y="5276995"/>
-            <a:ext cx="10225924" cy="923330"/>
-          </a:xfrm>
-          <a:prstGeom prst="rect">
-            <a:avLst/>
-          </a:prstGeom>
-          <a:noFill/>
-        </p:spPr>
-        <p:txBody>
-          <a:bodyPr wrap="square" rtlCol="0">
-            <a:spAutoFit/>
-          </a:bodyPr>
-          <a:lstStyle/>
-          <a:p>
-            <a:r>
-              <a:rPr lang="en-US" dirty="0"/>
-              <a:t>Syntax of the Rust language does not support bit-masking on </a:t>
-            </a:r>
-            <a:r>
-              <a:rPr lang="en-US" dirty="0" err="1"/>
-              <a:t>enums</a:t>
-            </a:r>
-            <a:r>
-              <a:rPr lang="en-US" dirty="0"/>
-              <a:t> (which you can do in C++).  The reason is that Rust </a:t>
-            </a:r>
-            <a:r>
-              <a:rPr lang="en-US" dirty="0" err="1"/>
-              <a:t>enums</a:t>
-            </a:r>
-            <a:r>
-              <a:rPr lang="en-US" dirty="0"/>
-              <a:t> may have any associated type, not just integers (like C++).  This code illustrates one way to accomplish bit masking on options.</a:t>
-            </a:r>
-          </a:p>
-        </p:txBody>
-      </p:sp>
-      <p:pic>
-        <p:nvPicPr>
-          <p:cNvPr id="16" name="Content Placeholder 15">
-            <a:extLst>
-              <a:ext uri="{FF2B5EF4-FFF2-40B4-BE49-F238E27FC236}">
-                <a16:creationId xmlns:a16="http://schemas.microsoft.com/office/drawing/2014/main" id="{02FAED3B-0A3B-4287-80E9-D55D811391C9}"/>
-              </a:ext>
-            </a:extLst>
-          </p:cNvPr>
-          <p:cNvPicPr>
-            <a:picLocks noGrp="1" noChangeAspect="1"/>
-          </p:cNvPicPr>
-          <p:nvPr>
-            <p:ph sz="half" idx="1"/>
-          </p:nvPr>
-        </p:nvPicPr>
-        <p:blipFill>
-          <a:blip r:embed="rId2"/>
-          <a:stretch>
-            <a:fillRect/>
-          </a:stretch>
-        </p:blipFill>
-        <p:spPr>
-          <a:xfrm>
-            <a:off x="838200" y="1309063"/>
-            <a:ext cx="5181600" cy="2722647"/>
-          </a:xfrm>
-          <a:prstGeom prst="rect">
-            <a:avLst/>
-          </a:prstGeom>
-        </p:spPr>
-      </p:pic>
-      <p:pic>
-        <p:nvPicPr>
-          <p:cNvPr id="19" name="Content Placeholder 18">
-            <a:extLst>
-              <a:ext uri="{FF2B5EF4-FFF2-40B4-BE49-F238E27FC236}">
-                <a16:creationId xmlns:a16="http://schemas.microsoft.com/office/drawing/2014/main" id="{764F3265-0AA8-48E2-830C-38DC4A06B881}"/>
-              </a:ext>
-            </a:extLst>
-          </p:cNvPr>
-          <p:cNvPicPr>
-            <a:picLocks noGrp="1" noChangeAspect="1"/>
-          </p:cNvPicPr>
-          <p:nvPr>
-            <p:ph sz="half" idx="2"/>
-          </p:nvPr>
-        </p:nvPicPr>
-        <p:blipFill>
-          <a:blip r:embed="rId3"/>
-          <a:stretch>
-            <a:fillRect/>
-          </a:stretch>
-        </p:blipFill>
-        <p:spPr>
-          <a:xfrm>
-            <a:off x="6172202" y="1324808"/>
-            <a:ext cx="5181600" cy="3575752"/>
-          </a:xfrm>
-          <a:prstGeom prst="rect">
-            <a:avLst/>
-          </a:prstGeom>
-        </p:spPr>
-      </p:pic>
     </p:spTree>
     <p:extLst>
       <p:ext uri="{BB962C8B-B14F-4D97-AF65-F5344CB8AC3E}">
-        <p14:creationId xmlns:p14="http://schemas.microsoft.com/office/powerpoint/2010/main" val="1390547462"/>
+        <p14:creationId xmlns:p14="http://schemas.microsoft.com/office/powerpoint/2010/main" val="1865835139"/>
       </p:ext>
     </p:extLst>
   </p:cSld>
@@ -5991,10 +5948,10 @@
       </p:grpSpPr>
       <p:sp>
         <p:nvSpPr>
-          <p:cNvPr id="5" name="Title 4">
-            <a:extLst>
-              <a:ext uri="{FF2B5EF4-FFF2-40B4-BE49-F238E27FC236}">
-                <a16:creationId xmlns:a16="http://schemas.microsoft.com/office/drawing/2014/main" id="{F12A5738-3555-40DF-A371-FC11030FFE3F}"/>
+          <p:cNvPr id="2" name="Title 1">
+            <a:extLst>
+              <a:ext uri="{FF2B5EF4-FFF2-40B4-BE49-F238E27FC236}">
+                <a16:creationId xmlns:a16="http://schemas.microsoft.com/office/drawing/2014/main" id="{82BD9E61-D072-4BA2-9F17-3648C760C7C1}"/>
               </a:ext>
             </a:extLst>
           </p:cNvPr>
@@ -6012,17 +5969,25 @@
           <a:p>
             <a:r>
               <a:rPr lang="en-US" dirty="0"/>
-              <a:t>File Error Handling</a:t>
-            </a:r>
-          </a:p>
-        </p:txBody>
-      </p:sp>
-      <p:sp>
-        <p:nvSpPr>
-          <p:cNvPr id="4" name="Slide Number Placeholder 3">
-            <a:extLst>
-              <a:ext uri="{FF2B5EF4-FFF2-40B4-BE49-F238E27FC236}">
-                <a16:creationId xmlns:a16="http://schemas.microsoft.com/office/drawing/2014/main" id="{CD3166A7-E615-42A1-AFB7-427D7EBC2C71}"/>
+              <a:t>Console I/O – std::</a:t>
+            </a:r>
+            <a:r>
+              <a:rPr lang="en-US" dirty="0" err="1"/>
+              <a:t>io</a:t>
+            </a:r>
+            <a:r>
+              <a:rPr lang="en-US" dirty="0"/>
+              <a:t>::stdin()</a:t>
+            </a:r>
+          </a:p>
+        </p:txBody>
+      </p:sp>
+      <p:sp>
+        <p:nvSpPr>
+          <p:cNvPr id="6" name="Slide Number Placeholder 5">
+            <a:extLst>
+              <a:ext uri="{FF2B5EF4-FFF2-40B4-BE49-F238E27FC236}">
+                <a16:creationId xmlns:a16="http://schemas.microsoft.com/office/drawing/2014/main" id="{7ADEC78C-CCAF-4AAB-9625-FCFA5911941D}"/>
               </a:ext>
             </a:extLst>
           </p:cNvPr>
@@ -6047,73 +6012,12 @@
           </a:p>
         </p:txBody>
       </p:sp>
-      <p:sp>
-        <p:nvSpPr>
-          <p:cNvPr id="11" name="TextBox 10">
-            <a:extLst>
-              <a:ext uri="{FF2B5EF4-FFF2-40B4-BE49-F238E27FC236}">
-                <a16:creationId xmlns:a16="http://schemas.microsoft.com/office/drawing/2014/main" id="{23E514F1-2AD4-4578-8988-AA8576BD71FF}"/>
-              </a:ext>
-            </a:extLst>
-          </p:cNvPr>
-          <p:cNvSpPr txBox="1"/>
-          <p:nvPr/>
-        </p:nvSpPr>
-        <p:spPr>
-          <a:xfrm>
-            <a:off x="6680006" y="1479792"/>
-            <a:ext cx="4551060" cy="3693319"/>
-          </a:xfrm>
-          <a:prstGeom prst="rect">
-            <a:avLst/>
-          </a:prstGeom>
-          <a:noFill/>
-        </p:spPr>
-        <p:txBody>
-          <a:bodyPr wrap="square" rtlCol="0">
-            <a:spAutoFit/>
-          </a:bodyPr>
-          <a:lstStyle/>
-          <a:p>
-            <a:r>
-              <a:rPr lang="en-US" dirty="0"/>
-              <a:t>Two cases are presented here.  The first attempts to open a file, and, if it does not exist, will create and open it.</a:t>
-            </a:r>
-          </a:p>
-          <a:p>
-            <a:endParaRPr lang="en-US" dirty="0"/>
-          </a:p>
-          <a:p>
-            <a:r>
-              <a:rPr lang="en-US" dirty="0"/>
-              <a:t>The second case does not attempt to create the file if it does not exist, so will fail if it doesn’t exist.</a:t>
-            </a:r>
-          </a:p>
-          <a:p>
-            <a:endParaRPr lang="en-US" dirty="0"/>
-          </a:p>
-          <a:p>
-            <a:r>
-              <a:rPr lang="en-US" dirty="0"/>
-              <a:t>Open errors are managed by examining the </a:t>
-            </a:r>
-            <a:r>
-              <a:rPr lang="en-US" dirty="0" err="1"/>
-              <a:t>open_file</a:t>
-            </a:r>
-            <a:r>
-              <a:rPr lang="en-US" dirty="0"/>
-              <a:t> function’s result.   Write failures are handled by bubbling up to the caller – main in this case, so a write error terminates the program with an error message.</a:t>
-            </a:r>
-          </a:p>
-        </p:txBody>
-      </p:sp>
       <p:pic>
         <p:nvPicPr>
-          <p:cNvPr id="14" name="Content Placeholder 13">
-            <a:extLst>
-              <a:ext uri="{FF2B5EF4-FFF2-40B4-BE49-F238E27FC236}">
-                <a16:creationId xmlns:a16="http://schemas.microsoft.com/office/drawing/2014/main" id="{ACFB3116-FE1D-4AD6-89EF-E0B16248C68A}"/>
+          <p:cNvPr id="9" name="Content Placeholder 8">
+            <a:extLst>
+              <a:ext uri="{FF2B5EF4-FFF2-40B4-BE49-F238E27FC236}">
+                <a16:creationId xmlns:a16="http://schemas.microsoft.com/office/drawing/2014/main" id="{FB49B83C-263B-48AB-9EA0-522A3611D748}"/>
               </a:ext>
             </a:extLst>
           </p:cNvPr>
@@ -6121,7 +6025,7 @@
             <a:picLocks noGrp="1" noChangeAspect="1"/>
           </p:cNvPicPr>
           <p:nvPr>
-            <p:ph sz="half" idx="1"/>
+            <p:ph idx="1"/>
           </p:nvPr>
         </p:nvPicPr>
         <p:blipFill>
@@ -6132,8 +6036,8 @@
         </p:blipFill>
         <p:spPr>
           <a:xfrm>
-            <a:off x="838200" y="1242403"/>
-            <a:ext cx="5181600" cy="4916120"/>
+            <a:off x="838200" y="1555079"/>
+            <a:ext cx="10515600" cy="4389192"/>
           </a:xfrm>
           <a:prstGeom prst="rect">
             <a:avLst/>
@@ -6143,7 +6047,7 @@
     </p:spTree>
     <p:extLst>
       <p:ext uri="{BB962C8B-B14F-4D97-AF65-F5344CB8AC3E}">
-        <p14:creationId xmlns:p14="http://schemas.microsoft.com/office/powerpoint/2010/main" val="1629146184"/>
+        <p14:creationId xmlns:p14="http://schemas.microsoft.com/office/powerpoint/2010/main" val="3048086422"/>
       </p:ext>
     </p:extLst>
   </p:cSld>
@@ -6411,10 +6315,10 @@
       </p:grpSpPr>
       <p:sp>
         <p:nvSpPr>
-          <p:cNvPr id="8" name="Title 7">
-            <a:extLst>
-              <a:ext uri="{FF2B5EF4-FFF2-40B4-BE49-F238E27FC236}">
-                <a16:creationId xmlns:a16="http://schemas.microsoft.com/office/drawing/2014/main" id="{308879B3-524C-4638-B6AC-28F50B3252ED}"/>
+          <p:cNvPr id="2" name="Title 1">
+            <a:extLst>
+              <a:ext uri="{FF2B5EF4-FFF2-40B4-BE49-F238E27FC236}">
+                <a16:creationId xmlns:a16="http://schemas.microsoft.com/office/drawing/2014/main" id="{41EDFE3D-482F-4A85-A0A7-63CF5B5133A2}"/>
               </a:ext>
             </a:extLst>
           </p:cNvPr>
@@ -6432,133 +6336,230 @@
           <a:p>
             <a:r>
               <a:rPr lang="en-US" dirty="0"/>
-              <a:t>Summary</a:t>
-            </a:r>
-          </a:p>
-        </p:txBody>
-      </p:sp>
-      <p:sp>
-        <p:nvSpPr>
-          <p:cNvPr id="9" name="Content Placeholder 8">
-            <a:extLst>
-              <a:ext uri="{FF2B5EF4-FFF2-40B4-BE49-F238E27FC236}">
-                <a16:creationId xmlns:a16="http://schemas.microsoft.com/office/drawing/2014/main" id="{3A11395F-B50F-4FB5-8E6C-9B405FAAD33F}"/>
-              </a:ext>
-            </a:extLst>
-          </p:cNvPr>
-          <p:cNvSpPr>
-            <a:spLocks noGrp="1"/>
-          </p:cNvSpPr>
+              <a:t>Console I/O – std::</a:t>
+            </a:r>
+            <a:r>
+              <a:rPr lang="en-US" dirty="0" err="1"/>
+              <a:t>io</a:t>
+            </a:r>
+            <a:r>
+              <a:rPr lang="en-US" dirty="0"/>
+              <a:t>::</a:t>
+            </a:r>
+            <a:r>
+              <a:rPr lang="en-US" dirty="0" err="1"/>
+              <a:t>stdout</a:t>
+            </a:r>
+            <a:r>
+              <a:rPr lang="en-US" dirty="0"/>
+              <a:t>() </a:t>
+            </a:r>
+          </a:p>
+        </p:txBody>
+      </p:sp>
+      <p:pic>
+        <p:nvPicPr>
+          <p:cNvPr id="4" name="Content Placeholder 3">
+            <a:extLst>
+              <a:ext uri="{FF2B5EF4-FFF2-40B4-BE49-F238E27FC236}">
+                <a16:creationId xmlns:a16="http://schemas.microsoft.com/office/drawing/2014/main" id="{EF9C1D3F-5408-44BE-A145-186FD7E9175B}"/>
+              </a:ext>
+            </a:extLst>
+          </p:cNvPr>
+          <p:cNvPicPr>
+            <a:picLocks noGrp="1" noChangeAspect="1"/>
+          </p:cNvPicPr>
           <p:nvPr>
             <p:ph idx="1"/>
           </p:nvPr>
-        </p:nvSpPr>
-        <p:spPr/>
-        <p:txBody>
-          <a:bodyPr/>
-          <a:lstStyle/>
-          <a:p>
-            <a:r>
-              <a:rPr lang="en-US" dirty="0"/>
-              <a:t>Rust error handling uses:</a:t>
-            </a:r>
-          </a:p>
-          <a:p>
-            <a:pPr lvl="1"/>
-            <a:r>
-              <a:rPr lang="en-US" dirty="0"/>
-              <a:t>panics</a:t>
-            </a:r>
-          </a:p>
-          <a:p>
-            <a:pPr lvl="2"/>
-            <a:r>
-              <a:rPr lang="en-US" dirty="0"/>
-              <a:t>Trapping panics has behavior similar to C++ exception handling</a:t>
-            </a:r>
-          </a:p>
-          <a:p>
-            <a:pPr lvl="1"/>
-            <a:r>
-              <a:rPr lang="en-US" dirty="0"/>
-              <a:t>std::Result&lt;T,E&gt;</a:t>
-            </a:r>
-          </a:p>
-          <a:p>
-            <a:pPr lvl="2"/>
-            <a:r>
-              <a:rPr lang="en-US" dirty="0"/>
-              <a:t>Must handle both Ok(</a:t>
-            </a:r>
+        </p:nvPicPr>
+        <p:blipFill>
+          <a:blip r:embed="rId2"/>
+          <a:stretch>
+            <a:fillRect/>
+          </a:stretch>
+        </p:blipFill>
+        <p:spPr>
+          <a:xfrm>
+            <a:off x="796533" y="1236620"/>
+            <a:ext cx="9600465" cy="4854575"/>
+          </a:xfrm>
+          <a:prstGeom prst="rect">
+            <a:avLst/>
+          </a:prstGeom>
+        </p:spPr>
+      </p:pic>
+      <p:pic>
+        <p:nvPicPr>
+          <p:cNvPr id="6" name="Picture 5">
+            <a:extLst>
+              <a:ext uri="{FF2B5EF4-FFF2-40B4-BE49-F238E27FC236}">
+                <a16:creationId xmlns:a16="http://schemas.microsoft.com/office/drawing/2014/main" id="{87CEE696-204D-4628-9387-E8F49B6EC600}"/>
+              </a:ext>
+            </a:extLst>
+          </p:cNvPr>
+          <p:cNvPicPr>
+            <a:picLocks noChangeAspect="1"/>
+          </p:cNvPicPr>
+          <p:nvPr/>
+        </p:nvPicPr>
+        <p:blipFill>
+          <a:blip r:embed="rId3"/>
+          <a:stretch>
+            <a:fillRect/>
+          </a:stretch>
+        </p:blipFill>
+        <p:spPr>
+          <a:xfrm>
+            <a:off x="6756788" y="4134510"/>
+            <a:ext cx="4697644" cy="1104065"/>
+          </a:xfrm>
+          <a:prstGeom prst="rect">
+            <a:avLst/>
+          </a:prstGeom>
+          <a:ln w="19050">
+            <a:solidFill>
+              <a:srgbClr val="FF0000"/>
+            </a:solidFill>
+          </a:ln>
+        </p:spPr>
+      </p:pic>
+      <p:pic>
+        <p:nvPicPr>
+          <p:cNvPr id="7" name="Picture 6">
+            <a:extLst>
+              <a:ext uri="{FF2B5EF4-FFF2-40B4-BE49-F238E27FC236}">
+                <a16:creationId xmlns:a16="http://schemas.microsoft.com/office/drawing/2014/main" id="{B9C4BF73-FF04-4A70-8AA6-CA118AA7DB39}"/>
+              </a:ext>
+            </a:extLst>
+          </p:cNvPr>
+          <p:cNvPicPr>
+            <a:picLocks noChangeAspect="1"/>
+          </p:cNvPicPr>
+          <p:nvPr/>
+        </p:nvPicPr>
+        <p:blipFill>
+          <a:blip r:embed="rId4"/>
+          <a:stretch>
+            <a:fillRect/>
+          </a:stretch>
+        </p:blipFill>
+        <p:spPr>
+          <a:xfrm>
+            <a:off x="6718500" y="2640788"/>
+            <a:ext cx="4300719" cy="1028700"/>
+          </a:xfrm>
+          <a:prstGeom prst="rect">
+            <a:avLst/>
+          </a:prstGeom>
+          <a:ln w="19050">
+            <a:solidFill>
+              <a:schemeClr val="accent6">
+                <a:lumMod val="40000"/>
+                <a:lumOff val="60000"/>
+              </a:schemeClr>
+            </a:solidFill>
+          </a:ln>
+        </p:spPr>
+      </p:pic>
+      <p:sp>
+        <p:nvSpPr>
+          <p:cNvPr id="8" name="TextBox 7">
+            <a:extLst>
+              <a:ext uri="{FF2B5EF4-FFF2-40B4-BE49-F238E27FC236}">
+                <a16:creationId xmlns:a16="http://schemas.microsoft.com/office/drawing/2014/main" id="{C6F0E090-6639-498C-8DA8-CEFA3DEB2C12}"/>
+              </a:ext>
+            </a:extLst>
+          </p:cNvPr>
+          <p:cNvSpPr txBox="1"/>
+          <p:nvPr/>
+        </p:nvSpPr>
+        <p:spPr>
+          <a:xfrm>
+            <a:off x="10085100" y="2377304"/>
+            <a:ext cx="1246018" cy="369332"/>
+          </a:xfrm>
+          <a:prstGeom prst="rect">
+            <a:avLst/>
+          </a:prstGeom>
+          <a:solidFill>
+            <a:schemeClr val="bg2"/>
+          </a:solidFill>
+          <a:ln w="19050">
+            <a:solidFill>
+              <a:schemeClr val="tx1"/>
+            </a:solidFill>
+          </a:ln>
+        </p:spPr>
+        <p:txBody>
+          <a:bodyPr wrap="square" rtlCol="0">
+            <a:spAutoFit/>
+          </a:bodyPr>
+          <a:lstStyle/>
+          <a:p>
             <a:r>
               <a:rPr lang="en-US" dirty="0" err="1"/>
-              <a:t>t:T</a:t>
-            </a:r>
-            <a:r>
-              <a:rPr lang="en-US" dirty="0"/>
-              <a:t>) and Err(</a:t>
-            </a:r>
+              <a:t>arg</a:t>
+            </a:r>
+            <a:r>
+              <a:rPr lang="en-US" dirty="0"/>
+              <a:t> = _valid</a:t>
+            </a:r>
+          </a:p>
+        </p:txBody>
+      </p:sp>
+      <p:sp>
+        <p:nvSpPr>
+          <p:cNvPr id="9" name="TextBox 8">
+            <a:extLst>
+              <a:ext uri="{FF2B5EF4-FFF2-40B4-BE49-F238E27FC236}">
+                <a16:creationId xmlns:a16="http://schemas.microsoft.com/office/drawing/2014/main" id="{9A94A582-CDF0-4B2D-8A51-ACD6033B118A}"/>
+              </a:ext>
+            </a:extLst>
+          </p:cNvPr>
+          <p:cNvSpPr txBox="1"/>
+          <p:nvPr/>
+        </p:nvSpPr>
+        <p:spPr>
+          <a:xfrm>
+            <a:off x="10351687" y="3910435"/>
+            <a:ext cx="1479671" cy="369332"/>
+          </a:xfrm>
+          <a:prstGeom prst="rect">
+            <a:avLst/>
+          </a:prstGeom>
+          <a:solidFill>
+            <a:schemeClr val="bg2"/>
+          </a:solidFill>
+          <a:ln w="19050">
+            <a:solidFill>
+              <a:schemeClr val="tx1"/>
+            </a:solidFill>
+          </a:ln>
+        </p:spPr>
+        <p:txBody>
+          <a:bodyPr wrap="square" rtlCol="0">
+            <a:spAutoFit/>
+          </a:bodyPr>
+          <a:lstStyle/>
+          <a:p>
             <a:r>
               <a:rPr lang="en-US" dirty="0" err="1"/>
-              <a:t>e:E</a:t>
-            </a:r>
-            <a:r>
-              <a:rPr lang="en-US" dirty="0"/>
-              <a:t>)</a:t>
-            </a:r>
-          </a:p>
-          <a:p>
-            <a:pPr lvl="1"/>
-            <a:r>
-              <a:rPr lang="en-US" dirty="0"/>
-              <a:t>Matching</a:t>
-            </a:r>
-          </a:p>
-          <a:p>
-            <a:pPr lvl="2"/>
-            <a:r>
-              <a:rPr lang="en-US" dirty="0"/>
-              <a:t>Equivalent to manually handling Result, but often less code</a:t>
-            </a:r>
-          </a:p>
-          <a:p>
-            <a:pPr lvl="1"/>
-            <a:r>
-              <a:rPr lang="en-US" dirty="0"/>
-              <a:t>call-chain error event bubbling</a:t>
-            </a:r>
-          </a:p>
-          <a:p>
-            <a:pPr lvl="2"/>
-            <a:r>
-              <a:rPr lang="en-US" dirty="0"/>
-              <a:t>Supports chaining calls, e.g., anInstance.f1()?.f2()?.f3()?;</a:t>
-            </a:r>
-          </a:p>
-          <a:p>
-            <a:pPr lvl="2"/>
-            <a:r>
-              <a:rPr lang="en-US" dirty="0"/>
-              <a:t>Chaining requires each function to return self or &amp;self</a:t>
-            </a:r>
-          </a:p>
-          <a:p>
-            <a:r>
-              <a:rPr lang="en-US" dirty="0"/>
-              <a:t>Rust tries to prevent developers from ignoring errors or forgetting to manage them.</a:t>
-            </a:r>
-          </a:p>
-          <a:p>
-            <a:endParaRPr lang="en-US" dirty="0"/>
-          </a:p>
-        </p:txBody>
-      </p:sp>
-      <p:sp>
-        <p:nvSpPr>
-          <p:cNvPr id="5" name="Slide Number Placeholder 4">
-            <a:extLst>
-              <a:ext uri="{FF2B5EF4-FFF2-40B4-BE49-F238E27FC236}">
-                <a16:creationId xmlns:a16="http://schemas.microsoft.com/office/drawing/2014/main" id="{189FD0CC-F615-4259-B41B-F9D52C0CF96A}"/>
+              <a:t>arg</a:t>
+            </a:r>
+            <a:r>
+              <a:rPr lang="en-US" dirty="0"/>
+              <a:t> = _invalid</a:t>
+            </a:r>
+          </a:p>
+        </p:txBody>
+      </p:sp>
+      <p:sp>
+        <p:nvSpPr>
+          <p:cNvPr id="10" name="Slide Number Placeholder 9">
+            <a:extLst>
+              <a:ext uri="{FF2B5EF4-FFF2-40B4-BE49-F238E27FC236}">
+                <a16:creationId xmlns:a16="http://schemas.microsoft.com/office/drawing/2014/main" id="{EA0DE580-7FAD-4927-BD51-3135949FC007}"/>
               </a:ext>
             </a:extLst>
           </p:cNvPr>
@@ -6578,6 +6579,1027 @@
               <a:rPr lang="en-US" smtClean="0"/>
               <a:pPr/>
               <a:t>20</a:t>
+            </a:fld>
+            <a:endParaRPr lang="en-US" dirty="0"/>
+          </a:p>
+        </p:txBody>
+      </p:sp>
+    </p:spTree>
+    <p:extLst>
+      <p:ext uri="{BB962C8B-B14F-4D97-AF65-F5344CB8AC3E}">
+        <p14:creationId xmlns:p14="http://schemas.microsoft.com/office/powerpoint/2010/main" val="296859374"/>
+      </p:ext>
+    </p:extLst>
+  </p:cSld>
+  <p:clrMapOvr>
+    <a:masterClrMapping/>
+  </p:clrMapOvr>
+</p:sld>
+</file>
+
+<file path=ppt/slides/slide21.xml><?xml version="1.0" encoding="utf-8"?>
+<p:sld xmlns:a="http://schemas.openxmlformats.org/drawingml/2006/main" xmlns:r="http://schemas.openxmlformats.org/officeDocument/2006/relationships" xmlns:p="http://schemas.openxmlformats.org/presentationml/2006/main">
+  <p:cSld>
+    <p:spTree>
+      <p:nvGrpSpPr>
+        <p:cNvPr id="1" name=""/>
+        <p:cNvGrpSpPr/>
+        <p:nvPr/>
+      </p:nvGrpSpPr>
+      <p:grpSpPr>
+        <a:xfrm>
+          <a:off x="0" y="0"/>
+          <a:ext cx="0" cy="0"/>
+          <a:chOff x="0" y="0"/>
+          <a:chExt cx="0" cy="0"/>
+        </a:xfrm>
+      </p:grpSpPr>
+      <p:sp>
+        <p:nvSpPr>
+          <p:cNvPr id="2" name="Title 1">
+            <a:extLst>
+              <a:ext uri="{FF2B5EF4-FFF2-40B4-BE49-F238E27FC236}">
+                <a16:creationId xmlns:a16="http://schemas.microsoft.com/office/drawing/2014/main" id="{E308303A-2D32-4E0D-A404-3825F08FD08C}"/>
+              </a:ext>
+            </a:extLst>
+          </p:cNvPr>
+          <p:cNvSpPr>
+            <a:spLocks noGrp="1"/>
+          </p:cNvSpPr>
+          <p:nvPr>
+            <p:ph type="title"/>
+          </p:nvPr>
+        </p:nvSpPr>
+        <p:spPr>
+          <a:xfrm>
+            <a:off x="6826589" y="190623"/>
+            <a:ext cx="5109473" cy="792676"/>
+          </a:xfrm>
+        </p:spPr>
+        <p:txBody>
+          <a:bodyPr/>
+          <a:lstStyle/>
+          <a:p>
+            <a:r>
+              <a:rPr lang="en-US" dirty="0"/>
+              <a:t>std::</a:t>
+            </a:r>
+            <a:r>
+              <a:rPr lang="en-US" dirty="0" err="1"/>
+              <a:t>io</a:t>
+            </a:r>
+            <a:r>
+              <a:rPr lang="en-US" dirty="0"/>
+              <a:t>::</a:t>
+            </a:r>
+            <a:r>
+              <a:rPr lang="en-US" dirty="0" err="1"/>
+              <a:t>stdout</a:t>
+            </a:r>
+            <a:r>
+              <a:rPr lang="en-US" dirty="0"/>
+              <a:t>()</a:t>
+            </a:r>
+          </a:p>
+        </p:txBody>
+      </p:sp>
+      <p:pic>
+        <p:nvPicPr>
+          <p:cNvPr id="4" name="Content Placeholder 3">
+            <a:extLst>
+              <a:ext uri="{FF2B5EF4-FFF2-40B4-BE49-F238E27FC236}">
+                <a16:creationId xmlns:a16="http://schemas.microsoft.com/office/drawing/2014/main" id="{58097784-424A-45C4-A8E1-D9F467F57D87}"/>
+              </a:ext>
+            </a:extLst>
+          </p:cNvPr>
+          <p:cNvPicPr>
+            <a:picLocks noGrp="1" noChangeAspect="1"/>
+          </p:cNvPicPr>
+          <p:nvPr>
+            <p:ph idx="1"/>
+          </p:nvPr>
+        </p:nvPicPr>
+        <p:blipFill>
+          <a:blip r:embed="rId2"/>
+          <a:stretch>
+            <a:fillRect/>
+          </a:stretch>
+        </p:blipFill>
+        <p:spPr>
+          <a:xfrm>
+            <a:off x="693092" y="431046"/>
+            <a:ext cx="5628599" cy="5995907"/>
+          </a:xfrm>
+          <a:prstGeom prst="rect">
+            <a:avLst/>
+          </a:prstGeom>
+        </p:spPr>
+      </p:pic>
+      <p:sp>
+        <p:nvSpPr>
+          <p:cNvPr id="5" name="TextBox 4">
+            <a:extLst>
+              <a:ext uri="{FF2B5EF4-FFF2-40B4-BE49-F238E27FC236}">
+                <a16:creationId xmlns:a16="http://schemas.microsoft.com/office/drawing/2014/main" id="{0B370C3A-EB7D-48AE-92A4-9810632F7CF3}"/>
+              </a:ext>
+            </a:extLst>
+          </p:cNvPr>
+          <p:cNvSpPr txBox="1"/>
+          <p:nvPr/>
+        </p:nvSpPr>
+        <p:spPr>
+          <a:xfrm>
+            <a:off x="6721887" y="1116828"/>
+            <a:ext cx="4777021" cy="5078313"/>
+          </a:xfrm>
+          <a:prstGeom prst="rect">
+            <a:avLst/>
+          </a:prstGeom>
+          <a:noFill/>
+        </p:spPr>
+        <p:txBody>
+          <a:bodyPr wrap="square" rtlCol="0">
+            <a:spAutoFit/>
+          </a:bodyPr>
+          <a:lstStyle/>
+          <a:p>
+            <a:r>
+              <a:rPr lang="en-US" dirty="0" err="1"/>
+              <a:t>Stdout</a:t>
+            </a:r>
+            <a:r>
+              <a:rPr lang="en-US" dirty="0"/>
+              <a:t>() on Windows platform does not work well with non-utf8 characters.  If you pass a buffer containing non-utf8 byte sequence(s) the program will panic.</a:t>
+            </a:r>
+          </a:p>
+          <a:p>
+            <a:endParaRPr lang="en-US" dirty="0"/>
+          </a:p>
+          <a:p>
+            <a:r>
+              <a:rPr lang="en-US" dirty="0"/>
+              <a:t>Moreover, that panic cannot be trapped because the stack unwinding process results in a second active panic which always calls an immediate abort.</a:t>
+            </a:r>
+          </a:p>
+          <a:p>
+            <a:endParaRPr lang="en-US" dirty="0"/>
+          </a:p>
+          <a:p>
+            <a:r>
+              <a:rPr lang="en-US" dirty="0"/>
+              <a:t>Note that you can </a:t>
+            </a:r>
+            <a:r>
+              <a:rPr lang="en-US" b="1" dirty="0"/>
+              <a:t>always avoid this problem </a:t>
+            </a:r>
+            <a:r>
+              <a:rPr lang="en-US" dirty="0"/>
+              <a:t>by building a String from the byte sequence, as shown in the previous slide.  That does reliably fail with a Result if any of the bytes can’t be represented as part of a utf-8 sequence.</a:t>
+            </a:r>
+          </a:p>
+          <a:p>
+            <a:endParaRPr lang="en-US" dirty="0"/>
+          </a:p>
+          <a:p>
+            <a:r>
+              <a:rPr lang="en-US" dirty="0"/>
+              <a:t>If it doesn’t fail, you can safely pass the String, as bytes, to the </a:t>
+            </a:r>
+            <a:r>
+              <a:rPr lang="en-US" dirty="0" err="1"/>
+              <a:t>stdout</a:t>
+            </a:r>
+            <a:r>
+              <a:rPr lang="en-US" dirty="0"/>
+              <a:t>().write or </a:t>
+            </a:r>
+            <a:r>
+              <a:rPr lang="en-US" dirty="0" err="1"/>
+              <a:t>write_all</a:t>
+            </a:r>
+            <a:r>
+              <a:rPr lang="en-US" dirty="0"/>
+              <a:t> methods.</a:t>
+            </a:r>
+          </a:p>
+        </p:txBody>
+      </p:sp>
+      <p:sp>
+        <p:nvSpPr>
+          <p:cNvPr id="6" name="Slide Number Placeholder 5">
+            <a:extLst>
+              <a:ext uri="{FF2B5EF4-FFF2-40B4-BE49-F238E27FC236}">
+                <a16:creationId xmlns:a16="http://schemas.microsoft.com/office/drawing/2014/main" id="{3FF0188C-E43F-4F10-9159-80C774974362}"/>
+              </a:ext>
+            </a:extLst>
+          </p:cNvPr>
+          <p:cNvSpPr>
+            <a:spLocks noGrp="1"/>
+          </p:cNvSpPr>
+          <p:nvPr>
+            <p:ph type="sldNum" sz="quarter" idx="12"/>
+          </p:nvPr>
+        </p:nvSpPr>
+        <p:spPr/>
+        <p:txBody>
+          <a:bodyPr/>
+          <a:lstStyle/>
+          <a:p>
+            <a:fld id="{8175FE88-E4F7-4173-9B75-CBBABDFA1364}" type="slidenum">
+              <a:rPr lang="en-US" smtClean="0"/>
+              <a:pPr/>
+              <a:t>21</a:t>
+            </a:fld>
+            <a:endParaRPr lang="en-US" dirty="0"/>
+          </a:p>
+        </p:txBody>
+      </p:sp>
+    </p:spTree>
+    <p:extLst>
+      <p:ext uri="{BB962C8B-B14F-4D97-AF65-F5344CB8AC3E}">
+        <p14:creationId xmlns:p14="http://schemas.microsoft.com/office/powerpoint/2010/main" val="576468038"/>
+      </p:ext>
+    </p:extLst>
+  </p:cSld>
+  <p:clrMapOvr>
+    <a:masterClrMapping/>
+  </p:clrMapOvr>
+</p:sld>
+</file>
+
+<file path=ppt/slides/slide22.xml><?xml version="1.0" encoding="utf-8"?>
+<p:sld xmlns:a="http://schemas.openxmlformats.org/drawingml/2006/main" xmlns:r="http://schemas.openxmlformats.org/officeDocument/2006/relationships" xmlns:p="http://schemas.openxmlformats.org/presentationml/2006/main">
+  <p:cSld>
+    <p:spTree>
+      <p:nvGrpSpPr>
+        <p:cNvPr id="1" name=""/>
+        <p:cNvGrpSpPr/>
+        <p:nvPr/>
+      </p:nvGrpSpPr>
+      <p:grpSpPr>
+        <a:xfrm>
+          <a:off x="0" y="0"/>
+          <a:ext cx="0" cy="0"/>
+          <a:chOff x="0" y="0"/>
+          <a:chExt cx="0" cy="0"/>
+        </a:xfrm>
+      </p:grpSpPr>
+      <p:sp>
+        <p:nvSpPr>
+          <p:cNvPr id="2" name="Title 1">
+            <a:extLst>
+              <a:ext uri="{FF2B5EF4-FFF2-40B4-BE49-F238E27FC236}">
+                <a16:creationId xmlns:a16="http://schemas.microsoft.com/office/drawing/2014/main" id="{2274C202-EFEA-48FA-B063-97E04E7579AF}"/>
+              </a:ext>
+            </a:extLst>
+          </p:cNvPr>
+          <p:cNvSpPr>
+            <a:spLocks noGrp="1"/>
+          </p:cNvSpPr>
+          <p:nvPr>
+            <p:ph type="title"/>
+          </p:nvPr>
+        </p:nvSpPr>
+        <p:spPr/>
+        <p:txBody>
+          <a:bodyPr/>
+          <a:lstStyle/>
+          <a:p>
+            <a:r>
+              <a:rPr lang="en-US" dirty="0"/>
+              <a:t>File I/O</a:t>
+            </a:r>
+          </a:p>
+        </p:txBody>
+      </p:sp>
+      <p:sp>
+        <p:nvSpPr>
+          <p:cNvPr id="3" name="Content Placeholder 2">
+            <a:extLst>
+              <a:ext uri="{FF2B5EF4-FFF2-40B4-BE49-F238E27FC236}">
+                <a16:creationId xmlns:a16="http://schemas.microsoft.com/office/drawing/2014/main" id="{D2970094-2CB0-4448-A788-90EADC3110EC}"/>
+              </a:ext>
+            </a:extLst>
+          </p:cNvPr>
+          <p:cNvSpPr>
+            <a:spLocks noGrp="1"/>
+          </p:cNvSpPr>
+          <p:nvPr>
+            <p:ph idx="1"/>
+          </p:nvPr>
+        </p:nvSpPr>
+        <p:spPr/>
+        <p:txBody>
+          <a:bodyPr/>
+          <a:lstStyle/>
+          <a:p>
+            <a:r>
+              <a:rPr lang="en-US" dirty="0"/>
+              <a:t>std::fs::File</a:t>
+            </a:r>
+          </a:p>
+          <a:p>
+            <a:r>
+              <a:rPr lang="en-US" dirty="0"/>
+              <a:t>File functions:</a:t>
+            </a:r>
+          </a:p>
+          <a:p>
+            <a:pPr lvl="1"/>
+            <a:r>
+              <a:rPr lang="en-US" dirty="0" err="1"/>
+              <a:t>fn</a:t>
+            </a:r>
+            <a:r>
+              <a:rPr lang="en-US" dirty="0"/>
+              <a:t> open&lt;P: </a:t>
+            </a:r>
+            <a:r>
+              <a:rPr lang="en-US" dirty="0" err="1"/>
+              <a:t>AsRef</a:t>
+            </a:r>
+            <a:r>
+              <a:rPr lang="en-US" dirty="0"/>
+              <a:t>&lt;Path&gt;&gt;(path: P) -&gt; Result&lt;File&gt;    // opens read-only</a:t>
+            </a:r>
+          </a:p>
+          <a:p>
+            <a:pPr lvl="1"/>
+            <a:r>
+              <a:rPr lang="en-US" dirty="0" err="1"/>
+              <a:t>fn</a:t>
+            </a:r>
+            <a:r>
+              <a:rPr lang="en-US" dirty="0"/>
+              <a:t> create&lt;P: </a:t>
+            </a:r>
+            <a:r>
+              <a:rPr lang="en-US" dirty="0" err="1"/>
+              <a:t>AsRef</a:t>
+            </a:r>
+            <a:r>
+              <a:rPr lang="en-US" dirty="0"/>
+              <a:t>&lt;Path&gt;&gt;(path: P) -&gt; Result&lt;File&gt;  // opens write-only</a:t>
+            </a:r>
+          </a:p>
+          <a:p>
+            <a:pPr lvl="1"/>
+            <a:r>
+              <a:rPr lang="en-US" dirty="0" err="1"/>
+              <a:t>Fn</a:t>
+            </a:r>
+            <a:r>
+              <a:rPr lang="en-US" dirty="0"/>
+              <a:t> </a:t>
+            </a:r>
+            <a:r>
+              <a:rPr lang="en-US" dirty="0" err="1"/>
+              <a:t>with_options</a:t>
+            </a:r>
+            <a:r>
+              <a:rPr lang="en-US" dirty="0"/>
+              <a:t>() -&gt; </a:t>
+            </a:r>
+            <a:r>
+              <a:rPr lang="en-US" dirty="0" err="1"/>
+              <a:t>OpenOptions</a:t>
+            </a:r>
+            <a:endParaRPr lang="en-US" dirty="0"/>
+          </a:p>
+          <a:p>
+            <a:pPr lvl="1"/>
+            <a:r>
+              <a:rPr lang="en-US" dirty="0"/>
+              <a:t>Many more here: </a:t>
+            </a:r>
+            <a:r>
+              <a:rPr lang="en-US" sz="2000" dirty="0">
+                <a:hlinkClick r:id="rId2"/>
+              </a:rPr>
+              <a:t>https://doc.rust-lang.org/std/fs/struct.File.html</a:t>
+            </a:r>
+            <a:r>
+              <a:rPr lang="en-US" sz="2000" dirty="0"/>
+              <a:t> </a:t>
+            </a:r>
+            <a:endParaRPr lang="en-US" dirty="0"/>
+          </a:p>
+        </p:txBody>
+      </p:sp>
+      <p:sp>
+        <p:nvSpPr>
+          <p:cNvPr id="4" name="Slide Number Placeholder 3">
+            <a:extLst>
+              <a:ext uri="{FF2B5EF4-FFF2-40B4-BE49-F238E27FC236}">
+                <a16:creationId xmlns:a16="http://schemas.microsoft.com/office/drawing/2014/main" id="{DF5A3F0E-6556-4823-957F-1C835B8E3856}"/>
+              </a:ext>
+            </a:extLst>
+          </p:cNvPr>
+          <p:cNvSpPr>
+            <a:spLocks noGrp="1"/>
+          </p:cNvSpPr>
+          <p:nvPr>
+            <p:ph type="sldNum" sz="quarter" idx="12"/>
+          </p:nvPr>
+        </p:nvSpPr>
+        <p:spPr/>
+        <p:txBody>
+          <a:bodyPr/>
+          <a:lstStyle/>
+          <a:p>
+            <a:fld id="{8175FE88-E4F7-4173-9B75-CBBABDFA1364}" type="slidenum">
+              <a:rPr lang="en-US" smtClean="0"/>
+              <a:pPr/>
+              <a:t>22</a:t>
+            </a:fld>
+            <a:endParaRPr lang="en-US" dirty="0"/>
+          </a:p>
+        </p:txBody>
+      </p:sp>
+    </p:spTree>
+    <p:extLst>
+      <p:ext uri="{BB962C8B-B14F-4D97-AF65-F5344CB8AC3E}">
+        <p14:creationId xmlns:p14="http://schemas.microsoft.com/office/powerpoint/2010/main" val="2760243117"/>
+      </p:ext>
+    </p:extLst>
+  </p:cSld>
+  <p:clrMapOvr>
+    <a:masterClrMapping/>
+  </p:clrMapOvr>
+</p:sld>
+</file>
+
+<file path=ppt/slides/slide23.xml><?xml version="1.0" encoding="utf-8"?>
+<p:sld xmlns:a="http://schemas.openxmlformats.org/drawingml/2006/main" xmlns:r="http://schemas.openxmlformats.org/officeDocument/2006/relationships" xmlns:p="http://schemas.openxmlformats.org/presentationml/2006/main">
+  <p:cSld>
+    <p:spTree>
+      <p:nvGrpSpPr>
+        <p:cNvPr id="1" name=""/>
+        <p:cNvGrpSpPr/>
+        <p:nvPr/>
+      </p:nvGrpSpPr>
+      <p:grpSpPr>
+        <a:xfrm>
+          <a:off x="0" y="0"/>
+          <a:ext cx="0" cy="0"/>
+          <a:chOff x="0" y="0"/>
+          <a:chExt cx="0" cy="0"/>
+        </a:xfrm>
+      </p:grpSpPr>
+      <p:sp>
+        <p:nvSpPr>
+          <p:cNvPr id="5" name="Title 4">
+            <a:extLst>
+              <a:ext uri="{FF2B5EF4-FFF2-40B4-BE49-F238E27FC236}">
+                <a16:creationId xmlns:a16="http://schemas.microsoft.com/office/drawing/2014/main" id="{55E6E94E-181F-452C-9A8B-40ED7028A81A}"/>
+              </a:ext>
+            </a:extLst>
+          </p:cNvPr>
+          <p:cNvSpPr>
+            <a:spLocks noGrp="1"/>
+          </p:cNvSpPr>
+          <p:nvPr>
+            <p:ph type="title"/>
+          </p:nvPr>
+        </p:nvSpPr>
+        <p:spPr/>
+        <p:txBody>
+          <a:bodyPr/>
+          <a:lstStyle/>
+          <a:p>
+            <a:r>
+              <a:rPr lang="en-US" dirty="0"/>
+              <a:t>Flexible File Open</a:t>
+            </a:r>
+          </a:p>
+        </p:txBody>
+      </p:sp>
+      <p:sp>
+        <p:nvSpPr>
+          <p:cNvPr id="4" name="Slide Number Placeholder 3">
+            <a:extLst>
+              <a:ext uri="{FF2B5EF4-FFF2-40B4-BE49-F238E27FC236}">
+                <a16:creationId xmlns:a16="http://schemas.microsoft.com/office/drawing/2014/main" id="{BB8C821D-B8D4-47C2-BECE-17AB470BB924}"/>
+              </a:ext>
+            </a:extLst>
+          </p:cNvPr>
+          <p:cNvSpPr>
+            <a:spLocks noGrp="1"/>
+          </p:cNvSpPr>
+          <p:nvPr>
+            <p:ph type="sldNum" sz="quarter" idx="12"/>
+          </p:nvPr>
+        </p:nvSpPr>
+        <p:spPr/>
+        <p:txBody>
+          <a:bodyPr/>
+          <a:lstStyle/>
+          <a:p>
+            <a:fld id="{8175FE88-E4F7-4173-9B75-CBBABDFA1364}" type="slidenum">
+              <a:rPr lang="en-US" smtClean="0"/>
+              <a:pPr/>
+              <a:t>23</a:t>
+            </a:fld>
+            <a:endParaRPr lang="en-US" dirty="0"/>
+          </a:p>
+        </p:txBody>
+      </p:sp>
+      <p:sp>
+        <p:nvSpPr>
+          <p:cNvPr id="13" name="TextBox 12">
+            <a:extLst>
+              <a:ext uri="{FF2B5EF4-FFF2-40B4-BE49-F238E27FC236}">
+                <a16:creationId xmlns:a16="http://schemas.microsoft.com/office/drawing/2014/main" id="{29F8D934-F14D-4AF9-BE8E-98F7E612BEF5}"/>
+              </a:ext>
+            </a:extLst>
+          </p:cNvPr>
+          <p:cNvSpPr txBox="1"/>
+          <p:nvPr/>
+        </p:nvSpPr>
+        <p:spPr>
+          <a:xfrm>
+            <a:off x="977221" y="5276995"/>
+            <a:ext cx="10225924" cy="923330"/>
+          </a:xfrm>
+          <a:prstGeom prst="rect">
+            <a:avLst/>
+          </a:prstGeom>
+          <a:noFill/>
+        </p:spPr>
+        <p:txBody>
+          <a:bodyPr wrap="square" rtlCol="0">
+            <a:spAutoFit/>
+          </a:bodyPr>
+          <a:lstStyle/>
+          <a:p>
+            <a:r>
+              <a:rPr lang="en-US" dirty="0"/>
+              <a:t>Syntax of the Rust language does not support bit-masking on </a:t>
+            </a:r>
+            <a:r>
+              <a:rPr lang="en-US" dirty="0" err="1"/>
+              <a:t>enums</a:t>
+            </a:r>
+            <a:r>
+              <a:rPr lang="en-US" dirty="0"/>
+              <a:t> (which you can do in C++).  The reason is that Rust </a:t>
+            </a:r>
+            <a:r>
+              <a:rPr lang="en-US" dirty="0" err="1"/>
+              <a:t>enums</a:t>
+            </a:r>
+            <a:r>
+              <a:rPr lang="en-US" dirty="0"/>
+              <a:t> may have any associated type, not just integers (like C++).  This code illustrates one way to accomplish bit masking on options.</a:t>
+            </a:r>
+          </a:p>
+        </p:txBody>
+      </p:sp>
+      <p:pic>
+        <p:nvPicPr>
+          <p:cNvPr id="16" name="Content Placeholder 15">
+            <a:extLst>
+              <a:ext uri="{FF2B5EF4-FFF2-40B4-BE49-F238E27FC236}">
+                <a16:creationId xmlns:a16="http://schemas.microsoft.com/office/drawing/2014/main" id="{02FAED3B-0A3B-4287-80E9-D55D811391C9}"/>
+              </a:ext>
+            </a:extLst>
+          </p:cNvPr>
+          <p:cNvPicPr>
+            <a:picLocks noGrp="1" noChangeAspect="1"/>
+          </p:cNvPicPr>
+          <p:nvPr>
+            <p:ph sz="half" idx="1"/>
+          </p:nvPr>
+        </p:nvPicPr>
+        <p:blipFill>
+          <a:blip r:embed="rId2"/>
+          <a:stretch>
+            <a:fillRect/>
+          </a:stretch>
+        </p:blipFill>
+        <p:spPr>
+          <a:xfrm>
+            <a:off x="838200" y="1309063"/>
+            <a:ext cx="5181600" cy="2722647"/>
+          </a:xfrm>
+          <a:prstGeom prst="rect">
+            <a:avLst/>
+          </a:prstGeom>
+        </p:spPr>
+      </p:pic>
+      <p:pic>
+        <p:nvPicPr>
+          <p:cNvPr id="19" name="Content Placeholder 18">
+            <a:extLst>
+              <a:ext uri="{FF2B5EF4-FFF2-40B4-BE49-F238E27FC236}">
+                <a16:creationId xmlns:a16="http://schemas.microsoft.com/office/drawing/2014/main" id="{764F3265-0AA8-48E2-830C-38DC4A06B881}"/>
+              </a:ext>
+            </a:extLst>
+          </p:cNvPr>
+          <p:cNvPicPr>
+            <a:picLocks noGrp="1" noChangeAspect="1"/>
+          </p:cNvPicPr>
+          <p:nvPr>
+            <p:ph sz="half" idx="2"/>
+          </p:nvPr>
+        </p:nvPicPr>
+        <p:blipFill>
+          <a:blip r:embed="rId3"/>
+          <a:stretch>
+            <a:fillRect/>
+          </a:stretch>
+        </p:blipFill>
+        <p:spPr>
+          <a:xfrm>
+            <a:off x="6172202" y="1324808"/>
+            <a:ext cx="5181600" cy="3575752"/>
+          </a:xfrm>
+          <a:prstGeom prst="rect">
+            <a:avLst/>
+          </a:prstGeom>
+        </p:spPr>
+      </p:pic>
+    </p:spTree>
+    <p:extLst>
+      <p:ext uri="{BB962C8B-B14F-4D97-AF65-F5344CB8AC3E}">
+        <p14:creationId xmlns:p14="http://schemas.microsoft.com/office/powerpoint/2010/main" val="1390547462"/>
+      </p:ext>
+    </p:extLst>
+  </p:cSld>
+  <p:clrMapOvr>
+    <a:masterClrMapping/>
+  </p:clrMapOvr>
+</p:sld>
+</file>
+
+<file path=ppt/slides/slide24.xml><?xml version="1.0" encoding="utf-8"?>
+<p:sld xmlns:a="http://schemas.openxmlformats.org/drawingml/2006/main" xmlns:r="http://schemas.openxmlformats.org/officeDocument/2006/relationships" xmlns:p="http://schemas.openxmlformats.org/presentationml/2006/main">
+  <p:cSld>
+    <p:spTree>
+      <p:nvGrpSpPr>
+        <p:cNvPr id="1" name=""/>
+        <p:cNvGrpSpPr/>
+        <p:nvPr/>
+      </p:nvGrpSpPr>
+      <p:grpSpPr>
+        <a:xfrm>
+          <a:off x="0" y="0"/>
+          <a:ext cx="0" cy="0"/>
+          <a:chOff x="0" y="0"/>
+          <a:chExt cx="0" cy="0"/>
+        </a:xfrm>
+      </p:grpSpPr>
+      <p:sp>
+        <p:nvSpPr>
+          <p:cNvPr id="5" name="Title 4">
+            <a:extLst>
+              <a:ext uri="{FF2B5EF4-FFF2-40B4-BE49-F238E27FC236}">
+                <a16:creationId xmlns:a16="http://schemas.microsoft.com/office/drawing/2014/main" id="{F12A5738-3555-40DF-A371-FC11030FFE3F}"/>
+              </a:ext>
+            </a:extLst>
+          </p:cNvPr>
+          <p:cNvSpPr>
+            <a:spLocks noGrp="1"/>
+          </p:cNvSpPr>
+          <p:nvPr>
+            <p:ph type="title"/>
+          </p:nvPr>
+        </p:nvSpPr>
+        <p:spPr/>
+        <p:txBody>
+          <a:bodyPr/>
+          <a:lstStyle/>
+          <a:p>
+            <a:r>
+              <a:rPr lang="en-US" dirty="0"/>
+              <a:t>File Error Handling</a:t>
+            </a:r>
+          </a:p>
+        </p:txBody>
+      </p:sp>
+      <p:sp>
+        <p:nvSpPr>
+          <p:cNvPr id="4" name="Slide Number Placeholder 3">
+            <a:extLst>
+              <a:ext uri="{FF2B5EF4-FFF2-40B4-BE49-F238E27FC236}">
+                <a16:creationId xmlns:a16="http://schemas.microsoft.com/office/drawing/2014/main" id="{CD3166A7-E615-42A1-AFB7-427D7EBC2C71}"/>
+              </a:ext>
+            </a:extLst>
+          </p:cNvPr>
+          <p:cNvSpPr>
+            <a:spLocks noGrp="1"/>
+          </p:cNvSpPr>
+          <p:nvPr>
+            <p:ph type="sldNum" sz="quarter" idx="12"/>
+          </p:nvPr>
+        </p:nvSpPr>
+        <p:spPr/>
+        <p:txBody>
+          <a:bodyPr/>
+          <a:lstStyle/>
+          <a:p>
+            <a:fld id="{8175FE88-E4F7-4173-9B75-CBBABDFA1364}" type="slidenum">
+              <a:rPr lang="en-US" smtClean="0"/>
+              <a:pPr/>
+              <a:t>24</a:t>
+            </a:fld>
+            <a:endParaRPr lang="en-US" dirty="0"/>
+          </a:p>
+        </p:txBody>
+      </p:sp>
+      <p:sp>
+        <p:nvSpPr>
+          <p:cNvPr id="11" name="TextBox 10">
+            <a:extLst>
+              <a:ext uri="{FF2B5EF4-FFF2-40B4-BE49-F238E27FC236}">
+                <a16:creationId xmlns:a16="http://schemas.microsoft.com/office/drawing/2014/main" id="{23E514F1-2AD4-4578-8988-AA8576BD71FF}"/>
+              </a:ext>
+            </a:extLst>
+          </p:cNvPr>
+          <p:cNvSpPr txBox="1"/>
+          <p:nvPr/>
+        </p:nvSpPr>
+        <p:spPr>
+          <a:xfrm>
+            <a:off x="6680006" y="1479792"/>
+            <a:ext cx="4551060" cy="3693319"/>
+          </a:xfrm>
+          <a:prstGeom prst="rect">
+            <a:avLst/>
+          </a:prstGeom>
+          <a:noFill/>
+        </p:spPr>
+        <p:txBody>
+          <a:bodyPr wrap="square" rtlCol="0">
+            <a:spAutoFit/>
+          </a:bodyPr>
+          <a:lstStyle/>
+          <a:p>
+            <a:r>
+              <a:rPr lang="en-US" dirty="0"/>
+              <a:t>Two cases are presented here.  The first attempts to open a file, and, if it does not exist, will create and open it.</a:t>
+            </a:r>
+          </a:p>
+          <a:p>
+            <a:endParaRPr lang="en-US" dirty="0"/>
+          </a:p>
+          <a:p>
+            <a:r>
+              <a:rPr lang="en-US" dirty="0"/>
+              <a:t>The second case does not attempt to create the file if it does not exist, so will fail if it doesn’t exist.</a:t>
+            </a:r>
+          </a:p>
+          <a:p>
+            <a:endParaRPr lang="en-US" dirty="0"/>
+          </a:p>
+          <a:p>
+            <a:r>
+              <a:rPr lang="en-US" dirty="0"/>
+              <a:t>Open errors are managed by examining the </a:t>
+            </a:r>
+            <a:r>
+              <a:rPr lang="en-US" dirty="0" err="1"/>
+              <a:t>open_file</a:t>
+            </a:r>
+            <a:r>
+              <a:rPr lang="en-US" dirty="0"/>
+              <a:t> function’s result.   Write failures are handled by bubbling up to the caller – main in this case, so a write error terminates the program with an error message.</a:t>
+            </a:r>
+          </a:p>
+        </p:txBody>
+      </p:sp>
+      <p:pic>
+        <p:nvPicPr>
+          <p:cNvPr id="14" name="Content Placeholder 13">
+            <a:extLst>
+              <a:ext uri="{FF2B5EF4-FFF2-40B4-BE49-F238E27FC236}">
+                <a16:creationId xmlns:a16="http://schemas.microsoft.com/office/drawing/2014/main" id="{ACFB3116-FE1D-4AD6-89EF-E0B16248C68A}"/>
+              </a:ext>
+            </a:extLst>
+          </p:cNvPr>
+          <p:cNvPicPr>
+            <a:picLocks noGrp="1" noChangeAspect="1"/>
+          </p:cNvPicPr>
+          <p:nvPr>
+            <p:ph sz="half" idx="1"/>
+          </p:nvPr>
+        </p:nvPicPr>
+        <p:blipFill>
+          <a:blip r:embed="rId2"/>
+          <a:stretch>
+            <a:fillRect/>
+          </a:stretch>
+        </p:blipFill>
+        <p:spPr>
+          <a:xfrm>
+            <a:off x="838200" y="1242403"/>
+            <a:ext cx="5181600" cy="4916120"/>
+          </a:xfrm>
+          <a:prstGeom prst="rect">
+            <a:avLst/>
+          </a:prstGeom>
+        </p:spPr>
+      </p:pic>
+    </p:spTree>
+    <p:extLst>
+      <p:ext uri="{BB962C8B-B14F-4D97-AF65-F5344CB8AC3E}">
+        <p14:creationId xmlns:p14="http://schemas.microsoft.com/office/powerpoint/2010/main" val="1629146184"/>
+      </p:ext>
+    </p:extLst>
+  </p:cSld>
+  <p:clrMapOvr>
+    <a:masterClrMapping/>
+  </p:clrMapOvr>
+</p:sld>
+</file>
+
+<file path=ppt/slides/slide25.xml><?xml version="1.0" encoding="utf-8"?>
+<p:sld xmlns:a="http://schemas.openxmlformats.org/drawingml/2006/main" xmlns:r="http://schemas.openxmlformats.org/officeDocument/2006/relationships" xmlns:p="http://schemas.openxmlformats.org/presentationml/2006/main">
+  <p:cSld>
+    <p:spTree>
+      <p:nvGrpSpPr>
+        <p:cNvPr id="1" name=""/>
+        <p:cNvGrpSpPr/>
+        <p:nvPr/>
+      </p:nvGrpSpPr>
+      <p:grpSpPr>
+        <a:xfrm>
+          <a:off x="0" y="0"/>
+          <a:ext cx="0" cy="0"/>
+          <a:chOff x="0" y="0"/>
+          <a:chExt cx="0" cy="0"/>
+        </a:xfrm>
+      </p:grpSpPr>
+      <p:sp>
+        <p:nvSpPr>
+          <p:cNvPr id="8" name="Title 7">
+            <a:extLst>
+              <a:ext uri="{FF2B5EF4-FFF2-40B4-BE49-F238E27FC236}">
+                <a16:creationId xmlns:a16="http://schemas.microsoft.com/office/drawing/2014/main" id="{308879B3-524C-4638-B6AC-28F50B3252ED}"/>
+              </a:ext>
+            </a:extLst>
+          </p:cNvPr>
+          <p:cNvSpPr>
+            <a:spLocks noGrp="1"/>
+          </p:cNvSpPr>
+          <p:nvPr>
+            <p:ph type="title"/>
+          </p:nvPr>
+        </p:nvSpPr>
+        <p:spPr/>
+        <p:txBody>
+          <a:bodyPr/>
+          <a:lstStyle/>
+          <a:p>
+            <a:r>
+              <a:rPr lang="en-US" dirty="0"/>
+              <a:t>Summary</a:t>
+            </a:r>
+          </a:p>
+        </p:txBody>
+      </p:sp>
+      <p:sp>
+        <p:nvSpPr>
+          <p:cNvPr id="9" name="Content Placeholder 8">
+            <a:extLst>
+              <a:ext uri="{FF2B5EF4-FFF2-40B4-BE49-F238E27FC236}">
+                <a16:creationId xmlns:a16="http://schemas.microsoft.com/office/drawing/2014/main" id="{3A11395F-B50F-4FB5-8E6C-9B405FAAD33F}"/>
+              </a:ext>
+            </a:extLst>
+          </p:cNvPr>
+          <p:cNvSpPr>
+            <a:spLocks noGrp="1"/>
+          </p:cNvSpPr>
+          <p:nvPr>
+            <p:ph idx="1"/>
+          </p:nvPr>
+        </p:nvSpPr>
+        <p:spPr/>
+        <p:txBody>
+          <a:bodyPr/>
+          <a:lstStyle/>
+          <a:p>
+            <a:r>
+              <a:rPr lang="en-US" dirty="0"/>
+              <a:t>Rust error handling uses:</a:t>
+            </a:r>
+          </a:p>
+          <a:p>
+            <a:pPr lvl="1"/>
+            <a:r>
+              <a:rPr lang="en-US" dirty="0"/>
+              <a:t>panics</a:t>
+            </a:r>
+          </a:p>
+          <a:p>
+            <a:pPr lvl="2"/>
+            <a:r>
+              <a:rPr lang="en-US" dirty="0"/>
+              <a:t>Trapping panics has behavior similar to C++ exception handling</a:t>
+            </a:r>
+          </a:p>
+          <a:p>
+            <a:pPr lvl="1"/>
+            <a:r>
+              <a:rPr lang="en-US" dirty="0"/>
+              <a:t>std::Result&lt;T,E&gt;</a:t>
+            </a:r>
+          </a:p>
+          <a:p>
+            <a:pPr lvl="2"/>
+            <a:r>
+              <a:rPr lang="en-US" dirty="0"/>
+              <a:t>Must handle both Ok(</a:t>
+            </a:r>
+            <a:r>
+              <a:rPr lang="en-US" dirty="0" err="1"/>
+              <a:t>t:T</a:t>
+            </a:r>
+            <a:r>
+              <a:rPr lang="en-US" dirty="0"/>
+              <a:t>) and Err(</a:t>
+            </a:r>
+            <a:r>
+              <a:rPr lang="en-US" dirty="0" err="1"/>
+              <a:t>e:E</a:t>
+            </a:r>
+            <a:r>
+              <a:rPr lang="en-US" dirty="0"/>
+              <a:t>)</a:t>
+            </a:r>
+          </a:p>
+          <a:p>
+            <a:pPr lvl="1"/>
+            <a:r>
+              <a:rPr lang="en-US" dirty="0"/>
+              <a:t>Matching</a:t>
+            </a:r>
+          </a:p>
+          <a:p>
+            <a:pPr lvl="2"/>
+            <a:r>
+              <a:rPr lang="en-US" dirty="0"/>
+              <a:t>Equivalent to manually handling Result, but often less code</a:t>
+            </a:r>
+          </a:p>
+          <a:p>
+            <a:pPr lvl="1"/>
+            <a:r>
+              <a:rPr lang="en-US" dirty="0"/>
+              <a:t>call-chain error event bubbling</a:t>
+            </a:r>
+          </a:p>
+          <a:p>
+            <a:pPr lvl="2"/>
+            <a:r>
+              <a:rPr lang="en-US" dirty="0"/>
+              <a:t>Supports chaining calls, e.g., anInstance.f1()?.f2()?.f3()?;</a:t>
+            </a:r>
+          </a:p>
+          <a:p>
+            <a:pPr lvl="2"/>
+            <a:r>
+              <a:rPr lang="en-US" dirty="0"/>
+              <a:t>Chaining requires each function to return self or &amp;self</a:t>
+            </a:r>
+          </a:p>
+          <a:p>
+            <a:r>
+              <a:rPr lang="en-US" dirty="0"/>
+              <a:t>Rust tries to prevent developers from ignoring errors or forgetting to manage them.</a:t>
+            </a:r>
+          </a:p>
+          <a:p>
+            <a:endParaRPr lang="en-US" dirty="0"/>
+          </a:p>
+        </p:txBody>
+      </p:sp>
+      <p:sp>
+        <p:nvSpPr>
+          <p:cNvPr id="5" name="Slide Number Placeholder 4">
+            <a:extLst>
+              <a:ext uri="{FF2B5EF4-FFF2-40B4-BE49-F238E27FC236}">
+                <a16:creationId xmlns:a16="http://schemas.microsoft.com/office/drawing/2014/main" id="{189FD0CC-F615-4259-B41B-F9D52C0CF96A}"/>
+              </a:ext>
+            </a:extLst>
+          </p:cNvPr>
+          <p:cNvSpPr>
+            <a:spLocks noGrp="1"/>
+          </p:cNvSpPr>
+          <p:nvPr>
+            <p:ph type="sldNum" sz="quarter" idx="12"/>
+          </p:nvPr>
+        </p:nvSpPr>
+        <p:spPr/>
+        <p:txBody>
+          <a:bodyPr/>
+          <a:lstStyle/>
+          <a:p>
+            <a:fld id="{8175FE88-E4F7-4173-9B75-CBBABDFA1364}" type="slidenum">
+              <a:rPr lang="en-US" smtClean="0"/>
+              <a:pPr/>
+              <a:t>25</a:t>
             </a:fld>
             <a:endParaRPr lang="en-US" dirty="0"/>
           </a:p>
@@ -6786,6 +7808,161 @@
       </p:grpSpPr>
       <p:sp>
         <p:nvSpPr>
+          <p:cNvPr id="2" name="Title 1">
+            <a:extLst>
+              <a:ext uri="{FF2B5EF4-FFF2-40B4-BE49-F238E27FC236}">
+                <a16:creationId xmlns:a16="http://schemas.microsoft.com/office/drawing/2014/main" id="{91BF179B-E037-47D4-BB7F-75B7AE22F756}"/>
+              </a:ext>
+            </a:extLst>
+          </p:cNvPr>
+          <p:cNvSpPr>
+            <a:spLocks noGrp="1"/>
+          </p:cNvSpPr>
+          <p:nvPr>
+            <p:ph type="title"/>
+          </p:nvPr>
+        </p:nvSpPr>
+        <p:spPr/>
+        <p:txBody>
+          <a:bodyPr/>
+          <a:lstStyle/>
+          <a:p>
+            <a:r>
+              <a:rPr lang="en-US" dirty="0"/>
+              <a:t>Rust Panics</a:t>
+            </a:r>
+          </a:p>
+        </p:txBody>
+      </p:sp>
+      <p:sp>
+        <p:nvSpPr>
+          <p:cNvPr id="3" name="Content Placeholder 2">
+            <a:extLst>
+              <a:ext uri="{FF2B5EF4-FFF2-40B4-BE49-F238E27FC236}">
+                <a16:creationId xmlns:a16="http://schemas.microsoft.com/office/drawing/2014/main" id="{E21F8C57-5FCF-4C41-BC3B-2CA7DC21FA39}"/>
+              </a:ext>
+            </a:extLst>
+          </p:cNvPr>
+          <p:cNvSpPr>
+            <a:spLocks noGrp="1"/>
+          </p:cNvSpPr>
+          <p:nvPr>
+            <p:ph idx="1"/>
+          </p:nvPr>
+        </p:nvSpPr>
+        <p:spPr/>
+        <p:txBody>
+          <a:bodyPr/>
+          <a:lstStyle/>
+          <a:p>
+            <a:r>
+              <a:rPr lang="en-US" dirty="0"/>
+              <a:t>A panic is a program exit that attempts to unwind the stack, dropping each object residing in the stack.</a:t>
+            </a:r>
+          </a:p>
+          <a:p>
+            <a:pPr lvl="1"/>
+            <a:r>
+              <a:rPr lang="en-US" dirty="0"/>
+              <a:t>Panics can be trapped and handled to avoid program exit</a:t>
+            </a:r>
+          </a:p>
+          <a:p>
+            <a:r>
+              <a:rPr lang="en-US" dirty="0"/>
+              <a:t>Should a panic occur while unwinding the stack from an earlier panic the program will immediately abort.</a:t>
+            </a:r>
+          </a:p>
+          <a:p>
+            <a:pPr lvl="1"/>
+            <a:r>
+              <a:rPr lang="en-US" dirty="0"/>
+              <a:t>Multiple panic aborts cannot be trapped, so stopping in this case is inevitable</a:t>
+            </a:r>
+          </a:p>
+          <a:p>
+            <a:r>
+              <a:rPr lang="en-US" dirty="0"/>
+              <a:t>Panics are intended program actions that avoid undefined behavior due to program errors.</a:t>
+            </a:r>
+          </a:p>
+          <a:p>
+            <a:pPr lvl="1"/>
+            <a:r>
+              <a:rPr lang="en-US" dirty="0"/>
+              <a:t>Indexing out of bounds</a:t>
+            </a:r>
+          </a:p>
+          <a:p>
+            <a:r>
+              <a:rPr lang="en-US" dirty="0"/>
+              <a:t>So panics are the lowest level of error handling mechanisms.</a:t>
+            </a:r>
+          </a:p>
+        </p:txBody>
+      </p:sp>
+      <p:sp>
+        <p:nvSpPr>
+          <p:cNvPr id="4" name="Slide Number Placeholder 3">
+            <a:extLst>
+              <a:ext uri="{FF2B5EF4-FFF2-40B4-BE49-F238E27FC236}">
+                <a16:creationId xmlns:a16="http://schemas.microsoft.com/office/drawing/2014/main" id="{257DBB1C-B88E-44B2-9FF3-FAD9CFFD94C3}"/>
+              </a:ext>
+            </a:extLst>
+          </p:cNvPr>
+          <p:cNvSpPr>
+            <a:spLocks noGrp="1"/>
+          </p:cNvSpPr>
+          <p:nvPr>
+            <p:ph type="sldNum" sz="quarter" idx="12"/>
+          </p:nvPr>
+        </p:nvSpPr>
+        <p:spPr/>
+        <p:txBody>
+          <a:bodyPr/>
+          <a:lstStyle/>
+          <a:p>
+            <a:fld id="{8175FE88-E4F7-4173-9B75-CBBABDFA1364}" type="slidenum">
+              <a:rPr lang="en-US" smtClean="0"/>
+              <a:pPr/>
+              <a:t>4</a:t>
+            </a:fld>
+            <a:endParaRPr lang="en-US" dirty="0"/>
+          </a:p>
+        </p:txBody>
+      </p:sp>
+    </p:spTree>
+    <p:extLst>
+      <p:ext uri="{BB962C8B-B14F-4D97-AF65-F5344CB8AC3E}">
+        <p14:creationId xmlns:p14="http://schemas.microsoft.com/office/powerpoint/2010/main" val="911237960"/>
+      </p:ext>
+    </p:extLst>
+  </p:cSld>
+  <p:clrMapOvr>
+    <a:masterClrMapping/>
+  </p:clrMapOvr>
+</p:sld>
+</file>
+
+<file path=ppt/slides/slide5.xml><?xml version="1.0" encoding="utf-8"?>
+<p:sld xmlns:a="http://schemas.openxmlformats.org/drawingml/2006/main" xmlns:r="http://schemas.openxmlformats.org/officeDocument/2006/relationships" xmlns:p="http://schemas.openxmlformats.org/presentationml/2006/main">
+  <p:cSld>
+    <p:spTree>
+      <p:nvGrpSpPr>
+        <p:cNvPr id="1" name=""/>
+        <p:cNvGrpSpPr/>
+        <p:nvPr/>
+      </p:nvGrpSpPr>
+      <p:grpSpPr>
+        <a:xfrm>
+          <a:off x="0" y="0"/>
+          <a:ext cx="0" cy="0"/>
+          <a:chOff x="0" y="0"/>
+          <a:chExt cx="0" cy="0"/>
+        </a:xfrm>
+      </p:grpSpPr>
+      <p:sp>
+        <p:nvSpPr>
           <p:cNvPr id="9" name="Title 8">
             <a:extLst>
               <a:ext uri="{FF2B5EF4-FFF2-40B4-BE49-F238E27FC236}">
@@ -7106,7 +8283,7 @@
             <a:fld id="{8175FE88-E4F7-4173-9B75-CBBABDFA1364}" type="slidenum">
               <a:rPr lang="en-US" smtClean="0"/>
               <a:pPr/>
-              <a:t>4</a:t>
+              <a:t>5</a:t>
             </a:fld>
             <a:endParaRPr lang="en-US" dirty="0"/>
           </a:p>
@@ -7116,161 +8293,6 @@
     <p:extLst>
       <p:ext uri="{BB962C8B-B14F-4D97-AF65-F5344CB8AC3E}">
         <p14:creationId xmlns:p14="http://schemas.microsoft.com/office/powerpoint/2010/main" val="881338955"/>
-      </p:ext>
-    </p:extLst>
-  </p:cSld>
-  <p:clrMapOvr>
-    <a:masterClrMapping/>
-  </p:clrMapOvr>
-</p:sld>
-</file>
-
-<file path=ppt/slides/slide5.xml><?xml version="1.0" encoding="utf-8"?>
-<p:sld xmlns:a="http://schemas.openxmlformats.org/drawingml/2006/main" xmlns:r="http://schemas.openxmlformats.org/officeDocument/2006/relationships" xmlns:p="http://schemas.openxmlformats.org/presentationml/2006/main">
-  <p:cSld>
-    <p:spTree>
-      <p:nvGrpSpPr>
-        <p:cNvPr id="1" name=""/>
-        <p:cNvGrpSpPr/>
-        <p:nvPr/>
-      </p:nvGrpSpPr>
-      <p:grpSpPr>
-        <a:xfrm>
-          <a:off x="0" y="0"/>
-          <a:ext cx="0" cy="0"/>
-          <a:chOff x="0" y="0"/>
-          <a:chExt cx="0" cy="0"/>
-        </a:xfrm>
-      </p:grpSpPr>
-      <p:sp>
-        <p:nvSpPr>
-          <p:cNvPr id="2" name="Title 1">
-            <a:extLst>
-              <a:ext uri="{FF2B5EF4-FFF2-40B4-BE49-F238E27FC236}">
-                <a16:creationId xmlns:a16="http://schemas.microsoft.com/office/drawing/2014/main" id="{91BF179B-E037-47D4-BB7F-75B7AE22F756}"/>
-              </a:ext>
-            </a:extLst>
-          </p:cNvPr>
-          <p:cNvSpPr>
-            <a:spLocks noGrp="1"/>
-          </p:cNvSpPr>
-          <p:nvPr>
-            <p:ph type="title"/>
-          </p:nvPr>
-        </p:nvSpPr>
-        <p:spPr/>
-        <p:txBody>
-          <a:bodyPr/>
-          <a:lstStyle/>
-          <a:p>
-            <a:r>
-              <a:rPr lang="en-US" dirty="0"/>
-              <a:t>Rust Panics</a:t>
-            </a:r>
-          </a:p>
-        </p:txBody>
-      </p:sp>
-      <p:sp>
-        <p:nvSpPr>
-          <p:cNvPr id="3" name="Content Placeholder 2">
-            <a:extLst>
-              <a:ext uri="{FF2B5EF4-FFF2-40B4-BE49-F238E27FC236}">
-                <a16:creationId xmlns:a16="http://schemas.microsoft.com/office/drawing/2014/main" id="{E21F8C57-5FCF-4C41-BC3B-2CA7DC21FA39}"/>
-              </a:ext>
-            </a:extLst>
-          </p:cNvPr>
-          <p:cNvSpPr>
-            <a:spLocks noGrp="1"/>
-          </p:cNvSpPr>
-          <p:nvPr>
-            <p:ph idx="1"/>
-          </p:nvPr>
-        </p:nvSpPr>
-        <p:spPr/>
-        <p:txBody>
-          <a:bodyPr/>
-          <a:lstStyle/>
-          <a:p>
-            <a:r>
-              <a:rPr lang="en-US" dirty="0"/>
-              <a:t>A panic is a program exit that attempts to unwind the stack, dropping each object residing in the stack.</a:t>
-            </a:r>
-          </a:p>
-          <a:p>
-            <a:pPr lvl="1"/>
-            <a:r>
-              <a:rPr lang="en-US" dirty="0"/>
-              <a:t>Panics can be trapped and handled to avoid program exit</a:t>
-            </a:r>
-          </a:p>
-          <a:p>
-            <a:r>
-              <a:rPr lang="en-US" dirty="0"/>
-              <a:t>Should a panic occur while unwinding the stack from an earlier panic the program will immediately abort.</a:t>
-            </a:r>
-          </a:p>
-          <a:p>
-            <a:pPr lvl="1"/>
-            <a:r>
-              <a:rPr lang="en-US" dirty="0"/>
-              <a:t>Multiple panic aborts cannot be trapped, so stopping in this case is inevitable</a:t>
-            </a:r>
-          </a:p>
-          <a:p>
-            <a:r>
-              <a:rPr lang="en-US" dirty="0"/>
-              <a:t>Panics are intended program actions that avoid undefined behavior due to program errors.</a:t>
-            </a:r>
-          </a:p>
-          <a:p>
-            <a:pPr lvl="1"/>
-            <a:r>
-              <a:rPr lang="en-US" dirty="0"/>
-              <a:t>Indexing out of bounds</a:t>
-            </a:r>
-          </a:p>
-          <a:p>
-            <a:r>
-              <a:rPr lang="en-US" dirty="0"/>
-              <a:t>So panics are the lowest level of error handling mechanisms.</a:t>
-            </a:r>
-          </a:p>
-        </p:txBody>
-      </p:sp>
-      <p:sp>
-        <p:nvSpPr>
-          <p:cNvPr id="4" name="Slide Number Placeholder 3">
-            <a:extLst>
-              <a:ext uri="{FF2B5EF4-FFF2-40B4-BE49-F238E27FC236}">
-                <a16:creationId xmlns:a16="http://schemas.microsoft.com/office/drawing/2014/main" id="{257DBB1C-B88E-44B2-9FF3-FAD9CFFD94C3}"/>
-              </a:ext>
-            </a:extLst>
-          </p:cNvPr>
-          <p:cNvSpPr>
-            <a:spLocks noGrp="1"/>
-          </p:cNvSpPr>
-          <p:nvPr>
-            <p:ph type="sldNum" sz="quarter" idx="12"/>
-          </p:nvPr>
-        </p:nvSpPr>
-        <p:spPr/>
-        <p:txBody>
-          <a:bodyPr/>
-          <a:lstStyle/>
-          <a:p>
-            <a:fld id="{8175FE88-E4F7-4173-9B75-CBBABDFA1364}" type="slidenum">
-              <a:rPr lang="en-US" smtClean="0"/>
-              <a:pPr/>
-              <a:t>5</a:t>
-            </a:fld>
-            <a:endParaRPr lang="en-US" dirty="0"/>
-          </a:p>
-        </p:txBody>
-      </p:sp>
-    </p:spTree>
-    <p:extLst>
-      <p:ext uri="{BB962C8B-B14F-4D97-AF65-F5344CB8AC3E}">
-        <p14:creationId xmlns:p14="http://schemas.microsoft.com/office/powerpoint/2010/main" val="911237960"/>
       </p:ext>
     </p:extLst>
   </p:cSld>
@@ -7297,44 +8319,101 @@
           <a:chExt cx="0" cy="0"/>
         </a:xfrm>
       </p:grpSpPr>
-      <p:pic>
-        <p:nvPicPr>
-          <p:cNvPr id="8" name="Content Placeholder 7">
-            <a:extLst>
-              <a:ext uri="{FF2B5EF4-FFF2-40B4-BE49-F238E27FC236}">
-                <a16:creationId xmlns:a16="http://schemas.microsoft.com/office/drawing/2014/main" id="{20AFD8CE-9C9A-4A0A-ABA1-4A845181D425}"/>
-              </a:ext>
-            </a:extLst>
-          </p:cNvPr>
-          <p:cNvPicPr>
-            <a:picLocks noGrp="1" noChangeAspect="1"/>
-          </p:cNvPicPr>
-          <p:nvPr>
-            <p:ph sz="half" idx="2"/>
-          </p:nvPr>
-        </p:nvPicPr>
-        <p:blipFill>
-          <a:blip r:embed="rId2"/>
-          <a:stretch>
-            <a:fillRect/>
-          </a:stretch>
-        </p:blipFill>
-        <p:spPr>
-          <a:xfrm>
-            <a:off x="7218667" y="185386"/>
-            <a:ext cx="4596405" cy="6248569"/>
-          </a:xfrm>
-          <a:prstGeom prst="rect">
-            <a:avLst/>
-          </a:prstGeom>
-        </p:spPr>
-      </p:pic>
+      <p:sp>
+        <p:nvSpPr>
+          <p:cNvPr id="2" name="Title 1">
+            <a:extLst>
+              <a:ext uri="{FF2B5EF4-FFF2-40B4-BE49-F238E27FC236}">
+                <a16:creationId xmlns:a16="http://schemas.microsoft.com/office/drawing/2014/main" id="{8FAB4FBE-056C-44B9-B015-26DAC597ABBC}"/>
+              </a:ext>
+            </a:extLst>
+          </p:cNvPr>
+          <p:cNvSpPr>
+            <a:spLocks noGrp="1"/>
+          </p:cNvSpPr>
+          <p:nvPr>
+            <p:ph type="title"/>
+          </p:nvPr>
+        </p:nvSpPr>
+        <p:spPr/>
+        <p:txBody>
+          <a:bodyPr/>
+          <a:lstStyle/>
+          <a:p>
+            <a:r>
+              <a:rPr lang="en-US" dirty="0"/>
+              <a:t>Avoiding Panics</a:t>
+            </a:r>
+          </a:p>
+        </p:txBody>
+      </p:sp>
+      <p:sp>
+        <p:nvSpPr>
+          <p:cNvPr id="3" name="Content Placeholder 2">
+            <a:extLst>
+              <a:ext uri="{FF2B5EF4-FFF2-40B4-BE49-F238E27FC236}">
+                <a16:creationId xmlns:a16="http://schemas.microsoft.com/office/drawing/2014/main" id="{C8AA0731-BF41-4672-8E10-FA153615132B}"/>
+              </a:ext>
+            </a:extLst>
+          </p:cNvPr>
+          <p:cNvSpPr>
+            <a:spLocks noGrp="1"/>
+          </p:cNvSpPr>
+          <p:nvPr>
+            <p:ph idx="1"/>
+          </p:nvPr>
+        </p:nvSpPr>
+        <p:spPr/>
+        <p:txBody>
+          <a:bodyPr/>
+          <a:lstStyle/>
+          <a:p>
+            <a:r>
+              <a:rPr lang="en-US" dirty="0"/>
+              <a:t>If your program affects user health, wealth, or safety, then don’t panic.</a:t>
+            </a:r>
+          </a:p>
+          <a:p>
+            <a:pPr lvl="1"/>
+            <a:r>
+              <a:rPr lang="en-US" dirty="0"/>
+              <a:t>Thank you, Douglas Adams</a:t>
+            </a:r>
+          </a:p>
+          <a:p>
+            <a:r>
+              <a:rPr lang="en-US" dirty="0"/>
+              <a:t>Abruptly terminating operation of a Boeing 797 flight navigation system is not a good idea.</a:t>
+            </a:r>
+          </a:p>
+          <a:p>
+            <a:r>
+              <a:rPr lang="en-US" dirty="0"/>
+              <a:t>The route to panic-free behavior is handling results of all functions that may fail.</a:t>
+            </a:r>
+          </a:p>
+          <a:p>
+            <a:pPr lvl="1"/>
+            <a:r>
+              <a:rPr lang="en-US" dirty="0"/>
+              <a:t>Rust makes that obvious, using the return type Result&lt;T, E&gt; for functions that may fail.</a:t>
+            </a:r>
+          </a:p>
+          <a:p>
+            <a:pPr lvl="1"/>
+            <a:r>
+              <a:rPr lang="en-US" dirty="0"/>
+              <a:t>Rust vigorously reminds you to add any missing error handling for those functions – see slide #2.</a:t>
+            </a:r>
+          </a:p>
+        </p:txBody>
+      </p:sp>
       <p:sp>
         <p:nvSpPr>
           <p:cNvPr id="4" name="Slide Number Placeholder 3">
             <a:extLst>
               <a:ext uri="{FF2B5EF4-FFF2-40B4-BE49-F238E27FC236}">
-                <a16:creationId xmlns:a16="http://schemas.microsoft.com/office/drawing/2014/main" id="{93A4379F-06AB-433E-96EF-C4ACC867BC99}"/>
+                <a16:creationId xmlns:a16="http://schemas.microsoft.com/office/drawing/2014/main" id="{9A031D35-52E3-4F82-99D5-4DB659A12BC5}"/>
               </a:ext>
             </a:extLst>
           </p:cNvPr>
@@ -7359,83 +8438,10 @@
           </a:p>
         </p:txBody>
       </p:sp>
-      <p:pic>
-        <p:nvPicPr>
-          <p:cNvPr id="11" name="Content Placeholder 10">
-            <a:extLst>
-              <a:ext uri="{FF2B5EF4-FFF2-40B4-BE49-F238E27FC236}">
-                <a16:creationId xmlns:a16="http://schemas.microsoft.com/office/drawing/2014/main" id="{58A55265-5771-43DD-A2ED-7F9A20F2DDF8}"/>
-              </a:ext>
-            </a:extLst>
-          </p:cNvPr>
-          <p:cNvPicPr>
-            <a:picLocks noGrp="1" noChangeAspect="1"/>
-          </p:cNvPicPr>
-          <p:nvPr>
-            <p:ph sz="half" idx="1"/>
-          </p:nvPr>
-        </p:nvPicPr>
-        <p:blipFill>
-          <a:blip r:embed="rId3"/>
-          <a:stretch>
-            <a:fillRect/>
-          </a:stretch>
-        </p:blipFill>
-        <p:spPr>
-          <a:xfrm>
-            <a:off x="376928" y="267907"/>
-            <a:ext cx="6428317" cy="6166047"/>
-          </a:xfrm>
-          <a:prstGeom prst="rect">
-            <a:avLst/>
-          </a:prstGeom>
-        </p:spPr>
-      </p:pic>
-      <p:sp>
-        <p:nvSpPr>
-          <p:cNvPr id="2" name="Title 1">
-            <a:extLst>
-              <a:ext uri="{FF2B5EF4-FFF2-40B4-BE49-F238E27FC236}">
-                <a16:creationId xmlns:a16="http://schemas.microsoft.com/office/drawing/2014/main" id="{DE91CE9E-86E5-46DA-967C-7F0570D62AB9}"/>
-              </a:ext>
-            </a:extLst>
-          </p:cNvPr>
-          <p:cNvSpPr>
-            <a:spLocks noGrp="1"/>
-          </p:cNvSpPr>
-          <p:nvPr>
-            <p:ph type="title"/>
-          </p:nvPr>
-        </p:nvSpPr>
-        <p:spPr>
-          <a:xfrm>
-            <a:off x="3679123" y="541374"/>
-            <a:ext cx="3677958" cy="621638"/>
-          </a:xfrm>
-          <a:solidFill>
-            <a:schemeClr val="bg1"/>
-          </a:solidFill>
-          <a:ln w="19050">
-            <a:solidFill>
-              <a:srgbClr val="FFC000"/>
-            </a:solidFill>
-          </a:ln>
-        </p:spPr>
-        <p:txBody>
-          <a:bodyPr/>
-          <a:lstStyle/>
-          <a:p>
-            <a:r>
-              <a:rPr lang="en-US" dirty="0"/>
-              <a:t>Trapping Panics</a:t>
-            </a:r>
-          </a:p>
-        </p:txBody>
-      </p:sp>
     </p:spTree>
     <p:extLst>
       <p:ext uri="{BB962C8B-B14F-4D97-AF65-F5344CB8AC3E}">
-        <p14:creationId xmlns:p14="http://schemas.microsoft.com/office/powerpoint/2010/main" val="816945213"/>
+        <p14:creationId xmlns:p14="http://schemas.microsoft.com/office/powerpoint/2010/main" val="1839158800"/>
       </p:ext>
     </p:extLst>
   </p:cSld>
@@ -7748,7 +8754,7 @@
           <p:cNvPr id="2" name="Title 1">
             <a:extLst>
               <a:ext uri="{FF2B5EF4-FFF2-40B4-BE49-F238E27FC236}">
-                <a16:creationId xmlns:a16="http://schemas.microsoft.com/office/drawing/2014/main" id="{6C64FF51-0A2B-46B3-9FDB-68B72FE25A01}"/>
+                <a16:creationId xmlns:a16="http://schemas.microsoft.com/office/drawing/2014/main" id="{9DB1A3A3-822A-4654-8703-47ECC2D419F1}"/>
               </a:ext>
             </a:extLst>
           </p:cNvPr>
@@ -7766,119 +8772,204 @@
           <a:p>
             <a:r>
               <a:rPr lang="en-US" dirty="0"/>
-              <a:t>Using Result&lt;T,E&gt; with </a:t>
-            </a:r>
-            <a:r>
-              <a:rPr lang="en-US" dirty="0" err="1"/>
-              <a:t>is_ok</a:t>
-            </a:r>
-            <a:r>
-              <a:rPr lang="en-US" dirty="0"/>
-              <a:t>()</a:t>
-            </a:r>
-          </a:p>
-        </p:txBody>
-      </p:sp>
-      <p:pic>
-        <p:nvPicPr>
-          <p:cNvPr id="4" name="Content Placeholder 3">
-            <a:extLst>
-              <a:ext uri="{FF2B5EF4-FFF2-40B4-BE49-F238E27FC236}">
-                <a16:creationId xmlns:a16="http://schemas.microsoft.com/office/drawing/2014/main" id="{87AFA99B-5B98-4C66-99A8-07B9B605CE77}"/>
-              </a:ext>
-            </a:extLst>
-          </p:cNvPr>
-          <p:cNvPicPr>
-            <a:picLocks noGrp="1" noChangeAspect="1"/>
-          </p:cNvPicPr>
+              <a:t>Error Types</a:t>
+            </a:r>
+          </a:p>
+        </p:txBody>
+      </p:sp>
+      <p:sp>
+        <p:nvSpPr>
+          <p:cNvPr id="3" name="Content Placeholder 2">
+            <a:extLst>
+              <a:ext uri="{FF2B5EF4-FFF2-40B4-BE49-F238E27FC236}">
+                <a16:creationId xmlns:a16="http://schemas.microsoft.com/office/drawing/2014/main" id="{6FAC5403-4D73-457D-8641-05A23ADD3836}"/>
+              </a:ext>
+            </a:extLst>
+          </p:cNvPr>
+          <p:cNvSpPr>
+            <a:spLocks noGrp="1"/>
+          </p:cNvSpPr>
           <p:nvPr>
             <p:ph idx="1"/>
           </p:nvPr>
-        </p:nvPicPr>
-        <p:blipFill>
-          <a:blip r:embed="rId2"/>
-          <a:stretch>
-            <a:fillRect/>
-          </a:stretch>
-        </p:blipFill>
-        <p:spPr>
-          <a:xfrm>
-            <a:off x="838200" y="1392189"/>
-            <a:ext cx="8129950" cy="4854575"/>
-          </a:xfrm>
-          <a:prstGeom prst="rect">
-            <a:avLst/>
-          </a:prstGeom>
-        </p:spPr>
-      </p:pic>
-      <p:sp>
-        <p:nvSpPr>
-          <p:cNvPr id="5" name="TextBox 4">
-            <a:extLst>
-              <a:ext uri="{FF2B5EF4-FFF2-40B4-BE49-F238E27FC236}">
-                <a16:creationId xmlns:a16="http://schemas.microsoft.com/office/drawing/2014/main" id="{73614D81-729A-4277-BFD7-77A93E112381}"/>
-              </a:ext>
-            </a:extLst>
-          </p:cNvPr>
-          <p:cNvSpPr txBox="1"/>
-          <p:nvPr/>
-        </p:nvSpPr>
-        <p:spPr>
-          <a:xfrm>
-            <a:off x="6400801" y="2833942"/>
-            <a:ext cx="5130412" cy="923330"/>
-          </a:xfrm>
-          <a:prstGeom prst="rect">
-            <a:avLst/>
-          </a:prstGeom>
-          <a:solidFill>
-            <a:schemeClr val="bg2"/>
-          </a:solidFill>
-          <a:ln w="12700">
-            <a:solidFill>
-              <a:schemeClr val="tx1"/>
-            </a:solidFill>
-          </a:ln>
-        </p:spPr>
-        <p:txBody>
-          <a:bodyPr wrap="square" rtlCol="0">
-            <a:spAutoFit/>
-          </a:bodyPr>
-          <a:lstStyle/>
-          <a:p>
-            <a:r>
-              <a:rPr lang="en-US" dirty="0"/>
-              <a:t>Illustrates accepting Result&lt;String, FromUtf8Error&gt;, </a:t>
-            </a:r>
-          </a:p>
-          <a:p>
-            <a:r>
-              <a:rPr lang="en-US" dirty="0"/>
-              <a:t>testing, and returning </a:t>
-            </a:r>
-          </a:p>
-          <a:p>
-            <a:r>
-              <a:rPr lang="en-US" dirty="0"/>
-              <a:t>Result&lt;(), </a:t>
-            </a:r>
-            <a:r>
-              <a:rPr lang="en-US" dirty="0" err="1"/>
-              <a:t>CustomError</a:t>
-            </a:r>
-            <a:r>
-              <a:rPr lang="en-US" dirty="0"/>
-              <a:t>&gt;</a:t>
-            </a:r>
-          </a:p>
-        </p:txBody>
-      </p:sp>
-      <p:sp>
-        <p:nvSpPr>
-          <p:cNvPr id="6" name="Slide Number Placeholder 5">
-            <a:extLst>
-              <a:ext uri="{FF2B5EF4-FFF2-40B4-BE49-F238E27FC236}">
-                <a16:creationId xmlns:a16="http://schemas.microsoft.com/office/drawing/2014/main" id="{F3D2DD4A-9C15-4A1D-910C-FAB38AFAC994}"/>
+        </p:nvSpPr>
+        <p:spPr/>
+        <p:txBody>
+          <a:bodyPr/>
+          <a:lstStyle/>
+          <a:p>
+            <a:r>
+              <a:rPr lang="en-US" dirty="0">
+                <a:latin typeface="Consolas" panose="020B0609020204030204" pitchFamily="49" charset="0"/>
+              </a:rPr>
+              <a:t>Std Error</a:t>
+            </a:r>
+          </a:p>
+          <a:p>
+            <a:pPr lvl="1"/>
+            <a:r>
+              <a:rPr lang="en-US" dirty="0">
+                <a:latin typeface="Consolas" panose="020B0609020204030204" pitchFamily="49" charset="0"/>
+              </a:rPr>
+              <a:t>type Result&lt;T&gt; = Result&lt;</a:t>
+            </a:r>
+            <a:r>
+              <a:rPr lang="en-US" dirty="0" err="1">
+                <a:latin typeface="Consolas" panose="020B0609020204030204" pitchFamily="49" charset="0"/>
+              </a:rPr>
+              <a:t>T,std</a:t>
+            </a:r>
+            <a:r>
+              <a:rPr lang="en-US" dirty="0">
+                <a:latin typeface="Consolas" panose="020B0609020204030204" pitchFamily="49" charset="0"/>
+              </a:rPr>
+              <a:t>::</a:t>
+            </a:r>
+            <a:r>
+              <a:rPr lang="en-US" dirty="0" err="1">
+                <a:latin typeface="Consolas" panose="020B0609020204030204" pitchFamily="49" charset="0"/>
+              </a:rPr>
+              <a:t>io</a:t>
+            </a:r>
+            <a:r>
+              <a:rPr lang="en-US" dirty="0">
+                <a:latin typeface="Consolas" panose="020B0609020204030204" pitchFamily="49" charset="0"/>
+              </a:rPr>
+              <a:t>::Error&gt;;</a:t>
+            </a:r>
+          </a:p>
+          <a:p>
+            <a:pPr lvl="1"/>
+            <a:r>
+              <a:rPr lang="en-US" dirty="0">
+                <a:latin typeface="Consolas" panose="020B0609020204030204" pitchFamily="49" charset="0"/>
+              </a:rPr>
+              <a:t>std::</a:t>
+            </a:r>
+            <a:r>
+              <a:rPr lang="en-US" dirty="0" err="1">
+                <a:latin typeface="Consolas" panose="020B0609020204030204" pitchFamily="49" charset="0"/>
+              </a:rPr>
+              <a:t>io</a:t>
+            </a:r>
+            <a:r>
+              <a:rPr lang="en-US" dirty="0">
+                <a:latin typeface="Consolas" panose="020B0609020204030204" pitchFamily="49" charset="0"/>
+              </a:rPr>
+              <a:t> crate import</a:t>
+            </a:r>
+          </a:p>
+          <a:p>
+            <a:r>
+              <a:rPr lang="en-US" dirty="0">
+                <a:latin typeface="Consolas" panose="020B0609020204030204" pitchFamily="49" charset="0"/>
+              </a:rPr>
+              <a:t>Custom Error</a:t>
+            </a:r>
+          </a:p>
+          <a:p>
+            <a:pPr lvl="1"/>
+            <a:r>
+              <a:rPr lang="en-US" sz="2000" dirty="0">
+                <a:latin typeface="Consolas" panose="020B0609020204030204" pitchFamily="49" charset="0"/>
+              </a:rPr>
+              <a:t>Use std::</a:t>
+            </a:r>
+            <a:r>
+              <a:rPr lang="en-US" sz="2000" dirty="0" err="1">
+                <a:latin typeface="Consolas" panose="020B0609020204030204" pitchFamily="49" charset="0"/>
+              </a:rPr>
+              <a:t>io</a:t>
+            </a:r>
+            <a:r>
+              <a:rPr lang="en-US" sz="2000" dirty="0">
+                <a:latin typeface="Consolas" panose="020B0609020204030204" pitchFamily="49" charset="0"/>
+              </a:rPr>
+              <a:t>::{Error, </a:t>
+            </a:r>
+            <a:r>
+              <a:rPr lang="en-US" sz="2000" dirty="0" err="1">
+                <a:latin typeface="Consolas" panose="020B0609020204030204" pitchFamily="49" charset="0"/>
+              </a:rPr>
+              <a:t>ErrorKind</a:t>
+            </a:r>
+            <a:r>
+              <a:rPr lang="en-US" sz="2000" dirty="0">
+                <a:latin typeface="Consolas" panose="020B0609020204030204" pitchFamily="49" charset="0"/>
+              </a:rPr>
+              <a:t>};</a:t>
+            </a:r>
+          </a:p>
+          <a:p>
+            <a:pPr lvl="1"/>
+            <a:r>
+              <a:rPr lang="en-US" sz="2000" dirty="0">
+                <a:latin typeface="Consolas" panose="020B0609020204030204" pitchFamily="49" charset="0"/>
+              </a:rPr>
+              <a:t>Let </a:t>
+            </a:r>
+            <a:r>
+              <a:rPr lang="en-US" sz="2000" dirty="0" err="1">
+                <a:latin typeface="Consolas" panose="020B0609020204030204" pitchFamily="49" charset="0"/>
+              </a:rPr>
+              <a:t>custom_error</a:t>
+            </a:r>
+            <a:r>
+              <a:rPr lang="en-US" sz="2000" dirty="0">
+                <a:latin typeface="Consolas" panose="020B0609020204030204" pitchFamily="49" charset="0"/>
+              </a:rPr>
+              <a:t> = </a:t>
+            </a:r>
+            <a:br>
+              <a:rPr lang="en-US" sz="2000" dirty="0">
+                <a:latin typeface="Consolas" panose="020B0609020204030204" pitchFamily="49" charset="0"/>
+              </a:rPr>
+            </a:br>
+            <a:r>
+              <a:rPr lang="en-US" sz="2000" dirty="0">
+                <a:latin typeface="Consolas" panose="020B0609020204030204" pitchFamily="49" charset="0"/>
+              </a:rPr>
+              <a:t>      Error::new(</a:t>
+            </a:r>
+            <a:r>
+              <a:rPr lang="en-US" sz="2000" dirty="0" err="1">
+                <a:latin typeface="Consolas" panose="020B0609020204030204" pitchFamily="49" charset="0"/>
+              </a:rPr>
+              <a:t>ErrorKind</a:t>
+            </a:r>
+            <a:r>
+              <a:rPr lang="en-US" sz="2000" dirty="0">
+                <a:latin typeface="Consolas" panose="020B0609020204030204" pitchFamily="49" charset="0"/>
+              </a:rPr>
+              <a:t>::Other, </a:t>
+            </a:r>
+            <a:r>
+              <a:rPr lang="en-US" sz="2000" dirty="0" err="1">
+                <a:latin typeface="Consolas" panose="020B0609020204030204" pitchFamily="49" charset="0"/>
+              </a:rPr>
+              <a:t>some_useful_value</a:t>
+            </a:r>
+            <a:r>
+              <a:rPr lang="en-US" sz="2000" dirty="0">
+                <a:latin typeface="Consolas" panose="020B0609020204030204" pitchFamily="49" charset="0"/>
+              </a:rPr>
+              <a:t>);</a:t>
+            </a:r>
+          </a:p>
+          <a:p>
+            <a:pPr marL="0" indent="0">
+              <a:buNone/>
+            </a:pPr>
+            <a:endParaRPr lang="en-US" dirty="0"/>
+          </a:p>
+        </p:txBody>
+      </p:sp>
+      <p:sp>
+        <p:nvSpPr>
+          <p:cNvPr id="4" name="Slide Number Placeholder 3">
+            <a:extLst>
+              <a:ext uri="{FF2B5EF4-FFF2-40B4-BE49-F238E27FC236}">
+                <a16:creationId xmlns:a16="http://schemas.microsoft.com/office/drawing/2014/main" id="{36705106-B232-4ED3-B0BE-88CFB760980A}"/>
               </a:ext>
             </a:extLst>
           </p:cNvPr>
@@ -7894,7 +8985,7 @@
           <a:bodyPr/>
           <a:lstStyle/>
           <a:p>
-            <a:fld id="{8175FE88-E4F7-4173-9B75-CBBABDFA1364}" type="slidenum">
+            <a:fld id="{8F6B0A30-8C53-44DF-ABCA-76B31AB81249}" type="slidenum">
               <a:rPr lang="en-US" smtClean="0"/>
               <a:pPr/>
               <a:t>8</a:t>
@@ -7906,7 +8997,7 @@
     </p:spTree>
     <p:extLst>
       <p:ext uri="{BB962C8B-B14F-4D97-AF65-F5344CB8AC3E}">
-        <p14:creationId xmlns:p14="http://schemas.microsoft.com/office/powerpoint/2010/main" val="663864605"/>
+        <p14:creationId xmlns:p14="http://schemas.microsoft.com/office/powerpoint/2010/main" val="1304522833"/>
       </p:ext>
     </p:extLst>
   </p:cSld>
@@ -7938,7 +9029,7 @@
           <p:cNvPr id="2" name="Title 1">
             <a:extLst>
               <a:ext uri="{FF2B5EF4-FFF2-40B4-BE49-F238E27FC236}">
-                <a16:creationId xmlns:a16="http://schemas.microsoft.com/office/drawing/2014/main" id="{9DB1A3A3-822A-4654-8703-47ECC2D419F1}"/>
+                <a16:creationId xmlns:a16="http://schemas.microsoft.com/office/drawing/2014/main" id="{6C64FF51-0A2B-46B3-9FDB-68B72FE25A01}"/>
               </a:ext>
             </a:extLst>
           </p:cNvPr>
@@ -7956,220 +9047,137 @@
           <a:p>
             <a:r>
               <a:rPr lang="en-US" dirty="0"/>
-              <a:t>Error Types</a:t>
-            </a:r>
-          </a:p>
-        </p:txBody>
-      </p:sp>
-      <p:sp>
-        <p:nvSpPr>
-          <p:cNvPr id="3" name="Content Placeholder 2">
-            <a:extLst>
-              <a:ext uri="{FF2B5EF4-FFF2-40B4-BE49-F238E27FC236}">
-                <a16:creationId xmlns:a16="http://schemas.microsoft.com/office/drawing/2014/main" id="{6FAC5403-4D73-457D-8641-05A23ADD3836}"/>
-              </a:ext>
-            </a:extLst>
-          </p:cNvPr>
-          <p:cNvSpPr>
-            <a:spLocks noGrp="1"/>
-          </p:cNvSpPr>
+              <a:t>Using Result&lt;T,E&gt; with </a:t>
+            </a:r>
+            <a:r>
+              <a:rPr lang="en-US" dirty="0" err="1"/>
+              <a:t>is_ok</a:t>
+            </a:r>
+            <a:r>
+              <a:rPr lang="en-US" dirty="0"/>
+              <a:t>()</a:t>
+            </a:r>
+          </a:p>
+        </p:txBody>
+      </p:sp>
+      <p:pic>
+        <p:nvPicPr>
+          <p:cNvPr id="4" name="Content Placeholder 3">
+            <a:extLst>
+              <a:ext uri="{FF2B5EF4-FFF2-40B4-BE49-F238E27FC236}">
+                <a16:creationId xmlns:a16="http://schemas.microsoft.com/office/drawing/2014/main" id="{87AFA99B-5B98-4C66-99A8-07B9B605CE77}"/>
+              </a:ext>
+            </a:extLst>
+          </p:cNvPr>
+          <p:cNvPicPr>
+            <a:picLocks noGrp="1" noChangeAspect="1"/>
+          </p:cNvPicPr>
           <p:nvPr>
             <p:ph idx="1"/>
           </p:nvPr>
+        </p:nvPicPr>
+        <p:blipFill>
+          <a:blip r:embed="rId2"/>
+          <a:stretch>
+            <a:fillRect/>
+          </a:stretch>
+        </p:blipFill>
+        <p:spPr>
+          <a:xfrm>
+            <a:off x="838200" y="1392189"/>
+            <a:ext cx="8129950" cy="4854575"/>
+          </a:xfrm>
+          <a:prstGeom prst="rect">
+            <a:avLst/>
+          </a:prstGeom>
+        </p:spPr>
+      </p:pic>
+      <p:sp>
+        <p:nvSpPr>
+          <p:cNvPr id="5" name="TextBox 4">
+            <a:extLst>
+              <a:ext uri="{FF2B5EF4-FFF2-40B4-BE49-F238E27FC236}">
+                <a16:creationId xmlns:a16="http://schemas.microsoft.com/office/drawing/2014/main" id="{73614D81-729A-4277-BFD7-77A93E112381}"/>
+              </a:ext>
+            </a:extLst>
+          </p:cNvPr>
+          <p:cNvSpPr txBox="1"/>
+          <p:nvPr/>
+        </p:nvSpPr>
+        <p:spPr>
+          <a:xfrm>
+            <a:off x="6400801" y="2833942"/>
+            <a:ext cx="5130412" cy="923330"/>
+          </a:xfrm>
+          <a:prstGeom prst="rect">
+            <a:avLst/>
+          </a:prstGeom>
+          <a:solidFill>
+            <a:schemeClr val="bg2"/>
+          </a:solidFill>
+          <a:ln w="12700">
+            <a:solidFill>
+              <a:schemeClr val="tx1"/>
+            </a:solidFill>
+          </a:ln>
+        </p:spPr>
+        <p:txBody>
+          <a:bodyPr wrap="square" rtlCol="0">
+            <a:spAutoFit/>
+          </a:bodyPr>
+          <a:lstStyle/>
+          <a:p>
+            <a:r>
+              <a:rPr lang="en-US" dirty="0"/>
+              <a:t>Illustrates accepting Result&lt;String, FromUtf8Error&gt;, </a:t>
+            </a:r>
+          </a:p>
+          <a:p>
+            <a:r>
+              <a:rPr lang="en-US" dirty="0"/>
+              <a:t>Testing, with Result::</a:t>
+            </a:r>
+            <a:r>
+              <a:rPr lang="en-US" dirty="0" err="1"/>
+              <a:t>is_ok</a:t>
+            </a:r>
+            <a:r>
+              <a:rPr lang="en-US" dirty="0"/>
+              <a:t>(), and returning a new Result type: Result&lt;(), </a:t>
+            </a:r>
+            <a:r>
+              <a:rPr lang="en-US" dirty="0" err="1"/>
+              <a:t>CustomError</a:t>
+            </a:r>
+            <a:r>
+              <a:rPr lang="en-US" dirty="0"/>
+              <a:t>&gt;</a:t>
+            </a:r>
+          </a:p>
+        </p:txBody>
+      </p:sp>
+      <p:sp>
+        <p:nvSpPr>
+          <p:cNvPr id="6" name="Slide Number Placeholder 5">
+            <a:extLst>
+              <a:ext uri="{FF2B5EF4-FFF2-40B4-BE49-F238E27FC236}">
+                <a16:creationId xmlns:a16="http://schemas.microsoft.com/office/drawing/2014/main" id="{F3D2DD4A-9C15-4A1D-910C-FAB38AFAC994}"/>
+              </a:ext>
+            </a:extLst>
+          </p:cNvPr>
+          <p:cNvSpPr>
+            <a:spLocks noGrp="1"/>
+          </p:cNvSpPr>
+          <p:nvPr>
+            <p:ph type="sldNum" sz="quarter" idx="12"/>
+          </p:nvPr>
         </p:nvSpPr>
         <p:spPr/>
         <p:txBody>
           <a:bodyPr/>
           <a:lstStyle/>
           <a:p>
-            <a:r>
-              <a:rPr lang="en-US" dirty="0">
-                <a:latin typeface="Consolas" panose="020B0609020204030204" pitchFamily="49" charset="0"/>
-              </a:rPr>
-              <a:t>Std Error</a:t>
-            </a:r>
-          </a:p>
-          <a:p>
-            <a:pPr lvl="1"/>
-            <a:r>
-              <a:rPr lang="en-US" dirty="0">
-                <a:latin typeface="Consolas" panose="020B0609020204030204" pitchFamily="49" charset="0"/>
-              </a:rPr>
-              <a:t>type Result&lt;T&gt; = Result&lt;</a:t>
-            </a:r>
-            <a:r>
-              <a:rPr lang="en-US" dirty="0" err="1">
-                <a:latin typeface="Consolas" panose="020B0609020204030204" pitchFamily="49" charset="0"/>
-              </a:rPr>
-              <a:t>T,std</a:t>
-            </a:r>
-            <a:r>
-              <a:rPr lang="en-US" dirty="0">
-                <a:latin typeface="Consolas" panose="020B0609020204030204" pitchFamily="49" charset="0"/>
-              </a:rPr>
-              <a:t>::</a:t>
-            </a:r>
-            <a:r>
-              <a:rPr lang="en-US" dirty="0" err="1">
-                <a:latin typeface="Consolas" panose="020B0609020204030204" pitchFamily="49" charset="0"/>
-              </a:rPr>
-              <a:t>io</a:t>
-            </a:r>
-            <a:r>
-              <a:rPr lang="en-US" dirty="0">
-                <a:latin typeface="Consolas" panose="020B0609020204030204" pitchFamily="49" charset="0"/>
-              </a:rPr>
-              <a:t>::Error&gt;;</a:t>
-            </a:r>
-          </a:p>
-          <a:p>
-            <a:pPr lvl="1"/>
-            <a:r>
-              <a:rPr lang="en-US" dirty="0">
-                <a:latin typeface="Consolas" panose="020B0609020204030204" pitchFamily="49" charset="0"/>
-              </a:rPr>
-              <a:t>std::</a:t>
-            </a:r>
-            <a:r>
-              <a:rPr lang="en-US" dirty="0" err="1">
-                <a:latin typeface="Consolas" panose="020B0609020204030204" pitchFamily="49" charset="0"/>
-              </a:rPr>
-              <a:t>io</a:t>
-            </a:r>
-            <a:r>
-              <a:rPr lang="en-US" dirty="0">
-                <a:latin typeface="Consolas" panose="020B0609020204030204" pitchFamily="49" charset="0"/>
-              </a:rPr>
-              <a:t> crate import</a:t>
-            </a:r>
-          </a:p>
-          <a:p>
-            <a:r>
-              <a:rPr lang="en-US" dirty="0">
-                <a:latin typeface="Consolas" panose="020B0609020204030204" pitchFamily="49" charset="0"/>
-              </a:rPr>
-              <a:t>Custom Error</a:t>
-            </a:r>
-          </a:p>
-          <a:p>
-            <a:pPr lvl="1"/>
-            <a:r>
-              <a:rPr lang="en-US" sz="2000" dirty="0">
-                <a:latin typeface="Consolas" panose="020B0609020204030204" pitchFamily="49" charset="0"/>
-              </a:rPr>
-              <a:t>Use std::</a:t>
-            </a:r>
-            <a:r>
-              <a:rPr lang="en-US" sz="2000" dirty="0" err="1">
-                <a:latin typeface="Consolas" panose="020B0609020204030204" pitchFamily="49" charset="0"/>
-              </a:rPr>
-              <a:t>io</a:t>
-            </a:r>
-            <a:r>
-              <a:rPr lang="en-US" sz="2000" dirty="0">
-                <a:latin typeface="Consolas" panose="020B0609020204030204" pitchFamily="49" charset="0"/>
-              </a:rPr>
-              <a:t>::{Error, </a:t>
-            </a:r>
-            <a:r>
-              <a:rPr lang="en-US" sz="2000" dirty="0" err="1">
-                <a:latin typeface="Consolas" panose="020B0609020204030204" pitchFamily="49" charset="0"/>
-              </a:rPr>
-              <a:t>ErrorKind</a:t>
-            </a:r>
-            <a:r>
-              <a:rPr lang="en-US" sz="2000" dirty="0">
-                <a:latin typeface="Consolas" panose="020B0609020204030204" pitchFamily="49" charset="0"/>
-              </a:rPr>
-              <a:t>};</a:t>
-            </a:r>
-          </a:p>
-          <a:p>
-            <a:pPr lvl="1"/>
-            <a:r>
-              <a:rPr lang="en-US" sz="2000" dirty="0">
-                <a:latin typeface="Consolas" panose="020B0609020204030204" pitchFamily="49" charset="0"/>
-              </a:rPr>
-              <a:t>Let </a:t>
-            </a:r>
-            <a:r>
-              <a:rPr lang="en-US" sz="2000" dirty="0" err="1">
-                <a:latin typeface="Consolas" panose="020B0609020204030204" pitchFamily="49" charset="0"/>
-              </a:rPr>
-              <a:t>custom_error</a:t>
-            </a:r>
-            <a:r>
-              <a:rPr lang="en-US" sz="2000" dirty="0">
-                <a:latin typeface="Consolas" panose="020B0609020204030204" pitchFamily="49" charset="0"/>
-              </a:rPr>
-              <a:t> = </a:t>
-            </a:r>
-            <a:br>
-              <a:rPr lang="en-US" sz="2000" dirty="0">
-                <a:latin typeface="Consolas" panose="020B0609020204030204" pitchFamily="49" charset="0"/>
-              </a:rPr>
-            </a:br>
-            <a:r>
-              <a:rPr lang="en-US" sz="2000" dirty="0">
-                <a:latin typeface="Consolas" panose="020B0609020204030204" pitchFamily="49" charset="0"/>
-              </a:rPr>
-              <a:t>      Error::new(</a:t>
-            </a:r>
-            <a:r>
-              <a:rPr lang="en-US" sz="2000" dirty="0" err="1">
-                <a:latin typeface="Consolas" panose="020B0609020204030204" pitchFamily="49" charset="0"/>
-              </a:rPr>
-              <a:t>ErrorKind</a:t>
-            </a:r>
-            <a:r>
-              <a:rPr lang="en-US" sz="2000" dirty="0">
-                <a:latin typeface="Consolas" panose="020B0609020204030204" pitchFamily="49" charset="0"/>
-              </a:rPr>
-              <a:t>::Other, </a:t>
-            </a:r>
-            <a:r>
-              <a:rPr lang="en-US" sz="2000" dirty="0" err="1">
-                <a:latin typeface="Consolas" panose="020B0609020204030204" pitchFamily="49" charset="0"/>
-              </a:rPr>
-              <a:t>some_useful_value</a:t>
-            </a:r>
-            <a:r>
-              <a:rPr lang="en-US" sz="2000" dirty="0">
-                <a:latin typeface="Consolas" panose="020B0609020204030204" pitchFamily="49" charset="0"/>
-              </a:rPr>
-              <a:t>);</a:t>
-            </a:r>
-          </a:p>
-          <a:p>
-            <a:pPr marL="0" indent="0">
-              <a:buNone/>
-            </a:pPr>
-            <a:endParaRPr lang="en-US" dirty="0"/>
-          </a:p>
-        </p:txBody>
-      </p:sp>
-      <p:sp>
-        <p:nvSpPr>
-          <p:cNvPr id="4" name="Slide Number Placeholder 3">
-            <a:extLst>
-              <a:ext uri="{FF2B5EF4-FFF2-40B4-BE49-F238E27FC236}">
-                <a16:creationId xmlns:a16="http://schemas.microsoft.com/office/drawing/2014/main" id="{36705106-B232-4ED3-B0BE-88CFB760980A}"/>
-              </a:ext>
-            </a:extLst>
-          </p:cNvPr>
-          <p:cNvSpPr>
-            <a:spLocks noGrp="1"/>
-          </p:cNvSpPr>
-          <p:nvPr>
-            <p:ph type="sldNum" sz="quarter" idx="12"/>
-          </p:nvPr>
-        </p:nvSpPr>
-        <p:spPr/>
-        <p:txBody>
-          <a:bodyPr/>
-          <a:lstStyle/>
-          <a:p>
-            <a:fld id="{8F6B0A30-8C53-44DF-ABCA-76B31AB81249}" type="slidenum">
+            <a:fld id="{8175FE88-E4F7-4173-9B75-CBBABDFA1364}" type="slidenum">
               <a:rPr lang="en-US" smtClean="0"/>
               <a:pPr/>
               <a:t>9</a:t>
@@ -8181,7 +9189,7 @@
     </p:spTree>
     <p:extLst>
       <p:ext uri="{BB962C8B-B14F-4D97-AF65-F5344CB8AC3E}">
-        <p14:creationId xmlns:p14="http://schemas.microsoft.com/office/powerpoint/2010/main" val="1304522833"/>
+        <p14:creationId xmlns:p14="http://schemas.microsoft.com/office/powerpoint/2010/main" val="663864605"/>
       </p:ext>
     </p:extLst>
   </p:cSld>

--- a/Resources/RustErrorHandling.pptx
+++ b/Resources/RustErrorHandling.pptx
@@ -5,7 +5,7 @@
     <p:sldMasterId id="2147483648" r:id="rId1"/>
   </p:sldMasterIdLst>
   <p:notesMasterIdLst>
-    <p:notesMasterId r:id="rId27"/>
+    <p:notesMasterId r:id="rId28"/>
   </p:notesMasterIdLst>
   <p:sldIdLst>
     <p:sldId id="256" r:id="rId2"/>
@@ -33,9 +33,10 @@
     <p:sldId id="272" r:id="rId24"/>
     <p:sldId id="273" r:id="rId25"/>
     <p:sldId id="274" r:id="rId26"/>
+    <p:sldId id="281" r:id="rId27"/>
   </p:sldIdLst>
   <p:sldSz cx="12192000" cy="6858000"/>
-  <p:notesSz cx="9296400" cy="7010400"/>
+  <p:notesSz cx="7010400" cy="9296400"/>
   <p:defaultTextStyle>
     <a:defPPr>
       <a:defRPr lang="en-US"/>
@@ -173,8 +174,8 @@
         </p:nvSpPr>
         <p:spPr>
           <a:xfrm>
-            <a:off x="0" y="1"/>
-            <a:ext cx="4028440" cy="351737"/>
+            <a:off x="0" y="2"/>
+            <a:ext cx="3037840" cy="466434"/>
           </a:xfrm>
           <a:prstGeom prst="rect">
             <a:avLst/>
@@ -204,8 +205,8 @@
         </p:nvSpPr>
         <p:spPr>
           <a:xfrm>
-            <a:off x="5265809" y="1"/>
-            <a:ext cx="4028440" cy="351737"/>
+            <a:off x="3970938" y="2"/>
+            <a:ext cx="3037840" cy="466434"/>
           </a:xfrm>
           <a:prstGeom prst="rect">
             <a:avLst/>
@@ -239,8 +240,8 @@
         </p:nvSpPr>
         <p:spPr>
           <a:xfrm>
-            <a:off x="2546350" y="876300"/>
-            <a:ext cx="4203700" cy="2365375"/>
+            <a:off x="717550" y="1162050"/>
+            <a:ext cx="5575300" cy="3136900"/>
           </a:xfrm>
           <a:prstGeom prst="rect">
             <a:avLst/>
@@ -272,8 +273,8 @@
         </p:nvSpPr>
         <p:spPr>
           <a:xfrm>
-            <a:off x="929640" y="3373754"/>
-            <a:ext cx="7437120" cy="2760346"/>
+            <a:off x="701040" y="4473891"/>
+            <a:ext cx="5608320" cy="3660459"/>
           </a:xfrm>
           <a:prstGeom prst="rect">
             <a:avLst/>
@@ -331,8 +332,8 @@
         </p:nvSpPr>
         <p:spPr>
           <a:xfrm>
-            <a:off x="0" y="6658664"/>
-            <a:ext cx="4028440" cy="351736"/>
+            <a:off x="0" y="8829967"/>
+            <a:ext cx="3037840" cy="466433"/>
           </a:xfrm>
           <a:prstGeom prst="rect">
             <a:avLst/>
@@ -362,8 +363,8 @@
         </p:nvSpPr>
         <p:spPr>
           <a:xfrm>
-            <a:off x="5265809" y="6658664"/>
-            <a:ext cx="4028440" cy="351736"/>
+            <a:off x="3970938" y="8829967"/>
+            <a:ext cx="3037840" cy="466433"/>
           </a:xfrm>
           <a:prstGeom prst="rect">
             <a:avLst/>
@@ -5539,6 +5540,16 @@
               <a:rPr lang="en-US" dirty="0"/>
               <a:t>Inter-process communication with pipes</a:t>
             </a:r>
+            <a:br>
+              <a:rPr lang="en-US" dirty="0"/>
+            </a:br>
+            <a:endParaRPr lang="en-US" dirty="0"/>
+          </a:p>
+          <a:p>
+            <a:r>
+              <a:rPr lang="en-US" dirty="0"/>
+              <a:t>We will briefly discuss the first two in this presentation</a:t>
+            </a:r>
           </a:p>
           <a:p>
             <a:endParaRPr lang="en-US" dirty="0"/>
@@ -7609,6 +7620,122 @@
     <p:extLst>
       <p:ext uri="{BB962C8B-B14F-4D97-AF65-F5344CB8AC3E}">
         <p14:creationId xmlns:p14="http://schemas.microsoft.com/office/powerpoint/2010/main" val="1952446507"/>
+      </p:ext>
+    </p:extLst>
+  </p:cSld>
+  <p:clrMapOvr>
+    <a:masterClrMapping/>
+  </p:clrMapOvr>
+</p:sld>
+</file>
+
+<file path=ppt/slides/slide26.xml><?xml version="1.0" encoding="utf-8"?>
+<p:sld xmlns:a="http://schemas.openxmlformats.org/drawingml/2006/main" xmlns:r="http://schemas.openxmlformats.org/officeDocument/2006/relationships" xmlns:p="http://schemas.openxmlformats.org/presentationml/2006/main">
+  <p:cSld>
+    <p:spTree>
+      <p:nvGrpSpPr>
+        <p:cNvPr id="1" name=""/>
+        <p:cNvGrpSpPr/>
+        <p:nvPr/>
+      </p:nvGrpSpPr>
+      <p:grpSpPr>
+        <a:xfrm>
+          <a:off x="0" y="0"/>
+          <a:ext cx="0" cy="0"/>
+          <a:chOff x="0" y="0"/>
+          <a:chExt cx="0" cy="0"/>
+        </a:xfrm>
+      </p:grpSpPr>
+      <p:sp>
+        <p:nvSpPr>
+          <p:cNvPr id="5" name="Title 4">
+            <a:extLst>
+              <a:ext uri="{FF2B5EF4-FFF2-40B4-BE49-F238E27FC236}">
+                <a16:creationId xmlns:a16="http://schemas.microsoft.com/office/drawing/2014/main" id="{0CE7A733-0885-40E9-BA27-4B367E0EF99B}"/>
+              </a:ext>
+            </a:extLst>
+          </p:cNvPr>
+          <p:cNvSpPr>
+            <a:spLocks noGrp="1"/>
+          </p:cNvSpPr>
+          <p:nvPr>
+            <p:ph type="ctrTitle"/>
+          </p:nvPr>
+        </p:nvSpPr>
+        <p:spPr/>
+        <p:txBody>
+          <a:bodyPr/>
+          <a:lstStyle/>
+          <a:p>
+            <a:r>
+              <a:rPr lang="en-US" dirty="0"/>
+              <a:t>That’s all Folks!</a:t>
+            </a:r>
+          </a:p>
+        </p:txBody>
+      </p:sp>
+      <p:sp>
+        <p:nvSpPr>
+          <p:cNvPr id="6" name="Subtitle 5">
+            <a:extLst>
+              <a:ext uri="{FF2B5EF4-FFF2-40B4-BE49-F238E27FC236}">
+                <a16:creationId xmlns:a16="http://schemas.microsoft.com/office/drawing/2014/main" id="{CF259CD9-E00F-469D-AC0B-4A94CD564CC8}"/>
+              </a:ext>
+            </a:extLst>
+          </p:cNvPr>
+          <p:cNvSpPr>
+            <a:spLocks noGrp="1"/>
+          </p:cNvSpPr>
+          <p:nvPr>
+            <p:ph type="subTitle" idx="1"/>
+          </p:nvPr>
+        </p:nvSpPr>
+        <p:spPr/>
+        <p:txBody>
+          <a:bodyPr/>
+          <a:lstStyle/>
+          <a:p>
+            <a:r>
+              <a:rPr lang="en-US" dirty="0"/>
+              <a:t>Thanks for listening/reading</a:t>
+            </a:r>
+          </a:p>
+        </p:txBody>
+      </p:sp>
+      <p:sp>
+        <p:nvSpPr>
+          <p:cNvPr id="4" name="Slide Number Placeholder 3">
+            <a:extLst>
+              <a:ext uri="{FF2B5EF4-FFF2-40B4-BE49-F238E27FC236}">
+                <a16:creationId xmlns:a16="http://schemas.microsoft.com/office/drawing/2014/main" id="{BF888768-54BB-4140-8D85-EB2F0F969671}"/>
+              </a:ext>
+            </a:extLst>
+          </p:cNvPr>
+          <p:cNvSpPr>
+            <a:spLocks noGrp="1"/>
+          </p:cNvSpPr>
+          <p:nvPr>
+            <p:ph type="sldNum" sz="quarter" idx="12"/>
+          </p:nvPr>
+        </p:nvSpPr>
+        <p:spPr/>
+        <p:txBody>
+          <a:bodyPr/>
+          <a:lstStyle/>
+          <a:p>
+            <a:fld id="{8175FE88-E4F7-4173-9B75-CBBABDFA1364}" type="slidenum">
+              <a:rPr lang="en-US" smtClean="0"/>
+              <a:pPr/>
+              <a:t>26</a:t>
+            </a:fld>
+            <a:endParaRPr lang="en-US" dirty="0"/>
+          </a:p>
+        </p:txBody>
+      </p:sp>
+    </p:spTree>
+    <p:extLst>
+      <p:ext uri="{BB962C8B-B14F-4D97-AF65-F5344CB8AC3E}">
+        <p14:creationId xmlns:p14="http://schemas.microsoft.com/office/powerpoint/2010/main" val="4267426086"/>
       </p:ext>
     </p:extLst>
   </p:cSld>

--- a/Resources/RustErrorHandling.pptx
+++ b/Resources/RustErrorHandling.pptx
@@ -6153,7 +6153,15 @@
           <a:p>
             <a:r>
               <a:rPr lang="en-US" dirty="0"/>
-              <a:t>You have to opt out of handling an error case.</a:t>
+              <a:t>You have to opt out if you don’t need </a:t>
+            </a:r>
+            <a:r>
+              <a:rPr lang="en-US"/>
+              <a:t>to handle </a:t>
+            </a:r>
+            <a:r>
+              <a:rPr lang="en-US" dirty="0"/>
+              <a:t>an error case.</a:t>
             </a:r>
             <a:br>
               <a:rPr lang="en-US" dirty="0"/>

--- a/Resources/RustErrorHandling.pptx
+++ b/Resources/RustErrorHandling.pptx
@@ -3872,7 +3872,7 @@
           <a:p>
             <a:r>
               <a:rPr lang="en-US" dirty="0"/>
-              <a:t>If you use code that doesn’t reliably avoid panics you may attempt to trap them:</a:t>
+              <a:t>If you need to use code that doesn’t reliably avoid panics you may attempt to trap them:</a:t>
             </a:r>
           </a:p>
           <a:p>
@@ -4635,7 +4635,7 @@
           <a:p>
             <a:r>
               <a:rPr lang="en-US" dirty="0"/>
-              <a:t>if let uses matching operator =</a:t>
+              <a:t>“if let” uses matching operator =</a:t>
             </a:r>
           </a:p>
           <a:p>
@@ -4822,7 +4822,7 @@
           <a:p>
             <a:r>
               <a:rPr lang="en-US" dirty="0"/>
-              <a:t>Demonstration code using match and let if</a:t>
+              <a:t>Demonstration code using match and if let</a:t>
             </a:r>
           </a:p>
         </p:txBody>
@@ -5056,7 +5056,7 @@
               <a:rPr lang="en-US" sz="2400" dirty="0" err="1">
                 <a:latin typeface="Consolas" panose="020B0609020204030204" pitchFamily="49" charset="0"/>
               </a:rPr>
-              <a:t>Fn</a:t>
+              <a:t>fn</a:t>
             </a:r>
             <a:r>
               <a:rPr lang="en-US" sz="2400" dirty="0">
@@ -5070,7 +5070,7 @@
               <a:rPr lang="en-US" sz="2400" dirty="0" err="1">
                 <a:latin typeface="Consolas" panose="020B0609020204030204" pitchFamily="49" charset="0"/>
               </a:rPr>
-              <a:t>Fn</a:t>
+              <a:t>fn</a:t>
             </a:r>
             <a:r>
               <a:rPr lang="en-US" sz="2400" dirty="0">
@@ -6966,7 +6966,7 @@
             <a:pPr lvl="1"/>
             <a:r>
               <a:rPr lang="en-US" dirty="0" err="1"/>
-              <a:t>Fn</a:t>
+              <a:t>fn</a:t>
             </a:r>
             <a:r>
               <a:rPr lang="en-US" dirty="0"/>
@@ -9182,7 +9182,7 @@
           <a:p>
             <a:r>
               <a:rPr lang="en-US" dirty="0"/>
-              <a:t>Using Result&lt;T,E&gt; with </a:t>
+              <a:t>Using Result&lt;T, E&gt; with </a:t>
             </a:r>
             <a:r>
               <a:rPr lang="en-US" dirty="0" err="1"/>

--- a/Resources/RustErrorHandling.pptx
+++ b/Resources/RustErrorHandling.pptx
@@ -5,7 +5,7 @@
     <p:sldMasterId id="2147483648" r:id="rId1"/>
   </p:sldMasterIdLst>
   <p:notesMasterIdLst>
-    <p:notesMasterId r:id="rId28"/>
+    <p:notesMasterId r:id="rId29"/>
   </p:notesMasterIdLst>
   <p:sldIdLst>
     <p:sldId id="256" r:id="rId2"/>
@@ -33,7 +33,8 @@
     <p:sldId id="272" r:id="rId24"/>
     <p:sldId id="273" r:id="rId25"/>
     <p:sldId id="274" r:id="rId26"/>
-    <p:sldId id="281" r:id="rId27"/>
+    <p:sldId id="282" r:id="rId27"/>
+    <p:sldId id="281" r:id="rId28"/>
   </p:sldIdLst>
   <p:sldSz cx="12192000" cy="6858000"/>
   <p:notesSz cx="7010400" cy="9296400"/>
@@ -222,7 +223,7 @@
           <a:p>
             <a:fld id="{055EF092-8A54-4677-B340-5EB5DEB17706}" type="datetimeFigureOut">
               <a:rPr lang="en-US" smtClean="0"/>
-              <a:t>5/1/2020</a:t>
+              <a:t>5/2/2020</a:t>
             </a:fld>
             <a:endParaRPr lang="en-US"/>
           </a:p>
@@ -636,7 +637,7 @@
           <a:p>
             <a:fld id="{36A0C7CB-2D82-423C-AB01-41EA338034A6}" type="datetime1">
               <a:rPr lang="en-US" smtClean="0"/>
-              <a:t>5/1/2020</a:t>
+              <a:t>5/2/2020</a:t>
             </a:fld>
             <a:endParaRPr lang="en-US"/>
           </a:p>
@@ -834,7 +835,7 @@
           <a:p>
             <a:fld id="{D7C78DD4-2E2E-452A-93AA-FBB2F74976C2}" type="datetime1">
               <a:rPr lang="en-US" smtClean="0"/>
-              <a:t>5/1/2020</a:t>
+              <a:t>5/2/2020</a:t>
             </a:fld>
             <a:endParaRPr lang="en-US"/>
           </a:p>
@@ -1042,7 +1043,7 @@
           <a:p>
             <a:fld id="{851591DF-6002-4AED-B0BC-482CBBAD8E96}" type="datetime1">
               <a:rPr lang="en-US" smtClean="0"/>
-              <a:t>5/1/2020</a:t>
+              <a:t>5/2/2020</a:t>
             </a:fld>
             <a:endParaRPr lang="en-US"/>
           </a:p>
@@ -1250,7 +1251,7 @@
           <a:p>
             <a:fld id="{2006D5C9-BA28-4C78-BA6C-970E82ACA9AF}" type="datetime1">
               <a:rPr lang="en-US" smtClean="0"/>
-              <a:t>5/1/2020</a:t>
+              <a:t>5/2/2020</a:t>
             </a:fld>
             <a:endParaRPr lang="en-US"/>
           </a:p>
@@ -1530,7 +1531,7 @@
           <a:p>
             <a:fld id="{ADEBBC10-72E9-4AB7-9CF2-6E5B73E4A905}" type="datetime1">
               <a:rPr lang="en-US" smtClean="0"/>
-              <a:t>5/1/2020</a:t>
+              <a:t>5/2/2020</a:t>
             </a:fld>
             <a:endParaRPr lang="en-US"/>
           </a:p>
@@ -1800,7 +1801,7 @@
           <a:p>
             <a:fld id="{4C68A4F5-DD82-4FF5-A92B-D8CBC256FF7C}" type="datetime1">
               <a:rPr lang="en-US" smtClean="0"/>
-              <a:t>5/1/2020</a:t>
+              <a:t>5/2/2020</a:t>
             </a:fld>
             <a:endParaRPr lang="en-US"/>
           </a:p>
@@ -2217,7 +2218,7 @@
           <a:p>
             <a:fld id="{1DBCDF70-3824-48C1-8216-8795ED01A5D0}" type="datetime1">
               <a:rPr lang="en-US" smtClean="0"/>
-              <a:t>5/1/2020</a:t>
+              <a:t>5/2/2020</a:t>
             </a:fld>
             <a:endParaRPr lang="en-US"/>
           </a:p>
@@ -2358,7 +2359,7 @@
           <a:p>
             <a:fld id="{E365BA3C-702A-4485-AC0E-B655E7C90C7F}" type="datetime1">
               <a:rPr lang="en-US" smtClean="0"/>
-              <a:t>5/1/2020</a:t>
+              <a:t>5/2/2020</a:t>
             </a:fld>
             <a:endParaRPr lang="en-US"/>
           </a:p>
@@ -2471,7 +2472,7 @@
           <a:p>
             <a:fld id="{2BFFD74F-4C20-47A0-AAFB-26C07C87E0C0}" type="datetime1">
               <a:rPr lang="en-US" smtClean="0"/>
-              <a:t>5/1/2020</a:t>
+              <a:t>5/2/2020</a:t>
             </a:fld>
             <a:endParaRPr lang="en-US"/>
           </a:p>
@@ -2782,7 +2783,7 @@
           <a:p>
             <a:fld id="{ECF2004F-AB7D-4F79-8768-579D51F2D46C}" type="datetime1">
               <a:rPr lang="en-US" smtClean="0"/>
-              <a:t>5/1/2020</a:t>
+              <a:t>5/2/2020</a:t>
             </a:fld>
             <a:endParaRPr lang="en-US"/>
           </a:p>
@@ -3070,7 +3071,7 @@
           <a:p>
             <a:fld id="{21C8C90A-9DD0-4D2B-BFD9-E76A52719A94}" type="datetime1">
               <a:rPr lang="en-US" smtClean="0"/>
-              <a:t>5/1/2020</a:t>
+              <a:t>5/2/2020</a:t>
             </a:fld>
             <a:endParaRPr lang="en-US"/>
           </a:p>
@@ -3311,7 +3312,7 @@
           <a:p>
             <a:fld id="{570724D7-3E32-49D3-AC4A-39ACC2C5F813}" type="datetime1">
               <a:rPr lang="en-US" smtClean="0"/>
-              <a:t>5/1/2020</a:t>
+              <a:t>5/2/2020</a:t>
             </a:fld>
             <a:endParaRPr lang="en-US"/>
           </a:p>
@@ -7656,18 +7657,18 @@
       </p:grpSpPr>
       <p:sp>
         <p:nvSpPr>
-          <p:cNvPr id="5" name="Title 4">
-            <a:extLst>
-              <a:ext uri="{FF2B5EF4-FFF2-40B4-BE49-F238E27FC236}">
-                <a16:creationId xmlns:a16="http://schemas.microsoft.com/office/drawing/2014/main" id="{0CE7A733-0885-40E9-BA27-4B367E0EF99B}"/>
-              </a:ext>
-            </a:extLst>
-          </p:cNvPr>
-          <p:cNvSpPr>
-            <a:spLocks noGrp="1"/>
-          </p:cNvSpPr>
-          <p:nvPr>
-            <p:ph type="ctrTitle"/>
+          <p:cNvPr id="2" name="Title 1">
+            <a:extLst>
+              <a:ext uri="{FF2B5EF4-FFF2-40B4-BE49-F238E27FC236}">
+                <a16:creationId xmlns:a16="http://schemas.microsoft.com/office/drawing/2014/main" id="{8BD18A78-5A0B-4922-8753-C8B8799EC82F}"/>
+              </a:ext>
+            </a:extLst>
+          </p:cNvPr>
+          <p:cNvSpPr>
+            <a:spLocks noGrp="1"/>
+          </p:cNvSpPr>
+          <p:nvPr>
+            <p:ph type="title"/>
           </p:nvPr>
         </p:nvSpPr>
         <p:spPr/>
@@ -7677,45 +7678,289 @@
           <a:p>
             <a:r>
               <a:rPr lang="en-US" dirty="0"/>
-              <a:t>That’s all Folks!</a:t>
-            </a:r>
-          </a:p>
-        </p:txBody>
-      </p:sp>
-      <p:sp>
-        <p:nvSpPr>
-          <p:cNvPr id="6" name="Subtitle 5">
-            <a:extLst>
-              <a:ext uri="{FF2B5EF4-FFF2-40B4-BE49-F238E27FC236}">
-                <a16:creationId xmlns:a16="http://schemas.microsoft.com/office/drawing/2014/main" id="{CF259CD9-E00F-469D-AC0B-4A94CD564CC8}"/>
-              </a:ext>
-            </a:extLst>
-          </p:cNvPr>
-          <p:cNvSpPr>
-            <a:spLocks noGrp="1"/>
-          </p:cNvSpPr>
-          <p:nvPr>
-            <p:ph type="subTitle" idx="1"/>
-          </p:nvPr>
-        </p:nvSpPr>
-        <p:spPr/>
-        <p:txBody>
-          <a:bodyPr/>
-          <a:lstStyle/>
-          <a:p>
-            <a:r>
-              <a:rPr lang="en-US" dirty="0"/>
-              <a:t>Thanks for listening/reading</a:t>
-            </a:r>
-          </a:p>
-        </p:txBody>
-      </p:sp>
+              <a:t>References</a:t>
+            </a:r>
+          </a:p>
+        </p:txBody>
+      </p:sp>
+      <p:graphicFrame>
+        <p:nvGraphicFramePr>
+          <p:cNvPr id="5" name="Table 5">
+            <a:extLst>
+              <a:ext uri="{FF2B5EF4-FFF2-40B4-BE49-F238E27FC236}">
+                <a16:creationId xmlns:a16="http://schemas.microsoft.com/office/drawing/2014/main" id="{0FE0449A-B8DE-43F5-8488-F186D99997D2}"/>
+              </a:ext>
+            </a:extLst>
+          </p:cNvPr>
+          <p:cNvGraphicFramePr>
+            <a:graphicFrameLocks noGrp="1"/>
+          </p:cNvGraphicFramePr>
+          <p:nvPr>
+            <p:ph idx="1"/>
+            <p:extLst>
+              <p:ext uri="{D42A27DB-BD31-4B8C-83A1-F6EECF244321}">
+                <p14:modId xmlns:p14="http://schemas.microsoft.com/office/powerpoint/2010/main" val="137761662"/>
+              </p:ext>
+            </p:extLst>
+          </p:nvPr>
+        </p:nvGraphicFramePr>
+        <p:xfrm>
+          <a:off x="838200" y="1322388"/>
+          <a:ext cx="10515600" cy="2225040"/>
+        </p:xfrm>
+        <a:graphic>
+          <a:graphicData uri="http://schemas.openxmlformats.org/drawingml/2006/table">
+            <a:tbl>
+              <a:tblPr firstRow="1" bandRow="1">
+                <a:tableStyleId>{073A0DAA-6AF3-43AB-8588-CEC1D06C72B9}</a:tableStyleId>
+              </a:tblPr>
+              <a:tblGrid>
+                <a:gridCol w="5257800">
+                  <a:extLst>
+                    <a:ext uri="{9D8B030D-6E8A-4147-A177-3AD203B41FA5}">
+                      <a16:colId xmlns:a16="http://schemas.microsoft.com/office/drawing/2014/main" val="3910186741"/>
+                    </a:ext>
+                  </a:extLst>
+                </a:gridCol>
+                <a:gridCol w="5257800">
+                  <a:extLst>
+                    <a:ext uri="{9D8B030D-6E8A-4147-A177-3AD203B41FA5}">
+                      <a16:colId xmlns:a16="http://schemas.microsoft.com/office/drawing/2014/main" val="3493013089"/>
+                    </a:ext>
+                  </a:extLst>
+                </a:gridCol>
+              </a:tblGrid>
+              <a:tr h="370840">
+                <a:tc>
+                  <a:txBody>
+                    <a:bodyPr/>
+                    <a:lstStyle/>
+                    <a:p>
+                      <a:r>
+                        <a:rPr lang="en-US" dirty="0"/>
+                        <a:t>Link</a:t>
+                      </a:r>
+                    </a:p>
+                  </a:txBody>
+                  <a:tcPr/>
+                </a:tc>
+                <a:tc>
+                  <a:txBody>
+                    <a:bodyPr/>
+                    <a:lstStyle/>
+                    <a:p>
+                      <a:r>
+                        <a:rPr lang="en-US" dirty="0"/>
+                        <a:t>Contents</a:t>
+                      </a:r>
+                    </a:p>
+                  </a:txBody>
+                  <a:tcPr/>
+                </a:tc>
+                <a:extLst>
+                  <a:ext uri="{0D108BD9-81ED-4DB2-BD59-A6C34878D82A}">
+                    <a16:rowId xmlns:a16="http://schemas.microsoft.com/office/drawing/2014/main" val="1432964389"/>
+                  </a:ext>
+                </a:extLst>
+              </a:tr>
+              <a:tr h="370840">
+                <a:tc>
+                  <a:txBody>
+                    <a:bodyPr/>
+                    <a:lstStyle/>
+                    <a:p>
+                      <a:r>
+                        <a:rPr lang="en-US" dirty="0">
+                          <a:hlinkClick r:id="rId2"/>
+                        </a:rPr>
+                        <a:t>Rust Error Handling Code</a:t>
+                      </a:r>
+                      <a:endParaRPr lang="en-US" dirty="0"/>
+                    </a:p>
+                  </a:txBody>
+                  <a:tcPr/>
+                </a:tc>
+                <a:tc>
+                  <a:txBody>
+                    <a:bodyPr/>
+                    <a:lstStyle/>
+                    <a:p>
+                      <a:r>
+                        <a:rPr lang="en-US" dirty="0"/>
+                        <a:t>Demonstration code for this presentation</a:t>
+                      </a:r>
+                    </a:p>
+                  </a:txBody>
+                  <a:tcPr/>
+                </a:tc>
+                <a:extLst>
+                  <a:ext uri="{0D108BD9-81ED-4DB2-BD59-A6C34878D82A}">
+                    <a16:rowId xmlns:a16="http://schemas.microsoft.com/office/drawing/2014/main" val="3457166615"/>
+                  </a:ext>
+                </a:extLst>
+              </a:tr>
+              <a:tr h="370840">
+                <a:tc>
+                  <a:txBody>
+                    <a:bodyPr/>
+                    <a:lstStyle/>
+                    <a:p>
+                      <a:r>
+                        <a:rPr lang="en-US" dirty="0">
+                          <a:hlinkClick r:id="rId3"/>
+                        </a:rPr>
+                        <a:t>Rust Book</a:t>
+                      </a:r>
+                      <a:endParaRPr lang="en-US" dirty="0"/>
+                    </a:p>
+                  </a:txBody>
+                  <a:tcPr/>
+                </a:tc>
+                <a:tc>
+                  <a:txBody>
+                    <a:bodyPr/>
+                    <a:lstStyle/>
+                    <a:p>
+                      <a:r>
+                        <a:rPr lang="en-US" dirty="0"/>
+                        <a:t>Covers most of the language clearly</a:t>
+                      </a:r>
+                    </a:p>
+                  </a:txBody>
+                  <a:tcPr/>
+                </a:tc>
+                <a:extLst>
+                  <a:ext uri="{0D108BD9-81ED-4DB2-BD59-A6C34878D82A}">
+                    <a16:rowId xmlns:a16="http://schemas.microsoft.com/office/drawing/2014/main" val="1005705615"/>
+                  </a:ext>
+                </a:extLst>
+              </a:tr>
+              <a:tr h="370840">
+                <a:tc>
+                  <a:txBody>
+                    <a:bodyPr/>
+                    <a:lstStyle/>
+                    <a:p>
+                      <a:r>
+                        <a:rPr lang="en-US" dirty="0">
+                          <a:hlinkClick r:id="rId4"/>
+                        </a:rPr>
+                        <a:t>Gentle Introduction to Rust</a:t>
+                      </a:r>
+                      <a:endParaRPr lang="en-US" dirty="0"/>
+                    </a:p>
+                  </a:txBody>
+                  <a:tcPr/>
+                </a:tc>
+                <a:tc>
+                  <a:txBody>
+                    <a:bodyPr/>
+                    <a:lstStyle/>
+                    <a:p>
+                      <a:r>
+                        <a:rPr lang="en-US" dirty="0"/>
+                        <a:t>Well written, fewer topics than Rust Book, very clear</a:t>
+                      </a:r>
+                    </a:p>
+                  </a:txBody>
+                  <a:tcPr/>
+                </a:tc>
+                <a:extLst>
+                  <a:ext uri="{0D108BD9-81ED-4DB2-BD59-A6C34878D82A}">
+                    <a16:rowId xmlns:a16="http://schemas.microsoft.com/office/drawing/2014/main" val="321772089"/>
+                  </a:ext>
+                </a:extLst>
+              </a:tr>
+              <a:tr h="370840">
+                <a:tc>
+                  <a:txBody>
+                    <a:bodyPr/>
+                    <a:lstStyle/>
+                    <a:p>
+                      <a:r>
+                        <a:rPr lang="en-US" dirty="0">
+                          <a:hlinkClick r:id="rId5"/>
+                        </a:rPr>
+                        <a:t>Half Hour to Learn Rust</a:t>
+                      </a:r>
+                      <a:endParaRPr lang="en-US" dirty="0"/>
+                    </a:p>
+                  </a:txBody>
+                  <a:tcPr/>
+                </a:tc>
+                <a:tc>
+                  <a:txBody>
+                    <a:bodyPr/>
+                    <a:lstStyle/>
+                    <a:p>
+                      <a:r>
+                        <a:rPr lang="en-US" dirty="0"/>
+                        <a:t>Stroll </a:t>
+                      </a:r>
+                      <a:r>
+                        <a:rPr lang="en-US" dirty="0" err="1"/>
+                        <a:t>throught</a:t>
+                      </a:r>
+                      <a:r>
+                        <a:rPr lang="en-US" dirty="0"/>
+                        <a:t> most of the common constructs</a:t>
+                      </a:r>
+                    </a:p>
+                  </a:txBody>
+                  <a:tcPr/>
+                </a:tc>
+                <a:extLst>
+                  <a:ext uri="{0D108BD9-81ED-4DB2-BD59-A6C34878D82A}">
+                    <a16:rowId xmlns:a16="http://schemas.microsoft.com/office/drawing/2014/main" val="716345335"/>
+                  </a:ext>
+                </a:extLst>
+              </a:tr>
+              <a:tr h="370840">
+                <a:tc>
+                  <a:txBody>
+                    <a:bodyPr/>
+                    <a:lstStyle/>
+                    <a:p>
+                      <a:r>
+                        <a:rPr lang="en-US" dirty="0">
+                          <a:hlinkClick r:id="rId6"/>
+                        </a:rPr>
+                        <a:t>Rust Standard Library</a:t>
+                      </a:r>
+                      <a:endParaRPr lang="en-US" dirty="0"/>
+                    </a:p>
+                  </a:txBody>
+                  <a:tcPr/>
+                </a:tc>
+                <a:tc>
+                  <a:txBody>
+                    <a:bodyPr/>
+                    <a:lstStyle/>
+                    <a:p>
+                      <a:r>
+                        <a:rPr lang="en-US" dirty="0"/>
+                        <a:t>The official documentation for the std library</a:t>
+                      </a:r>
+                    </a:p>
+                  </a:txBody>
+                  <a:tcPr/>
+                </a:tc>
+                <a:extLst>
+                  <a:ext uri="{0D108BD9-81ED-4DB2-BD59-A6C34878D82A}">
+                    <a16:rowId xmlns:a16="http://schemas.microsoft.com/office/drawing/2014/main" val="23352569"/>
+                  </a:ext>
+                </a:extLst>
+              </a:tr>
+            </a:tbl>
+          </a:graphicData>
+        </a:graphic>
+      </p:graphicFrame>
       <p:sp>
         <p:nvSpPr>
           <p:cNvPr id="4" name="Slide Number Placeholder 3">
             <a:extLst>
               <a:ext uri="{FF2B5EF4-FFF2-40B4-BE49-F238E27FC236}">
-                <a16:creationId xmlns:a16="http://schemas.microsoft.com/office/drawing/2014/main" id="{BF888768-54BB-4140-8D85-EB2F0F969671}"/>
+                <a16:creationId xmlns:a16="http://schemas.microsoft.com/office/drawing/2014/main" id="{565DC81B-5CA6-4324-B8B2-2C3B7D9D6E99}"/>
               </a:ext>
             </a:extLst>
           </p:cNvPr>
@@ -7735,6 +7980,122 @@
               <a:rPr lang="en-US" smtClean="0"/>
               <a:pPr/>
               <a:t>26</a:t>
+            </a:fld>
+            <a:endParaRPr lang="en-US" dirty="0"/>
+          </a:p>
+        </p:txBody>
+      </p:sp>
+    </p:spTree>
+    <p:extLst>
+      <p:ext uri="{BB962C8B-B14F-4D97-AF65-F5344CB8AC3E}">
+        <p14:creationId xmlns:p14="http://schemas.microsoft.com/office/powerpoint/2010/main" val="2264044961"/>
+      </p:ext>
+    </p:extLst>
+  </p:cSld>
+  <p:clrMapOvr>
+    <a:masterClrMapping/>
+  </p:clrMapOvr>
+</p:sld>
+</file>
+
+<file path=ppt/slides/slide27.xml><?xml version="1.0" encoding="utf-8"?>
+<p:sld xmlns:a="http://schemas.openxmlformats.org/drawingml/2006/main" xmlns:r="http://schemas.openxmlformats.org/officeDocument/2006/relationships" xmlns:p="http://schemas.openxmlformats.org/presentationml/2006/main">
+  <p:cSld>
+    <p:spTree>
+      <p:nvGrpSpPr>
+        <p:cNvPr id="1" name=""/>
+        <p:cNvGrpSpPr/>
+        <p:nvPr/>
+      </p:nvGrpSpPr>
+      <p:grpSpPr>
+        <a:xfrm>
+          <a:off x="0" y="0"/>
+          <a:ext cx="0" cy="0"/>
+          <a:chOff x="0" y="0"/>
+          <a:chExt cx="0" cy="0"/>
+        </a:xfrm>
+      </p:grpSpPr>
+      <p:sp>
+        <p:nvSpPr>
+          <p:cNvPr id="5" name="Title 4">
+            <a:extLst>
+              <a:ext uri="{FF2B5EF4-FFF2-40B4-BE49-F238E27FC236}">
+                <a16:creationId xmlns:a16="http://schemas.microsoft.com/office/drawing/2014/main" id="{0CE7A733-0885-40E9-BA27-4B367E0EF99B}"/>
+              </a:ext>
+            </a:extLst>
+          </p:cNvPr>
+          <p:cNvSpPr>
+            <a:spLocks noGrp="1"/>
+          </p:cNvSpPr>
+          <p:nvPr>
+            <p:ph type="ctrTitle"/>
+          </p:nvPr>
+        </p:nvSpPr>
+        <p:spPr/>
+        <p:txBody>
+          <a:bodyPr/>
+          <a:lstStyle/>
+          <a:p>
+            <a:r>
+              <a:rPr lang="en-US" dirty="0"/>
+              <a:t>That’s all Folks!</a:t>
+            </a:r>
+          </a:p>
+        </p:txBody>
+      </p:sp>
+      <p:sp>
+        <p:nvSpPr>
+          <p:cNvPr id="6" name="Subtitle 5">
+            <a:extLst>
+              <a:ext uri="{FF2B5EF4-FFF2-40B4-BE49-F238E27FC236}">
+                <a16:creationId xmlns:a16="http://schemas.microsoft.com/office/drawing/2014/main" id="{CF259CD9-E00F-469D-AC0B-4A94CD564CC8}"/>
+              </a:ext>
+            </a:extLst>
+          </p:cNvPr>
+          <p:cNvSpPr>
+            <a:spLocks noGrp="1"/>
+          </p:cNvSpPr>
+          <p:nvPr>
+            <p:ph type="subTitle" idx="1"/>
+          </p:nvPr>
+        </p:nvSpPr>
+        <p:spPr/>
+        <p:txBody>
+          <a:bodyPr/>
+          <a:lstStyle/>
+          <a:p>
+            <a:r>
+              <a:rPr lang="en-US" dirty="0"/>
+              <a:t>Thanks for listening/reading</a:t>
+            </a:r>
+          </a:p>
+        </p:txBody>
+      </p:sp>
+      <p:sp>
+        <p:nvSpPr>
+          <p:cNvPr id="4" name="Slide Number Placeholder 3">
+            <a:extLst>
+              <a:ext uri="{FF2B5EF4-FFF2-40B4-BE49-F238E27FC236}">
+                <a16:creationId xmlns:a16="http://schemas.microsoft.com/office/drawing/2014/main" id="{BF888768-54BB-4140-8D85-EB2F0F969671}"/>
+              </a:ext>
+            </a:extLst>
+          </p:cNvPr>
+          <p:cNvSpPr>
+            <a:spLocks noGrp="1"/>
+          </p:cNvSpPr>
+          <p:nvPr>
+            <p:ph type="sldNum" sz="quarter" idx="12"/>
+          </p:nvPr>
+        </p:nvSpPr>
+        <p:spPr/>
+        <p:txBody>
+          <a:bodyPr/>
+          <a:lstStyle/>
+          <a:p>
+            <a:fld id="{8175FE88-E4F7-4173-9B75-CBBABDFA1364}" type="slidenum">
+              <a:rPr lang="en-US" smtClean="0"/>
+              <a:pPr/>
+              <a:t>27</a:t>
             </a:fld>
             <a:endParaRPr lang="en-US" dirty="0"/>
           </a:p>

--- a/Resources/RustErrorHandling.pptx
+++ b/Resources/RustErrorHandling.pptx
@@ -6683,38 +6683,6 @@
           </a:p>
         </p:txBody>
       </p:sp>
-      <p:pic>
-        <p:nvPicPr>
-          <p:cNvPr id="4" name="Content Placeholder 3">
-            <a:extLst>
-              <a:ext uri="{FF2B5EF4-FFF2-40B4-BE49-F238E27FC236}">
-                <a16:creationId xmlns:a16="http://schemas.microsoft.com/office/drawing/2014/main" id="{58097784-424A-45C4-A8E1-D9F467F57D87}"/>
-              </a:ext>
-            </a:extLst>
-          </p:cNvPr>
-          <p:cNvPicPr>
-            <a:picLocks noGrp="1" noChangeAspect="1"/>
-          </p:cNvPicPr>
-          <p:nvPr>
-            <p:ph idx="1"/>
-          </p:nvPr>
-        </p:nvPicPr>
-        <p:blipFill>
-          <a:blip r:embed="rId2"/>
-          <a:stretch>
-            <a:fillRect/>
-          </a:stretch>
-        </p:blipFill>
-        <p:spPr>
-          <a:xfrm>
-            <a:off x="693092" y="431046"/>
-            <a:ext cx="5628599" cy="5995907"/>
-          </a:xfrm>
-          <a:prstGeom prst="rect">
-            <a:avLst/>
-          </a:prstGeom>
-        </p:spPr>
-      </p:pic>
       <p:sp>
         <p:nvSpPr>
           <p:cNvPr id="5" name="TextBox 4">
@@ -6835,6 +6803,38 @@
           </a:p>
         </p:txBody>
       </p:sp>
+      <p:pic>
+        <p:nvPicPr>
+          <p:cNvPr id="11" name="Content Placeholder 10">
+            <a:extLst>
+              <a:ext uri="{FF2B5EF4-FFF2-40B4-BE49-F238E27FC236}">
+                <a16:creationId xmlns:a16="http://schemas.microsoft.com/office/drawing/2014/main" id="{1F9A8C82-1357-47B6-9B44-0CA09745C51B}"/>
+              </a:ext>
+            </a:extLst>
+          </p:cNvPr>
+          <p:cNvPicPr>
+            <a:picLocks noGrp="1" noChangeAspect="1"/>
+          </p:cNvPicPr>
+          <p:nvPr>
+            <p:ph idx="1"/>
+          </p:nvPr>
+        </p:nvPicPr>
+        <p:blipFill>
+          <a:blip r:embed="rId2"/>
+          <a:stretch>
+            <a:fillRect/>
+          </a:stretch>
+        </p:blipFill>
+        <p:spPr>
+          <a:xfrm>
+            <a:off x="693092" y="472643"/>
+            <a:ext cx="5728578" cy="5722498"/>
+          </a:xfrm>
+          <a:prstGeom prst="rect">
+            <a:avLst/>
+          </a:prstGeom>
+        </p:spPr>
+      </p:pic>
     </p:spTree>
     <p:extLst>
       <p:ext uri="{BB962C8B-B14F-4D97-AF65-F5344CB8AC3E}">

--- a/Resources/RustErrorHandling.pptx
+++ b/Resources/RustErrorHandling.pptx
@@ -5,36 +5,39 @@
     <p:sldMasterId id="2147483648" r:id="rId1"/>
   </p:sldMasterIdLst>
   <p:notesMasterIdLst>
-    <p:notesMasterId r:id="rId29"/>
+    <p:notesMasterId r:id="rId32"/>
   </p:notesMasterIdLst>
   <p:sldIdLst>
     <p:sldId id="256" r:id="rId2"/>
-    <p:sldId id="275" r:id="rId3"/>
-    <p:sldId id="257" r:id="rId4"/>
-    <p:sldId id="258" r:id="rId5"/>
-    <p:sldId id="265" r:id="rId6"/>
-    <p:sldId id="276" r:id="rId7"/>
-    <p:sldId id="263" r:id="rId8"/>
-    <p:sldId id="264" r:id="rId9"/>
-    <p:sldId id="266" r:id="rId10"/>
-    <p:sldId id="278" r:id="rId11"/>
-    <p:sldId id="270" r:id="rId12"/>
-    <p:sldId id="259" r:id="rId13"/>
-    <p:sldId id="260" r:id="rId14"/>
-    <p:sldId id="267" r:id="rId15"/>
-    <p:sldId id="261" r:id="rId16"/>
-    <p:sldId id="268" r:id="rId17"/>
-    <p:sldId id="277" r:id="rId18"/>
-    <p:sldId id="279" r:id="rId19"/>
-    <p:sldId id="262" r:id="rId20"/>
-    <p:sldId id="271" r:id="rId21"/>
-    <p:sldId id="269" r:id="rId22"/>
-    <p:sldId id="280" r:id="rId23"/>
-    <p:sldId id="272" r:id="rId24"/>
-    <p:sldId id="273" r:id="rId25"/>
-    <p:sldId id="274" r:id="rId26"/>
-    <p:sldId id="282" r:id="rId27"/>
-    <p:sldId id="281" r:id="rId28"/>
+    <p:sldId id="283" r:id="rId3"/>
+    <p:sldId id="284" r:id="rId4"/>
+    <p:sldId id="285" r:id="rId5"/>
+    <p:sldId id="275" r:id="rId6"/>
+    <p:sldId id="257" r:id="rId7"/>
+    <p:sldId id="258" r:id="rId8"/>
+    <p:sldId id="265" r:id="rId9"/>
+    <p:sldId id="276" r:id="rId10"/>
+    <p:sldId id="263" r:id="rId11"/>
+    <p:sldId id="264" r:id="rId12"/>
+    <p:sldId id="266" r:id="rId13"/>
+    <p:sldId id="278" r:id="rId14"/>
+    <p:sldId id="270" r:id="rId15"/>
+    <p:sldId id="259" r:id="rId16"/>
+    <p:sldId id="260" r:id="rId17"/>
+    <p:sldId id="267" r:id="rId18"/>
+    <p:sldId id="261" r:id="rId19"/>
+    <p:sldId id="268" r:id="rId20"/>
+    <p:sldId id="277" r:id="rId21"/>
+    <p:sldId id="279" r:id="rId22"/>
+    <p:sldId id="262" r:id="rId23"/>
+    <p:sldId id="271" r:id="rId24"/>
+    <p:sldId id="269" r:id="rId25"/>
+    <p:sldId id="280" r:id="rId26"/>
+    <p:sldId id="272" r:id="rId27"/>
+    <p:sldId id="273" r:id="rId28"/>
+    <p:sldId id="274" r:id="rId29"/>
+    <p:sldId id="282" r:id="rId30"/>
+    <p:sldId id="281" r:id="rId31"/>
   </p:sldIdLst>
   <p:sldSz cx="12192000" cy="6858000"/>
   <p:notesSz cx="7010400" cy="9296400"/>
@@ -223,7 +226,7 @@
           <a:p>
             <a:fld id="{055EF092-8A54-4677-B340-5EB5DEB17706}" type="datetimeFigureOut">
               <a:rPr lang="en-US" smtClean="0"/>
-              <a:t>5/2/2020</a:t>
+              <a:t>5/3/2020</a:t>
             </a:fld>
             <a:endParaRPr lang="en-US"/>
           </a:p>
@@ -637,7 +640,7 @@
           <a:p>
             <a:fld id="{36A0C7CB-2D82-423C-AB01-41EA338034A6}" type="datetime1">
               <a:rPr lang="en-US" smtClean="0"/>
-              <a:t>5/2/2020</a:t>
+              <a:t>5/3/2020</a:t>
             </a:fld>
             <a:endParaRPr lang="en-US"/>
           </a:p>
@@ -835,7 +838,7 @@
           <a:p>
             <a:fld id="{D7C78DD4-2E2E-452A-93AA-FBB2F74976C2}" type="datetime1">
               <a:rPr lang="en-US" smtClean="0"/>
-              <a:t>5/2/2020</a:t>
+              <a:t>5/3/2020</a:t>
             </a:fld>
             <a:endParaRPr lang="en-US"/>
           </a:p>
@@ -1043,7 +1046,7 @@
           <a:p>
             <a:fld id="{851591DF-6002-4AED-B0BC-482CBBAD8E96}" type="datetime1">
               <a:rPr lang="en-US" smtClean="0"/>
-              <a:t>5/2/2020</a:t>
+              <a:t>5/3/2020</a:t>
             </a:fld>
             <a:endParaRPr lang="en-US"/>
           </a:p>
@@ -1251,7 +1254,7 @@
           <a:p>
             <a:fld id="{2006D5C9-BA28-4C78-BA6C-970E82ACA9AF}" type="datetime1">
               <a:rPr lang="en-US" smtClean="0"/>
-              <a:t>5/2/2020</a:t>
+              <a:t>5/3/2020</a:t>
             </a:fld>
             <a:endParaRPr lang="en-US"/>
           </a:p>
@@ -1531,7 +1534,7 @@
           <a:p>
             <a:fld id="{ADEBBC10-72E9-4AB7-9CF2-6E5B73E4A905}" type="datetime1">
               <a:rPr lang="en-US" smtClean="0"/>
-              <a:t>5/2/2020</a:t>
+              <a:t>5/3/2020</a:t>
             </a:fld>
             <a:endParaRPr lang="en-US"/>
           </a:p>
@@ -1801,7 +1804,7 @@
           <a:p>
             <a:fld id="{4C68A4F5-DD82-4FF5-A92B-D8CBC256FF7C}" type="datetime1">
               <a:rPr lang="en-US" smtClean="0"/>
-              <a:t>5/2/2020</a:t>
+              <a:t>5/3/2020</a:t>
             </a:fld>
             <a:endParaRPr lang="en-US"/>
           </a:p>
@@ -2218,7 +2221,7 @@
           <a:p>
             <a:fld id="{1DBCDF70-3824-48C1-8216-8795ED01A5D0}" type="datetime1">
               <a:rPr lang="en-US" smtClean="0"/>
-              <a:t>5/2/2020</a:t>
+              <a:t>5/3/2020</a:t>
             </a:fld>
             <a:endParaRPr lang="en-US"/>
           </a:p>
@@ -2359,7 +2362,7 @@
           <a:p>
             <a:fld id="{E365BA3C-702A-4485-AC0E-B655E7C90C7F}" type="datetime1">
               <a:rPr lang="en-US" smtClean="0"/>
-              <a:t>5/2/2020</a:t>
+              <a:t>5/3/2020</a:t>
             </a:fld>
             <a:endParaRPr lang="en-US"/>
           </a:p>
@@ -2472,7 +2475,7 @@
           <a:p>
             <a:fld id="{2BFFD74F-4C20-47A0-AAFB-26C07C87E0C0}" type="datetime1">
               <a:rPr lang="en-US" smtClean="0"/>
-              <a:t>5/2/2020</a:t>
+              <a:t>5/3/2020</a:t>
             </a:fld>
             <a:endParaRPr lang="en-US"/>
           </a:p>
@@ -2783,7 +2786,7 @@
           <a:p>
             <a:fld id="{ECF2004F-AB7D-4F79-8768-579D51F2D46C}" type="datetime1">
               <a:rPr lang="en-US" smtClean="0"/>
-              <a:t>5/2/2020</a:t>
+              <a:t>5/3/2020</a:t>
             </a:fld>
             <a:endParaRPr lang="en-US"/>
           </a:p>
@@ -3071,7 +3074,7 @@
           <a:p>
             <a:fld id="{21C8C90A-9DD0-4D2B-BFD9-E76A52719A94}" type="datetime1">
               <a:rPr lang="en-US" smtClean="0"/>
-              <a:t>5/2/2020</a:t>
+              <a:t>5/3/2020</a:t>
             </a:fld>
             <a:endParaRPr lang="en-US"/>
           </a:p>
@@ -3312,7 +3315,7 @@
           <a:p>
             <a:fld id="{570724D7-3E32-49D3-AC4A-39ACC2C5F813}" type="datetime1">
               <a:rPr lang="en-US" smtClean="0"/>
-              <a:t>5/2/2020</a:t>
+              <a:t>5/3/2020</a:t>
             </a:fld>
             <a:endParaRPr lang="en-US"/>
           </a:p>
@@ -3827,7 +3830,7 @@
           <p:cNvPr id="2" name="Title 1">
             <a:extLst>
               <a:ext uri="{FF2B5EF4-FFF2-40B4-BE49-F238E27FC236}">
-                <a16:creationId xmlns:a16="http://schemas.microsoft.com/office/drawing/2014/main" id="{3561F5FF-1828-4B3F-AA31-01028298BE56}"/>
+                <a16:creationId xmlns:a16="http://schemas.microsoft.com/office/drawing/2014/main" id="{76A7F006-CC4C-41A9-BA4F-88CAF6D17B98}"/>
               </a:ext>
             </a:extLst>
           </p:cNvPr>
@@ -3845,7 +3848,7 @@
           <a:p>
             <a:r>
               <a:rPr lang="en-US" dirty="0"/>
-              <a:t>Trapping Panics</a:t>
+              <a:t>Rust Error Handling Types</a:t>
             </a:r>
           </a:p>
         </p:txBody>
@@ -3855,7 +3858,7 @@
           <p:cNvPr id="3" name="Content Placeholder 2">
             <a:extLst>
               <a:ext uri="{FF2B5EF4-FFF2-40B4-BE49-F238E27FC236}">
-                <a16:creationId xmlns:a16="http://schemas.microsoft.com/office/drawing/2014/main" id="{5C66768E-5C94-42D8-B51C-C130DB0788C5}"/>
+                <a16:creationId xmlns:a16="http://schemas.microsoft.com/office/drawing/2014/main" id="{ACCF3024-FF61-4572-8E0A-FEBA41E585A5}"/>
               </a:ext>
             </a:extLst>
           </p:cNvPr>
@@ -3872,93 +3875,174 @@
           <a:lstStyle/>
           <a:p>
             <a:r>
-              <a:rPr lang="en-US" dirty="0"/>
-              <a:t>If you need to use code that doesn’t reliably avoid panics you may attempt to trap them:</a:t>
+              <a:rPr lang="en-US" dirty="0">
+                <a:latin typeface="Consolas" panose="020B0609020204030204" pitchFamily="49" charset="0"/>
+              </a:rPr>
+              <a:t>Enum Result&lt;T,E&gt; { Ok(T), Err(E) }</a:t>
             </a:r>
           </a:p>
           <a:p>
             <a:pPr lvl="1"/>
             <a:r>
-              <a:rPr lang="en-US" sz="2000" dirty="0" err="1">
-                <a:latin typeface="Consolas" panose="020B0609020204030204" pitchFamily="49" charset="0"/>
-              </a:rPr>
-              <a:t>trap_panic</a:t>
-            </a:r>
-            <a:r>
-              <a:rPr lang="en-US" sz="2000" dirty="0">
-                <a:latin typeface="Consolas" panose="020B0609020204030204" pitchFamily="49" charset="0"/>
-              </a:rPr>
-              <a:t>(</a:t>
-            </a:r>
-            <a:r>
-              <a:rPr lang="en-US" sz="2000" dirty="0" err="1">
-                <a:latin typeface="Consolas" panose="020B0609020204030204" pitchFamily="49" charset="0"/>
-              </a:rPr>
-              <a:t>unreliable_function</a:t>
-            </a:r>
-            <a:r>
-              <a:rPr lang="en-US" sz="2000" dirty="0">
-                <a:latin typeface="Consolas" panose="020B0609020204030204" pitchFamily="49" charset="0"/>
-              </a:rPr>
-              <a:t>, </a:t>
-            </a:r>
-            <a:r>
-              <a:rPr lang="en-US" sz="2000" dirty="0" err="1">
-                <a:latin typeface="Consolas" panose="020B0609020204030204" pitchFamily="49" charset="0"/>
-              </a:rPr>
-              <a:t>description_str</a:t>
-            </a:r>
-            <a:r>
-              <a:rPr lang="en-US" sz="2000" dirty="0">
-                <a:latin typeface="Consolas" panose="020B0609020204030204" pitchFamily="49" charset="0"/>
-              </a:rPr>
-              <a:t>) -&gt; Result;</a:t>
+              <a:rPr lang="en-US" dirty="0">
+                <a:latin typeface="Consolas" panose="020B0609020204030204" pitchFamily="49" charset="0"/>
+              </a:rPr>
+              <a:t>#[</a:t>
+            </a:r>
+            <a:r>
+              <a:rPr lang="en-US" dirty="0" err="1">
+                <a:latin typeface="Consolas" panose="020B0609020204030204" pitchFamily="49" charset="0"/>
+              </a:rPr>
+              <a:t>must_use</a:t>
+            </a:r>
+            <a:r>
+              <a:rPr lang="en-US" dirty="0">
+                <a:latin typeface="Consolas" panose="020B0609020204030204" pitchFamily="49" charset="0"/>
+              </a:rPr>
+              <a:t>]</a:t>
             </a:r>
           </a:p>
           <a:p>
             <a:pPr lvl="1"/>
             <a:r>
-              <a:rPr lang="en-US" dirty="0"/>
-              <a:t>Definition in next slide</a:t>
+              <a:rPr lang="en-US" dirty="0">
+                <a:latin typeface="Consolas" panose="020B0609020204030204" pitchFamily="49" charset="0"/>
+              </a:rPr>
+              <a:t>std crate import</a:t>
+            </a:r>
+          </a:p>
+          <a:p>
+            <a:r>
+              <a:rPr lang="en-US" dirty="0">
+                <a:latin typeface="Consolas" panose="020B0609020204030204" pitchFamily="49" charset="0"/>
+              </a:rPr>
+              <a:t>pub </a:t>
+            </a:r>
+            <a:r>
+              <a:rPr lang="en-US" dirty="0" err="1">
+                <a:latin typeface="Consolas" panose="020B0609020204030204" pitchFamily="49" charset="0"/>
+              </a:rPr>
+              <a:t>fn</a:t>
+            </a:r>
+            <a:r>
+              <a:rPr lang="en-US" dirty="0">
+                <a:latin typeface="Consolas" panose="020B0609020204030204" pitchFamily="49" charset="0"/>
+              </a:rPr>
+              <a:t> </a:t>
+            </a:r>
+            <a:r>
+              <a:rPr lang="en-US" dirty="0" err="1">
+                <a:latin typeface="Consolas" panose="020B0609020204030204" pitchFamily="49" charset="0"/>
+              </a:rPr>
+              <a:t>is_ok</a:t>
+            </a:r>
+            <a:r>
+              <a:rPr lang="en-US" dirty="0">
+                <a:latin typeface="Consolas" panose="020B0609020204030204" pitchFamily="49" charset="0"/>
+              </a:rPr>
+              <a:t>(&amp;self) -&gt; bool</a:t>
+            </a:r>
+          </a:p>
+          <a:p>
+            <a:r>
+              <a:rPr lang="en-US" dirty="0">
+                <a:latin typeface="Consolas" panose="020B0609020204030204" pitchFamily="49" charset="0"/>
+              </a:rPr>
+              <a:t>pub </a:t>
+            </a:r>
+            <a:r>
+              <a:rPr lang="en-US" dirty="0" err="1">
+                <a:latin typeface="Consolas" panose="020B0609020204030204" pitchFamily="49" charset="0"/>
+              </a:rPr>
+              <a:t>fn</a:t>
+            </a:r>
+            <a:r>
+              <a:rPr lang="en-US" dirty="0">
+                <a:latin typeface="Consolas" panose="020B0609020204030204" pitchFamily="49" charset="0"/>
+              </a:rPr>
+              <a:t> </a:t>
+            </a:r>
+            <a:r>
+              <a:rPr lang="en-US" dirty="0" err="1">
+                <a:latin typeface="Consolas" panose="020B0609020204030204" pitchFamily="49" charset="0"/>
+              </a:rPr>
+              <a:t>is_Err</a:t>
+            </a:r>
+            <a:r>
+              <a:rPr lang="en-US" dirty="0">
+                <a:latin typeface="Consolas" panose="020B0609020204030204" pitchFamily="49" charset="0"/>
+              </a:rPr>
+              <a:t>(&amp;self) -&gt; bool</a:t>
+            </a:r>
+          </a:p>
+          <a:p>
+            <a:r>
+              <a:rPr lang="en-US" dirty="0">
+                <a:latin typeface="Consolas" panose="020B0609020204030204" pitchFamily="49" charset="0"/>
+              </a:rPr>
+              <a:t>pub </a:t>
+            </a:r>
+            <a:r>
+              <a:rPr lang="en-US" dirty="0" err="1">
+                <a:latin typeface="Consolas" panose="020B0609020204030204" pitchFamily="49" charset="0"/>
+              </a:rPr>
+              <a:t>fn</a:t>
+            </a:r>
+            <a:r>
+              <a:rPr lang="en-US" dirty="0">
+                <a:latin typeface="Consolas" panose="020B0609020204030204" pitchFamily="49" charset="0"/>
+              </a:rPr>
+              <a:t> unwrap(self) -&gt; T</a:t>
             </a:r>
           </a:p>
           <a:p>
             <a:pPr lvl="1"/>
-            <a:endParaRPr lang="en-US" dirty="0"/>
-          </a:p>
-          <a:p>
-            <a:r>
-              <a:rPr lang="en-US" dirty="0"/>
-              <a:t>Traps are not guaranteed to succeed.  </a:t>
+            <a:r>
+              <a:rPr lang="en-US" dirty="0">
+                <a:latin typeface="Consolas" panose="020B0609020204030204" pitchFamily="49" charset="0"/>
+              </a:rPr>
+              <a:t>panics if not Ok</a:t>
+            </a:r>
+          </a:p>
+          <a:p>
+            <a:r>
+              <a:rPr lang="en-US" dirty="0">
+                <a:latin typeface="Consolas" panose="020B0609020204030204" pitchFamily="49" charset="0"/>
+              </a:rPr>
+              <a:t>Pub </a:t>
+            </a:r>
+            <a:r>
+              <a:rPr lang="en-US" dirty="0" err="1">
+                <a:latin typeface="Consolas" panose="020B0609020204030204" pitchFamily="49" charset="0"/>
+              </a:rPr>
+              <a:t>fn</a:t>
+            </a:r>
+            <a:r>
+              <a:rPr lang="en-US" dirty="0">
+                <a:latin typeface="Consolas" panose="020B0609020204030204" pitchFamily="49" charset="0"/>
+              </a:rPr>
+              <a:t> </a:t>
+            </a:r>
+            <a:r>
+              <a:rPr lang="en-US" dirty="0" err="1">
+                <a:latin typeface="Consolas" panose="020B0609020204030204" pitchFamily="49" charset="0"/>
+              </a:rPr>
+              <a:t>unwrap_err</a:t>
+            </a:r>
+            <a:r>
+              <a:rPr lang="en-US" dirty="0">
+                <a:latin typeface="Consolas" panose="020B0609020204030204" pitchFamily="49" charset="0"/>
+              </a:rPr>
+              <a:t>(self) -&gt; E</a:t>
             </a:r>
           </a:p>
           <a:p>
             <a:pPr lvl="1"/>
             <a:r>
-              <a:rPr lang="en-US" dirty="0"/>
-              <a:t>A panic unwinds the call stack, returning resources to the process with drop.</a:t>
-            </a:r>
-          </a:p>
-          <a:p>
-            <a:pPr lvl="1"/>
-            <a:r>
-              <a:rPr lang="en-US" dirty="0"/>
-              <a:t>If a drop also panics, the system will immediately abort.</a:t>
-            </a:r>
-          </a:p>
-          <a:p>
-            <a:pPr lvl="1"/>
-            <a:r>
-              <a:rPr lang="en-US" dirty="0"/>
-              <a:t>If that happens before leaving </a:t>
-            </a:r>
-            <a:r>
-              <a:rPr lang="en-US" dirty="0" err="1"/>
-              <a:t>trap_panic</a:t>
-            </a:r>
-            <a:r>
-              <a:rPr lang="en-US" dirty="0"/>
-              <a:t> the trap will fail.</a:t>
+              <a:rPr lang="en-US" dirty="0">
+                <a:latin typeface="Consolas" panose="020B0609020204030204" pitchFamily="49" charset="0"/>
+              </a:rPr>
+              <a:t>Panics if not Err</a:t>
             </a:r>
           </a:p>
         </p:txBody>
@@ -3968,7 +4052,7 @@
           <p:cNvPr id="4" name="Slide Number Placeholder 3">
             <a:extLst>
               <a:ext uri="{FF2B5EF4-FFF2-40B4-BE49-F238E27FC236}">
-                <a16:creationId xmlns:a16="http://schemas.microsoft.com/office/drawing/2014/main" id="{25DB1582-60AA-4611-8101-B2E2F3C5FC4C}"/>
+                <a16:creationId xmlns:a16="http://schemas.microsoft.com/office/drawing/2014/main" id="{7EE7A1C3-1855-4A77-AB74-75243EE3103C}"/>
               </a:ext>
             </a:extLst>
           </p:cNvPr>
@@ -3984,19 +4068,18 @@
           <a:bodyPr/>
           <a:lstStyle/>
           <a:p>
-            <a:fld id="{8175FE88-E4F7-4173-9B75-CBBABDFA1364}" type="slidenum">
+            <a:fld id="{8F6B0A30-8C53-44DF-ABCA-76B31AB81249}" type="slidenum">
               <a:rPr lang="en-US" smtClean="0"/>
-              <a:pPr/>
               <a:t>10</a:t>
             </a:fld>
-            <a:endParaRPr lang="en-US" dirty="0"/>
+            <a:endParaRPr lang="en-US"/>
           </a:p>
         </p:txBody>
       </p:sp>
     </p:spTree>
     <p:extLst>
       <p:ext uri="{BB962C8B-B14F-4D97-AF65-F5344CB8AC3E}">
-        <p14:creationId xmlns:p14="http://schemas.microsoft.com/office/powerpoint/2010/main" val="3296409066"/>
+        <p14:creationId xmlns:p14="http://schemas.microsoft.com/office/powerpoint/2010/main" val="675882903"/>
       </p:ext>
     </p:extLst>
   </p:cSld>
@@ -4025,10 +4108,225 @@
       </p:grpSpPr>
       <p:sp>
         <p:nvSpPr>
+          <p:cNvPr id="2" name="Title 1">
+            <a:extLst>
+              <a:ext uri="{FF2B5EF4-FFF2-40B4-BE49-F238E27FC236}">
+                <a16:creationId xmlns:a16="http://schemas.microsoft.com/office/drawing/2014/main" id="{9DB1A3A3-822A-4654-8703-47ECC2D419F1}"/>
+              </a:ext>
+            </a:extLst>
+          </p:cNvPr>
+          <p:cNvSpPr>
+            <a:spLocks noGrp="1"/>
+          </p:cNvSpPr>
+          <p:nvPr>
+            <p:ph type="title"/>
+          </p:nvPr>
+        </p:nvSpPr>
+        <p:spPr/>
+        <p:txBody>
+          <a:bodyPr/>
+          <a:lstStyle/>
+          <a:p>
+            <a:r>
+              <a:rPr lang="en-US" dirty="0"/>
+              <a:t>Error Types</a:t>
+            </a:r>
+          </a:p>
+        </p:txBody>
+      </p:sp>
+      <p:sp>
+        <p:nvSpPr>
+          <p:cNvPr id="3" name="Content Placeholder 2">
+            <a:extLst>
+              <a:ext uri="{FF2B5EF4-FFF2-40B4-BE49-F238E27FC236}">
+                <a16:creationId xmlns:a16="http://schemas.microsoft.com/office/drawing/2014/main" id="{6FAC5403-4D73-457D-8641-05A23ADD3836}"/>
+              </a:ext>
+            </a:extLst>
+          </p:cNvPr>
+          <p:cNvSpPr>
+            <a:spLocks noGrp="1"/>
+          </p:cNvSpPr>
+          <p:nvPr>
+            <p:ph idx="1"/>
+          </p:nvPr>
+        </p:nvSpPr>
+        <p:spPr/>
+        <p:txBody>
+          <a:bodyPr/>
+          <a:lstStyle/>
+          <a:p>
+            <a:r>
+              <a:rPr lang="en-US" dirty="0">
+                <a:latin typeface="Consolas" panose="020B0609020204030204" pitchFamily="49" charset="0"/>
+              </a:rPr>
+              <a:t>Std Error</a:t>
+            </a:r>
+          </a:p>
+          <a:p>
+            <a:pPr lvl="1"/>
+            <a:r>
+              <a:rPr lang="en-US" dirty="0">
+                <a:latin typeface="Consolas" panose="020B0609020204030204" pitchFamily="49" charset="0"/>
+              </a:rPr>
+              <a:t>type Result&lt;T&gt; = Result&lt;</a:t>
+            </a:r>
+            <a:r>
+              <a:rPr lang="en-US" dirty="0" err="1">
+                <a:latin typeface="Consolas" panose="020B0609020204030204" pitchFamily="49" charset="0"/>
+              </a:rPr>
+              <a:t>T,std</a:t>
+            </a:r>
+            <a:r>
+              <a:rPr lang="en-US" dirty="0">
+                <a:latin typeface="Consolas" panose="020B0609020204030204" pitchFamily="49" charset="0"/>
+              </a:rPr>
+              <a:t>::</a:t>
+            </a:r>
+            <a:r>
+              <a:rPr lang="en-US" dirty="0" err="1">
+                <a:latin typeface="Consolas" panose="020B0609020204030204" pitchFamily="49" charset="0"/>
+              </a:rPr>
+              <a:t>io</a:t>
+            </a:r>
+            <a:r>
+              <a:rPr lang="en-US" dirty="0">
+                <a:latin typeface="Consolas" panose="020B0609020204030204" pitchFamily="49" charset="0"/>
+              </a:rPr>
+              <a:t>::Error&gt;;</a:t>
+            </a:r>
+          </a:p>
+          <a:p>
+            <a:pPr lvl="1"/>
+            <a:r>
+              <a:rPr lang="en-US" dirty="0">
+                <a:latin typeface="Consolas" panose="020B0609020204030204" pitchFamily="49" charset="0"/>
+              </a:rPr>
+              <a:t>std::</a:t>
+            </a:r>
+            <a:r>
+              <a:rPr lang="en-US" dirty="0" err="1">
+                <a:latin typeface="Consolas" panose="020B0609020204030204" pitchFamily="49" charset="0"/>
+              </a:rPr>
+              <a:t>io</a:t>
+            </a:r>
+            <a:r>
+              <a:rPr lang="en-US" dirty="0">
+                <a:latin typeface="Consolas" panose="020B0609020204030204" pitchFamily="49" charset="0"/>
+              </a:rPr>
+              <a:t> crate import</a:t>
+            </a:r>
+          </a:p>
+          <a:p>
+            <a:r>
+              <a:rPr lang="en-US" dirty="0">
+                <a:latin typeface="Consolas" panose="020B0609020204030204" pitchFamily="49" charset="0"/>
+              </a:rPr>
+              <a:t>Custom Error</a:t>
+            </a:r>
+          </a:p>
+          <a:p>
+            <a:pPr lvl="1"/>
+            <a:r>
+              <a:rPr lang="en-US" sz="2000" dirty="0">
+                <a:latin typeface="Consolas" panose="020B0609020204030204" pitchFamily="49" charset="0"/>
+              </a:rPr>
+              <a:t>Use std::</a:t>
+            </a:r>
+            <a:r>
+              <a:rPr lang="en-US" sz="2000" dirty="0" err="1">
+                <a:latin typeface="Consolas" panose="020B0609020204030204" pitchFamily="49" charset="0"/>
+              </a:rPr>
+              <a:t>io</a:t>
+            </a:r>
+            <a:r>
+              <a:rPr lang="en-US" sz="2000" dirty="0">
+                <a:latin typeface="Consolas" panose="020B0609020204030204" pitchFamily="49" charset="0"/>
+              </a:rPr>
+              <a:t>::{Error, </a:t>
+            </a:r>
+            <a:r>
+              <a:rPr lang="en-US" sz="2000" dirty="0" err="1">
+                <a:latin typeface="Consolas" panose="020B0609020204030204" pitchFamily="49" charset="0"/>
+              </a:rPr>
+              <a:t>ErrorKind</a:t>
+            </a:r>
+            <a:r>
+              <a:rPr lang="en-US" sz="2000" dirty="0">
+                <a:latin typeface="Consolas" panose="020B0609020204030204" pitchFamily="49" charset="0"/>
+              </a:rPr>
+              <a:t>};</a:t>
+            </a:r>
+          </a:p>
+          <a:p>
+            <a:pPr lvl="1"/>
+            <a:r>
+              <a:rPr lang="en-US" sz="2000" dirty="0">
+                <a:latin typeface="Consolas" panose="020B0609020204030204" pitchFamily="49" charset="0"/>
+              </a:rPr>
+              <a:t>Let </a:t>
+            </a:r>
+            <a:r>
+              <a:rPr lang="en-US" sz="2000" dirty="0" err="1">
+                <a:latin typeface="Consolas" panose="020B0609020204030204" pitchFamily="49" charset="0"/>
+              </a:rPr>
+              <a:t>custom_error</a:t>
+            </a:r>
+            <a:r>
+              <a:rPr lang="en-US" sz="2000" dirty="0">
+                <a:latin typeface="Consolas" panose="020B0609020204030204" pitchFamily="49" charset="0"/>
+              </a:rPr>
+              <a:t> = </a:t>
+            </a:r>
+            <a:br>
+              <a:rPr lang="en-US" sz="2000" dirty="0">
+                <a:latin typeface="Consolas" panose="020B0609020204030204" pitchFamily="49" charset="0"/>
+              </a:rPr>
+            </a:br>
+            <a:r>
+              <a:rPr lang="en-US" sz="2000" dirty="0">
+                <a:latin typeface="Consolas" panose="020B0609020204030204" pitchFamily="49" charset="0"/>
+              </a:rPr>
+              <a:t>      Error::new(</a:t>
+            </a:r>
+            <a:r>
+              <a:rPr lang="en-US" sz="2000" dirty="0" err="1">
+                <a:latin typeface="Consolas" panose="020B0609020204030204" pitchFamily="49" charset="0"/>
+              </a:rPr>
+              <a:t>ErrorKind</a:t>
+            </a:r>
+            <a:r>
+              <a:rPr lang="en-US" sz="2000" dirty="0">
+                <a:latin typeface="Consolas" panose="020B0609020204030204" pitchFamily="49" charset="0"/>
+              </a:rPr>
+              <a:t>::Other, </a:t>
+            </a:r>
+            <a:r>
+              <a:rPr lang="en-US" sz="2000" dirty="0" err="1">
+                <a:latin typeface="Consolas" panose="020B0609020204030204" pitchFamily="49" charset="0"/>
+              </a:rPr>
+              <a:t>some_useful_value</a:t>
+            </a:r>
+            <a:r>
+              <a:rPr lang="en-US" sz="2000" dirty="0">
+                <a:latin typeface="Consolas" panose="020B0609020204030204" pitchFamily="49" charset="0"/>
+              </a:rPr>
+              <a:t>);</a:t>
+            </a:r>
+          </a:p>
+          <a:p>
+            <a:pPr marL="0" indent="0">
+              <a:buNone/>
+            </a:pPr>
+            <a:endParaRPr lang="en-US" dirty="0"/>
+          </a:p>
+        </p:txBody>
+      </p:sp>
+      <p:sp>
+        <p:nvSpPr>
           <p:cNvPr id="4" name="Slide Number Placeholder 3">
             <a:extLst>
               <a:ext uri="{FF2B5EF4-FFF2-40B4-BE49-F238E27FC236}">
-                <a16:creationId xmlns:a16="http://schemas.microsoft.com/office/drawing/2014/main" id="{93A4379F-06AB-433E-96EF-C4ACC867BC99}"/>
+                <a16:creationId xmlns:a16="http://schemas.microsoft.com/office/drawing/2014/main" id="{36705106-B232-4ED3-B0BE-88CFB760980A}"/>
               </a:ext>
             </a:extLst>
           </p:cNvPr>
@@ -4044,7 +4342,7 @@
           <a:bodyPr/>
           <a:lstStyle/>
           <a:p>
-            <a:fld id="{8175FE88-E4F7-4173-9B75-CBBABDFA1364}" type="slidenum">
+            <a:fld id="{8F6B0A30-8C53-44DF-ABCA-76B31AB81249}" type="slidenum">
               <a:rPr lang="en-US" smtClean="0"/>
               <a:pPr/>
               <a:t>11</a:t>
@@ -4053,115 +4351,10 @@
           </a:p>
         </p:txBody>
       </p:sp>
-      <p:pic>
-        <p:nvPicPr>
-          <p:cNvPr id="6" name="Content Placeholder 5">
-            <a:extLst>
-              <a:ext uri="{FF2B5EF4-FFF2-40B4-BE49-F238E27FC236}">
-                <a16:creationId xmlns:a16="http://schemas.microsoft.com/office/drawing/2014/main" id="{FD08C1FB-5928-45B3-A4BF-91A9B48CBBAE}"/>
-              </a:ext>
-            </a:extLst>
-          </p:cNvPr>
-          <p:cNvPicPr>
-            <a:picLocks noGrp="1" noChangeAspect="1"/>
-          </p:cNvPicPr>
-          <p:nvPr>
-            <p:ph sz="half" idx="1"/>
-          </p:nvPr>
-        </p:nvPicPr>
-        <p:blipFill>
-          <a:blip r:embed="rId2"/>
-          <a:stretch>
-            <a:fillRect/>
-          </a:stretch>
-        </p:blipFill>
-        <p:spPr>
-          <a:xfrm>
-            <a:off x="288885" y="157678"/>
-            <a:ext cx="6354656" cy="6248569"/>
-          </a:xfrm>
-          <a:prstGeom prst="rect">
-            <a:avLst/>
-          </a:prstGeom>
-        </p:spPr>
-      </p:pic>
-      <p:pic>
-        <p:nvPicPr>
-          <p:cNvPr id="10" name="Content Placeholder 9">
-            <a:extLst>
-              <a:ext uri="{FF2B5EF4-FFF2-40B4-BE49-F238E27FC236}">
-                <a16:creationId xmlns:a16="http://schemas.microsoft.com/office/drawing/2014/main" id="{5500E1FC-7799-4C58-A412-4E2E7646FD48}"/>
-              </a:ext>
-            </a:extLst>
-          </p:cNvPr>
-          <p:cNvPicPr>
-            <a:picLocks noGrp="1" noChangeAspect="1"/>
-          </p:cNvPicPr>
-          <p:nvPr>
-            <p:ph sz="half" idx="2"/>
-          </p:nvPr>
-        </p:nvPicPr>
-        <p:blipFill>
-          <a:blip r:embed="rId3"/>
-          <a:stretch>
-            <a:fillRect/>
-          </a:stretch>
-        </p:blipFill>
-        <p:spPr>
-          <a:xfrm>
-            <a:off x="6766223" y="157677"/>
-            <a:ext cx="5131383" cy="6248569"/>
-          </a:xfrm>
-          <a:prstGeom prst="rect">
-            <a:avLst/>
-          </a:prstGeom>
-        </p:spPr>
-      </p:pic>
-      <p:sp>
-        <p:nvSpPr>
-          <p:cNvPr id="2" name="Title 1">
-            <a:extLst>
-              <a:ext uri="{FF2B5EF4-FFF2-40B4-BE49-F238E27FC236}">
-                <a16:creationId xmlns:a16="http://schemas.microsoft.com/office/drawing/2014/main" id="{DE91CE9E-86E5-46DA-967C-7F0570D62AB9}"/>
-              </a:ext>
-            </a:extLst>
-          </p:cNvPr>
-          <p:cNvSpPr>
-            <a:spLocks noGrp="1"/>
-          </p:cNvSpPr>
-          <p:nvPr>
-            <p:ph type="title"/>
-          </p:nvPr>
-        </p:nvSpPr>
-        <p:spPr>
-          <a:xfrm>
-            <a:off x="3669410" y="1077084"/>
-            <a:ext cx="3677958" cy="621638"/>
-          </a:xfrm>
-          <a:solidFill>
-            <a:schemeClr val="bg1"/>
-          </a:solidFill>
-          <a:ln w="19050">
-            <a:solidFill>
-              <a:srgbClr val="FFC000"/>
-            </a:solidFill>
-          </a:ln>
-        </p:spPr>
-        <p:txBody>
-          <a:bodyPr/>
-          <a:lstStyle/>
-          <a:p>
-            <a:r>
-              <a:rPr lang="en-US" dirty="0"/>
-              <a:t>Trapping Panics</a:t>
-            </a:r>
-          </a:p>
-        </p:txBody>
-      </p:sp>
     </p:spTree>
     <p:extLst>
       <p:ext uri="{BB962C8B-B14F-4D97-AF65-F5344CB8AC3E}">
-        <p14:creationId xmlns:p14="http://schemas.microsoft.com/office/powerpoint/2010/main" val="816945213"/>
+        <p14:creationId xmlns:p14="http://schemas.microsoft.com/office/powerpoint/2010/main" val="1304522833"/>
       </p:ext>
     </p:extLst>
   </p:cSld>
@@ -4193,7 +4386,7 @@
           <p:cNvPr id="2" name="Title 1">
             <a:extLst>
               <a:ext uri="{FF2B5EF4-FFF2-40B4-BE49-F238E27FC236}">
-                <a16:creationId xmlns:a16="http://schemas.microsoft.com/office/drawing/2014/main" id="{EBBD1355-6C67-4456-98BA-7C1874F040E2}"/>
+                <a16:creationId xmlns:a16="http://schemas.microsoft.com/office/drawing/2014/main" id="{6C64FF51-0A2B-46B3-9FDB-68B72FE25A01}"/>
               </a:ext>
             </a:extLst>
           </p:cNvPr>
@@ -4211,244 +4404,121 @@
           <a:p>
             <a:r>
               <a:rPr lang="en-US" dirty="0"/>
-              <a:t>Error Handling that Avoids Panics</a:t>
-            </a:r>
-          </a:p>
-        </p:txBody>
-      </p:sp>
-      <p:sp>
-        <p:nvSpPr>
-          <p:cNvPr id="3" name="Content Placeholder 2">
-            <a:extLst>
-              <a:ext uri="{FF2B5EF4-FFF2-40B4-BE49-F238E27FC236}">
-                <a16:creationId xmlns:a16="http://schemas.microsoft.com/office/drawing/2014/main" id="{CBD3A437-4FA8-4B76-964F-D75838AF1867}"/>
-              </a:ext>
-            </a:extLst>
-          </p:cNvPr>
-          <p:cNvSpPr>
-            <a:spLocks noGrp="1"/>
-          </p:cNvSpPr>
+              <a:t>Using Result&lt;T, E&gt; with </a:t>
+            </a:r>
+            <a:r>
+              <a:rPr lang="en-US" dirty="0" err="1"/>
+              <a:t>is_ok</a:t>
+            </a:r>
+            <a:r>
+              <a:rPr lang="en-US" dirty="0"/>
+              <a:t>()</a:t>
+            </a:r>
+          </a:p>
+        </p:txBody>
+      </p:sp>
+      <p:pic>
+        <p:nvPicPr>
+          <p:cNvPr id="4" name="Content Placeholder 3">
+            <a:extLst>
+              <a:ext uri="{FF2B5EF4-FFF2-40B4-BE49-F238E27FC236}">
+                <a16:creationId xmlns:a16="http://schemas.microsoft.com/office/drawing/2014/main" id="{87AFA99B-5B98-4C66-99A8-07B9B605CE77}"/>
+              </a:ext>
+            </a:extLst>
+          </p:cNvPr>
+          <p:cNvPicPr>
+            <a:picLocks noGrp="1" noChangeAspect="1"/>
+          </p:cNvPicPr>
           <p:nvPr>
             <p:ph idx="1"/>
           </p:nvPr>
-        </p:nvSpPr>
+        </p:nvPicPr>
+        <p:blipFill>
+          <a:blip r:embed="rId2"/>
+          <a:stretch>
+            <a:fillRect/>
+          </a:stretch>
+        </p:blipFill>
         <p:spPr>
           <a:xfrm>
-            <a:off x="453711" y="1322262"/>
-            <a:ext cx="11635914" cy="4854701"/>
+            <a:off x="838200" y="1392189"/>
+            <a:ext cx="8129950" cy="4854575"/>
           </a:xfrm>
+          <a:prstGeom prst="rect">
+            <a:avLst/>
+          </a:prstGeom>
         </p:spPr>
-        <p:txBody>
-          <a:bodyPr/>
-          <a:lstStyle/>
-          <a:p>
-            <a:r>
-              <a:rPr lang="en-US" dirty="0"/>
-              <a:t>Each function that can fail should return a std::result::Result&lt;T, E&gt;</a:t>
-            </a:r>
-          </a:p>
-          <a:p>
-            <a:pPr lvl="1"/>
-            <a:r>
-              <a:rPr lang="en-US" sz="2000" dirty="0" err="1">
-                <a:latin typeface="Consolas" panose="020B0609020204030204" pitchFamily="49" charset="0"/>
-              </a:rPr>
-              <a:t>fn</a:t>
-            </a:r>
-            <a:r>
-              <a:rPr lang="en-US" sz="2000" dirty="0">
-                <a:latin typeface="Consolas" panose="020B0609020204030204" pitchFamily="49" charset="0"/>
-              </a:rPr>
-              <a:t> f&lt;T, E&gt;() -&gt; Result&lt;T, E&gt; { /* code that can fail */ }</a:t>
-            </a:r>
-          </a:p>
-          <a:p>
-            <a:pPr lvl="1"/>
-            <a:r>
-              <a:rPr lang="en-US" dirty="0"/>
-              <a:t>std library functions do this and so should user-defined functions</a:t>
-            </a:r>
-          </a:p>
-          <a:p>
-            <a:r>
-              <a:rPr lang="en-US" dirty="0"/>
-              <a:t>Result is an enumeration</a:t>
-            </a:r>
-          </a:p>
-          <a:p>
-            <a:pPr lvl="1"/>
-            <a:r>
-              <a:rPr lang="en-US" sz="2000" dirty="0">
-                <a:latin typeface="Consolas" panose="020B0609020204030204" pitchFamily="49" charset="0"/>
-              </a:rPr>
-              <a:t>Enum Result&lt;T, E&gt; { Ok(T), Err(E), }</a:t>
-            </a:r>
-          </a:p>
-          <a:p>
-            <a:pPr lvl="1"/>
-            <a:r>
-              <a:rPr lang="en-US" dirty="0"/>
-              <a:t>Returned Result instance is either </a:t>
-            </a:r>
-            <a:r>
-              <a:rPr lang="en-US" sz="2000" dirty="0">
-                <a:latin typeface="Consolas" panose="020B0609020204030204" pitchFamily="49" charset="0"/>
-              </a:rPr>
-              <a:t>Ok(</a:t>
-            </a:r>
-            <a:r>
-              <a:rPr lang="en-US" sz="2000" dirty="0" err="1">
-                <a:latin typeface="Consolas" panose="020B0609020204030204" pitchFamily="49" charset="0"/>
-              </a:rPr>
-              <a:t>t:T</a:t>
-            </a:r>
-            <a:r>
-              <a:rPr lang="en-US" sz="2000" dirty="0">
-                <a:latin typeface="Consolas" panose="020B0609020204030204" pitchFamily="49" charset="0"/>
-              </a:rPr>
-              <a:t>)</a:t>
-            </a:r>
-            <a:r>
-              <a:rPr lang="en-US" dirty="0"/>
-              <a:t> or </a:t>
-            </a:r>
-            <a:r>
-              <a:rPr lang="en-US" sz="2000" dirty="0">
-                <a:latin typeface="Consolas" panose="020B0609020204030204" pitchFamily="49" charset="0"/>
-              </a:rPr>
-              <a:t>Err(</a:t>
-            </a:r>
-            <a:r>
-              <a:rPr lang="en-US" sz="2000" dirty="0" err="1">
-                <a:latin typeface="Consolas" panose="020B0609020204030204" pitchFamily="49" charset="0"/>
-              </a:rPr>
-              <a:t>e:E</a:t>
-            </a:r>
-            <a:r>
-              <a:rPr lang="en-US" sz="2000" dirty="0">
-                <a:latin typeface="Consolas" panose="020B0609020204030204" pitchFamily="49" charset="0"/>
-              </a:rPr>
-              <a:t>)</a:t>
-            </a:r>
-            <a:endParaRPr lang="en-US" dirty="0">
-              <a:latin typeface="Consolas" panose="020B0609020204030204" pitchFamily="49" charset="0"/>
-            </a:endParaRPr>
-          </a:p>
-          <a:p>
-            <a:pPr lvl="2"/>
-            <a:r>
-              <a:rPr lang="en-US" dirty="0"/>
-              <a:t>t is the computed value of f() or unit, (), if no such value is computed</a:t>
-            </a:r>
-          </a:p>
-          <a:p>
-            <a:pPr lvl="2"/>
-            <a:r>
-              <a:rPr lang="en-US" dirty="0"/>
-              <a:t>e is the instance of error encountered, either from Error enumeration or user-defined</a:t>
-            </a:r>
-          </a:p>
-          <a:p>
-            <a:r>
-              <a:rPr lang="en-US" dirty="0"/>
-              <a:t>Testing Result</a:t>
-            </a:r>
-          </a:p>
-          <a:p>
-            <a:pPr lvl="1"/>
-            <a:r>
-              <a:rPr lang="en-US" sz="2000" dirty="0">
-                <a:latin typeface="Consolas" panose="020B0609020204030204" pitchFamily="49" charset="0"/>
-              </a:rPr>
-              <a:t>let </a:t>
-            </a:r>
-            <a:r>
-              <a:rPr lang="en-US" sz="2000" dirty="0" err="1">
-                <a:latin typeface="Consolas" panose="020B0609020204030204" pitchFamily="49" charset="0"/>
-              </a:rPr>
-              <a:t>rslt</a:t>
-            </a:r>
-            <a:r>
-              <a:rPr lang="en-US" sz="2000" dirty="0">
-                <a:latin typeface="Consolas" panose="020B0609020204030204" pitchFamily="49" charset="0"/>
-              </a:rPr>
-              <a:t> = f();</a:t>
-            </a:r>
-          </a:p>
-          <a:p>
-            <a:pPr lvl="1"/>
-            <a:r>
-              <a:rPr lang="en-US" sz="2000" dirty="0">
-                <a:latin typeface="Consolas" panose="020B0609020204030204" pitchFamily="49" charset="0"/>
-              </a:rPr>
-              <a:t>if </a:t>
-            </a:r>
-            <a:r>
-              <a:rPr lang="en-US" sz="2000" dirty="0" err="1">
-                <a:latin typeface="Consolas" panose="020B0609020204030204" pitchFamily="49" charset="0"/>
-              </a:rPr>
-              <a:t>rslt.is_ok</a:t>
-            </a:r>
-            <a:r>
-              <a:rPr lang="en-US" sz="2000" dirty="0">
-                <a:latin typeface="Consolas" panose="020B0609020204030204" pitchFamily="49" charset="0"/>
-              </a:rPr>
-              <a:t>() { let t:T = </a:t>
-            </a:r>
-            <a:r>
-              <a:rPr lang="en-US" sz="2000" dirty="0" err="1">
-                <a:latin typeface="Consolas" panose="020B0609020204030204" pitchFamily="49" charset="0"/>
-              </a:rPr>
-              <a:t>rslt.unwrap</a:t>
-            </a:r>
-            <a:r>
-              <a:rPr lang="en-US" sz="2000" dirty="0">
-                <a:latin typeface="Consolas" panose="020B0609020204030204" pitchFamily="49" charset="0"/>
-              </a:rPr>
-              <a:t>();  /* do something with t */ }</a:t>
-            </a:r>
-          </a:p>
-          <a:p>
-            <a:pPr lvl="1"/>
-            <a:r>
-              <a:rPr lang="en-US" sz="2000" dirty="0">
-                <a:latin typeface="Consolas" panose="020B0609020204030204" pitchFamily="49" charset="0"/>
-              </a:rPr>
-              <a:t>if </a:t>
-            </a:r>
-            <a:r>
-              <a:rPr lang="en-US" sz="2000" dirty="0" err="1">
-                <a:latin typeface="Consolas" panose="020B0609020204030204" pitchFamily="49" charset="0"/>
-              </a:rPr>
-              <a:t>rslt.is_err</a:t>
-            </a:r>
-            <a:r>
-              <a:rPr lang="en-US" sz="2000" dirty="0">
-                <a:latin typeface="Consolas" panose="020B0609020204030204" pitchFamily="49" charset="0"/>
-              </a:rPr>
-              <a:t>() { let e:E = </a:t>
-            </a:r>
-            <a:r>
-              <a:rPr lang="en-US" sz="2000" dirty="0" err="1">
-                <a:latin typeface="Consolas" panose="020B0609020204030204" pitchFamily="49" charset="0"/>
-              </a:rPr>
-              <a:t>rslt.unwrap_err</a:t>
-            </a:r>
-            <a:r>
-              <a:rPr lang="en-US" sz="2000" dirty="0">
-                <a:latin typeface="Consolas" panose="020B0609020204030204" pitchFamily="49" charset="0"/>
-              </a:rPr>
-              <a:t>();  /* do something with e */ }</a:t>
-            </a:r>
-          </a:p>
-        </p:txBody>
-      </p:sp>
-      <p:sp>
-        <p:nvSpPr>
-          <p:cNvPr id="4" name="Slide Number Placeholder 3">
-            <a:extLst>
-              <a:ext uri="{FF2B5EF4-FFF2-40B4-BE49-F238E27FC236}">
-                <a16:creationId xmlns:a16="http://schemas.microsoft.com/office/drawing/2014/main" id="{52973BCF-CAE1-40C4-A0B3-504E1A0B5279}"/>
+      </p:pic>
+      <p:sp>
+        <p:nvSpPr>
+          <p:cNvPr id="5" name="TextBox 4">
+            <a:extLst>
+              <a:ext uri="{FF2B5EF4-FFF2-40B4-BE49-F238E27FC236}">
+                <a16:creationId xmlns:a16="http://schemas.microsoft.com/office/drawing/2014/main" id="{73614D81-729A-4277-BFD7-77A93E112381}"/>
+              </a:ext>
+            </a:extLst>
+          </p:cNvPr>
+          <p:cNvSpPr txBox="1"/>
+          <p:nvPr/>
+        </p:nvSpPr>
+        <p:spPr>
+          <a:xfrm>
+            <a:off x="6400801" y="2833942"/>
+            <a:ext cx="5130412" cy="923330"/>
+          </a:xfrm>
+          <a:prstGeom prst="rect">
+            <a:avLst/>
+          </a:prstGeom>
+          <a:solidFill>
+            <a:schemeClr val="bg2"/>
+          </a:solidFill>
+          <a:ln w="12700">
+            <a:solidFill>
+              <a:schemeClr val="tx1"/>
+            </a:solidFill>
+          </a:ln>
+        </p:spPr>
+        <p:txBody>
+          <a:bodyPr wrap="square" rtlCol="0">
+            <a:spAutoFit/>
+          </a:bodyPr>
+          <a:lstStyle/>
+          <a:p>
+            <a:r>
+              <a:rPr lang="en-US" dirty="0"/>
+              <a:t>Illustrates accepting Result&lt;String, FromUtf8Error&gt;, </a:t>
+            </a:r>
+          </a:p>
+          <a:p>
+            <a:r>
+              <a:rPr lang="en-US" dirty="0"/>
+              <a:t>Testing, with Result::</a:t>
+            </a:r>
+            <a:r>
+              <a:rPr lang="en-US" dirty="0" err="1"/>
+              <a:t>is_ok</a:t>
+            </a:r>
+            <a:r>
+              <a:rPr lang="en-US" dirty="0"/>
+              <a:t>(), and returning a new Result type: Result&lt;(), </a:t>
+            </a:r>
+            <a:r>
+              <a:rPr lang="en-US" dirty="0" err="1"/>
+              <a:t>CustomError</a:t>
+            </a:r>
+            <a:r>
+              <a:rPr lang="en-US" dirty="0"/>
+              <a:t>&gt;</a:t>
+            </a:r>
+          </a:p>
+        </p:txBody>
+      </p:sp>
+      <p:sp>
+        <p:nvSpPr>
+          <p:cNvPr id="6" name="Slide Number Placeholder 5">
+            <a:extLst>
+              <a:ext uri="{FF2B5EF4-FFF2-40B4-BE49-F238E27FC236}">
+                <a16:creationId xmlns:a16="http://schemas.microsoft.com/office/drawing/2014/main" id="{F3D2DD4A-9C15-4A1D-910C-FAB38AFAC994}"/>
               </a:ext>
             </a:extLst>
           </p:cNvPr>
@@ -4476,7 +4546,7 @@
     </p:spTree>
     <p:extLst>
       <p:ext uri="{BB962C8B-B14F-4D97-AF65-F5344CB8AC3E}">
-        <p14:creationId xmlns:p14="http://schemas.microsoft.com/office/powerpoint/2010/main" val="2906199256"/>
+        <p14:creationId xmlns:p14="http://schemas.microsoft.com/office/powerpoint/2010/main" val="663864605"/>
       </p:ext>
     </p:extLst>
   </p:cSld>
@@ -4508,7 +4578,7 @@
           <p:cNvPr id="2" name="Title 1">
             <a:extLst>
               <a:ext uri="{FF2B5EF4-FFF2-40B4-BE49-F238E27FC236}">
-                <a16:creationId xmlns:a16="http://schemas.microsoft.com/office/drawing/2014/main" id="{EEB5D16C-DE32-4B6A-B7D7-B4F73483A2AF}"/>
+                <a16:creationId xmlns:a16="http://schemas.microsoft.com/office/drawing/2014/main" id="{3561F5FF-1828-4B3F-AA31-01028298BE56}"/>
               </a:ext>
             </a:extLst>
           </p:cNvPr>
@@ -4526,7 +4596,7 @@
           <a:p>
             <a:r>
               <a:rPr lang="en-US" dirty="0"/>
-              <a:t>Evaluating Result by Matching</a:t>
+              <a:t>Trapping Panics</a:t>
             </a:r>
           </a:p>
         </p:txBody>
@@ -4536,7 +4606,7 @@
           <p:cNvPr id="3" name="Content Placeholder 2">
             <a:extLst>
               <a:ext uri="{FF2B5EF4-FFF2-40B4-BE49-F238E27FC236}">
-                <a16:creationId xmlns:a16="http://schemas.microsoft.com/office/drawing/2014/main" id="{ABF54DA4-238E-4441-BBE2-1247562A426F}"/>
+                <a16:creationId xmlns:a16="http://schemas.microsoft.com/office/drawing/2014/main" id="{5C66768E-5C94-42D8-B51C-C130DB0788C5}"/>
               </a:ext>
             </a:extLst>
           </p:cNvPr>
@@ -4553,189 +4623,93 @@
           <a:lstStyle/>
           <a:p>
             <a:r>
+              <a:rPr lang="en-US" dirty="0"/>
+              <a:t>If you need to use code that doesn’t reliably avoid panics you may attempt to trap them:</a:t>
+            </a:r>
+          </a:p>
+          <a:p>
+            <a:pPr lvl="1"/>
+            <a:r>
+              <a:rPr lang="en-US" sz="2000" dirty="0" err="1">
+                <a:latin typeface="Consolas" panose="020B0609020204030204" pitchFamily="49" charset="0"/>
+              </a:rPr>
+              <a:t>trap_panic</a:t>
+            </a:r>
+            <a:r>
               <a:rPr lang="en-US" sz="2000" dirty="0">
                 <a:latin typeface="Consolas" panose="020B0609020204030204" pitchFamily="49" charset="0"/>
               </a:rPr>
-              <a:t>let </a:t>
+              <a:t>(</a:t>
             </a:r>
             <a:r>
               <a:rPr lang="en-US" sz="2000" dirty="0" err="1">
                 <a:latin typeface="Consolas" panose="020B0609020204030204" pitchFamily="49" charset="0"/>
               </a:rPr>
-              <a:t>rslt</a:t>
+              <a:t>unreliable_function</a:t>
             </a:r>
             <a:r>
               <a:rPr lang="en-US" sz="2000" dirty="0">
                 <a:latin typeface="Consolas" panose="020B0609020204030204" pitchFamily="49" charset="0"/>
               </a:rPr>
-              <a:t> = f();</a:t>
-            </a:r>
-          </a:p>
-          <a:p>
+              <a:t>, </a:t>
+            </a:r>
+            <a:r>
+              <a:rPr lang="en-US" sz="2000" dirty="0" err="1">
+                <a:latin typeface="Consolas" panose="020B0609020204030204" pitchFamily="49" charset="0"/>
+              </a:rPr>
+              <a:t>description_str</a:t>
+            </a:r>
             <a:r>
               <a:rPr lang="en-US" sz="2000" dirty="0">
                 <a:latin typeface="Consolas" panose="020B0609020204030204" pitchFamily="49" charset="0"/>
               </a:rPr>
-              <a:t>match </a:t>
-            </a:r>
-            <a:r>
-              <a:rPr lang="en-US" sz="2000" dirty="0" err="1">
-                <a:latin typeface="Consolas" panose="020B0609020204030204" pitchFamily="49" charset="0"/>
-              </a:rPr>
-              <a:t>rslt</a:t>
-            </a:r>
-            <a:r>
-              <a:rPr lang="en-US" sz="2000" dirty="0">
-                <a:latin typeface="Consolas" panose="020B0609020204030204" pitchFamily="49" charset="0"/>
-              </a:rPr>
-              <a:t> {</a:t>
-            </a:r>
-            <a:br>
-              <a:rPr lang="en-US" sz="2000" dirty="0">
-                <a:latin typeface="Consolas" panose="020B0609020204030204" pitchFamily="49" charset="0"/>
-              </a:rPr>
-            </a:br>
-            <a:r>
-              <a:rPr lang="en-US" sz="2000" dirty="0">
-                <a:latin typeface="Consolas" panose="020B0609020204030204" pitchFamily="49" charset="0"/>
-              </a:rPr>
-              <a:t> 	Ok(t) =&gt; { /* do something with t */ },</a:t>
-            </a:r>
-            <a:br>
-              <a:rPr lang="en-US" sz="2000" dirty="0">
-                <a:latin typeface="Consolas" panose="020B0609020204030204" pitchFamily="49" charset="0"/>
-              </a:rPr>
-            </a:br>
-            <a:r>
-              <a:rPr lang="en-US" sz="2000" dirty="0">
-                <a:latin typeface="Consolas" panose="020B0609020204030204" pitchFamily="49" charset="0"/>
-              </a:rPr>
-              <a:t>	Err(e) =&gt; { /* do something with e */ },</a:t>
-            </a:r>
-            <a:br>
-              <a:rPr lang="en-US" sz="2000" dirty="0">
-                <a:latin typeface="Consolas" panose="020B0609020204030204" pitchFamily="49" charset="0"/>
-              </a:rPr>
-            </a:br>
-            <a:r>
-              <a:rPr lang="en-US" sz="2000" dirty="0">
-                <a:latin typeface="Consolas" panose="020B0609020204030204" pitchFamily="49" charset="0"/>
-              </a:rPr>
-              <a:t>}</a:t>
-            </a:r>
-            <a:endParaRPr lang="en-US" sz="2400" dirty="0">
-              <a:latin typeface="Consolas" panose="020B0609020204030204" pitchFamily="49" charset="0"/>
-            </a:endParaRPr>
-          </a:p>
-          <a:p>
-            <a:r>
-              <a:rPr lang="en-US" dirty="0"/>
-              <a:t>match is required to define actions for both possible results</a:t>
-            </a:r>
-          </a:p>
-          <a:p>
-            <a:r>
-              <a:rPr lang="en-US" dirty="0"/>
-              <a:t>“if let” uses matching operator =</a:t>
-            </a:r>
-          </a:p>
-          <a:p>
-            <a:r>
-              <a:rPr lang="en-US" sz="2000" dirty="0">
-                <a:latin typeface="Consolas" panose="020B0609020204030204" pitchFamily="49" charset="0"/>
-              </a:rPr>
-              <a:t>if let Ok(t) = </a:t>
-            </a:r>
-            <a:r>
-              <a:rPr lang="en-US" sz="2000" dirty="0" err="1">
-                <a:latin typeface="Consolas" panose="020B0609020204030204" pitchFamily="49" charset="0"/>
-              </a:rPr>
-              <a:t>rslt</a:t>
-            </a:r>
-            <a:r>
-              <a:rPr lang="en-US" sz="2000" dirty="0">
-                <a:latin typeface="Consolas" panose="020B0609020204030204" pitchFamily="49" charset="0"/>
-              </a:rPr>
-              <a:t> {</a:t>
-            </a:r>
-            <a:br>
-              <a:rPr lang="en-US" sz="2000" dirty="0">
-                <a:latin typeface="Consolas" panose="020B0609020204030204" pitchFamily="49" charset="0"/>
-              </a:rPr>
-            </a:br>
-            <a:r>
-              <a:rPr lang="en-US" sz="2000" dirty="0">
-                <a:latin typeface="Consolas" panose="020B0609020204030204" pitchFamily="49" charset="0"/>
-              </a:rPr>
-              <a:t> 	/* do something with t = </a:t>
-            </a:r>
-            <a:r>
-              <a:rPr lang="en-US" sz="2000" dirty="0" err="1">
-                <a:latin typeface="Consolas" panose="020B0609020204030204" pitchFamily="49" charset="0"/>
-              </a:rPr>
-              <a:t>rslt.unwrap</a:t>
-            </a:r>
-            <a:r>
-              <a:rPr lang="en-US" sz="2000" dirty="0">
-                <a:latin typeface="Consolas" panose="020B0609020204030204" pitchFamily="49" charset="0"/>
-              </a:rPr>
-              <a:t>() */</a:t>
-            </a:r>
-            <a:br>
-              <a:rPr lang="en-US" sz="2000" dirty="0">
-                <a:latin typeface="Consolas" panose="020B0609020204030204" pitchFamily="49" charset="0"/>
-              </a:rPr>
-            </a:br>
-            <a:r>
-              <a:rPr lang="en-US" sz="2000" dirty="0">
-                <a:latin typeface="Consolas" panose="020B0609020204030204" pitchFamily="49" charset="0"/>
-              </a:rPr>
-              <a:t>}</a:t>
-            </a:r>
-            <a:br>
-              <a:rPr lang="en-US" sz="2000" dirty="0">
-                <a:latin typeface="Consolas" panose="020B0609020204030204" pitchFamily="49" charset="0"/>
-              </a:rPr>
-            </a:br>
-            <a:r>
-              <a:rPr lang="en-US" sz="2000" dirty="0">
-                <a:latin typeface="Consolas" panose="020B0609020204030204" pitchFamily="49" charset="0"/>
-              </a:rPr>
-              <a:t>else {</a:t>
-            </a:r>
-            <a:br>
-              <a:rPr lang="en-US" sz="2000" dirty="0">
-                <a:latin typeface="Consolas" panose="020B0609020204030204" pitchFamily="49" charset="0"/>
-              </a:rPr>
-            </a:br>
-            <a:r>
-              <a:rPr lang="en-US" sz="2000" dirty="0">
-                <a:latin typeface="Consolas" panose="020B0609020204030204" pitchFamily="49" charset="0"/>
-              </a:rPr>
-              <a:t> 	/* do something with e = </a:t>
-            </a:r>
-            <a:r>
-              <a:rPr lang="en-US" sz="2000" dirty="0" err="1">
-                <a:latin typeface="Consolas" panose="020B0609020204030204" pitchFamily="49" charset="0"/>
-              </a:rPr>
-              <a:t>rslt.unwrap_err</a:t>
-            </a:r>
-            <a:r>
-              <a:rPr lang="en-US" sz="2000" dirty="0">
-                <a:latin typeface="Consolas" panose="020B0609020204030204" pitchFamily="49" charset="0"/>
-              </a:rPr>
-              <a:t>() */</a:t>
-            </a:r>
-            <a:br>
-              <a:rPr lang="en-US" sz="2000" dirty="0">
-                <a:latin typeface="Consolas" panose="020B0609020204030204" pitchFamily="49" charset="0"/>
-              </a:rPr>
-            </a:br>
-            <a:r>
-              <a:rPr lang="en-US" sz="2000" dirty="0">
-                <a:latin typeface="Consolas" panose="020B0609020204030204" pitchFamily="49" charset="0"/>
-              </a:rPr>
-              <a:t>}</a:t>
+              <a:t>) -&gt; Result;</a:t>
+            </a:r>
+          </a:p>
+          <a:p>
+            <a:pPr lvl="1"/>
+            <a:r>
+              <a:rPr lang="en-US" dirty="0"/>
+              <a:t>Definition in next slide</a:t>
+            </a:r>
+          </a:p>
+          <a:p>
+            <a:pPr lvl="1"/>
+            <a:endParaRPr lang="en-US" dirty="0"/>
+          </a:p>
+          <a:p>
+            <a:r>
+              <a:rPr lang="en-US" dirty="0"/>
+              <a:t>Traps are not guaranteed to succeed.  </a:t>
+            </a:r>
+          </a:p>
+          <a:p>
+            <a:pPr lvl="1"/>
+            <a:r>
+              <a:rPr lang="en-US" dirty="0"/>
+              <a:t>A panic unwinds the call stack, returning resources to the process with drop.</a:t>
+            </a:r>
+          </a:p>
+          <a:p>
+            <a:pPr lvl="1"/>
+            <a:r>
+              <a:rPr lang="en-US" dirty="0"/>
+              <a:t>If a drop also panics, the system will immediately abort.</a:t>
+            </a:r>
+          </a:p>
+          <a:p>
+            <a:pPr lvl="1"/>
+            <a:r>
+              <a:rPr lang="en-US" dirty="0"/>
+              <a:t>If that happens before leaving </a:t>
+            </a:r>
+            <a:r>
+              <a:rPr lang="en-US" dirty="0" err="1"/>
+              <a:t>trap_panic</a:t>
+            </a:r>
+            <a:r>
+              <a:rPr lang="en-US" dirty="0"/>
+              <a:t> the trap will fail.</a:t>
             </a:r>
           </a:p>
         </p:txBody>
@@ -4745,7 +4719,7 @@
           <p:cNvPr id="4" name="Slide Number Placeholder 3">
             <a:extLst>
               <a:ext uri="{FF2B5EF4-FFF2-40B4-BE49-F238E27FC236}">
-                <a16:creationId xmlns:a16="http://schemas.microsoft.com/office/drawing/2014/main" id="{2E775103-BEC7-44D4-A108-7C648756327F}"/>
+                <a16:creationId xmlns:a16="http://schemas.microsoft.com/office/drawing/2014/main" id="{25DB1582-60AA-4611-8101-B2E2F3C5FC4C}"/>
               </a:ext>
             </a:extLst>
           </p:cNvPr>
@@ -4773,7 +4747,7 @@
     </p:spTree>
     <p:extLst>
       <p:ext uri="{BB962C8B-B14F-4D97-AF65-F5344CB8AC3E}">
-        <p14:creationId xmlns:p14="http://schemas.microsoft.com/office/powerpoint/2010/main" val="1443240117"/>
+        <p14:creationId xmlns:p14="http://schemas.microsoft.com/office/powerpoint/2010/main" val="3296409066"/>
       </p:ext>
     </p:extLst>
   </p:cSld>
@@ -4802,18 +4776,18 @@
       </p:grpSpPr>
       <p:sp>
         <p:nvSpPr>
-          <p:cNvPr id="2" name="Title 1">
-            <a:extLst>
-              <a:ext uri="{FF2B5EF4-FFF2-40B4-BE49-F238E27FC236}">
-                <a16:creationId xmlns:a16="http://schemas.microsoft.com/office/drawing/2014/main" id="{92ED299C-8A04-4170-8A34-0E7509805FAB}"/>
-              </a:ext>
-            </a:extLst>
-          </p:cNvPr>
-          <p:cNvSpPr>
-            <a:spLocks noGrp="1"/>
-          </p:cNvSpPr>
-          <p:nvPr>
-            <p:ph type="title"/>
+          <p:cNvPr id="4" name="Slide Number Placeholder 3">
+            <a:extLst>
+              <a:ext uri="{FF2B5EF4-FFF2-40B4-BE49-F238E27FC236}">
+                <a16:creationId xmlns:a16="http://schemas.microsoft.com/office/drawing/2014/main" id="{93A4379F-06AB-433E-96EF-C4ACC867BC99}"/>
+              </a:ext>
+            </a:extLst>
+          </p:cNvPr>
+          <p:cNvSpPr>
+            <a:spLocks noGrp="1"/>
+          </p:cNvSpPr>
+          <p:nvPr>
+            <p:ph type="sldNum" sz="quarter" idx="12"/>
           </p:nvPr>
         </p:nvSpPr>
         <p:spPr/>
@@ -4821,19 +4795,21 @@
           <a:bodyPr/>
           <a:lstStyle/>
           <a:p>
-            <a:r>
-              <a:rPr lang="en-US" dirty="0"/>
-              <a:t>Demonstration code using match and if let</a:t>
-            </a:r>
+            <a:fld id="{8175FE88-E4F7-4173-9B75-CBBABDFA1364}" type="slidenum">
+              <a:rPr lang="en-US" smtClean="0"/>
+              <a:pPr/>
+              <a:t>14</a:t>
+            </a:fld>
+            <a:endParaRPr lang="en-US" dirty="0"/>
           </a:p>
         </p:txBody>
       </p:sp>
       <p:pic>
         <p:nvPicPr>
-          <p:cNvPr id="4" name="Content Placeholder 3">
-            <a:extLst>
-              <a:ext uri="{FF2B5EF4-FFF2-40B4-BE49-F238E27FC236}">
-                <a16:creationId xmlns:a16="http://schemas.microsoft.com/office/drawing/2014/main" id="{9437F212-0823-4643-BFD7-AD63C30ADC18}"/>
+          <p:cNvPr id="6" name="Content Placeholder 5">
+            <a:extLst>
+              <a:ext uri="{FF2B5EF4-FFF2-40B4-BE49-F238E27FC236}">
+                <a16:creationId xmlns:a16="http://schemas.microsoft.com/office/drawing/2014/main" id="{FD08C1FB-5928-45B3-A4BF-91A9B48CBBAE}"/>
               </a:ext>
             </a:extLst>
           </p:cNvPr>
@@ -4841,7 +4817,7 @@
             <a:picLocks noGrp="1" noChangeAspect="1"/>
           </p:cNvPicPr>
           <p:nvPr>
-            <p:ph idx="1"/>
+            <p:ph sz="half" idx="1"/>
           </p:nvPr>
         </p:nvPicPr>
         <p:blipFill>
@@ -4852,132 +4828,91 @@
         </p:blipFill>
         <p:spPr>
           <a:xfrm>
-            <a:off x="838200" y="1392189"/>
-            <a:ext cx="7592160" cy="4854575"/>
+            <a:off x="288885" y="157678"/>
+            <a:ext cx="6354656" cy="6248569"/>
           </a:xfrm>
           <a:prstGeom prst="rect">
             <a:avLst/>
           </a:prstGeom>
         </p:spPr>
       </p:pic>
-      <p:sp>
-        <p:nvSpPr>
-          <p:cNvPr id="5" name="TextBox 4">
-            <a:extLst>
-              <a:ext uri="{FF2B5EF4-FFF2-40B4-BE49-F238E27FC236}">
-                <a16:creationId xmlns:a16="http://schemas.microsoft.com/office/drawing/2014/main" id="{640B6656-07DD-4278-BE09-2BFC139304BF}"/>
-              </a:ext>
-            </a:extLst>
-          </p:cNvPr>
-          <p:cNvSpPr txBox="1"/>
-          <p:nvPr/>
-        </p:nvSpPr>
+      <p:pic>
+        <p:nvPicPr>
+          <p:cNvPr id="10" name="Content Placeholder 9">
+            <a:extLst>
+              <a:ext uri="{FF2B5EF4-FFF2-40B4-BE49-F238E27FC236}">
+                <a16:creationId xmlns:a16="http://schemas.microsoft.com/office/drawing/2014/main" id="{5500E1FC-7799-4C58-A412-4E2E7646FD48}"/>
+              </a:ext>
+            </a:extLst>
+          </p:cNvPr>
+          <p:cNvPicPr>
+            <a:picLocks noGrp="1" noChangeAspect="1"/>
+          </p:cNvPicPr>
+          <p:nvPr>
+            <p:ph sz="half" idx="2"/>
+          </p:nvPr>
+        </p:nvPicPr>
+        <p:blipFill>
+          <a:blip r:embed="rId3"/>
+          <a:stretch>
+            <a:fillRect/>
+          </a:stretch>
+        </p:blipFill>
         <p:spPr>
           <a:xfrm>
-            <a:off x="7217478" y="1952524"/>
-            <a:ext cx="3015426" cy="646331"/>
+            <a:off x="6766223" y="157677"/>
+            <a:ext cx="5131383" cy="6248569"/>
           </a:xfrm>
           <a:prstGeom prst="rect">
             <a:avLst/>
           </a:prstGeom>
+        </p:spPr>
+      </p:pic>
+      <p:sp>
+        <p:nvSpPr>
+          <p:cNvPr id="2" name="Title 1">
+            <a:extLst>
+              <a:ext uri="{FF2B5EF4-FFF2-40B4-BE49-F238E27FC236}">
+                <a16:creationId xmlns:a16="http://schemas.microsoft.com/office/drawing/2014/main" id="{DE91CE9E-86E5-46DA-967C-7F0570D62AB9}"/>
+              </a:ext>
+            </a:extLst>
+          </p:cNvPr>
+          <p:cNvSpPr>
+            <a:spLocks noGrp="1"/>
+          </p:cNvSpPr>
+          <p:nvPr>
+            <p:ph type="title"/>
+          </p:nvPr>
+        </p:nvSpPr>
+        <p:spPr>
+          <a:xfrm>
+            <a:off x="3669410" y="1077084"/>
+            <a:ext cx="3677958" cy="621638"/>
+          </a:xfrm>
           <a:solidFill>
-            <a:schemeClr val="bg2"/>
+            <a:schemeClr val="bg1"/>
           </a:solidFill>
-          <a:ln w="12700">
+          <a:ln w="19050">
             <a:solidFill>
-              <a:schemeClr val="tx1"/>
+              <a:srgbClr val="FFC000"/>
             </a:solidFill>
           </a:ln>
         </p:spPr>
         <p:txBody>
-          <a:bodyPr wrap="square" rtlCol="0">
-            <a:spAutoFit/>
-          </a:bodyPr>
-          <a:lstStyle/>
-          <a:p>
-            <a:r>
-              <a:rPr lang="en-US" dirty="0"/>
-              <a:t>match requires testing both cases, Ok and Err </a:t>
-            </a:r>
-          </a:p>
-        </p:txBody>
-      </p:sp>
-      <p:sp>
-        <p:nvSpPr>
-          <p:cNvPr id="6" name="TextBox 5">
-            <a:extLst>
-              <a:ext uri="{FF2B5EF4-FFF2-40B4-BE49-F238E27FC236}">
-                <a16:creationId xmlns:a16="http://schemas.microsoft.com/office/drawing/2014/main" id="{43224207-EF33-49CA-8A58-99910A736C48}"/>
-              </a:ext>
-            </a:extLst>
-          </p:cNvPr>
-          <p:cNvSpPr txBox="1"/>
-          <p:nvPr/>
-        </p:nvSpPr>
-        <p:spPr>
-          <a:xfrm>
-            <a:off x="7217478" y="4387434"/>
-            <a:ext cx="3015426" cy="923330"/>
-          </a:xfrm>
-          <a:prstGeom prst="rect">
-            <a:avLst/>
-          </a:prstGeom>
-          <a:solidFill>
-            <a:schemeClr val="bg2"/>
-          </a:solidFill>
-          <a:ln w="12700">
-            <a:solidFill>
-              <a:schemeClr val="tx1"/>
-            </a:solidFill>
-          </a:ln>
-        </p:spPr>
-        <p:txBody>
-          <a:bodyPr wrap="square" rtlCol="0">
-            <a:spAutoFit/>
-          </a:bodyPr>
-          <a:lstStyle/>
-          <a:p>
-            <a:r>
-              <a:rPr lang="en-US" dirty="0"/>
-              <a:t>if let doesn’t require handling both cases, but the code may do so, as shown</a:t>
-            </a:r>
-          </a:p>
-        </p:txBody>
-      </p:sp>
-      <p:sp>
-        <p:nvSpPr>
-          <p:cNvPr id="7" name="Slide Number Placeholder 6">
-            <a:extLst>
-              <a:ext uri="{FF2B5EF4-FFF2-40B4-BE49-F238E27FC236}">
-                <a16:creationId xmlns:a16="http://schemas.microsoft.com/office/drawing/2014/main" id="{CD63EABE-B493-4E12-A31A-31BAB4F0D9A9}"/>
-              </a:ext>
-            </a:extLst>
-          </p:cNvPr>
-          <p:cNvSpPr>
-            <a:spLocks noGrp="1"/>
-          </p:cNvSpPr>
-          <p:nvPr>
-            <p:ph type="sldNum" sz="quarter" idx="12"/>
-          </p:nvPr>
-        </p:nvSpPr>
-        <p:spPr/>
-        <p:txBody>
-          <a:bodyPr/>
-          <a:lstStyle/>
-          <a:p>
-            <a:fld id="{8175FE88-E4F7-4173-9B75-CBBABDFA1364}" type="slidenum">
-              <a:rPr lang="en-US" smtClean="0"/>
-              <a:pPr/>
-              <a:t>14</a:t>
-            </a:fld>
-            <a:endParaRPr lang="en-US" dirty="0"/>
+          <a:bodyPr/>
+          <a:lstStyle/>
+          <a:p>
+            <a:r>
+              <a:rPr lang="en-US" dirty="0"/>
+              <a:t>Trapping Panics</a:t>
+            </a:r>
           </a:p>
         </p:txBody>
       </p:sp>
     </p:spTree>
     <p:extLst>
       <p:ext uri="{BB962C8B-B14F-4D97-AF65-F5344CB8AC3E}">
-        <p14:creationId xmlns:p14="http://schemas.microsoft.com/office/powerpoint/2010/main" val="891517251"/>
+        <p14:creationId xmlns:p14="http://schemas.microsoft.com/office/powerpoint/2010/main" val="816945213"/>
       </p:ext>
     </p:extLst>
   </p:cSld>
@@ -5009,7 +4944,7 @@
           <p:cNvPr id="2" name="Title 1">
             <a:extLst>
               <a:ext uri="{FF2B5EF4-FFF2-40B4-BE49-F238E27FC236}">
-                <a16:creationId xmlns:a16="http://schemas.microsoft.com/office/drawing/2014/main" id="{9C42B208-7010-4161-82E7-3B92AD6F30EB}"/>
+                <a16:creationId xmlns:a16="http://schemas.microsoft.com/office/drawing/2014/main" id="{EBBD1355-6C67-4456-98BA-7C1874F040E2}"/>
               </a:ext>
             </a:extLst>
           </p:cNvPr>
@@ -5027,7 +4962,7 @@
           <a:p>
             <a:r>
               <a:rPr lang="en-US" dirty="0"/>
-              <a:t>Bubbling Errors up Call Chain</a:t>
+              <a:t>Error Handling that Avoids Panics</a:t>
             </a:r>
           </a:p>
         </p:txBody>
@@ -5037,7 +4972,7 @@
           <p:cNvPr id="3" name="Content Placeholder 2">
             <a:extLst>
               <a:ext uri="{FF2B5EF4-FFF2-40B4-BE49-F238E27FC236}">
-                <a16:creationId xmlns:a16="http://schemas.microsoft.com/office/drawing/2014/main" id="{53CA2854-33C2-43D9-A998-49F64F5536BA}"/>
+                <a16:creationId xmlns:a16="http://schemas.microsoft.com/office/drawing/2014/main" id="{CBD3A437-4FA8-4B76-964F-D75838AF1867}"/>
               </a:ext>
             </a:extLst>
           </p:cNvPr>
@@ -5048,132 +4983,213 @@
             <p:ph idx="1"/>
           </p:nvPr>
         </p:nvSpPr>
-        <p:spPr/>
-        <p:txBody>
-          <a:bodyPr/>
-          <a:lstStyle/>
-          <a:p>
-            <a:r>
-              <a:rPr lang="en-US" sz="2400" dirty="0" err="1">
+        <p:spPr>
+          <a:xfrm>
+            <a:off x="453711" y="1322262"/>
+            <a:ext cx="11635914" cy="4854701"/>
+          </a:xfrm>
+        </p:spPr>
+        <p:txBody>
+          <a:bodyPr/>
+          <a:lstStyle/>
+          <a:p>
+            <a:r>
+              <a:rPr lang="en-US" dirty="0"/>
+              <a:t>Each function that can fail should return a std::result::Result&lt;T, E&gt;</a:t>
+            </a:r>
+          </a:p>
+          <a:p>
+            <a:pPr lvl="1"/>
+            <a:r>
+              <a:rPr lang="en-US" sz="2000" dirty="0" err="1">
                 <a:latin typeface="Consolas" panose="020B0609020204030204" pitchFamily="49" charset="0"/>
               </a:rPr>
               <a:t>fn</a:t>
             </a:r>
             <a:r>
-              <a:rPr lang="en-US" sz="2400" dirty="0">
-                <a:latin typeface="Consolas" panose="020B0609020204030204" pitchFamily="49" charset="0"/>
-              </a:rPr>
-              <a:t> g&lt;T, E&gt;() -&gt; Result&lt;T, E&gt;</a:t>
-            </a:r>
-          </a:p>
-          <a:p>
-            <a:r>
-              <a:rPr lang="en-US" sz="2400" dirty="0" err="1">
-                <a:latin typeface="Consolas" panose="020B0609020204030204" pitchFamily="49" charset="0"/>
-              </a:rPr>
-              <a:t>fn</a:t>
-            </a:r>
-            <a:r>
-              <a:rPr lang="en-US" sz="2400" dirty="0">
-                <a:latin typeface="Consolas" panose="020B0609020204030204" pitchFamily="49" charset="0"/>
-              </a:rPr>
-              <a:t> f&lt;T, E&gt;() -&gt; Result&lt;T, E&gt; {</a:t>
-            </a:r>
-            <a:br>
-              <a:rPr lang="en-US" sz="2400" dirty="0">
-                <a:latin typeface="Consolas" panose="020B0609020204030204" pitchFamily="49" charset="0"/>
-              </a:rPr>
-            </a:br>
-            <a:br>
-              <a:rPr lang="en-US" sz="1400" dirty="0">
-                <a:latin typeface="Consolas" panose="020B0609020204030204" pitchFamily="49" charset="0"/>
-              </a:rPr>
-            </a:br>
-            <a:r>
-              <a:rPr lang="en-US" sz="2400" dirty="0">
-                <a:latin typeface="Consolas" panose="020B0609020204030204" pitchFamily="49" charset="0"/>
-              </a:rPr>
-              <a:t> 	</a:t>
-            </a:r>
-            <a:r>
-              <a:rPr lang="en-US" sz="1800" dirty="0">
-                <a:latin typeface="Consolas" panose="020B0609020204030204" pitchFamily="49" charset="0"/>
-              </a:rPr>
-              <a:t>// code elided</a:t>
-            </a:r>
-            <a:br>
-              <a:rPr lang="en-US" sz="2400" dirty="0">
-                <a:latin typeface="Consolas" panose="020B0609020204030204" pitchFamily="49" charset="0"/>
-              </a:rPr>
-            </a:br>
-            <a:br>
-              <a:rPr lang="en-US" sz="1400" dirty="0">
-                <a:latin typeface="Consolas" panose="020B0609020204030204" pitchFamily="49" charset="0"/>
-              </a:rPr>
-            </a:br>
-            <a:r>
-              <a:rPr lang="en-US" sz="2400" dirty="0">
-                <a:latin typeface="Consolas" panose="020B0609020204030204" pitchFamily="49" charset="0"/>
-              </a:rPr>
-              <a:t> 	let t:T = g()?</a:t>
-            </a:r>
-            <a:br>
-              <a:rPr lang="en-US" sz="2400" dirty="0">
-                <a:latin typeface="Consolas" panose="020B0609020204030204" pitchFamily="49" charset="0"/>
-              </a:rPr>
-            </a:br>
-            <a:br>
-              <a:rPr lang="en-US" sz="1400" dirty="0">
-                <a:latin typeface="Consolas" panose="020B0609020204030204" pitchFamily="49" charset="0"/>
-              </a:rPr>
-            </a:br>
-            <a:r>
-              <a:rPr lang="en-US" sz="2400" dirty="0">
-                <a:latin typeface="Consolas" panose="020B0609020204030204" pitchFamily="49" charset="0"/>
-              </a:rPr>
-              <a:t> 	</a:t>
-            </a:r>
-            <a:r>
-              <a:rPr lang="en-US" sz="1800" dirty="0">
-                <a:latin typeface="Consolas" panose="020B0609020204030204" pitchFamily="49" charset="0"/>
-              </a:rPr>
-              <a:t>// code using t elided</a:t>
-            </a:r>
-            <a:br>
-              <a:rPr lang="en-US" sz="2400" dirty="0">
-                <a:latin typeface="Consolas" panose="020B0609020204030204" pitchFamily="49" charset="0"/>
-              </a:rPr>
-            </a:br>
-            <a:br>
-              <a:rPr lang="en-US" sz="1400" dirty="0">
-                <a:latin typeface="Consolas" panose="020B0609020204030204" pitchFamily="49" charset="0"/>
-              </a:rPr>
-            </a:br>
-            <a:r>
-              <a:rPr lang="en-US" sz="2400" dirty="0">
-                <a:latin typeface="Consolas" panose="020B0609020204030204" pitchFamily="49" charset="0"/>
-              </a:rPr>
-              <a:t>}</a:t>
-            </a:r>
-          </a:p>
-          <a:p>
-            <a:r>
-              <a:rPr lang="en-US" dirty="0"/>
-              <a:t>If g() returns an error the try operator ? returns from f(), passing out the Result object, Err(</a:t>
-            </a:r>
-            <a:r>
-              <a:rPr lang="en-US" dirty="0" err="1"/>
+              <a:rPr lang="en-US" sz="2000" dirty="0">
+                <a:latin typeface="Consolas" panose="020B0609020204030204" pitchFamily="49" charset="0"/>
+              </a:rPr>
+              <a:t> f&lt;T, E&gt;() -&gt; Result&lt;T, E&gt; { /* code that can fail */ }</a:t>
+            </a:r>
+          </a:p>
+          <a:p>
+            <a:pPr lvl="1"/>
+            <a:r>
+              <a:rPr lang="en-US" dirty="0"/>
+              <a:t>std library functions do this and so should user-defined functions</a:t>
+            </a:r>
+          </a:p>
+          <a:p>
+            <a:r>
+              <a:rPr lang="en-US" dirty="0"/>
+              <a:t>Result is an enumeration</a:t>
+            </a:r>
+          </a:p>
+          <a:p>
+            <a:pPr lvl="1"/>
+            <a:r>
+              <a:rPr lang="en-US" sz="2000" dirty="0">
+                <a:latin typeface="Consolas" panose="020B0609020204030204" pitchFamily="49" charset="0"/>
+              </a:rPr>
+              <a:t>Enum Result&lt;T, E&gt; { Ok(T), Err(E), }</a:t>
+            </a:r>
+          </a:p>
+          <a:p>
+            <a:pPr lvl="1"/>
+            <a:r>
+              <a:rPr lang="en-US" dirty="0"/>
+              <a:t>Returned Result instance is either </a:t>
+            </a:r>
+            <a:r>
+              <a:rPr lang="en-US" sz="2000" dirty="0">
+                <a:latin typeface="Consolas" panose="020B0609020204030204" pitchFamily="49" charset="0"/>
+              </a:rPr>
+              <a:t>Ok(</a:t>
+            </a:r>
+            <a:r>
+              <a:rPr lang="en-US" sz="2000" dirty="0" err="1">
+                <a:latin typeface="Consolas" panose="020B0609020204030204" pitchFamily="49" charset="0"/>
+              </a:rPr>
+              <a:t>t:T</a:t>
+            </a:r>
+            <a:r>
+              <a:rPr lang="en-US" sz="2000" dirty="0">
+                <a:latin typeface="Consolas" panose="020B0609020204030204" pitchFamily="49" charset="0"/>
+              </a:rPr>
+              <a:t>)</a:t>
+            </a:r>
+            <a:r>
+              <a:rPr lang="en-US" dirty="0"/>
+              <a:t> or </a:t>
+            </a:r>
+            <a:r>
+              <a:rPr lang="en-US" sz="2000" dirty="0">
+                <a:latin typeface="Consolas" panose="020B0609020204030204" pitchFamily="49" charset="0"/>
+              </a:rPr>
+              <a:t>Err(</a:t>
+            </a:r>
+            <a:r>
+              <a:rPr lang="en-US" sz="2000" dirty="0" err="1">
+                <a:latin typeface="Consolas" panose="020B0609020204030204" pitchFamily="49" charset="0"/>
+              </a:rPr>
               <a:t>e:E</a:t>
             </a:r>
             <a:r>
-              <a:rPr lang="en-US" dirty="0"/>
-              <a:t>).</a:t>
-            </a:r>
-          </a:p>
-          <a:p>
-            <a:r>
-              <a:rPr lang="en-US" dirty="0"/>
-              <a:t>Otherwise, the ? operator unwraps the result, t:T and binds to t.</a:t>
+              <a:rPr lang="en-US" sz="2000" dirty="0">
+                <a:latin typeface="Consolas" panose="020B0609020204030204" pitchFamily="49" charset="0"/>
+              </a:rPr>
+              <a:t>)</a:t>
+            </a:r>
+            <a:endParaRPr lang="en-US" dirty="0">
+              <a:latin typeface="Consolas" panose="020B0609020204030204" pitchFamily="49" charset="0"/>
+            </a:endParaRPr>
+          </a:p>
+          <a:p>
+            <a:pPr lvl="2"/>
+            <a:r>
+              <a:rPr lang="en-US" dirty="0"/>
+              <a:t>t is the computed value of f() or unit, (), if no such value is computed</a:t>
+            </a:r>
+          </a:p>
+          <a:p>
+            <a:pPr lvl="2"/>
+            <a:r>
+              <a:rPr lang="en-US" dirty="0"/>
+              <a:t>e is the instance of error encountered, either from Error enumeration or user-defined</a:t>
+            </a:r>
+          </a:p>
+          <a:p>
+            <a:r>
+              <a:rPr lang="en-US" dirty="0"/>
+              <a:t>Testing Result</a:t>
+            </a:r>
+          </a:p>
+          <a:p>
+            <a:pPr lvl="1"/>
+            <a:r>
+              <a:rPr lang="en-US" sz="2000" dirty="0">
+                <a:latin typeface="Consolas" panose="020B0609020204030204" pitchFamily="49" charset="0"/>
+              </a:rPr>
+              <a:t>let </a:t>
+            </a:r>
+            <a:r>
+              <a:rPr lang="en-US" sz="2000" dirty="0" err="1">
+                <a:latin typeface="Consolas" panose="020B0609020204030204" pitchFamily="49" charset="0"/>
+              </a:rPr>
+              <a:t>rslt</a:t>
+            </a:r>
+            <a:r>
+              <a:rPr lang="en-US" sz="2000" dirty="0">
+                <a:latin typeface="Consolas" panose="020B0609020204030204" pitchFamily="49" charset="0"/>
+              </a:rPr>
+              <a:t> = f();</a:t>
+            </a:r>
+          </a:p>
+          <a:p>
+            <a:pPr lvl="1"/>
+            <a:r>
+              <a:rPr lang="en-US" sz="2000" dirty="0">
+                <a:latin typeface="Consolas" panose="020B0609020204030204" pitchFamily="49" charset="0"/>
+              </a:rPr>
+              <a:t>if </a:t>
+            </a:r>
+            <a:r>
+              <a:rPr lang="en-US" sz="2000" dirty="0" err="1">
+                <a:latin typeface="Consolas" panose="020B0609020204030204" pitchFamily="49" charset="0"/>
+              </a:rPr>
+              <a:t>rslt.is_ok</a:t>
+            </a:r>
+            <a:r>
+              <a:rPr lang="en-US" sz="2000" dirty="0">
+                <a:latin typeface="Consolas" panose="020B0609020204030204" pitchFamily="49" charset="0"/>
+              </a:rPr>
+              <a:t>() { let t:T = </a:t>
+            </a:r>
+            <a:r>
+              <a:rPr lang="en-US" sz="2000" dirty="0" err="1">
+                <a:latin typeface="Consolas" panose="020B0609020204030204" pitchFamily="49" charset="0"/>
+              </a:rPr>
+              <a:t>rslt.unwrap</a:t>
+            </a:r>
+            <a:r>
+              <a:rPr lang="en-US" sz="2000" dirty="0">
+                <a:latin typeface="Consolas" panose="020B0609020204030204" pitchFamily="49" charset="0"/>
+              </a:rPr>
+              <a:t>();  /* do something with t */ }</a:t>
+            </a:r>
+          </a:p>
+          <a:p>
+            <a:pPr lvl="1"/>
+            <a:r>
+              <a:rPr lang="en-US" sz="2000" dirty="0">
+                <a:latin typeface="Consolas" panose="020B0609020204030204" pitchFamily="49" charset="0"/>
+              </a:rPr>
+              <a:t>if </a:t>
+            </a:r>
+            <a:r>
+              <a:rPr lang="en-US" sz="2000" dirty="0" err="1">
+                <a:latin typeface="Consolas" panose="020B0609020204030204" pitchFamily="49" charset="0"/>
+              </a:rPr>
+              <a:t>rslt.is_err</a:t>
+            </a:r>
+            <a:r>
+              <a:rPr lang="en-US" sz="2000" dirty="0">
+                <a:latin typeface="Consolas" panose="020B0609020204030204" pitchFamily="49" charset="0"/>
+              </a:rPr>
+              <a:t>() { let e:E = </a:t>
+            </a:r>
+            <a:r>
+              <a:rPr lang="en-US" sz="2000" dirty="0" err="1">
+                <a:latin typeface="Consolas" panose="020B0609020204030204" pitchFamily="49" charset="0"/>
+              </a:rPr>
+              <a:t>rslt.unwrap_err</a:t>
+            </a:r>
+            <a:r>
+              <a:rPr lang="en-US" sz="2000" dirty="0">
+                <a:latin typeface="Consolas" panose="020B0609020204030204" pitchFamily="49" charset="0"/>
+              </a:rPr>
+              <a:t>();  /* do something with e */ }</a:t>
             </a:r>
           </a:p>
         </p:txBody>
@@ -5183,7 +5199,7 @@
           <p:cNvPr id="4" name="Slide Number Placeholder 3">
             <a:extLst>
               <a:ext uri="{FF2B5EF4-FFF2-40B4-BE49-F238E27FC236}">
-                <a16:creationId xmlns:a16="http://schemas.microsoft.com/office/drawing/2014/main" id="{E5FD93AF-D53C-4A39-85BA-909357FD3EBC}"/>
+                <a16:creationId xmlns:a16="http://schemas.microsoft.com/office/drawing/2014/main" id="{52973BCF-CAE1-40C4-A0B3-504E1A0B5279}"/>
               </a:ext>
             </a:extLst>
           </p:cNvPr>
@@ -5211,7 +5227,7 @@
     </p:spTree>
     <p:extLst>
       <p:ext uri="{BB962C8B-B14F-4D97-AF65-F5344CB8AC3E}">
-        <p14:creationId xmlns:p14="http://schemas.microsoft.com/office/powerpoint/2010/main" val="3298732808"/>
+        <p14:creationId xmlns:p14="http://schemas.microsoft.com/office/powerpoint/2010/main" val="2906199256"/>
       </p:ext>
     </p:extLst>
   </p:cSld>
@@ -5243,7 +5259,7 @@
           <p:cNvPr id="2" name="Title 1">
             <a:extLst>
               <a:ext uri="{FF2B5EF4-FFF2-40B4-BE49-F238E27FC236}">
-                <a16:creationId xmlns:a16="http://schemas.microsoft.com/office/drawing/2014/main" id="{23F188F6-2313-4FC4-8183-EB77AFECF5F2}"/>
+                <a16:creationId xmlns:a16="http://schemas.microsoft.com/office/drawing/2014/main" id="{EEB5D16C-DE32-4B6A-B7D7-B4F73483A2AF}"/>
               </a:ext>
             </a:extLst>
           </p:cNvPr>
@@ -5254,168 +5270,233 @@
             <p:ph type="title"/>
           </p:nvPr>
         </p:nvSpPr>
-        <p:spPr>
-          <a:xfrm>
-            <a:off x="838200" y="365126"/>
-            <a:ext cx="10515600" cy="577195"/>
-          </a:xfrm>
-        </p:spPr>
-        <p:txBody>
-          <a:bodyPr/>
-          <a:lstStyle/>
-          <a:p>
-            <a:r>
-              <a:rPr lang="en-US" dirty="0"/>
-              <a:t>Bubbling Errors up the Call Chain</a:t>
-            </a:r>
-          </a:p>
-        </p:txBody>
-      </p:sp>
-      <p:pic>
-        <p:nvPicPr>
-          <p:cNvPr id="4" name="Content Placeholder 3">
-            <a:extLst>
-              <a:ext uri="{FF2B5EF4-FFF2-40B4-BE49-F238E27FC236}">
-                <a16:creationId xmlns:a16="http://schemas.microsoft.com/office/drawing/2014/main" id="{DBDD7079-4A42-43F7-83F0-3B04BBA3102E}"/>
-              </a:ext>
-            </a:extLst>
-          </p:cNvPr>
-          <p:cNvPicPr>
-            <a:picLocks noGrp="1" noChangeAspect="1"/>
-          </p:cNvPicPr>
+        <p:spPr/>
+        <p:txBody>
+          <a:bodyPr/>
+          <a:lstStyle/>
+          <a:p>
+            <a:r>
+              <a:rPr lang="en-US" dirty="0"/>
+              <a:t>Evaluating Result by Matching</a:t>
+            </a:r>
+          </a:p>
+        </p:txBody>
+      </p:sp>
+      <p:sp>
+        <p:nvSpPr>
+          <p:cNvPr id="3" name="Content Placeholder 2">
+            <a:extLst>
+              <a:ext uri="{FF2B5EF4-FFF2-40B4-BE49-F238E27FC236}">
+                <a16:creationId xmlns:a16="http://schemas.microsoft.com/office/drawing/2014/main" id="{ABF54DA4-238E-4441-BBE2-1247562A426F}"/>
+              </a:ext>
+            </a:extLst>
+          </p:cNvPr>
+          <p:cNvSpPr>
+            <a:spLocks noGrp="1"/>
+          </p:cNvSpPr>
           <p:nvPr>
             <p:ph idx="1"/>
           </p:nvPr>
-        </p:nvPicPr>
-        <p:blipFill>
-          <a:blip r:embed="rId2"/>
-          <a:stretch>
-            <a:fillRect/>
-          </a:stretch>
-        </p:blipFill>
-        <p:spPr>
-          <a:xfrm>
-            <a:off x="838199" y="3560852"/>
-            <a:ext cx="7314248" cy="2138011"/>
-          </a:xfrm>
-          <a:prstGeom prst="rect">
-            <a:avLst/>
-          </a:prstGeom>
-        </p:spPr>
-      </p:pic>
-      <p:sp>
-        <p:nvSpPr>
-          <p:cNvPr id="5" name="TextBox 4">
-            <a:extLst>
-              <a:ext uri="{FF2B5EF4-FFF2-40B4-BE49-F238E27FC236}">
-                <a16:creationId xmlns:a16="http://schemas.microsoft.com/office/drawing/2014/main" id="{EBC2A0D5-A498-421F-8F3E-8A5196171D37}"/>
-              </a:ext>
-            </a:extLst>
-          </p:cNvPr>
-          <p:cNvSpPr txBox="1"/>
-          <p:nvPr/>
-        </p:nvSpPr>
-        <p:spPr>
-          <a:xfrm>
-            <a:off x="5084670" y="4594957"/>
-            <a:ext cx="6135554" cy="1661993"/>
-          </a:xfrm>
-          <a:prstGeom prst="rect">
-            <a:avLst/>
-          </a:prstGeom>
-          <a:solidFill>
-            <a:schemeClr val="bg2"/>
-          </a:solidFill>
-          <a:ln w="12700">
-            <a:solidFill>
-              <a:schemeClr val="tx1"/>
-            </a:solidFill>
-          </a:ln>
-        </p:spPr>
-        <p:txBody>
-          <a:bodyPr wrap="square" rtlCol="0">
-            <a:spAutoFit/>
-          </a:bodyPr>
-          <a:lstStyle/>
-          <a:p>
-            <a:r>
-              <a:rPr lang="en-US" dirty="0"/>
-              <a:t>f&lt;T&gt;() -&gt; Result&lt;T, E&gt;</a:t>
-            </a:r>
-          </a:p>
-          <a:p>
-            <a:endParaRPr lang="en-US" sz="900" dirty="0"/>
-          </a:p>
-          <a:p>
-            <a:r>
-              <a:rPr lang="en-US" dirty="0"/>
-              <a:t>    if Result&lt;T, E&gt; contains Ok(</a:t>
-            </a:r>
-            <a:r>
-              <a:rPr lang="en-US" dirty="0" err="1"/>
-              <a:t>t:T</a:t>
-            </a:r>
-            <a:r>
-              <a:rPr lang="en-US" dirty="0"/>
-              <a:t>) after evaluating f()</a:t>
-            </a:r>
-          </a:p>
-          <a:p>
-            <a:r>
-              <a:rPr lang="en-US" dirty="0"/>
-              <a:t>        then f()? Evaluates as t = f().unwrap();</a:t>
-            </a:r>
-          </a:p>
-          <a:p>
-            <a:r>
-              <a:rPr lang="en-US" dirty="0"/>
-              <a:t>    if Result&lt;T, E&gt; contains Err(error)</a:t>
-            </a:r>
-          </a:p>
-          <a:p>
-            <a:r>
-              <a:rPr lang="en-US" dirty="0"/>
-              <a:t>        then f()? Returns Result&lt;T, E&gt; to caller</a:t>
-            </a:r>
-          </a:p>
-        </p:txBody>
-      </p:sp>
-      <p:pic>
-        <p:nvPicPr>
-          <p:cNvPr id="6" name="Picture 5">
-            <a:extLst>
-              <a:ext uri="{FF2B5EF4-FFF2-40B4-BE49-F238E27FC236}">
-                <a16:creationId xmlns:a16="http://schemas.microsoft.com/office/drawing/2014/main" id="{45255F2A-EAE9-429B-83DF-A80736843F6D}"/>
-              </a:ext>
-            </a:extLst>
-          </p:cNvPr>
-          <p:cNvPicPr>
-            <a:picLocks noChangeAspect="1"/>
-          </p:cNvPicPr>
-          <p:nvPr/>
-        </p:nvPicPr>
-        <p:blipFill>
-          <a:blip r:embed="rId3"/>
-          <a:stretch>
-            <a:fillRect/>
-          </a:stretch>
-        </p:blipFill>
-        <p:spPr>
-          <a:xfrm>
-            <a:off x="838199" y="1134371"/>
-            <a:ext cx="7328511" cy="2330129"/>
-          </a:xfrm>
-          <a:prstGeom prst="rect">
-            <a:avLst/>
-          </a:prstGeom>
-        </p:spPr>
-      </p:pic>
-      <p:sp>
-        <p:nvSpPr>
-          <p:cNvPr id="7" name="Slide Number Placeholder 6">
-            <a:extLst>
-              <a:ext uri="{FF2B5EF4-FFF2-40B4-BE49-F238E27FC236}">
-                <a16:creationId xmlns:a16="http://schemas.microsoft.com/office/drawing/2014/main" id="{206CA943-83CD-4B79-BD3E-39A8CA0DBBB4}"/>
+        </p:nvSpPr>
+        <p:spPr/>
+        <p:txBody>
+          <a:bodyPr/>
+          <a:lstStyle/>
+          <a:p>
+            <a:r>
+              <a:rPr lang="en-US" sz="2000" dirty="0">
+                <a:latin typeface="Consolas" panose="020B0609020204030204" pitchFamily="49" charset="0"/>
+              </a:rPr>
+              <a:t>let </a:t>
+            </a:r>
+            <a:r>
+              <a:rPr lang="en-US" sz="2000" dirty="0" err="1">
+                <a:latin typeface="Consolas" panose="020B0609020204030204" pitchFamily="49" charset="0"/>
+              </a:rPr>
+              <a:t>rslt</a:t>
+            </a:r>
+            <a:r>
+              <a:rPr lang="en-US" sz="2000" dirty="0">
+                <a:latin typeface="Consolas" panose="020B0609020204030204" pitchFamily="49" charset="0"/>
+              </a:rPr>
+              <a:t> = f();</a:t>
+            </a:r>
+          </a:p>
+          <a:p>
+            <a:r>
+              <a:rPr lang="en-US" sz="2000" dirty="0">
+                <a:latin typeface="Consolas" panose="020B0609020204030204" pitchFamily="49" charset="0"/>
+              </a:rPr>
+              <a:t>match </a:t>
+            </a:r>
+            <a:r>
+              <a:rPr lang="en-US" sz="2000" dirty="0" err="1">
+                <a:latin typeface="Consolas" panose="020B0609020204030204" pitchFamily="49" charset="0"/>
+              </a:rPr>
+              <a:t>rslt</a:t>
+            </a:r>
+            <a:r>
+              <a:rPr lang="en-US" sz="2000" dirty="0">
+                <a:latin typeface="Consolas" panose="020B0609020204030204" pitchFamily="49" charset="0"/>
+              </a:rPr>
+              <a:t> {</a:t>
+            </a:r>
+            <a:br>
+              <a:rPr lang="en-US" sz="2000" dirty="0">
+                <a:latin typeface="Consolas" panose="020B0609020204030204" pitchFamily="49" charset="0"/>
+              </a:rPr>
+            </a:br>
+            <a:r>
+              <a:rPr lang="en-US" sz="2000" dirty="0">
+                <a:latin typeface="Consolas" panose="020B0609020204030204" pitchFamily="49" charset="0"/>
+              </a:rPr>
+              <a:t> 	Ok(t) =&gt; { /* do something with t */ },</a:t>
+            </a:r>
+            <a:br>
+              <a:rPr lang="en-US" sz="2000" dirty="0">
+                <a:latin typeface="Consolas" panose="020B0609020204030204" pitchFamily="49" charset="0"/>
+              </a:rPr>
+            </a:br>
+            <a:r>
+              <a:rPr lang="en-US" sz="2000" dirty="0">
+                <a:latin typeface="Consolas" panose="020B0609020204030204" pitchFamily="49" charset="0"/>
+              </a:rPr>
+              <a:t>	Err(e) =&gt; { /* do something with e */ },</a:t>
+            </a:r>
+            <a:br>
+              <a:rPr lang="en-US" sz="2000" dirty="0">
+                <a:latin typeface="Consolas" panose="020B0609020204030204" pitchFamily="49" charset="0"/>
+              </a:rPr>
+            </a:br>
+            <a:r>
+              <a:rPr lang="en-US" sz="2000" dirty="0">
+                <a:latin typeface="Consolas" panose="020B0609020204030204" pitchFamily="49" charset="0"/>
+              </a:rPr>
+              <a:t>}</a:t>
+            </a:r>
+            <a:endParaRPr lang="en-US" sz="2400" dirty="0">
+              <a:latin typeface="Consolas" panose="020B0609020204030204" pitchFamily="49" charset="0"/>
+            </a:endParaRPr>
+          </a:p>
+          <a:p>
+            <a:r>
+              <a:rPr lang="en-US" dirty="0"/>
+              <a:t>match is required to define actions for both possible results</a:t>
+            </a:r>
+          </a:p>
+          <a:p>
+            <a:r>
+              <a:rPr lang="en-US" dirty="0"/>
+              <a:t>“if let” uses matching operator =</a:t>
+            </a:r>
+          </a:p>
+          <a:p>
+            <a:r>
+              <a:rPr lang="en-US" sz="2000" dirty="0">
+                <a:latin typeface="Consolas" panose="020B0609020204030204" pitchFamily="49" charset="0"/>
+              </a:rPr>
+              <a:t>if let Ok(t) = </a:t>
+            </a:r>
+            <a:r>
+              <a:rPr lang="en-US" sz="2000" dirty="0" err="1">
+                <a:latin typeface="Consolas" panose="020B0609020204030204" pitchFamily="49" charset="0"/>
+              </a:rPr>
+              <a:t>rslt</a:t>
+            </a:r>
+            <a:r>
+              <a:rPr lang="en-US" sz="2000" dirty="0">
+                <a:latin typeface="Consolas" panose="020B0609020204030204" pitchFamily="49" charset="0"/>
+              </a:rPr>
+              <a:t> {</a:t>
+            </a:r>
+            <a:br>
+              <a:rPr lang="en-US" sz="2000" dirty="0">
+                <a:latin typeface="Consolas" panose="020B0609020204030204" pitchFamily="49" charset="0"/>
+              </a:rPr>
+            </a:br>
+            <a:r>
+              <a:rPr lang="en-US" sz="2000" dirty="0">
+                <a:latin typeface="Consolas" panose="020B0609020204030204" pitchFamily="49" charset="0"/>
+              </a:rPr>
+              <a:t> 	/* do something with t = </a:t>
+            </a:r>
+            <a:r>
+              <a:rPr lang="en-US" sz="2000" dirty="0" err="1">
+                <a:latin typeface="Consolas" panose="020B0609020204030204" pitchFamily="49" charset="0"/>
+              </a:rPr>
+              <a:t>rslt.unwrap</a:t>
+            </a:r>
+            <a:r>
+              <a:rPr lang="en-US" sz="2000" dirty="0">
+                <a:latin typeface="Consolas" panose="020B0609020204030204" pitchFamily="49" charset="0"/>
+              </a:rPr>
+              <a:t>() */</a:t>
+            </a:r>
+            <a:br>
+              <a:rPr lang="en-US" sz="2000" dirty="0">
+                <a:latin typeface="Consolas" panose="020B0609020204030204" pitchFamily="49" charset="0"/>
+              </a:rPr>
+            </a:br>
+            <a:r>
+              <a:rPr lang="en-US" sz="2000" dirty="0">
+                <a:latin typeface="Consolas" panose="020B0609020204030204" pitchFamily="49" charset="0"/>
+              </a:rPr>
+              <a:t>}</a:t>
+            </a:r>
+            <a:br>
+              <a:rPr lang="en-US" sz="2000" dirty="0">
+                <a:latin typeface="Consolas" panose="020B0609020204030204" pitchFamily="49" charset="0"/>
+              </a:rPr>
+            </a:br>
+            <a:r>
+              <a:rPr lang="en-US" sz="2000" dirty="0">
+                <a:latin typeface="Consolas" panose="020B0609020204030204" pitchFamily="49" charset="0"/>
+              </a:rPr>
+              <a:t>else {</a:t>
+            </a:r>
+            <a:br>
+              <a:rPr lang="en-US" sz="2000" dirty="0">
+                <a:latin typeface="Consolas" panose="020B0609020204030204" pitchFamily="49" charset="0"/>
+              </a:rPr>
+            </a:br>
+            <a:r>
+              <a:rPr lang="en-US" sz="2000" dirty="0">
+                <a:latin typeface="Consolas" panose="020B0609020204030204" pitchFamily="49" charset="0"/>
+              </a:rPr>
+              <a:t> 	/* do something with e = </a:t>
+            </a:r>
+            <a:r>
+              <a:rPr lang="en-US" sz="2000" dirty="0" err="1">
+                <a:latin typeface="Consolas" panose="020B0609020204030204" pitchFamily="49" charset="0"/>
+              </a:rPr>
+              <a:t>rslt.unwrap_err</a:t>
+            </a:r>
+            <a:r>
+              <a:rPr lang="en-US" sz="2000" dirty="0">
+                <a:latin typeface="Consolas" panose="020B0609020204030204" pitchFamily="49" charset="0"/>
+              </a:rPr>
+              <a:t>() */</a:t>
+            </a:r>
+            <a:br>
+              <a:rPr lang="en-US" sz="2000" dirty="0">
+                <a:latin typeface="Consolas" panose="020B0609020204030204" pitchFamily="49" charset="0"/>
+              </a:rPr>
+            </a:br>
+            <a:r>
+              <a:rPr lang="en-US" sz="2000" dirty="0">
+                <a:latin typeface="Consolas" panose="020B0609020204030204" pitchFamily="49" charset="0"/>
+              </a:rPr>
+              <a:t>}</a:t>
+            </a:r>
+          </a:p>
+        </p:txBody>
+      </p:sp>
+      <p:sp>
+        <p:nvSpPr>
+          <p:cNvPr id="4" name="Slide Number Placeholder 3">
+            <a:extLst>
+              <a:ext uri="{FF2B5EF4-FFF2-40B4-BE49-F238E27FC236}">
+                <a16:creationId xmlns:a16="http://schemas.microsoft.com/office/drawing/2014/main" id="{2E775103-BEC7-44D4-A108-7C648756327F}"/>
               </a:ext>
             </a:extLst>
           </p:cNvPr>
@@ -5443,7 +5524,7 @@
     </p:spTree>
     <p:extLst>
       <p:ext uri="{BB962C8B-B14F-4D97-AF65-F5344CB8AC3E}">
-        <p14:creationId xmlns:p14="http://schemas.microsoft.com/office/powerpoint/2010/main" val="2502966753"/>
+        <p14:creationId xmlns:p14="http://schemas.microsoft.com/office/powerpoint/2010/main" val="1443240117"/>
       </p:ext>
     </p:extLst>
   </p:cSld>
@@ -5475,7 +5556,7 @@
           <p:cNvPr id="2" name="Title 1">
             <a:extLst>
               <a:ext uri="{FF2B5EF4-FFF2-40B4-BE49-F238E27FC236}">
-                <a16:creationId xmlns:a16="http://schemas.microsoft.com/office/drawing/2014/main" id="{91CDBF4F-A11D-4843-BBCE-A7A8678BF34C}"/>
+                <a16:creationId xmlns:a16="http://schemas.microsoft.com/office/drawing/2014/main" id="{92ED299C-8A04-4170-8A34-0E7509805FAB}"/>
               </a:ext>
             </a:extLst>
           </p:cNvPr>
@@ -5493,76 +5574,133 @@
           <a:p>
             <a:r>
               <a:rPr lang="en-US" dirty="0"/>
-              <a:t>Examples of Common Error Handling</a:t>
-            </a:r>
-          </a:p>
-        </p:txBody>
-      </p:sp>
-      <p:sp>
-        <p:nvSpPr>
-          <p:cNvPr id="3" name="Content Placeholder 2">
-            <a:extLst>
-              <a:ext uri="{FF2B5EF4-FFF2-40B4-BE49-F238E27FC236}">
-                <a16:creationId xmlns:a16="http://schemas.microsoft.com/office/drawing/2014/main" id="{05E4E5C2-8F5E-4FF9-8814-FB7B7B980601}"/>
-              </a:ext>
-            </a:extLst>
-          </p:cNvPr>
-          <p:cNvSpPr>
-            <a:spLocks noGrp="1"/>
-          </p:cNvSpPr>
+              <a:t>Demonstration code using match and if let</a:t>
+            </a:r>
+          </a:p>
+        </p:txBody>
+      </p:sp>
+      <p:pic>
+        <p:nvPicPr>
+          <p:cNvPr id="4" name="Content Placeholder 3">
+            <a:extLst>
+              <a:ext uri="{FF2B5EF4-FFF2-40B4-BE49-F238E27FC236}">
+                <a16:creationId xmlns:a16="http://schemas.microsoft.com/office/drawing/2014/main" id="{9437F212-0823-4643-BFD7-AD63C30ADC18}"/>
+              </a:ext>
+            </a:extLst>
+          </p:cNvPr>
+          <p:cNvPicPr>
+            <a:picLocks noGrp="1" noChangeAspect="1"/>
+          </p:cNvPicPr>
           <p:nvPr>
             <p:ph idx="1"/>
           </p:nvPr>
-        </p:nvSpPr>
-        <p:spPr/>
-        <p:txBody>
-          <a:bodyPr/>
-          <a:lstStyle/>
-          <a:p>
-            <a:r>
-              <a:rPr lang="en-US" dirty="0"/>
-              <a:t>Console I/O</a:t>
-            </a:r>
-          </a:p>
-          <a:p>
-            <a:r>
-              <a:rPr lang="en-US" dirty="0"/>
-              <a:t>File I/O</a:t>
-            </a:r>
-          </a:p>
-          <a:p>
-            <a:r>
-              <a:rPr lang="en-US" dirty="0"/>
-              <a:t>TCP communication processing</a:t>
-            </a:r>
-          </a:p>
-          <a:p>
-            <a:r>
-              <a:rPr lang="en-US" dirty="0"/>
-              <a:t>Inter-process communication with pipes</a:t>
-            </a:r>
-            <a:br>
-              <a:rPr lang="en-US" dirty="0"/>
-            </a:br>
-            <a:endParaRPr lang="en-US" dirty="0"/>
-          </a:p>
-          <a:p>
-            <a:r>
-              <a:rPr lang="en-US" dirty="0"/>
-              <a:t>We will briefly discuss the first two in this presentation</a:t>
-            </a:r>
-          </a:p>
-          <a:p>
-            <a:endParaRPr lang="en-US" dirty="0"/>
-          </a:p>
-        </p:txBody>
-      </p:sp>
-      <p:sp>
-        <p:nvSpPr>
-          <p:cNvPr id="4" name="Slide Number Placeholder 3">
-            <a:extLst>
-              <a:ext uri="{FF2B5EF4-FFF2-40B4-BE49-F238E27FC236}">
-                <a16:creationId xmlns:a16="http://schemas.microsoft.com/office/drawing/2014/main" id="{E60F8757-5141-4B51-AEA2-165E7DF50F3F}"/>
+        </p:nvPicPr>
+        <p:blipFill>
+          <a:blip r:embed="rId2"/>
+          <a:stretch>
+            <a:fillRect/>
+          </a:stretch>
+        </p:blipFill>
+        <p:spPr>
+          <a:xfrm>
+            <a:off x="838200" y="1392189"/>
+            <a:ext cx="7592160" cy="4854575"/>
+          </a:xfrm>
+          <a:prstGeom prst="rect">
+            <a:avLst/>
+          </a:prstGeom>
+        </p:spPr>
+      </p:pic>
+      <p:sp>
+        <p:nvSpPr>
+          <p:cNvPr id="5" name="TextBox 4">
+            <a:extLst>
+              <a:ext uri="{FF2B5EF4-FFF2-40B4-BE49-F238E27FC236}">
+                <a16:creationId xmlns:a16="http://schemas.microsoft.com/office/drawing/2014/main" id="{640B6656-07DD-4278-BE09-2BFC139304BF}"/>
+              </a:ext>
+            </a:extLst>
+          </p:cNvPr>
+          <p:cNvSpPr txBox="1"/>
+          <p:nvPr/>
+        </p:nvSpPr>
+        <p:spPr>
+          <a:xfrm>
+            <a:off x="7217478" y="1952524"/>
+            <a:ext cx="3015426" cy="646331"/>
+          </a:xfrm>
+          <a:prstGeom prst="rect">
+            <a:avLst/>
+          </a:prstGeom>
+          <a:solidFill>
+            <a:schemeClr val="bg2"/>
+          </a:solidFill>
+          <a:ln w="12700">
+            <a:solidFill>
+              <a:schemeClr val="tx1"/>
+            </a:solidFill>
+          </a:ln>
+        </p:spPr>
+        <p:txBody>
+          <a:bodyPr wrap="square" rtlCol="0">
+            <a:spAutoFit/>
+          </a:bodyPr>
+          <a:lstStyle/>
+          <a:p>
+            <a:r>
+              <a:rPr lang="en-US" dirty="0"/>
+              <a:t>match requires testing both cases, Ok and Err </a:t>
+            </a:r>
+          </a:p>
+        </p:txBody>
+      </p:sp>
+      <p:sp>
+        <p:nvSpPr>
+          <p:cNvPr id="6" name="TextBox 5">
+            <a:extLst>
+              <a:ext uri="{FF2B5EF4-FFF2-40B4-BE49-F238E27FC236}">
+                <a16:creationId xmlns:a16="http://schemas.microsoft.com/office/drawing/2014/main" id="{43224207-EF33-49CA-8A58-99910A736C48}"/>
+              </a:ext>
+            </a:extLst>
+          </p:cNvPr>
+          <p:cNvSpPr txBox="1"/>
+          <p:nvPr/>
+        </p:nvSpPr>
+        <p:spPr>
+          <a:xfrm>
+            <a:off x="7217478" y="4387434"/>
+            <a:ext cx="3015426" cy="923330"/>
+          </a:xfrm>
+          <a:prstGeom prst="rect">
+            <a:avLst/>
+          </a:prstGeom>
+          <a:solidFill>
+            <a:schemeClr val="bg2"/>
+          </a:solidFill>
+          <a:ln w="12700">
+            <a:solidFill>
+              <a:schemeClr val="tx1"/>
+            </a:solidFill>
+          </a:ln>
+        </p:spPr>
+        <p:txBody>
+          <a:bodyPr wrap="square" rtlCol="0">
+            <a:spAutoFit/>
+          </a:bodyPr>
+          <a:lstStyle/>
+          <a:p>
+            <a:r>
+              <a:rPr lang="en-US" dirty="0"/>
+              <a:t>if let doesn’t require handling both cases, but the code may do so, as shown</a:t>
+            </a:r>
+          </a:p>
+        </p:txBody>
+      </p:sp>
+      <p:sp>
+        <p:nvSpPr>
+          <p:cNvPr id="7" name="Slide Number Placeholder 6">
+            <a:extLst>
+              <a:ext uri="{FF2B5EF4-FFF2-40B4-BE49-F238E27FC236}">
+                <a16:creationId xmlns:a16="http://schemas.microsoft.com/office/drawing/2014/main" id="{CD63EABE-B493-4E12-A31A-31BAB4F0D9A9}"/>
               </a:ext>
             </a:extLst>
           </p:cNvPr>
@@ -5590,7 +5728,7 @@
     </p:spTree>
     <p:extLst>
       <p:ext uri="{BB962C8B-B14F-4D97-AF65-F5344CB8AC3E}">
-        <p14:creationId xmlns:p14="http://schemas.microsoft.com/office/powerpoint/2010/main" val="874616210"/>
+        <p14:creationId xmlns:p14="http://schemas.microsoft.com/office/powerpoint/2010/main" val="891517251"/>
       </p:ext>
     </p:extLst>
   </p:cSld>
@@ -5622,7 +5760,7 @@
           <p:cNvPr id="2" name="Title 1">
             <a:extLst>
               <a:ext uri="{FF2B5EF4-FFF2-40B4-BE49-F238E27FC236}">
-                <a16:creationId xmlns:a16="http://schemas.microsoft.com/office/drawing/2014/main" id="{2274C202-EFEA-48FA-B063-97E04E7579AF}"/>
+                <a16:creationId xmlns:a16="http://schemas.microsoft.com/office/drawing/2014/main" id="{9C42B208-7010-4161-82E7-3B92AD6F30EB}"/>
               </a:ext>
             </a:extLst>
           </p:cNvPr>
@@ -5640,7 +5778,7 @@
           <a:p>
             <a:r>
               <a:rPr lang="en-US" dirty="0"/>
-              <a:t>Console I/O</a:t>
+              <a:t>Bubbling Errors up Call Chain</a:t>
             </a:r>
           </a:p>
         </p:txBody>
@@ -5650,7 +5788,7 @@
           <p:cNvPr id="3" name="Content Placeholder 2">
             <a:extLst>
               <a:ext uri="{FF2B5EF4-FFF2-40B4-BE49-F238E27FC236}">
-                <a16:creationId xmlns:a16="http://schemas.microsoft.com/office/drawing/2014/main" id="{D2970094-2CB0-4448-A788-90EADC3110EC}"/>
+                <a16:creationId xmlns:a16="http://schemas.microsoft.com/office/drawing/2014/main" id="{53CA2854-33C2-43D9-A998-49F64F5536BA}"/>
               </a:ext>
             </a:extLst>
           </p:cNvPr>
@@ -5667,233 +5805,126 @@
           <a:lstStyle/>
           <a:p>
             <a:r>
-              <a:rPr lang="en-US" dirty="0"/>
-              <a:t>std::</a:t>
+              <a:rPr lang="en-US" sz="2400" dirty="0" err="1">
+                <a:latin typeface="Consolas" panose="020B0609020204030204" pitchFamily="49" charset="0"/>
+              </a:rPr>
+              <a:t>fn</a:t>
+            </a:r>
+            <a:r>
+              <a:rPr lang="en-US" sz="2400" dirty="0">
+                <a:latin typeface="Consolas" panose="020B0609020204030204" pitchFamily="49" charset="0"/>
+              </a:rPr>
+              <a:t> g&lt;T, E&gt;() -&gt; Result&lt;T, E&gt;</a:t>
+            </a:r>
+          </a:p>
+          <a:p>
+            <a:r>
+              <a:rPr lang="en-US" sz="2400" dirty="0" err="1">
+                <a:latin typeface="Consolas" panose="020B0609020204030204" pitchFamily="49" charset="0"/>
+              </a:rPr>
+              <a:t>fn</a:t>
+            </a:r>
+            <a:r>
+              <a:rPr lang="en-US" sz="2400" dirty="0">
+                <a:latin typeface="Consolas" panose="020B0609020204030204" pitchFamily="49" charset="0"/>
+              </a:rPr>
+              <a:t> f&lt;T, E&gt;() -&gt; Result&lt;T, E&gt; {</a:t>
+            </a:r>
+            <a:br>
+              <a:rPr lang="en-US" sz="2400" dirty="0">
+                <a:latin typeface="Consolas" panose="020B0609020204030204" pitchFamily="49" charset="0"/>
+              </a:rPr>
+            </a:br>
+            <a:br>
+              <a:rPr lang="en-US" sz="1400" dirty="0">
+                <a:latin typeface="Consolas" panose="020B0609020204030204" pitchFamily="49" charset="0"/>
+              </a:rPr>
+            </a:br>
+            <a:r>
+              <a:rPr lang="en-US" sz="2400" dirty="0">
+                <a:latin typeface="Consolas" panose="020B0609020204030204" pitchFamily="49" charset="0"/>
+              </a:rPr>
+              <a:t> 	</a:t>
+            </a:r>
+            <a:r>
+              <a:rPr lang="en-US" sz="1800" dirty="0">
+                <a:latin typeface="Consolas" panose="020B0609020204030204" pitchFamily="49" charset="0"/>
+              </a:rPr>
+              <a:t>// code elided</a:t>
+            </a:r>
+            <a:br>
+              <a:rPr lang="en-US" sz="2400" dirty="0">
+                <a:latin typeface="Consolas" panose="020B0609020204030204" pitchFamily="49" charset="0"/>
+              </a:rPr>
+            </a:br>
+            <a:br>
+              <a:rPr lang="en-US" sz="1400" dirty="0">
+                <a:latin typeface="Consolas" panose="020B0609020204030204" pitchFamily="49" charset="0"/>
+              </a:rPr>
+            </a:br>
+            <a:r>
+              <a:rPr lang="en-US" sz="2400" dirty="0">
+                <a:latin typeface="Consolas" panose="020B0609020204030204" pitchFamily="49" charset="0"/>
+              </a:rPr>
+              <a:t> 	let t:T = g()?</a:t>
+            </a:r>
+            <a:br>
+              <a:rPr lang="en-US" sz="2400" dirty="0">
+                <a:latin typeface="Consolas" panose="020B0609020204030204" pitchFamily="49" charset="0"/>
+              </a:rPr>
+            </a:br>
+            <a:br>
+              <a:rPr lang="en-US" sz="1400" dirty="0">
+                <a:latin typeface="Consolas" panose="020B0609020204030204" pitchFamily="49" charset="0"/>
+              </a:rPr>
+            </a:br>
+            <a:r>
+              <a:rPr lang="en-US" sz="2400" dirty="0">
+                <a:latin typeface="Consolas" panose="020B0609020204030204" pitchFamily="49" charset="0"/>
+              </a:rPr>
+              <a:t> 	</a:t>
+            </a:r>
+            <a:r>
+              <a:rPr lang="en-US" sz="1800" dirty="0">
+                <a:latin typeface="Consolas" panose="020B0609020204030204" pitchFamily="49" charset="0"/>
+              </a:rPr>
+              <a:t>// code using t elided</a:t>
+            </a:r>
+            <a:br>
+              <a:rPr lang="en-US" sz="2400" dirty="0">
+                <a:latin typeface="Consolas" panose="020B0609020204030204" pitchFamily="49" charset="0"/>
+              </a:rPr>
+            </a:br>
+            <a:br>
+              <a:rPr lang="en-US" sz="1400" dirty="0">
+                <a:latin typeface="Consolas" panose="020B0609020204030204" pitchFamily="49" charset="0"/>
+              </a:rPr>
+            </a:br>
+            <a:r>
+              <a:rPr lang="en-US" sz="2400" dirty="0">
+                <a:latin typeface="Consolas" panose="020B0609020204030204" pitchFamily="49" charset="0"/>
+              </a:rPr>
+              <a:t>}</a:t>
+            </a:r>
+          </a:p>
+          <a:p>
+            <a:r>
+              <a:rPr lang="en-US" dirty="0"/>
+              <a:t>If g() returns an error the try operator ? returns from f(), passing out the Result object, Err(</a:t>
             </a:r>
             <a:r>
               <a:rPr lang="en-US" dirty="0" err="1"/>
-              <a:t>io</a:t>
-            </a:r>
-            <a:r>
-              <a:rPr lang="en-US" dirty="0"/>
-              <a:t>::stdin() -&gt; Stdin</a:t>
-            </a:r>
-          </a:p>
-          <a:p>
-            <a:r>
-              <a:rPr lang="en-US" dirty="0"/>
-              <a:t>Stdin functions:</a:t>
-            </a:r>
-          </a:p>
-          <a:p>
-            <a:pPr lvl="1"/>
-            <a:r>
-              <a:rPr lang="en-US" dirty="0" err="1"/>
-              <a:t>fn</a:t>
-            </a:r>
-            <a:r>
-              <a:rPr lang="en-US" dirty="0"/>
-              <a:t> </a:t>
-            </a:r>
-            <a:r>
-              <a:rPr lang="en-US" dirty="0" err="1"/>
-              <a:t>read_line</a:t>
-            </a:r>
-            <a:r>
-              <a:rPr lang="en-US" dirty="0"/>
-              <a:t>(&amp;self, </a:t>
-            </a:r>
-            <a:r>
-              <a:rPr lang="en-US" dirty="0" err="1"/>
-              <a:t>buf</a:t>
-            </a:r>
-            <a:r>
-              <a:rPr lang="en-US" dirty="0"/>
-              <a:t>:&amp;mut String) -&gt; Result&lt;</a:t>
-            </a:r>
-            <a:r>
-              <a:rPr lang="en-US" dirty="0" err="1"/>
-              <a:t>usize</a:t>
-            </a:r>
-            <a:r>
-              <a:rPr lang="en-US" dirty="0"/>
-              <a:t>&gt;</a:t>
-            </a:r>
-          </a:p>
-          <a:p>
-            <a:pPr lvl="1"/>
-            <a:r>
-              <a:rPr lang="en-US" dirty="0" err="1"/>
-              <a:t>fn</a:t>
-            </a:r>
-            <a:r>
-              <a:rPr lang="en-US" dirty="0"/>
-              <a:t> </a:t>
-            </a:r>
-            <a:r>
-              <a:rPr lang="en-US" dirty="0" err="1"/>
-              <a:t>read_to_string</a:t>
-            </a:r>
-            <a:r>
-              <a:rPr lang="en-US" dirty="0"/>
-              <a:t>(&amp;mut self, </a:t>
-            </a:r>
-            <a:r>
-              <a:rPr lang="en-US" dirty="0" err="1"/>
-              <a:t>buf</a:t>
-            </a:r>
-            <a:r>
-              <a:rPr lang="en-US" dirty="0"/>
-              <a:t>:&amp;mut String) -&gt; Result&lt;</a:t>
-            </a:r>
-            <a:r>
-              <a:rPr lang="en-US" dirty="0" err="1"/>
-              <a:t>usize</a:t>
-            </a:r>
-            <a:r>
-              <a:rPr lang="en-US" dirty="0"/>
-              <a:t>&gt;</a:t>
-            </a:r>
-          </a:p>
-          <a:p>
-            <a:pPr lvl="1"/>
-            <a:r>
-              <a:rPr lang="en-US" dirty="0"/>
-              <a:t>Many more here: </a:t>
-            </a:r>
-            <a:r>
-              <a:rPr lang="en-US" sz="2000" dirty="0">
-                <a:hlinkClick r:id="rId2"/>
-              </a:rPr>
-              <a:t>https://doc.rust-lang.org/1.4.0/std/io/struct.Stdin.html</a:t>
-            </a:r>
-            <a:endParaRPr lang="en-US" dirty="0"/>
-          </a:p>
-          <a:p>
-            <a:r>
-              <a:rPr lang="en-US" dirty="0"/>
-              <a:t>std::</a:t>
-            </a:r>
-            <a:r>
-              <a:rPr lang="en-US" dirty="0" err="1"/>
-              <a:t>io</a:t>
-            </a:r>
-            <a:r>
-              <a:rPr lang="en-US" dirty="0"/>
-              <a:t>::</a:t>
-            </a:r>
-            <a:r>
-              <a:rPr lang="en-US" dirty="0" err="1"/>
-              <a:t>stdout</a:t>
-            </a:r>
-            <a:r>
-              <a:rPr lang="en-US" dirty="0"/>
-              <a:t>() -&gt; </a:t>
-            </a:r>
-            <a:r>
-              <a:rPr lang="en-US" dirty="0" err="1"/>
-              <a:t>Stdout</a:t>
-            </a:r>
-            <a:endParaRPr lang="en-US" dirty="0"/>
-          </a:p>
-          <a:p>
-            <a:r>
-              <a:rPr lang="en-US" dirty="0" err="1"/>
-              <a:t>Stdout</a:t>
-            </a:r>
-            <a:r>
-              <a:rPr lang="en-US" dirty="0"/>
-              <a:t> functions</a:t>
-            </a:r>
-          </a:p>
-          <a:p>
-            <a:pPr lvl="1"/>
-            <a:r>
-              <a:rPr lang="en-US" dirty="0" err="1"/>
-              <a:t>fn</a:t>
-            </a:r>
-            <a:r>
-              <a:rPr lang="en-US" dirty="0"/>
-              <a:t> write(&amp;mut self, </a:t>
-            </a:r>
-            <a:r>
-              <a:rPr lang="en-US" dirty="0" err="1"/>
-              <a:t>buf</a:t>
-            </a:r>
-            <a:r>
-              <a:rPr lang="en-US" dirty="0"/>
-              <a:t>: &amp;[u8]) -&gt; Result&lt;</a:t>
-            </a:r>
-            <a:r>
-              <a:rPr lang="en-US" dirty="0" err="1"/>
-              <a:t>usize</a:t>
-            </a:r>
-            <a:r>
-              <a:rPr lang="en-US" dirty="0"/>
-              <a:t>&gt;</a:t>
-            </a:r>
-          </a:p>
-          <a:p>
-            <a:pPr lvl="1"/>
-            <a:r>
-              <a:rPr lang="en-US" dirty="0" err="1"/>
-              <a:t>fn</a:t>
-            </a:r>
-            <a:r>
-              <a:rPr lang="en-US" dirty="0"/>
-              <a:t> </a:t>
-            </a:r>
-            <a:r>
-              <a:rPr lang="en-US" dirty="0" err="1"/>
-              <a:t>write_all</a:t>
-            </a:r>
-            <a:r>
-              <a:rPr lang="en-US" dirty="0"/>
-              <a:t>(&amp;mut self, </a:t>
-            </a:r>
-            <a:r>
-              <a:rPr lang="en-US" dirty="0" err="1"/>
-              <a:t>buf</a:t>
-            </a:r>
-            <a:r>
-              <a:rPr lang="en-US" dirty="0"/>
-              <a:t>: &amp;[u8]) -&gt; Result&lt;</a:t>
-            </a:r>
-            <a:r>
-              <a:rPr lang="en-US" dirty="0" err="1"/>
-              <a:t>usize</a:t>
-            </a:r>
-            <a:r>
-              <a:rPr lang="en-US" dirty="0"/>
-              <a:t>&gt;</a:t>
-            </a:r>
-          </a:p>
-          <a:p>
-            <a:pPr lvl="1"/>
-            <a:r>
-              <a:rPr lang="en-US" dirty="0" err="1"/>
-              <a:t>fn</a:t>
-            </a:r>
-            <a:r>
-              <a:rPr lang="en-US" dirty="0"/>
-              <a:t> flush(&amp;mut self) -&gt; Result&lt;()&gt;</a:t>
-            </a:r>
-          </a:p>
-          <a:p>
-            <a:pPr lvl="1"/>
-            <a:r>
-              <a:rPr lang="en-US" dirty="0"/>
-              <a:t>Many more here: </a:t>
-            </a:r>
-            <a:r>
-              <a:rPr lang="en-US" sz="2000" dirty="0">
-                <a:hlinkClick r:id="rId3"/>
-              </a:rPr>
-              <a:t>https://doc.rust-lang.org/1.4.0/std/io/struct.Stdout.html</a:t>
-            </a:r>
-            <a:r>
-              <a:rPr lang="en-US" dirty="0"/>
-              <a:t> </a:t>
+              <a:t>e:E</a:t>
+            </a:r>
+            <a:r>
+              <a:rPr lang="en-US" dirty="0"/>
+              <a:t>).</a:t>
+            </a:r>
+          </a:p>
+          <a:p>
+            <a:r>
+              <a:rPr lang="en-US" dirty="0"/>
+              <a:t>Otherwise, the ? operator unwraps the result, t:T and binds to t.</a:t>
             </a:r>
           </a:p>
         </p:txBody>
@@ -5903,7 +5934,7 @@
           <p:cNvPr id="4" name="Slide Number Placeholder 3">
             <a:extLst>
               <a:ext uri="{FF2B5EF4-FFF2-40B4-BE49-F238E27FC236}">
-                <a16:creationId xmlns:a16="http://schemas.microsoft.com/office/drawing/2014/main" id="{DF5A3F0E-6556-4823-957F-1C835B8E3856}"/>
+                <a16:creationId xmlns:a16="http://schemas.microsoft.com/office/drawing/2014/main" id="{E5FD93AF-D53C-4A39-85BA-909357FD3EBC}"/>
               </a:ext>
             </a:extLst>
           </p:cNvPr>
@@ -5931,7 +5962,7 @@
     </p:spTree>
     <p:extLst>
       <p:ext uri="{BB962C8B-B14F-4D97-AF65-F5344CB8AC3E}">
-        <p14:creationId xmlns:p14="http://schemas.microsoft.com/office/powerpoint/2010/main" val="1865835139"/>
+        <p14:creationId xmlns:p14="http://schemas.microsoft.com/office/powerpoint/2010/main" val="3298732808"/>
       </p:ext>
     </p:extLst>
   </p:cSld>
@@ -5963,7 +5994,7 @@
           <p:cNvPr id="2" name="Title 1">
             <a:extLst>
               <a:ext uri="{FF2B5EF4-FFF2-40B4-BE49-F238E27FC236}">
-                <a16:creationId xmlns:a16="http://schemas.microsoft.com/office/drawing/2014/main" id="{82BD9E61-D072-4BA2-9F17-3648C760C7C1}"/>
+                <a16:creationId xmlns:a16="http://schemas.microsoft.com/office/drawing/2014/main" id="{23F188F6-2313-4FC4-8183-EB77AFECF5F2}"/>
               </a:ext>
             </a:extLst>
           </p:cNvPr>
@@ -5974,32 +6005,168 @@
             <p:ph type="title"/>
           </p:nvPr>
         </p:nvSpPr>
-        <p:spPr/>
-        <p:txBody>
-          <a:bodyPr/>
-          <a:lstStyle/>
-          <a:p>
-            <a:r>
-              <a:rPr lang="en-US" dirty="0"/>
-              <a:t>Console I/O – std::</a:t>
+        <p:spPr>
+          <a:xfrm>
+            <a:off x="838200" y="365126"/>
+            <a:ext cx="10515600" cy="577195"/>
+          </a:xfrm>
+        </p:spPr>
+        <p:txBody>
+          <a:bodyPr/>
+          <a:lstStyle/>
+          <a:p>
+            <a:r>
+              <a:rPr lang="en-US" dirty="0"/>
+              <a:t>Bubbling Errors up the Call Chain</a:t>
+            </a:r>
+          </a:p>
+        </p:txBody>
+      </p:sp>
+      <p:pic>
+        <p:nvPicPr>
+          <p:cNvPr id="4" name="Content Placeholder 3">
+            <a:extLst>
+              <a:ext uri="{FF2B5EF4-FFF2-40B4-BE49-F238E27FC236}">
+                <a16:creationId xmlns:a16="http://schemas.microsoft.com/office/drawing/2014/main" id="{DBDD7079-4A42-43F7-83F0-3B04BBA3102E}"/>
+              </a:ext>
+            </a:extLst>
+          </p:cNvPr>
+          <p:cNvPicPr>
+            <a:picLocks noGrp="1" noChangeAspect="1"/>
+          </p:cNvPicPr>
+          <p:nvPr>
+            <p:ph idx="1"/>
+          </p:nvPr>
+        </p:nvPicPr>
+        <p:blipFill>
+          <a:blip r:embed="rId2"/>
+          <a:stretch>
+            <a:fillRect/>
+          </a:stretch>
+        </p:blipFill>
+        <p:spPr>
+          <a:xfrm>
+            <a:off x="838199" y="3560852"/>
+            <a:ext cx="7314248" cy="2138011"/>
+          </a:xfrm>
+          <a:prstGeom prst="rect">
+            <a:avLst/>
+          </a:prstGeom>
+        </p:spPr>
+      </p:pic>
+      <p:sp>
+        <p:nvSpPr>
+          <p:cNvPr id="5" name="TextBox 4">
+            <a:extLst>
+              <a:ext uri="{FF2B5EF4-FFF2-40B4-BE49-F238E27FC236}">
+                <a16:creationId xmlns:a16="http://schemas.microsoft.com/office/drawing/2014/main" id="{EBC2A0D5-A498-421F-8F3E-8A5196171D37}"/>
+              </a:ext>
+            </a:extLst>
+          </p:cNvPr>
+          <p:cNvSpPr txBox="1"/>
+          <p:nvPr/>
+        </p:nvSpPr>
+        <p:spPr>
+          <a:xfrm>
+            <a:off x="5084670" y="4594957"/>
+            <a:ext cx="6135554" cy="1661993"/>
+          </a:xfrm>
+          <a:prstGeom prst="rect">
+            <a:avLst/>
+          </a:prstGeom>
+          <a:solidFill>
+            <a:schemeClr val="bg2"/>
+          </a:solidFill>
+          <a:ln w="12700">
+            <a:solidFill>
+              <a:schemeClr val="tx1"/>
+            </a:solidFill>
+          </a:ln>
+        </p:spPr>
+        <p:txBody>
+          <a:bodyPr wrap="square" rtlCol="0">
+            <a:spAutoFit/>
+          </a:bodyPr>
+          <a:lstStyle/>
+          <a:p>
+            <a:r>
+              <a:rPr lang="en-US" dirty="0"/>
+              <a:t>f&lt;T&gt;() -&gt; Result&lt;T, E&gt;</a:t>
+            </a:r>
+          </a:p>
+          <a:p>
+            <a:endParaRPr lang="en-US" sz="900" dirty="0"/>
+          </a:p>
+          <a:p>
+            <a:r>
+              <a:rPr lang="en-US" dirty="0"/>
+              <a:t>    if Result&lt;T, E&gt; contains Ok(</a:t>
             </a:r>
             <a:r>
               <a:rPr lang="en-US" dirty="0" err="1"/>
-              <a:t>io</a:t>
-            </a:r>
-            <a:r>
-              <a:rPr lang="en-US" dirty="0"/>
-              <a:t>::stdin()</a:t>
-            </a:r>
-          </a:p>
-        </p:txBody>
-      </p:sp>
-      <p:sp>
-        <p:nvSpPr>
-          <p:cNvPr id="6" name="Slide Number Placeholder 5">
-            <a:extLst>
-              <a:ext uri="{FF2B5EF4-FFF2-40B4-BE49-F238E27FC236}">
-                <a16:creationId xmlns:a16="http://schemas.microsoft.com/office/drawing/2014/main" id="{7ADEC78C-CCAF-4AAB-9625-FCFA5911941D}"/>
+              <a:t>t:T</a:t>
+            </a:r>
+            <a:r>
+              <a:rPr lang="en-US" dirty="0"/>
+              <a:t>) after evaluating f()</a:t>
+            </a:r>
+          </a:p>
+          <a:p>
+            <a:r>
+              <a:rPr lang="en-US" dirty="0"/>
+              <a:t>        then f()? Evaluates as t = f().unwrap();</a:t>
+            </a:r>
+          </a:p>
+          <a:p>
+            <a:r>
+              <a:rPr lang="en-US" dirty="0"/>
+              <a:t>    if Result&lt;T, E&gt; contains Err(error)</a:t>
+            </a:r>
+          </a:p>
+          <a:p>
+            <a:r>
+              <a:rPr lang="en-US" dirty="0"/>
+              <a:t>        then f()? Returns Result&lt;T, E&gt; to caller</a:t>
+            </a:r>
+          </a:p>
+        </p:txBody>
+      </p:sp>
+      <p:pic>
+        <p:nvPicPr>
+          <p:cNvPr id="6" name="Picture 5">
+            <a:extLst>
+              <a:ext uri="{FF2B5EF4-FFF2-40B4-BE49-F238E27FC236}">
+                <a16:creationId xmlns:a16="http://schemas.microsoft.com/office/drawing/2014/main" id="{45255F2A-EAE9-429B-83DF-A80736843F6D}"/>
+              </a:ext>
+            </a:extLst>
+          </p:cNvPr>
+          <p:cNvPicPr>
+            <a:picLocks noChangeAspect="1"/>
+          </p:cNvPicPr>
+          <p:nvPr/>
+        </p:nvPicPr>
+        <p:blipFill>
+          <a:blip r:embed="rId3"/>
+          <a:stretch>
+            <a:fillRect/>
+          </a:stretch>
+        </p:blipFill>
+        <p:spPr>
+          <a:xfrm>
+            <a:off x="838199" y="1134371"/>
+            <a:ext cx="7328511" cy="2330129"/>
+          </a:xfrm>
+          <a:prstGeom prst="rect">
+            <a:avLst/>
+          </a:prstGeom>
+        </p:spPr>
+      </p:pic>
+      <p:sp>
+        <p:nvSpPr>
+          <p:cNvPr id="7" name="Slide Number Placeholder 6">
+            <a:extLst>
+              <a:ext uri="{FF2B5EF4-FFF2-40B4-BE49-F238E27FC236}">
+                <a16:creationId xmlns:a16="http://schemas.microsoft.com/office/drawing/2014/main" id="{206CA943-83CD-4B79-BD3E-39A8CA0DBBB4}"/>
               </a:ext>
             </a:extLst>
           </p:cNvPr>
@@ -6019,6 +6186,760 @@
               <a:rPr lang="en-US" smtClean="0"/>
               <a:pPr/>
               <a:t>19</a:t>
+            </a:fld>
+            <a:endParaRPr lang="en-US" dirty="0"/>
+          </a:p>
+        </p:txBody>
+      </p:sp>
+    </p:spTree>
+    <p:extLst>
+      <p:ext uri="{BB962C8B-B14F-4D97-AF65-F5344CB8AC3E}">
+        <p14:creationId xmlns:p14="http://schemas.microsoft.com/office/powerpoint/2010/main" val="2502966753"/>
+      </p:ext>
+    </p:extLst>
+  </p:cSld>
+  <p:clrMapOvr>
+    <a:masterClrMapping/>
+  </p:clrMapOvr>
+</p:sld>
+</file>
+
+<file path=ppt/slides/slide2.xml><?xml version="1.0" encoding="utf-8"?>
+<p:sld xmlns:a="http://schemas.openxmlformats.org/drawingml/2006/main" xmlns:r="http://schemas.openxmlformats.org/officeDocument/2006/relationships" xmlns:p="http://schemas.openxmlformats.org/presentationml/2006/main">
+  <p:cSld>
+    <p:spTree>
+      <p:nvGrpSpPr>
+        <p:cNvPr id="1" name=""/>
+        <p:cNvGrpSpPr/>
+        <p:nvPr/>
+      </p:nvGrpSpPr>
+      <p:grpSpPr>
+        <a:xfrm>
+          <a:off x="0" y="0"/>
+          <a:ext cx="0" cy="0"/>
+          <a:chOff x="0" y="0"/>
+          <a:chExt cx="0" cy="0"/>
+        </a:xfrm>
+      </p:grpSpPr>
+      <p:sp>
+        <p:nvSpPr>
+          <p:cNvPr id="2" name="Title 1">
+            <a:extLst>
+              <a:ext uri="{FF2B5EF4-FFF2-40B4-BE49-F238E27FC236}">
+                <a16:creationId xmlns:a16="http://schemas.microsoft.com/office/drawing/2014/main" id="{A629DA2D-58CD-4991-A079-2116C14CCF10}"/>
+              </a:ext>
+            </a:extLst>
+          </p:cNvPr>
+          <p:cNvSpPr>
+            <a:spLocks noGrp="1"/>
+          </p:cNvSpPr>
+          <p:nvPr>
+            <p:ph type="title"/>
+          </p:nvPr>
+        </p:nvSpPr>
+        <p:spPr/>
+        <p:txBody>
+          <a:bodyPr/>
+          <a:lstStyle/>
+          <a:p>
+            <a:r>
+              <a:rPr lang="en-US" dirty="0"/>
+              <a:t>What is Rust?</a:t>
+            </a:r>
+          </a:p>
+        </p:txBody>
+      </p:sp>
+      <p:sp>
+        <p:nvSpPr>
+          <p:cNvPr id="3" name="Content Placeholder 2">
+            <a:extLst>
+              <a:ext uri="{FF2B5EF4-FFF2-40B4-BE49-F238E27FC236}">
+                <a16:creationId xmlns:a16="http://schemas.microsoft.com/office/drawing/2014/main" id="{2C38A6B2-47A6-412E-87DD-6AE3B6BA0B77}"/>
+              </a:ext>
+            </a:extLst>
+          </p:cNvPr>
+          <p:cNvSpPr>
+            <a:spLocks noGrp="1"/>
+          </p:cNvSpPr>
+          <p:nvPr>
+            <p:ph idx="1"/>
+          </p:nvPr>
+        </p:nvSpPr>
+        <p:spPr/>
+        <p:txBody>
+          <a:bodyPr/>
+          <a:lstStyle/>
+          <a:p>
+            <a:r>
+              <a:rPr lang="en-US" dirty="0"/>
+              <a:t>A modern programming language that emphasizes:</a:t>
+            </a:r>
+          </a:p>
+          <a:p>
+            <a:pPr lvl="1"/>
+            <a:r>
+              <a:rPr lang="en-US" dirty="0"/>
+              <a:t>Compiler verified freedom from undefined behavior.</a:t>
+            </a:r>
+          </a:p>
+          <a:p>
+            <a:pPr lvl="1"/>
+            <a:r>
+              <a:rPr lang="en-US" dirty="0"/>
+              <a:t>Support for writing data race free code in multi-threaded environments.</a:t>
+            </a:r>
+          </a:p>
+          <a:p>
+            <a:pPr lvl="1"/>
+            <a:r>
+              <a:rPr lang="en-US" dirty="0"/>
+              <a:t>Performance comparable to C and C++.</a:t>
+            </a:r>
+          </a:p>
+          <a:p>
+            <a:r>
+              <a:rPr lang="en-US" dirty="0"/>
+              <a:t>Rust builds on experience with C and C++ to provide a system programming language that:</a:t>
+            </a:r>
+          </a:p>
+          <a:p>
+            <a:pPr lvl="1"/>
+            <a:r>
+              <a:rPr lang="en-US" dirty="0"/>
+              <a:t>Closes vulnerabilities by construction.</a:t>
+            </a:r>
+          </a:p>
+          <a:p>
+            <a:pPr lvl="1"/>
+            <a:r>
+              <a:rPr lang="en-US" dirty="0"/>
+              <a:t>Does not pay run-time performance penalty for safety.</a:t>
+            </a:r>
+          </a:p>
+          <a:p>
+            <a:pPr lvl="1"/>
+            <a:r>
+              <a:rPr lang="en-US" dirty="0"/>
+              <a:t>Enables abstractions needed to build large maintainable code bases.</a:t>
+            </a:r>
+          </a:p>
+          <a:p>
+            <a:r>
+              <a:rPr lang="en-US" dirty="0"/>
+              <a:t>Rust compiles to native code and provides clever mechanisms to ensure freedom from dangling references and resource leaks.</a:t>
+            </a:r>
+          </a:p>
+        </p:txBody>
+      </p:sp>
+      <p:sp>
+        <p:nvSpPr>
+          <p:cNvPr id="4" name="Slide Number Placeholder 3">
+            <a:extLst>
+              <a:ext uri="{FF2B5EF4-FFF2-40B4-BE49-F238E27FC236}">
+                <a16:creationId xmlns:a16="http://schemas.microsoft.com/office/drawing/2014/main" id="{ECB23A28-404D-4BCD-BCA1-22BDA3F6828C}"/>
+              </a:ext>
+            </a:extLst>
+          </p:cNvPr>
+          <p:cNvSpPr>
+            <a:spLocks noGrp="1"/>
+          </p:cNvSpPr>
+          <p:nvPr>
+            <p:ph type="sldNum" sz="quarter" idx="12"/>
+          </p:nvPr>
+        </p:nvSpPr>
+        <p:spPr/>
+        <p:txBody>
+          <a:bodyPr/>
+          <a:lstStyle/>
+          <a:p>
+            <a:fld id="{8175FE88-E4F7-4173-9B75-CBBABDFA1364}" type="slidenum">
+              <a:rPr lang="en-US" smtClean="0"/>
+              <a:pPr/>
+              <a:t>2</a:t>
+            </a:fld>
+            <a:endParaRPr lang="en-US" dirty="0"/>
+          </a:p>
+        </p:txBody>
+      </p:sp>
+    </p:spTree>
+    <p:extLst>
+      <p:ext uri="{BB962C8B-B14F-4D97-AF65-F5344CB8AC3E}">
+        <p14:creationId xmlns:p14="http://schemas.microsoft.com/office/powerpoint/2010/main" val="4112521176"/>
+      </p:ext>
+    </p:extLst>
+  </p:cSld>
+  <p:clrMapOvr>
+    <a:masterClrMapping/>
+  </p:clrMapOvr>
+</p:sld>
+</file>
+
+<file path=ppt/slides/slide20.xml><?xml version="1.0" encoding="utf-8"?>
+<p:sld xmlns:a="http://schemas.openxmlformats.org/drawingml/2006/main" xmlns:r="http://schemas.openxmlformats.org/officeDocument/2006/relationships" xmlns:p="http://schemas.openxmlformats.org/presentationml/2006/main">
+  <p:cSld>
+    <p:spTree>
+      <p:nvGrpSpPr>
+        <p:cNvPr id="1" name=""/>
+        <p:cNvGrpSpPr/>
+        <p:nvPr/>
+      </p:nvGrpSpPr>
+      <p:grpSpPr>
+        <a:xfrm>
+          <a:off x="0" y="0"/>
+          <a:ext cx="0" cy="0"/>
+          <a:chOff x="0" y="0"/>
+          <a:chExt cx="0" cy="0"/>
+        </a:xfrm>
+      </p:grpSpPr>
+      <p:sp>
+        <p:nvSpPr>
+          <p:cNvPr id="2" name="Title 1">
+            <a:extLst>
+              <a:ext uri="{FF2B5EF4-FFF2-40B4-BE49-F238E27FC236}">
+                <a16:creationId xmlns:a16="http://schemas.microsoft.com/office/drawing/2014/main" id="{91CDBF4F-A11D-4843-BBCE-A7A8678BF34C}"/>
+              </a:ext>
+            </a:extLst>
+          </p:cNvPr>
+          <p:cNvSpPr>
+            <a:spLocks noGrp="1"/>
+          </p:cNvSpPr>
+          <p:nvPr>
+            <p:ph type="title"/>
+          </p:nvPr>
+        </p:nvSpPr>
+        <p:spPr/>
+        <p:txBody>
+          <a:bodyPr/>
+          <a:lstStyle/>
+          <a:p>
+            <a:r>
+              <a:rPr lang="en-US" dirty="0"/>
+              <a:t>Examples of Common Error Handling</a:t>
+            </a:r>
+          </a:p>
+        </p:txBody>
+      </p:sp>
+      <p:sp>
+        <p:nvSpPr>
+          <p:cNvPr id="3" name="Content Placeholder 2">
+            <a:extLst>
+              <a:ext uri="{FF2B5EF4-FFF2-40B4-BE49-F238E27FC236}">
+                <a16:creationId xmlns:a16="http://schemas.microsoft.com/office/drawing/2014/main" id="{05E4E5C2-8F5E-4FF9-8814-FB7B7B980601}"/>
+              </a:ext>
+            </a:extLst>
+          </p:cNvPr>
+          <p:cNvSpPr>
+            <a:spLocks noGrp="1"/>
+          </p:cNvSpPr>
+          <p:nvPr>
+            <p:ph idx="1"/>
+          </p:nvPr>
+        </p:nvSpPr>
+        <p:spPr/>
+        <p:txBody>
+          <a:bodyPr/>
+          <a:lstStyle/>
+          <a:p>
+            <a:r>
+              <a:rPr lang="en-US" dirty="0"/>
+              <a:t>Console I/O</a:t>
+            </a:r>
+          </a:p>
+          <a:p>
+            <a:r>
+              <a:rPr lang="en-US" dirty="0"/>
+              <a:t>File I/O</a:t>
+            </a:r>
+          </a:p>
+          <a:p>
+            <a:r>
+              <a:rPr lang="en-US" dirty="0"/>
+              <a:t>TCP communication processing</a:t>
+            </a:r>
+          </a:p>
+          <a:p>
+            <a:r>
+              <a:rPr lang="en-US" dirty="0"/>
+              <a:t>Inter-process communication with pipes</a:t>
+            </a:r>
+            <a:br>
+              <a:rPr lang="en-US" dirty="0"/>
+            </a:br>
+            <a:endParaRPr lang="en-US" dirty="0"/>
+          </a:p>
+          <a:p>
+            <a:r>
+              <a:rPr lang="en-US" dirty="0"/>
+              <a:t>We will briefly discuss the first two in this presentation</a:t>
+            </a:r>
+          </a:p>
+          <a:p>
+            <a:endParaRPr lang="en-US" dirty="0"/>
+          </a:p>
+        </p:txBody>
+      </p:sp>
+      <p:sp>
+        <p:nvSpPr>
+          <p:cNvPr id="4" name="Slide Number Placeholder 3">
+            <a:extLst>
+              <a:ext uri="{FF2B5EF4-FFF2-40B4-BE49-F238E27FC236}">
+                <a16:creationId xmlns:a16="http://schemas.microsoft.com/office/drawing/2014/main" id="{E60F8757-5141-4B51-AEA2-165E7DF50F3F}"/>
+              </a:ext>
+            </a:extLst>
+          </p:cNvPr>
+          <p:cNvSpPr>
+            <a:spLocks noGrp="1"/>
+          </p:cNvSpPr>
+          <p:nvPr>
+            <p:ph type="sldNum" sz="quarter" idx="12"/>
+          </p:nvPr>
+        </p:nvSpPr>
+        <p:spPr/>
+        <p:txBody>
+          <a:bodyPr/>
+          <a:lstStyle/>
+          <a:p>
+            <a:fld id="{8175FE88-E4F7-4173-9B75-CBBABDFA1364}" type="slidenum">
+              <a:rPr lang="en-US" smtClean="0"/>
+              <a:pPr/>
+              <a:t>20</a:t>
+            </a:fld>
+            <a:endParaRPr lang="en-US" dirty="0"/>
+          </a:p>
+        </p:txBody>
+      </p:sp>
+    </p:spTree>
+    <p:extLst>
+      <p:ext uri="{BB962C8B-B14F-4D97-AF65-F5344CB8AC3E}">
+        <p14:creationId xmlns:p14="http://schemas.microsoft.com/office/powerpoint/2010/main" val="874616210"/>
+      </p:ext>
+    </p:extLst>
+  </p:cSld>
+  <p:clrMapOvr>
+    <a:masterClrMapping/>
+  </p:clrMapOvr>
+</p:sld>
+</file>
+
+<file path=ppt/slides/slide21.xml><?xml version="1.0" encoding="utf-8"?>
+<p:sld xmlns:a="http://schemas.openxmlformats.org/drawingml/2006/main" xmlns:r="http://schemas.openxmlformats.org/officeDocument/2006/relationships" xmlns:p="http://schemas.openxmlformats.org/presentationml/2006/main">
+  <p:cSld>
+    <p:spTree>
+      <p:nvGrpSpPr>
+        <p:cNvPr id="1" name=""/>
+        <p:cNvGrpSpPr/>
+        <p:nvPr/>
+      </p:nvGrpSpPr>
+      <p:grpSpPr>
+        <a:xfrm>
+          <a:off x="0" y="0"/>
+          <a:ext cx="0" cy="0"/>
+          <a:chOff x="0" y="0"/>
+          <a:chExt cx="0" cy="0"/>
+        </a:xfrm>
+      </p:grpSpPr>
+      <p:sp>
+        <p:nvSpPr>
+          <p:cNvPr id="2" name="Title 1">
+            <a:extLst>
+              <a:ext uri="{FF2B5EF4-FFF2-40B4-BE49-F238E27FC236}">
+                <a16:creationId xmlns:a16="http://schemas.microsoft.com/office/drawing/2014/main" id="{2274C202-EFEA-48FA-B063-97E04E7579AF}"/>
+              </a:ext>
+            </a:extLst>
+          </p:cNvPr>
+          <p:cNvSpPr>
+            <a:spLocks noGrp="1"/>
+          </p:cNvSpPr>
+          <p:nvPr>
+            <p:ph type="title"/>
+          </p:nvPr>
+        </p:nvSpPr>
+        <p:spPr/>
+        <p:txBody>
+          <a:bodyPr/>
+          <a:lstStyle/>
+          <a:p>
+            <a:r>
+              <a:rPr lang="en-US" dirty="0"/>
+              <a:t>Console I/O</a:t>
+            </a:r>
+          </a:p>
+        </p:txBody>
+      </p:sp>
+      <p:sp>
+        <p:nvSpPr>
+          <p:cNvPr id="3" name="Content Placeholder 2">
+            <a:extLst>
+              <a:ext uri="{FF2B5EF4-FFF2-40B4-BE49-F238E27FC236}">
+                <a16:creationId xmlns:a16="http://schemas.microsoft.com/office/drawing/2014/main" id="{D2970094-2CB0-4448-A788-90EADC3110EC}"/>
+              </a:ext>
+            </a:extLst>
+          </p:cNvPr>
+          <p:cNvSpPr>
+            <a:spLocks noGrp="1"/>
+          </p:cNvSpPr>
+          <p:nvPr>
+            <p:ph idx="1"/>
+          </p:nvPr>
+        </p:nvSpPr>
+        <p:spPr/>
+        <p:txBody>
+          <a:bodyPr/>
+          <a:lstStyle/>
+          <a:p>
+            <a:r>
+              <a:rPr lang="en-US" dirty="0"/>
+              <a:t>std::</a:t>
+            </a:r>
+            <a:r>
+              <a:rPr lang="en-US" dirty="0" err="1"/>
+              <a:t>io</a:t>
+            </a:r>
+            <a:r>
+              <a:rPr lang="en-US" dirty="0"/>
+              <a:t>::stdin() -&gt; Stdin</a:t>
+            </a:r>
+          </a:p>
+          <a:p>
+            <a:r>
+              <a:rPr lang="en-US" dirty="0"/>
+              <a:t>Stdin functions:</a:t>
+            </a:r>
+          </a:p>
+          <a:p>
+            <a:pPr lvl="1"/>
+            <a:r>
+              <a:rPr lang="en-US" dirty="0" err="1"/>
+              <a:t>fn</a:t>
+            </a:r>
+            <a:r>
+              <a:rPr lang="en-US" dirty="0"/>
+              <a:t> </a:t>
+            </a:r>
+            <a:r>
+              <a:rPr lang="en-US" dirty="0" err="1"/>
+              <a:t>read_line</a:t>
+            </a:r>
+            <a:r>
+              <a:rPr lang="en-US" dirty="0"/>
+              <a:t>(&amp;self, </a:t>
+            </a:r>
+            <a:r>
+              <a:rPr lang="en-US" dirty="0" err="1"/>
+              <a:t>buf</a:t>
+            </a:r>
+            <a:r>
+              <a:rPr lang="en-US" dirty="0"/>
+              <a:t>:&amp;mut String) -&gt; Result&lt;</a:t>
+            </a:r>
+            <a:r>
+              <a:rPr lang="en-US" dirty="0" err="1"/>
+              <a:t>usize</a:t>
+            </a:r>
+            <a:r>
+              <a:rPr lang="en-US" dirty="0"/>
+              <a:t>&gt;</a:t>
+            </a:r>
+          </a:p>
+          <a:p>
+            <a:pPr lvl="1"/>
+            <a:r>
+              <a:rPr lang="en-US" dirty="0" err="1"/>
+              <a:t>fn</a:t>
+            </a:r>
+            <a:r>
+              <a:rPr lang="en-US" dirty="0"/>
+              <a:t> </a:t>
+            </a:r>
+            <a:r>
+              <a:rPr lang="en-US" dirty="0" err="1"/>
+              <a:t>read_to_string</a:t>
+            </a:r>
+            <a:r>
+              <a:rPr lang="en-US" dirty="0"/>
+              <a:t>(&amp;mut self, </a:t>
+            </a:r>
+            <a:r>
+              <a:rPr lang="en-US" dirty="0" err="1"/>
+              <a:t>buf</a:t>
+            </a:r>
+            <a:r>
+              <a:rPr lang="en-US" dirty="0"/>
+              <a:t>:&amp;mut String) -&gt; Result&lt;</a:t>
+            </a:r>
+            <a:r>
+              <a:rPr lang="en-US" dirty="0" err="1"/>
+              <a:t>usize</a:t>
+            </a:r>
+            <a:r>
+              <a:rPr lang="en-US" dirty="0"/>
+              <a:t>&gt;</a:t>
+            </a:r>
+          </a:p>
+          <a:p>
+            <a:pPr lvl="1"/>
+            <a:r>
+              <a:rPr lang="en-US" dirty="0"/>
+              <a:t>Many more here: </a:t>
+            </a:r>
+            <a:r>
+              <a:rPr lang="en-US" sz="2000" dirty="0">
+                <a:hlinkClick r:id="rId2"/>
+              </a:rPr>
+              <a:t>https://doc.rust-lang.org/1.4.0/std/io/struct.Stdin.html</a:t>
+            </a:r>
+            <a:endParaRPr lang="en-US" dirty="0"/>
+          </a:p>
+          <a:p>
+            <a:r>
+              <a:rPr lang="en-US" dirty="0"/>
+              <a:t>std::</a:t>
+            </a:r>
+            <a:r>
+              <a:rPr lang="en-US" dirty="0" err="1"/>
+              <a:t>io</a:t>
+            </a:r>
+            <a:r>
+              <a:rPr lang="en-US" dirty="0"/>
+              <a:t>::</a:t>
+            </a:r>
+            <a:r>
+              <a:rPr lang="en-US" dirty="0" err="1"/>
+              <a:t>stdout</a:t>
+            </a:r>
+            <a:r>
+              <a:rPr lang="en-US" dirty="0"/>
+              <a:t>() -&gt; </a:t>
+            </a:r>
+            <a:r>
+              <a:rPr lang="en-US" dirty="0" err="1"/>
+              <a:t>Stdout</a:t>
+            </a:r>
+            <a:endParaRPr lang="en-US" dirty="0"/>
+          </a:p>
+          <a:p>
+            <a:r>
+              <a:rPr lang="en-US" dirty="0" err="1"/>
+              <a:t>Stdout</a:t>
+            </a:r>
+            <a:r>
+              <a:rPr lang="en-US" dirty="0"/>
+              <a:t> functions</a:t>
+            </a:r>
+          </a:p>
+          <a:p>
+            <a:pPr lvl="1"/>
+            <a:r>
+              <a:rPr lang="en-US" dirty="0" err="1"/>
+              <a:t>fn</a:t>
+            </a:r>
+            <a:r>
+              <a:rPr lang="en-US" dirty="0"/>
+              <a:t> write(&amp;mut self, </a:t>
+            </a:r>
+            <a:r>
+              <a:rPr lang="en-US" dirty="0" err="1"/>
+              <a:t>buf</a:t>
+            </a:r>
+            <a:r>
+              <a:rPr lang="en-US" dirty="0"/>
+              <a:t>: &amp;[u8]) -&gt; Result&lt;</a:t>
+            </a:r>
+            <a:r>
+              <a:rPr lang="en-US" dirty="0" err="1"/>
+              <a:t>usize</a:t>
+            </a:r>
+            <a:r>
+              <a:rPr lang="en-US" dirty="0"/>
+              <a:t>&gt;</a:t>
+            </a:r>
+          </a:p>
+          <a:p>
+            <a:pPr lvl="1"/>
+            <a:r>
+              <a:rPr lang="en-US" dirty="0" err="1"/>
+              <a:t>fn</a:t>
+            </a:r>
+            <a:r>
+              <a:rPr lang="en-US" dirty="0"/>
+              <a:t> </a:t>
+            </a:r>
+            <a:r>
+              <a:rPr lang="en-US" dirty="0" err="1"/>
+              <a:t>write_all</a:t>
+            </a:r>
+            <a:r>
+              <a:rPr lang="en-US" dirty="0"/>
+              <a:t>(&amp;mut self, </a:t>
+            </a:r>
+            <a:r>
+              <a:rPr lang="en-US" dirty="0" err="1"/>
+              <a:t>buf</a:t>
+            </a:r>
+            <a:r>
+              <a:rPr lang="en-US" dirty="0"/>
+              <a:t>: &amp;[u8]) -&gt; Result&lt;</a:t>
+            </a:r>
+            <a:r>
+              <a:rPr lang="en-US" dirty="0" err="1"/>
+              <a:t>usize</a:t>
+            </a:r>
+            <a:r>
+              <a:rPr lang="en-US" dirty="0"/>
+              <a:t>&gt;</a:t>
+            </a:r>
+          </a:p>
+          <a:p>
+            <a:pPr lvl="1"/>
+            <a:r>
+              <a:rPr lang="en-US" dirty="0" err="1"/>
+              <a:t>fn</a:t>
+            </a:r>
+            <a:r>
+              <a:rPr lang="en-US" dirty="0"/>
+              <a:t> flush(&amp;mut self) -&gt; Result&lt;()&gt;</a:t>
+            </a:r>
+          </a:p>
+          <a:p>
+            <a:pPr lvl="1"/>
+            <a:r>
+              <a:rPr lang="en-US" dirty="0"/>
+              <a:t>Many more here: </a:t>
+            </a:r>
+            <a:r>
+              <a:rPr lang="en-US" sz="2000" dirty="0">
+                <a:hlinkClick r:id="rId3"/>
+              </a:rPr>
+              <a:t>https://doc.rust-lang.org/1.4.0/std/io/struct.Stdout.html</a:t>
+            </a:r>
+            <a:r>
+              <a:rPr lang="en-US" dirty="0"/>
+              <a:t> </a:t>
+            </a:r>
+          </a:p>
+        </p:txBody>
+      </p:sp>
+      <p:sp>
+        <p:nvSpPr>
+          <p:cNvPr id="4" name="Slide Number Placeholder 3">
+            <a:extLst>
+              <a:ext uri="{FF2B5EF4-FFF2-40B4-BE49-F238E27FC236}">
+                <a16:creationId xmlns:a16="http://schemas.microsoft.com/office/drawing/2014/main" id="{DF5A3F0E-6556-4823-957F-1C835B8E3856}"/>
+              </a:ext>
+            </a:extLst>
+          </p:cNvPr>
+          <p:cNvSpPr>
+            <a:spLocks noGrp="1"/>
+          </p:cNvSpPr>
+          <p:nvPr>
+            <p:ph type="sldNum" sz="quarter" idx="12"/>
+          </p:nvPr>
+        </p:nvSpPr>
+        <p:spPr/>
+        <p:txBody>
+          <a:bodyPr/>
+          <a:lstStyle/>
+          <a:p>
+            <a:fld id="{8175FE88-E4F7-4173-9B75-CBBABDFA1364}" type="slidenum">
+              <a:rPr lang="en-US" smtClean="0"/>
+              <a:pPr/>
+              <a:t>21</a:t>
+            </a:fld>
+            <a:endParaRPr lang="en-US" dirty="0"/>
+          </a:p>
+        </p:txBody>
+      </p:sp>
+    </p:spTree>
+    <p:extLst>
+      <p:ext uri="{BB962C8B-B14F-4D97-AF65-F5344CB8AC3E}">
+        <p14:creationId xmlns:p14="http://schemas.microsoft.com/office/powerpoint/2010/main" val="1865835139"/>
+      </p:ext>
+    </p:extLst>
+  </p:cSld>
+  <p:clrMapOvr>
+    <a:masterClrMapping/>
+  </p:clrMapOvr>
+</p:sld>
+</file>
+
+<file path=ppt/slides/slide22.xml><?xml version="1.0" encoding="utf-8"?>
+<p:sld xmlns:a="http://schemas.openxmlformats.org/drawingml/2006/main" xmlns:r="http://schemas.openxmlformats.org/officeDocument/2006/relationships" xmlns:p="http://schemas.openxmlformats.org/presentationml/2006/main">
+  <p:cSld>
+    <p:spTree>
+      <p:nvGrpSpPr>
+        <p:cNvPr id="1" name=""/>
+        <p:cNvGrpSpPr/>
+        <p:nvPr/>
+      </p:nvGrpSpPr>
+      <p:grpSpPr>
+        <a:xfrm>
+          <a:off x="0" y="0"/>
+          <a:ext cx="0" cy="0"/>
+          <a:chOff x="0" y="0"/>
+          <a:chExt cx="0" cy="0"/>
+        </a:xfrm>
+      </p:grpSpPr>
+      <p:sp>
+        <p:nvSpPr>
+          <p:cNvPr id="2" name="Title 1">
+            <a:extLst>
+              <a:ext uri="{FF2B5EF4-FFF2-40B4-BE49-F238E27FC236}">
+                <a16:creationId xmlns:a16="http://schemas.microsoft.com/office/drawing/2014/main" id="{82BD9E61-D072-4BA2-9F17-3648C760C7C1}"/>
+              </a:ext>
+            </a:extLst>
+          </p:cNvPr>
+          <p:cNvSpPr>
+            <a:spLocks noGrp="1"/>
+          </p:cNvSpPr>
+          <p:nvPr>
+            <p:ph type="title"/>
+          </p:nvPr>
+        </p:nvSpPr>
+        <p:spPr/>
+        <p:txBody>
+          <a:bodyPr/>
+          <a:lstStyle/>
+          <a:p>
+            <a:r>
+              <a:rPr lang="en-US" dirty="0"/>
+              <a:t>Console I/O – std::</a:t>
+            </a:r>
+            <a:r>
+              <a:rPr lang="en-US" dirty="0" err="1"/>
+              <a:t>io</a:t>
+            </a:r>
+            <a:r>
+              <a:rPr lang="en-US" dirty="0"/>
+              <a:t>::stdin()</a:t>
+            </a:r>
+          </a:p>
+        </p:txBody>
+      </p:sp>
+      <p:sp>
+        <p:nvSpPr>
+          <p:cNvPr id="6" name="Slide Number Placeholder 5">
+            <a:extLst>
+              <a:ext uri="{FF2B5EF4-FFF2-40B4-BE49-F238E27FC236}">
+                <a16:creationId xmlns:a16="http://schemas.microsoft.com/office/drawing/2014/main" id="{7ADEC78C-CCAF-4AAB-9625-FCFA5911941D}"/>
+              </a:ext>
+            </a:extLst>
+          </p:cNvPr>
+          <p:cNvSpPr>
+            <a:spLocks noGrp="1"/>
+          </p:cNvSpPr>
+          <p:nvPr>
+            <p:ph type="sldNum" sz="quarter" idx="12"/>
+          </p:nvPr>
+        </p:nvSpPr>
+        <p:spPr/>
+        <p:txBody>
+          <a:bodyPr/>
+          <a:lstStyle/>
+          <a:p>
+            <a:fld id="{8175FE88-E4F7-4173-9B75-CBBABDFA1364}" type="slidenum">
+              <a:rPr lang="en-US" smtClean="0"/>
+              <a:pPr/>
+              <a:t>22</a:t>
             </a:fld>
             <a:endParaRPr lang="en-US" dirty="0"/>
           </a:p>
@@ -6069,254 +6990,7 @@
 </p:sld>
 </file>
 
-<file path=ppt/slides/slide2.xml><?xml version="1.0" encoding="utf-8"?>
-<p:sld xmlns:a="http://schemas.openxmlformats.org/drawingml/2006/main" xmlns:r="http://schemas.openxmlformats.org/officeDocument/2006/relationships" xmlns:p="http://schemas.openxmlformats.org/presentationml/2006/main">
-  <p:cSld>
-    <p:spTree>
-      <p:nvGrpSpPr>
-        <p:cNvPr id="1" name=""/>
-        <p:cNvGrpSpPr/>
-        <p:nvPr/>
-      </p:nvGrpSpPr>
-      <p:grpSpPr>
-        <a:xfrm>
-          <a:off x="0" y="0"/>
-          <a:ext cx="0" cy="0"/>
-          <a:chOff x="0" y="0"/>
-          <a:chExt cx="0" cy="0"/>
-        </a:xfrm>
-      </p:grpSpPr>
-      <p:sp>
-        <p:nvSpPr>
-          <p:cNvPr id="2" name="Title 1">
-            <a:extLst>
-              <a:ext uri="{FF2B5EF4-FFF2-40B4-BE49-F238E27FC236}">
-                <a16:creationId xmlns:a16="http://schemas.microsoft.com/office/drawing/2014/main" id="{2F88555E-A4E9-4A94-856A-6B30CCF01D7C}"/>
-              </a:ext>
-            </a:extLst>
-          </p:cNvPr>
-          <p:cNvSpPr>
-            <a:spLocks noGrp="1"/>
-          </p:cNvSpPr>
-          <p:nvPr>
-            <p:ph type="title"/>
-          </p:nvPr>
-        </p:nvSpPr>
-        <p:spPr/>
-        <p:txBody>
-          <a:bodyPr/>
-          <a:lstStyle/>
-          <a:p>
-            <a:r>
-              <a:rPr lang="en-US" dirty="0"/>
-              <a:t>What’s Unique about Rust Error Handling?</a:t>
-            </a:r>
-          </a:p>
-        </p:txBody>
-      </p:sp>
-      <p:sp>
-        <p:nvSpPr>
-          <p:cNvPr id="3" name="Content Placeholder 2">
-            <a:extLst>
-              <a:ext uri="{FF2B5EF4-FFF2-40B4-BE49-F238E27FC236}">
-                <a16:creationId xmlns:a16="http://schemas.microsoft.com/office/drawing/2014/main" id="{8C3ED3E8-3EE6-47C8-8EB7-40C987123C72}"/>
-              </a:ext>
-            </a:extLst>
-          </p:cNvPr>
-          <p:cNvSpPr>
-            <a:spLocks noGrp="1"/>
-          </p:cNvSpPr>
-          <p:nvPr>
-            <p:ph idx="1"/>
-          </p:nvPr>
-        </p:nvSpPr>
-        <p:spPr/>
-        <p:txBody>
-          <a:bodyPr/>
-          <a:lstStyle/>
-          <a:p>
-            <a:r>
-              <a:rPr lang="en-US" dirty="0"/>
-              <a:t>Rust encourages developers to handle every case were errors may occur.</a:t>
-            </a:r>
-            <a:br>
-              <a:rPr lang="en-US" dirty="0"/>
-            </a:br>
-            <a:br>
-              <a:rPr lang="en-US" dirty="0"/>
-            </a:br>
-            <a:endParaRPr lang="en-US" dirty="0"/>
-          </a:p>
-          <a:p>
-            <a:pPr lvl="1"/>
-            <a:endParaRPr lang="en-US" dirty="0"/>
-          </a:p>
-          <a:p>
-            <a:r>
-              <a:rPr lang="en-US" dirty="0"/>
-              <a:t>You have to opt out if you don’t need </a:t>
-            </a:r>
-            <a:r>
-              <a:rPr lang="en-US"/>
-              <a:t>to handle </a:t>
-            </a:r>
-            <a:r>
-              <a:rPr lang="en-US" dirty="0"/>
-              <a:t>an error case.</a:t>
-            </a:r>
-            <a:br>
-              <a:rPr lang="en-US" dirty="0"/>
-            </a:br>
-            <a:br>
-              <a:rPr lang="en-US" dirty="0"/>
-            </a:br>
-            <a:br>
-              <a:rPr lang="en-US" dirty="0"/>
-            </a:br>
-            <a:endParaRPr lang="en-US" dirty="0"/>
-          </a:p>
-          <a:p>
-            <a:r>
-              <a:rPr lang="en-US" dirty="0"/>
-              <a:t>Rust has support for bubbling errors up the call chain, creating new custom errors, and returning errors from main.</a:t>
-            </a:r>
-          </a:p>
-        </p:txBody>
-      </p:sp>
-      <p:sp>
-        <p:nvSpPr>
-          <p:cNvPr id="4" name="Slide Number Placeholder 3">
-            <a:extLst>
-              <a:ext uri="{FF2B5EF4-FFF2-40B4-BE49-F238E27FC236}">
-                <a16:creationId xmlns:a16="http://schemas.microsoft.com/office/drawing/2014/main" id="{C5429775-1492-4195-A830-430A3B19EF7F}"/>
-              </a:ext>
-            </a:extLst>
-          </p:cNvPr>
-          <p:cNvSpPr>
-            <a:spLocks noGrp="1"/>
-          </p:cNvSpPr>
-          <p:nvPr>
-            <p:ph type="sldNum" sz="quarter" idx="12"/>
-          </p:nvPr>
-        </p:nvSpPr>
-        <p:spPr/>
-        <p:txBody>
-          <a:bodyPr/>
-          <a:lstStyle/>
-          <a:p>
-            <a:fld id="{8175FE88-E4F7-4173-9B75-CBBABDFA1364}" type="slidenum">
-              <a:rPr lang="en-US" smtClean="0"/>
-              <a:pPr/>
-              <a:t>2</a:t>
-            </a:fld>
-            <a:endParaRPr lang="en-US" dirty="0"/>
-          </a:p>
-        </p:txBody>
-      </p:sp>
-      <p:pic>
-        <p:nvPicPr>
-          <p:cNvPr id="5" name="Picture 4">
-            <a:extLst>
-              <a:ext uri="{FF2B5EF4-FFF2-40B4-BE49-F238E27FC236}">
-                <a16:creationId xmlns:a16="http://schemas.microsoft.com/office/drawing/2014/main" id="{F891DB18-1F8C-472E-8A26-B98E4CDA3EAC}"/>
-              </a:ext>
-            </a:extLst>
-          </p:cNvPr>
-          <p:cNvPicPr>
-            <a:picLocks noChangeAspect="1"/>
-          </p:cNvPicPr>
-          <p:nvPr/>
-        </p:nvPicPr>
-        <p:blipFill>
-          <a:blip r:embed="rId2"/>
-          <a:stretch>
-            <a:fillRect/>
-          </a:stretch>
-        </p:blipFill>
-        <p:spPr>
-          <a:xfrm>
-            <a:off x="1172668" y="2198894"/>
-            <a:ext cx="4690663" cy="822133"/>
-          </a:xfrm>
-          <a:prstGeom prst="rect">
-            <a:avLst/>
-          </a:prstGeom>
-        </p:spPr>
-      </p:pic>
-      <p:pic>
-        <p:nvPicPr>
-          <p:cNvPr id="6" name="Picture 5">
-            <a:extLst>
-              <a:ext uri="{FF2B5EF4-FFF2-40B4-BE49-F238E27FC236}">
-                <a16:creationId xmlns:a16="http://schemas.microsoft.com/office/drawing/2014/main" id="{B9750A43-E8AC-41A0-9B02-A25A69B4A41F}"/>
-              </a:ext>
-            </a:extLst>
-          </p:cNvPr>
-          <p:cNvPicPr>
-            <a:picLocks noChangeAspect="1"/>
-          </p:cNvPicPr>
-          <p:nvPr/>
-        </p:nvPicPr>
-        <p:blipFill>
-          <a:blip r:embed="rId3"/>
-          <a:stretch>
-            <a:fillRect/>
-          </a:stretch>
-        </p:blipFill>
-        <p:spPr>
-          <a:xfrm>
-            <a:off x="6169879" y="1804198"/>
-            <a:ext cx="5091731" cy="1568964"/>
-          </a:xfrm>
-          <a:prstGeom prst="rect">
-            <a:avLst/>
-          </a:prstGeom>
-        </p:spPr>
-      </p:pic>
-      <p:pic>
-        <p:nvPicPr>
-          <p:cNvPr id="7" name="Picture 6">
-            <a:extLst>
-              <a:ext uri="{FF2B5EF4-FFF2-40B4-BE49-F238E27FC236}">
-                <a16:creationId xmlns:a16="http://schemas.microsoft.com/office/drawing/2014/main" id="{932565C8-A3EF-4BFC-8C3D-4265E057A59B}"/>
-              </a:ext>
-            </a:extLst>
-          </p:cNvPr>
-          <p:cNvPicPr>
-            <a:picLocks noChangeAspect="1"/>
-          </p:cNvPicPr>
-          <p:nvPr/>
-        </p:nvPicPr>
-        <p:blipFill>
-          <a:blip r:embed="rId4"/>
-          <a:stretch>
-            <a:fillRect/>
-          </a:stretch>
-        </p:blipFill>
-        <p:spPr>
-          <a:xfrm>
-            <a:off x="1242358" y="3860480"/>
-            <a:ext cx="4597654" cy="872064"/>
-          </a:xfrm>
-          <a:prstGeom prst="rect">
-            <a:avLst/>
-          </a:prstGeom>
-        </p:spPr>
-      </p:pic>
-    </p:spTree>
-    <p:extLst>
-      <p:ext uri="{BB962C8B-B14F-4D97-AF65-F5344CB8AC3E}">
-        <p14:creationId xmlns:p14="http://schemas.microsoft.com/office/powerpoint/2010/main" val="923917198"/>
-      </p:ext>
-    </p:extLst>
-  </p:cSld>
-  <p:clrMapOvr>
-    <a:masterClrMapping/>
-  </p:clrMapOvr>
-</p:sld>
-</file>
-
-<file path=ppt/slides/slide20.xml><?xml version="1.0" encoding="utf-8"?>
+<file path=ppt/slides/slide23.xml><?xml version="1.0" encoding="utf-8"?>
 <p:sld xmlns:a="http://schemas.openxmlformats.org/drawingml/2006/main" xmlns:r="http://schemas.openxmlformats.org/officeDocument/2006/relationships" xmlns:p="http://schemas.openxmlformats.org/presentationml/2006/main">
   <p:cSld>
     <p:spTree>
@@ -6598,7 +7272,7 @@
             <a:fld id="{8175FE88-E4F7-4173-9B75-CBBABDFA1364}" type="slidenum">
               <a:rPr lang="en-US" smtClean="0"/>
               <a:pPr/>
-              <a:t>20</a:t>
+              <a:t>23</a:t>
             </a:fld>
             <a:endParaRPr lang="en-US" dirty="0"/>
           </a:p>
@@ -6617,7 +7291,7 @@
 </p:sld>
 </file>
 
-<file path=ppt/slides/slide21.xml><?xml version="1.0" encoding="utf-8"?>
+<file path=ppt/slides/slide24.xml><?xml version="1.0" encoding="utf-8"?>
 <p:sld xmlns:a="http://schemas.openxmlformats.org/drawingml/2006/main" xmlns:r="http://schemas.openxmlformats.org/officeDocument/2006/relationships" xmlns:p="http://schemas.openxmlformats.org/presentationml/2006/main">
   <p:cSld>
     <p:spTree>
@@ -6797,7 +7471,7 @@
             <a:fld id="{8175FE88-E4F7-4173-9B75-CBBABDFA1364}" type="slidenum">
               <a:rPr lang="en-US" smtClean="0"/>
               <a:pPr/>
-              <a:t>21</a:t>
+              <a:t>24</a:t>
             </a:fld>
             <a:endParaRPr lang="en-US" dirty="0"/>
           </a:p>
@@ -6848,7 +7522,7 @@
 </p:sld>
 </file>
 
-<file path=ppt/slides/slide22.xml><?xml version="1.0" encoding="utf-8"?>
+<file path=ppt/slides/slide25.xml><?xml version="1.0" encoding="utf-8"?>
 <p:sld xmlns:a="http://schemas.openxmlformats.org/drawingml/2006/main" xmlns:r="http://schemas.openxmlformats.org/officeDocument/2006/relationships" xmlns:p="http://schemas.openxmlformats.org/presentationml/2006/main">
   <p:cSld>
     <p:spTree>
@@ -7031,7 +7705,7 @@
             <a:fld id="{8175FE88-E4F7-4173-9B75-CBBABDFA1364}" type="slidenum">
               <a:rPr lang="en-US" smtClean="0"/>
               <a:pPr/>
-              <a:t>22</a:t>
+              <a:t>25</a:t>
             </a:fld>
             <a:endParaRPr lang="en-US" dirty="0"/>
           </a:p>
@@ -7050,7 +7724,7 @@
 </p:sld>
 </file>
 
-<file path=ppt/slides/slide23.xml><?xml version="1.0" encoding="utf-8"?>
+<file path=ppt/slides/slide26.xml><?xml version="1.0" encoding="utf-8"?>
 <p:sld xmlns:a="http://schemas.openxmlformats.org/drawingml/2006/main" xmlns:r="http://schemas.openxmlformats.org/officeDocument/2006/relationships" xmlns:p="http://schemas.openxmlformats.org/presentationml/2006/main">
   <p:cSld>
     <p:spTree>
@@ -7119,7 +7793,7 @@
             <a:fld id="{8175FE88-E4F7-4173-9B75-CBBABDFA1364}" type="slidenum">
               <a:rPr lang="en-US" smtClean="0"/>
               <a:pPr/>
-              <a:t>23</a:t>
+              <a:t>26</a:t>
             </a:fld>
             <a:endParaRPr lang="en-US" dirty="0"/>
           </a:p>
@@ -7253,7 +7927,7 @@
 </p:sld>
 </file>
 
-<file path=ppt/slides/slide24.xml><?xml version="1.0" encoding="utf-8"?>
+<file path=ppt/slides/slide27.xml><?xml version="1.0" encoding="utf-8"?>
 <p:sld xmlns:a="http://schemas.openxmlformats.org/drawingml/2006/main" xmlns:r="http://schemas.openxmlformats.org/officeDocument/2006/relationships" xmlns:p="http://schemas.openxmlformats.org/presentationml/2006/main">
   <p:cSld>
     <p:spTree>
@@ -7322,7 +7996,7 @@
             <a:fld id="{8175FE88-E4F7-4173-9B75-CBBABDFA1364}" type="slidenum">
               <a:rPr lang="en-US" smtClean="0"/>
               <a:pPr/>
-              <a:t>24</a:t>
+              <a:t>27</a:t>
             </a:fld>
             <a:endParaRPr lang="en-US" dirty="0"/>
           </a:p>
@@ -7434,7 +8108,7 @@
 </p:sld>
 </file>
 
-<file path=ppt/slides/slide25.xml><?xml version="1.0" encoding="utf-8"?>
+<file path=ppt/slides/slide28.xml><?xml version="1.0" encoding="utf-8"?>
 <p:sld xmlns:a="http://schemas.openxmlformats.org/drawingml/2006/main" xmlns:r="http://schemas.openxmlformats.org/officeDocument/2006/relationships" xmlns:p="http://schemas.openxmlformats.org/presentationml/2006/main">
   <p:cSld>
     <p:spTree>
@@ -7619,7 +8293,7 @@
             <a:fld id="{8175FE88-E4F7-4173-9B75-CBBABDFA1364}" type="slidenum">
               <a:rPr lang="en-US" smtClean="0"/>
               <a:pPr/>
-              <a:t>25</a:t>
+              <a:t>28</a:t>
             </a:fld>
             <a:endParaRPr lang="en-US" dirty="0"/>
           </a:p>
@@ -7638,7 +8312,7 @@
 </p:sld>
 </file>
 
-<file path=ppt/slides/slide26.xml><?xml version="1.0" encoding="utf-8"?>
+<file path=ppt/slides/slide29.xml><?xml version="1.0" encoding="utf-8"?>
 <p:sld xmlns:a="http://schemas.openxmlformats.org/drawingml/2006/main" xmlns:r="http://schemas.openxmlformats.org/officeDocument/2006/relationships" xmlns:p="http://schemas.openxmlformats.org/presentationml/2006/main">
   <p:cSld>
     <p:spTree>
@@ -7979,7 +8653,7 @@
             <a:fld id="{8175FE88-E4F7-4173-9B75-CBBABDFA1364}" type="slidenum">
               <a:rPr lang="en-US" smtClean="0"/>
               <a:pPr/>
-              <a:t>26</a:t>
+              <a:t>29</a:t>
             </a:fld>
             <a:endParaRPr lang="en-US" dirty="0"/>
           </a:p>
@@ -7989,122 +8663,6 @@
     <p:extLst>
       <p:ext uri="{BB962C8B-B14F-4D97-AF65-F5344CB8AC3E}">
         <p14:creationId xmlns:p14="http://schemas.microsoft.com/office/powerpoint/2010/main" val="2264044961"/>
-      </p:ext>
-    </p:extLst>
-  </p:cSld>
-  <p:clrMapOvr>
-    <a:masterClrMapping/>
-  </p:clrMapOvr>
-</p:sld>
-</file>
-
-<file path=ppt/slides/slide27.xml><?xml version="1.0" encoding="utf-8"?>
-<p:sld xmlns:a="http://schemas.openxmlformats.org/drawingml/2006/main" xmlns:r="http://schemas.openxmlformats.org/officeDocument/2006/relationships" xmlns:p="http://schemas.openxmlformats.org/presentationml/2006/main">
-  <p:cSld>
-    <p:spTree>
-      <p:nvGrpSpPr>
-        <p:cNvPr id="1" name=""/>
-        <p:cNvGrpSpPr/>
-        <p:nvPr/>
-      </p:nvGrpSpPr>
-      <p:grpSpPr>
-        <a:xfrm>
-          <a:off x="0" y="0"/>
-          <a:ext cx="0" cy="0"/>
-          <a:chOff x="0" y="0"/>
-          <a:chExt cx="0" cy="0"/>
-        </a:xfrm>
-      </p:grpSpPr>
-      <p:sp>
-        <p:nvSpPr>
-          <p:cNvPr id="5" name="Title 4">
-            <a:extLst>
-              <a:ext uri="{FF2B5EF4-FFF2-40B4-BE49-F238E27FC236}">
-                <a16:creationId xmlns:a16="http://schemas.microsoft.com/office/drawing/2014/main" id="{0CE7A733-0885-40E9-BA27-4B367E0EF99B}"/>
-              </a:ext>
-            </a:extLst>
-          </p:cNvPr>
-          <p:cNvSpPr>
-            <a:spLocks noGrp="1"/>
-          </p:cNvSpPr>
-          <p:nvPr>
-            <p:ph type="ctrTitle"/>
-          </p:nvPr>
-        </p:nvSpPr>
-        <p:spPr/>
-        <p:txBody>
-          <a:bodyPr/>
-          <a:lstStyle/>
-          <a:p>
-            <a:r>
-              <a:rPr lang="en-US" dirty="0"/>
-              <a:t>That’s all Folks!</a:t>
-            </a:r>
-          </a:p>
-        </p:txBody>
-      </p:sp>
-      <p:sp>
-        <p:nvSpPr>
-          <p:cNvPr id="6" name="Subtitle 5">
-            <a:extLst>
-              <a:ext uri="{FF2B5EF4-FFF2-40B4-BE49-F238E27FC236}">
-                <a16:creationId xmlns:a16="http://schemas.microsoft.com/office/drawing/2014/main" id="{CF259CD9-E00F-469D-AC0B-4A94CD564CC8}"/>
-              </a:ext>
-            </a:extLst>
-          </p:cNvPr>
-          <p:cNvSpPr>
-            <a:spLocks noGrp="1"/>
-          </p:cNvSpPr>
-          <p:nvPr>
-            <p:ph type="subTitle" idx="1"/>
-          </p:nvPr>
-        </p:nvSpPr>
-        <p:spPr/>
-        <p:txBody>
-          <a:bodyPr/>
-          <a:lstStyle/>
-          <a:p>
-            <a:r>
-              <a:rPr lang="en-US" dirty="0"/>
-              <a:t>Thanks for listening/reading</a:t>
-            </a:r>
-          </a:p>
-        </p:txBody>
-      </p:sp>
-      <p:sp>
-        <p:nvSpPr>
-          <p:cNvPr id="4" name="Slide Number Placeholder 3">
-            <a:extLst>
-              <a:ext uri="{FF2B5EF4-FFF2-40B4-BE49-F238E27FC236}">
-                <a16:creationId xmlns:a16="http://schemas.microsoft.com/office/drawing/2014/main" id="{BF888768-54BB-4140-8D85-EB2F0F969671}"/>
-              </a:ext>
-            </a:extLst>
-          </p:cNvPr>
-          <p:cNvSpPr>
-            <a:spLocks noGrp="1"/>
-          </p:cNvSpPr>
-          <p:nvPr>
-            <p:ph type="sldNum" sz="quarter" idx="12"/>
-          </p:nvPr>
-        </p:nvSpPr>
-        <p:spPr/>
-        <p:txBody>
-          <a:bodyPr/>
-          <a:lstStyle/>
-          <a:p>
-            <a:fld id="{8175FE88-E4F7-4173-9B75-CBBABDFA1364}" type="slidenum">
-              <a:rPr lang="en-US" smtClean="0"/>
-              <a:pPr/>
-              <a:t>27</a:t>
-            </a:fld>
-            <a:endParaRPr lang="en-US" dirty="0"/>
-          </a:p>
-        </p:txBody>
-      </p:sp>
-    </p:spTree>
-    <p:extLst>
-      <p:ext uri="{BB962C8B-B14F-4D97-AF65-F5344CB8AC3E}">
-        <p14:creationId xmlns:p14="http://schemas.microsoft.com/office/powerpoint/2010/main" val="4267426086"/>
       </p:ext>
     </p:extLst>
   </p:cSld>
@@ -8136,7 +8694,7 @@
           <p:cNvPr id="2" name="Title 1">
             <a:extLst>
               <a:ext uri="{FF2B5EF4-FFF2-40B4-BE49-F238E27FC236}">
-                <a16:creationId xmlns:a16="http://schemas.microsoft.com/office/drawing/2014/main" id="{97287BCE-B2D5-471E-97ED-3AA745E70664}"/>
+                <a16:creationId xmlns:a16="http://schemas.microsoft.com/office/drawing/2014/main" id="{9B5F9F07-7779-4CD9-A232-7FC06BA302DD}"/>
               </a:ext>
             </a:extLst>
           </p:cNvPr>
@@ -8147,14 +8705,19 @@
             <p:ph type="title"/>
           </p:nvPr>
         </p:nvSpPr>
-        <p:spPr/>
-        <p:txBody>
-          <a:bodyPr/>
-          <a:lstStyle/>
-          <a:p>
-            <a:r>
-              <a:rPr lang="en-US" dirty="0"/>
-              <a:t>Errors</a:t>
+        <p:spPr>
+          <a:xfrm>
+            <a:off x="838200" y="365126"/>
+            <a:ext cx="10515600" cy="521565"/>
+          </a:xfrm>
+        </p:spPr>
+        <p:txBody>
+          <a:bodyPr/>
+          <a:lstStyle/>
+          <a:p>
+            <a:r>
+              <a:rPr lang="en-US" dirty="0"/>
+              <a:t>Safe and Productive System Programming</a:t>
             </a:r>
           </a:p>
         </p:txBody>
@@ -8164,7 +8727,7 @@
           <p:cNvPr id="3" name="Content Placeholder 2">
             <a:extLst>
               <a:ext uri="{FF2B5EF4-FFF2-40B4-BE49-F238E27FC236}">
-                <a16:creationId xmlns:a16="http://schemas.microsoft.com/office/drawing/2014/main" id="{9CD306C5-2AC8-44DE-B23D-35F9B69D6E94}"/>
+                <a16:creationId xmlns:a16="http://schemas.microsoft.com/office/drawing/2014/main" id="{EA2EBCE2-225C-4398-8532-AA20B112BE2C}"/>
               </a:ext>
             </a:extLst>
           </p:cNvPr>
@@ -8175,70 +8738,138 @@
             <p:ph idx="1"/>
           </p:nvPr>
         </p:nvSpPr>
-        <p:spPr/>
-        <p:txBody>
-          <a:bodyPr/>
-          <a:lstStyle/>
-          <a:p>
-            <a:r>
-              <a:rPr lang="en-US" dirty="0"/>
-              <a:t>Indexing out of bounds</a:t>
-            </a:r>
-          </a:p>
-          <a:p>
-            <a:r>
-              <a:rPr lang="en-US" dirty="0"/>
-              <a:t>Divide by zero</a:t>
-            </a:r>
-          </a:p>
-          <a:p>
-            <a:r>
-              <a:rPr lang="en-US" dirty="0"/>
-              <a:t>Integer overflow</a:t>
-            </a:r>
-          </a:p>
-          <a:p>
-            <a:r>
-              <a:rPr lang="en-US" dirty="0"/>
-              <a:t>Console and file I/O failures to open or read/write</a:t>
-            </a:r>
-          </a:p>
-          <a:p>
-            <a:r>
-              <a:rPr lang="en-US" dirty="0"/>
-              <a:t>Initializing String from non-utf8 byte array</a:t>
-            </a:r>
-          </a:p>
-          <a:p>
-            <a:r>
-              <a:rPr lang="en-US" dirty="0"/>
-              <a:t>System and User-defined errors</a:t>
+        <p:spPr>
+          <a:xfrm>
+            <a:off x="838200" y="1108364"/>
+            <a:ext cx="10515600" cy="5068599"/>
+          </a:xfrm>
+        </p:spPr>
+        <p:txBody>
+          <a:bodyPr/>
+          <a:lstStyle/>
+          <a:p>
+            <a:r>
+              <a:rPr lang="en-US" dirty="0"/>
+              <a:t>Rust incorporates a number of interesting ideas that support system programming:</a:t>
             </a:r>
           </a:p>
           <a:p>
             <a:pPr lvl="1"/>
             <a:r>
               <a:rPr lang="en-US" dirty="0"/>
-              <a:t>Users supply unexpected or malicious inputs</a:t>
+              <a:t>Compiler-checked </a:t>
+            </a:r>
+            <a:r>
+              <a:rPr lang="en-US" b="1" dirty="0"/>
+              <a:t>single ownership </a:t>
+            </a:r>
+            <a:r>
+              <a:rPr lang="en-US" dirty="0"/>
+              <a:t>policy with transfer and borrowing operations.</a:t>
             </a:r>
           </a:p>
           <a:p>
             <a:pPr lvl="1"/>
             <a:r>
               <a:rPr lang="en-US" dirty="0"/>
-              <a:t>Server not available</a:t>
+              <a:t> Heap storage only through </a:t>
+            </a:r>
+            <a:r>
+              <a:rPr lang="en-US" b="1" dirty="0"/>
+              <a:t>smart pointers </a:t>
+            </a:r>
+            <a:r>
+              <a:rPr lang="en-US" dirty="0"/>
+              <a:t>that use scope-based data management, so no resource leaks.</a:t>
             </a:r>
           </a:p>
           <a:p>
             <a:pPr lvl="1"/>
             <a:r>
-              <a:rPr lang="en-US" dirty="0"/>
-              <a:t>Unexpected content format</a:t>
+              <a:rPr lang="en-US" b="1" dirty="0"/>
+              <a:t>Traits</a:t>
+            </a:r>
+            <a:r>
+              <a:rPr lang="en-US" dirty="0"/>
+              <a:t> that define contracts for static and dynamic polymorphism, using generics and traits, essential for building flexible code that adapts to changing requirements.</a:t>
             </a:r>
           </a:p>
           <a:p>
             <a:pPr lvl="1"/>
-            <a:endParaRPr lang="en-US" dirty="0"/>
+            <a:r>
+              <a:rPr lang="en-US" dirty="0"/>
+              <a:t>Error handling: functions return </a:t>
+            </a:r>
+            <a:r>
+              <a:rPr lang="en-US" sz="2000" b="1" dirty="0"/>
+              <a:t>Result&lt;T, E&gt; { Ok(</a:t>
+            </a:r>
+            <a:r>
+              <a:rPr lang="en-US" sz="2000" b="1" dirty="0" err="1"/>
+              <a:t>t:T</a:t>
+            </a:r>
+            <a:r>
+              <a:rPr lang="en-US" sz="2000" b="1" dirty="0"/>
+              <a:t>), Err(</a:t>
+            </a:r>
+            <a:r>
+              <a:rPr lang="en-US" sz="2000" b="1" dirty="0" err="1"/>
+              <a:t>e:E</a:t>
+            </a:r>
+            <a:r>
+              <a:rPr lang="en-US" sz="2000" b="1" dirty="0"/>
+              <a:t>) } </a:t>
+            </a:r>
+            <a:r>
+              <a:rPr lang="en-US" dirty="0"/>
+              <a:t>enumerations.</a:t>
+            </a:r>
+          </a:p>
+          <a:p>
+            <a:pPr lvl="1"/>
+            <a:r>
+              <a:rPr lang="en-US" b="1" dirty="0"/>
+              <a:t>Dependency management </a:t>
+            </a:r>
+            <a:r>
+              <a:rPr lang="en-US" dirty="0"/>
+              <a:t>through metadata supported transitive builds.</a:t>
+            </a:r>
+          </a:p>
+          <a:p>
+            <a:pPr lvl="1"/>
+            <a:r>
+              <a:rPr lang="en-US" b="1" dirty="0"/>
+              <a:t>Effective tools </a:t>
+            </a:r>
+            <a:r>
+              <a:rPr lang="en-US" dirty="0"/>
+              <a:t>for building (cargo), checking code quality (</a:t>
+            </a:r>
+            <a:r>
+              <a:rPr lang="en-US" dirty="0" err="1"/>
+              <a:t>clippy</a:t>
+            </a:r>
+            <a:r>
+              <a:rPr lang="en-US" dirty="0"/>
+              <a:t>), formatting (</a:t>
+            </a:r>
+            <a:r>
+              <a:rPr lang="en-US" dirty="0" err="1"/>
+              <a:t>rustfmt</a:t>
+            </a:r>
+            <a:r>
+              <a:rPr lang="en-US" dirty="0"/>
+              <a:t>), and documentation (</a:t>
+            </a:r>
+            <a:r>
+              <a:rPr lang="en-US" dirty="0" err="1"/>
+              <a:t>rustdoc</a:t>
+            </a:r>
+            <a:r>
+              <a:rPr lang="en-US" dirty="0"/>
+              <a:t>). </a:t>
+            </a:r>
           </a:p>
         </p:txBody>
       </p:sp>
@@ -8247,7 +8878,7 @@
           <p:cNvPr id="4" name="Slide Number Placeholder 3">
             <a:extLst>
               <a:ext uri="{FF2B5EF4-FFF2-40B4-BE49-F238E27FC236}">
-                <a16:creationId xmlns:a16="http://schemas.microsoft.com/office/drawing/2014/main" id="{6CB9122A-AF03-47D0-8CB6-83CA55CE9B6F}"/>
+                <a16:creationId xmlns:a16="http://schemas.microsoft.com/office/drawing/2014/main" id="{042D4419-8AAC-4D82-AB7C-D74E3B08234E}"/>
               </a:ext>
             </a:extLst>
           </p:cNvPr>
@@ -8275,7 +8906,123 @@
     </p:spTree>
     <p:extLst>
       <p:ext uri="{BB962C8B-B14F-4D97-AF65-F5344CB8AC3E}">
-        <p14:creationId xmlns:p14="http://schemas.microsoft.com/office/powerpoint/2010/main" val="2214153214"/>
+        <p14:creationId xmlns:p14="http://schemas.microsoft.com/office/powerpoint/2010/main" val="3957059842"/>
+      </p:ext>
+    </p:extLst>
+  </p:cSld>
+  <p:clrMapOvr>
+    <a:masterClrMapping/>
+  </p:clrMapOvr>
+</p:sld>
+</file>
+
+<file path=ppt/slides/slide30.xml><?xml version="1.0" encoding="utf-8"?>
+<p:sld xmlns:a="http://schemas.openxmlformats.org/drawingml/2006/main" xmlns:r="http://schemas.openxmlformats.org/officeDocument/2006/relationships" xmlns:p="http://schemas.openxmlformats.org/presentationml/2006/main">
+  <p:cSld>
+    <p:spTree>
+      <p:nvGrpSpPr>
+        <p:cNvPr id="1" name=""/>
+        <p:cNvGrpSpPr/>
+        <p:nvPr/>
+      </p:nvGrpSpPr>
+      <p:grpSpPr>
+        <a:xfrm>
+          <a:off x="0" y="0"/>
+          <a:ext cx="0" cy="0"/>
+          <a:chOff x="0" y="0"/>
+          <a:chExt cx="0" cy="0"/>
+        </a:xfrm>
+      </p:grpSpPr>
+      <p:sp>
+        <p:nvSpPr>
+          <p:cNvPr id="5" name="Title 4">
+            <a:extLst>
+              <a:ext uri="{FF2B5EF4-FFF2-40B4-BE49-F238E27FC236}">
+                <a16:creationId xmlns:a16="http://schemas.microsoft.com/office/drawing/2014/main" id="{0CE7A733-0885-40E9-BA27-4B367E0EF99B}"/>
+              </a:ext>
+            </a:extLst>
+          </p:cNvPr>
+          <p:cNvSpPr>
+            <a:spLocks noGrp="1"/>
+          </p:cNvSpPr>
+          <p:nvPr>
+            <p:ph type="ctrTitle"/>
+          </p:nvPr>
+        </p:nvSpPr>
+        <p:spPr/>
+        <p:txBody>
+          <a:bodyPr/>
+          <a:lstStyle/>
+          <a:p>
+            <a:r>
+              <a:rPr lang="en-US" dirty="0"/>
+              <a:t>That’s all Folks!</a:t>
+            </a:r>
+          </a:p>
+        </p:txBody>
+      </p:sp>
+      <p:sp>
+        <p:nvSpPr>
+          <p:cNvPr id="6" name="Subtitle 5">
+            <a:extLst>
+              <a:ext uri="{FF2B5EF4-FFF2-40B4-BE49-F238E27FC236}">
+                <a16:creationId xmlns:a16="http://schemas.microsoft.com/office/drawing/2014/main" id="{CF259CD9-E00F-469D-AC0B-4A94CD564CC8}"/>
+              </a:ext>
+            </a:extLst>
+          </p:cNvPr>
+          <p:cNvSpPr>
+            <a:spLocks noGrp="1"/>
+          </p:cNvSpPr>
+          <p:nvPr>
+            <p:ph type="subTitle" idx="1"/>
+          </p:nvPr>
+        </p:nvSpPr>
+        <p:spPr/>
+        <p:txBody>
+          <a:bodyPr/>
+          <a:lstStyle/>
+          <a:p>
+            <a:r>
+              <a:rPr lang="en-US" dirty="0"/>
+              <a:t>Thanks for listening/reading</a:t>
+            </a:r>
+          </a:p>
+        </p:txBody>
+      </p:sp>
+      <p:sp>
+        <p:nvSpPr>
+          <p:cNvPr id="4" name="Slide Number Placeholder 3">
+            <a:extLst>
+              <a:ext uri="{FF2B5EF4-FFF2-40B4-BE49-F238E27FC236}">
+                <a16:creationId xmlns:a16="http://schemas.microsoft.com/office/drawing/2014/main" id="{BF888768-54BB-4140-8D85-EB2F0F969671}"/>
+              </a:ext>
+            </a:extLst>
+          </p:cNvPr>
+          <p:cNvSpPr>
+            <a:spLocks noGrp="1"/>
+          </p:cNvSpPr>
+          <p:nvPr>
+            <p:ph type="sldNum" sz="quarter" idx="12"/>
+          </p:nvPr>
+        </p:nvSpPr>
+        <p:spPr/>
+        <p:txBody>
+          <a:bodyPr/>
+          <a:lstStyle/>
+          <a:p>
+            <a:fld id="{8175FE88-E4F7-4173-9B75-CBBABDFA1364}" type="slidenum">
+              <a:rPr lang="en-US" smtClean="0"/>
+              <a:pPr/>
+              <a:t>30</a:t>
+            </a:fld>
+            <a:endParaRPr lang="en-US" dirty="0"/>
+          </a:p>
+        </p:txBody>
+      </p:sp>
+    </p:spTree>
+    <p:extLst>
+      <p:ext uri="{BB962C8B-B14F-4D97-AF65-F5344CB8AC3E}">
+        <p14:creationId xmlns:p14="http://schemas.microsoft.com/office/powerpoint/2010/main" val="4267426086"/>
       </p:ext>
     </p:extLst>
   </p:cSld>
@@ -8307,7 +9054,7 @@
           <p:cNvPr id="2" name="Title 1">
             <a:extLst>
               <a:ext uri="{FF2B5EF4-FFF2-40B4-BE49-F238E27FC236}">
-                <a16:creationId xmlns:a16="http://schemas.microsoft.com/office/drawing/2014/main" id="{91BF179B-E037-47D4-BB7F-75B7AE22F756}"/>
+                <a16:creationId xmlns:a16="http://schemas.microsoft.com/office/drawing/2014/main" id="{A85CA79D-AD2E-44B0-ADF1-59A79685A3F4}"/>
               </a:ext>
             </a:extLst>
           </p:cNvPr>
@@ -8325,7 +9072,7 @@
           <a:p>
             <a:r>
               <a:rPr lang="en-US" dirty="0"/>
-              <a:t>Rust Panics</a:t>
+              <a:t>Error Handling</a:t>
             </a:r>
           </a:p>
         </p:txBody>
@@ -8335,7 +9082,7 @@
           <p:cNvPr id="3" name="Content Placeholder 2">
             <a:extLst>
               <a:ext uri="{FF2B5EF4-FFF2-40B4-BE49-F238E27FC236}">
-                <a16:creationId xmlns:a16="http://schemas.microsoft.com/office/drawing/2014/main" id="{E21F8C57-5FCF-4C41-BC3B-2CA7DC21FA39}"/>
+                <a16:creationId xmlns:a16="http://schemas.microsoft.com/office/drawing/2014/main" id="{E701FFCE-6020-4799-B1DD-2456B6D33B37}"/>
               </a:ext>
             </a:extLst>
           </p:cNvPr>
@@ -8353,47 +9100,97 @@
           <a:p>
             <a:r>
               <a:rPr lang="en-US" dirty="0"/>
-              <a:t>A panic is a program exit that attempts to unwind the stack, dropping each object residing in the stack.</a:t>
+              <a:t>This presentation focuses on Rust error handling.</a:t>
             </a:r>
           </a:p>
           <a:p>
             <a:pPr lvl="1"/>
             <a:r>
               <a:rPr lang="en-US" dirty="0"/>
-              <a:t>Panics can be trapped and handled to avoid program exit</a:t>
-            </a:r>
-          </a:p>
-          <a:p>
-            <a:r>
-              <a:rPr lang="en-US" dirty="0"/>
-              <a:t>Should a panic occur while unwinding the stack from an earlier panic the program will immediately abort.</a:t>
+              <a:t>Role of panics in preventing undefined behavior</a:t>
             </a:r>
           </a:p>
           <a:p>
             <a:pPr lvl="1"/>
             <a:r>
               <a:rPr lang="en-US" dirty="0"/>
-              <a:t>Multiple panic aborts cannot be trapped, so stopping in this case is inevitable</a:t>
-            </a:r>
-          </a:p>
-          <a:p>
-            <a:r>
-              <a:rPr lang="en-US" dirty="0"/>
-              <a:t>Panics are intended program actions that avoid undefined behavior due to program errors.</a:t>
+              <a:t>Returning results from functions that may fail</a:t>
             </a:r>
           </a:p>
           <a:p>
             <a:pPr lvl="1"/>
             <a:r>
               <a:rPr lang="en-US" dirty="0"/>
-              <a:t>Indexing out of bounds</a:t>
-            </a:r>
-          </a:p>
-          <a:p>
-            <a:r>
-              <a:rPr lang="en-US" dirty="0"/>
-              <a:t>So panics are the lowest level of error handling mechanisms.</a:t>
-            </a:r>
+              <a:t>Matching return enumerations with appropriate operations</a:t>
+            </a:r>
+          </a:p>
+          <a:p>
+            <a:pPr lvl="1"/>
+            <a:r>
+              <a:rPr lang="en-US" dirty="0"/>
+              <a:t>Error event bubbling up call chain</a:t>
+            </a:r>
+          </a:p>
+          <a:p>
+            <a:r>
+              <a:rPr lang="en-US" dirty="0"/>
+              <a:t>We will demonstrate these with discussions and code.  You can find all code presented here in this </a:t>
+            </a:r>
+            <a:r>
+              <a:rPr lang="en-US" sz="2400" dirty="0">
+                <a:hlinkClick r:id="rId2"/>
+              </a:rPr>
+              <a:t>Error Handling Code </a:t>
+            </a:r>
+            <a:r>
+              <a:rPr lang="en-US" sz="2400" dirty="0" err="1">
+                <a:hlinkClick r:id="rId2"/>
+              </a:rPr>
+              <a:t>Rerpository</a:t>
+            </a:r>
+            <a:r>
+              <a:rPr lang="en-US" sz="2400" dirty="0"/>
+              <a:t>.</a:t>
+            </a:r>
+          </a:p>
+          <a:p>
+            <a:r>
+              <a:rPr lang="en-US" dirty="0"/>
+              <a:t>You will find more details about ownership, objects, generics, and the Rust build process in a series of podcasts that are being published by CSIAC.</a:t>
+            </a:r>
+          </a:p>
+          <a:p>
+            <a:r>
+              <a:rPr lang="en-US" dirty="0"/>
+              <a:t>More details about Rust are provided in a </a:t>
+            </a:r>
+            <a:r>
+              <a:rPr lang="en-US" sz="2400" dirty="0">
+                <a:hlinkClick r:id="rId3"/>
+              </a:rPr>
+              <a:t>Rust Story</a:t>
+            </a:r>
+            <a:r>
+              <a:rPr lang="en-US" sz="2400" dirty="0"/>
+              <a:t> from my </a:t>
+            </a:r>
+            <a:r>
+              <a:rPr lang="en-US" sz="2400" dirty="0" err="1">
+                <a:hlinkClick r:id="rId4"/>
+              </a:rPr>
+              <a:t>github</a:t>
+            </a:r>
+            <a:r>
+              <a:rPr lang="en-US" sz="2400" dirty="0">
+                <a:hlinkClick r:id="rId4"/>
+              </a:rPr>
+              <a:t> site</a:t>
+            </a:r>
+            <a:r>
+              <a:rPr lang="en-US" dirty="0"/>
+              <a:t>.</a:t>
+            </a:r>
+            <a:endParaRPr lang="en-US" sz="3200" dirty="0"/>
           </a:p>
         </p:txBody>
       </p:sp>
@@ -8402,7 +9199,7 @@
           <p:cNvPr id="4" name="Slide Number Placeholder 3">
             <a:extLst>
               <a:ext uri="{FF2B5EF4-FFF2-40B4-BE49-F238E27FC236}">
-                <a16:creationId xmlns:a16="http://schemas.microsoft.com/office/drawing/2014/main" id="{257DBB1C-B88E-44B2-9FF3-FAD9CFFD94C3}"/>
+                <a16:creationId xmlns:a16="http://schemas.microsoft.com/office/drawing/2014/main" id="{A408B7E7-CA7E-4A30-A867-60315F4C815B}"/>
               </a:ext>
             </a:extLst>
           </p:cNvPr>
@@ -8422,6 +9219,579 @@
               <a:rPr lang="en-US" smtClean="0"/>
               <a:pPr/>
               <a:t>4</a:t>
+            </a:fld>
+            <a:endParaRPr lang="en-US" dirty="0"/>
+          </a:p>
+        </p:txBody>
+      </p:sp>
+    </p:spTree>
+    <p:extLst>
+      <p:ext uri="{BB962C8B-B14F-4D97-AF65-F5344CB8AC3E}">
+        <p14:creationId xmlns:p14="http://schemas.microsoft.com/office/powerpoint/2010/main" val="1056604710"/>
+      </p:ext>
+    </p:extLst>
+  </p:cSld>
+  <p:clrMapOvr>
+    <a:masterClrMapping/>
+  </p:clrMapOvr>
+</p:sld>
+</file>
+
+<file path=ppt/slides/slide5.xml><?xml version="1.0" encoding="utf-8"?>
+<p:sld xmlns:a="http://schemas.openxmlformats.org/drawingml/2006/main" xmlns:r="http://schemas.openxmlformats.org/officeDocument/2006/relationships" xmlns:p="http://schemas.openxmlformats.org/presentationml/2006/main">
+  <p:cSld>
+    <p:spTree>
+      <p:nvGrpSpPr>
+        <p:cNvPr id="1" name=""/>
+        <p:cNvGrpSpPr/>
+        <p:nvPr/>
+      </p:nvGrpSpPr>
+      <p:grpSpPr>
+        <a:xfrm>
+          <a:off x="0" y="0"/>
+          <a:ext cx="0" cy="0"/>
+          <a:chOff x="0" y="0"/>
+          <a:chExt cx="0" cy="0"/>
+        </a:xfrm>
+      </p:grpSpPr>
+      <p:sp>
+        <p:nvSpPr>
+          <p:cNvPr id="2" name="Title 1">
+            <a:extLst>
+              <a:ext uri="{FF2B5EF4-FFF2-40B4-BE49-F238E27FC236}">
+                <a16:creationId xmlns:a16="http://schemas.microsoft.com/office/drawing/2014/main" id="{2F88555E-A4E9-4A94-856A-6B30CCF01D7C}"/>
+              </a:ext>
+            </a:extLst>
+          </p:cNvPr>
+          <p:cNvSpPr>
+            <a:spLocks noGrp="1"/>
+          </p:cNvSpPr>
+          <p:nvPr>
+            <p:ph type="title"/>
+          </p:nvPr>
+        </p:nvSpPr>
+        <p:spPr/>
+        <p:txBody>
+          <a:bodyPr/>
+          <a:lstStyle/>
+          <a:p>
+            <a:r>
+              <a:rPr lang="en-US" dirty="0"/>
+              <a:t>What’s Unique about Rust Error Handling?</a:t>
+            </a:r>
+          </a:p>
+        </p:txBody>
+      </p:sp>
+      <p:sp>
+        <p:nvSpPr>
+          <p:cNvPr id="3" name="Content Placeholder 2">
+            <a:extLst>
+              <a:ext uri="{FF2B5EF4-FFF2-40B4-BE49-F238E27FC236}">
+                <a16:creationId xmlns:a16="http://schemas.microsoft.com/office/drawing/2014/main" id="{8C3ED3E8-3EE6-47C8-8EB7-40C987123C72}"/>
+              </a:ext>
+            </a:extLst>
+          </p:cNvPr>
+          <p:cNvSpPr>
+            <a:spLocks noGrp="1"/>
+          </p:cNvSpPr>
+          <p:nvPr>
+            <p:ph idx="1"/>
+          </p:nvPr>
+        </p:nvSpPr>
+        <p:spPr/>
+        <p:txBody>
+          <a:bodyPr/>
+          <a:lstStyle/>
+          <a:p>
+            <a:r>
+              <a:rPr lang="en-US" dirty="0"/>
+              <a:t>Rust encourages developers to handle every case were errors may occur.</a:t>
+            </a:r>
+            <a:br>
+              <a:rPr lang="en-US" dirty="0"/>
+            </a:br>
+            <a:br>
+              <a:rPr lang="en-US" dirty="0"/>
+            </a:br>
+            <a:endParaRPr lang="en-US" dirty="0"/>
+          </a:p>
+          <a:p>
+            <a:pPr lvl="1"/>
+            <a:endParaRPr lang="en-US" dirty="0"/>
+          </a:p>
+          <a:p>
+            <a:r>
+              <a:rPr lang="en-US" dirty="0"/>
+              <a:t>You have to opt out if you don’t need </a:t>
+            </a:r>
+            <a:r>
+              <a:rPr lang="en-US"/>
+              <a:t>to handle </a:t>
+            </a:r>
+            <a:r>
+              <a:rPr lang="en-US" dirty="0"/>
+              <a:t>an error case.</a:t>
+            </a:r>
+            <a:br>
+              <a:rPr lang="en-US" dirty="0"/>
+            </a:br>
+            <a:br>
+              <a:rPr lang="en-US" dirty="0"/>
+            </a:br>
+            <a:br>
+              <a:rPr lang="en-US" dirty="0"/>
+            </a:br>
+            <a:endParaRPr lang="en-US" dirty="0"/>
+          </a:p>
+          <a:p>
+            <a:r>
+              <a:rPr lang="en-US" dirty="0"/>
+              <a:t>Rust has support for bubbling errors up the call chain, creating new custom errors, and returning errors from main.</a:t>
+            </a:r>
+          </a:p>
+        </p:txBody>
+      </p:sp>
+      <p:sp>
+        <p:nvSpPr>
+          <p:cNvPr id="4" name="Slide Number Placeholder 3">
+            <a:extLst>
+              <a:ext uri="{FF2B5EF4-FFF2-40B4-BE49-F238E27FC236}">
+                <a16:creationId xmlns:a16="http://schemas.microsoft.com/office/drawing/2014/main" id="{C5429775-1492-4195-A830-430A3B19EF7F}"/>
+              </a:ext>
+            </a:extLst>
+          </p:cNvPr>
+          <p:cNvSpPr>
+            <a:spLocks noGrp="1"/>
+          </p:cNvSpPr>
+          <p:nvPr>
+            <p:ph type="sldNum" sz="quarter" idx="12"/>
+          </p:nvPr>
+        </p:nvSpPr>
+        <p:spPr/>
+        <p:txBody>
+          <a:bodyPr/>
+          <a:lstStyle/>
+          <a:p>
+            <a:fld id="{8175FE88-E4F7-4173-9B75-CBBABDFA1364}" type="slidenum">
+              <a:rPr lang="en-US" smtClean="0"/>
+              <a:pPr/>
+              <a:t>5</a:t>
+            </a:fld>
+            <a:endParaRPr lang="en-US" dirty="0"/>
+          </a:p>
+        </p:txBody>
+      </p:sp>
+      <p:pic>
+        <p:nvPicPr>
+          <p:cNvPr id="5" name="Picture 4">
+            <a:extLst>
+              <a:ext uri="{FF2B5EF4-FFF2-40B4-BE49-F238E27FC236}">
+                <a16:creationId xmlns:a16="http://schemas.microsoft.com/office/drawing/2014/main" id="{F891DB18-1F8C-472E-8A26-B98E4CDA3EAC}"/>
+              </a:ext>
+            </a:extLst>
+          </p:cNvPr>
+          <p:cNvPicPr>
+            <a:picLocks noChangeAspect="1"/>
+          </p:cNvPicPr>
+          <p:nvPr/>
+        </p:nvPicPr>
+        <p:blipFill>
+          <a:blip r:embed="rId2"/>
+          <a:stretch>
+            <a:fillRect/>
+          </a:stretch>
+        </p:blipFill>
+        <p:spPr>
+          <a:xfrm>
+            <a:off x="1172668" y="2198894"/>
+            <a:ext cx="4690663" cy="822133"/>
+          </a:xfrm>
+          <a:prstGeom prst="rect">
+            <a:avLst/>
+          </a:prstGeom>
+        </p:spPr>
+      </p:pic>
+      <p:pic>
+        <p:nvPicPr>
+          <p:cNvPr id="6" name="Picture 5">
+            <a:extLst>
+              <a:ext uri="{FF2B5EF4-FFF2-40B4-BE49-F238E27FC236}">
+                <a16:creationId xmlns:a16="http://schemas.microsoft.com/office/drawing/2014/main" id="{B9750A43-E8AC-41A0-9B02-A25A69B4A41F}"/>
+              </a:ext>
+            </a:extLst>
+          </p:cNvPr>
+          <p:cNvPicPr>
+            <a:picLocks noChangeAspect="1"/>
+          </p:cNvPicPr>
+          <p:nvPr/>
+        </p:nvPicPr>
+        <p:blipFill>
+          <a:blip r:embed="rId3"/>
+          <a:stretch>
+            <a:fillRect/>
+          </a:stretch>
+        </p:blipFill>
+        <p:spPr>
+          <a:xfrm>
+            <a:off x="6169879" y="1804198"/>
+            <a:ext cx="5091731" cy="1568964"/>
+          </a:xfrm>
+          <a:prstGeom prst="rect">
+            <a:avLst/>
+          </a:prstGeom>
+        </p:spPr>
+      </p:pic>
+      <p:pic>
+        <p:nvPicPr>
+          <p:cNvPr id="7" name="Picture 6">
+            <a:extLst>
+              <a:ext uri="{FF2B5EF4-FFF2-40B4-BE49-F238E27FC236}">
+                <a16:creationId xmlns:a16="http://schemas.microsoft.com/office/drawing/2014/main" id="{932565C8-A3EF-4BFC-8C3D-4265E057A59B}"/>
+              </a:ext>
+            </a:extLst>
+          </p:cNvPr>
+          <p:cNvPicPr>
+            <a:picLocks noChangeAspect="1"/>
+          </p:cNvPicPr>
+          <p:nvPr/>
+        </p:nvPicPr>
+        <p:blipFill>
+          <a:blip r:embed="rId4"/>
+          <a:stretch>
+            <a:fillRect/>
+          </a:stretch>
+        </p:blipFill>
+        <p:spPr>
+          <a:xfrm>
+            <a:off x="1242358" y="3860480"/>
+            <a:ext cx="4597654" cy="872064"/>
+          </a:xfrm>
+          <a:prstGeom prst="rect">
+            <a:avLst/>
+          </a:prstGeom>
+        </p:spPr>
+      </p:pic>
+    </p:spTree>
+    <p:extLst>
+      <p:ext uri="{BB962C8B-B14F-4D97-AF65-F5344CB8AC3E}">
+        <p14:creationId xmlns:p14="http://schemas.microsoft.com/office/powerpoint/2010/main" val="923917198"/>
+      </p:ext>
+    </p:extLst>
+  </p:cSld>
+  <p:clrMapOvr>
+    <a:masterClrMapping/>
+  </p:clrMapOvr>
+</p:sld>
+</file>
+
+<file path=ppt/slides/slide6.xml><?xml version="1.0" encoding="utf-8"?>
+<p:sld xmlns:a="http://schemas.openxmlformats.org/drawingml/2006/main" xmlns:r="http://schemas.openxmlformats.org/officeDocument/2006/relationships" xmlns:p="http://schemas.openxmlformats.org/presentationml/2006/main">
+  <p:cSld>
+    <p:spTree>
+      <p:nvGrpSpPr>
+        <p:cNvPr id="1" name=""/>
+        <p:cNvGrpSpPr/>
+        <p:nvPr/>
+      </p:nvGrpSpPr>
+      <p:grpSpPr>
+        <a:xfrm>
+          <a:off x="0" y="0"/>
+          <a:ext cx="0" cy="0"/>
+          <a:chOff x="0" y="0"/>
+          <a:chExt cx="0" cy="0"/>
+        </a:xfrm>
+      </p:grpSpPr>
+      <p:sp>
+        <p:nvSpPr>
+          <p:cNvPr id="2" name="Title 1">
+            <a:extLst>
+              <a:ext uri="{FF2B5EF4-FFF2-40B4-BE49-F238E27FC236}">
+                <a16:creationId xmlns:a16="http://schemas.microsoft.com/office/drawing/2014/main" id="{97287BCE-B2D5-471E-97ED-3AA745E70664}"/>
+              </a:ext>
+            </a:extLst>
+          </p:cNvPr>
+          <p:cNvSpPr>
+            <a:spLocks noGrp="1"/>
+          </p:cNvSpPr>
+          <p:nvPr>
+            <p:ph type="title"/>
+          </p:nvPr>
+        </p:nvSpPr>
+        <p:spPr/>
+        <p:txBody>
+          <a:bodyPr/>
+          <a:lstStyle/>
+          <a:p>
+            <a:r>
+              <a:rPr lang="en-US" dirty="0"/>
+              <a:t>Errors</a:t>
+            </a:r>
+          </a:p>
+        </p:txBody>
+      </p:sp>
+      <p:sp>
+        <p:nvSpPr>
+          <p:cNvPr id="3" name="Content Placeholder 2">
+            <a:extLst>
+              <a:ext uri="{FF2B5EF4-FFF2-40B4-BE49-F238E27FC236}">
+                <a16:creationId xmlns:a16="http://schemas.microsoft.com/office/drawing/2014/main" id="{9CD306C5-2AC8-44DE-B23D-35F9B69D6E94}"/>
+              </a:ext>
+            </a:extLst>
+          </p:cNvPr>
+          <p:cNvSpPr>
+            <a:spLocks noGrp="1"/>
+          </p:cNvSpPr>
+          <p:nvPr>
+            <p:ph idx="1"/>
+          </p:nvPr>
+        </p:nvSpPr>
+        <p:spPr/>
+        <p:txBody>
+          <a:bodyPr/>
+          <a:lstStyle/>
+          <a:p>
+            <a:r>
+              <a:rPr lang="en-US" dirty="0"/>
+              <a:t>Indexing out of bounds</a:t>
+            </a:r>
+          </a:p>
+          <a:p>
+            <a:r>
+              <a:rPr lang="en-US" dirty="0"/>
+              <a:t>Divide by zero</a:t>
+            </a:r>
+          </a:p>
+          <a:p>
+            <a:r>
+              <a:rPr lang="en-US" dirty="0"/>
+              <a:t>Integer overflow</a:t>
+            </a:r>
+          </a:p>
+          <a:p>
+            <a:r>
+              <a:rPr lang="en-US" dirty="0"/>
+              <a:t>Console and file I/O failures to open or read/write</a:t>
+            </a:r>
+          </a:p>
+          <a:p>
+            <a:r>
+              <a:rPr lang="en-US" dirty="0"/>
+              <a:t>Initializing String from non-utf8 byte array</a:t>
+            </a:r>
+          </a:p>
+          <a:p>
+            <a:r>
+              <a:rPr lang="en-US" dirty="0"/>
+              <a:t>System and User-defined errors</a:t>
+            </a:r>
+          </a:p>
+          <a:p>
+            <a:pPr lvl="1"/>
+            <a:r>
+              <a:rPr lang="en-US" dirty="0"/>
+              <a:t>Users supply unexpected or malicious inputs</a:t>
+            </a:r>
+          </a:p>
+          <a:p>
+            <a:pPr lvl="1"/>
+            <a:r>
+              <a:rPr lang="en-US" dirty="0"/>
+              <a:t>Server not available</a:t>
+            </a:r>
+          </a:p>
+          <a:p>
+            <a:pPr lvl="1"/>
+            <a:r>
+              <a:rPr lang="en-US" dirty="0"/>
+              <a:t>Unexpected content format</a:t>
+            </a:r>
+          </a:p>
+          <a:p>
+            <a:pPr lvl="1"/>
+            <a:endParaRPr lang="en-US" dirty="0"/>
+          </a:p>
+        </p:txBody>
+      </p:sp>
+      <p:sp>
+        <p:nvSpPr>
+          <p:cNvPr id="4" name="Slide Number Placeholder 3">
+            <a:extLst>
+              <a:ext uri="{FF2B5EF4-FFF2-40B4-BE49-F238E27FC236}">
+                <a16:creationId xmlns:a16="http://schemas.microsoft.com/office/drawing/2014/main" id="{6CB9122A-AF03-47D0-8CB6-83CA55CE9B6F}"/>
+              </a:ext>
+            </a:extLst>
+          </p:cNvPr>
+          <p:cNvSpPr>
+            <a:spLocks noGrp="1"/>
+          </p:cNvSpPr>
+          <p:nvPr>
+            <p:ph type="sldNum" sz="quarter" idx="12"/>
+          </p:nvPr>
+        </p:nvSpPr>
+        <p:spPr/>
+        <p:txBody>
+          <a:bodyPr/>
+          <a:lstStyle/>
+          <a:p>
+            <a:fld id="{8175FE88-E4F7-4173-9B75-CBBABDFA1364}" type="slidenum">
+              <a:rPr lang="en-US" smtClean="0"/>
+              <a:pPr/>
+              <a:t>6</a:t>
+            </a:fld>
+            <a:endParaRPr lang="en-US" dirty="0"/>
+          </a:p>
+        </p:txBody>
+      </p:sp>
+    </p:spTree>
+    <p:extLst>
+      <p:ext uri="{BB962C8B-B14F-4D97-AF65-F5344CB8AC3E}">
+        <p14:creationId xmlns:p14="http://schemas.microsoft.com/office/powerpoint/2010/main" val="2214153214"/>
+      </p:ext>
+    </p:extLst>
+  </p:cSld>
+  <p:clrMapOvr>
+    <a:masterClrMapping/>
+  </p:clrMapOvr>
+</p:sld>
+</file>
+
+<file path=ppt/slides/slide7.xml><?xml version="1.0" encoding="utf-8"?>
+<p:sld xmlns:a="http://schemas.openxmlformats.org/drawingml/2006/main" xmlns:r="http://schemas.openxmlformats.org/officeDocument/2006/relationships" xmlns:p="http://schemas.openxmlformats.org/presentationml/2006/main">
+  <p:cSld>
+    <p:spTree>
+      <p:nvGrpSpPr>
+        <p:cNvPr id="1" name=""/>
+        <p:cNvGrpSpPr/>
+        <p:nvPr/>
+      </p:nvGrpSpPr>
+      <p:grpSpPr>
+        <a:xfrm>
+          <a:off x="0" y="0"/>
+          <a:ext cx="0" cy="0"/>
+          <a:chOff x="0" y="0"/>
+          <a:chExt cx="0" cy="0"/>
+        </a:xfrm>
+      </p:grpSpPr>
+      <p:sp>
+        <p:nvSpPr>
+          <p:cNvPr id="2" name="Title 1">
+            <a:extLst>
+              <a:ext uri="{FF2B5EF4-FFF2-40B4-BE49-F238E27FC236}">
+                <a16:creationId xmlns:a16="http://schemas.microsoft.com/office/drawing/2014/main" id="{91BF179B-E037-47D4-BB7F-75B7AE22F756}"/>
+              </a:ext>
+            </a:extLst>
+          </p:cNvPr>
+          <p:cNvSpPr>
+            <a:spLocks noGrp="1"/>
+          </p:cNvSpPr>
+          <p:nvPr>
+            <p:ph type="title"/>
+          </p:nvPr>
+        </p:nvSpPr>
+        <p:spPr/>
+        <p:txBody>
+          <a:bodyPr/>
+          <a:lstStyle/>
+          <a:p>
+            <a:r>
+              <a:rPr lang="en-US" dirty="0"/>
+              <a:t>Rust Panics</a:t>
+            </a:r>
+          </a:p>
+        </p:txBody>
+      </p:sp>
+      <p:sp>
+        <p:nvSpPr>
+          <p:cNvPr id="3" name="Content Placeholder 2">
+            <a:extLst>
+              <a:ext uri="{FF2B5EF4-FFF2-40B4-BE49-F238E27FC236}">
+                <a16:creationId xmlns:a16="http://schemas.microsoft.com/office/drawing/2014/main" id="{E21F8C57-5FCF-4C41-BC3B-2CA7DC21FA39}"/>
+              </a:ext>
+            </a:extLst>
+          </p:cNvPr>
+          <p:cNvSpPr>
+            <a:spLocks noGrp="1"/>
+          </p:cNvSpPr>
+          <p:nvPr>
+            <p:ph idx="1"/>
+          </p:nvPr>
+        </p:nvSpPr>
+        <p:spPr/>
+        <p:txBody>
+          <a:bodyPr/>
+          <a:lstStyle/>
+          <a:p>
+            <a:r>
+              <a:rPr lang="en-US" dirty="0"/>
+              <a:t>A panic is a program exit that attempts to unwind the stack, dropping each object residing in the stack.</a:t>
+            </a:r>
+          </a:p>
+          <a:p>
+            <a:pPr lvl="1"/>
+            <a:r>
+              <a:rPr lang="en-US" dirty="0"/>
+              <a:t>Panics can be trapped and handled to avoid program exit</a:t>
+            </a:r>
+          </a:p>
+          <a:p>
+            <a:r>
+              <a:rPr lang="en-US" dirty="0"/>
+              <a:t>Should a panic occur while unwinding the stack from an earlier panic the program will immediately abort.</a:t>
+            </a:r>
+          </a:p>
+          <a:p>
+            <a:pPr lvl="1"/>
+            <a:r>
+              <a:rPr lang="en-US" dirty="0"/>
+              <a:t>Multiple panic aborts cannot be trapped, so stopping in this case is inevitable</a:t>
+            </a:r>
+          </a:p>
+          <a:p>
+            <a:r>
+              <a:rPr lang="en-US" dirty="0"/>
+              <a:t>Panics are intended program actions that avoid undefined behavior due to program errors.</a:t>
+            </a:r>
+          </a:p>
+          <a:p>
+            <a:pPr lvl="1"/>
+            <a:r>
+              <a:rPr lang="en-US" dirty="0"/>
+              <a:t>Indexing out of bounds</a:t>
+            </a:r>
+          </a:p>
+          <a:p>
+            <a:r>
+              <a:rPr lang="en-US" dirty="0"/>
+              <a:t>So panics are the lowest level of error handling mechanisms.</a:t>
+            </a:r>
+          </a:p>
+        </p:txBody>
+      </p:sp>
+      <p:sp>
+        <p:nvSpPr>
+          <p:cNvPr id="4" name="Slide Number Placeholder 3">
+            <a:extLst>
+              <a:ext uri="{FF2B5EF4-FFF2-40B4-BE49-F238E27FC236}">
+                <a16:creationId xmlns:a16="http://schemas.microsoft.com/office/drawing/2014/main" id="{257DBB1C-B88E-44B2-9FF3-FAD9CFFD94C3}"/>
+              </a:ext>
+            </a:extLst>
+          </p:cNvPr>
+          <p:cNvSpPr>
+            <a:spLocks noGrp="1"/>
+          </p:cNvSpPr>
+          <p:nvPr>
+            <p:ph type="sldNum" sz="quarter" idx="12"/>
+          </p:nvPr>
+        </p:nvSpPr>
+        <p:spPr/>
+        <p:txBody>
+          <a:bodyPr/>
+          <a:lstStyle/>
+          <a:p>
+            <a:fld id="{8175FE88-E4F7-4173-9B75-CBBABDFA1364}" type="slidenum">
+              <a:rPr lang="en-US" smtClean="0"/>
+              <a:pPr/>
+              <a:t>7</a:t>
             </a:fld>
             <a:endParaRPr lang="en-US" dirty="0"/>
           </a:p>
@@ -8440,7 +9810,7 @@
 </p:sld>
 </file>
 
-<file path=ppt/slides/slide5.xml><?xml version="1.0" encoding="utf-8"?>
+<file path=ppt/slides/slide8.xml><?xml version="1.0" encoding="utf-8"?>
 <p:sld xmlns:a="http://schemas.openxmlformats.org/drawingml/2006/main" xmlns:r="http://schemas.openxmlformats.org/officeDocument/2006/relationships" xmlns:p="http://schemas.openxmlformats.org/presentationml/2006/main">
   <p:cSld>
     <p:spTree>
@@ -8779,7 +10149,7 @@
             <a:fld id="{8175FE88-E4F7-4173-9B75-CBBABDFA1364}" type="slidenum">
               <a:rPr lang="en-US" smtClean="0"/>
               <a:pPr/>
-              <a:t>5</a:t>
+              <a:t>8</a:t>
             </a:fld>
             <a:endParaRPr lang="en-US" dirty="0"/>
           </a:p>
@@ -8789,711 +10159,6 @@
     <p:extLst>
       <p:ext uri="{BB962C8B-B14F-4D97-AF65-F5344CB8AC3E}">
         <p14:creationId xmlns:p14="http://schemas.microsoft.com/office/powerpoint/2010/main" val="881338955"/>
-      </p:ext>
-    </p:extLst>
-  </p:cSld>
-  <p:clrMapOvr>
-    <a:masterClrMapping/>
-  </p:clrMapOvr>
-</p:sld>
-</file>
-
-<file path=ppt/slides/slide6.xml><?xml version="1.0" encoding="utf-8"?>
-<p:sld xmlns:a="http://schemas.openxmlformats.org/drawingml/2006/main" xmlns:r="http://schemas.openxmlformats.org/officeDocument/2006/relationships" xmlns:p="http://schemas.openxmlformats.org/presentationml/2006/main">
-  <p:cSld>
-    <p:spTree>
-      <p:nvGrpSpPr>
-        <p:cNvPr id="1" name=""/>
-        <p:cNvGrpSpPr/>
-        <p:nvPr/>
-      </p:nvGrpSpPr>
-      <p:grpSpPr>
-        <a:xfrm>
-          <a:off x="0" y="0"/>
-          <a:ext cx="0" cy="0"/>
-          <a:chOff x="0" y="0"/>
-          <a:chExt cx="0" cy="0"/>
-        </a:xfrm>
-      </p:grpSpPr>
-      <p:sp>
-        <p:nvSpPr>
-          <p:cNvPr id="2" name="Title 1">
-            <a:extLst>
-              <a:ext uri="{FF2B5EF4-FFF2-40B4-BE49-F238E27FC236}">
-                <a16:creationId xmlns:a16="http://schemas.microsoft.com/office/drawing/2014/main" id="{8FAB4FBE-056C-44B9-B015-26DAC597ABBC}"/>
-              </a:ext>
-            </a:extLst>
-          </p:cNvPr>
-          <p:cNvSpPr>
-            <a:spLocks noGrp="1"/>
-          </p:cNvSpPr>
-          <p:nvPr>
-            <p:ph type="title"/>
-          </p:nvPr>
-        </p:nvSpPr>
-        <p:spPr/>
-        <p:txBody>
-          <a:bodyPr/>
-          <a:lstStyle/>
-          <a:p>
-            <a:r>
-              <a:rPr lang="en-US" dirty="0"/>
-              <a:t>Avoiding Panics</a:t>
-            </a:r>
-          </a:p>
-        </p:txBody>
-      </p:sp>
-      <p:sp>
-        <p:nvSpPr>
-          <p:cNvPr id="3" name="Content Placeholder 2">
-            <a:extLst>
-              <a:ext uri="{FF2B5EF4-FFF2-40B4-BE49-F238E27FC236}">
-                <a16:creationId xmlns:a16="http://schemas.microsoft.com/office/drawing/2014/main" id="{C8AA0731-BF41-4672-8E10-FA153615132B}"/>
-              </a:ext>
-            </a:extLst>
-          </p:cNvPr>
-          <p:cNvSpPr>
-            <a:spLocks noGrp="1"/>
-          </p:cNvSpPr>
-          <p:nvPr>
-            <p:ph idx="1"/>
-          </p:nvPr>
-        </p:nvSpPr>
-        <p:spPr/>
-        <p:txBody>
-          <a:bodyPr/>
-          <a:lstStyle/>
-          <a:p>
-            <a:r>
-              <a:rPr lang="en-US" dirty="0"/>
-              <a:t>If your program affects user health, wealth, or safety, then don’t panic.</a:t>
-            </a:r>
-          </a:p>
-          <a:p>
-            <a:pPr lvl="1"/>
-            <a:r>
-              <a:rPr lang="en-US" dirty="0"/>
-              <a:t>Thank you, Douglas Adams</a:t>
-            </a:r>
-          </a:p>
-          <a:p>
-            <a:r>
-              <a:rPr lang="en-US" dirty="0"/>
-              <a:t>Abruptly terminating operation of a Boeing 797 flight navigation system is not a good idea.</a:t>
-            </a:r>
-          </a:p>
-          <a:p>
-            <a:r>
-              <a:rPr lang="en-US" dirty="0"/>
-              <a:t>The route to panic-free behavior is handling results of all functions that may fail.</a:t>
-            </a:r>
-          </a:p>
-          <a:p>
-            <a:pPr lvl="1"/>
-            <a:r>
-              <a:rPr lang="en-US" dirty="0"/>
-              <a:t>Rust makes that obvious, using the return type Result&lt;T, E&gt; for functions that may fail.</a:t>
-            </a:r>
-          </a:p>
-          <a:p>
-            <a:pPr lvl="1"/>
-            <a:r>
-              <a:rPr lang="en-US" dirty="0"/>
-              <a:t>Rust vigorously reminds you to add any missing error handling for those functions – see slide #2.</a:t>
-            </a:r>
-          </a:p>
-        </p:txBody>
-      </p:sp>
-      <p:sp>
-        <p:nvSpPr>
-          <p:cNvPr id="4" name="Slide Number Placeholder 3">
-            <a:extLst>
-              <a:ext uri="{FF2B5EF4-FFF2-40B4-BE49-F238E27FC236}">
-                <a16:creationId xmlns:a16="http://schemas.microsoft.com/office/drawing/2014/main" id="{9A031D35-52E3-4F82-99D5-4DB659A12BC5}"/>
-              </a:ext>
-            </a:extLst>
-          </p:cNvPr>
-          <p:cNvSpPr>
-            <a:spLocks noGrp="1"/>
-          </p:cNvSpPr>
-          <p:nvPr>
-            <p:ph type="sldNum" sz="quarter" idx="12"/>
-          </p:nvPr>
-        </p:nvSpPr>
-        <p:spPr/>
-        <p:txBody>
-          <a:bodyPr/>
-          <a:lstStyle/>
-          <a:p>
-            <a:fld id="{8175FE88-E4F7-4173-9B75-CBBABDFA1364}" type="slidenum">
-              <a:rPr lang="en-US" smtClean="0"/>
-              <a:pPr/>
-              <a:t>6</a:t>
-            </a:fld>
-            <a:endParaRPr lang="en-US" dirty="0"/>
-          </a:p>
-        </p:txBody>
-      </p:sp>
-    </p:spTree>
-    <p:extLst>
-      <p:ext uri="{BB962C8B-B14F-4D97-AF65-F5344CB8AC3E}">
-        <p14:creationId xmlns:p14="http://schemas.microsoft.com/office/powerpoint/2010/main" val="1839158800"/>
-      </p:ext>
-    </p:extLst>
-  </p:cSld>
-  <p:clrMapOvr>
-    <a:masterClrMapping/>
-  </p:clrMapOvr>
-</p:sld>
-</file>
-
-<file path=ppt/slides/slide7.xml><?xml version="1.0" encoding="utf-8"?>
-<p:sld xmlns:a="http://schemas.openxmlformats.org/drawingml/2006/main" xmlns:r="http://schemas.openxmlformats.org/officeDocument/2006/relationships" xmlns:p="http://schemas.openxmlformats.org/presentationml/2006/main">
-  <p:cSld>
-    <p:spTree>
-      <p:nvGrpSpPr>
-        <p:cNvPr id="1" name=""/>
-        <p:cNvGrpSpPr/>
-        <p:nvPr/>
-      </p:nvGrpSpPr>
-      <p:grpSpPr>
-        <a:xfrm>
-          <a:off x="0" y="0"/>
-          <a:ext cx="0" cy="0"/>
-          <a:chOff x="0" y="0"/>
-          <a:chExt cx="0" cy="0"/>
-        </a:xfrm>
-      </p:grpSpPr>
-      <p:sp>
-        <p:nvSpPr>
-          <p:cNvPr id="2" name="Title 1">
-            <a:extLst>
-              <a:ext uri="{FF2B5EF4-FFF2-40B4-BE49-F238E27FC236}">
-                <a16:creationId xmlns:a16="http://schemas.microsoft.com/office/drawing/2014/main" id="{76A7F006-CC4C-41A9-BA4F-88CAF6D17B98}"/>
-              </a:ext>
-            </a:extLst>
-          </p:cNvPr>
-          <p:cNvSpPr>
-            <a:spLocks noGrp="1"/>
-          </p:cNvSpPr>
-          <p:nvPr>
-            <p:ph type="title"/>
-          </p:nvPr>
-        </p:nvSpPr>
-        <p:spPr/>
-        <p:txBody>
-          <a:bodyPr/>
-          <a:lstStyle/>
-          <a:p>
-            <a:r>
-              <a:rPr lang="en-US" dirty="0"/>
-              <a:t>Rust Error Handling Types</a:t>
-            </a:r>
-          </a:p>
-        </p:txBody>
-      </p:sp>
-      <p:sp>
-        <p:nvSpPr>
-          <p:cNvPr id="3" name="Content Placeholder 2">
-            <a:extLst>
-              <a:ext uri="{FF2B5EF4-FFF2-40B4-BE49-F238E27FC236}">
-                <a16:creationId xmlns:a16="http://schemas.microsoft.com/office/drawing/2014/main" id="{ACCF3024-FF61-4572-8E0A-FEBA41E585A5}"/>
-              </a:ext>
-            </a:extLst>
-          </p:cNvPr>
-          <p:cNvSpPr>
-            <a:spLocks noGrp="1"/>
-          </p:cNvSpPr>
-          <p:nvPr>
-            <p:ph idx="1"/>
-          </p:nvPr>
-        </p:nvSpPr>
-        <p:spPr/>
-        <p:txBody>
-          <a:bodyPr/>
-          <a:lstStyle/>
-          <a:p>
-            <a:r>
-              <a:rPr lang="en-US" dirty="0">
-                <a:latin typeface="Consolas" panose="020B0609020204030204" pitchFamily="49" charset="0"/>
-              </a:rPr>
-              <a:t>Enum Result&lt;T,E&gt; { Ok(T), Err(E) }</a:t>
-            </a:r>
-          </a:p>
-          <a:p>
-            <a:pPr lvl="1"/>
-            <a:r>
-              <a:rPr lang="en-US" dirty="0">
-                <a:latin typeface="Consolas" panose="020B0609020204030204" pitchFamily="49" charset="0"/>
-              </a:rPr>
-              <a:t>#[</a:t>
-            </a:r>
-            <a:r>
-              <a:rPr lang="en-US" dirty="0" err="1">
-                <a:latin typeface="Consolas" panose="020B0609020204030204" pitchFamily="49" charset="0"/>
-              </a:rPr>
-              <a:t>must_use</a:t>
-            </a:r>
-            <a:r>
-              <a:rPr lang="en-US" dirty="0">
-                <a:latin typeface="Consolas" panose="020B0609020204030204" pitchFamily="49" charset="0"/>
-              </a:rPr>
-              <a:t>]</a:t>
-            </a:r>
-          </a:p>
-          <a:p>
-            <a:pPr lvl="1"/>
-            <a:r>
-              <a:rPr lang="en-US" dirty="0">
-                <a:latin typeface="Consolas" panose="020B0609020204030204" pitchFamily="49" charset="0"/>
-              </a:rPr>
-              <a:t>std crate import</a:t>
-            </a:r>
-          </a:p>
-          <a:p>
-            <a:r>
-              <a:rPr lang="en-US" dirty="0">
-                <a:latin typeface="Consolas" panose="020B0609020204030204" pitchFamily="49" charset="0"/>
-              </a:rPr>
-              <a:t>pub </a:t>
-            </a:r>
-            <a:r>
-              <a:rPr lang="en-US" dirty="0" err="1">
-                <a:latin typeface="Consolas" panose="020B0609020204030204" pitchFamily="49" charset="0"/>
-              </a:rPr>
-              <a:t>fn</a:t>
-            </a:r>
-            <a:r>
-              <a:rPr lang="en-US" dirty="0">
-                <a:latin typeface="Consolas" panose="020B0609020204030204" pitchFamily="49" charset="0"/>
-              </a:rPr>
-              <a:t> </a:t>
-            </a:r>
-            <a:r>
-              <a:rPr lang="en-US" dirty="0" err="1">
-                <a:latin typeface="Consolas" panose="020B0609020204030204" pitchFamily="49" charset="0"/>
-              </a:rPr>
-              <a:t>is_ok</a:t>
-            </a:r>
-            <a:r>
-              <a:rPr lang="en-US" dirty="0">
-                <a:latin typeface="Consolas" panose="020B0609020204030204" pitchFamily="49" charset="0"/>
-              </a:rPr>
-              <a:t>(&amp;self) -&gt; bool</a:t>
-            </a:r>
-          </a:p>
-          <a:p>
-            <a:r>
-              <a:rPr lang="en-US" dirty="0">
-                <a:latin typeface="Consolas" panose="020B0609020204030204" pitchFamily="49" charset="0"/>
-              </a:rPr>
-              <a:t>pub </a:t>
-            </a:r>
-            <a:r>
-              <a:rPr lang="en-US" dirty="0" err="1">
-                <a:latin typeface="Consolas" panose="020B0609020204030204" pitchFamily="49" charset="0"/>
-              </a:rPr>
-              <a:t>fn</a:t>
-            </a:r>
-            <a:r>
-              <a:rPr lang="en-US" dirty="0">
-                <a:latin typeface="Consolas" panose="020B0609020204030204" pitchFamily="49" charset="0"/>
-              </a:rPr>
-              <a:t> </a:t>
-            </a:r>
-            <a:r>
-              <a:rPr lang="en-US" dirty="0" err="1">
-                <a:latin typeface="Consolas" panose="020B0609020204030204" pitchFamily="49" charset="0"/>
-              </a:rPr>
-              <a:t>is_Err</a:t>
-            </a:r>
-            <a:r>
-              <a:rPr lang="en-US" dirty="0">
-                <a:latin typeface="Consolas" panose="020B0609020204030204" pitchFamily="49" charset="0"/>
-              </a:rPr>
-              <a:t>(&amp;self) -&gt; bool</a:t>
-            </a:r>
-          </a:p>
-          <a:p>
-            <a:r>
-              <a:rPr lang="en-US" dirty="0">
-                <a:latin typeface="Consolas" panose="020B0609020204030204" pitchFamily="49" charset="0"/>
-              </a:rPr>
-              <a:t>pub </a:t>
-            </a:r>
-            <a:r>
-              <a:rPr lang="en-US" dirty="0" err="1">
-                <a:latin typeface="Consolas" panose="020B0609020204030204" pitchFamily="49" charset="0"/>
-              </a:rPr>
-              <a:t>fn</a:t>
-            </a:r>
-            <a:r>
-              <a:rPr lang="en-US" dirty="0">
-                <a:latin typeface="Consolas" panose="020B0609020204030204" pitchFamily="49" charset="0"/>
-              </a:rPr>
-              <a:t> unwrap(self) -&gt; T</a:t>
-            </a:r>
-          </a:p>
-          <a:p>
-            <a:pPr lvl="1"/>
-            <a:r>
-              <a:rPr lang="en-US" dirty="0">
-                <a:latin typeface="Consolas" panose="020B0609020204030204" pitchFamily="49" charset="0"/>
-              </a:rPr>
-              <a:t>panics if not Ok</a:t>
-            </a:r>
-          </a:p>
-          <a:p>
-            <a:r>
-              <a:rPr lang="en-US" dirty="0">
-                <a:latin typeface="Consolas" panose="020B0609020204030204" pitchFamily="49" charset="0"/>
-              </a:rPr>
-              <a:t>Pub </a:t>
-            </a:r>
-            <a:r>
-              <a:rPr lang="en-US" dirty="0" err="1">
-                <a:latin typeface="Consolas" panose="020B0609020204030204" pitchFamily="49" charset="0"/>
-              </a:rPr>
-              <a:t>fn</a:t>
-            </a:r>
-            <a:r>
-              <a:rPr lang="en-US" dirty="0">
-                <a:latin typeface="Consolas" panose="020B0609020204030204" pitchFamily="49" charset="0"/>
-              </a:rPr>
-              <a:t> </a:t>
-            </a:r>
-            <a:r>
-              <a:rPr lang="en-US" dirty="0" err="1">
-                <a:latin typeface="Consolas" panose="020B0609020204030204" pitchFamily="49" charset="0"/>
-              </a:rPr>
-              <a:t>unwrap_err</a:t>
-            </a:r>
-            <a:r>
-              <a:rPr lang="en-US" dirty="0">
-                <a:latin typeface="Consolas" panose="020B0609020204030204" pitchFamily="49" charset="0"/>
-              </a:rPr>
-              <a:t>(self) -&gt; E</a:t>
-            </a:r>
-          </a:p>
-          <a:p>
-            <a:pPr lvl="1"/>
-            <a:r>
-              <a:rPr lang="en-US" dirty="0">
-                <a:latin typeface="Consolas" panose="020B0609020204030204" pitchFamily="49" charset="0"/>
-              </a:rPr>
-              <a:t>Panics if not Err</a:t>
-            </a:r>
-          </a:p>
-        </p:txBody>
-      </p:sp>
-      <p:sp>
-        <p:nvSpPr>
-          <p:cNvPr id="4" name="Slide Number Placeholder 3">
-            <a:extLst>
-              <a:ext uri="{FF2B5EF4-FFF2-40B4-BE49-F238E27FC236}">
-                <a16:creationId xmlns:a16="http://schemas.microsoft.com/office/drawing/2014/main" id="{7EE7A1C3-1855-4A77-AB74-75243EE3103C}"/>
-              </a:ext>
-            </a:extLst>
-          </p:cNvPr>
-          <p:cNvSpPr>
-            <a:spLocks noGrp="1"/>
-          </p:cNvSpPr>
-          <p:nvPr>
-            <p:ph type="sldNum" sz="quarter" idx="12"/>
-          </p:nvPr>
-        </p:nvSpPr>
-        <p:spPr/>
-        <p:txBody>
-          <a:bodyPr/>
-          <a:lstStyle/>
-          <a:p>
-            <a:fld id="{8F6B0A30-8C53-44DF-ABCA-76B31AB81249}" type="slidenum">
-              <a:rPr lang="en-US" smtClean="0"/>
-              <a:t>7</a:t>
-            </a:fld>
-            <a:endParaRPr lang="en-US"/>
-          </a:p>
-        </p:txBody>
-      </p:sp>
-    </p:spTree>
-    <p:extLst>
-      <p:ext uri="{BB962C8B-B14F-4D97-AF65-F5344CB8AC3E}">
-        <p14:creationId xmlns:p14="http://schemas.microsoft.com/office/powerpoint/2010/main" val="675882903"/>
-      </p:ext>
-    </p:extLst>
-  </p:cSld>
-  <p:clrMapOvr>
-    <a:masterClrMapping/>
-  </p:clrMapOvr>
-</p:sld>
-</file>
-
-<file path=ppt/slides/slide8.xml><?xml version="1.0" encoding="utf-8"?>
-<p:sld xmlns:a="http://schemas.openxmlformats.org/drawingml/2006/main" xmlns:r="http://schemas.openxmlformats.org/officeDocument/2006/relationships" xmlns:p="http://schemas.openxmlformats.org/presentationml/2006/main">
-  <p:cSld>
-    <p:spTree>
-      <p:nvGrpSpPr>
-        <p:cNvPr id="1" name=""/>
-        <p:cNvGrpSpPr/>
-        <p:nvPr/>
-      </p:nvGrpSpPr>
-      <p:grpSpPr>
-        <a:xfrm>
-          <a:off x="0" y="0"/>
-          <a:ext cx="0" cy="0"/>
-          <a:chOff x="0" y="0"/>
-          <a:chExt cx="0" cy="0"/>
-        </a:xfrm>
-      </p:grpSpPr>
-      <p:sp>
-        <p:nvSpPr>
-          <p:cNvPr id="2" name="Title 1">
-            <a:extLst>
-              <a:ext uri="{FF2B5EF4-FFF2-40B4-BE49-F238E27FC236}">
-                <a16:creationId xmlns:a16="http://schemas.microsoft.com/office/drawing/2014/main" id="{9DB1A3A3-822A-4654-8703-47ECC2D419F1}"/>
-              </a:ext>
-            </a:extLst>
-          </p:cNvPr>
-          <p:cNvSpPr>
-            <a:spLocks noGrp="1"/>
-          </p:cNvSpPr>
-          <p:nvPr>
-            <p:ph type="title"/>
-          </p:nvPr>
-        </p:nvSpPr>
-        <p:spPr/>
-        <p:txBody>
-          <a:bodyPr/>
-          <a:lstStyle/>
-          <a:p>
-            <a:r>
-              <a:rPr lang="en-US" dirty="0"/>
-              <a:t>Error Types</a:t>
-            </a:r>
-          </a:p>
-        </p:txBody>
-      </p:sp>
-      <p:sp>
-        <p:nvSpPr>
-          <p:cNvPr id="3" name="Content Placeholder 2">
-            <a:extLst>
-              <a:ext uri="{FF2B5EF4-FFF2-40B4-BE49-F238E27FC236}">
-                <a16:creationId xmlns:a16="http://schemas.microsoft.com/office/drawing/2014/main" id="{6FAC5403-4D73-457D-8641-05A23ADD3836}"/>
-              </a:ext>
-            </a:extLst>
-          </p:cNvPr>
-          <p:cNvSpPr>
-            <a:spLocks noGrp="1"/>
-          </p:cNvSpPr>
-          <p:nvPr>
-            <p:ph idx="1"/>
-          </p:nvPr>
-        </p:nvSpPr>
-        <p:spPr/>
-        <p:txBody>
-          <a:bodyPr/>
-          <a:lstStyle/>
-          <a:p>
-            <a:r>
-              <a:rPr lang="en-US" dirty="0">
-                <a:latin typeface="Consolas" panose="020B0609020204030204" pitchFamily="49" charset="0"/>
-              </a:rPr>
-              <a:t>Std Error</a:t>
-            </a:r>
-          </a:p>
-          <a:p>
-            <a:pPr lvl="1"/>
-            <a:r>
-              <a:rPr lang="en-US" dirty="0">
-                <a:latin typeface="Consolas" panose="020B0609020204030204" pitchFamily="49" charset="0"/>
-              </a:rPr>
-              <a:t>type Result&lt;T&gt; = Result&lt;</a:t>
-            </a:r>
-            <a:r>
-              <a:rPr lang="en-US" dirty="0" err="1">
-                <a:latin typeface="Consolas" panose="020B0609020204030204" pitchFamily="49" charset="0"/>
-              </a:rPr>
-              <a:t>T,std</a:t>
-            </a:r>
-            <a:r>
-              <a:rPr lang="en-US" dirty="0">
-                <a:latin typeface="Consolas" panose="020B0609020204030204" pitchFamily="49" charset="0"/>
-              </a:rPr>
-              <a:t>::</a:t>
-            </a:r>
-            <a:r>
-              <a:rPr lang="en-US" dirty="0" err="1">
-                <a:latin typeface="Consolas" panose="020B0609020204030204" pitchFamily="49" charset="0"/>
-              </a:rPr>
-              <a:t>io</a:t>
-            </a:r>
-            <a:r>
-              <a:rPr lang="en-US" dirty="0">
-                <a:latin typeface="Consolas" panose="020B0609020204030204" pitchFamily="49" charset="0"/>
-              </a:rPr>
-              <a:t>::Error&gt;;</a:t>
-            </a:r>
-          </a:p>
-          <a:p>
-            <a:pPr lvl="1"/>
-            <a:r>
-              <a:rPr lang="en-US" dirty="0">
-                <a:latin typeface="Consolas" panose="020B0609020204030204" pitchFamily="49" charset="0"/>
-              </a:rPr>
-              <a:t>std::</a:t>
-            </a:r>
-            <a:r>
-              <a:rPr lang="en-US" dirty="0" err="1">
-                <a:latin typeface="Consolas" panose="020B0609020204030204" pitchFamily="49" charset="0"/>
-              </a:rPr>
-              <a:t>io</a:t>
-            </a:r>
-            <a:r>
-              <a:rPr lang="en-US" dirty="0">
-                <a:latin typeface="Consolas" panose="020B0609020204030204" pitchFamily="49" charset="0"/>
-              </a:rPr>
-              <a:t> crate import</a:t>
-            </a:r>
-          </a:p>
-          <a:p>
-            <a:r>
-              <a:rPr lang="en-US" dirty="0">
-                <a:latin typeface="Consolas" panose="020B0609020204030204" pitchFamily="49" charset="0"/>
-              </a:rPr>
-              <a:t>Custom Error</a:t>
-            </a:r>
-          </a:p>
-          <a:p>
-            <a:pPr lvl="1"/>
-            <a:r>
-              <a:rPr lang="en-US" sz="2000" dirty="0">
-                <a:latin typeface="Consolas" panose="020B0609020204030204" pitchFamily="49" charset="0"/>
-              </a:rPr>
-              <a:t>Use std::</a:t>
-            </a:r>
-            <a:r>
-              <a:rPr lang="en-US" sz="2000" dirty="0" err="1">
-                <a:latin typeface="Consolas" panose="020B0609020204030204" pitchFamily="49" charset="0"/>
-              </a:rPr>
-              <a:t>io</a:t>
-            </a:r>
-            <a:r>
-              <a:rPr lang="en-US" sz="2000" dirty="0">
-                <a:latin typeface="Consolas" panose="020B0609020204030204" pitchFamily="49" charset="0"/>
-              </a:rPr>
-              <a:t>::{Error, </a:t>
-            </a:r>
-            <a:r>
-              <a:rPr lang="en-US" sz="2000" dirty="0" err="1">
-                <a:latin typeface="Consolas" panose="020B0609020204030204" pitchFamily="49" charset="0"/>
-              </a:rPr>
-              <a:t>ErrorKind</a:t>
-            </a:r>
-            <a:r>
-              <a:rPr lang="en-US" sz="2000" dirty="0">
-                <a:latin typeface="Consolas" panose="020B0609020204030204" pitchFamily="49" charset="0"/>
-              </a:rPr>
-              <a:t>};</a:t>
-            </a:r>
-          </a:p>
-          <a:p>
-            <a:pPr lvl="1"/>
-            <a:r>
-              <a:rPr lang="en-US" sz="2000" dirty="0">
-                <a:latin typeface="Consolas" panose="020B0609020204030204" pitchFamily="49" charset="0"/>
-              </a:rPr>
-              <a:t>Let </a:t>
-            </a:r>
-            <a:r>
-              <a:rPr lang="en-US" sz="2000" dirty="0" err="1">
-                <a:latin typeface="Consolas" panose="020B0609020204030204" pitchFamily="49" charset="0"/>
-              </a:rPr>
-              <a:t>custom_error</a:t>
-            </a:r>
-            <a:r>
-              <a:rPr lang="en-US" sz="2000" dirty="0">
-                <a:latin typeface="Consolas" panose="020B0609020204030204" pitchFamily="49" charset="0"/>
-              </a:rPr>
-              <a:t> = </a:t>
-            </a:r>
-            <a:br>
-              <a:rPr lang="en-US" sz="2000" dirty="0">
-                <a:latin typeface="Consolas" panose="020B0609020204030204" pitchFamily="49" charset="0"/>
-              </a:rPr>
-            </a:br>
-            <a:r>
-              <a:rPr lang="en-US" sz="2000" dirty="0">
-                <a:latin typeface="Consolas" panose="020B0609020204030204" pitchFamily="49" charset="0"/>
-              </a:rPr>
-              <a:t>      Error::new(</a:t>
-            </a:r>
-            <a:r>
-              <a:rPr lang="en-US" sz="2000" dirty="0" err="1">
-                <a:latin typeface="Consolas" panose="020B0609020204030204" pitchFamily="49" charset="0"/>
-              </a:rPr>
-              <a:t>ErrorKind</a:t>
-            </a:r>
-            <a:r>
-              <a:rPr lang="en-US" sz="2000" dirty="0">
-                <a:latin typeface="Consolas" panose="020B0609020204030204" pitchFamily="49" charset="0"/>
-              </a:rPr>
-              <a:t>::Other, </a:t>
-            </a:r>
-            <a:r>
-              <a:rPr lang="en-US" sz="2000" dirty="0" err="1">
-                <a:latin typeface="Consolas" panose="020B0609020204030204" pitchFamily="49" charset="0"/>
-              </a:rPr>
-              <a:t>some_useful_value</a:t>
-            </a:r>
-            <a:r>
-              <a:rPr lang="en-US" sz="2000" dirty="0">
-                <a:latin typeface="Consolas" panose="020B0609020204030204" pitchFamily="49" charset="0"/>
-              </a:rPr>
-              <a:t>);</a:t>
-            </a:r>
-          </a:p>
-          <a:p>
-            <a:pPr marL="0" indent="0">
-              <a:buNone/>
-            </a:pPr>
-            <a:endParaRPr lang="en-US" dirty="0"/>
-          </a:p>
-        </p:txBody>
-      </p:sp>
-      <p:sp>
-        <p:nvSpPr>
-          <p:cNvPr id="4" name="Slide Number Placeholder 3">
-            <a:extLst>
-              <a:ext uri="{FF2B5EF4-FFF2-40B4-BE49-F238E27FC236}">
-                <a16:creationId xmlns:a16="http://schemas.microsoft.com/office/drawing/2014/main" id="{36705106-B232-4ED3-B0BE-88CFB760980A}"/>
-              </a:ext>
-            </a:extLst>
-          </p:cNvPr>
-          <p:cNvSpPr>
-            <a:spLocks noGrp="1"/>
-          </p:cNvSpPr>
-          <p:nvPr>
-            <p:ph type="sldNum" sz="quarter" idx="12"/>
-          </p:nvPr>
-        </p:nvSpPr>
-        <p:spPr/>
-        <p:txBody>
-          <a:bodyPr/>
-          <a:lstStyle/>
-          <a:p>
-            <a:fld id="{8F6B0A30-8C53-44DF-ABCA-76B31AB81249}" type="slidenum">
-              <a:rPr lang="en-US" smtClean="0"/>
-              <a:pPr/>
-              <a:t>8</a:t>
-            </a:fld>
-            <a:endParaRPr lang="en-US" dirty="0"/>
-          </a:p>
-        </p:txBody>
-      </p:sp>
-    </p:spTree>
-    <p:extLst>
-      <p:ext uri="{BB962C8B-B14F-4D97-AF65-F5344CB8AC3E}">
-        <p14:creationId xmlns:p14="http://schemas.microsoft.com/office/powerpoint/2010/main" val="1304522833"/>
       </p:ext>
     </p:extLst>
   </p:cSld>
@@ -9525,7 +10190,7 @@
           <p:cNvPr id="2" name="Title 1">
             <a:extLst>
               <a:ext uri="{FF2B5EF4-FFF2-40B4-BE49-F238E27FC236}">
-                <a16:creationId xmlns:a16="http://schemas.microsoft.com/office/drawing/2014/main" id="{6C64FF51-0A2B-46B3-9FDB-68B72FE25A01}"/>
+                <a16:creationId xmlns:a16="http://schemas.microsoft.com/office/drawing/2014/main" id="{8FAB4FBE-056C-44B9-B015-26DAC597ABBC}"/>
               </a:ext>
             </a:extLst>
           </p:cNvPr>
@@ -9543,121 +10208,78 @@
           <a:p>
             <a:r>
               <a:rPr lang="en-US" dirty="0"/>
-              <a:t>Using Result&lt;T, E&gt; with </a:t>
-            </a:r>
-            <a:r>
-              <a:rPr lang="en-US" dirty="0" err="1"/>
-              <a:t>is_ok</a:t>
-            </a:r>
-            <a:r>
-              <a:rPr lang="en-US" dirty="0"/>
-              <a:t>()</a:t>
-            </a:r>
-          </a:p>
-        </p:txBody>
-      </p:sp>
-      <p:pic>
-        <p:nvPicPr>
-          <p:cNvPr id="4" name="Content Placeholder 3">
-            <a:extLst>
-              <a:ext uri="{FF2B5EF4-FFF2-40B4-BE49-F238E27FC236}">
-                <a16:creationId xmlns:a16="http://schemas.microsoft.com/office/drawing/2014/main" id="{87AFA99B-5B98-4C66-99A8-07B9B605CE77}"/>
-              </a:ext>
-            </a:extLst>
-          </p:cNvPr>
-          <p:cNvPicPr>
-            <a:picLocks noGrp="1" noChangeAspect="1"/>
-          </p:cNvPicPr>
+              <a:t>Avoiding Panics</a:t>
+            </a:r>
+          </a:p>
+        </p:txBody>
+      </p:sp>
+      <p:sp>
+        <p:nvSpPr>
+          <p:cNvPr id="3" name="Content Placeholder 2">
+            <a:extLst>
+              <a:ext uri="{FF2B5EF4-FFF2-40B4-BE49-F238E27FC236}">
+                <a16:creationId xmlns:a16="http://schemas.microsoft.com/office/drawing/2014/main" id="{C8AA0731-BF41-4672-8E10-FA153615132B}"/>
+              </a:ext>
+            </a:extLst>
+          </p:cNvPr>
+          <p:cNvSpPr>
+            <a:spLocks noGrp="1"/>
+          </p:cNvSpPr>
           <p:nvPr>
             <p:ph idx="1"/>
           </p:nvPr>
-        </p:nvPicPr>
-        <p:blipFill>
-          <a:blip r:embed="rId2"/>
-          <a:stretch>
-            <a:fillRect/>
-          </a:stretch>
-        </p:blipFill>
-        <p:spPr>
-          <a:xfrm>
-            <a:off x="838200" y="1392189"/>
-            <a:ext cx="8129950" cy="4854575"/>
-          </a:xfrm>
-          <a:prstGeom prst="rect">
-            <a:avLst/>
-          </a:prstGeom>
-        </p:spPr>
-      </p:pic>
-      <p:sp>
-        <p:nvSpPr>
-          <p:cNvPr id="5" name="TextBox 4">
-            <a:extLst>
-              <a:ext uri="{FF2B5EF4-FFF2-40B4-BE49-F238E27FC236}">
-                <a16:creationId xmlns:a16="http://schemas.microsoft.com/office/drawing/2014/main" id="{73614D81-729A-4277-BFD7-77A93E112381}"/>
-              </a:ext>
-            </a:extLst>
-          </p:cNvPr>
-          <p:cNvSpPr txBox="1"/>
-          <p:nvPr/>
-        </p:nvSpPr>
-        <p:spPr>
-          <a:xfrm>
-            <a:off x="6400801" y="2833942"/>
-            <a:ext cx="5130412" cy="923330"/>
-          </a:xfrm>
-          <a:prstGeom prst="rect">
-            <a:avLst/>
-          </a:prstGeom>
-          <a:solidFill>
-            <a:schemeClr val="bg2"/>
-          </a:solidFill>
-          <a:ln w="12700">
-            <a:solidFill>
-              <a:schemeClr val="tx1"/>
-            </a:solidFill>
-          </a:ln>
-        </p:spPr>
-        <p:txBody>
-          <a:bodyPr wrap="square" rtlCol="0">
-            <a:spAutoFit/>
-          </a:bodyPr>
-          <a:lstStyle/>
-          <a:p>
-            <a:r>
-              <a:rPr lang="en-US" dirty="0"/>
-              <a:t>Illustrates accepting Result&lt;String, FromUtf8Error&gt;, </a:t>
-            </a:r>
-          </a:p>
-          <a:p>
-            <a:r>
-              <a:rPr lang="en-US" dirty="0"/>
-              <a:t>Testing, with Result::</a:t>
-            </a:r>
-            <a:r>
-              <a:rPr lang="en-US" dirty="0" err="1"/>
-              <a:t>is_ok</a:t>
-            </a:r>
-            <a:r>
-              <a:rPr lang="en-US" dirty="0"/>
-              <a:t>(), and returning a new Result type: Result&lt;(), </a:t>
-            </a:r>
-            <a:r>
-              <a:rPr lang="en-US" dirty="0" err="1"/>
-              <a:t>CustomError</a:t>
-            </a:r>
-            <a:r>
-              <a:rPr lang="en-US" dirty="0"/>
-              <a:t>&gt;</a:t>
-            </a:r>
-          </a:p>
-        </p:txBody>
-      </p:sp>
-      <p:sp>
-        <p:nvSpPr>
-          <p:cNvPr id="6" name="Slide Number Placeholder 5">
-            <a:extLst>
-              <a:ext uri="{FF2B5EF4-FFF2-40B4-BE49-F238E27FC236}">
-                <a16:creationId xmlns:a16="http://schemas.microsoft.com/office/drawing/2014/main" id="{F3D2DD4A-9C15-4A1D-910C-FAB38AFAC994}"/>
+        </p:nvSpPr>
+        <p:spPr/>
+        <p:txBody>
+          <a:bodyPr/>
+          <a:lstStyle/>
+          <a:p>
+            <a:r>
+              <a:rPr lang="en-US" dirty="0"/>
+              <a:t>If your program affects user health, wealth, or safety, then don’t panic.</a:t>
+            </a:r>
+          </a:p>
+          <a:p>
+            <a:pPr lvl="1"/>
+            <a:r>
+              <a:rPr lang="en-US" dirty="0"/>
+              <a:t>Thank you, Douglas Adams</a:t>
+            </a:r>
+          </a:p>
+          <a:p>
+            <a:r>
+              <a:rPr lang="en-US" dirty="0"/>
+              <a:t>Abruptly terminating operation of a Boeing 797 flight navigation system is not a good idea.</a:t>
+            </a:r>
+          </a:p>
+          <a:p>
+            <a:r>
+              <a:rPr lang="en-US" dirty="0"/>
+              <a:t>The route to panic-free behavior is handling results of all functions that may fail.</a:t>
+            </a:r>
+          </a:p>
+          <a:p>
+            <a:pPr lvl="1"/>
+            <a:r>
+              <a:rPr lang="en-US" dirty="0"/>
+              <a:t>Rust makes that obvious, using the return type Result&lt;T, E&gt; for functions that may fail.</a:t>
+            </a:r>
+          </a:p>
+          <a:p>
+            <a:pPr lvl="1"/>
+            <a:r>
+              <a:rPr lang="en-US" dirty="0"/>
+              <a:t>Rust vigorously reminds you to add any missing error handling for those functions – see slide #2.</a:t>
+            </a:r>
+          </a:p>
+        </p:txBody>
+      </p:sp>
+      <p:sp>
+        <p:nvSpPr>
+          <p:cNvPr id="4" name="Slide Number Placeholder 3">
+            <a:extLst>
+              <a:ext uri="{FF2B5EF4-FFF2-40B4-BE49-F238E27FC236}">
+                <a16:creationId xmlns:a16="http://schemas.microsoft.com/office/drawing/2014/main" id="{9A031D35-52E3-4F82-99D5-4DB659A12BC5}"/>
               </a:ext>
             </a:extLst>
           </p:cNvPr>
@@ -9685,7 +10307,7 @@
     </p:spTree>
     <p:extLst>
       <p:ext uri="{BB962C8B-B14F-4D97-AF65-F5344CB8AC3E}">
-        <p14:creationId xmlns:p14="http://schemas.microsoft.com/office/powerpoint/2010/main" val="663864605"/>
+        <p14:creationId xmlns:p14="http://schemas.microsoft.com/office/powerpoint/2010/main" val="1839158800"/>
       </p:ext>
     </p:extLst>
   </p:cSld>

--- a/Resources/RustErrorHandling.pptx
+++ b/Resources/RustErrorHandling.pptx
@@ -226,7 +226,7 @@
           <a:p>
             <a:fld id="{055EF092-8A54-4677-B340-5EB5DEB17706}" type="datetimeFigureOut">
               <a:rPr lang="en-US" smtClean="0"/>
-              <a:t>5/3/2020</a:t>
+              <a:t>5/4/2020</a:t>
             </a:fld>
             <a:endParaRPr lang="en-US"/>
           </a:p>
@@ -640,7 +640,7 @@
           <a:p>
             <a:fld id="{36A0C7CB-2D82-423C-AB01-41EA338034A6}" type="datetime1">
               <a:rPr lang="en-US" smtClean="0"/>
-              <a:t>5/3/2020</a:t>
+              <a:t>5/4/2020</a:t>
             </a:fld>
             <a:endParaRPr lang="en-US"/>
           </a:p>
@@ -838,7 +838,7 @@
           <a:p>
             <a:fld id="{D7C78DD4-2E2E-452A-93AA-FBB2F74976C2}" type="datetime1">
               <a:rPr lang="en-US" smtClean="0"/>
-              <a:t>5/3/2020</a:t>
+              <a:t>5/4/2020</a:t>
             </a:fld>
             <a:endParaRPr lang="en-US"/>
           </a:p>
@@ -1046,7 +1046,7 @@
           <a:p>
             <a:fld id="{851591DF-6002-4AED-B0BC-482CBBAD8E96}" type="datetime1">
               <a:rPr lang="en-US" smtClean="0"/>
-              <a:t>5/3/2020</a:t>
+              <a:t>5/4/2020</a:t>
             </a:fld>
             <a:endParaRPr lang="en-US"/>
           </a:p>
@@ -1254,7 +1254,7 @@
           <a:p>
             <a:fld id="{2006D5C9-BA28-4C78-BA6C-970E82ACA9AF}" type="datetime1">
               <a:rPr lang="en-US" smtClean="0"/>
-              <a:t>5/3/2020</a:t>
+              <a:t>5/4/2020</a:t>
             </a:fld>
             <a:endParaRPr lang="en-US"/>
           </a:p>
@@ -1534,7 +1534,7 @@
           <a:p>
             <a:fld id="{ADEBBC10-72E9-4AB7-9CF2-6E5B73E4A905}" type="datetime1">
               <a:rPr lang="en-US" smtClean="0"/>
-              <a:t>5/3/2020</a:t>
+              <a:t>5/4/2020</a:t>
             </a:fld>
             <a:endParaRPr lang="en-US"/>
           </a:p>
@@ -1804,7 +1804,7 @@
           <a:p>
             <a:fld id="{4C68A4F5-DD82-4FF5-A92B-D8CBC256FF7C}" type="datetime1">
               <a:rPr lang="en-US" smtClean="0"/>
-              <a:t>5/3/2020</a:t>
+              <a:t>5/4/2020</a:t>
             </a:fld>
             <a:endParaRPr lang="en-US"/>
           </a:p>
@@ -2221,7 +2221,7 @@
           <a:p>
             <a:fld id="{1DBCDF70-3824-48C1-8216-8795ED01A5D0}" type="datetime1">
               <a:rPr lang="en-US" smtClean="0"/>
-              <a:t>5/3/2020</a:t>
+              <a:t>5/4/2020</a:t>
             </a:fld>
             <a:endParaRPr lang="en-US"/>
           </a:p>
@@ -2362,7 +2362,7 @@
           <a:p>
             <a:fld id="{E365BA3C-702A-4485-AC0E-B655E7C90C7F}" type="datetime1">
               <a:rPr lang="en-US" smtClean="0"/>
-              <a:t>5/3/2020</a:t>
+              <a:t>5/4/2020</a:t>
             </a:fld>
             <a:endParaRPr lang="en-US"/>
           </a:p>
@@ -2475,7 +2475,7 @@
           <a:p>
             <a:fld id="{2BFFD74F-4C20-47A0-AAFB-26C07C87E0C0}" type="datetime1">
               <a:rPr lang="en-US" smtClean="0"/>
-              <a:t>5/3/2020</a:t>
+              <a:t>5/4/2020</a:t>
             </a:fld>
             <a:endParaRPr lang="en-US"/>
           </a:p>
@@ -2786,7 +2786,7 @@
           <a:p>
             <a:fld id="{ECF2004F-AB7D-4F79-8768-579D51F2D46C}" type="datetime1">
               <a:rPr lang="en-US" smtClean="0"/>
-              <a:t>5/3/2020</a:t>
+              <a:t>5/4/2020</a:t>
             </a:fld>
             <a:endParaRPr lang="en-US"/>
           </a:p>
@@ -3074,7 +3074,7 @@
           <a:p>
             <a:fld id="{21C8C90A-9DD0-4D2B-BFD9-E76A52719A94}" type="datetime1">
               <a:rPr lang="en-US" smtClean="0"/>
-              <a:t>5/3/2020</a:t>
+              <a:t>5/4/2020</a:t>
             </a:fld>
             <a:endParaRPr lang="en-US"/>
           </a:p>
@@ -3315,7 +3315,7 @@
           <a:p>
             <a:fld id="{570724D7-3E32-49D3-AC4A-39ACC2C5F813}" type="datetime1">
               <a:rPr lang="en-US" smtClean="0"/>
-              <a:t>5/3/2020</a:t>
+              <a:t>5/4/2020</a:t>
             </a:fld>
             <a:endParaRPr lang="en-US"/>
           </a:p>
@@ -8791,7 +8791,7 @@
             </a:r>
             <a:r>
               <a:rPr lang="en-US" dirty="0"/>
-              <a:t> that define contracts for static and dynamic polymorphism, using generics and traits, essential for building flexible code that adapts to changing requirements.</a:t>
+              <a:t> that define contracts for static and dynamic polymorphism, using generics and trait inheritance, essential for building flexible code that adapts to changing requirements.</a:t>
             </a:r>
           </a:p>
           <a:p>
@@ -9156,18 +9156,28 @@
           <a:p>
             <a:r>
               <a:rPr lang="en-US" dirty="0"/>
-              <a:t>You will find more details about ownership, objects, generics, and the Rust build process in a series of podcasts that are being published by CSIAC.</a:t>
-            </a:r>
-          </a:p>
-          <a:p>
-            <a:r>
-              <a:rPr lang="en-US" dirty="0"/>
-              <a:t>More details about Rust are provided in a </a:t>
+              <a:t>You will find more details about ownership, objects, generics, and the Rust build process in a series of podcasts that are being published by CSIAC and also made available </a:t>
             </a:r>
             <a:r>
               <a:rPr lang="en-US" sz="2400" dirty="0">
                 <a:hlinkClick r:id="rId3"/>
               </a:rPr>
+              <a:t>here</a:t>
+            </a:r>
+            <a:r>
+              <a:rPr lang="en-US" sz="2400" dirty="0"/>
+              <a:t>.</a:t>
+            </a:r>
+          </a:p>
+          <a:p>
+            <a:r>
+              <a:rPr lang="en-US" dirty="0"/>
+              <a:t>More details about Rust are provided in a </a:t>
+            </a:r>
+            <a:r>
+              <a:rPr lang="en-US" sz="2400" dirty="0">
+                <a:hlinkClick r:id="rId4"/>
+              </a:rPr>
               <a:t>Rust Story</a:t>
             </a:r>
             <a:r>
@@ -9176,13 +9186,13 @@
             </a:r>
             <a:r>
               <a:rPr lang="en-US" sz="2400" dirty="0" err="1">
-                <a:hlinkClick r:id="rId4"/>
+                <a:hlinkClick r:id="rId5"/>
               </a:rPr>
               <a:t>github</a:t>
             </a:r>
             <a:r>
               <a:rPr lang="en-US" sz="2400" dirty="0">
-                <a:hlinkClick r:id="rId4"/>
+                <a:hlinkClick r:id="rId5"/>
               </a:rPr>
               <a:t> site</a:t>
             </a:r>

--- a/Resources/RustErrorHandling.pptx
+++ b/Resources/RustErrorHandling.pptx
@@ -3749,7 +3749,12 @@
             <p:ph type="ctrTitle"/>
           </p:nvPr>
         </p:nvSpPr>
-        <p:spPr/>
+        <p:spPr>
+          <a:xfrm>
+            <a:off x="1524000" y="1122363"/>
+            <a:ext cx="9144000" cy="2064182"/>
+          </a:xfrm>
+        </p:spPr>
         <p:txBody>
           <a:bodyPr/>
           <a:lstStyle/>
@@ -3758,6 +3763,14 @@
               <a:rPr lang="en-US" dirty="0"/>
               <a:t>Rust Error Handling</a:t>
             </a:r>
+            <a:br>
+              <a:rPr lang="en-US" dirty="0"/>
+            </a:br>
+            <a:r>
+              <a:rPr lang="en-US" sz="2800" dirty="0"/>
+              <a:t>Important Part of a Safe Systems Programming Language</a:t>
+            </a:r>
+            <a:endParaRPr lang="en-US" dirty="0"/>
           </a:p>
         </p:txBody>
       </p:sp>
@@ -4806,10 +4819,10 @@
       </p:sp>
       <p:pic>
         <p:nvPicPr>
-          <p:cNvPr id="6" name="Content Placeholder 5">
-            <a:extLst>
-              <a:ext uri="{FF2B5EF4-FFF2-40B4-BE49-F238E27FC236}">
-                <a16:creationId xmlns:a16="http://schemas.microsoft.com/office/drawing/2014/main" id="{FD08C1FB-5928-45B3-A4BF-91A9B48CBBAE}"/>
+          <p:cNvPr id="10" name="Content Placeholder 9">
+            <a:extLst>
+              <a:ext uri="{FF2B5EF4-FFF2-40B4-BE49-F238E27FC236}">
+                <a16:creationId xmlns:a16="http://schemas.microsoft.com/office/drawing/2014/main" id="{5500E1FC-7799-4C58-A412-4E2E7646FD48}"/>
               </a:ext>
             </a:extLst>
           </p:cNvPr>
@@ -4817,7 +4830,7 @@
             <a:picLocks noGrp="1" noChangeAspect="1"/>
           </p:cNvPicPr>
           <p:nvPr>
-            <p:ph sz="half" idx="1"/>
+            <p:ph sz="half" idx="2"/>
           </p:nvPr>
         </p:nvPicPr>
         <p:blipFill>
@@ -4828,8 +4841,8 @@
         </p:blipFill>
         <p:spPr>
           <a:xfrm>
-            <a:off x="288885" y="157678"/>
-            <a:ext cx="6354656" cy="6248569"/>
+            <a:off x="6720042" y="157677"/>
+            <a:ext cx="5131383" cy="6248569"/>
           </a:xfrm>
           <a:prstGeom prst="rect">
             <a:avLst/>
@@ -4838,10 +4851,10 @@
       </p:pic>
       <p:pic>
         <p:nvPicPr>
-          <p:cNvPr id="10" name="Content Placeholder 9">
-            <a:extLst>
-              <a:ext uri="{FF2B5EF4-FFF2-40B4-BE49-F238E27FC236}">
-                <a16:creationId xmlns:a16="http://schemas.microsoft.com/office/drawing/2014/main" id="{5500E1FC-7799-4C58-A412-4E2E7646FD48}"/>
+          <p:cNvPr id="11" name="Content Placeholder 10">
+            <a:extLst>
+              <a:ext uri="{FF2B5EF4-FFF2-40B4-BE49-F238E27FC236}">
+                <a16:creationId xmlns:a16="http://schemas.microsoft.com/office/drawing/2014/main" id="{F372F357-68E3-4A6F-B009-6CDFFEA6D0A8}"/>
               </a:ext>
             </a:extLst>
           </p:cNvPr>
@@ -4849,7 +4862,7 @@
             <a:picLocks noGrp="1" noChangeAspect="1"/>
           </p:cNvPicPr>
           <p:nvPr>
-            <p:ph sz="half" idx="2"/>
+            <p:ph sz="half" idx="1"/>
           </p:nvPr>
         </p:nvPicPr>
         <p:blipFill>
@@ -4860,8 +4873,8 @@
         </p:blipFill>
         <p:spPr>
           <a:xfrm>
-            <a:off x="6766223" y="157677"/>
-            <a:ext cx="5131383" cy="6248569"/>
+            <a:off x="402188" y="157676"/>
+            <a:ext cx="6046803" cy="6248569"/>
           </a:xfrm>
           <a:prstGeom prst="rect">
             <a:avLst/>
@@ -4886,7 +4899,7 @@
         </p:nvSpPr>
         <p:spPr>
           <a:xfrm>
-            <a:off x="3669410" y="1077084"/>
+            <a:off x="3669410" y="1178681"/>
             <a:ext cx="3677958" cy="621638"/>
           </a:xfrm>
           <a:solidFill>
@@ -7874,7 +7887,7 @@
         </p:blipFill>
         <p:spPr>
           <a:xfrm>
-            <a:off x="838200" y="1309063"/>
+            <a:off x="561112" y="1309063"/>
             <a:ext cx="5181600" cy="2722647"/>
           </a:xfrm>
           <a:prstGeom prst="rect">
@@ -7884,10 +7897,10 @@
       </p:pic>
       <p:pic>
         <p:nvPicPr>
-          <p:cNvPr id="19" name="Content Placeholder 18">
-            <a:extLst>
-              <a:ext uri="{FF2B5EF4-FFF2-40B4-BE49-F238E27FC236}">
-                <a16:creationId xmlns:a16="http://schemas.microsoft.com/office/drawing/2014/main" id="{764F3265-0AA8-48E2-830C-38DC4A06B881}"/>
+          <p:cNvPr id="6" name="Content Placeholder 5">
+            <a:extLst>
+              <a:ext uri="{FF2B5EF4-FFF2-40B4-BE49-F238E27FC236}">
+                <a16:creationId xmlns:a16="http://schemas.microsoft.com/office/drawing/2014/main" id="{D872EA37-0777-4E83-A774-7D622AFF4E70}"/>
               </a:ext>
             </a:extLst>
           </p:cNvPr>
@@ -7906,8 +7919,8 @@
         </p:blipFill>
         <p:spPr>
           <a:xfrm>
-            <a:off x="6172202" y="1324808"/>
-            <a:ext cx="5181600" cy="3575752"/>
+            <a:off x="5895112" y="1309063"/>
+            <a:ext cx="5824332" cy="3891010"/>
           </a:xfrm>
           <a:prstGeom prst="rect">
             <a:avLst/>
@@ -8750,7 +8763,7 @@
           <a:p>
             <a:r>
               <a:rPr lang="en-US" dirty="0"/>
-              <a:t>Rust incorporates a number of interesting ideas that support system programming:</a:t>
+              <a:t>Rust incorporates a number of interesting ideas that support modern system programming:</a:t>
             </a:r>
           </a:p>
           <a:p>
@@ -9065,7 +9078,11 @@
             <p:ph type="title"/>
           </p:nvPr>
         </p:nvSpPr>
-        <p:spPr/>
+        <p:spPr>
+          <a:solidFill>
+            <a:schemeClr val="bg2"/>
+          </a:solidFill>
+        </p:spPr>
         <p:txBody>
           <a:bodyPr/>
           <a:lstStyle/>
@@ -9280,7 +9297,12 @@
             <p:ph type="title"/>
           </p:nvPr>
         </p:nvSpPr>
-        <p:spPr/>
+        <p:spPr>
+          <a:xfrm>
+            <a:off x="838200" y="365126"/>
+            <a:ext cx="10515600" cy="599619"/>
+          </a:xfrm>
+        </p:spPr>
         <p:txBody>
           <a:bodyPr/>
           <a:lstStyle/>
@@ -9308,10 +9330,21 @@
             <p:ph idx="1"/>
           </p:nvPr>
         </p:nvSpPr>
-        <p:spPr/>
-        <p:txBody>
-          <a:bodyPr/>
-          <a:lstStyle/>
+        <p:spPr>
+          <a:xfrm>
+            <a:off x="838200" y="1099128"/>
+            <a:ext cx="10515600" cy="5077836"/>
+          </a:xfrm>
+        </p:spPr>
+        <p:txBody>
+          <a:bodyPr/>
+          <a:lstStyle/>
+          <a:p>
+            <a:r>
+              <a:rPr lang="en-US" dirty="0"/>
+              <a:t>Rust identifies functions that may fail by returning Result&lt;T, E&gt;</a:t>
+            </a:r>
+          </a:p>
           <a:p>
             <a:r>
               <a:rPr lang="en-US" dirty="0"/>
@@ -9332,15 +9365,7 @@
           <a:p>
             <a:r>
               <a:rPr lang="en-US" dirty="0"/>
-              <a:t>You have to opt out if you don’t need </a:t>
-            </a:r>
-            <a:r>
-              <a:rPr lang="en-US"/>
-              <a:t>to handle </a:t>
-            </a:r>
-            <a:r>
-              <a:rPr lang="en-US" dirty="0"/>
-              <a:t>an error case.</a:t>
+              <a:t>You have to opt out if you don’t need to handle an error case.</a:t>
             </a:r>
             <a:br>
               <a:rPr lang="en-US" dirty="0"/>
@@ -9413,7 +9438,7 @@
         </p:blipFill>
         <p:spPr>
           <a:xfrm>
-            <a:off x="1172668" y="2198894"/>
+            <a:off x="1172668" y="2503691"/>
             <a:ext cx="4690663" cy="822133"/>
           </a:xfrm>
           <a:prstGeom prst="rect">
@@ -9443,7 +9468,7 @@
         </p:blipFill>
         <p:spPr>
           <a:xfrm>
-            <a:off x="6169879" y="1804198"/>
+            <a:off x="6169879" y="2108995"/>
             <a:ext cx="5091731" cy="1568964"/>
           </a:xfrm>
           <a:prstGeom prst="rect">
@@ -9473,7 +9498,7 @@
         </p:blipFill>
         <p:spPr>
           <a:xfrm>
-            <a:off x="1242358" y="3860480"/>
+            <a:off x="1242358" y="4165277"/>
             <a:ext cx="4597654" cy="872064"/>
           </a:xfrm>
           <a:prstGeom prst="rect">

--- a/Resources/RustErrorHandling.pptx
+++ b/Resources/RustErrorHandling.pptx
@@ -3768,7 +3768,7 @@
             </a:br>
             <a:r>
               <a:rPr lang="en-US" sz="2800" dirty="0"/>
-              <a:t>Important Part of a Safe Systems Programming Language</a:t>
+              <a:t>Important Part of Safe Systems Programming</a:t>
             </a:r>
             <a:endParaRPr lang="en-US" dirty="0"/>
           </a:p>

--- a/Resources/RustErrorHandling.pptx
+++ b/Resources/RustErrorHandling.pptx
@@ -226,7 +226,7 @@
           <a:p>
             <a:fld id="{055EF092-8A54-4677-B340-5EB5DEB17706}" type="datetimeFigureOut">
               <a:rPr lang="en-US" smtClean="0"/>
-              <a:t>5/4/2020</a:t>
+              <a:t>5/6/2020</a:t>
             </a:fld>
             <a:endParaRPr lang="en-US"/>
           </a:p>
@@ -640,7 +640,7 @@
           <a:p>
             <a:fld id="{36A0C7CB-2D82-423C-AB01-41EA338034A6}" type="datetime1">
               <a:rPr lang="en-US" smtClean="0"/>
-              <a:t>5/4/2020</a:t>
+              <a:t>5/6/2020</a:t>
             </a:fld>
             <a:endParaRPr lang="en-US"/>
           </a:p>
@@ -838,7 +838,7 @@
           <a:p>
             <a:fld id="{D7C78DD4-2E2E-452A-93AA-FBB2F74976C2}" type="datetime1">
               <a:rPr lang="en-US" smtClean="0"/>
-              <a:t>5/4/2020</a:t>
+              <a:t>5/6/2020</a:t>
             </a:fld>
             <a:endParaRPr lang="en-US"/>
           </a:p>
@@ -1046,7 +1046,7 @@
           <a:p>
             <a:fld id="{851591DF-6002-4AED-B0BC-482CBBAD8E96}" type="datetime1">
               <a:rPr lang="en-US" smtClean="0"/>
-              <a:t>5/4/2020</a:t>
+              <a:t>5/6/2020</a:t>
             </a:fld>
             <a:endParaRPr lang="en-US"/>
           </a:p>
@@ -1254,7 +1254,7 @@
           <a:p>
             <a:fld id="{2006D5C9-BA28-4C78-BA6C-970E82ACA9AF}" type="datetime1">
               <a:rPr lang="en-US" smtClean="0"/>
-              <a:t>5/4/2020</a:t>
+              <a:t>5/6/2020</a:t>
             </a:fld>
             <a:endParaRPr lang="en-US"/>
           </a:p>
@@ -1534,7 +1534,7 @@
           <a:p>
             <a:fld id="{ADEBBC10-72E9-4AB7-9CF2-6E5B73E4A905}" type="datetime1">
               <a:rPr lang="en-US" smtClean="0"/>
-              <a:t>5/4/2020</a:t>
+              <a:t>5/6/2020</a:t>
             </a:fld>
             <a:endParaRPr lang="en-US"/>
           </a:p>
@@ -1804,7 +1804,7 @@
           <a:p>
             <a:fld id="{4C68A4F5-DD82-4FF5-A92B-D8CBC256FF7C}" type="datetime1">
               <a:rPr lang="en-US" smtClean="0"/>
-              <a:t>5/4/2020</a:t>
+              <a:t>5/6/2020</a:t>
             </a:fld>
             <a:endParaRPr lang="en-US"/>
           </a:p>
@@ -2221,7 +2221,7 @@
           <a:p>
             <a:fld id="{1DBCDF70-3824-48C1-8216-8795ED01A5D0}" type="datetime1">
               <a:rPr lang="en-US" smtClean="0"/>
-              <a:t>5/4/2020</a:t>
+              <a:t>5/6/2020</a:t>
             </a:fld>
             <a:endParaRPr lang="en-US"/>
           </a:p>
@@ -2362,7 +2362,7 @@
           <a:p>
             <a:fld id="{E365BA3C-702A-4485-AC0E-B655E7C90C7F}" type="datetime1">
               <a:rPr lang="en-US" smtClean="0"/>
-              <a:t>5/4/2020</a:t>
+              <a:t>5/6/2020</a:t>
             </a:fld>
             <a:endParaRPr lang="en-US"/>
           </a:p>
@@ -2475,7 +2475,7 @@
           <a:p>
             <a:fld id="{2BFFD74F-4C20-47A0-AAFB-26C07C87E0C0}" type="datetime1">
               <a:rPr lang="en-US" smtClean="0"/>
-              <a:t>5/4/2020</a:t>
+              <a:t>5/6/2020</a:t>
             </a:fld>
             <a:endParaRPr lang="en-US"/>
           </a:p>
@@ -2786,7 +2786,7 @@
           <a:p>
             <a:fld id="{ECF2004F-AB7D-4F79-8768-579D51F2D46C}" type="datetime1">
               <a:rPr lang="en-US" smtClean="0"/>
-              <a:t>5/4/2020</a:t>
+              <a:t>5/6/2020</a:t>
             </a:fld>
             <a:endParaRPr lang="en-US"/>
           </a:p>
@@ -3074,7 +3074,7 @@
           <a:p>
             <a:fld id="{21C8C90A-9DD0-4D2B-BFD9-E76A52719A94}" type="datetime1">
               <a:rPr lang="en-US" smtClean="0"/>
-              <a:t>5/4/2020</a:t>
+              <a:t>5/6/2020</a:t>
             </a:fld>
             <a:endParaRPr lang="en-US"/>
           </a:p>
@@ -3315,7 +3315,7 @@
           <a:p>
             <a:fld id="{570724D7-3E32-49D3-AC4A-39ACC2C5F813}" type="datetime1">
               <a:rPr lang="en-US" smtClean="0"/>
-              <a:t>5/4/2020</a:t>
+              <a:t>5/6/2020</a:t>
             </a:fld>
             <a:endParaRPr lang="en-US"/>
           </a:p>
@@ -9157,13 +9157,13 @@
               <a:rPr lang="en-US" sz="2400" dirty="0">
                 <a:hlinkClick r:id="rId2"/>
               </a:rPr>
-              <a:t>Error Handling Code </a:t>
-            </a:r>
-            <a:r>
-              <a:rPr lang="en-US" sz="2400" dirty="0" err="1">
+              <a:t>Error Handling </a:t>
+            </a:r>
+            <a:r>
+              <a:rPr lang="en-US" sz="2400">
                 <a:hlinkClick r:id="rId2"/>
               </a:rPr>
-              <a:t>Rerpository</a:t>
+              <a:t>Code Repository</a:t>
             </a:r>
             <a:r>
               <a:rPr lang="en-US" sz="2400" dirty="0"/>

--- a/Resources/RustErrorHandling.pptx
+++ b/Resources/RustErrorHandling.pptx
@@ -226,7 +226,7 @@
           <a:p>
             <a:fld id="{055EF092-8A54-4677-B340-5EB5DEB17706}" type="datetimeFigureOut">
               <a:rPr lang="en-US" smtClean="0"/>
-              <a:t>5/6/2020</a:t>
+              <a:t>10/9/2024</a:t>
             </a:fld>
             <a:endParaRPr lang="en-US"/>
           </a:p>
@@ -640,7 +640,7 @@
           <a:p>
             <a:fld id="{36A0C7CB-2D82-423C-AB01-41EA338034A6}" type="datetime1">
               <a:rPr lang="en-US" smtClean="0"/>
-              <a:t>5/6/2020</a:t>
+              <a:t>10/9/2024</a:t>
             </a:fld>
             <a:endParaRPr lang="en-US"/>
           </a:p>
@@ -838,7 +838,7 @@
           <a:p>
             <a:fld id="{D7C78DD4-2E2E-452A-93AA-FBB2F74976C2}" type="datetime1">
               <a:rPr lang="en-US" smtClean="0"/>
-              <a:t>5/6/2020</a:t>
+              <a:t>10/9/2024</a:t>
             </a:fld>
             <a:endParaRPr lang="en-US"/>
           </a:p>
@@ -1046,7 +1046,7 @@
           <a:p>
             <a:fld id="{851591DF-6002-4AED-B0BC-482CBBAD8E96}" type="datetime1">
               <a:rPr lang="en-US" smtClean="0"/>
-              <a:t>5/6/2020</a:t>
+              <a:t>10/9/2024</a:t>
             </a:fld>
             <a:endParaRPr lang="en-US"/>
           </a:p>
@@ -1254,7 +1254,7 @@
           <a:p>
             <a:fld id="{2006D5C9-BA28-4C78-BA6C-970E82ACA9AF}" type="datetime1">
               <a:rPr lang="en-US" smtClean="0"/>
-              <a:t>5/6/2020</a:t>
+              <a:t>10/9/2024</a:t>
             </a:fld>
             <a:endParaRPr lang="en-US"/>
           </a:p>
@@ -1534,7 +1534,7 @@
           <a:p>
             <a:fld id="{ADEBBC10-72E9-4AB7-9CF2-6E5B73E4A905}" type="datetime1">
               <a:rPr lang="en-US" smtClean="0"/>
-              <a:t>5/6/2020</a:t>
+              <a:t>10/9/2024</a:t>
             </a:fld>
             <a:endParaRPr lang="en-US"/>
           </a:p>
@@ -1804,7 +1804,7 @@
           <a:p>
             <a:fld id="{4C68A4F5-DD82-4FF5-A92B-D8CBC256FF7C}" type="datetime1">
               <a:rPr lang="en-US" smtClean="0"/>
-              <a:t>5/6/2020</a:t>
+              <a:t>10/9/2024</a:t>
             </a:fld>
             <a:endParaRPr lang="en-US"/>
           </a:p>
@@ -2221,7 +2221,7 @@
           <a:p>
             <a:fld id="{1DBCDF70-3824-48C1-8216-8795ED01A5D0}" type="datetime1">
               <a:rPr lang="en-US" smtClean="0"/>
-              <a:t>5/6/2020</a:t>
+              <a:t>10/9/2024</a:t>
             </a:fld>
             <a:endParaRPr lang="en-US"/>
           </a:p>
@@ -2362,7 +2362,7 @@
           <a:p>
             <a:fld id="{E365BA3C-702A-4485-AC0E-B655E7C90C7F}" type="datetime1">
               <a:rPr lang="en-US" smtClean="0"/>
-              <a:t>5/6/2020</a:t>
+              <a:t>10/9/2024</a:t>
             </a:fld>
             <a:endParaRPr lang="en-US"/>
           </a:p>
@@ -2475,7 +2475,7 @@
           <a:p>
             <a:fld id="{2BFFD74F-4C20-47A0-AAFB-26C07C87E0C0}" type="datetime1">
               <a:rPr lang="en-US" smtClean="0"/>
-              <a:t>5/6/2020</a:t>
+              <a:t>10/9/2024</a:t>
             </a:fld>
             <a:endParaRPr lang="en-US"/>
           </a:p>
@@ -2786,7 +2786,7 @@
           <a:p>
             <a:fld id="{ECF2004F-AB7D-4F79-8768-579D51F2D46C}" type="datetime1">
               <a:rPr lang="en-US" smtClean="0"/>
-              <a:t>5/6/2020</a:t>
+              <a:t>10/9/2024</a:t>
             </a:fld>
             <a:endParaRPr lang="en-US"/>
           </a:p>
@@ -3074,7 +3074,7 @@
           <a:p>
             <a:fld id="{21C8C90A-9DD0-4D2B-BFD9-E76A52719A94}" type="datetime1">
               <a:rPr lang="en-US" smtClean="0"/>
-              <a:t>5/6/2020</a:t>
+              <a:t>10/9/2024</a:t>
             </a:fld>
             <a:endParaRPr lang="en-US"/>
           </a:p>
@@ -3315,7 +3315,7 @@
           <a:p>
             <a:fld id="{570724D7-3E32-49D3-AC4A-39ACC2C5F813}" type="datetime1">
               <a:rPr lang="en-US" smtClean="0"/>
-              <a:t>5/6/2020</a:t>
+              <a:t>10/9/2024</a:t>
             </a:fld>
             <a:endParaRPr lang="en-US"/>
           </a:p>
@@ -9758,14 +9758,14 @@
           <a:p>
             <a:r>
               <a:rPr lang="en-US" dirty="0"/>
-              <a:t>A panic is a program exit that attempts to unwind the stack, dropping each object residing in the stack.</a:t>
+              <a:t>A panic is a thread exit that attempts to unwind the stack, dropping each object residing in the stack.</a:t>
             </a:r>
           </a:p>
           <a:p>
             <a:pPr lvl="1"/>
             <a:r>
               <a:rPr lang="en-US" dirty="0"/>
-              <a:t>Panics can be trapped and handled to avoid program exit</a:t>
+              <a:t>Panics can be trapped and handled to avoid thread exit</a:t>
             </a:r>
           </a:p>
           <a:p>
